--- a/trunk/ kinect-virtual-world --username c.c.williams55@gmail.com/Report 1 Files/Angry Prims Preliminary Proposal.pptx
+++ b/trunk/ kinect-virtual-world --username c.c.williams55@gmail.com/Report 1 Files/Angry Prims Preliminary Proposal.pptx
@@ -2,7 +2,7 @@
 <file path=ppt/presentation.xml><?xml version="1.0" encoding="utf-8"?>
 <p:presentation xmlns:a="http://schemas.openxmlformats.org/drawingml/2006/main" xmlns:r="http://schemas.openxmlformats.org/officeDocument/2006/relationships" xmlns:p="http://schemas.openxmlformats.org/presentationml/2006/main" removePersonalInfoOnSave="1" saveSubsetFonts="1">
   <p:sldMasterIdLst>
-    <p:sldMasterId id="2147483804" r:id="rId1"/>
+    <p:sldMasterId id="2147483948" r:id="rId1"/>
   </p:sldMasterIdLst>
   <p:notesMasterIdLst>
     <p:notesMasterId r:id="rId9"/>
@@ -115,7 +115,7 @@
   </p:defaultTextStyle>
   <p:extLst>
     <p:ext uri="{521415D9-36F7-43E2-AB2F-B90AF26B5E84}">
-      <p14:sectionLst xmlns:p14="http://schemas.microsoft.com/office/powerpoint/2010/main">
+      <p14:sectionLst xmlns:p14="http://schemas.microsoft.com/office/powerpoint/2010/main" xmlns="">
         <p14:section name="Default Section" id="{992832F5-EA01-48E5-B403-87E193F50680}">
           <p14:sldIdLst>
             <p14:sldId id="259"/>
@@ -2088,23 +2088,23 @@
     </dgm:pt>
   </dgm:ptLst>
   <dgm:cxnLst>
-    <dgm:cxn modelId="{679C1D1A-14EB-43D6-A6EB-15DB434BD9E3}" srcId="{455C831A-CCF5-4391-A2BE-9DF065D37587}" destId="{C7CCB8C4-BA8F-435B-96D2-651E5BBEE204}" srcOrd="1" destOrd="0" parTransId="{AD18367E-C5DB-45A4-A27B-B15954C86D0F}" sibTransId="{7D6A4EA2-7BAB-433A-B969-4D95C96F0274}"/>
-    <dgm:cxn modelId="{3C905DEF-E67D-4C40-B05D-4060669E3B98}" type="presOf" srcId="{A75DE5EA-0E88-4A1C-B1EA-B4EE477D7AA1}" destId="{5E71A06C-9747-4CAE-BA21-E9C2A4D6678D}" srcOrd="0" destOrd="0" presId="urn:microsoft.com/office/officeart/2005/8/layout/arrow2"/>
-    <dgm:cxn modelId="{F0DD8F9B-E674-4A01-8891-20D1632F36B0}" type="presOf" srcId="{5175B6B0-3CA6-4535-A09B-108E0999A356}" destId="{389CF004-91C6-4868-93F7-537D5C97980B}" srcOrd="0" destOrd="1" presId="urn:microsoft.com/office/officeart/2005/8/layout/arrow2"/>
-    <dgm:cxn modelId="{39ECB7E7-30E3-4A3C-AAF0-553A3160CF23}" type="presOf" srcId="{455C831A-CCF5-4391-A2BE-9DF065D37587}" destId="{E220828C-C958-4FCF-B52F-02D7F5D17607}" srcOrd="0" destOrd="0" presId="urn:microsoft.com/office/officeart/2005/8/layout/arrow2"/>
-    <dgm:cxn modelId="{D09152C8-0058-4F02-AE9F-59A443534AE8}" srcId="{455C831A-CCF5-4391-A2BE-9DF065D37587}" destId="{A75DE5EA-0E88-4A1C-B1EA-B4EE477D7AA1}" srcOrd="2" destOrd="0" parTransId="{48157EE2-9BD9-48FE-A422-276C84F2470D}" sibTransId="{03226FF3-250B-4000-A0B5-00FF0F1D75A5}"/>
-    <dgm:cxn modelId="{FF43409D-6490-4DAC-9843-57BD11235D92}" type="presOf" srcId="{1E3A074B-8EC3-4AC7-ADB8-C53A583CA2D1}" destId="{48F9B62B-8095-40B1-882D-7B164B0C8B69}" srcOrd="0" destOrd="0" presId="urn:microsoft.com/office/officeart/2005/8/layout/arrow2"/>
-    <dgm:cxn modelId="{FE1744AC-C004-4578-94B6-93CA8D33C9E8}" type="presOf" srcId="{1982B446-3706-4711-A6F1-3DC4DFE59A3A}" destId="{DB2CD8C7-A5B3-49A1-81CC-0EEDDDF3DB4E}" srcOrd="0" destOrd="0" presId="urn:microsoft.com/office/officeart/2005/8/layout/arrow2"/>
-    <dgm:cxn modelId="{293E3154-15DE-4C13-93DE-664CEAB9F0AF}" srcId="{1982B446-3706-4711-A6F1-3DC4DFE59A3A}" destId="{BAD6DE81-DE4F-40EF-8526-A8F127A4BE33}" srcOrd="0" destOrd="0" parTransId="{3224C504-155F-4C9F-93C7-83D8D4CEC1B4}" sibTransId="{6252B9CC-7427-40BA-B706-E629F53D4B22}"/>
-    <dgm:cxn modelId="{8C1AFE23-B091-4CE6-8284-0511812F213B}" srcId="{455C831A-CCF5-4391-A2BE-9DF065D37587}" destId="{1E3A074B-8EC3-4AC7-ADB8-C53A583CA2D1}" srcOrd="0" destOrd="0" parTransId="{C3E70DF8-D297-401F-A070-1295F4388B0B}" sibTransId="{13D421C7-F834-4141-85ED-0207D610A128}"/>
-    <dgm:cxn modelId="{277398F3-A9DD-4822-A4A0-9408AA94EB41}" srcId="{A75DE5EA-0E88-4A1C-B1EA-B4EE477D7AA1}" destId="{9898FE38-DE6C-46BA-8D32-D767674AD978}" srcOrd="0" destOrd="0" parTransId="{6500A968-9A0E-4ACA-91E4-A3C5FA03BCC8}" sibTransId="{15E99FBC-5B51-4114-8E0B-C26E50C78603}"/>
-    <dgm:cxn modelId="{FDF899A6-3BC3-4400-9E4F-5AFB1A844A3B}" type="presOf" srcId="{BAD6DE81-DE4F-40EF-8526-A8F127A4BE33}" destId="{DB2CD8C7-A5B3-49A1-81CC-0EEDDDF3DB4E}" srcOrd="0" destOrd="1" presId="urn:microsoft.com/office/officeart/2005/8/layout/arrow2"/>
-    <dgm:cxn modelId="{FC06516A-52A5-4D36-B302-CBA7ED53FA18}" type="presOf" srcId="{C7CCB8C4-BA8F-435B-96D2-651E5BBEE204}" destId="{389CF004-91C6-4868-93F7-537D5C97980B}" srcOrd="0" destOrd="0" presId="urn:microsoft.com/office/officeart/2005/8/layout/arrow2"/>
     <dgm:cxn modelId="{2583541F-F162-483D-B9B2-385C14B7D6E2}" type="presOf" srcId="{9898FE38-DE6C-46BA-8D32-D767674AD978}" destId="{5E71A06C-9747-4CAE-BA21-E9C2A4D6678D}" srcOrd="0" destOrd="1" presId="urn:microsoft.com/office/officeart/2005/8/layout/arrow2"/>
     <dgm:cxn modelId="{6686FD9E-DB1E-41A9-BB5F-188F3F8748F3}" type="presOf" srcId="{A39C9339-F7BC-4A9F-AF8A-3B9741B27413}" destId="{48F9B62B-8095-40B1-882D-7B164B0C8B69}" srcOrd="0" destOrd="1" presId="urn:microsoft.com/office/officeart/2005/8/layout/arrow2"/>
+    <dgm:cxn modelId="{39ECB7E7-30E3-4A3C-AAF0-553A3160CF23}" type="presOf" srcId="{455C831A-CCF5-4391-A2BE-9DF065D37587}" destId="{E220828C-C958-4FCF-B52F-02D7F5D17607}" srcOrd="0" destOrd="0" presId="urn:microsoft.com/office/officeart/2005/8/layout/arrow2"/>
+    <dgm:cxn modelId="{277398F3-A9DD-4822-A4A0-9408AA94EB41}" srcId="{A75DE5EA-0E88-4A1C-B1EA-B4EE477D7AA1}" destId="{9898FE38-DE6C-46BA-8D32-D767674AD978}" srcOrd="0" destOrd="0" parTransId="{6500A968-9A0E-4ACA-91E4-A3C5FA03BCC8}" sibTransId="{15E99FBC-5B51-4114-8E0B-C26E50C78603}"/>
+    <dgm:cxn modelId="{8C1AFE23-B091-4CE6-8284-0511812F213B}" srcId="{455C831A-CCF5-4391-A2BE-9DF065D37587}" destId="{1E3A074B-8EC3-4AC7-ADB8-C53A583CA2D1}" srcOrd="0" destOrd="0" parTransId="{C3E70DF8-D297-401F-A070-1295F4388B0B}" sibTransId="{13D421C7-F834-4141-85ED-0207D610A128}"/>
+    <dgm:cxn modelId="{FDF899A6-3BC3-4400-9E4F-5AFB1A844A3B}" type="presOf" srcId="{BAD6DE81-DE4F-40EF-8526-A8F127A4BE33}" destId="{DB2CD8C7-A5B3-49A1-81CC-0EEDDDF3DB4E}" srcOrd="0" destOrd="1" presId="urn:microsoft.com/office/officeart/2005/8/layout/arrow2"/>
+    <dgm:cxn modelId="{BF777ED0-A485-405A-BFCD-E378EF965464}" srcId="{1E3A074B-8EC3-4AC7-ADB8-C53A583CA2D1}" destId="{A39C9339-F7BC-4A9F-AF8A-3B9741B27413}" srcOrd="0" destOrd="0" parTransId="{26699644-3B9B-4794-926C-D854282146D8}" sibTransId="{3E2FBE5E-2D29-4C39-97D1-424264F1308F}"/>
+    <dgm:cxn modelId="{3C905DEF-E67D-4C40-B05D-4060669E3B98}" type="presOf" srcId="{A75DE5EA-0E88-4A1C-B1EA-B4EE477D7AA1}" destId="{5E71A06C-9747-4CAE-BA21-E9C2A4D6678D}" srcOrd="0" destOrd="0" presId="urn:microsoft.com/office/officeart/2005/8/layout/arrow2"/>
+    <dgm:cxn modelId="{D09152C8-0058-4F02-AE9F-59A443534AE8}" srcId="{455C831A-CCF5-4391-A2BE-9DF065D37587}" destId="{A75DE5EA-0E88-4A1C-B1EA-B4EE477D7AA1}" srcOrd="2" destOrd="0" parTransId="{48157EE2-9BD9-48FE-A422-276C84F2470D}" sibTransId="{03226FF3-250B-4000-A0B5-00FF0F1D75A5}"/>
+    <dgm:cxn modelId="{FC06516A-52A5-4D36-B302-CBA7ED53FA18}" type="presOf" srcId="{C7CCB8C4-BA8F-435B-96D2-651E5BBEE204}" destId="{389CF004-91C6-4868-93F7-537D5C97980B}" srcOrd="0" destOrd="0" presId="urn:microsoft.com/office/officeart/2005/8/layout/arrow2"/>
+    <dgm:cxn modelId="{293E3154-15DE-4C13-93DE-664CEAB9F0AF}" srcId="{1982B446-3706-4711-A6F1-3DC4DFE59A3A}" destId="{BAD6DE81-DE4F-40EF-8526-A8F127A4BE33}" srcOrd="0" destOrd="0" parTransId="{3224C504-155F-4C9F-93C7-83D8D4CEC1B4}" sibTransId="{6252B9CC-7427-40BA-B706-E629F53D4B22}"/>
     <dgm:cxn modelId="{345AD6EC-90F1-4BA3-A053-C21366541189}" srcId="{C7CCB8C4-BA8F-435B-96D2-651E5BBEE204}" destId="{5175B6B0-3CA6-4535-A09B-108E0999A356}" srcOrd="0" destOrd="0" parTransId="{ECD96492-1092-4631-A208-D9A5DA08372E}" sibTransId="{F900535F-E882-46D4-B632-4B8ACBE851E4}"/>
+    <dgm:cxn modelId="{FE1744AC-C004-4578-94B6-93CA8D33C9E8}" type="presOf" srcId="{1982B446-3706-4711-A6F1-3DC4DFE59A3A}" destId="{DB2CD8C7-A5B3-49A1-81CC-0EEDDDF3DB4E}" srcOrd="0" destOrd="0" presId="urn:microsoft.com/office/officeart/2005/8/layout/arrow2"/>
+    <dgm:cxn modelId="{F0DD8F9B-E674-4A01-8891-20D1632F36B0}" type="presOf" srcId="{5175B6B0-3CA6-4535-A09B-108E0999A356}" destId="{389CF004-91C6-4868-93F7-537D5C97980B}" srcOrd="0" destOrd="1" presId="urn:microsoft.com/office/officeart/2005/8/layout/arrow2"/>
+    <dgm:cxn modelId="{FF43409D-6490-4DAC-9843-57BD11235D92}" type="presOf" srcId="{1E3A074B-8EC3-4AC7-ADB8-C53A583CA2D1}" destId="{48F9B62B-8095-40B1-882D-7B164B0C8B69}" srcOrd="0" destOrd="0" presId="urn:microsoft.com/office/officeart/2005/8/layout/arrow2"/>
+    <dgm:cxn modelId="{679C1D1A-14EB-43D6-A6EB-15DB434BD9E3}" srcId="{455C831A-CCF5-4391-A2BE-9DF065D37587}" destId="{C7CCB8C4-BA8F-435B-96D2-651E5BBEE204}" srcOrd="1" destOrd="0" parTransId="{AD18367E-C5DB-45A4-A27B-B15954C86D0F}" sibTransId="{7D6A4EA2-7BAB-433A-B969-4D95C96F0274}"/>
     <dgm:cxn modelId="{7DD07C3D-EA79-49EE-93EE-865A49AB8425}" srcId="{455C831A-CCF5-4391-A2BE-9DF065D37587}" destId="{1982B446-3706-4711-A6F1-3DC4DFE59A3A}" srcOrd="3" destOrd="0" parTransId="{33D0F32B-ABD3-423A-818A-28D89377B172}" sibTransId="{6C0374E5-7FC4-4DEF-BC17-94C58A35DE3F}"/>
-    <dgm:cxn modelId="{BF777ED0-A485-405A-BFCD-E378EF965464}" srcId="{1E3A074B-8EC3-4AC7-ADB8-C53A583CA2D1}" destId="{A39C9339-F7BC-4A9F-AF8A-3B9741B27413}" srcOrd="0" destOrd="0" parTransId="{26699644-3B9B-4794-926C-D854282146D8}" sibTransId="{3E2FBE5E-2D29-4C39-97D1-424264F1308F}"/>
     <dgm:cxn modelId="{CDB3CFA4-6064-4BD5-9F4C-2C85AFCC5E37}" type="presParOf" srcId="{E220828C-C958-4FCF-B52F-02D7F5D17607}" destId="{82ED47FD-CD8E-4EC8-A7E3-BF3AC4BC5C1A}" srcOrd="0" destOrd="0" presId="urn:microsoft.com/office/officeart/2005/8/layout/arrow2"/>
     <dgm:cxn modelId="{019C372E-51B0-4A64-8D12-B92827204091}" type="presParOf" srcId="{E220828C-C958-4FCF-B52F-02D7F5D17607}" destId="{4566E19C-2577-409E-A34A-BB8B091D39D1}" srcOrd="1" destOrd="0" presId="urn:microsoft.com/office/officeart/2005/8/layout/arrow2"/>
     <dgm:cxn modelId="{F63AFE94-9D44-4F29-B597-D95FB9299962}" type="presParOf" srcId="{4566E19C-2577-409E-A34A-BB8B091D39D1}" destId="{A94E7C76-C16F-47F1-B4F1-C2CF2270A7E9}" srcOrd="0" destOrd="0" presId="urn:microsoft.com/office/officeart/2005/8/layout/arrow2"/>
@@ -2120,7 +2120,7 @@
   <dgm:whole/>
   <dgm:extLst>
     <a:ext uri="http://schemas.microsoft.com/office/drawing/2008/diagram">
-      <dsp:dataModelExt xmlns:dsp="http://schemas.microsoft.com/office/drawing/2008/diagram" relId="rId8" minVer="http://schemas.openxmlformats.org/drawingml/2006/diagram"/>
+      <dsp:dataModelExt xmlns:dsp="http://schemas.microsoft.com/office/drawing/2008/diagram" xmlns="" relId="rId8" minVer="http://schemas.openxmlformats.org/drawingml/2006/diagram"/>
     </a:ext>
   </dgm:extLst>
 </dgm:dataModel>
@@ -2148,10 +2148,10 @@
         <a:lstStyle/>
         <a:p>
           <a:r>
-            <a:rPr lang="en-US" sz="1800" dirty="0" smtClean="0"/>
+            <a:rPr lang="en-US" sz="1800" b="1" dirty="0" smtClean="0"/>
             <a:t>Modeling and Angry Prims</a:t>
           </a:r>
-          <a:endParaRPr lang="en-US" sz="1800" dirty="0"/>
+          <a:endParaRPr lang="en-US" sz="1800" b="1" dirty="0"/>
         </a:p>
       </dgm:t>
     </dgm:pt>
@@ -2185,10 +2185,10 @@
         <a:lstStyle/>
         <a:p>
           <a:r>
-            <a:rPr lang="en-US" sz="1600" dirty="0" smtClean="0"/>
+            <a:rPr lang="en-US" sz="1600" b="1" dirty="0" smtClean="0"/>
             <a:t>Second Life</a:t>
           </a:r>
-          <a:endParaRPr lang="en-US" sz="1100" dirty="0"/>
+          <a:endParaRPr lang="en-US" sz="1100" b="1" dirty="0"/>
         </a:p>
       </dgm:t>
     </dgm:pt>
@@ -2222,10 +2222,10 @@
         <a:lstStyle/>
         <a:p>
           <a:r>
-            <a:rPr lang="en-US" sz="1300" spc="-10" baseline="0" dirty="0" smtClean="0"/>
+            <a:rPr lang="en-US" sz="1300" b="1" spc="-10" baseline="0" dirty="0" smtClean="0"/>
             <a:t>Kinect Client</a:t>
           </a:r>
-          <a:endParaRPr lang="en-US" sz="1300" spc="-10" baseline="0" dirty="0"/>
+          <a:endParaRPr lang="en-US" sz="1300" b="1" spc="-10" baseline="0" dirty="0"/>
         </a:p>
       </dgm:t>
     </dgm:pt>
@@ -2259,10 +2259,10 @@
         <a:lstStyle/>
         <a:p>
           <a:r>
-            <a:rPr lang="en-US" sz="1100" dirty="0" smtClean="0"/>
+            <a:rPr lang="en-US" sz="1100" b="1" dirty="0" smtClean="0"/>
             <a:t>SQL Database / Game object memory</a:t>
           </a:r>
-          <a:endParaRPr lang="en-US" sz="1100" dirty="0"/>
+          <a:endParaRPr lang="en-US" sz="1100" b="1" dirty="0"/>
         </a:p>
       </dgm:t>
     </dgm:pt>
@@ -2296,10 +2296,10 @@
         <a:lstStyle/>
         <a:p>
           <a:r>
-            <a:rPr lang="en-US" sz="1400" dirty="0" smtClean="0"/>
+            <a:rPr lang="en-US" sz="1400" b="1" dirty="0" smtClean="0"/>
             <a:t>PHP Server (Turing)</a:t>
           </a:r>
-          <a:endParaRPr lang="en-US" sz="1400" dirty="0"/>
+          <a:endParaRPr lang="en-US" sz="1400" b="1" dirty="0"/>
         </a:p>
       </dgm:t>
     </dgm:pt>
@@ -2333,10 +2333,10 @@
         <a:lstStyle/>
         <a:p>
           <a:r>
-            <a:rPr lang="en-US" sz="1600" dirty="0" smtClean="0"/>
+            <a:rPr lang="en-US" sz="1600" b="1" dirty="0" smtClean="0"/>
             <a:t>Remote Teams</a:t>
           </a:r>
-          <a:endParaRPr lang="en-US" sz="1200" dirty="0"/>
+          <a:endParaRPr lang="en-US" sz="1200" b="1" dirty="0"/>
         </a:p>
       </dgm:t>
     </dgm:pt>
@@ -2414,7 +2414,7 @@
       </dgm:t>
     </dgm:pt>
     <dgm:pt modelId="{60779230-642B-46DB-B5CA-FC2220C38859}" type="pres">
-      <dgm:prSet presAssocID="{813DB034-1CFA-4CE1-8536-6BC256192226}" presName="node" presStyleLbl="node1" presStyleIdx="0" presStyleCnt="5" custScaleX="117603" custScaleY="117603">
+      <dgm:prSet presAssocID="{813DB034-1CFA-4CE1-8536-6BC256192226}" presName="node" presStyleLbl="node1" presStyleIdx="0" presStyleCnt="5" custScaleX="117603" custScaleY="117603" custRadScaleRad="98760" custRadScaleInc="-952">
         <dgm:presLayoutVars>
           <dgm:bulletEnabled val="1"/>
         </dgm:presLayoutVars>
@@ -2578,29 +2578,29 @@
     </dgm:pt>
   </dgm:ptLst>
   <dgm:cxnLst>
+    <dgm:cxn modelId="{54B2FED9-9F5A-482C-B7AD-CE780DBB4D7A}" type="presOf" srcId="{ED3CCD02-8D75-4A08-AD85-C5F828B29313}" destId="{E09D1B4B-09AE-4B1F-A409-CE344F8F9185}" srcOrd="0" destOrd="0" presId="urn:microsoft.com/office/officeart/2005/8/layout/radial5"/>
+    <dgm:cxn modelId="{DF0DC324-3E24-4C19-A1FD-DD9570009774}" type="presOf" srcId="{9A038BAD-1DAA-4E08-AF5C-7A535C3A31A3}" destId="{492A8904-4F29-41B2-8DF6-9E5DB43B598E}" srcOrd="0" destOrd="0" presId="urn:microsoft.com/office/officeart/2005/8/layout/radial5"/>
+    <dgm:cxn modelId="{7362BBE9-CE05-48ED-9B0F-19744BB7FA24}" type="presOf" srcId="{CFE62A0D-AFCB-42FF-A2F7-4127DE6E4A06}" destId="{5E3992B2-2FF9-4710-BC5D-D3CABAC0944B}" srcOrd="1" destOrd="0" presId="urn:microsoft.com/office/officeart/2005/8/layout/radial5"/>
+    <dgm:cxn modelId="{D455749F-4F4C-4295-A229-F1CAA9A84B33}" type="presOf" srcId="{C2B16F5E-4FD9-4E6C-984C-5FB34252F788}" destId="{A0AE6ABD-EFF8-41C2-907C-790C07DF522C}" srcOrd="0" destOrd="0" presId="urn:microsoft.com/office/officeart/2005/8/layout/radial5"/>
+    <dgm:cxn modelId="{26D1578F-8BE0-4DFF-B5B7-36D919C7DF48}" type="presOf" srcId="{19675BB5-4BE3-4E06-B2B3-AAA3D107C1A8}" destId="{EB09D521-9D02-4B4D-80CB-EB847731A63E}" srcOrd="0" destOrd="0" presId="urn:microsoft.com/office/officeart/2005/8/layout/radial5"/>
+    <dgm:cxn modelId="{29FA02FA-E640-4261-806B-AA21CEF811C3}" type="presOf" srcId="{E1D6882F-7F41-4B9B-8326-079D0B7775D3}" destId="{FB0FDE60-5A66-47CD-855C-10B0ABFAFF6D}" srcOrd="0" destOrd="0" presId="urn:microsoft.com/office/officeart/2005/8/layout/radial5"/>
+    <dgm:cxn modelId="{F98C9256-0E52-4294-AA5B-17A525F41415}" type="presOf" srcId="{813DB034-1CFA-4CE1-8536-6BC256192226}" destId="{60779230-642B-46DB-B5CA-FC2220C38859}" srcOrd="0" destOrd="0" presId="urn:microsoft.com/office/officeart/2005/8/layout/radial5"/>
+    <dgm:cxn modelId="{41966F54-3C25-450E-8104-04B2B9165959}" srcId="{D3864EA6-13E7-440F-948B-8118F5878A44}" destId="{813DB034-1CFA-4CE1-8536-6BC256192226}" srcOrd="0" destOrd="0" parTransId="{ED3CCD02-8D75-4A08-AD85-C5F828B29313}" sibTransId="{F3516F2D-4619-4753-A81E-130803DFBFC7}"/>
+    <dgm:cxn modelId="{7598B8A9-9332-4A2B-B5D9-CF010EBBDF46}" type="presOf" srcId="{8F21B166-5620-46A8-A5DD-72EAE361E61D}" destId="{8C992717-B056-4E89-850B-547F00D86B47}" srcOrd="1" destOrd="0" presId="urn:microsoft.com/office/officeart/2005/8/layout/radial5"/>
+    <dgm:cxn modelId="{D74F0E62-DE98-4010-8B2E-1EAAA9E56350}" type="presOf" srcId="{14E5A95F-9DC9-4E33-B709-14C57323ACAA}" destId="{0B5562C5-56E9-4F94-AD9A-09B6AA6E206F}" srcOrd="0" destOrd="0" presId="urn:microsoft.com/office/officeart/2005/8/layout/radial5"/>
     <dgm:cxn modelId="{5EBF790F-CC7C-4BBA-98A7-614FB5283795}" srcId="{D3864EA6-13E7-440F-948B-8118F5878A44}" destId="{6461E40C-FAF1-4C11-9CA4-01B7756558A8}" srcOrd="1" destOrd="0" parTransId="{5418FCE5-0AC2-479F-8F47-D35F7A60BD8D}" sibTransId="{3D67A8BA-4FB2-401F-A3C1-92132B645061}"/>
+    <dgm:cxn modelId="{7834DFDC-DD97-4D0F-B547-27AB53428B4B}" srcId="{19675BB5-4BE3-4E06-B2B3-AAA3D107C1A8}" destId="{D3864EA6-13E7-440F-948B-8118F5878A44}" srcOrd="0" destOrd="0" parTransId="{5F920266-1B6A-4D7D-8C8B-D20E2934BF67}" sibTransId="{F4FE127A-F33D-4F59-961D-A505D5A781EE}"/>
+    <dgm:cxn modelId="{7EB75183-B20B-4EE8-AF71-83BA84E1BE0D}" type="presOf" srcId="{8F21B166-5620-46A8-A5DD-72EAE361E61D}" destId="{470BEB95-5498-4076-A7AD-52EA2D6058A0}" srcOrd="0" destOrd="0" presId="urn:microsoft.com/office/officeart/2005/8/layout/radial5"/>
     <dgm:cxn modelId="{F383A1C8-295E-4F6E-9C5D-67AA4DB4F7EB}" type="presOf" srcId="{ED3CCD02-8D75-4A08-AD85-C5F828B29313}" destId="{79A2186A-8429-4E95-A4D2-214813090081}" srcOrd="1" destOrd="0" presId="urn:microsoft.com/office/officeart/2005/8/layout/radial5"/>
-    <dgm:cxn modelId="{54B2FED9-9F5A-482C-B7AD-CE780DBB4D7A}" type="presOf" srcId="{ED3CCD02-8D75-4A08-AD85-C5F828B29313}" destId="{E09D1B4B-09AE-4B1F-A409-CE344F8F9185}" srcOrd="0" destOrd="0" presId="urn:microsoft.com/office/officeart/2005/8/layout/radial5"/>
-    <dgm:cxn modelId="{7834DFDC-DD97-4D0F-B547-27AB53428B4B}" srcId="{19675BB5-4BE3-4E06-B2B3-AAA3D107C1A8}" destId="{D3864EA6-13E7-440F-948B-8118F5878A44}" srcOrd="0" destOrd="0" parTransId="{5F920266-1B6A-4D7D-8C8B-D20E2934BF67}" sibTransId="{F4FE127A-F33D-4F59-961D-A505D5A781EE}"/>
+    <dgm:cxn modelId="{4D341991-5DB3-4739-89C1-0B6A24A114E8}" type="presOf" srcId="{5418FCE5-0AC2-479F-8F47-D35F7A60BD8D}" destId="{4873F644-A37B-4263-BDD3-7D4AECF93436}" srcOrd="0" destOrd="0" presId="urn:microsoft.com/office/officeart/2005/8/layout/radial5"/>
+    <dgm:cxn modelId="{67029EA3-AC4E-48C5-87CF-57A4733799CA}" type="presOf" srcId="{E1D6882F-7F41-4B9B-8326-079D0B7775D3}" destId="{D9C29361-9907-4AA5-9D4C-465D8E4516DA}" srcOrd="1" destOrd="0" presId="urn:microsoft.com/office/officeart/2005/8/layout/radial5"/>
+    <dgm:cxn modelId="{B78770BC-227B-404F-8185-2F70ECA32605}" srcId="{D3864EA6-13E7-440F-948B-8118F5878A44}" destId="{14E5A95F-9DC9-4E33-B709-14C57323ACAA}" srcOrd="2" destOrd="0" parTransId="{CFE62A0D-AFCB-42FF-A2F7-4127DE6E4A06}" sibTransId="{87455A86-154D-4572-BF6D-F5FEBED08194}"/>
     <dgm:cxn modelId="{33CA9426-6028-4F9E-ADDB-AA3042A81F7D}" type="presOf" srcId="{6461E40C-FAF1-4C11-9CA4-01B7756558A8}" destId="{8FE55D76-69B8-469D-BE4A-A0F9F69D5110}" srcOrd="0" destOrd="0" presId="urn:microsoft.com/office/officeart/2005/8/layout/radial5"/>
-    <dgm:cxn modelId="{29FA02FA-E640-4261-806B-AA21CEF811C3}" type="presOf" srcId="{E1D6882F-7F41-4B9B-8326-079D0B7775D3}" destId="{FB0FDE60-5A66-47CD-855C-10B0ABFAFF6D}" srcOrd="0" destOrd="0" presId="urn:microsoft.com/office/officeart/2005/8/layout/radial5"/>
+    <dgm:cxn modelId="{459BE59C-8527-4040-AA6D-E00460E9E8BD}" type="presOf" srcId="{D3864EA6-13E7-440F-948B-8118F5878A44}" destId="{7ADCFBEC-172E-41BB-B545-FE2085E0B744}" srcOrd="0" destOrd="0" presId="urn:microsoft.com/office/officeart/2005/8/layout/radial5"/>
+    <dgm:cxn modelId="{F20E6E35-2EF6-49E1-BCE2-AF737813AC7F}" srcId="{D3864EA6-13E7-440F-948B-8118F5878A44}" destId="{C2B16F5E-4FD9-4E6C-984C-5FB34252F788}" srcOrd="4" destOrd="0" parTransId="{8F21B166-5620-46A8-A5DD-72EAE361E61D}" sibTransId="{D972BA52-9B06-4D48-9819-200C1326EA4D}"/>
+    <dgm:cxn modelId="{F67B8136-3A2B-408C-9570-C50B3786C6D1}" srcId="{D3864EA6-13E7-440F-948B-8118F5878A44}" destId="{9A038BAD-1DAA-4E08-AF5C-7A535C3A31A3}" srcOrd="3" destOrd="0" parTransId="{E1D6882F-7F41-4B9B-8326-079D0B7775D3}" sibTransId="{BF904E21-59DA-42DB-BE7C-359EAF11BFDB}"/>
+    <dgm:cxn modelId="{33010AF7-9670-4113-8A43-897FBCF42E9F}" type="presOf" srcId="{CFE62A0D-AFCB-42FF-A2F7-4127DE6E4A06}" destId="{8999D690-D432-4F1A-B2AE-D98A61E6F24A}" srcOrd="0" destOrd="0" presId="urn:microsoft.com/office/officeart/2005/8/layout/radial5"/>
     <dgm:cxn modelId="{9D61B47E-7F41-4639-962A-9097B26F323C}" type="presOf" srcId="{5418FCE5-0AC2-479F-8F47-D35F7A60BD8D}" destId="{AF2E0478-D773-4966-9A95-8E70AD7139B7}" srcOrd="1" destOrd="0" presId="urn:microsoft.com/office/officeart/2005/8/layout/radial5"/>
-    <dgm:cxn modelId="{F20E6E35-2EF6-49E1-BCE2-AF737813AC7F}" srcId="{D3864EA6-13E7-440F-948B-8118F5878A44}" destId="{C2B16F5E-4FD9-4E6C-984C-5FB34252F788}" srcOrd="4" destOrd="0" parTransId="{8F21B166-5620-46A8-A5DD-72EAE361E61D}" sibTransId="{D972BA52-9B06-4D48-9819-200C1326EA4D}"/>
-    <dgm:cxn modelId="{7362BBE9-CE05-48ED-9B0F-19744BB7FA24}" type="presOf" srcId="{CFE62A0D-AFCB-42FF-A2F7-4127DE6E4A06}" destId="{5E3992B2-2FF9-4710-BC5D-D3CABAC0944B}" srcOrd="1" destOrd="0" presId="urn:microsoft.com/office/officeart/2005/8/layout/radial5"/>
-    <dgm:cxn modelId="{67029EA3-AC4E-48C5-87CF-57A4733799CA}" type="presOf" srcId="{E1D6882F-7F41-4B9B-8326-079D0B7775D3}" destId="{D9C29361-9907-4AA5-9D4C-465D8E4516DA}" srcOrd="1" destOrd="0" presId="urn:microsoft.com/office/officeart/2005/8/layout/radial5"/>
-    <dgm:cxn modelId="{DF0DC324-3E24-4C19-A1FD-DD9570009774}" type="presOf" srcId="{9A038BAD-1DAA-4E08-AF5C-7A535C3A31A3}" destId="{492A8904-4F29-41B2-8DF6-9E5DB43B598E}" srcOrd="0" destOrd="0" presId="urn:microsoft.com/office/officeart/2005/8/layout/radial5"/>
-    <dgm:cxn modelId="{459BE59C-8527-4040-AA6D-E00460E9E8BD}" type="presOf" srcId="{D3864EA6-13E7-440F-948B-8118F5878A44}" destId="{7ADCFBEC-172E-41BB-B545-FE2085E0B744}" srcOrd="0" destOrd="0" presId="urn:microsoft.com/office/officeart/2005/8/layout/radial5"/>
-    <dgm:cxn modelId="{26D1578F-8BE0-4DFF-B5B7-36D919C7DF48}" type="presOf" srcId="{19675BB5-4BE3-4E06-B2B3-AAA3D107C1A8}" destId="{EB09D521-9D02-4B4D-80CB-EB847731A63E}" srcOrd="0" destOrd="0" presId="urn:microsoft.com/office/officeart/2005/8/layout/radial5"/>
-    <dgm:cxn modelId="{41966F54-3C25-450E-8104-04B2B9165959}" srcId="{D3864EA6-13E7-440F-948B-8118F5878A44}" destId="{813DB034-1CFA-4CE1-8536-6BC256192226}" srcOrd="0" destOrd="0" parTransId="{ED3CCD02-8D75-4A08-AD85-C5F828B29313}" sibTransId="{F3516F2D-4619-4753-A81E-130803DFBFC7}"/>
-    <dgm:cxn modelId="{B78770BC-227B-404F-8185-2F70ECA32605}" srcId="{D3864EA6-13E7-440F-948B-8118F5878A44}" destId="{14E5A95F-9DC9-4E33-B709-14C57323ACAA}" srcOrd="2" destOrd="0" parTransId="{CFE62A0D-AFCB-42FF-A2F7-4127DE6E4A06}" sibTransId="{87455A86-154D-4572-BF6D-F5FEBED08194}"/>
-    <dgm:cxn modelId="{4D341991-5DB3-4739-89C1-0B6A24A114E8}" type="presOf" srcId="{5418FCE5-0AC2-479F-8F47-D35F7A60BD8D}" destId="{4873F644-A37B-4263-BDD3-7D4AECF93436}" srcOrd="0" destOrd="0" presId="urn:microsoft.com/office/officeart/2005/8/layout/radial5"/>
-    <dgm:cxn modelId="{7598B8A9-9332-4A2B-B5D9-CF010EBBDF46}" type="presOf" srcId="{8F21B166-5620-46A8-A5DD-72EAE361E61D}" destId="{8C992717-B056-4E89-850B-547F00D86B47}" srcOrd="1" destOrd="0" presId="urn:microsoft.com/office/officeart/2005/8/layout/radial5"/>
-    <dgm:cxn modelId="{D455749F-4F4C-4295-A229-F1CAA9A84B33}" type="presOf" srcId="{C2B16F5E-4FD9-4E6C-984C-5FB34252F788}" destId="{A0AE6ABD-EFF8-41C2-907C-790C07DF522C}" srcOrd="0" destOrd="0" presId="urn:microsoft.com/office/officeart/2005/8/layout/radial5"/>
-    <dgm:cxn modelId="{7EB75183-B20B-4EE8-AF71-83BA84E1BE0D}" type="presOf" srcId="{8F21B166-5620-46A8-A5DD-72EAE361E61D}" destId="{470BEB95-5498-4076-A7AD-52EA2D6058A0}" srcOrd="0" destOrd="0" presId="urn:microsoft.com/office/officeart/2005/8/layout/radial5"/>
-    <dgm:cxn modelId="{33010AF7-9670-4113-8A43-897FBCF42E9F}" type="presOf" srcId="{CFE62A0D-AFCB-42FF-A2F7-4127DE6E4A06}" destId="{8999D690-D432-4F1A-B2AE-D98A61E6F24A}" srcOrd="0" destOrd="0" presId="urn:microsoft.com/office/officeart/2005/8/layout/radial5"/>
-    <dgm:cxn modelId="{F98C9256-0E52-4294-AA5B-17A525F41415}" type="presOf" srcId="{813DB034-1CFA-4CE1-8536-6BC256192226}" destId="{60779230-642B-46DB-B5CA-FC2220C38859}" srcOrd="0" destOrd="0" presId="urn:microsoft.com/office/officeart/2005/8/layout/radial5"/>
-    <dgm:cxn modelId="{F67B8136-3A2B-408C-9570-C50B3786C6D1}" srcId="{D3864EA6-13E7-440F-948B-8118F5878A44}" destId="{9A038BAD-1DAA-4E08-AF5C-7A535C3A31A3}" srcOrd="3" destOrd="0" parTransId="{E1D6882F-7F41-4B9B-8326-079D0B7775D3}" sibTransId="{BF904E21-59DA-42DB-BE7C-359EAF11BFDB}"/>
-    <dgm:cxn modelId="{D74F0E62-DE98-4010-8B2E-1EAAA9E56350}" type="presOf" srcId="{14E5A95F-9DC9-4E33-B709-14C57323ACAA}" destId="{0B5562C5-56E9-4F94-AD9A-09B6AA6E206F}" srcOrd="0" destOrd="0" presId="urn:microsoft.com/office/officeart/2005/8/layout/radial5"/>
     <dgm:cxn modelId="{7A2CDD09-A224-4181-B0A8-F745690C8BD3}" type="presParOf" srcId="{EB09D521-9D02-4B4D-80CB-EB847731A63E}" destId="{7ADCFBEC-172E-41BB-B545-FE2085E0B744}" srcOrd="0" destOrd="0" presId="urn:microsoft.com/office/officeart/2005/8/layout/radial5"/>
     <dgm:cxn modelId="{7BB1E9F2-577C-4EDD-9E82-599DABB04466}" type="presParOf" srcId="{EB09D521-9D02-4B4D-80CB-EB847731A63E}" destId="{E09D1B4B-09AE-4B1F-A409-CE344F8F9185}" srcOrd="1" destOrd="0" presId="urn:microsoft.com/office/officeart/2005/8/layout/radial5"/>
     <dgm:cxn modelId="{E09E266F-8E22-44BE-8978-A502F4303C38}" type="presParOf" srcId="{E09D1B4B-09AE-4B1F-A409-CE344F8F9185}" destId="{79A2186A-8429-4E95-A4D2-214813090081}" srcOrd="0" destOrd="0" presId="urn:microsoft.com/office/officeart/2005/8/layout/radial5"/>
@@ -2622,14 +2622,14 @@
   <dgm:whole/>
   <dgm:extLst>
     <a:ext uri="http://schemas.microsoft.com/office/drawing/2008/diagram">
-      <dsp:dataModelExt xmlns:dsp="http://schemas.microsoft.com/office/drawing/2008/diagram" relId="rId10" minVer="http://schemas.openxmlformats.org/drawingml/2006/diagram"/>
+      <dsp:dataModelExt xmlns:dsp="http://schemas.microsoft.com/office/drawing/2008/diagram" xmlns="" relId="rId10" minVer="http://schemas.openxmlformats.org/drawingml/2006/diagram"/>
     </a:ext>
   </dgm:extLst>
 </dgm:dataModel>
 </file>
 
 <file path=ppt/diagrams/drawing1.xml><?xml version="1.0" encoding="utf-8"?>
-<dsp:drawing xmlns:dgm="http://schemas.openxmlformats.org/drawingml/2006/diagram" xmlns:dsp="http://schemas.microsoft.com/office/drawing/2008/diagram" xmlns:a="http://schemas.openxmlformats.org/drawingml/2006/main">
+<dsp:drawing xmlns:dgm="http://schemas.openxmlformats.org/drawingml/2006/diagram" xmlns:a="http://schemas.openxmlformats.org/drawingml/2006/main" xmlns:dsp="http://schemas.microsoft.com/office/drawing/2008/diagram">
   <dsp:spTree>
     <dsp:nvGrpSpPr>
       <dsp:cNvPr id="0" name=""/>
@@ -2826,9 +2826,9 @@
         </a:prstGeom>
         <a:solidFill>
           <a:schemeClr val="accent3">
-            <a:hueOff val="3750088"/>
-            <a:satOff val="-5627"/>
-            <a:lumOff val="-915"/>
+            <a:hueOff val="-379119"/>
+            <a:satOff val="-1563"/>
+            <a:lumOff val="-328"/>
             <a:alphaOff val="0"/>
           </a:schemeClr>
         </a:solidFill>
@@ -2951,9 +2951,9 @@
         </a:prstGeom>
         <a:solidFill>
           <a:schemeClr val="accent3">
-            <a:hueOff val="7500176"/>
-            <a:satOff val="-11253"/>
-            <a:lumOff val="-1830"/>
+            <a:hueOff val="-758238"/>
+            <a:satOff val="-3126"/>
+            <a:lumOff val="-655"/>
             <a:alphaOff val="0"/>
           </a:schemeClr>
         </a:solidFill>
@@ -3080,9 +3080,9 @@
         </a:prstGeom>
         <a:solidFill>
           <a:schemeClr val="accent3">
-            <a:hueOff val="11250264"/>
-            <a:satOff val="-16880"/>
-            <a:lumOff val="-2745"/>
+            <a:hueOff val="-1137357"/>
+            <a:satOff val="-4689"/>
+            <a:lumOff val="-983"/>
             <a:alphaOff val="0"/>
           </a:schemeClr>
         </a:solidFill>
@@ -3195,7 +3195,7 @@
 </file>
 
 <file path=ppt/diagrams/drawing2.xml><?xml version="1.0" encoding="utf-8"?>
-<dsp:drawing xmlns:dgm="http://schemas.openxmlformats.org/drawingml/2006/diagram" xmlns:dsp="http://schemas.microsoft.com/office/drawing/2008/diagram" xmlns:a="http://schemas.openxmlformats.org/drawingml/2006/main">
+<dsp:drawing xmlns:dgm="http://schemas.openxmlformats.org/drawingml/2006/diagram" xmlns:a="http://schemas.openxmlformats.org/drawingml/2006/main" xmlns:dsp="http://schemas.microsoft.com/office/drawing/2008/diagram">
   <dsp:spTree>
     <dsp:nvGrpSpPr>
       <dsp:cNvPr id="0" name=""/>
@@ -3223,18 +3223,28 @@
                 <a:satOff val="0"/>
                 <a:lumOff val="0"/>
                 <a:alphaOff val="0"/>
-                <a:tint val="50000"/>
-                <a:satMod val="300000"/>
+                <a:tint val="70000"/>
+                <a:satMod val="130000"/>
               </a:schemeClr>
             </a:gs>
-            <a:gs pos="35000">
+            <a:gs pos="43000">
               <a:schemeClr val="dk2">
                 <a:hueOff val="0"/>
                 <a:satOff val="0"/>
                 <a:lumOff val="0"/>
                 <a:alphaOff val="0"/>
-                <a:tint val="37000"/>
-                <a:satMod val="300000"/>
+                <a:tint val="44000"/>
+                <a:satMod val="165000"/>
+              </a:schemeClr>
+            </a:gs>
+            <a:gs pos="93000">
+              <a:schemeClr val="dk2">
+                <a:hueOff val="0"/>
+                <a:satOff val="0"/>
+                <a:lumOff val="0"/>
+                <a:alphaOff val="0"/>
+                <a:tint val="15000"/>
+                <a:satMod val="165000"/>
               </a:schemeClr>
             </a:gs>
             <a:gs pos="100000">
@@ -3243,21 +3253,29 @@
                 <a:satOff val="0"/>
                 <a:lumOff val="0"/>
                 <a:alphaOff val="0"/>
-                <a:tint val="15000"/>
-                <a:satMod val="350000"/>
+                <a:tint val="5000"/>
+                <a:satMod val="250000"/>
               </a:schemeClr>
             </a:gs>
           </a:gsLst>
-          <a:lin ang="16200000" scaled="1"/>
+          <a:path path="circle">
+            <a:fillToRect l="50000" t="130000" r="50000" b="-30000"/>
+          </a:path>
         </a:gradFill>
         <a:ln>
           <a:noFill/>
         </a:ln>
         <a:effectLst>
-          <a:outerShdw blurRad="40000" dist="20000" dir="5400000" rotWithShape="0">
-            <a:srgbClr val="000000">
-              <a:alpha val="38000"/>
-            </a:srgbClr>
+          <a:outerShdw blurRad="57150" dist="38100" dir="5400000" algn="ctr" rotWithShape="0">
+            <a:schemeClr val="dk2">
+              <a:hueOff val="0"/>
+              <a:satOff val="0"/>
+              <a:lumOff val="0"/>
+              <a:alphaOff val="0"/>
+              <a:shade val="9000"/>
+              <a:satMod val="105000"/>
+              <a:alpha val="48000"/>
+            </a:schemeClr>
           </a:outerShdw>
         </a:effectLst>
         <a:scene3d>
@@ -3300,15 +3318,15 @@
             </a:spcAft>
           </a:pPr>
           <a:r>
-            <a:rPr lang="en-US" sz="1800" kern="1200" dirty="0" smtClean="0"/>
+            <a:rPr lang="en-US" sz="1800" b="1" kern="1200" dirty="0" smtClean="0"/>
             <a:t>Modeling and Angry Prims</a:t>
           </a:r>
-          <a:endParaRPr lang="en-US" sz="1800" kern="1200" dirty="0"/>
+          <a:endParaRPr lang="en-US" sz="1800" b="1" kern="1200" dirty="0"/>
         </a:p>
       </dsp:txBody>
       <dsp:txXfrm>
-        <a:off x="3582038" y="1903007"/>
-        <a:ext cx="1179822" cy="1179822"/>
+        <a:off x="3337689" y="1658658"/>
+        <a:ext cx="1668520" cy="1668520"/>
       </dsp:txXfrm>
     </dsp:sp>
     <dsp:sp modelId="{E09D1B4B-09AE-4B1F-A409-CE344F8F9185}">
@@ -3317,9 +3335,9 @@
         <dsp:cNvSpPr/>
       </dsp:nvSpPr>
       <dsp:spPr>
-        <a:xfrm rot="16200000">
-          <a:off x="4111020" y="1324472"/>
-          <a:ext cx="121859" cy="445347"/>
+        <a:xfrm rot="16179437">
+          <a:off x="4111457" y="1335520"/>
+          <a:ext cx="109803" cy="445347"/>
         </a:xfrm>
         <a:prstGeom prst="rightArrow">
           <a:avLst>
@@ -3336,19 +3354,30 @@
                 <a:satOff val="0"/>
                 <a:lumOff val="0"/>
                 <a:alphaOff val="0"/>
-                <a:tint val="50000"/>
-                <a:satMod val="300000"/>
+                <a:tint val="70000"/>
+                <a:satMod val="130000"/>
               </a:schemeClr>
             </a:gs>
-            <a:gs pos="35000">
+            <a:gs pos="43000">
               <a:schemeClr val="dk2">
                 <a:tint val="60000"/>
                 <a:hueOff val="0"/>
                 <a:satOff val="0"/>
                 <a:lumOff val="0"/>
                 <a:alphaOff val="0"/>
-                <a:tint val="37000"/>
-                <a:satMod val="300000"/>
+                <a:tint val="44000"/>
+                <a:satMod val="165000"/>
+              </a:schemeClr>
+            </a:gs>
+            <a:gs pos="93000">
+              <a:schemeClr val="dk2">
+                <a:tint val="60000"/>
+                <a:hueOff val="0"/>
+                <a:satOff val="0"/>
+                <a:lumOff val="0"/>
+                <a:alphaOff val="0"/>
+                <a:tint val="15000"/>
+                <a:satMod val="165000"/>
               </a:schemeClr>
             </a:gs>
             <a:gs pos="100000">
@@ -3358,21 +3387,30 @@
                 <a:satOff val="0"/>
                 <a:lumOff val="0"/>
                 <a:alphaOff val="0"/>
-                <a:tint val="15000"/>
-                <a:satMod val="350000"/>
+                <a:tint val="5000"/>
+                <a:satMod val="250000"/>
               </a:schemeClr>
             </a:gs>
           </a:gsLst>
-          <a:lin ang="16200000" scaled="1"/>
+          <a:path path="circle">
+            <a:fillToRect l="50000" t="130000" r="50000" b="-30000"/>
+          </a:path>
         </a:gradFill>
         <a:ln>
           <a:noFill/>
         </a:ln>
         <a:effectLst>
-          <a:outerShdw blurRad="40000" dist="20000" dir="5400000" rotWithShape="0">
-            <a:srgbClr val="000000">
-              <a:alpha val="38000"/>
-            </a:srgbClr>
+          <a:outerShdw blurRad="57150" dist="38100" dir="5400000" algn="ctr" rotWithShape="0">
+            <a:schemeClr val="dk2">
+              <a:tint val="60000"/>
+              <a:hueOff val="0"/>
+              <a:satOff val="0"/>
+              <a:lumOff val="0"/>
+              <a:alphaOff val="0"/>
+              <a:shade val="9000"/>
+              <a:satMod val="105000"/>
+              <a:alpha val="48000"/>
+            </a:schemeClr>
           </a:outerShdw>
         </a:effectLst>
       </dsp:spPr>
@@ -3410,9 +3448,9 @@
           <a:endParaRPr lang="en-US" sz="1900" kern="1200"/>
         </a:p>
       </dsp:txBody>
-      <dsp:txXfrm>
-        <a:off x="4129299" y="1431820"/>
-        <a:ext cx="85301" cy="267209"/>
+      <dsp:txXfrm rot="16179437">
+        <a:off x="4111457" y="1335520"/>
+        <a:ext cx="109803" cy="445347"/>
       </dsp:txXfrm>
     </dsp:sp>
     <dsp:sp modelId="{60779230-642B-46DB-B5CA-FC2220C38859}">
@@ -3422,7 +3460,7 @@
       </dsp:nvSpPr>
       <dsp:spPr>
         <a:xfrm>
-          <a:off x="3401741" y="-111682"/>
+          <a:off x="3390904" y="-88903"/>
           <a:ext cx="1540417" cy="1540417"/>
         </a:xfrm>
         <a:prstGeom prst="ellipse">
@@ -3436,18 +3474,28 @@
                 <a:satOff val="0"/>
                 <a:lumOff val="0"/>
                 <a:alphaOff val="0"/>
-                <a:tint val="50000"/>
-                <a:satMod val="300000"/>
+                <a:tint val="70000"/>
+                <a:satMod val="130000"/>
               </a:schemeClr>
             </a:gs>
-            <a:gs pos="35000">
+            <a:gs pos="43000">
               <a:schemeClr val="dk2">
                 <a:hueOff val="0"/>
                 <a:satOff val="0"/>
                 <a:lumOff val="0"/>
                 <a:alphaOff val="0"/>
-                <a:tint val="37000"/>
-                <a:satMod val="300000"/>
+                <a:tint val="44000"/>
+                <a:satMod val="165000"/>
+              </a:schemeClr>
+            </a:gs>
+            <a:gs pos="93000">
+              <a:schemeClr val="dk2">
+                <a:hueOff val="0"/>
+                <a:satOff val="0"/>
+                <a:lumOff val="0"/>
+                <a:alphaOff val="0"/>
+                <a:tint val="15000"/>
+                <a:satMod val="165000"/>
               </a:schemeClr>
             </a:gs>
             <a:gs pos="100000">
@@ -3456,21 +3504,29 @@
                 <a:satOff val="0"/>
                 <a:lumOff val="0"/>
                 <a:alphaOff val="0"/>
-                <a:tint val="15000"/>
-                <a:satMod val="350000"/>
+                <a:tint val="5000"/>
+                <a:satMod val="250000"/>
               </a:schemeClr>
             </a:gs>
           </a:gsLst>
-          <a:lin ang="16200000" scaled="1"/>
+          <a:path path="circle">
+            <a:fillToRect l="50000" t="130000" r="50000" b="-30000"/>
+          </a:path>
         </a:gradFill>
         <a:ln>
           <a:noFill/>
         </a:ln>
         <a:effectLst>
-          <a:outerShdw blurRad="40000" dist="20000" dir="5400000" rotWithShape="0">
-            <a:srgbClr val="000000">
-              <a:alpha val="38000"/>
-            </a:srgbClr>
+          <a:outerShdw blurRad="57150" dist="38100" dir="5400000" algn="ctr" rotWithShape="0">
+            <a:schemeClr val="dk2">
+              <a:hueOff val="0"/>
+              <a:satOff val="0"/>
+              <a:lumOff val="0"/>
+              <a:alphaOff val="0"/>
+              <a:shade val="9000"/>
+              <a:satMod val="105000"/>
+              <a:alpha val="48000"/>
+            </a:schemeClr>
           </a:outerShdw>
         </a:effectLst>
         <a:scene3d>
@@ -3513,15 +3569,15 @@
             </a:spcAft>
           </a:pPr>
           <a:r>
-            <a:rPr lang="en-US" sz="1600" kern="1200" dirty="0" smtClean="0"/>
+            <a:rPr lang="en-US" sz="1600" b="1" kern="1200" dirty="0" smtClean="0"/>
             <a:t>Second Life</a:t>
           </a:r>
-          <a:endParaRPr lang="en-US" sz="1100" kern="1200" dirty="0"/>
+          <a:endParaRPr lang="en-US" sz="1100" b="1" kern="1200" dirty="0"/>
         </a:p>
       </dsp:txBody>
       <dsp:txXfrm>
-        <a:off x="3627330" y="113907"/>
-        <a:ext cx="1089239" cy="1089239"/>
+        <a:off x="3390904" y="-88903"/>
+        <a:ext cx="1540417" cy="1540417"/>
       </dsp:txXfrm>
     </dsp:sp>
     <dsp:sp modelId="{4873F644-A37B-4263-BDD3-7D4AECF93436}">
@@ -3549,19 +3605,30 @@
                 <a:satOff val="0"/>
                 <a:lumOff val="0"/>
                 <a:alphaOff val="0"/>
-                <a:tint val="50000"/>
-                <a:satMod val="300000"/>
+                <a:tint val="70000"/>
+                <a:satMod val="130000"/>
               </a:schemeClr>
             </a:gs>
-            <a:gs pos="35000">
+            <a:gs pos="43000">
               <a:schemeClr val="dk2">
                 <a:tint val="60000"/>
                 <a:hueOff val="0"/>
                 <a:satOff val="0"/>
                 <a:lumOff val="0"/>
                 <a:alphaOff val="0"/>
-                <a:tint val="37000"/>
-                <a:satMod val="300000"/>
+                <a:tint val="44000"/>
+                <a:satMod val="165000"/>
+              </a:schemeClr>
+            </a:gs>
+            <a:gs pos="93000">
+              <a:schemeClr val="dk2">
+                <a:tint val="60000"/>
+                <a:hueOff val="0"/>
+                <a:satOff val="0"/>
+                <a:lumOff val="0"/>
+                <a:alphaOff val="0"/>
+                <a:tint val="15000"/>
+                <a:satMod val="165000"/>
               </a:schemeClr>
             </a:gs>
             <a:gs pos="100000">
@@ -3571,21 +3638,30 @@
                 <a:satOff val="0"/>
                 <a:lumOff val="0"/>
                 <a:alphaOff val="0"/>
-                <a:tint val="15000"/>
-                <a:satMod val="350000"/>
+                <a:tint val="5000"/>
+                <a:satMod val="250000"/>
               </a:schemeClr>
             </a:gs>
           </a:gsLst>
-          <a:lin ang="16200000" scaled="1"/>
+          <a:path path="circle">
+            <a:fillToRect l="50000" t="130000" r="50000" b="-30000"/>
+          </a:path>
         </a:gradFill>
         <a:ln>
           <a:noFill/>
         </a:ln>
         <a:effectLst>
-          <a:outerShdw blurRad="40000" dist="20000" dir="5400000" rotWithShape="0">
-            <a:srgbClr val="000000">
-              <a:alpha val="38000"/>
-            </a:srgbClr>
+          <a:outerShdw blurRad="57150" dist="38100" dir="5400000" algn="ctr" rotWithShape="0">
+            <a:schemeClr val="dk2">
+              <a:tint val="60000"/>
+              <a:hueOff val="0"/>
+              <a:satOff val="0"/>
+              <a:lumOff val="0"/>
+              <a:alphaOff val="0"/>
+              <a:shade val="9000"/>
+              <a:satMod val="105000"/>
+              <a:alpha val="48000"/>
+            </a:schemeClr>
           </a:outerShdw>
         </a:effectLst>
       </dsp:spPr>
@@ -3623,9 +3699,9 @@
           <a:endParaRPr lang="en-US" sz="1900" kern="1200"/>
         </a:p>
       </dsp:txBody>
-      <dsp:txXfrm>
-        <a:off x="5011398" y="2072703"/>
-        <a:ext cx="85301" cy="267209"/>
+      <dsp:txXfrm rot="20520000">
+        <a:off x="5010503" y="1977985"/>
+        <a:ext cx="121859" cy="445347"/>
       </dsp:txXfrm>
     </dsp:sp>
     <dsp:sp modelId="{8FE55D76-69B8-469D-BE4A-A0F9F69D5110}">
@@ -3649,18 +3725,28 @@
                 <a:satOff val="0"/>
                 <a:lumOff val="0"/>
                 <a:alphaOff val="0"/>
-                <a:tint val="50000"/>
-                <a:satMod val="300000"/>
+                <a:tint val="70000"/>
+                <a:satMod val="130000"/>
               </a:schemeClr>
             </a:gs>
-            <a:gs pos="35000">
+            <a:gs pos="43000">
               <a:schemeClr val="dk2">
                 <a:hueOff val="0"/>
                 <a:satOff val="0"/>
                 <a:lumOff val="0"/>
                 <a:alphaOff val="0"/>
-                <a:tint val="37000"/>
-                <a:satMod val="300000"/>
+                <a:tint val="44000"/>
+                <a:satMod val="165000"/>
+              </a:schemeClr>
+            </a:gs>
+            <a:gs pos="93000">
+              <a:schemeClr val="dk2">
+                <a:hueOff val="0"/>
+                <a:satOff val="0"/>
+                <a:lumOff val="0"/>
+                <a:alphaOff val="0"/>
+                <a:tint val="15000"/>
+                <a:satMod val="165000"/>
               </a:schemeClr>
             </a:gs>
             <a:gs pos="100000">
@@ -3669,21 +3755,29 @@
                 <a:satOff val="0"/>
                 <a:lumOff val="0"/>
                 <a:alphaOff val="0"/>
-                <a:tint val="15000"/>
-                <a:satMod val="350000"/>
+                <a:tint val="5000"/>
+                <a:satMod val="250000"/>
               </a:schemeClr>
             </a:gs>
           </a:gsLst>
-          <a:lin ang="16200000" scaled="1"/>
+          <a:path path="circle">
+            <a:fillToRect l="50000" t="130000" r="50000" b="-30000"/>
+          </a:path>
         </a:gradFill>
         <a:ln>
           <a:noFill/>
         </a:ln>
         <a:effectLst>
-          <a:outerShdw blurRad="40000" dist="20000" dir="5400000" rotWithShape="0">
-            <a:srgbClr val="000000">
-              <a:alpha val="38000"/>
-            </a:srgbClr>
+          <a:outerShdw blurRad="57150" dist="38100" dir="5400000" algn="ctr" rotWithShape="0">
+            <a:schemeClr val="dk2">
+              <a:hueOff val="0"/>
+              <a:satOff val="0"/>
+              <a:lumOff val="0"/>
+              <a:alphaOff val="0"/>
+              <a:shade val="9000"/>
+              <a:satMod val="105000"/>
+              <a:alpha val="48000"/>
+            </a:schemeClr>
           </a:outerShdw>
         </a:effectLst>
         <a:scene3d>
@@ -3726,15 +3820,15 @@
             </a:spcAft>
           </a:pPr>
           <a:r>
-            <a:rPr lang="en-US" sz="1300" kern="1200" spc="-10" baseline="0" dirty="0" smtClean="0"/>
+            <a:rPr lang="en-US" sz="1300" b="1" kern="1200" spc="-10" baseline="0" dirty="0" smtClean="0"/>
             <a:t>Kinect Client</a:t>
           </a:r>
-          <a:endParaRPr lang="en-US" sz="1300" kern="1200" spc="-10" baseline="0" dirty="0"/>
+          <a:endParaRPr lang="en-US" sz="1300" b="1" kern="1200" spc="-10" baseline="0" dirty="0"/>
         </a:p>
       </dsp:txBody>
       <dsp:txXfrm>
-        <a:off x="5371940" y="1381440"/>
-        <a:ext cx="1089239" cy="1089239"/>
+        <a:off x="5146351" y="1155851"/>
+        <a:ext cx="1540417" cy="1540417"/>
       </dsp:txXfrm>
     </dsp:sp>
     <dsp:sp modelId="{8999D690-D432-4F1A-B2AE-D98A61E6F24A}">
@@ -3762,19 +3856,30 @@
                 <a:satOff val="0"/>
                 <a:lumOff val="0"/>
                 <a:alphaOff val="0"/>
-                <a:tint val="50000"/>
-                <a:satMod val="300000"/>
+                <a:tint val="70000"/>
+                <a:satMod val="130000"/>
               </a:schemeClr>
             </a:gs>
-            <a:gs pos="35000">
+            <a:gs pos="43000">
               <a:schemeClr val="dk2">
                 <a:tint val="60000"/>
                 <a:hueOff val="0"/>
                 <a:satOff val="0"/>
                 <a:lumOff val="0"/>
                 <a:alphaOff val="0"/>
-                <a:tint val="37000"/>
-                <a:satMod val="300000"/>
+                <a:tint val="44000"/>
+                <a:satMod val="165000"/>
+              </a:schemeClr>
+            </a:gs>
+            <a:gs pos="93000">
+              <a:schemeClr val="dk2">
+                <a:tint val="60000"/>
+                <a:hueOff val="0"/>
+                <a:satOff val="0"/>
+                <a:lumOff val="0"/>
+                <a:alphaOff val="0"/>
+                <a:tint val="15000"/>
+                <a:satMod val="165000"/>
               </a:schemeClr>
             </a:gs>
             <a:gs pos="100000">
@@ -3784,21 +3889,30 @@
                 <a:satOff val="0"/>
                 <a:lumOff val="0"/>
                 <a:alphaOff val="0"/>
-                <a:tint val="15000"/>
-                <a:satMod val="350000"/>
+                <a:tint val="5000"/>
+                <a:satMod val="250000"/>
               </a:schemeClr>
             </a:gs>
           </a:gsLst>
-          <a:lin ang="16200000" scaled="1"/>
+          <a:path path="circle">
+            <a:fillToRect l="50000" t="130000" r="50000" b="-30000"/>
+          </a:path>
         </a:gradFill>
         <a:ln>
           <a:noFill/>
         </a:ln>
         <a:effectLst>
-          <a:outerShdw blurRad="40000" dist="20000" dir="5400000" rotWithShape="0">
-            <a:srgbClr val="000000">
-              <a:alpha val="38000"/>
-            </a:srgbClr>
+          <a:outerShdw blurRad="57150" dist="38100" dir="5400000" algn="ctr" rotWithShape="0">
+            <a:schemeClr val="dk2">
+              <a:tint val="60000"/>
+              <a:hueOff val="0"/>
+              <a:satOff val="0"/>
+              <a:lumOff val="0"/>
+              <a:alphaOff val="0"/>
+              <a:shade val="9000"/>
+              <a:satMod val="105000"/>
+              <a:alpha val="48000"/>
+            </a:schemeClr>
           </a:outerShdw>
         </a:effectLst>
       </dsp:spPr>
@@ -3836,9 +3950,9 @@
           <a:endParaRPr lang="en-US" sz="1900" kern="1200"/>
         </a:p>
       </dsp:txBody>
-      <dsp:txXfrm>
-        <a:off x="4674466" y="3109672"/>
-        <a:ext cx="85301" cy="267209"/>
+      <dsp:txXfrm rot="3240000">
+        <a:off x="4666931" y="3035391"/>
+        <a:ext cx="121859" cy="445347"/>
       </dsp:txXfrm>
     </dsp:sp>
     <dsp:sp modelId="{0B5562C5-56E9-4F94-AD9A-09B6AA6E206F}">
@@ -3862,18 +3976,28 @@
                 <a:satOff val="0"/>
                 <a:lumOff val="0"/>
                 <a:alphaOff val="0"/>
-                <a:tint val="50000"/>
-                <a:satMod val="300000"/>
+                <a:tint val="70000"/>
+                <a:satMod val="130000"/>
               </a:schemeClr>
             </a:gs>
-            <a:gs pos="35000">
+            <a:gs pos="43000">
               <a:schemeClr val="dk2">
                 <a:hueOff val="0"/>
                 <a:satOff val="0"/>
                 <a:lumOff val="0"/>
                 <a:alphaOff val="0"/>
-                <a:tint val="37000"/>
-                <a:satMod val="300000"/>
+                <a:tint val="44000"/>
+                <a:satMod val="165000"/>
+              </a:schemeClr>
+            </a:gs>
+            <a:gs pos="93000">
+              <a:schemeClr val="dk2">
+                <a:hueOff val="0"/>
+                <a:satOff val="0"/>
+                <a:lumOff val="0"/>
+                <a:alphaOff val="0"/>
+                <a:tint val="15000"/>
+                <a:satMod val="165000"/>
               </a:schemeClr>
             </a:gs>
             <a:gs pos="100000">
@@ -3882,21 +4006,29 @@
                 <a:satOff val="0"/>
                 <a:lumOff val="0"/>
                 <a:alphaOff val="0"/>
-                <a:tint val="15000"/>
-                <a:satMod val="350000"/>
+                <a:tint val="5000"/>
+                <a:satMod val="250000"/>
               </a:schemeClr>
             </a:gs>
           </a:gsLst>
-          <a:lin ang="16200000" scaled="1"/>
+          <a:path path="circle">
+            <a:fillToRect l="50000" t="130000" r="50000" b="-30000"/>
+          </a:path>
         </a:gradFill>
         <a:ln>
           <a:noFill/>
         </a:ln>
         <a:effectLst>
-          <a:outerShdw blurRad="40000" dist="20000" dir="5400000" rotWithShape="0">
-            <a:srgbClr val="000000">
-              <a:alpha val="38000"/>
-            </a:srgbClr>
+          <a:outerShdw blurRad="57150" dist="38100" dir="5400000" algn="ctr" rotWithShape="0">
+            <a:schemeClr val="dk2">
+              <a:hueOff val="0"/>
+              <a:satOff val="0"/>
+              <a:lumOff val="0"/>
+              <a:alphaOff val="0"/>
+              <a:shade val="9000"/>
+              <a:satMod val="105000"/>
+              <a:alpha val="48000"/>
+            </a:schemeClr>
           </a:outerShdw>
         </a:effectLst>
         <a:scene3d>
@@ -3939,15 +4071,15 @@
             </a:spcAft>
           </a:pPr>
           <a:r>
-            <a:rPr lang="en-US" sz="1100" kern="1200" dirty="0" smtClean="0"/>
+            <a:rPr lang="en-US" sz="1100" b="1" kern="1200" dirty="0" smtClean="0"/>
             <a:t>SQL Database / Game object memory</a:t>
           </a:r>
-          <a:endParaRPr lang="en-US" sz="1100" kern="1200" dirty="0"/>
+          <a:endParaRPr lang="en-US" sz="1100" b="1" kern="1200" dirty="0"/>
         </a:p>
       </dsp:txBody>
       <dsp:txXfrm>
-        <a:off x="4705558" y="3432353"/>
-        <a:ext cx="1089239" cy="1089239"/>
+        <a:off x="4479969" y="3206764"/>
+        <a:ext cx="1540417" cy="1540417"/>
       </dsp:txXfrm>
     </dsp:sp>
     <dsp:sp modelId="{FB0FDE60-5A66-47CD-855C-10B0ABFAFF6D}">
@@ -3975,19 +4107,30 @@
                 <a:satOff val="0"/>
                 <a:lumOff val="0"/>
                 <a:alphaOff val="0"/>
-                <a:tint val="50000"/>
-                <a:satMod val="300000"/>
+                <a:tint val="70000"/>
+                <a:satMod val="130000"/>
               </a:schemeClr>
             </a:gs>
-            <a:gs pos="35000">
+            <a:gs pos="43000">
               <a:schemeClr val="dk2">
                 <a:tint val="60000"/>
                 <a:hueOff val="0"/>
                 <a:satOff val="0"/>
                 <a:lumOff val="0"/>
                 <a:alphaOff val="0"/>
-                <a:tint val="37000"/>
-                <a:satMod val="300000"/>
+                <a:tint val="44000"/>
+                <a:satMod val="165000"/>
+              </a:schemeClr>
+            </a:gs>
+            <a:gs pos="93000">
+              <a:schemeClr val="dk2">
+                <a:tint val="60000"/>
+                <a:hueOff val="0"/>
+                <a:satOff val="0"/>
+                <a:lumOff val="0"/>
+                <a:alphaOff val="0"/>
+                <a:tint val="15000"/>
+                <a:satMod val="165000"/>
               </a:schemeClr>
             </a:gs>
             <a:gs pos="100000">
@@ -3997,21 +4140,30 @@
                 <a:satOff val="0"/>
                 <a:lumOff val="0"/>
                 <a:alphaOff val="0"/>
-                <a:tint val="15000"/>
-                <a:satMod val="350000"/>
+                <a:tint val="5000"/>
+                <a:satMod val="250000"/>
               </a:schemeClr>
             </a:gs>
           </a:gsLst>
-          <a:lin ang="16200000" scaled="1"/>
+          <a:path path="circle">
+            <a:fillToRect l="50000" t="130000" r="50000" b="-30000"/>
+          </a:path>
         </a:gradFill>
         <a:ln>
           <a:noFill/>
         </a:ln>
         <a:effectLst>
-          <a:outerShdw blurRad="40000" dist="20000" dir="5400000" rotWithShape="0">
-            <a:srgbClr val="000000">
-              <a:alpha val="38000"/>
-            </a:srgbClr>
+          <a:outerShdw blurRad="57150" dist="38100" dir="5400000" algn="ctr" rotWithShape="0">
+            <a:schemeClr val="dk2">
+              <a:tint val="60000"/>
+              <a:hueOff val="0"/>
+              <a:satOff val="0"/>
+              <a:lumOff val="0"/>
+              <a:alphaOff val="0"/>
+              <a:shade val="9000"/>
+              <a:satMod val="105000"/>
+              <a:alpha val="48000"/>
+            </a:schemeClr>
           </a:outerShdw>
         </a:effectLst>
       </dsp:spPr>
@@ -4049,9 +4201,9 @@
           <a:endParaRPr lang="en-US" sz="1900" kern="1200"/>
         </a:p>
       </dsp:txBody>
-      <dsp:txXfrm rot="10800000">
-        <a:off x="3584132" y="3109672"/>
-        <a:ext cx="85301" cy="267209"/>
+      <dsp:txXfrm rot="7560000">
+        <a:off x="3555109" y="3035391"/>
+        <a:ext cx="121859" cy="445347"/>
       </dsp:txXfrm>
     </dsp:sp>
     <dsp:sp modelId="{492A8904-4F29-41B2-8DF6-9E5DB43B598E}">
@@ -4075,18 +4227,28 @@
                 <a:satOff val="0"/>
                 <a:lumOff val="0"/>
                 <a:alphaOff val="0"/>
-                <a:tint val="50000"/>
-                <a:satMod val="300000"/>
+                <a:tint val="70000"/>
+                <a:satMod val="130000"/>
               </a:schemeClr>
             </a:gs>
-            <a:gs pos="35000">
+            <a:gs pos="43000">
               <a:schemeClr val="dk2">
                 <a:hueOff val="0"/>
                 <a:satOff val="0"/>
                 <a:lumOff val="0"/>
                 <a:alphaOff val="0"/>
-                <a:tint val="37000"/>
-                <a:satMod val="300000"/>
+                <a:tint val="44000"/>
+                <a:satMod val="165000"/>
+              </a:schemeClr>
+            </a:gs>
+            <a:gs pos="93000">
+              <a:schemeClr val="dk2">
+                <a:hueOff val="0"/>
+                <a:satOff val="0"/>
+                <a:lumOff val="0"/>
+                <a:alphaOff val="0"/>
+                <a:tint val="15000"/>
+                <a:satMod val="165000"/>
               </a:schemeClr>
             </a:gs>
             <a:gs pos="100000">
@@ -4095,21 +4257,29 @@
                 <a:satOff val="0"/>
                 <a:lumOff val="0"/>
                 <a:alphaOff val="0"/>
-                <a:tint val="15000"/>
-                <a:satMod val="350000"/>
+                <a:tint val="5000"/>
+                <a:satMod val="250000"/>
               </a:schemeClr>
             </a:gs>
           </a:gsLst>
-          <a:lin ang="16200000" scaled="1"/>
+          <a:path path="circle">
+            <a:fillToRect l="50000" t="130000" r="50000" b="-30000"/>
+          </a:path>
         </a:gradFill>
         <a:ln>
           <a:noFill/>
         </a:ln>
         <a:effectLst>
-          <a:outerShdw blurRad="40000" dist="20000" dir="5400000" rotWithShape="0">
-            <a:srgbClr val="000000">
-              <a:alpha val="38000"/>
-            </a:srgbClr>
+          <a:outerShdw blurRad="57150" dist="38100" dir="5400000" algn="ctr" rotWithShape="0">
+            <a:schemeClr val="dk2">
+              <a:hueOff val="0"/>
+              <a:satOff val="0"/>
+              <a:lumOff val="0"/>
+              <a:alphaOff val="0"/>
+              <a:shade val="9000"/>
+              <a:satMod val="105000"/>
+              <a:alpha val="48000"/>
+            </a:schemeClr>
           </a:outerShdw>
         </a:effectLst>
         <a:scene3d>
@@ -4152,15 +4322,15 @@
             </a:spcAft>
           </a:pPr>
           <a:r>
-            <a:rPr lang="en-US" sz="1400" kern="1200" dirty="0" smtClean="0"/>
+            <a:rPr lang="en-US" sz="1400" b="1" kern="1200" dirty="0" smtClean="0"/>
             <a:t>PHP Server (Turing)</a:t>
           </a:r>
-          <a:endParaRPr lang="en-US" sz="1400" kern="1200" dirty="0"/>
+          <a:endParaRPr lang="en-US" sz="1400" b="1" kern="1200" dirty="0"/>
         </a:p>
       </dsp:txBody>
       <dsp:txXfrm>
-        <a:off x="2549101" y="3432353"/>
-        <a:ext cx="1089239" cy="1089239"/>
+        <a:off x="2323512" y="3206764"/>
+        <a:ext cx="1540417" cy="1540417"/>
       </dsp:txXfrm>
     </dsp:sp>
     <dsp:sp modelId="{470BEB95-5498-4076-A7AD-52EA2D6058A0}">
@@ -4188,19 +4358,30 @@
                 <a:satOff val="0"/>
                 <a:lumOff val="0"/>
                 <a:alphaOff val="0"/>
-                <a:tint val="50000"/>
-                <a:satMod val="300000"/>
+                <a:tint val="70000"/>
+                <a:satMod val="130000"/>
               </a:schemeClr>
             </a:gs>
-            <a:gs pos="35000">
+            <a:gs pos="43000">
               <a:schemeClr val="dk2">
                 <a:tint val="60000"/>
                 <a:hueOff val="0"/>
                 <a:satOff val="0"/>
                 <a:lumOff val="0"/>
                 <a:alphaOff val="0"/>
-                <a:tint val="37000"/>
-                <a:satMod val="300000"/>
+                <a:tint val="44000"/>
+                <a:satMod val="165000"/>
+              </a:schemeClr>
+            </a:gs>
+            <a:gs pos="93000">
+              <a:schemeClr val="dk2">
+                <a:tint val="60000"/>
+                <a:hueOff val="0"/>
+                <a:satOff val="0"/>
+                <a:lumOff val="0"/>
+                <a:alphaOff val="0"/>
+                <a:tint val="15000"/>
+                <a:satMod val="165000"/>
               </a:schemeClr>
             </a:gs>
             <a:gs pos="100000">
@@ -4210,21 +4391,30 @@
                 <a:satOff val="0"/>
                 <a:lumOff val="0"/>
                 <a:alphaOff val="0"/>
-                <a:tint val="15000"/>
-                <a:satMod val="350000"/>
+                <a:tint val="5000"/>
+                <a:satMod val="250000"/>
               </a:schemeClr>
             </a:gs>
           </a:gsLst>
-          <a:lin ang="16200000" scaled="1"/>
+          <a:path path="circle">
+            <a:fillToRect l="50000" t="130000" r="50000" b="-30000"/>
+          </a:path>
         </a:gradFill>
         <a:ln>
           <a:noFill/>
         </a:ln>
         <a:effectLst>
-          <a:outerShdw blurRad="40000" dist="20000" dir="5400000" rotWithShape="0">
-            <a:srgbClr val="000000">
-              <a:alpha val="38000"/>
-            </a:srgbClr>
+          <a:outerShdw blurRad="57150" dist="38100" dir="5400000" algn="ctr" rotWithShape="0">
+            <a:schemeClr val="dk2">
+              <a:tint val="60000"/>
+              <a:hueOff val="0"/>
+              <a:satOff val="0"/>
+              <a:lumOff val="0"/>
+              <a:alphaOff val="0"/>
+              <a:shade val="9000"/>
+              <a:satMod val="105000"/>
+              <a:alpha val="48000"/>
+            </a:schemeClr>
           </a:outerShdw>
         </a:effectLst>
       </dsp:spPr>
@@ -4262,9 +4452,9 @@
           <a:endParaRPr lang="en-US" sz="1900" kern="1200"/>
         </a:p>
       </dsp:txBody>
-      <dsp:txXfrm rot="10800000">
-        <a:off x="3247199" y="2072703"/>
-        <a:ext cx="85301" cy="267209"/>
+      <dsp:txXfrm rot="11880000">
+        <a:off x="3211536" y="1977985"/>
+        <a:ext cx="121859" cy="445347"/>
       </dsp:txXfrm>
     </dsp:sp>
     <dsp:sp modelId="{A0AE6ABD-EFF8-41C2-907C-790C07DF522C}">
@@ -4288,18 +4478,28 @@
                 <a:satOff val="0"/>
                 <a:lumOff val="0"/>
                 <a:alphaOff val="0"/>
-                <a:tint val="50000"/>
-                <a:satMod val="300000"/>
+                <a:tint val="70000"/>
+                <a:satMod val="130000"/>
               </a:schemeClr>
             </a:gs>
-            <a:gs pos="35000">
+            <a:gs pos="43000">
               <a:schemeClr val="dk2">
                 <a:hueOff val="0"/>
                 <a:satOff val="0"/>
                 <a:lumOff val="0"/>
                 <a:alphaOff val="0"/>
-                <a:tint val="37000"/>
-                <a:satMod val="300000"/>
+                <a:tint val="44000"/>
+                <a:satMod val="165000"/>
+              </a:schemeClr>
+            </a:gs>
+            <a:gs pos="93000">
+              <a:schemeClr val="dk2">
+                <a:hueOff val="0"/>
+                <a:satOff val="0"/>
+                <a:lumOff val="0"/>
+                <a:alphaOff val="0"/>
+                <a:tint val="15000"/>
+                <a:satMod val="165000"/>
               </a:schemeClr>
             </a:gs>
             <a:gs pos="100000">
@@ -4308,21 +4508,29 @@
                 <a:satOff val="0"/>
                 <a:lumOff val="0"/>
                 <a:alphaOff val="0"/>
-                <a:tint val="15000"/>
-                <a:satMod val="350000"/>
+                <a:tint val="5000"/>
+                <a:satMod val="250000"/>
               </a:schemeClr>
             </a:gs>
           </a:gsLst>
-          <a:lin ang="16200000" scaled="1"/>
+          <a:path path="circle">
+            <a:fillToRect l="50000" t="130000" r="50000" b="-30000"/>
+          </a:path>
         </a:gradFill>
         <a:ln>
           <a:noFill/>
         </a:ln>
         <a:effectLst>
-          <a:outerShdw blurRad="40000" dist="20000" dir="5400000" rotWithShape="0">
-            <a:srgbClr val="000000">
-              <a:alpha val="38000"/>
-            </a:srgbClr>
+          <a:outerShdw blurRad="57150" dist="38100" dir="5400000" algn="ctr" rotWithShape="0">
+            <a:schemeClr val="dk2">
+              <a:hueOff val="0"/>
+              <a:satOff val="0"/>
+              <a:lumOff val="0"/>
+              <a:alphaOff val="0"/>
+              <a:shade val="9000"/>
+              <a:satMod val="105000"/>
+              <a:alpha val="48000"/>
+            </a:schemeClr>
           </a:outerShdw>
         </a:effectLst>
         <a:scene3d>
@@ -4365,15 +4573,15 @@
             </a:spcAft>
           </a:pPr>
           <a:r>
-            <a:rPr lang="en-US" sz="1600" kern="1200" dirty="0" smtClean="0"/>
+            <a:rPr lang="en-US" sz="1600" b="1" kern="1200" dirty="0" smtClean="0"/>
             <a:t>Remote Teams</a:t>
           </a:r>
-          <a:endParaRPr lang="en-US" sz="1200" kern="1200" dirty="0"/>
+          <a:endParaRPr lang="en-US" sz="1200" b="1" kern="1200" dirty="0"/>
         </a:p>
       </dsp:txBody>
       <dsp:txXfrm>
-        <a:off x="1882719" y="1381440"/>
-        <a:ext cx="1089239" cy="1089239"/>
+        <a:off x="1657130" y="1155851"/>
+        <a:ext cx="1540417" cy="1540417"/>
       </dsp:txXfrm>
     </dsp:sp>
   </dsp:spTree>
@@ -8544,7 +8752,8 @@
           <a:p>
             <a:fld id="{724506C0-3FFE-45A5-803D-9F4FC5464A70}" type="datetimeFigureOut">
               <a:rPr lang="en-US" smtClean="0"/>
-              <a:t>10/22/2011</a:t>
+              <a:pPr/>
+              <a:t>10/23/2011</a:t>
             </a:fld>
             <a:endParaRPr lang="en-US"/>
           </a:p>
@@ -8703,6 +8912,7 @@
           <a:p>
             <a:fld id="{F8646707-6BBD-41A9-B4DF-0C76A73A2D2A}" type="slidenum">
               <a:rPr lang="en-US" smtClean="0"/>
+              <a:pPr/>
               <a:t>‹#›</a:t>
             </a:fld>
             <a:endParaRPr lang="en-US"/>
@@ -8712,7 +8922,7 @@
     </p:spTree>
     <p:extLst>
       <p:ext uri="{BB962C8B-B14F-4D97-AF65-F5344CB8AC3E}">
-        <p14:creationId xmlns:p14="http://schemas.microsoft.com/office/powerpoint/2010/main" val="650118158"/>
+        <p14:creationId xmlns:p14="http://schemas.microsoft.com/office/powerpoint/2010/main" xmlns="" val="650118158"/>
       </p:ext>
     </p:extLst>
   </p:cSld>
@@ -9503,6 +9713,11 @@
 <file path=ppt/slideLayouts/slideLayout1.xml><?xml version="1.0" encoding="utf-8"?>
 <p:sldLayout xmlns:a="http://schemas.openxmlformats.org/drawingml/2006/main" xmlns:r="http://schemas.openxmlformats.org/officeDocument/2006/relationships" xmlns:p="http://schemas.openxmlformats.org/presentationml/2006/main" type="title" preserve="1">
   <p:cSld name="Title Slide">
+    <p:bg>
+      <p:bgRef idx="1002">
+        <a:schemeClr val="bg2"/>
+      </p:bgRef>
+    </p:bg>
     <p:spTree>
       <p:nvGrpSpPr>
         <p:cNvPr id="1" name=""/>
@@ -9519,7 +9734,7 @@
       </p:grpSpPr>
       <p:sp>
         <p:nvSpPr>
-          <p:cNvPr id="2" name="Title 1"/>
+          <p:cNvPr id="9" name="Title 8"/>
           <p:cNvSpPr>
             <a:spLocks noGrp="1"/>
           </p:cNvSpPr>
@@ -9529,25 +9744,70 @@
         </p:nvSpPr>
         <p:spPr>
           <a:xfrm>
-            <a:off x="685800" y="2130425"/>
-            <a:ext cx="7772400" cy="1470025"/>
+            <a:off x="533400" y="1371600"/>
+            <a:ext cx="7851648" cy="1828800"/>
           </a:xfrm>
+          <a:ln>
+            <a:noFill/>
+          </a:ln>
         </p:spPr>
         <p:txBody>
-          <a:bodyPr/>
-          <a:lstStyle/>
+          <a:bodyPr vert="horz" tIns="0" rIns="18288" bIns="0" anchor="b">
+            <a:normAutofit/>
+            <a:scene3d>
+              <a:camera prst="orthographicFront"/>
+              <a:lightRig rig="freezing" dir="t">
+                <a:rot lat="0" lon="0" rev="5640000"/>
+              </a:lightRig>
+            </a:scene3d>
+            <a:sp3d prstMaterial="flat">
+              <a:bevelT w="38100" h="38100"/>
+              <a:contourClr>
+                <a:schemeClr val="tx2"/>
+              </a:contourClr>
+            </a:sp3d>
+          </a:bodyPr>
+          <a:lstStyle>
+            <a:lvl1pPr algn="r" rtl="0">
+              <a:spcBef>
+                <a:spcPct val="0"/>
+              </a:spcBef>
+              <a:buNone/>
+              <a:defRPr sz="5600" b="1">
+                <a:ln>
+                  <a:noFill/>
+                </a:ln>
+                <a:solidFill>
+                  <a:schemeClr val="accent3">
+                    <a:tint val="90000"/>
+                    <a:satMod val="120000"/>
+                  </a:schemeClr>
+                </a:solidFill>
+                <a:effectLst>
+                  <a:outerShdw blurRad="38100" dist="25400" dir="5400000" algn="tl" rotWithShape="0">
+                    <a:srgbClr val="000000">
+                      <a:alpha val="43000"/>
+                    </a:srgbClr>
+                  </a:outerShdw>
+                </a:effectLst>
+                <a:latin typeface="+mj-lt"/>
+                <a:ea typeface="+mj-ea"/>
+                <a:cs typeface="+mj-cs"/>
+              </a:defRPr>
+            </a:lvl1pPr>
+          </a:lstStyle>
           <a:p>
             <a:r>
-              <a:rPr lang="en-US" smtClean="0"/>
+              <a:rPr kumimoji="0" lang="en-US" smtClean="0"/>
               <a:t>Click to edit Master title style</a:t>
             </a:r>
-            <a:endParaRPr lang="en-US"/>
+            <a:endParaRPr kumimoji="0" lang="en-US"/>
           </a:p>
         </p:txBody>
       </p:sp>
       <p:sp>
         <p:nvSpPr>
-          <p:cNvPr id="3" name="Subtitle 2"/>
+          <p:cNvPr id="17" name="Subtitle 16"/>
           <p:cNvSpPr>
             <a:spLocks noGrp="1"/>
           </p:cNvSpPr>
@@ -9557,116 +9817,58 @@
         </p:nvSpPr>
         <p:spPr>
           <a:xfrm>
-            <a:off x="1371600" y="3886200"/>
-            <a:ext cx="6400800" cy="1752600"/>
+            <a:off x="533400" y="3228536"/>
+            <a:ext cx="7854696" cy="1752600"/>
           </a:xfrm>
         </p:spPr>
         <p:txBody>
-          <a:bodyPr/>
+          <a:bodyPr lIns="0" rIns="18288"/>
           <a:lstStyle>
-            <a:lvl1pPr marL="0" indent="0" algn="ctr">
+            <a:lvl1pPr marL="0" marR="45720" indent="0" algn="r">
               <a:buNone/>
               <a:defRPr>
                 <a:solidFill>
-                  <a:schemeClr val="tx1">
-                    <a:tint val="75000"/>
-                  </a:schemeClr>
+                  <a:schemeClr val="tx1"/>
                 </a:solidFill>
               </a:defRPr>
             </a:lvl1pPr>
             <a:lvl2pPr marL="457200" indent="0" algn="ctr">
               <a:buNone/>
-              <a:defRPr>
-                <a:solidFill>
-                  <a:schemeClr val="tx1">
-                    <a:tint val="75000"/>
-                  </a:schemeClr>
-                </a:solidFill>
-              </a:defRPr>
             </a:lvl2pPr>
             <a:lvl3pPr marL="914400" indent="0" algn="ctr">
               <a:buNone/>
-              <a:defRPr>
-                <a:solidFill>
-                  <a:schemeClr val="tx1">
-                    <a:tint val="75000"/>
-                  </a:schemeClr>
-                </a:solidFill>
-              </a:defRPr>
             </a:lvl3pPr>
             <a:lvl4pPr marL="1371600" indent="0" algn="ctr">
               <a:buNone/>
-              <a:defRPr>
-                <a:solidFill>
-                  <a:schemeClr val="tx1">
-                    <a:tint val="75000"/>
-                  </a:schemeClr>
-                </a:solidFill>
-              </a:defRPr>
             </a:lvl4pPr>
             <a:lvl5pPr marL="1828800" indent="0" algn="ctr">
               <a:buNone/>
-              <a:defRPr>
-                <a:solidFill>
-                  <a:schemeClr val="tx1">
-                    <a:tint val="75000"/>
-                  </a:schemeClr>
-                </a:solidFill>
-              </a:defRPr>
             </a:lvl5pPr>
             <a:lvl6pPr marL="2286000" indent="0" algn="ctr">
               <a:buNone/>
-              <a:defRPr>
-                <a:solidFill>
-                  <a:schemeClr val="tx1">
-                    <a:tint val="75000"/>
-                  </a:schemeClr>
-                </a:solidFill>
-              </a:defRPr>
             </a:lvl6pPr>
             <a:lvl7pPr marL="2743200" indent="0" algn="ctr">
               <a:buNone/>
-              <a:defRPr>
-                <a:solidFill>
-                  <a:schemeClr val="tx1">
-                    <a:tint val="75000"/>
-                  </a:schemeClr>
-                </a:solidFill>
-              </a:defRPr>
             </a:lvl7pPr>
             <a:lvl8pPr marL="3200400" indent="0" algn="ctr">
               <a:buNone/>
-              <a:defRPr>
-                <a:solidFill>
-                  <a:schemeClr val="tx1">
-                    <a:tint val="75000"/>
-                  </a:schemeClr>
-                </a:solidFill>
-              </a:defRPr>
             </a:lvl8pPr>
             <a:lvl9pPr marL="3657600" indent="0" algn="ctr">
               <a:buNone/>
-              <a:defRPr>
-                <a:solidFill>
-                  <a:schemeClr val="tx1">
-                    <a:tint val="75000"/>
-                  </a:schemeClr>
-                </a:solidFill>
-              </a:defRPr>
             </a:lvl9pPr>
           </a:lstStyle>
           <a:p>
             <a:r>
-              <a:rPr lang="en-US" smtClean="0"/>
+              <a:rPr kumimoji="0" lang="en-US" smtClean="0"/>
               <a:t>Click to edit Master subtitle style</a:t>
             </a:r>
-            <a:endParaRPr lang="en-US"/>
+            <a:endParaRPr kumimoji="0" lang="en-US"/>
           </a:p>
         </p:txBody>
       </p:sp>
       <p:sp>
         <p:nvSpPr>
-          <p:cNvPr id="4" name="Date Placeholder 3"/>
+          <p:cNvPr id="30" name="Date Placeholder 29"/>
           <p:cNvSpPr>
             <a:spLocks noGrp="1"/>
           </p:cNvSpPr>
@@ -9681,7 +9883,8 @@
           <a:p>
             <a:fld id="{F922158D-428B-4987-8B28-745A2AFA1252}" type="datetimeFigureOut">
               <a:rPr lang="en-US" smtClean="0"/>
-              <a:t>10/22/2011</a:t>
+              <a:pPr/>
+              <a:t>10/23/2011</a:t>
             </a:fld>
             <a:endParaRPr lang="en-US"/>
           </a:p>
@@ -9689,7 +9892,7 @@
       </p:sp>
       <p:sp>
         <p:nvSpPr>
-          <p:cNvPr id="5" name="Footer Placeholder 4"/>
+          <p:cNvPr id="19" name="Footer Placeholder 18"/>
           <p:cNvSpPr>
             <a:spLocks noGrp="1"/>
           </p:cNvSpPr>
@@ -9708,7 +9911,7 @@
       </p:sp>
       <p:sp>
         <p:nvSpPr>
-          <p:cNvPr id="6" name="Slide Number Placeholder 5"/>
+          <p:cNvPr id="27" name="Slide Number Placeholder 26"/>
           <p:cNvSpPr>
             <a:spLocks noGrp="1"/>
           </p:cNvSpPr>
@@ -9723,6 +9926,7 @@
           <a:p>
             <a:fld id="{515FC477-0A05-4F3E-8EE9-E015C9089D56}" type="slidenum">
               <a:rPr lang="en-US" smtClean="0"/>
+              <a:pPr/>
               <a:t>‹#›</a:t>
             </a:fld>
             <a:endParaRPr lang="en-US"/>
@@ -9741,7 +9945,7 @@
           <a:blip r:embed="rId2" cstate="email">
             <a:extLst>
               <a:ext uri="{28A0092B-C50C-407E-A947-70E740481C1C}">
-                <a14:useLocalDpi xmlns:a14="http://schemas.microsoft.com/office/drawing/2010/main"/>
+                <a14:useLocalDpi xmlns:a14="http://schemas.microsoft.com/office/drawing/2010/main" xmlns=""/>
               </a:ext>
             </a:extLst>
           </a:blip>
@@ -9771,7 +9975,7 @@
           <a:blip r:embed="rId3" cstate="email">
             <a:extLst>
               <a:ext uri="{28A0092B-C50C-407E-A947-70E740481C1C}">
-                <a14:useLocalDpi xmlns:a14="http://schemas.microsoft.com/office/drawing/2010/main"/>
+                <a14:useLocalDpi xmlns:a14="http://schemas.microsoft.com/office/drawing/2010/main" xmlns=""/>
               </a:ext>
             </a:extLst>
           </a:blip>
@@ -9800,7 +10004,7 @@
       </p:pic>
       <p:pic>
         <p:nvPicPr>
-          <p:cNvPr id="9" name="Picture 8"/>
+          <p:cNvPr id="10" name="Picture 9"/>
           <p:cNvPicPr>
             <a:picLocks noChangeAspect="1"/>
           </p:cNvPicPr>
@@ -9810,7 +10014,7 @@
           <a:blip r:embed="rId4" cstate="email">
             <a:extLst>
               <a:ext uri="{28A0092B-C50C-407E-A947-70E740481C1C}">
-                <a14:useLocalDpi xmlns:a14="http://schemas.microsoft.com/office/drawing/2010/main"/>
+                <a14:useLocalDpi xmlns:a14="http://schemas.microsoft.com/office/drawing/2010/main" xmlns=""/>
               </a:ext>
             </a:extLst>
           </a:blip>
@@ -9839,7 +10043,7 @@
       </p:pic>
       <p:pic>
         <p:nvPicPr>
-          <p:cNvPr id="10" name="Picture 9"/>
+          <p:cNvPr id="11" name="Picture 10"/>
           <p:cNvPicPr>
             <a:picLocks noChangeAspect="1"/>
           </p:cNvPicPr>
@@ -9849,7 +10053,7 @@
           <a:blip r:embed="rId5" cstate="email">
             <a:extLst>
               <a:ext uri="{28A0092B-C50C-407E-A947-70E740481C1C}">
-                <a14:useLocalDpi xmlns:a14="http://schemas.microsoft.com/office/drawing/2010/main"/>
+                <a14:useLocalDpi xmlns:a14="http://schemas.microsoft.com/office/drawing/2010/main" xmlns=""/>
               </a:ext>
             </a:extLst>
           </a:blip>
@@ -9877,14 +10081,9 @@
         </p:spPr>
       </p:pic>
     </p:spTree>
-    <p:extLst>
-      <p:ext uri="{BB962C8B-B14F-4D97-AF65-F5344CB8AC3E}">
-        <p14:creationId xmlns:p14="http://schemas.microsoft.com/office/powerpoint/2010/main" val="990947878"/>
-      </p:ext>
-    </p:extLst>
   </p:cSld>
   <p:clrMapOvr>
-    <a:masterClrMapping/>
+    <a:overrideClrMapping bg1="dk1" tx1="lt1" bg2="dk2" tx2="lt2" accent1="accent1" accent2="accent2" accent3="accent3" accent4="accent4" accent5="accent5" accent6="accent6" hlink="hlink" folHlink="folHlink"/>
   </p:clrMapOvr>
   <p:timing>
     <p:tnLst>
@@ -10033,7 +10232,7 @@
                                           </p:stCondLst>
                                         </p:cTn>
                                         <p:tgtEl>
-                                          <p:spTgt spid="9"/>
+                                          <p:spTgt spid="10"/>
                                         </p:tgtEl>
                                         <p:attrNameLst>
                                           <p:attrName>style.visibility</p:attrName>
@@ -10047,7 +10246,7 @@
                                       <p:cBhvr>
                                         <p:cTn id="13" dur="1000" fill="hold"/>
                                         <p:tgtEl>
-                                          <p:spTgt spid="9"/>
+                                          <p:spTgt spid="10"/>
                                         </p:tgtEl>
                                         <p:attrNameLst>
                                           <p:attrName>ppt_w</p:attrName>
@@ -10070,7 +10269,7 @@
                                       <p:cBhvr>
                                         <p:cTn id="14" dur="1000" fill="hold"/>
                                         <p:tgtEl>
-                                          <p:spTgt spid="9"/>
+                                          <p:spTgt spid="10"/>
                                         </p:tgtEl>
                                         <p:attrNameLst>
                                           <p:attrName>ppt_h</p:attrName>
@@ -10093,7 +10292,7 @@
                                       <p:cBhvr>
                                         <p:cTn id="15" dur="1000" fill="hold"/>
                                         <p:tgtEl>
-                                          <p:spTgt spid="9"/>
+                                          <p:spTgt spid="10"/>
                                         </p:tgtEl>
                                         <p:attrNameLst>
                                           <p:attrName>style.rotation</p:attrName>
@@ -10116,7 +10315,7 @@
                                       <p:cBhvr>
                                         <p:cTn id="16" dur="1000"/>
                                         <p:tgtEl>
-                                          <p:spTgt spid="9"/>
+                                          <p:spTgt spid="10"/>
                                         </p:tgtEl>
                                       </p:cBhvr>
                                     </p:animEffect>
@@ -10140,7 +10339,7 @@
                                           </p:stCondLst>
                                         </p:cTn>
                                         <p:tgtEl>
-                                          <p:spTgt spid="10"/>
+                                          <p:spTgt spid="11"/>
                                         </p:tgtEl>
                                         <p:attrNameLst>
                                           <p:attrName>style.visibility</p:attrName>
@@ -10154,7 +10353,7 @@
                                       <p:cBhvr>
                                         <p:cTn id="19" dur="1000" fill="hold"/>
                                         <p:tgtEl>
-                                          <p:spTgt spid="10"/>
+                                          <p:spTgt spid="11"/>
                                         </p:tgtEl>
                                         <p:attrNameLst>
                                           <p:attrName>ppt_w</p:attrName>
@@ -10177,7 +10376,7 @@
                                       <p:cBhvr>
                                         <p:cTn id="20" dur="1000" fill="hold"/>
                                         <p:tgtEl>
-                                          <p:spTgt spid="10"/>
+                                          <p:spTgt spid="11"/>
                                         </p:tgtEl>
                                         <p:attrNameLst>
                                           <p:attrName>ppt_h</p:attrName>
@@ -10200,7 +10399,7 @@
                                       <p:cBhvr>
                                         <p:cTn id="21" dur="1000" fill="hold"/>
                                         <p:tgtEl>
-                                          <p:spTgt spid="10"/>
+                                          <p:spTgt spid="11"/>
                                         </p:tgtEl>
                                         <p:attrNameLst>
                                           <p:attrName>style.rotation</p:attrName>
@@ -10223,7 +10422,7 @@
                                       <p:cBhvr>
                                         <p:cTn id="22" dur="1000"/>
                                         <p:tgtEl>
-                                          <p:spTgt spid="10"/>
+                                          <p:spTgt spid="11"/>
                                         </p:tgtEl>
                                       </p:cBhvr>
                                     </p:animEffect>
@@ -10338,10 +10537,10 @@
           <a:lstStyle/>
           <a:p>
             <a:r>
-              <a:rPr lang="en-US" smtClean="0"/>
+              <a:rPr kumimoji="0" lang="en-US" smtClean="0"/>
               <a:t>Click to edit Master title style</a:t>
             </a:r>
-            <a:endParaRPr lang="en-US"/>
+            <a:endParaRPr kumimoji="0" lang="en-US"/>
           </a:p>
         </p:txBody>
       </p:sp>
@@ -10360,40 +10559,40 @@
           <a:bodyPr vert="eaVert"/>
           <a:lstStyle/>
           <a:p>
-            <a:pPr lvl="0"/>
+            <a:pPr lvl="0" eaLnBrk="1" latinLnBrk="0" hangingPunct="1"/>
             <a:r>
               <a:rPr lang="en-US" smtClean="0"/>
               <a:t>Click to edit Master text styles</a:t>
             </a:r>
           </a:p>
           <a:p>
-            <a:pPr lvl="1"/>
+            <a:pPr lvl="1" eaLnBrk="1" latinLnBrk="0" hangingPunct="1"/>
             <a:r>
               <a:rPr lang="en-US" smtClean="0"/>
               <a:t>Second level</a:t>
             </a:r>
           </a:p>
           <a:p>
-            <a:pPr lvl="2"/>
+            <a:pPr lvl="2" eaLnBrk="1" latinLnBrk="0" hangingPunct="1"/>
             <a:r>
               <a:rPr lang="en-US" smtClean="0"/>
               <a:t>Third level</a:t>
             </a:r>
           </a:p>
           <a:p>
-            <a:pPr lvl="3"/>
+            <a:pPr lvl="3" eaLnBrk="1" latinLnBrk="0" hangingPunct="1"/>
             <a:r>
               <a:rPr lang="en-US" smtClean="0"/>
               <a:t>Fourth level</a:t>
             </a:r>
           </a:p>
           <a:p>
-            <a:pPr lvl="4"/>
+            <a:pPr lvl="4" eaLnBrk="1" latinLnBrk="0" hangingPunct="1"/>
             <a:r>
               <a:rPr lang="en-US" smtClean="0"/>
               <a:t>Fifth level</a:t>
             </a:r>
-            <a:endParaRPr lang="en-US"/>
+            <a:endParaRPr kumimoji="0" lang="en-US"/>
           </a:p>
         </p:txBody>
       </p:sp>
@@ -10414,7 +10613,8 @@
           <a:p>
             <a:fld id="{F922158D-428B-4987-8B28-745A2AFA1252}" type="datetimeFigureOut">
               <a:rPr lang="en-US" smtClean="0"/>
-              <a:t>10/22/2011</a:t>
+              <a:pPr/>
+              <a:t>10/23/2011</a:t>
             </a:fld>
             <a:endParaRPr lang="en-US"/>
           </a:p>
@@ -10456,6 +10656,7 @@
           <a:p>
             <a:fld id="{515FC477-0A05-4F3E-8EE9-E015C9089D56}" type="slidenum">
               <a:rPr lang="en-US" smtClean="0"/>
+              <a:pPr/>
               <a:t>‹#›</a:t>
             </a:fld>
             <a:endParaRPr lang="en-US"/>
@@ -10463,11 +10664,6 @@
         </p:txBody>
       </p:sp>
     </p:spTree>
-    <p:extLst>
-      <p:ext uri="{BB962C8B-B14F-4D97-AF65-F5344CB8AC3E}">
-        <p14:creationId xmlns:p14="http://schemas.microsoft.com/office/powerpoint/2010/main" val="1538219327"/>
-      </p:ext>
-    </p:extLst>
   </p:cSld>
   <p:clrMapOvr>
     <a:masterClrMapping/>
@@ -10514,8 +10710,8 @@
         </p:nvSpPr>
         <p:spPr>
           <a:xfrm>
-            <a:off x="6629400" y="274638"/>
-            <a:ext cx="2057400" cy="5851525"/>
+            <a:off x="6629400" y="914401"/>
+            <a:ext cx="2057400" cy="5211763"/>
           </a:xfrm>
         </p:spPr>
         <p:txBody>
@@ -10523,10 +10719,10 @@
           <a:lstStyle/>
           <a:p>
             <a:r>
-              <a:rPr lang="en-US" smtClean="0"/>
+              <a:rPr kumimoji="0" lang="en-US" smtClean="0"/>
               <a:t>Click to edit Master title style</a:t>
             </a:r>
-            <a:endParaRPr lang="en-US"/>
+            <a:endParaRPr kumimoji="0" lang="en-US"/>
           </a:p>
         </p:txBody>
       </p:sp>
@@ -10542,48 +10738,48 @@
         </p:nvSpPr>
         <p:spPr>
           <a:xfrm>
-            <a:off x="457200" y="274638"/>
-            <a:ext cx="6019800" cy="5851525"/>
+            <a:off x="457200" y="914401"/>
+            <a:ext cx="6019800" cy="5211763"/>
           </a:xfrm>
         </p:spPr>
         <p:txBody>
           <a:bodyPr vert="eaVert"/>
           <a:lstStyle/>
           <a:p>
-            <a:pPr lvl="0"/>
+            <a:pPr lvl="0" eaLnBrk="1" latinLnBrk="0" hangingPunct="1"/>
             <a:r>
               <a:rPr lang="en-US" smtClean="0"/>
               <a:t>Click to edit Master text styles</a:t>
             </a:r>
           </a:p>
           <a:p>
-            <a:pPr lvl="1"/>
+            <a:pPr lvl="1" eaLnBrk="1" latinLnBrk="0" hangingPunct="1"/>
             <a:r>
               <a:rPr lang="en-US" smtClean="0"/>
               <a:t>Second level</a:t>
             </a:r>
           </a:p>
           <a:p>
-            <a:pPr lvl="2"/>
+            <a:pPr lvl="2" eaLnBrk="1" latinLnBrk="0" hangingPunct="1"/>
             <a:r>
               <a:rPr lang="en-US" smtClean="0"/>
               <a:t>Third level</a:t>
             </a:r>
           </a:p>
           <a:p>
-            <a:pPr lvl="3"/>
+            <a:pPr lvl="3" eaLnBrk="1" latinLnBrk="0" hangingPunct="1"/>
             <a:r>
               <a:rPr lang="en-US" smtClean="0"/>
               <a:t>Fourth level</a:t>
             </a:r>
           </a:p>
           <a:p>
-            <a:pPr lvl="4"/>
+            <a:pPr lvl="4" eaLnBrk="1" latinLnBrk="0" hangingPunct="1"/>
             <a:r>
               <a:rPr lang="en-US" smtClean="0"/>
               <a:t>Fifth level</a:t>
             </a:r>
-            <a:endParaRPr lang="en-US"/>
+            <a:endParaRPr kumimoji="0" lang="en-US"/>
           </a:p>
         </p:txBody>
       </p:sp>
@@ -10604,7 +10800,8 @@
           <a:p>
             <a:fld id="{F922158D-428B-4987-8B28-745A2AFA1252}" type="datetimeFigureOut">
               <a:rPr lang="en-US" smtClean="0"/>
-              <a:t>10/22/2011</a:t>
+              <a:pPr/>
+              <a:t>10/23/2011</a:t>
             </a:fld>
             <a:endParaRPr lang="en-US"/>
           </a:p>
@@ -10646,6 +10843,7 @@
           <a:p>
             <a:fld id="{515FC477-0A05-4F3E-8EE9-E015C9089D56}" type="slidenum">
               <a:rPr lang="en-US" smtClean="0"/>
+              <a:pPr/>
               <a:t>‹#›</a:t>
             </a:fld>
             <a:endParaRPr lang="en-US"/>
@@ -10653,11 +10851,6 @@
         </p:txBody>
       </p:sp>
     </p:spTree>
-    <p:extLst>
-      <p:ext uri="{BB962C8B-B14F-4D97-AF65-F5344CB8AC3E}">
-        <p14:creationId xmlns:p14="http://schemas.microsoft.com/office/powerpoint/2010/main" val="437358483"/>
-      </p:ext>
-    </p:extLst>
   </p:cSld>
   <p:clrMapOvr>
     <a:masterClrMapping/>
@@ -10708,10 +10901,10 @@
           <a:lstStyle/>
           <a:p>
             <a:r>
-              <a:rPr lang="en-US" smtClean="0"/>
+              <a:rPr kumimoji="0" lang="en-US" smtClean="0"/>
               <a:t>Click to edit Master title style</a:t>
             </a:r>
-            <a:endParaRPr lang="en-US"/>
+            <a:endParaRPr kumimoji="0" lang="en-US"/>
           </a:p>
         </p:txBody>
       </p:sp>
@@ -10730,40 +10923,40 @@
           <a:bodyPr/>
           <a:lstStyle/>
           <a:p>
-            <a:pPr lvl="0"/>
+            <a:pPr lvl="0" eaLnBrk="1" latinLnBrk="0" hangingPunct="1"/>
             <a:r>
               <a:rPr lang="en-US" smtClean="0"/>
               <a:t>Click to edit Master text styles</a:t>
             </a:r>
           </a:p>
           <a:p>
-            <a:pPr lvl="1"/>
+            <a:pPr lvl="1" eaLnBrk="1" latinLnBrk="0" hangingPunct="1"/>
             <a:r>
               <a:rPr lang="en-US" smtClean="0"/>
               <a:t>Second level</a:t>
             </a:r>
           </a:p>
           <a:p>
-            <a:pPr lvl="2"/>
+            <a:pPr lvl="2" eaLnBrk="1" latinLnBrk="0" hangingPunct="1"/>
             <a:r>
               <a:rPr lang="en-US" smtClean="0"/>
               <a:t>Third level</a:t>
             </a:r>
           </a:p>
           <a:p>
-            <a:pPr lvl="3"/>
+            <a:pPr lvl="3" eaLnBrk="1" latinLnBrk="0" hangingPunct="1"/>
             <a:r>
               <a:rPr lang="en-US" smtClean="0"/>
               <a:t>Fourth level</a:t>
             </a:r>
           </a:p>
           <a:p>
-            <a:pPr lvl="4"/>
+            <a:pPr lvl="4" eaLnBrk="1" latinLnBrk="0" hangingPunct="1"/>
             <a:r>
               <a:rPr lang="en-US" smtClean="0"/>
               <a:t>Fifth level</a:t>
             </a:r>
-            <a:endParaRPr lang="en-US"/>
+            <a:endParaRPr kumimoji="0" lang="en-US"/>
           </a:p>
         </p:txBody>
       </p:sp>
@@ -10784,7 +10977,8 @@
           <a:p>
             <a:fld id="{F922158D-428B-4987-8B28-745A2AFA1252}" type="datetimeFigureOut">
               <a:rPr lang="en-US" smtClean="0"/>
-              <a:t>10/22/2011</a:t>
+              <a:pPr/>
+              <a:t>10/23/2011</a:t>
             </a:fld>
             <a:endParaRPr lang="en-US"/>
           </a:p>
@@ -10826,6 +11020,7 @@
           <a:p>
             <a:fld id="{515FC477-0A05-4F3E-8EE9-E015C9089D56}" type="slidenum">
               <a:rPr lang="en-US" smtClean="0"/>
+              <a:pPr/>
               <a:t>‹#›</a:t>
             </a:fld>
             <a:endParaRPr lang="en-US"/>
@@ -10833,11 +11028,6 @@
         </p:txBody>
       </p:sp>
     </p:spTree>
-    <p:extLst>
-      <p:ext uri="{BB962C8B-B14F-4D97-AF65-F5344CB8AC3E}">
-        <p14:creationId xmlns:p14="http://schemas.microsoft.com/office/powerpoint/2010/main" val="2476728131"/>
-      </p:ext>
-    </p:extLst>
   </p:cSld>
   <p:clrMapOvr>
     <a:masterClrMapping/>
@@ -10858,6 +11048,11 @@
 <file path=ppt/slideLayouts/slideLayout3.xml><?xml version="1.0" encoding="utf-8"?>
 <p:sldLayout xmlns:a="http://schemas.openxmlformats.org/drawingml/2006/main" xmlns:r="http://schemas.openxmlformats.org/officeDocument/2006/relationships" xmlns:p="http://schemas.openxmlformats.org/presentationml/2006/main" type="secHead" preserve="1">
   <p:cSld name="Section Header">
+    <p:bg>
+      <p:bgRef idx="1002">
+        <a:schemeClr val="bg2"/>
+      </p:bgRef>
+    </p:bg>
     <p:spTree>
       <p:nvGrpSpPr>
         <p:cNvPr id="1" name=""/>
@@ -10884,23 +11079,61 @@
         </p:nvSpPr>
         <p:spPr>
           <a:xfrm>
-            <a:off x="722313" y="4406900"/>
-            <a:ext cx="7772400" cy="1362075"/>
+            <a:off x="530352" y="1316736"/>
+            <a:ext cx="7772400" cy="1362456"/>
           </a:xfrm>
+          <a:ln>
+            <a:noFill/>
+          </a:ln>
         </p:spPr>
         <p:txBody>
-          <a:bodyPr anchor="t"/>
+          <a:bodyPr vert="horz" tIns="0" bIns="0" anchor="b">
+            <a:noAutofit/>
+            <a:scene3d>
+              <a:camera prst="orthographicFront"/>
+              <a:lightRig rig="freezing" dir="t">
+                <a:rot lat="0" lon="0" rev="5640000"/>
+              </a:lightRig>
+            </a:scene3d>
+            <a:sp3d prstMaterial="flat">
+              <a:bevelT w="38100" h="38100"/>
+            </a:sp3d>
+          </a:bodyPr>
           <a:lstStyle>
-            <a:lvl1pPr algn="l">
-              <a:defRPr sz="4000" b="1" cap="all"/>
+            <a:lvl1pPr algn="l" rtl="0">
+              <a:spcBef>
+                <a:spcPct val="0"/>
+              </a:spcBef>
+              <a:buNone/>
+              <a:defRPr lang="en-US" sz="5600" b="1" cap="none" baseline="0" dirty="0">
+                <a:ln w="635">
+                  <a:noFill/>
+                </a:ln>
+                <a:solidFill>
+                  <a:schemeClr val="accent4">
+                    <a:tint val="90000"/>
+                    <a:satMod val="125000"/>
+                  </a:schemeClr>
+                </a:solidFill>
+                <a:effectLst>
+                  <a:outerShdw blurRad="38100" dist="25400" dir="5400000" algn="tl" rotWithShape="0">
+                    <a:srgbClr val="000000">
+                      <a:alpha val="43000"/>
+                    </a:srgbClr>
+                  </a:outerShdw>
+                </a:effectLst>
+                <a:latin typeface="+mj-lt"/>
+                <a:ea typeface="+mj-ea"/>
+                <a:cs typeface="+mj-cs"/>
+              </a:defRPr>
             </a:lvl1pPr>
           </a:lstStyle>
           <a:p>
             <a:r>
-              <a:rPr lang="en-US" smtClean="0"/>
+              <a:rPr kumimoji="0" lang="en-US" smtClean="0"/>
               <a:t>Click to edit Master title style</a:t>
             </a:r>
-            <a:endParaRPr lang="en-US"/>
+            <a:endParaRPr kumimoji="0" lang="en-US"/>
           </a:p>
         </p:txBody>
       </p:sp>
@@ -10916,24 +11149,22 @@
         </p:nvSpPr>
         <p:spPr>
           <a:xfrm>
-            <a:off x="722313" y="2906713"/>
-            <a:ext cx="7772400" cy="1500187"/>
+            <a:off x="530352" y="2704664"/>
+            <a:ext cx="7772400" cy="1509712"/>
           </a:xfrm>
         </p:spPr>
         <p:txBody>
-          <a:bodyPr anchor="b"/>
+          <a:bodyPr lIns="45720" rIns="45720" anchor="t"/>
           <a:lstStyle>
             <a:lvl1pPr marL="0" indent="0">
               <a:buNone/>
-              <a:defRPr sz="2000">
+              <a:defRPr sz="2200">
                 <a:solidFill>
-                  <a:schemeClr val="tx1">
-                    <a:tint val="75000"/>
-                  </a:schemeClr>
+                  <a:schemeClr val="tx1"/>
                 </a:solidFill>
               </a:defRPr>
             </a:lvl1pPr>
-            <a:lvl2pPr marL="457200" indent="0">
+            <a:lvl2pPr>
               <a:buNone/>
               <a:defRPr sz="1800">
                 <a:solidFill>
@@ -10943,7 +11174,7 @@
                 </a:solidFill>
               </a:defRPr>
             </a:lvl2pPr>
-            <a:lvl3pPr marL="914400" indent="0">
+            <a:lvl3pPr>
               <a:buNone/>
               <a:defRPr sz="1600">
                 <a:solidFill>
@@ -10953,7 +11184,7 @@
                 </a:solidFill>
               </a:defRPr>
             </a:lvl3pPr>
-            <a:lvl4pPr marL="1371600" indent="0">
+            <a:lvl4pPr>
               <a:buNone/>
               <a:defRPr sz="1400">
                 <a:solidFill>
@@ -10963,7 +11194,7 @@
                 </a:solidFill>
               </a:defRPr>
             </a:lvl4pPr>
-            <a:lvl5pPr marL="1828800" indent="0">
+            <a:lvl5pPr>
               <a:buNone/>
               <a:defRPr sz="1400">
                 <a:solidFill>
@@ -10973,51 +11204,11 @@
                 </a:solidFill>
               </a:defRPr>
             </a:lvl5pPr>
-            <a:lvl6pPr marL="2286000" indent="0">
-              <a:buNone/>
-              <a:defRPr sz="1400">
-                <a:solidFill>
-                  <a:schemeClr val="tx1">
-                    <a:tint val="75000"/>
-                  </a:schemeClr>
-                </a:solidFill>
-              </a:defRPr>
-            </a:lvl6pPr>
-            <a:lvl7pPr marL="2743200" indent="0">
-              <a:buNone/>
-              <a:defRPr sz="1400">
-                <a:solidFill>
-                  <a:schemeClr val="tx1">
-                    <a:tint val="75000"/>
-                  </a:schemeClr>
-                </a:solidFill>
-              </a:defRPr>
-            </a:lvl7pPr>
-            <a:lvl8pPr marL="3200400" indent="0">
-              <a:buNone/>
-              <a:defRPr sz="1400">
-                <a:solidFill>
-                  <a:schemeClr val="tx1">
-                    <a:tint val="75000"/>
-                  </a:schemeClr>
-                </a:solidFill>
-              </a:defRPr>
-            </a:lvl8pPr>
-            <a:lvl9pPr marL="3657600" indent="0">
-              <a:buNone/>
-              <a:defRPr sz="1400">
-                <a:solidFill>
-                  <a:schemeClr val="tx1">
-                    <a:tint val="75000"/>
-                  </a:schemeClr>
-                </a:solidFill>
-              </a:defRPr>
-            </a:lvl9pPr>
           </a:lstStyle>
           <a:p>
-            <a:pPr lvl="0"/>
+            <a:pPr lvl="0" eaLnBrk="1" latinLnBrk="0" hangingPunct="1"/>
             <a:r>
-              <a:rPr lang="en-US" smtClean="0"/>
+              <a:rPr kumimoji="0" lang="en-US" smtClean="0"/>
               <a:t>Click to edit Master text styles</a:t>
             </a:r>
           </a:p>
@@ -11040,7 +11231,8 @@
           <a:p>
             <a:fld id="{F922158D-428B-4987-8B28-745A2AFA1252}" type="datetimeFigureOut">
               <a:rPr lang="en-US" smtClean="0"/>
-              <a:t>10/22/2011</a:t>
+              <a:pPr/>
+              <a:t>10/23/2011</a:t>
             </a:fld>
             <a:endParaRPr lang="en-US"/>
           </a:p>
@@ -11082,6 +11274,7 @@
           <a:p>
             <a:fld id="{515FC477-0A05-4F3E-8EE9-E015C9089D56}" type="slidenum">
               <a:rPr lang="en-US" smtClean="0"/>
+              <a:pPr/>
               <a:t>‹#›</a:t>
             </a:fld>
             <a:endParaRPr lang="en-US"/>
@@ -11097,7 +11290,7 @@
           <p:nvPr userDrawn="1"/>
         </p:nvPicPr>
         <p:blipFill rotWithShape="1">
-          <a:blip r:embed="rId2"/>
+          <a:blip r:embed="rId2" cstate="print"/>
           <a:srcRect l="-92" t="50811" r="45394" b="-590"/>
           <a:stretch/>
         </p:blipFill>
@@ -11123,7 +11316,7 @@
           <a:blip r:embed="rId3" cstate="email">
             <a:extLst>
               <a:ext uri="{28A0092B-C50C-407E-A947-70E740481C1C}">
-                <a14:useLocalDpi xmlns:a14="http://schemas.microsoft.com/office/drawing/2010/main"/>
+                <a14:useLocalDpi xmlns:a14="http://schemas.microsoft.com/office/drawing/2010/main" xmlns=""/>
               </a:ext>
             </a:extLst>
           </a:blip>
@@ -11151,14 +11344,9 @@
         </p:spPr>
       </p:pic>
     </p:spTree>
-    <p:extLst>
-      <p:ext uri="{BB962C8B-B14F-4D97-AF65-F5344CB8AC3E}">
-        <p14:creationId xmlns:p14="http://schemas.microsoft.com/office/powerpoint/2010/main" val="2232813591"/>
-      </p:ext>
-    </p:extLst>
   </p:cSld>
   <p:clrMapOvr>
-    <a:masterClrMapping/>
+    <a:overrideClrMapping bg1="dk1" tx1="lt1" bg2="dk2" tx2="lt2" accent1="accent1" accent2="accent2" accent3="accent3" accent4="accent4" accent5="accent5" accent6="accent6" hlink="hlink" folHlink="folHlink"/>
   </p:clrMapOvr>
   <p:timing>
     <p:tnLst>
@@ -11392,16 +11580,21 @@
             <p:ph type="title"/>
           </p:nvPr>
         </p:nvSpPr>
-        <p:spPr/>
+        <p:spPr>
+          <a:xfrm>
+            <a:off x="457200" y="704088"/>
+            <a:ext cx="8229600" cy="1143000"/>
+          </a:xfrm>
+        </p:spPr>
         <p:txBody>
           <a:bodyPr/>
           <a:lstStyle/>
           <a:p>
             <a:r>
-              <a:rPr lang="en-US" smtClean="0"/>
+              <a:rPr kumimoji="0" lang="en-US" smtClean="0"/>
               <a:t>Click to edit Master title style</a:t>
             </a:r>
-            <a:endParaRPr lang="en-US"/>
+            <a:endParaRPr kumimoji="0" lang="en-US"/>
           </a:p>
         </p:txBody>
       </p:sp>
@@ -11417,15 +11610,15 @@
         </p:nvSpPr>
         <p:spPr>
           <a:xfrm>
-            <a:off x="457200" y="1600200"/>
-            <a:ext cx="4038600" cy="4525963"/>
+            <a:off x="457200" y="1920085"/>
+            <a:ext cx="4038600" cy="4434840"/>
           </a:xfrm>
         </p:spPr>
         <p:txBody>
           <a:bodyPr/>
           <a:lstStyle>
             <a:lvl1pPr>
-              <a:defRPr sz="2800"/>
+              <a:defRPr sz="2600"/>
             </a:lvl1pPr>
             <a:lvl2pPr>
               <a:defRPr sz="2400"/>
@@ -11439,54 +11632,42 @@
             <a:lvl5pPr>
               <a:defRPr sz="1800"/>
             </a:lvl5pPr>
-            <a:lvl6pPr>
-              <a:defRPr sz="1800"/>
-            </a:lvl6pPr>
-            <a:lvl7pPr>
-              <a:defRPr sz="1800"/>
-            </a:lvl7pPr>
-            <a:lvl8pPr>
-              <a:defRPr sz="1800"/>
-            </a:lvl8pPr>
-            <a:lvl9pPr>
-              <a:defRPr sz="1800"/>
-            </a:lvl9pPr>
           </a:lstStyle>
           <a:p>
-            <a:pPr lvl="0"/>
+            <a:pPr lvl="0" eaLnBrk="1" latinLnBrk="0" hangingPunct="1"/>
             <a:r>
               <a:rPr lang="en-US" smtClean="0"/>
               <a:t>Click to edit Master text styles</a:t>
             </a:r>
           </a:p>
           <a:p>
-            <a:pPr lvl="1"/>
+            <a:pPr lvl="1" eaLnBrk="1" latinLnBrk="0" hangingPunct="1"/>
             <a:r>
               <a:rPr lang="en-US" smtClean="0"/>
               <a:t>Second level</a:t>
             </a:r>
           </a:p>
           <a:p>
-            <a:pPr lvl="2"/>
+            <a:pPr lvl="2" eaLnBrk="1" latinLnBrk="0" hangingPunct="1"/>
             <a:r>
               <a:rPr lang="en-US" smtClean="0"/>
               <a:t>Third level</a:t>
             </a:r>
           </a:p>
           <a:p>
-            <a:pPr lvl="3"/>
+            <a:pPr lvl="3" eaLnBrk="1" latinLnBrk="0" hangingPunct="1"/>
             <a:r>
               <a:rPr lang="en-US" smtClean="0"/>
               <a:t>Fourth level</a:t>
             </a:r>
           </a:p>
           <a:p>
-            <a:pPr lvl="4"/>
+            <a:pPr lvl="4" eaLnBrk="1" latinLnBrk="0" hangingPunct="1"/>
             <a:r>
               <a:rPr lang="en-US" smtClean="0"/>
               <a:t>Fifth level</a:t>
             </a:r>
-            <a:endParaRPr lang="en-US"/>
+            <a:endParaRPr kumimoji="0" lang="en-US"/>
           </a:p>
         </p:txBody>
       </p:sp>
@@ -11502,15 +11683,15 @@
         </p:nvSpPr>
         <p:spPr>
           <a:xfrm>
-            <a:off x="4648200" y="1600200"/>
-            <a:ext cx="4038600" cy="4525963"/>
+            <a:off x="4648200" y="1920085"/>
+            <a:ext cx="4038600" cy="4434840"/>
           </a:xfrm>
         </p:spPr>
         <p:txBody>
           <a:bodyPr/>
           <a:lstStyle>
             <a:lvl1pPr>
-              <a:defRPr sz="2800"/>
+              <a:defRPr sz="2600"/>
             </a:lvl1pPr>
             <a:lvl2pPr>
               <a:defRPr sz="2400"/>
@@ -11524,54 +11705,42 @@
             <a:lvl5pPr>
               <a:defRPr sz="1800"/>
             </a:lvl5pPr>
-            <a:lvl6pPr>
-              <a:defRPr sz="1800"/>
-            </a:lvl6pPr>
-            <a:lvl7pPr>
-              <a:defRPr sz="1800"/>
-            </a:lvl7pPr>
-            <a:lvl8pPr>
-              <a:defRPr sz="1800"/>
-            </a:lvl8pPr>
-            <a:lvl9pPr>
-              <a:defRPr sz="1800"/>
-            </a:lvl9pPr>
           </a:lstStyle>
           <a:p>
-            <a:pPr lvl="0"/>
+            <a:pPr lvl="0" eaLnBrk="1" latinLnBrk="0" hangingPunct="1"/>
             <a:r>
               <a:rPr lang="en-US" smtClean="0"/>
               <a:t>Click to edit Master text styles</a:t>
             </a:r>
           </a:p>
           <a:p>
-            <a:pPr lvl="1"/>
+            <a:pPr lvl="1" eaLnBrk="1" latinLnBrk="0" hangingPunct="1"/>
             <a:r>
               <a:rPr lang="en-US" smtClean="0"/>
               <a:t>Second level</a:t>
             </a:r>
           </a:p>
           <a:p>
-            <a:pPr lvl="2"/>
+            <a:pPr lvl="2" eaLnBrk="1" latinLnBrk="0" hangingPunct="1"/>
             <a:r>
               <a:rPr lang="en-US" smtClean="0"/>
               <a:t>Third level</a:t>
             </a:r>
           </a:p>
           <a:p>
-            <a:pPr lvl="3"/>
+            <a:pPr lvl="3" eaLnBrk="1" latinLnBrk="0" hangingPunct="1"/>
             <a:r>
               <a:rPr lang="en-US" smtClean="0"/>
               <a:t>Fourth level</a:t>
             </a:r>
           </a:p>
           <a:p>
-            <a:pPr lvl="4"/>
+            <a:pPr lvl="4" eaLnBrk="1" latinLnBrk="0" hangingPunct="1"/>
             <a:r>
               <a:rPr lang="en-US" smtClean="0"/>
               <a:t>Fifth level</a:t>
             </a:r>
-            <a:endParaRPr lang="en-US"/>
+            <a:endParaRPr kumimoji="0" lang="en-US"/>
           </a:p>
         </p:txBody>
       </p:sp>
@@ -11592,7 +11761,8 @@
           <a:p>
             <a:fld id="{F922158D-428B-4987-8B28-745A2AFA1252}" type="datetimeFigureOut">
               <a:rPr lang="en-US" smtClean="0"/>
-              <a:t>10/22/2011</a:t>
+              <a:pPr/>
+              <a:t>10/23/2011</a:t>
             </a:fld>
             <a:endParaRPr lang="en-US"/>
           </a:p>
@@ -11634,6 +11804,7 @@
           <a:p>
             <a:fld id="{515FC477-0A05-4F3E-8EE9-E015C9089D56}" type="slidenum">
               <a:rPr lang="en-US" smtClean="0"/>
+              <a:pPr/>
               <a:t>‹#›</a:t>
             </a:fld>
             <a:endParaRPr lang="en-US"/>
@@ -11641,11 +11812,6 @@
         </p:txBody>
       </p:sp>
     </p:spTree>
-    <p:extLst>
-      <p:ext uri="{BB962C8B-B14F-4D97-AF65-F5344CB8AC3E}">
-        <p14:creationId xmlns:p14="http://schemas.microsoft.com/office/powerpoint/2010/main" val="3598496418"/>
-      </p:ext>
-    </p:extLst>
   </p:cSld>
   <p:clrMapOvr>
     <a:masterClrMapping/>
@@ -11690,9 +11856,14 @@
             <p:ph type="title"/>
           </p:nvPr>
         </p:nvSpPr>
-        <p:spPr/>
+        <p:spPr>
+          <a:xfrm>
+            <a:off x="457200" y="704088"/>
+            <a:ext cx="8229600" cy="1143000"/>
+          </a:xfrm>
+        </p:spPr>
         <p:txBody>
-          <a:bodyPr/>
+          <a:bodyPr tIns="45720" anchor="b"/>
           <a:lstStyle>
             <a:lvl1pPr>
               <a:defRPr/>
@@ -11700,10 +11871,10 @@
           </a:lstStyle>
           <a:p>
             <a:r>
-              <a:rPr lang="en-US" smtClean="0"/>
+              <a:rPr kumimoji="0" lang="en-US" smtClean="0"/>
               <a:t>Click to edit Master title style</a:t>
             </a:r>
-            <a:endParaRPr lang="en-US"/>
+            <a:endParaRPr kumimoji="0" lang="en-US"/>
           </a:p>
         </p:txBody>
       </p:sp>
@@ -11719,54 +11890,45 @@
         </p:nvSpPr>
         <p:spPr>
           <a:xfrm>
-            <a:off x="457200" y="1535113"/>
-            <a:ext cx="4040188" cy="639762"/>
+            <a:off x="457200" y="1855248"/>
+            <a:ext cx="4040188" cy="659352"/>
           </a:xfrm>
         </p:spPr>
         <p:txBody>
-          <a:bodyPr anchor="b"/>
+          <a:bodyPr lIns="45720" tIns="0" rIns="45720" bIns="0" anchor="ctr">
+            <a:noAutofit/>
+          </a:bodyPr>
           <a:lstStyle>
             <a:lvl1pPr marL="0" indent="0">
               <a:buNone/>
-              <a:defRPr sz="2400" b="1"/>
+              <a:defRPr sz="2400" b="1" cap="none" baseline="0">
+                <a:solidFill>
+                  <a:schemeClr val="tx2"/>
+                </a:solidFill>
+                <a:effectLst/>
+              </a:defRPr>
             </a:lvl1pPr>
-            <a:lvl2pPr marL="457200" indent="0">
+            <a:lvl2pPr>
               <a:buNone/>
               <a:defRPr sz="2000" b="1"/>
             </a:lvl2pPr>
-            <a:lvl3pPr marL="914400" indent="0">
+            <a:lvl3pPr>
               <a:buNone/>
               <a:defRPr sz="1800" b="1"/>
             </a:lvl3pPr>
-            <a:lvl4pPr marL="1371600" indent="0">
+            <a:lvl4pPr>
               <a:buNone/>
               <a:defRPr sz="1600" b="1"/>
             </a:lvl4pPr>
-            <a:lvl5pPr marL="1828800" indent="0">
+            <a:lvl5pPr>
               <a:buNone/>
               <a:defRPr sz="1600" b="1"/>
             </a:lvl5pPr>
-            <a:lvl6pPr marL="2286000" indent="0">
-              <a:buNone/>
-              <a:defRPr sz="1600" b="1"/>
-            </a:lvl6pPr>
-            <a:lvl7pPr marL="2743200" indent="0">
-              <a:buNone/>
-              <a:defRPr sz="1600" b="1"/>
-            </a:lvl7pPr>
-            <a:lvl8pPr marL="3200400" indent="0">
-              <a:buNone/>
-              <a:defRPr sz="1600" b="1"/>
-            </a:lvl8pPr>
-            <a:lvl9pPr marL="3657600" indent="0">
-              <a:buNone/>
-              <a:defRPr sz="1600" b="1"/>
-            </a:lvl9pPr>
           </a:lstStyle>
           <a:p>
-            <a:pPr lvl="0"/>
+            <a:pPr lvl="0" eaLnBrk="1" latinLnBrk="0" hangingPunct="1"/>
             <a:r>
-              <a:rPr lang="en-US" smtClean="0"/>
+              <a:rPr kumimoji="0" lang="en-US" smtClean="0"/>
               <a:t>Click to edit Master text styles</a:t>
             </a:r>
           </a:p>
@@ -11774,25 +11936,79 @@
       </p:sp>
       <p:sp>
         <p:nvSpPr>
-          <p:cNvPr id="4" name="Content Placeholder 3"/>
+          <p:cNvPr id="4" name="Text Placeholder 3"/>
           <p:cNvSpPr>
             <a:spLocks noGrp="1"/>
           </p:cNvSpPr>
           <p:nvPr>
-            <p:ph sz="half" idx="2"/>
+            <p:ph type="body" sz="half" idx="3"/>
           </p:nvPr>
         </p:nvSpPr>
         <p:spPr>
           <a:xfrm>
-            <a:off x="457200" y="2174875"/>
-            <a:ext cx="4040188" cy="3951288"/>
+            <a:off x="4645025" y="1859757"/>
+            <a:ext cx="4041775" cy="654843"/>
           </a:xfrm>
         </p:spPr>
         <p:txBody>
-          <a:bodyPr/>
+          <a:bodyPr lIns="45720" tIns="0" rIns="45720" bIns="0" anchor="ctr"/>
+          <a:lstStyle>
+            <a:lvl1pPr marL="0" indent="0">
+              <a:buNone/>
+              <a:defRPr sz="2400" b="1" cap="none" baseline="0">
+                <a:solidFill>
+                  <a:schemeClr val="tx2"/>
+                </a:solidFill>
+                <a:effectLst/>
+              </a:defRPr>
+            </a:lvl1pPr>
+            <a:lvl2pPr>
+              <a:buNone/>
+              <a:defRPr sz="2000" b="1"/>
+            </a:lvl2pPr>
+            <a:lvl3pPr>
+              <a:buNone/>
+              <a:defRPr sz="1800" b="1"/>
+            </a:lvl3pPr>
+            <a:lvl4pPr>
+              <a:buNone/>
+              <a:defRPr sz="1600" b="1"/>
+            </a:lvl4pPr>
+            <a:lvl5pPr>
+              <a:buNone/>
+              <a:defRPr sz="1600" b="1"/>
+            </a:lvl5pPr>
+          </a:lstStyle>
+          <a:p>
+            <a:pPr lvl="0" eaLnBrk="1" latinLnBrk="0" hangingPunct="1"/>
+            <a:r>
+              <a:rPr kumimoji="0" lang="en-US" smtClean="0"/>
+              <a:t>Click to edit Master text styles</a:t>
+            </a:r>
+          </a:p>
+        </p:txBody>
+      </p:sp>
+      <p:sp>
+        <p:nvSpPr>
+          <p:cNvPr id="5" name="Content Placeholder 4"/>
+          <p:cNvSpPr>
+            <a:spLocks noGrp="1"/>
+          </p:cNvSpPr>
+          <p:nvPr>
+            <p:ph sz="quarter" idx="2"/>
+          </p:nvPr>
+        </p:nvSpPr>
+        <p:spPr>
+          <a:xfrm>
+            <a:off x="457200" y="2514600"/>
+            <a:ext cx="4040188" cy="3845720"/>
+          </a:xfrm>
+        </p:spPr>
+        <p:txBody>
+          <a:bodyPr tIns="0"/>
           <a:lstStyle>
             <a:lvl1pPr>
-              <a:defRPr sz="2400"/>
+              <a:defRPr sz="2200"/>
             </a:lvl1pPr>
             <a:lvl2pPr>
               <a:defRPr sz="2000"/>
@@ -11806,119 +12022,42 @@
             <a:lvl5pPr>
               <a:defRPr sz="1600"/>
             </a:lvl5pPr>
-            <a:lvl6pPr>
-              <a:defRPr sz="1600"/>
-            </a:lvl6pPr>
-            <a:lvl7pPr>
-              <a:defRPr sz="1600"/>
-            </a:lvl7pPr>
-            <a:lvl8pPr>
-              <a:defRPr sz="1600"/>
-            </a:lvl8pPr>
-            <a:lvl9pPr>
-              <a:defRPr sz="1600"/>
-            </a:lvl9pPr>
           </a:lstStyle>
           <a:p>
-            <a:pPr lvl="0"/>
+            <a:pPr lvl="0" eaLnBrk="1" latinLnBrk="0" hangingPunct="1"/>
             <a:r>
               <a:rPr lang="en-US" smtClean="0"/>
               <a:t>Click to edit Master text styles</a:t>
             </a:r>
           </a:p>
           <a:p>
-            <a:pPr lvl="1"/>
+            <a:pPr lvl="1" eaLnBrk="1" latinLnBrk="0" hangingPunct="1"/>
             <a:r>
               <a:rPr lang="en-US" smtClean="0"/>
               <a:t>Second level</a:t>
             </a:r>
           </a:p>
           <a:p>
-            <a:pPr lvl="2"/>
+            <a:pPr lvl="2" eaLnBrk="1" latinLnBrk="0" hangingPunct="1"/>
             <a:r>
               <a:rPr lang="en-US" smtClean="0"/>
               <a:t>Third level</a:t>
             </a:r>
           </a:p>
           <a:p>
-            <a:pPr lvl="3"/>
+            <a:pPr lvl="3" eaLnBrk="1" latinLnBrk="0" hangingPunct="1"/>
             <a:r>
               <a:rPr lang="en-US" smtClean="0"/>
               <a:t>Fourth level</a:t>
             </a:r>
           </a:p>
           <a:p>
-            <a:pPr lvl="4"/>
+            <a:pPr lvl="4" eaLnBrk="1" latinLnBrk="0" hangingPunct="1"/>
             <a:r>
               <a:rPr lang="en-US" smtClean="0"/>
               <a:t>Fifth level</a:t>
             </a:r>
-            <a:endParaRPr lang="en-US"/>
-          </a:p>
-        </p:txBody>
-      </p:sp>
-      <p:sp>
-        <p:nvSpPr>
-          <p:cNvPr id="5" name="Text Placeholder 4"/>
-          <p:cNvSpPr>
-            <a:spLocks noGrp="1"/>
-          </p:cNvSpPr>
-          <p:nvPr>
-            <p:ph type="body" sz="quarter" idx="3"/>
-          </p:nvPr>
-        </p:nvSpPr>
-        <p:spPr>
-          <a:xfrm>
-            <a:off x="4645025" y="1535113"/>
-            <a:ext cx="4041775" cy="639762"/>
-          </a:xfrm>
-        </p:spPr>
-        <p:txBody>
-          <a:bodyPr anchor="b"/>
-          <a:lstStyle>
-            <a:lvl1pPr marL="0" indent="0">
-              <a:buNone/>
-              <a:defRPr sz="2400" b="1"/>
-            </a:lvl1pPr>
-            <a:lvl2pPr marL="457200" indent="0">
-              <a:buNone/>
-              <a:defRPr sz="2000" b="1"/>
-            </a:lvl2pPr>
-            <a:lvl3pPr marL="914400" indent="0">
-              <a:buNone/>
-              <a:defRPr sz="1800" b="1"/>
-            </a:lvl3pPr>
-            <a:lvl4pPr marL="1371600" indent="0">
-              <a:buNone/>
-              <a:defRPr sz="1600" b="1"/>
-            </a:lvl4pPr>
-            <a:lvl5pPr marL="1828800" indent="0">
-              <a:buNone/>
-              <a:defRPr sz="1600" b="1"/>
-            </a:lvl5pPr>
-            <a:lvl6pPr marL="2286000" indent="0">
-              <a:buNone/>
-              <a:defRPr sz="1600" b="1"/>
-            </a:lvl6pPr>
-            <a:lvl7pPr marL="2743200" indent="0">
-              <a:buNone/>
-              <a:defRPr sz="1600" b="1"/>
-            </a:lvl7pPr>
-            <a:lvl8pPr marL="3200400" indent="0">
-              <a:buNone/>
-              <a:defRPr sz="1600" b="1"/>
-            </a:lvl8pPr>
-            <a:lvl9pPr marL="3657600" indent="0">
-              <a:buNone/>
-              <a:defRPr sz="1600" b="1"/>
-            </a:lvl9pPr>
-          </a:lstStyle>
-          <a:p>
-            <a:pPr lvl="0"/>
-            <a:r>
-              <a:rPr lang="en-US" smtClean="0"/>
-              <a:t>Click to edit Master text styles</a:t>
-            </a:r>
+            <a:endParaRPr kumimoji="0" lang="en-US"/>
           </a:p>
         </p:txBody>
       </p:sp>
@@ -11934,15 +12073,15 @@
         </p:nvSpPr>
         <p:spPr>
           <a:xfrm>
-            <a:off x="4645025" y="2174875"/>
-            <a:ext cx="4041775" cy="3951288"/>
+            <a:off x="4645025" y="2514600"/>
+            <a:ext cx="4041775" cy="3845720"/>
           </a:xfrm>
         </p:spPr>
         <p:txBody>
-          <a:bodyPr/>
+          <a:bodyPr tIns="0"/>
           <a:lstStyle>
             <a:lvl1pPr>
-              <a:defRPr sz="2400"/>
+              <a:defRPr sz="2200"/>
             </a:lvl1pPr>
             <a:lvl2pPr>
               <a:defRPr sz="2000"/>
@@ -11956,54 +12095,42 @@
             <a:lvl5pPr>
               <a:defRPr sz="1600"/>
             </a:lvl5pPr>
-            <a:lvl6pPr>
-              <a:defRPr sz="1600"/>
-            </a:lvl6pPr>
-            <a:lvl7pPr>
-              <a:defRPr sz="1600"/>
-            </a:lvl7pPr>
-            <a:lvl8pPr>
-              <a:defRPr sz="1600"/>
-            </a:lvl8pPr>
-            <a:lvl9pPr>
-              <a:defRPr sz="1600"/>
-            </a:lvl9pPr>
           </a:lstStyle>
           <a:p>
-            <a:pPr lvl="0"/>
+            <a:pPr lvl="0" eaLnBrk="1" latinLnBrk="0" hangingPunct="1"/>
             <a:r>
               <a:rPr lang="en-US" smtClean="0"/>
               <a:t>Click to edit Master text styles</a:t>
             </a:r>
           </a:p>
           <a:p>
-            <a:pPr lvl="1"/>
+            <a:pPr lvl="1" eaLnBrk="1" latinLnBrk="0" hangingPunct="1"/>
             <a:r>
               <a:rPr lang="en-US" smtClean="0"/>
               <a:t>Second level</a:t>
             </a:r>
           </a:p>
           <a:p>
-            <a:pPr lvl="2"/>
+            <a:pPr lvl="2" eaLnBrk="1" latinLnBrk="0" hangingPunct="1"/>
             <a:r>
               <a:rPr lang="en-US" smtClean="0"/>
               <a:t>Third level</a:t>
             </a:r>
           </a:p>
           <a:p>
-            <a:pPr lvl="3"/>
+            <a:pPr lvl="3" eaLnBrk="1" latinLnBrk="0" hangingPunct="1"/>
             <a:r>
               <a:rPr lang="en-US" smtClean="0"/>
               <a:t>Fourth level</a:t>
             </a:r>
           </a:p>
           <a:p>
-            <a:pPr lvl="4"/>
+            <a:pPr lvl="4" eaLnBrk="1" latinLnBrk="0" hangingPunct="1"/>
             <a:r>
               <a:rPr lang="en-US" smtClean="0"/>
               <a:t>Fifth level</a:t>
             </a:r>
-            <a:endParaRPr lang="en-US"/>
+            <a:endParaRPr kumimoji="0" lang="en-US"/>
           </a:p>
         </p:txBody>
       </p:sp>
@@ -12024,7 +12151,8 @@
           <a:p>
             <a:fld id="{F922158D-428B-4987-8B28-745A2AFA1252}" type="datetimeFigureOut">
               <a:rPr lang="en-US" smtClean="0"/>
-              <a:t>10/22/2011</a:t>
+              <a:pPr/>
+              <a:t>10/23/2011</a:t>
             </a:fld>
             <a:endParaRPr lang="en-US"/>
           </a:p>
@@ -12066,6 +12194,7 @@
           <a:p>
             <a:fld id="{515FC477-0A05-4F3E-8EE9-E015C9089D56}" type="slidenum">
               <a:rPr lang="en-US" smtClean="0"/>
+              <a:pPr/>
               <a:t>‹#›</a:t>
             </a:fld>
             <a:endParaRPr lang="en-US"/>
@@ -12073,11 +12202,6 @@
         </p:txBody>
       </p:sp>
     </p:spTree>
-    <p:extLst>
-      <p:ext uri="{BB962C8B-B14F-4D97-AF65-F5344CB8AC3E}">
-        <p14:creationId xmlns:p14="http://schemas.microsoft.com/office/powerpoint/2010/main" val="2334515204"/>
-      </p:ext>
-    </p:extLst>
   </p:cSld>
   <p:clrMapOvr>
     <a:masterClrMapping/>
@@ -12122,16 +12246,53 @@
             <p:ph type="title"/>
           </p:nvPr>
         </p:nvSpPr>
-        <p:spPr/>
+        <p:spPr>
+          <a:xfrm>
+            <a:off x="457200" y="704088"/>
+            <a:ext cx="8305800" cy="1143000"/>
+          </a:xfrm>
+        </p:spPr>
         <p:txBody>
-          <a:bodyPr/>
-          <a:lstStyle/>
+          <a:bodyPr vert="horz" tIns="45720" bIns="0" anchor="b">
+            <a:normAutofit/>
+            <a:scene3d>
+              <a:camera prst="orthographicFront"/>
+              <a:lightRig rig="freezing" dir="t">
+                <a:rot lat="0" lon="0" rev="5640000"/>
+              </a:lightRig>
+            </a:scene3d>
+            <a:sp3d prstMaterial="flat">
+              <a:contourClr>
+                <a:schemeClr val="tx2"/>
+              </a:contourClr>
+            </a:sp3d>
+          </a:bodyPr>
+          <a:lstStyle>
+            <a:lvl1pPr algn="l" rtl="0">
+              <a:spcBef>
+                <a:spcPct val="0"/>
+              </a:spcBef>
+              <a:buNone/>
+              <a:defRPr sz="5000" b="0">
+                <a:ln>
+                  <a:noFill/>
+                </a:ln>
+                <a:solidFill>
+                  <a:schemeClr val="tx2"/>
+                </a:solidFill>
+                <a:effectLst/>
+                <a:latin typeface="+mj-lt"/>
+                <a:ea typeface="+mj-ea"/>
+                <a:cs typeface="+mj-cs"/>
+              </a:defRPr>
+            </a:lvl1pPr>
+          </a:lstStyle>
           <a:p>
             <a:r>
-              <a:rPr lang="en-US" smtClean="0"/>
+              <a:rPr kumimoji="0" lang="en-US" smtClean="0"/>
               <a:t>Click to edit Master title style</a:t>
             </a:r>
-            <a:endParaRPr lang="en-US"/>
+            <a:endParaRPr kumimoji="0" lang="en-US"/>
           </a:p>
         </p:txBody>
       </p:sp>
@@ -12152,7 +12313,8 @@
           <a:p>
             <a:fld id="{F922158D-428B-4987-8B28-745A2AFA1252}" type="datetimeFigureOut">
               <a:rPr lang="en-US" smtClean="0"/>
-              <a:t>10/22/2011</a:t>
+              <a:pPr/>
+              <a:t>10/23/2011</a:t>
             </a:fld>
             <a:endParaRPr lang="en-US"/>
           </a:p>
@@ -12194,6 +12356,7 @@
           <a:p>
             <a:fld id="{515FC477-0A05-4F3E-8EE9-E015C9089D56}" type="slidenum">
               <a:rPr lang="en-US" smtClean="0"/>
+              <a:pPr/>
               <a:t>‹#›</a:t>
             </a:fld>
             <a:endParaRPr lang="en-US"/>
@@ -12201,11 +12364,6 @@
         </p:txBody>
       </p:sp>
     </p:spTree>
-    <p:extLst>
-      <p:ext uri="{BB962C8B-B14F-4D97-AF65-F5344CB8AC3E}">
-        <p14:creationId xmlns:p14="http://schemas.microsoft.com/office/powerpoint/2010/main" val="1604254537"/>
-      </p:ext>
-    </p:extLst>
   </p:cSld>
   <p:clrMapOvr>
     <a:masterClrMapping/>
@@ -12257,7 +12415,8 @@
           <a:p>
             <a:fld id="{F922158D-428B-4987-8B28-745A2AFA1252}" type="datetimeFigureOut">
               <a:rPr lang="en-US" smtClean="0"/>
-              <a:t>10/22/2011</a:t>
+              <a:pPr/>
+              <a:t>10/23/2011</a:t>
             </a:fld>
             <a:endParaRPr lang="en-US"/>
           </a:p>
@@ -12299,6 +12458,7 @@
           <a:p>
             <a:fld id="{515FC477-0A05-4F3E-8EE9-E015C9089D56}" type="slidenum">
               <a:rPr lang="en-US" smtClean="0"/>
+              <a:pPr/>
               <a:t>‹#›</a:t>
             </a:fld>
             <a:endParaRPr lang="en-US"/>
@@ -12306,11 +12466,6 @@
         </p:txBody>
       </p:sp>
     </p:spTree>
-    <p:extLst>
-      <p:ext uri="{BB962C8B-B14F-4D97-AF65-F5344CB8AC3E}">
-        <p14:creationId xmlns:p14="http://schemas.microsoft.com/office/powerpoint/2010/main" val="2715544834"/>
-      </p:ext>
-    </p:extLst>
   </p:cSld>
   <p:clrMapOvr>
     <a:masterClrMapping/>
@@ -12357,50 +12512,116 @@
         </p:nvSpPr>
         <p:spPr>
           <a:xfrm>
-            <a:off x="457200" y="273050"/>
-            <a:ext cx="3008313" cy="1162050"/>
+            <a:off x="685800" y="514352"/>
+            <a:ext cx="2743200" cy="1162050"/>
           </a:xfrm>
         </p:spPr>
         <p:txBody>
-          <a:bodyPr anchor="b"/>
+          <a:bodyPr lIns="0" anchor="b">
+            <a:noAutofit/>
+          </a:bodyPr>
           <a:lstStyle>
-            <a:lvl1pPr algn="l">
-              <a:defRPr sz="2000" b="1"/>
+            <a:lvl1pPr algn="l" rtl="0">
+              <a:spcBef>
+                <a:spcPct val="0"/>
+              </a:spcBef>
+              <a:buNone/>
+              <a:defRPr sz="2600" b="0">
+                <a:ln>
+                  <a:noFill/>
+                </a:ln>
+                <a:solidFill>
+                  <a:schemeClr val="tx2"/>
+                </a:solidFill>
+                <a:effectLst/>
+                <a:latin typeface="+mj-lt"/>
+                <a:ea typeface="+mj-ea"/>
+                <a:cs typeface="+mj-cs"/>
+              </a:defRPr>
             </a:lvl1pPr>
           </a:lstStyle>
           <a:p>
             <a:r>
-              <a:rPr lang="en-US" smtClean="0"/>
+              <a:rPr kumimoji="0" lang="en-US" smtClean="0"/>
               <a:t>Click to edit Master title style</a:t>
             </a:r>
-            <a:endParaRPr lang="en-US"/>
+            <a:endParaRPr kumimoji="0" lang="en-US"/>
           </a:p>
         </p:txBody>
       </p:sp>
       <p:sp>
         <p:nvSpPr>
-          <p:cNvPr id="3" name="Content Placeholder 2"/>
+          <p:cNvPr id="3" name="Text Placeholder 2"/>
           <p:cNvSpPr>
             <a:spLocks noGrp="1"/>
           </p:cNvSpPr>
           <p:nvPr>
-            <p:ph idx="1"/>
+            <p:ph type="body" idx="2"/>
           </p:nvPr>
         </p:nvSpPr>
         <p:spPr>
           <a:xfrm>
-            <a:off x="3575050" y="273050"/>
-            <a:ext cx="5111750" cy="5853113"/>
+            <a:off x="685800" y="1676400"/>
+            <a:ext cx="2743200" cy="4572000"/>
           </a:xfrm>
         </p:spPr>
         <p:txBody>
-          <a:bodyPr/>
+          <a:bodyPr lIns="18288" rIns="18288"/>
+          <a:lstStyle>
+            <a:lvl1pPr marL="0" indent="0" algn="l">
+              <a:buNone/>
+              <a:defRPr sz="1400"/>
+            </a:lvl1pPr>
+            <a:lvl2pPr indent="0" algn="l">
+              <a:buNone/>
+              <a:defRPr sz="1200"/>
+            </a:lvl2pPr>
+            <a:lvl3pPr indent="0" algn="l">
+              <a:buNone/>
+              <a:defRPr sz="1000"/>
+            </a:lvl3pPr>
+            <a:lvl4pPr indent="0" algn="l">
+              <a:buNone/>
+              <a:defRPr sz="900"/>
+            </a:lvl4pPr>
+            <a:lvl5pPr indent="0" algn="l">
+              <a:buNone/>
+              <a:defRPr sz="900"/>
+            </a:lvl5pPr>
+          </a:lstStyle>
+          <a:p>
+            <a:pPr lvl="0" eaLnBrk="1" latinLnBrk="0" hangingPunct="1"/>
+            <a:r>
+              <a:rPr kumimoji="0" lang="en-US" smtClean="0"/>
+              <a:t>Click to edit Master text styles</a:t>
+            </a:r>
+          </a:p>
+        </p:txBody>
+      </p:sp>
+      <p:sp>
+        <p:nvSpPr>
+          <p:cNvPr id="4" name="Content Placeholder 3"/>
+          <p:cNvSpPr>
+            <a:spLocks noGrp="1"/>
+          </p:cNvSpPr>
+          <p:nvPr>
+            <p:ph sz="half" idx="1"/>
+          </p:nvPr>
+        </p:nvSpPr>
+        <p:spPr>
+          <a:xfrm>
+            <a:off x="3575050" y="1676400"/>
+            <a:ext cx="5111750" cy="4572000"/>
+          </a:xfrm>
+        </p:spPr>
+        <p:txBody>
+          <a:bodyPr tIns="0"/>
           <a:lstStyle>
             <a:lvl1pPr>
-              <a:defRPr sz="3200"/>
+              <a:defRPr sz="2800"/>
             </a:lvl1pPr>
             <a:lvl2pPr>
-              <a:defRPr sz="2800"/>
+              <a:defRPr sz="2600"/>
             </a:lvl2pPr>
             <a:lvl3pPr>
               <a:defRPr sz="2400"/>
@@ -12409,121 +12630,44 @@
               <a:defRPr sz="2000"/>
             </a:lvl4pPr>
             <a:lvl5pPr>
-              <a:defRPr sz="2000"/>
+              <a:defRPr sz="1800"/>
             </a:lvl5pPr>
-            <a:lvl6pPr>
-              <a:defRPr sz="2000"/>
-            </a:lvl6pPr>
-            <a:lvl7pPr>
-              <a:defRPr sz="2000"/>
-            </a:lvl7pPr>
-            <a:lvl8pPr>
-              <a:defRPr sz="2000"/>
-            </a:lvl8pPr>
-            <a:lvl9pPr>
-              <a:defRPr sz="2000"/>
-            </a:lvl9pPr>
           </a:lstStyle>
           <a:p>
-            <a:pPr lvl="0"/>
+            <a:pPr lvl="0" eaLnBrk="1" latinLnBrk="0" hangingPunct="1"/>
             <a:r>
               <a:rPr lang="en-US" smtClean="0"/>
               <a:t>Click to edit Master text styles</a:t>
             </a:r>
           </a:p>
           <a:p>
-            <a:pPr lvl="1"/>
+            <a:pPr lvl="1" eaLnBrk="1" latinLnBrk="0" hangingPunct="1"/>
             <a:r>
               <a:rPr lang="en-US" smtClean="0"/>
               <a:t>Second level</a:t>
             </a:r>
           </a:p>
           <a:p>
-            <a:pPr lvl="2"/>
+            <a:pPr lvl="2" eaLnBrk="1" latinLnBrk="0" hangingPunct="1"/>
             <a:r>
               <a:rPr lang="en-US" smtClean="0"/>
               <a:t>Third level</a:t>
             </a:r>
           </a:p>
           <a:p>
-            <a:pPr lvl="3"/>
+            <a:pPr lvl="3" eaLnBrk="1" latinLnBrk="0" hangingPunct="1"/>
             <a:r>
               <a:rPr lang="en-US" smtClean="0"/>
               <a:t>Fourth level</a:t>
             </a:r>
           </a:p>
           <a:p>
-            <a:pPr lvl="4"/>
+            <a:pPr lvl="4" eaLnBrk="1" latinLnBrk="0" hangingPunct="1"/>
             <a:r>
               <a:rPr lang="en-US" smtClean="0"/>
               <a:t>Fifth level</a:t>
             </a:r>
-            <a:endParaRPr lang="en-US"/>
-          </a:p>
-        </p:txBody>
-      </p:sp>
-      <p:sp>
-        <p:nvSpPr>
-          <p:cNvPr id="4" name="Text Placeholder 3"/>
-          <p:cNvSpPr>
-            <a:spLocks noGrp="1"/>
-          </p:cNvSpPr>
-          <p:nvPr>
-            <p:ph type="body" sz="half" idx="2"/>
-          </p:nvPr>
-        </p:nvSpPr>
-        <p:spPr>
-          <a:xfrm>
-            <a:off x="457200" y="1435100"/>
-            <a:ext cx="3008313" cy="4691063"/>
-          </a:xfrm>
-        </p:spPr>
-        <p:txBody>
-          <a:bodyPr/>
-          <a:lstStyle>
-            <a:lvl1pPr marL="0" indent="0">
-              <a:buNone/>
-              <a:defRPr sz="1400"/>
-            </a:lvl1pPr>
-            <a:lvl2pPr marL="457200" indent="0">
-              <a:buNone/>
-              <a:defRPr sz="1200"/>
-            </a:lvl2pPr>
-            <a:lvl3pPr marL="914400" indent="0">
-              <a:buNone/>
-              <a:defRPr sz="1000"/>
-            </a:lvl3pPr>
-            <a:lvl4pPr marL="1371600" indent="0">
-              <a:buNone/>
-              <a:defRPr sz="900"/>
-            </a:lvl4pPr>
-            <a:lvl5pPr marL="1828800" indent="0">
-              <a:buNone/>
-              <a:defRPr sz="900"/>
-            </a:lvl5pPr>
-            <a:lvl6pPr marL="2286000" indent="0">
-              <a:buNone/>
-              <a:defRPr sz="900"/>
-            </a:lvl6pPr>
-            <a:lvl7pPr marL="2743200" indent="0">
-              <a:buNone/>
-              <a:defRPr sz="900"/>
-            </a:lvl7pPr>
-            <a:lvl8pPr marL="3200400" indent="0">
-              <a:buNone/>
-              <a:defRPr sz="900"/>
-            </a:lvl8pPr>
-            <a:lvl9pPr marL="3657600" indent="0">
-              <a:buNone/>
-              <a:defRPr sz="900"/>
-            </a:lvl9pPr>
-          </a:lstStyle>
-          <a:p>
-            <a:pPr lvl="0"/>
-            <a:r>
-              <a:rPr lang="en-US" smtClean="0"/>
-              <a:t>Click to edit Master text styles</a:t>
-            </a:r>
+            <a:endParaRPr kumimoji="0" lang="en-US"/>
           </a:p>
         </p:txBody>
       </p:sp>
@@ -12544,7 +12688,8 @@
           <a:p>
             <a:fld id="{F922158D-428B-4987-8B28-745A2AFA1252}" type="datetimeFigureOut">
               <a:rPr lang="en-US" smtClean="0"/>
-              <a:t>10/22/2011</a:t>
+              <a:pPr/>
+              <a:t>10/23/2011</a:t>
             </a:fld>
             <a:endParaRPr lang="en-US"/>
           </a:p>
@@ -12586,6 +12731,7 @@
           <a:p>
             <a:fld id="{515FC477-0A05-4F3E-8EE9-E015C9089D56}" type="slidenum">
               <a:rPr lang="en-US" smtClean="0"/>
+              <a:pPr/>
               <a:t>‹#›</a:t>
             </a:fld>
             <a:endParaRPr lang="en-US"/>
@@ -12593,11 +12739,6 @@
         </p:txBody>
       </p:sp>
     </p:spTree>
-    <p:extLst>
-      <p:ext uri="{BB962C8B-B14F-4D97-AF65-F5344CB8AC3E}">
-        <p14:creationId xmlns:p14="http://schemas.microsoft.com/office/powerpoint/2010/main" val="3437921257"/>
-      </p:ext>
-    </p:extLst>
   </p:cSld>
   <p:clrMapOvr>
     <a:masterClrMapping/>
@@ -12616,7 +12757,7 @@
 </file>
 
 <file path=ppt/slideLayouts/slideLayout9.xml><?xml version="1.0" encoding="utf-8"?>
-<p:sldLayout xmlns:a="http://schemas.openxmlformats.org/drawingml/2006/main" xmlns:r="http://schemas.openxmlformats.org/officeDocument/2006/relationships" xmlns:p="http://schemas.openxmlformats.org/presentationml/2006/main" type="picTx" preserve="1">
+<p:sldLayout xmlns:a="http://schemas.openxmlformats.org/drawingml/2006/main" xmlns:r="http://schemas.openxmlformats.org/officeDocument/2006/relationships" xmlns:p="http://schemas.openxmlformats.org/presentationml/2006/main" showMasterSp="0" type="picTx" preserve="1">
   <p:cSld name="Picture with Caption">
     <p:spTree>
       <p:nvGrpSpPr>
@@ -12634,6 +12775,118 @@
       </p:grpSpPr>
       <p:sp>
         <p:nvSpPr>
+          <p:cNvPr id="9" name="Snip and Round Single Corner Rectangle 8"/>
+          <p:cNvSpPr/>
+          <p:nvPr/>
+        </p:nvSpPr>
+        <p:spPr>
+          <a:xfrm rot="420000" flipV="1">
+            <a:off x="3165753" y="1108077"/>
+            <a:ext cx="5257800" cy="4114800"/>
+          </a:xfrm>
+          <a:prstGeom prst="snipRoundRect">
+            <a:avLst>
+              <a:gd name="adj1" fmla="val 0"/>
+              <a:gd name="adj2" fmla="val 3646"/>
+            </a:avLst>
+          </a:prstGeom>
+          <a:solidFill>
+            <a:srgbClr val="FFFFFF"/>
+          </a:solidFill>
+          <a:ln w="3175" cap="rnd" cmpd="sng" algn="ctr">
+            <a:solidFill>
+              <a:srgbClr val="C0C0C0"/>
+            </a:solidFill>
+            <a:prstDash val="solid"/>
+          </a:ln>
+          <a:effectLst>
+            <a:outerShdw blurRad="63500" dist="38500" dir="7500000" sx="98500" sy="100080" kx="100000" algn="tl" rotWithShape="0">
+              <a:srgbClr val="000000">
+                <a:alpha val="25000"/>
+              </a:srgbClr>
+            </a:outerShdw>
+          </a:effectLst>
+        </p:spPr>
+        <p:style>
+          <a:lnRef idx="2">
+            <a:schemeClr val="accent1"/>
+          </a:lnRef>
+          <a:fillRef idx="1">
+            <a:schemeClr val="accent1"/>
+          </a:fillRef>
+          <a:effectRef idx="0">
+            <a:schemeClr val="accent1"/>
+          </a:effectRef>
+          <a:fontRef idx="minor">
+            <a:schemeClr val="lt1"/>
+          </a:fontRef>
+        </p:style>
+        <p:txBody>
+          <a:bodyPr rtlCol="0" anchor="ctr"/>
+          <a:lstStyle/>
+          <a:p>
+            <a:pPr algn="ctr" eaLnBrk="1" latinLnBrk="0" hangingPunct="1"/>
+            <a:endParaRPr kumimoji="0" lang="en-US"/>
+          </a:p>
+        </p:txBody>
+      </p:sp>
+      <p:sp>
+        <p:nvSpPr>
+          <p:cNvPr id="12" name="Right Triangle 11"/>
+          <p:cNvSpPr/>
+          <p:nvPr/>
+        </p:nvSpPr>
+        <p:spPr>
+          <a:xfrm rot="420000" flipV="1">
+            <a:off x="8004134" y="5359769"/>
+            <a:ext cx="155448" cy="155448"/>
+          </a:xfrm>
+          <a:prstGeom prst="rtTriangle">
+            <a:avLst/>
+          </a:prstGeom>
+          <a:solidFill>
+            <a:srgbClr val="FFFFFF"/>
+          </a:solidFill>
+          <a:ln w="12700" cap="flat" cmpd="sng" algn="ctr">
+            <a:solidFill>
+              <a:srgbClr val="FFFFFF"/>
+            </a:solidFill>
+            <a:prstDash val="solid"/>
+            <a:bevel/>
+          </a:ln>
+          <a:effectLst>
+            <a:outerShdw blurRad="19685" dist="6350" dir="12900000" algn="tl" rotWithShape="0">
+              <a:srgbClr val="000000">
+                <a:alpha val="47000"/>
+              </a:srgbClr>
+            </a:outerShdw>
+          </a:effectLst>
+        </p:spPr>
+        <p:style>
+          <a:lnRef idx="2">
+            <a:schemeClr val="accent1"/>
+          </a:lnRef>
+          <a:fillRef idx="1">
+            <a:schemeClr val="accent1"/>
+          </a:fillRef>
+          <a:effectRef idx="0">
+            <a:schemeClr val="accent1"/>
+          </a:effectRef>
+          <a:fontRef idx="minor">
+            <a:schemeClr val="lt1"/>
+          </a:fontRef>
+        </p:style>
+        <p:txBody>
+          <a:bodyPr rtlCol="0" anchor="ctr"/>
+          <a:lstStyle/>
+          <a:p>
+            <a:pPr algn="ctr" eaLnBrk="1" latinLnBrk="0" hangingPunct="1"/>
+            <a:endParaRPr kumimoji="0" lang="en-US"/>
+          </a:p>
+        </p:txBody>
+      </p:sp>
+      <p:sp>
+        <p:nvSpPr>
           <p:cNvPr id="2" name="Title 1"/>
           <p:cNvSpPr>
             <a:spLocks noGrp="1"/>
@@ -12644,84 +12897,28 @@
         </p:nvSpPr>
         <p:spPr>
           <a:xfrm>
-            <a:off x="1792288" y="4800600"/>
-            <a:ext cx="5486400" cy="566738"/>
+            <a:off x="609600" y="1176996"/>
+            <a:ext cx="2212848" cy="1582621"/>
           </a:xfrm>
         </p:spPr>
         <p:txBody>
-          <a:bodyPr anchor="b"/>
+          <a:bodyPr vert="horz" lIns="45720" tIns="45720" rIns="45720" bIns="45720" anchor="b"/>
           <a:lstStyle>
             <a:lvl1pPr algn="l">
-              <a:defRPr sz="2000" b="1"/>
+              <a:buNone/>
+              <a:defRPr sz="2000" b="1">
+                <a:solidFill>
+                  <a:schemeClr val="tx2"/>
+                </a:solidFill>
+              </a:defRPr>
             </a:lvl1pPr>
           </a:lstStyle>
           <a:p>
             <a:r>
-              <a:rPr lang="en-US" smtClean="0"/>
+              <a:rPr kumimoji="0" lang="en-US" smtClean="0"/>
               <a:t>Click to edit Master title style</a:t>
             </a:r>
-            <a:endParaRPr lang="en-US"/>
-          </a:p>
-        </p:txBody>
-      </p:sp>
-      <p:sp>
-        <p:nvSpPr>
-          <p:cNvPr id="3" name="Picture Placeholder 2"/>
-          <p:cNvSpPr>
-            <a:spLocks noGrp="1"/>
-          </p:cNvSpPr>
-          <p:nvPr>
-            <p:ph type="pic" idx="1"/>
-          </p:nvPr>
-        </p:nvSpPr>
-        <p:spPr>
-          <a:xfrm>
-            <a:off x="1792288" y="612775"/>
-            <a:ext cx="5486400" cy="4114800"/>
-          </a:xfrm>
-        </p:spPr>
-        <p:txBody>
-          <a:bodyPr/>
-          <a:lstStyle>
-            <a:lvl1pPr marL="0" indent="0">
-              <a:buNone/>
-              <a:defRPr sz="3200"/>
-            </a:lvl1pPr>
-            <a:lvl2pPr marL="457200" indent="0">
-              <a:buNone/>
-              <a:defRPr sz="2800"/>
-            </a:lvl2pPr>
-            <a:lvl3pPr marL="914400" indent="0">
-              <a:buNone/>
-              <a:defRPr sz="2400"/>
-            </a:lvl3pPr>
-            <a:lvl4pPr marL="1371600" indent="0">
-              <a:buNone/>
-              <a:defRPr sz="2000"/>
-            </a:lvl4pPr>
-            <a:lvl5pPr marL="1828800" indent="0">
-              <a:buNone/>
-              <a:defRPr sz="2000"/>
-            </a:lvl5pPr>
-            <a:lvl6pPr marL="2286000" indent="0">
-              <a:buNone/>
-              <a:defRPr sz="2000"/>
-            </a:lvl6pPr>
-            <a:lvl7pPr marL="2743200" indent="0">
-              <a:buNone/>
-              <a:defRPr sz="2000"/>
-            </a:lvl7pPr>
-            <a:lvl8pPr marL="3200400" indent="0">
-              <a:buNone/>
-              <a:defRPr sz="2000"/>
-            </a:lvl8pPr>
-            <a:lvl9pPr marL="3657600" indent="0">
-              <a:buNone/>
-              <a:defRPr sz="2000"/>
-            </a:lvl9pPr>
-          </a:lstStyle>
-          <a:p>
-            <a:endParaRPr lang="en-US"/>
+            <a:endParaRPr kumimoji="0" lang="en-US"/>
           </a:p>
         </p:txBody>
       </p:sp>
@@ -12737,54 +12934,38 @@
         </p:nvSpPr>
         <p:spPr>
           <a:xfrm>
-            <a:off x="1792288" y="5367338"/>
-            <a:ext cx="5486400" cy="804862"/>
+            <a:off x="609600" y="2828785"/>
+            <a:ext cx="2209800" cy="2179320"/>
           </a:xfrm>
         </p:spPr>
         <p:txBody>
-          <a:bodyPr/>
+          <a:bodyPr lIns="64008" rIns="45720" bIns="45720" anchor="t"/>
           <a:lstStyle>
-            <a:lvl1pPr marL="0" indent="0">
+            <a:lvl1pPr marL="0" indent="0" algn="l">
+              <a:spcBef>
+                <a:spcPts val="250"/>
+              </a:spcBef>
+              <a:buFontTx/>
               <a:buNone/>
-              <a:defRPr sz="1400"/>
+              <a:defRPr sz="1300"/>
             </a:lvl1pPr>
-            <a:lvl2pPr marL="457200" indent="0">
-              <a:buNone/>
+            <a:lvl2pPr>
               <a:defRPr sz="1200"/>
             </a:lvl2pPr>
-            <a:lvl3pPr marL="914400" indent="0">
-              <a:buNone/>
+            <a:lvl3pPr>
               <a:defRPr sz="1000"/>
             </a:lvl3pPr>
-            <a:lvl4pPr marL="1371600" indent="0">
-              <a:buNone/>
+            <a:lvl4pPr>
               <a:defRPr sz="900"/>
             </a:lvl4pPr>
-            <a:lvl5pPr marL="1828800" indent="0">
-              <a:buNone/>
+            <a:lvl5pPr>
               <a:defRPr sz="900"/>
             </a:lvl5pPr>
-            <a:lvl6pPr marL="2286000" indent="0">
-              <a:buNone/>
-              <a:defRPr sz="900"/>
-            </a:lvl6pPr>
-            <a:lvl7pPr marL="2743200" indent="0">
-              <a:buNone/>
-              <a:defRPr sz="900"/>
-            </a:lvl7pPr>
-            <a:lvl8pPr marL="3200400" indent="0">
-              <a:buNone/>
-              <a:defRPr sz="900"/>
-            </a:lvl8pPr>
-            <a:lvl9pPr marL="3657600" indent="0">
-              <a:buNone/>
-              <a:defRPr sz="900"/>
-            </a:lvl9pPr>
           </a:lstStyle>
           <a:p>
-            <a:pPr lvl="0"/>
+            <a:pPr lvl="0" eaLnBrk="1" latinLnBrk="0" hangingPunct="1"/>
             <a:r>
-              <a:rPr lang="en-US" smtClean="0"/>
+              <a:rPr kumimoji="0" lang="en-US" smtClean="0"/>
               <a:t>Click to edit Master text styles</a:t>
             </a:r>
           </a:p>
@@ -12807,7 +12988,8 @@
           <a:p>
             <a:fld id="{F922158D-428B-4987-8B28-745A2AFA1252}" type="datetimeFigureOut">
               <a:rPr lang="en-US" smtClean="0"/>
-              <a:t>10/22/2011</a:t>
+              <a:pPr/>
+              <a:t>10/23/2011</a:t>
             </a:fld>
             <a:endParaRPr lang="en-US"/>
           </a:p>
@@ -12842,25 +13024,328 @@
             <p:ph type="sldNum" sz="quarter" idx="12"/>
           </p:nvPr>
         </p:nvSpPr>
-        <p:spPr/>
+        <p:spPr>
+          <a:xfrm>
+            <a:off x="8077200" y="6356350"/>
+            <a:ext cx="609600" cy="365125"/>
+          </a:xfrm>
+        </p:spPr>
         <p:txBody>
           <a:bodyPr/>
           <a:lstStyle/>
           <a:p>
             <a:fld id="{515FC477-0A05-4F3E-8EE9-E015C9089D56}" type="slidenum">
               <a:rPr lang="en-US" smtClean="0"/>
+              <a:pPr/>
               <a:t>‹#›</a:t>
             </a:fld>
             <a:endParaRPr lang="en-US"/>
           </a:p>
         </p:txBody>
       </p:sp>
+      <p:sp>
+        <p:nvSpPr>
+          <p:cNvPr id="3" name="Picture Placeholder 2"/>
+          <p:cNvSpPr>
+            <a:spLocks noGrp="1"/>
+          </p:cNvSpPr>
+          <p:nvPr>
+            <p:ph type="pic" idx="1"/>
+          </p:nvPr>
+        </p:nvSpPr>
+        <p:spPr>
+          <a:xfrm rot="420000">
+            <a:off x="3485793" y="1199517"/>
+            <a:ext cx="4617720" cy="3931920"/>
+          </a:xfrm>
+          <a:prstGeom prst="rect">
+            <a:avLst/>
+          </a:prstGeom>
+          <a:solidFill>
+            <a:schemeClr val="bg2"/>
+          </a:solidFill>
+          <a:ln w="3000" cap="rnd">
+            <a:solidFill>
+              <a:srgbClr val="C0C0C0"/>
+            </a:solidFill>
+            <a:round/>
+          </a:ln>
+          <a:effectLst/>
+        </p:spPr>
+        <p:txBody>
+          <a:bodyPr/>
+          <a:lstStyle>
+            <a:lvl1pPr marL="0" indent="0">
+              <a:buNone/>
+              <a:defRPr sz="3200"/>
+            </a:lvl1pPr>
+          </a:lstStyle>
+          <a:p>
+            <a:r>
+              <a:rPr kumimoji="0" lang="en-US" smtClean="0"/>
+              <a:t>Click icon to add picture</a:t>
+            </a:r>
+            <a:endParaRPr kumimoji="0" lang="en-US" dirty="0"/>
+          </a:p>
+        </p:txBody>
+      </p:sp>
+      <p:sp>
+        <p:nvSpPr>
+          <p:cNvPr id="10" name="Freeform 9"/>
+          <p:cNvSpPr>
+            <a:spLocks/>
+          </p:cNvSpPr>
+          <p:nvPr/>
+        </p:nvSpPr>
+        <p:spPr bwMode="auto">
+          <a:xfrm flipV="1">
+            <a:off x="-9525" y="5816600"/>
+            <a:ext cx="9163050" cy="1041400"/>
+          </a:xfrm>
+          <a:custGeom>
+            <a:avLst>
+              <a:gd name="A1" fmla="val 0"/>
+              <a:gd name="A2" fmla="val 0"/>
+              <a:gd name="A3" fmla="val 0"/>
+              <a:gd name="A4" fmla="val 0"/>
+              <a:gd name="A5" fmla="val 0"/>
+              <a:gd name="A6" fmla="val 0"/>
+              <a:gd name="A7" fmla="val 0"/>
+              <a:gd name="A8" fmla="val 0"/>
+            </a:avLst>
+            <a:gdLst/>
+            <a:ahLst/>
+            <a:cxnLst>
+              <a:cxn ang="0">
+                <a:pos x="6" y="2"/>
+              </a:cxn>
+              <a:cxn ang="0">
+                <a:pos x="2542" y="0"/>
+              </a:cxn>
+              <a:cxn ang="0">
+                <a:pos x="4374" y="367"/>
+              </a:cxn>
+              <a:cxn ang="0">
+                <a:pos x="5766" y="55"/>
+              </a:cxn>
+              <a:cxn ang="0">
+                <a:pos x="5772" y="213"/>
+              </a:cxn>
+              <a:cxn ang="0">
+                <a:pos x="4302" y="439"/>
+              </a:cxn>
+              <a:cxn ang="0">
+                <a:pos x="1488" y="201"/>
+              </a:cxn>
+              <a:cxn ang="0">
+                <a:pos x="0" y="656"/>
+              </a:cxn>
+              <a:cxn ang="0">
+                <a:pos x="6" y="2"/>
+              </a:cxn>
+            </a:cxnLst>
+            <a:rect l="0" t="0" r="0" b="0"/>
+            <a:pathLst>
+              <a:path w="5772" h="656">
+                <a:moveTo>
+                  <a:pt x="6" y="2"/>
+                </a:moveTo>
+                <a:lnTo>
+                  <a:pt x="2542" y="0"/>
+                </a:lnTo>
+                <a:cubicBezTo>
+                  <a:pt x="2746" y="101"/>
+                  <a:pt x="3828" y="367"/>
+                  <a:pt x="4374" y="367"/>
+                </a:cubicBezTo>
+                <a:cubicBezTo>
+                  <a:pt x="4920" y="367"/>
+                  <a:pt x="5526" y="152"/>
+                  <a:pt x="5766" y="55"/>
+                </a:cubicBezTo>
+                <a:lnTo>
+                  <a:pt x="5772" y="213"/>
+                </a:lnTo>
+                <a:cubicBezTo>
+                  <a:pt x="5670" y="257"/>
+                  <a:pt x="5016" y="441"/>
+                  <a:pt x="4302" y="439"/>
+                </a:cubicBezTo>
+                <a:cubicBezTo>
+                  <a:pt x="3588" y="437"/>
+                  <a:pt x="2205" y="165"/>
+                  <a:pt x="1488" y="201"/>
+                </a:cubicBezTo>
+                <a:cubicBezTo>
+                  <a:pt x="750" y="209"/>
+                  <a:pt x="270" y="482"/>
+                  <a:pt x="0" y="656"/>
+                </a:cubicBezTo>
+                <a:lnTo>
+                  <a:pt x="6" y="2"/>
+                </a:lnTo>
+                <a:close/>
+              </a:path>
+            </a:pathLst>
+          </a:custGeom>
+          <a:gradFill>
+            <a:gsLst>
+              <a:gs pos="0">
+                <a:schemeClr val="accent2">
+                  <a:shade val="50000"/>
+                  <a:alpha val="45000"/>
+                  <a:satMod val="120000"/>
+                </a:schemeClr>
+              </a:gs>
+              <a:gs pos="100000">
+                <a:schemeClr val="accent3">
+                  <a:shade val="80000"/>
+                  <a:alpha val="55000"/>
+                  <a:satMod val="155000"/>
+                </a:schemeClr>
+              </a:gs>
+            </a:gsLst>
+            <a:lin ang="5400000" scaled="1"/>
+          </a:gradFill>
+          <a:ln w="9525" cap="flat" cmpd="sng" algn="ctr">
+            <a:noFill/>
+            <a:prstDash val="solid"/>
+            <a:round/>
+            <a:headEnd type="none" w="med" len="med"/>
+            <a:tailEnd type="none" w="med" len="med"/>
+          </a:ln>
+          <a:effectLst/>
+        </p:spPr>
+        <p:txBody>
+          <a:bodyPr vert="horz" wrap="square" lIns="91440" tIns="45720" rIns="91440" bIns="45720" anchor="t" compatLnSpc="1"/>
+          <a:lstStyle/>
+          <a:p>
+            <a:pPr marL="0" algn="l" rtl="0" eaLnBrk="1" latinLnBrk="0" hangingPunct="1"/>
+            <a:endParaRPr kumimoji="0" lang="en-US">
+              <a:solidFill>
+                <a:schemeClr val="tx1"/>
+              </a:solidFill>
+              <a:latin typeface="+mn-lt"/>
+              <a:ea typeface="+mn-ea"/>
+              <a:cs typeface="+mn-cs"/>
+            </a:endParaRPr>
+          </a:p>
+        </p:txBody>
+      </p:sp>
+      <p:sp>
+        <p:nvSpPr>
+          <p:cNvPr id="11" name="Freeform 10"/>
+          <p:cNvSpPr>
+            <a:spLocks/>
+          </p:cNvSpPr>
+          <p:nvPr/>
+        </p:nvSpPr>
+        <p:spPr bwMode="auto">
+          <a:xfrm flipV="1">
+            <a:off x="4381500" y="6219825"/>
+            <a:ext cx="4762500" cy="638175"/>
+          </a:xfrm>
+          <a:custGeom>
+            <a:avLst>
+              <a:gd name="A1" fmla="val 0"/>
+              <a:gd name="A2" fmla="val 0"/>
+              <a:gd name="A3" fmla="val 0"/>
+              <a:gd name="A4" fmla="val 0"/>
+              <a:gd name="A5" fmla="val 0"/>
+              <a:gd name="A6" fmla="val 0"/>
+              <a:gd name="A7" fmla="val 0"/>
+              <a:gd name="A8" fmla="val 0"/>
+            </a:avLst>
+            <a:gdLst/>
+            <a:ahLst/>
+            <a:cxnLst>
+              <a:cxn ang="0">
+                <a:pos x="0" y="0"/>
+              </a:cxn>
+              <a:cxn ang="0">
+                <a:pos x="1668" y="564"/>
+              </a:cxn>
+              <a:cxn ang="0">
+                <a:pos x="3000" y="186"/>
+              </a:cxn>
+              <a:cxn ang="0">
+                <a:pos x="3000" y="6"/>
+              </a:cxn>
+              <a:cxn ang="0">
+                <a:pos x="0" y="0"/>
+              </a:cxn>
+            </a:cxnLst>
+            <a:rect l="0" t="0" r="0" b="0"/>
+            <a:pathLst>
+              <a:path w="3000" h="595">
+                <a:moveTo>
+                  <a:pt x="0" y="0"/>
+                </a:moveTo>
+                <a:cubicBezTo>
+                  <a:pt x="174" y="102"/>
+                  <a:pt x="1168" y="533"/>
+                  <a:pt x="1668" y="564"/>
+                </a:cubicBezTo>
+                <a:cubicBezTo>
+                  <a:pt x="2168" y="595"/>
+                  <a:pt x="2778" y="279"/>
+                  <a:pt x="3000" y="186"/>
+                </a:cubicBezTo>
+                <a:lnTo>
+                  <a:pt x="3000" y="6"/>
+                </a:lnTo>
+                <a:lnTo>
+                  <a:pt x="0" y="0"/>
+                </a:lnTo>
+                <a:close/>
+              </a:path>
+            </a:pathLst>
+          </a:custGeom>
+          <a:gradFill>
+            <a:gsLst>
+              <a:gs pos="0">
+                <a:schemeClr val="accent3">
+                  <a:shade val="50000"/>
+                  <a:alpha val="30000"/>
+                  <a:satMod val="130000"/>
+                </a:schemeClr>
+              </a:gs>
+              <a:gs pos="80000">
+                <a:schemeClr val="accent2">
+                  <a:shade val="75000"/>
+                  <a:alpha val="45000"/>
+                  <a:satMod val="140000"/>
+                </a:schemeClr>
+              </a:gs>
+            </a:gsLst>
+            <a:lin ang="5400000" scaled="1"/>
+          </a:gradFill>
+          <a:ln w="9525" cap="flat" cmpd="sng" algn="ctr">
+            <a:noFill/>
+            <a:prstDash val="solid"/>
+            <a:round/>
+            <a:headEnd type="none" w="med" len="med"/>
+            <a:tailEnd type="none" w="med" len="med"/>
+          </a:ln>
+          <a:effectLst/>
+        </p:spPr>
+        <p:txBody>
+          <a:bodyPr vert="horz" wrap="square" lIns="91440" tIns="45720" rIns="91440" bIns="45720" anchor="t" compatLnSpc="1"/>
+          <a:lstStyle/>
+          <a:p>
+            <a:pPr marL="0" algn="l" rtl="0" eaLnBrk="1" latinLnBrk="0" hangingPunct="1"/>
+            <a:endParaRPr kumimoji="0" lang="en-US">
+              <a:solidFill>
+                <a:schemeClr val="tx1"/>
+              </a:solidFill>
+              <a:latin typeface="+mn-lt"/>
+              <a:ea typeface="+mn-ea"/>
+              <a:cs typeface="+mn-cs"/>
+            </a:endParaRPr>
+          </a:p>
+        </p:txBody>
+      </p:sp>
     </p:spTree>
-    <p:extLst>
-      <p:ext uri="{BB962C8B-B14F-4D97-AF65-F5344CB8AC3E}">
-        <p14:creationId xmlns:p14="http://schemas.microsoft.com/office/powerpoint/2010/main" val="1605811790"/>
-      </p:ext>
-    </p:extLst>
   </p:cSld>
   <p:clrMapOvr>
     <a:masterClrMapping/>
@@ -12882,7 +13367,7 @@
 <p:sldMaster xmlns:a="http://schemas.openxmlformats.org/drawingml/2006/main" xmlns:r="http://schemas.openxmlformats.org/officeDocument/2006/relationships" xmlns:p="http://schemas.openxmlformats.org/presentationml/2006/main">
   <p:cSld>
     <p:bg>
-      <p:bgRef idx="1001">
+      <p:bgRef idx="1003">
         <a:schemeClr val="bg1"/>
       </p:bgRef>
     </p:bg>
@@ -12902,7 +13387,263 @@
       </p:grpSpPr>
       <p:sp>
         <p:nvSpPr>
-          <p:cNvPr id="2" name="Title Placeholder 1"/>
+          <p:cNvPr id="7" name="Freeform 6"/>
+          <p:cNvSpPr>
+            <a:spLocks/>
+          </p:cNvSpPr>
+          <p:nvPr/>
+        </p:nvSpPr>
+        <p:spPr bwMode="auto">
+          <a:xfrm>
+            <a:off x="-9525" y="-7144"/>
+            <a:ext cx="9163050" cy="1041400"/>
+          </a:xfrm>
+          <a:custGeom>
+            <a:avLst>
+              <a:gd name="A1" fmla="val 0"/>
+              <a:gd name="A2" fmla="val 0"/>
+              <a:gd name="A3" fmla="val 0"/>
+              <a:gd name="A4" fmla="val 0"/>
+              <a:gd name="A5" fmla="val 0"/>
+              <a:gd name="A6" fmla="val 0"/>
+              <a:gd name="A7" fmla="val 0"/>
+              <a:gd name="A8" fmla="val 0"/>
+            </a:avLst>
+            <a:gdLst/>
+            <a:ahLst/>
+            <a:cxnLst>
+              <a:cxn ang="0">
+                <a:pos x="6" y="2"/>
+              </a:cxn>
+              <a:cxn ang="0">
+                <a:pos x="2542" y="0"/>
+              </a:cxn>
+              <a:cxn ang="0">
+                <a:pos x="4374" y="367"/>
+              </a:cxn>
+              <a:cxn ang="0">
+                <a:pos x="5766" y="55"/>
+              </a:cxn>
+              <a:cxn ang="0">
+                <a:pos x="5772" y="213"/>
+              </a:cxn>
+              <a:cxn ang="0">
+                <a:pos x="4302" y="439"/>
+              </a:cxn>
+              <a:cxn ang="0">
+                <a:pos x="1488" y="201"/>
+              </a:cxn>
+              <a:cxn ang="0">
+                <a:pos x="0" y="656"/>
+              </a:cxn>
+              <a:cxn ang="0">
+                <a:pos x="6" y="2"/>
+              </a:cxn>
+            </a:cxnLst>
+            <a:rect l="0" t="0" r="0" b="0"/>
+            <a:pathLst>
+              <a:path w="5772" h="656">
+                <a:moveTo>
+                  <a:pt x="6" y="2"/>
+                </a:moveTo>
+                <a:lnTo>
+                  <a:pt x="2542" y="0"/>
+                </a:lnTo>
+                <a:cubicBezTo>
+                  <a:pt x="2746" y="101"/>
+                  <a:pt x="3828" y="367"/>
+                  <a:pt x="4374" y="367"/>
+                </a:cubicBezTo>
+                <a:cubicBezTo>
+                  <a:pt x="4920" y="367"/>
+                  <a:pt x="5526" y="152"/>
+                  <a:pt x="5766" y="55"/>
+                </a:cubicBezTo>
+                <a:lnTo>
+                  <a:pt x="5772" y="213"/>
+                </a:lnTo>
+                <a:cubicBezTo>
+                  <a:pt x="5670" y="257"/>
+                  <a:pt x="5016" y="441"/>
+                  <a:pt x="4302" y="439"/>
+                </a:cubicBezTo>
+                <a:cubicBezTo>
+                  <a:pt x="3588" y="437"/>
+                  <a:pt x="2205" y="165"/>
+                  <a:pt x="1488" y="201"/>
+                </a:cubicBezTo>
+                <a:cubicBezTo>
+                  <a:pt x="750" y="209"/>
+                  <a:pt x="270" y="482"/>
+                  <a:pt x="0" y="656"/>
+                </a:cubicBezTo>
+                <a:lnTo>
+                  <a:pt x="6" y="2"/>
+                </a:lnTo>
+                <a:close/>
+              </a:path>
+            </a:pathLst>
+          </a:custGeom>
+          <a:gradFill>
+            <a:gsLst>
+              <a:gs pos="0">
+                <a:schemeClr val="accent2">
+                  <a:shade val="50000"/>
+                  <a:alpha val="45000"/>
+                  <a:satMod val="120000"/>
+                </a:schemeClr>
+              </a:gs>
+              <a:gs pos="100000">
+                <a:schemeClr val="accent3">
+                  <a:shade val="80000"/>
+                  <a:alpha val="55000"/>
+                  <a:satMod val="155000"/>
+                </a:schemeClr>
+              </a:gs>
+            </a:gsLst>
+            <a:lin ang="5400000" scaled="1"/>
+          </a:gradFill>
+          <a:ln w="9525" cap="flat" cmpd="sng" algn="ctr">
+            <a:noFill/>
+            <a:prstDash val="solid"/>
+            <a:round/>
+            <a:headEnd type="none" w="med" len="med"/>
+            <a:tailEnd type="none" w="med" len="med"/>
+          </a:ln>
+          <a:effectLst/>
+        </p:spPr>
+        <p:txBody>
+          <a:bodyPr vert="horz" wrap="square" lIns="91440" tIns="45720" rIns="91440" bIns="45720" anchor="t" compatLnSpc="1"/>
+          <a:lstStyle/>
+          <a:p>
+            <a:pPr marL="0" algn="l" rtl="0" eaLnBrk="1" latinLnBrk="0" hangingPunct="1"/>
+            <a:endParaRPr kumimoji="0" lang="en-US">
+              <a:solidFill>
+                <a:schemeClr val="tx1"/>
+              </a:solidFill>
+              <a:latin typeface="+mn-lt"/>
+              <a:ea typeface="+mn-ea"/>
+              <a:cs typeface="+mn-cs"/>
+            </a:endParaRPr>
+          </a:p>
+        </p:txBody>
+      </p:sp>
+      <p:sp>
+        <p:nvSpPr>
+          <p:cNvPr id="8" name="Freeform 7"/>
+          <p:cNvSpPr>
+            <a:spLocks/>
+          </p:cNvSpPr>
+          <p:nvPr/>
+        </p:nvSpPr>
+        <p:spPr bwMode="auto">
+          <a:xfrm>
+            <a:off x="4381500" y="-7144"/>
+            <a:ext cx="4762500" cy="638175"/>
+          </a:xfrm>
+          <a:custGeom>
+            <a:avLst>
+              <a:gd name="A1" fmla="val 0"/>
+              <a:gd name="A2" fmla="val 0"/>
+              <a:gd name="A3" fmla="val 0"/>
+              <a:gd name="A4" fmla="val 0"/>
+              <a:gd name="A5" fmla="val 0"/>
+              <a:gd name="A6" fmla="val 0"/>
+              <a:gd name="A7" fmla="val 0"/>
+              <a:gd name="A8" fmla="val 0"/>
+            </a:avLst>
+            <a:gdLst/>
+            <a:ahLst/>
+            <a:cxnLst>
+              <a:cxn ang="0">
+                <a:pos x="0" y="0"/>
+              </a:cxn>
+              <a:cxn ang="0">
+                <a:pos x="1668" y="564"/>
+              </a:cxn>
+              <a:cxn ang="0">
+                <a:pos x="3000" y="186"/>
+              </a:cxn>
+              <a:cxn ang="0">
+                <a:pos x="3000" y="6"/>
+              </a:cxn>
+              <a:cxn ang="0">
+                <a:pos x="0" y="0"/>
+              </a:cxn>
+            </a:cxnLst>
+            <a:rect l="0" t="0" r="0" b="0"/>
+            <a:pathLst>
+              <a:path w="3000" h="595">
+                <a:moveTo>
+                  <a:pt x="0" y="0"/>
+                </a:moveTo>
+                <a:cubicBezTo>
+                  <a:pt x="174" y="102"/>
+                  <a:pt x="1168" y="533"/>
+                  <a:pt x="1668" y="564"/>
+                </a:cubicBezTo>
+                <a:cubicBezTo>
+                  <a:pt x="2168" y="595"/>
+                  <a:pt x="2778" y="279"/>
+                  <a:pt x="3000" y="186"/>
+                </a:cubicBezTo>
+                <a:lnTo>
+                  <a:pt x="3000" y="6"/>
+                </a:lnTo>
+                <a:lnTo>
+                  <a:pt x="0" y="0"/>
+                </a:lnTo>
+                <a:close/>
+              </a:path>
+            </a:pathLst>
+          </a:custGeom>
+          <a:gradFill>
+            <a:gsLst>
+              <a:gs pos="0">
+                <a:schemeClr val="accent3">
+                  <a:shade val="50000"/>
+                  <a:alpha val="30000"/>
+                  <a:satMod val="130000"/>
+                </a:schemeClr>
+              </a:gs>
+              <a:gs pos="80000">
+                <a:schemeClr val="accent2">
+                  <a:shade val="75000"/>
+                  <a:alpha val="45000"/>
+                  <a:satMod val="140000"/>
+                </a:schemeClr>
+              </a:gs>
+            </a:gsLst>
+            <a:lin ang="5400000" scaled="1"/>
+          </a:gradFill>
+          <a:ln w="9525" cap="flat" cmpd="sng" algn="ctr">
+            <a:noFill/>
+            <a:prstDash val="solid"/>
+            <a:round/>
+            <a:headEnd type="none" w="med" len="med"/>
+            <a:tailEnd type="none" w="med" len="med"/>
+          </a:ln>
+          <a:effectLst/>
+        </p:spPr>
+        <p:txBody>
+          <a:bodyPr vert="horz" wrap="square" lIns="91440" tIns="45720" rIns="91440" bIns="45720" anchor="t" compatLnSpc="1"/>
+          <a:lstStyle/>
+          <a:p>
+            <a:pPr marL="0" algn="l" rtl="0" eaLnBrk="1" latinLnBrk="0" hangingPunct="1"/>
+            <a:endParaRPr kumimoji="0" lang="en-US">
+              <a:solidFill>
+                <a:schemeClr val="tx1"/>
+              </a:solidFill>
+              <a:latin typeface="+mn-lt"/>
+              <a:ea typeface="+mn-ea"/>
+              <a:cs typeface="+mn-cs"/>
+            </a:endParaRPr>
+          </a:p>
+        </p:txBody>
+      </p:sp>
+      <p:sp>
+        <p:nvSpPr>
+          <p:cNvPr id="9" name="Title Placeholder 8"/>
           <p:cNvSpPr>
             <a:spLocks noGrp="1"/>
           </p:cNvSpPr>
@@ -12912,7 +13653,7 @@
         </p:nvSpPr>
         <p:spPr>
           <a:xfrm>
-            <a:off x="457200" y="274638"/>
+            <a:off x="457200" y="704088"/>
             <a:ext cx="8229600" cy="1143000"/>
           </a:xfrm>
           <a:prstGeom prst="rect">
@@ -12920,22 +13661,22 @@
           </a:prstGeom>
         </p:spPr>
         <p:txBody>
-          <a:bodyPr vert="horz" lIns="91440" tIns="45720" rIns="91440" bIns="45720" rtlCol="0" anchor="ctr">
+          <a:bodyPr vert="horz" lIns="0" rIns="0" bIns="0" anchor="b">
             <a:normAutofit/>
           </a:bodyPr>
           <a:lstStyle/>
           <a:p>
             <a:r>
-              <a:rPr lang="en-US" smtClean="0"/>
+              <a:rPr kumimoji="0" lang="en-US" smtClean="0"/>
               <a:t>Click to edit Master title style</a:t>
             </a:r>
-            <a:endParaRPr lang="en-US"/>
+            <a:endParaRPr kumimoji="0" lang="en-US"/>
           </a:p>
         </p:txBody>
       </p:sp>
       <p:sp>
         <p:nvSpPr>
-          <p:cNvPr id="3" name="Text Placeholder 2"/>
+          <p:cNvPr id="30" name="Text Placeholder 29"/>
           <p:cNvSpPr>
             <a:spLocks noGrp="1"/>
           </p:cNvSpPr>
@@ -12945,59 +13686,59 @@
         </p:nvSpPr>
         <p:spPr>
           <a:xfrm>
-            <a:off x="457200" y="1600200"/>
-            <a:ext cx="8229600" cy="4525963"/>
+            <a:off x="457200" y="1935480"/>
+            <a:ext cx="8229600" cy="4389120"/>
           </a:xfrm>
           <a:prstGeom prst="rect">
             <a:avLst/>
           </a:prstGeom>
         </p:spPr>
         <p:txBody>
-          <a:bodyPr vert="horz" lIns="91440" tIns="45720" rIns="91440" bIns="45720" rtlCol="0">
+          <a:bodyPr vert="horz">
             <a:normAutofit/>
           </a:bodyPr>
           <a:lstStyle/>
           <a:p>
-            <a:pPr lvl="0"/>
+            <a:pPr lvl="0" eaLnBrk="1" latinLnBrk="0" hangingPunct="1"/>
             <a:r>
-              <a:rPr lang="en-US" smtClean="0"/>
+              <a:rPr kumimoji="0" lang="en-US" smtClean="0"/>
               <a:t>Click to edit Master text styles</a:t>
             </a:r>
           </a:p>
           <a:p>
-            <a:pPr lvl="1"/>
+            <a:pPr lvl="1" eaLnBrk="1" latinLnBrk="0" hangingPunct="1"/>
             <a:r>
-              <a:rPr lang="en-US" smtClean="0"/>
+              <a:rPr kumimoji="0" lang="en-US" smtClean="0"/>
               <a:t>Second level</a:t>
             </a:r>
           </a:p>
           <a:p>
-            <a:pPr lvl="2"/>
+            <a:pPr lvl="2" eaLnBrk="1" latinLnBrk="0" hangingPunct="1"/>
             <a:r>
-              <a:rPr lang="en-US" smtClean="0"/>
+              <a:rPr kumimoji="0" lang="en-US" smtClean="0"/>
               <a:t>Third level</a:t>
             </a:r>
           </a:p>
           <a:p>
-            <a:pPr lvl="3"/>
+            <a:pPr lvl="3" eaLnBrk="1" latinLnBrk="0" hangingPunct="1"/>
             <a:r>
-              <a:rPr lang="en-US" smtClean="0"/>
+              <a:rPr kumimoji="0" lang="en-US" smtClean="0"/>
               <a:t>Fourth level</a:t>
             </a:r>
           </a:p>
           <a:p>
-            <a:pPr lvl="4"/>
+            <a:pPr lvl="4" eaLnBrk="1" latinLnBrk="0" hangingPunct="1"/>
             <a:r>
-              <a:rPr lang="en-US" smtClean="0"/>
+              <a:rPr kumimoji="0" lang="en-US" smtClean="0"/>
               <a:t>Fifth level</a:t>
             </a:r>
-            <a:endParaRPr lang="en-US"/>
+            <a:endParaRPr kumimoji="0" lang="en-US"/>
           </a:p>
         </p:txBody>
       </p:sp>
       <p:sp>
         <p:nvSpPr>
-          <p:cNvPr id="4" name="Date Placeholder 3"/>
+          <p:cNvPr id="10" name="Date Placeholder 9"/>
           <p:cNvSpPr>
             <a:spLocks noGrp="1"/>
           </p:cNvSpPr>
@@ -13015,13 +13756,13 @@
           </a:prstGeom>
         </p:spPr>
         <p:txBody>
-          <a:bodyPr vert="horz" lIns="91440" tIns="45720" rIns="91440" bIns="45720" rtlCol="0" anchor="ctr"/>
+          <a:bodyPr vert="horz" lIns="0" tIns="0" rIns="0" bIns="0" anchor="b"/>
           <a:lstStyle>
-            <a:lvl1pPr algn="l">
-              <a:defRPr sz="1200">
+            <a:lvl1pPr algn="l" eaLnBrk="1" latinLnBrk="0" hangingPunct="1">
+              <a:defRPr kumimoji="0" sz="1200">
                 <a:solidFill>
-                  <a:schemeClr val="tx1">
-                    <a:tint val="75000"/>
+                  <a:schemeClr val="tx2">
+                    <a:shade val="90000"/>
                   </a:schemeClr>
                 </a:solidFill>
               </a:defRPr>
@@ -13030,7 +13771,8 @@
           <a:p>
             <a:fld id="{F922158D-428B-4987-8B28-745A2AFA1252}" type="datetimeFigureOut">
               <a:rPr lang="en-US" smtClean="0"/>
-              <a:t>10/22/2011</a:t>
+              <a:pPr/>
+              <a:t>10/23/2011</a:t>
             </a:fld>
             <a:endParaRPr lang="en-US"/>
           </a:p>
@@ -13038,7 +13780,7 @@
       </p:sp>
       <p:sp>
         <p:nvSpPr>
-          <p:cNvPr id="5" name="Footer Placeholder 4"/>
+          <p:cNvPr id="22" name="Footer Placeholder 21"/>
           <p:cNvSpPr>
             <a:spLocks noGrp="1"/>
           </p:cNvSpPr>
@@ -13048,21 +13790,21 @@
         </p:nvSpPr>
         <p:spPr>
           <a:xfrm>
-            <a:off x="3124200" y="6356350"/>
-            <a:ext cx="2895600" cy="365125"/>
+            <a:off x="2667000" y="6356350"/>
+            <a:ext cx="3352800" cy="365125"/>
           </a:xfrm>
           <a:prstGeom prst="rect">
             <a:avLst/>
           </a:prstGeom>
         </p:spPr>
         <p:txBody>
-          <a:bodyPr vert="horz" lIns="91440" tIns="45720" rIns="91440" bIns="45720" rtlCol="0" anchor="ctr"/>
+          <a:bodyPr vert="horz" lIns="0" tIns="0" rIns="0" bIns="0" anchor="b"/>
           <a:lstStyle>
-            <a:lvl1pPr algn="ctr">
-              <a:defRPr sz="1200">
+            <a:lvl1pPr algn="l" eaLnBrk="1" latinLnBrk="0" hangingPunct="1">
+              <a:defRPr kumimoji="0" sz="1200">
                 <a:solidFill>
-                  <a:schemeClr val="tx1">
-                    <a:tint val="75000"/>
+                  <a:schemeClr val="tx2">
+                    <a:shade val="90000"/>
                   </a:schemeClr>
                 </a:solidFill>
               </a:defRPr>
@@ -13075,7 +13817,7 @@
       </p:sp>
       <p:sp>
         <p:nvSpPr>
-          <p:cNvPr id="6" name="Slide Number Placeholder 5"/>
+          <p:cNvPr id="18" name="Slide Number Placeholder 17"/>
           <p:cNvSpPr>
             <a:spLocks noGrp="1"/>
           </p:cNvSpPr>
@@ -13085,21 +13827,21 @@
         </p:nvSpPr>
         <p:spPr>
           <a:xfrm>
-            <a:off x="6553200" y="6356350"/>
-            <a:ext cx="2133600" cy="365125"/>
+            <a:off x="7924800" y="6356350"/>
+            <a:ext cx="762000" cy="365125"/>
           </a:xfrm>
           <a:prstGeom prst="rect">
             <a:avLst/>
           </a:prstGeom>
         </p:spPr>
         <p:txBody>
-          <a:bodyPr vert="horz" lIns="91440" tIns="45720" rIns="91440" bIns="45720" rtlCol="0" anchor="ctr"/>
+          <a:bodyPr vert="horz" lIns="0" tIns="0" rIns="0" bIns="0" anchor="b"/>
           <a:lstStyle>
-            <a:lvl1pPr algn="r">
-              <a:defRPr sz="1200">
+            <a:lvl1pPr algn="r" eaLnBrk="1" latinLnBrk="0" hangingPunct="1">
+              <a:defRPr kumimoji="0" sz="1200">
                 <a:solidFill>
-                  <a:schemeClr val="tx1">
-                    <a:tint val="75000"/>
+                  <a:schemeClr val="tx2">
+                    <a:shade val="90000"/>
                   </a:schemeClr>
                 </a:solidFill>
               </a:defRPr>
@@ -13108,32 +13850,242 @@
           <a:p>
             <a:fld id="{515FC477-0A05-4F3E-8EE9-E015C9089D56}" type="slidenum">
               <a:rPr lang="en-US" smtClean="0"/>
+              <a:pPr/>
               <a:t>‹#›</a:t>
             </a:fld>
             <a:endParaRPr lang="en-US"/>
           </a:p>
         </p:txBody>
       </p:sp>
+      <p:grpSp>
+        <p:nvGrpSpPr>
+          <p:cNvPr id="2" name="Group 1"/>
+          <p:cNvGrpSpPr/>
+          <p:nvPr/>
+        </p:nvGrpSpPr>
+        <p:grpSpPr>
+          <a:xfrm>
+            <a:off x="-19017" y="202408"/>
+            <a:ext cx="9180548" cy="649224"/>
+            <a:chOff x="-19045" y="216550"/>
+            <a:chExt cx="9180548" cy="649224"/>
+          </a:xfrm>
+        </p:grpSpPr>
+        <p:sp>
+          <p:nvSpPr>
+            <p:cNvPr id="12" name="Freeform 11"/>
+            <p:cNvSpPr>
+              <a:spLocks/>
+            </p:cNvSpPr>
+            <p:nvPr/>
+          </p:nvSpPr>
+          <p:spPr bwMode="auto">
+            <a:xfrm rot="21435692">
+              <a:off x="-19045" y="216550"/>
+              <a:ext cx="9163050" cy="649224"/>
+            </a:xfrm>
+            <a:custGeom>
+              <a:avLst>
+                <a:gd name="A1" fmla="val 0"/>
+                <a:gd name="A2" fmla="val 0"/>
+                <a:gd name="A3" fmla="val 0"/>
+                <a:gd name="A4" fmla="val 0"/>
+                <a:gd name="A5" fmla="val 0"/>
+                <a:gd name="A6" fmla="val 0"/>
+                <a:gd name="A7" fmla="val 0"/>
+                <a:gd name="A8" fmla="val 0"/>
+              </a:avLst>
+              <a:gdLst/>
+              <a:ahLst/>
+              <a:cxnLst>
+                <a:cxn ang="0">
+                  <a:pos x="0" y="966"/>
+                </a:cxn>
+                <a:cxn ang="0">
+                  <a:pos x="1608" y="282"/>
+                </a:cxn>
+                <a:cxn ang="0">
+                  <a:pos x="4110" y="1008"/>
+                </a:cxn>
+                <a:cxn ang="0">
+                  <a:pos x="5772" y="0"/>
+                </a:cxn>
+              </a:cxnLst>
+              <a:rect l="0" t="0" r="0" b="0"/>
+              <a:pathLst>
+                <a:path w="5772" h="1055">
+                  <a:moveTo>
+                    <a:pt x="0" y="966"/>
+                  </a:moveTo>
+                  <a:cubicBezTo>
+                    <a:pt x="282" y="738"/>
+                    <a:pt x="923" y="275"/>
+                    <a:pt x="1608" y="282"/>
+                  </a:cubicBezTo>
+                  <a:cubicBezTo>
+                    <a:pt x="2293" y="289"/>
+                    <a:pt x="3416" y="1055"/>
+                    <a:pt x="4110" y="1008"/>
+                  </a:cubicBezTo>
+                  <a:cubicBezTo>
+                    <a:pt x="4804" y="961"/>
+                    <a:pt x="5426" y="210"/>
+                    <a:pt x="5772" y="0"/>
+                  </a:cubicBezTo>
+                </a:path>
+              </a:pathLst>
+            </a:custGeom>
+            <a:noFill/>
+            <a:ln w="10795" cap="flat" cmpd="sng" algn="ctr">
+              <a:gradFill>
+                <a:gsLst>
+                  <a:gs pos="74000">
+                    <a:schemeClr val="accent3">
+                      <a:shade val="75000"/>
+                    </a:schemeClr>
+                  </a:gs>
+                  <a:gs pos="86000">
+                    <a:schemeClr val="tx1">
+                      <a:alpha val="29000"/>
+                    </a:schemeClr>
+                  </a:gs>
+                  <a:gs pos="16000">
+                    <a:schemeClr val="accent2">
+                      <a:shade val="75000"/>
+                      <a:alpha val="56000"/>
+                    </a:schemeClr>
+                  </a:gs>
+                </a:gsLst>
+                <a:lin ang="5400000" scaled="1"/>
+              </a:gradFill>
+              <a:prstDash val="solid"/>
+              <a:round/>
+              <a:headEnd type="none" w="med" len="med"/>
+              <a:tailEnd type="none" w="med" len="med"/>
+            </a:ln>
+            <a:effectLst/>
+          </p:spPr>
+          <p:txBody>
+            <a:bodyPr vert="horz" wrap="square" lIns="91440" tIns="45720" rIns="91440" bIns="45720" anchor="t" compatLnSpc="1"/>
+            <a:lstStyle/>
+            <a:p>
+              <a:endParaRPr kumimoji="0" lang="en-US"/>
+            </a:p>
+          </p:txBody>
+        </p:sp>
+        <p:sp>
+          <p:nvSpPr>
+            <p:cNvPr id="13" name="Freeform 12"/>
+            <p:cNvSpPr>
+              <a:spLocks/>
+            </p:cNvSpPr>
+            <p:nvPr/>
+          </p:nvSpPr>
+          <p:spPr bwMode="auto">
+            <a:xfrm rot="21435692">
+              <a:off x="-14309" y="290003"/>
+              <a:ext cx="9175812" cy="530352"/>
+            </a:xfrm>
+            <a:custGeom>
+              <a:avLst>
+                <a:gd name="A1" fmla="val 0"/>
+                <a:gd name="A2" fmla="val 0"/>
+                <a:gd name="A3" fmla="val 0"/>
+                <a:gd name="A4" fmla="val 0"/>
+                <a:gd name="A5" fmla="val 0"/>
+                <a:gd name="A6" fmla="val 0"/>
+                <a:gd name="A7" fmla="val 0"/>
+                <a:gd name="A8" fmla="val 0"/>
+              </a:avLst>
+              <a:gdLst/>
+              <a:ahLst/>
+              <a:cxnLst>
+                <a:cxn ang="0">
+                  <a:pos x="0" y="732"/>
+                </a:cxn>
+                <a:cxn ang="0">
+                  <a:pos x="1638" y="228"/>
+                </a:cxn>
+                <a:cxn ang="0">
+                  <a:pos x="4122" y="816"/>
+                </a:cxn>
+                <a:cxn ang="0">
+                  <a:pos x="5766" y="0"/>
+                </a:cxn>
+              </a:cxnLst>
+              <a:rect l="0" t="0" r="0" b="0"/>
+              <a:pathLst>
+                <a:path w="5766" h="854">
+                  <a:moveTo>
+                    <a:pt x="0" y="732"/>
+                  </a:moveTo>
+                  <a:cubicBezTo>
+                    <a:pt x="273" y="647"/>
+                    <a:pt x="951" y="214"/>
+                    <a:pt x="1638" y="228"/>
+                  </a:cubicBezTo>
+                  <a:cubicBezTo>
+                    <a:pt x="2325" y="242"/>
+                    <a:pt x="3434" y="854"/>
+                    <a:pt x="4122" y="816"/>
+                  </a:cubicBezTo>
+                  <a:cubicBezTo>
+                    <a:pt x="4810" y="778"/>
+                    <a:pt x="5424" y="170"/>
+                    <a:pt x="5766" y="0"/>
+                  </a:cubicBezTo>
+                </a:path>
+              </a:pathLst>
+            </a:custGeom>
+            <a:noFill/>
+            <a:ln w="9525" cap="flat" cmpd="sng" algn="ctr">
+              <a:gradFill>
+                <a:gsLst>
+                  <a:gs pos="74000">
+                    <a:schemeClr val="accent4"/>
+                  </a:gs>
+                  <a:gs pos="44000">
+                    <a:schemeClr val="accent1"/>
+                  </a:gs>
+                  <a:gs pos="33000">
+                    <a:schemeClr val="accent2">
+                      <a:alpha val="56000"/>
+                    </a:schemeClr>
+                  </a:gs>
+                </a:gsLst>
+                <a:lin ang="5400000" scaled="1"/>
+              </a:gradFill>
+              <a:prstDash val="solid"/>
+              <a:round/>
+              <a:headEnd type="none" w="med" len="med"/>
+              <a:tailEnd type="none" w="med" len="med"/>
+            </a:ln>
+            <a:effectLst/>
+          </p:spPr>
+          <p:txBody>
+            <a:bodyPr vert="horz" wrap="square" lIns="91440" tIns="45720" rIns="91440" bIns="45720" anchor="t" compatLnSpc="1"/>
+            <a:lstStyle/>
+            <a:p>
+              <a:endParaRPr kumimoji="0" lang="en-US"/>
+            </a:p>
+          </p:txBody>
+        </p:sp>
+      </p:grpSp>
     </p:spTree>
-    <p:extLst>
-      <p:ext uri="{BB962C8B-B14F-4D97-AF65-F5344CB8AC3E}">
-        <p14:creationId xmlns:p14="http://schemas.microsoft.com/office/powerpoint/2010/main" val="3498018768"/>
-      </p:ext>
-    </p:extLst>
   </p:cSld>
   <p:clrMap bg1="lt1" tx1="dk1" bg2="lt2" tx2="dk2" accent1="accent1" accent2="accent2" accent3="accent3" accent4="accent4" accent5="accent5" accent6="accent6" hlink="hlink" folHlink="folHlink"/>
   <p:sldLayoutIdLst>
-    <p:sldLayoutId id="2147483805" r:id="rId1"/>
-    <p:sldLayoutId id="2147483806" r:id="rId2"/>
-    <p:sldLayoutId id="2147483807" r:id="rId3"/>
-    <p:sldLayoutId id="2147483808" r:id="rId4"/>
-    <p:sldLayoutId id="2147483809" r:id="rId5"/>
-    <p:sldLayoutId id="2147483810" r:id="rId6"/>
-    <p:sldLayoutId id="2147483811" r:id="rId7"/>
-    <p:sldLayoutId id="2147483812" r:id="rId8"/>
-    <p:sldLayoutId id="2147483813" r:id="rId9"/>
-    <p:sldLayoutId id="2147483814" r:id="rId10"/>
-    <p:sldLayoutId id="2147483815" r:id="rId11"/>
+    <p:sldLayoutId id="2147483949" r:id="rId1"/>
+    <p:sldLayoutId id="2147483950" r:id="rId2"/>
+    <p:sldLayoutId id="2147483951" r:id="rId3"/>
+    <p:sldLayoutId id="2147483952" r:id="rId4"/>
+    <p:sldLayoutId id="2147483953" r:id="rId5"/>
+    <p:sldLayoutId id="2147483954" r:id="rId6"/>
+    <p:sldLayoutId id="2147483955" r:id="rId7"/>
+    <p:sldLayoutId id="2147483956" r:id="rId8"/>
+    <p:sldLayoutId id="2147483957" r:id="rId9"/>
+    <p:sldLayoutId id="2147483958" r:id="rId10"/>
+    <p:sldLayoutId id="2147483959" r:id="rId11"/>
   </p:sldLayoutIdLst>
   <p:transition spd="slow">
     <p:fade/>
@@ -13147,15 +14099,19 @@
   </p:timing>
   <p:txStyles>
     <p:titleStyle>
-      <a:lvl1pPr algn="ctr" defTabSz="914400" rtl="0" eaLnBrk="1" latinLnBrk="0" hangingPunct="1">
+      <a:lvl1pPr algn="l" rtl="0" eaLnBrk="1" latinLnBrk="0" hangingPunct="1">
         <a:spcBef>
           <a:spcPct val="0"/>
         </a:spcBef>
         <a:buNone/>
-        <a:defRPr sz="4400" kern="1200">
+        <a:defRPr kumimoji="0" sz="5000" b="0" kern="1200">
+          <a:ln>
+            <a:noFill/>
+          </a:ln>
           <a:solidFill>
-            <a:schemeClr val="tx1"/>
+            <a:schemeClr val="tx2"/>
           </a:solidFill>
+          <a:effectLst/>
           <a:latin typeface="+mj-lt"/>
           <a:ea typeface="+mj-ea"/>
           <a:cs typeface="+mj-cs"/>
@@ -13163,13 +14119,17 @@
       </a:lvl1pPr>
     </p:titleStyle>
     <p:bodyStyle>
-      <a:lvl1pPr marL="342900" indent="-342900" algn="l" defTabSz="914400" rtl="0" eaLnBrk="1" latinLnBrk="0" hangingPunct="1">
+      <a:lvl1pPr marL="274320" indent="-274320" algn="l" rtl="0" eaLnBrk="1" latinLnBrk="0" hangingPunct="1">
         <a:spcBef>
           <a:spcPct val="20000"/>
         </a:spcBef>
-        <a:buFont typeface="Arial" pitchFamily="34" charset="0"/>
-        <a:buChar char="•"/>
-        <a:defRPr sz="3200" kern="1200">
+        <a:buClr>
+          <a:schemeClr val="accent3"/>
+        </a:buClr>
+        <a:buSzPct val="95000"/>
+        <a:buFont typeface="Wingdings 2"/>
+        <a:buChar char=""/>
+        <a:defRPr kumimoji="0" sz="2600" kern="1200">
           <a:solidFill>
             <a:schemeClr val="tx1"/>
           </a:solidFill>
@@ -13178,13 +14138,17 @@
           <a:cs typeface="+mn-cs"/>
         </a:defRPr>
       </a:lvl1pPr>
-      <a:lvl2pPr marL="742950" indent="-285750" algn="l" defTabSz="914400" rtl="0" eaLnBrk="1" latinLnBrk="0" hangingPunct="1">
+      <a:lvl2pPr marL="640080" indent="-246888" algn="l" rtl="0" eaLnBrk="1" latinLnBrk="0" hangingPunct="1">
         <a:spcBef>
           <a:spcPct val="20000"/>
         </a:spcBef>
-        <a:buFont typeface="Arial" pitchFamily="34" charset="0"/>
-        <a:buChar char="–"/>
-        <a:defRPr sz="2800" kern="1200">
+        <a:buClr>
+          <a:schemeClr val="accent1"/>
+        </a:buClr>
+        <a:buSzPct val="85000"/>
+        <a:buFont typeface="Wingdings 2"/>
+        <a:buChar char=""/>
+        <a:defRPr kumimoji="0" sz="2400" kern="1200">
           <a:solidFill>
             <a:schemeClr val="tx1"/>
           </a:solidFill>
@@ -13193,13 +14157,17 @@
           <a:cs typeface="+mn-cs"/>
         </a:defRPr>
       </a:lvl2pPr>
-      <a:lvl3pPr marL="1143000" indent="-228600" algn="l" defTabSz="914400" rtl="0" eaLnBrk="1" latinLnBrk="0" hangingPunct="1">
+      <a:lvl3pPr marL="914400" indent="-246888" algn="l" rtl="0" eaLnBrk="1" latinLnBrk="0" hangingPunct="1">
         <a:spcBef>
           <a:spcPct val="20000"/>
         </a:spcBef>
-        <a:buFont typeface="Arial" pitchFamily="34" charset="0"/>
-        <a:buChar char="•"/>
-        <a:defRPr sz="2400" kern="1200">
+        <a:buClr>
+          <a:schemeClr val="accent2"/>
+        </a:buClr>
+        <a:buSzPct val="70000"/>
+        <a:buFont typeface="Wingdings 2"/>
+        <a:buChar char=""/>
+        <a:defRPr kumimoji="0" sz="2100" kern="1200">
           <a:solidFill>
             <a:schemeClr val="tx1"/>
           </a:solidFill>
@@ -13208,13 +14176,17 @@
           <a:cs typeface="+mn-cs"/>
         </a:defRPr>
       </a:lvl3pPr>
-      <a:lvl4pPr marL="1600200" indent="-228600" algn="l" defTabSz="914400" rtl="0" eaLnBrk="1" latinLnBrk="0" hangingPunct="1">
+      <a:lvl4pPr marL="1188720" indent="-210312" algn="l" rtl="0" eaLnBrk="1" latinLnBrk="0" hangingPunct="1">
         <a:spcBef>
           <a:spcPct val="20000"/>
         </a:spcBef>
-        <a:buFont typeface="Arial" pitchFamily="34" charset="0"/>
-        <a:buChar char="–"/>
-        <a:defRPr sz="2000" kern="1200">
+        <a:buClr>
+          <a:schemeClr val="accent3"/>
+        </a:buClr>
+        <a:buSzPct val="65000"/>
+        <a:buFont typeface="Wingdings 2"/>
+        <a:buChar char=""/>
+        <a:defRPr kumimoji="0" sz="2000" kern="1200">
           <a:solidFill>
             <a:schemeClr val="tx1"/>
           </a:solidFill>
@@ -13223,13 +14195,17 @@
           <a:cs typeface="+mn-cs"/>
         </a:defRPr>
       </a:lvl4pPr>
-      <a:lvl5pPr marL="2057400" indent="-228600" algn="l" defTabSz="914400" rtl="0" eaLnBrk="1" latinLnBrk="0" hangingPunct="1">
+      <a:lvl5pPr marL="1463040" indent="-210312" algn="l" rtl="0" eaLnBrk="1" latinLnBrk="0" hangingPunct="1">
         <a:spcBef>
           <a:spcPct val="20000"/>
         </a:spcBef>
-        <a:buFont typeface="Arial" pitchFamily="34" charset="0"/>
-        <a:buChar char="»"/>
-        <a:defRPr sz="2000" kern="1200">
+        <a:buClr>
+          <a:schemeClr val="accent4"/>
+        </a:buClr>
+        <a:buSzPct val="65000"/>
+        <a:buFont typeface="Wingdings 2"/>
+        <a:buChar char=""/>
+        <a:defRPr kumimoji="0" sz="2000" kern="1200">
           <a:solidFill>
             <a:schemeClr val="tx1"/>
           </a:solidFill>
@@ -13238,13 +14214,17 @@
           <a:cs typeface="+mn-cs"/>
         </a:defRPr>
       </a:lvl5pPr>
-      <a:lvl6pPr marL="2514600" indent="-228600" algn="l" defTabSz="914400" rtl="0" eaLnBrk="1" latinLnBrk="0" hangingPunct="1">
+      <a:lvl6pPr marL="1737360" indent="-210312" algn="l" rtl="0" eaLnBrk="1" latinLnBrk="0" hangingPunct="1">
         <a:spcBef>
           <a:spcPct val="20000"/>
         </a:spcBef>
-        <a:buFont typeface="Arial" pitchFamily="34" charset="0"/>
-        <a:buChar char="•"/>
-        <a:defRPr sz="2000" kern="1200">
+        <a:buClr>
+          <a:schemeClr val="accent5"/>
+        </a:buClr>
+        <a:buSzPct val="80000"/>
+        <a:buFont typeface="Wingdings 2"/>
+        <a:buChar char=""/>
+        <a:defRPr kumimoji="0" sz="1800" kern="1200">
           <a:solidFill>
             <a:schemeClr val="tx1"/>
           </a:solidFill>
@@ -13253,13 +14233,17 @@
           <a:cs typeface="+mn-cs"/>
         </a:defRPr>
       </a:lvl6pPr>
-      <a:lvl7pPr marL="2971800" indent="-228600" algn="l" defTabSz="914400" rtl="0" eaLnBrk="1" latinLnBrk="0" hangingPunct="1">
+      <a:lvl7pPr marL="1920240" indent="-182880" algn="l" rtl="0" eaLnBrk="1" latinLnBrk="0" hangingPunct="1">
         <a:spcBef>
           <a:spcPct val="20000"/>
         </a:spcBef>
-        <a:buFont typeface="Arial" pitchFamily="34" charset="0"/>
-        <a:buChar char="•"/>
-        <a:defRPr sz="2000" kern="1200">
+        <a:buClr>
+          <a:schemeClr val="accent6"/>
+        </a:buClr>
+        <a:buSzPct val="80000"/>
+        <a:buFont typeface="Wingdings 2"/>
+        <a:buChar char=""/>
+        <a:defRPr kumimoji="0" sz="1600" kern="1200" baseline="0">
           <a:solidFill>
             <a:schemeClr val="tx1"/>
           </a:solidFill>
@@ -13268,13 +14252,15 @@
           <a:cs typeface="+mn-cs"/>
         </a:defRPr>
       </a:lvl7pPr>
-      <a:lvl8pPr marL="3429000" indent="-228600" algn="l" defTabSz="914400" rtl="0" eaLnBrk="1" latinLnBrk="0" hangingPunct="1">
+      <a:lvl8pPr marL="2194560" indent="-182880" algn="l" rtl="0" eaLnBrk="1" latinLnBrk="0" hangingPunct="1">
         <a:spcBef>
           <a:spcPct val="20000"/>
         </a:spcBef>
-        <a:buFont typeface="Arial" pitchFamily="34" charset="0"/>
+        <a:buClr>
+          <a:schemeClr val="tx2"/>
+        </a:buClr>
         <a:buChar char="•"/>
-        <a:defRPr sz="2000" kern="1200">
+        <a:defRPr kumimoji="0" sz="1600" kern="1200">
           <a:solidFill>
             <a:schemeClr val="tx1"/>
           </a:solidFill>
@@ -13283,13 +14269,16 @@
           <a:cs typeface="+mn-cs"/>
         </a:defRPr>
       </a:lvl8pPr>
-      <a:lvl9pPr marL="3886200" indent="-228600" algn="l" defTabSz="914400" rtl="0" eaLnBrk="1" latinLnBrk="0" hangingPunct="1">
+      <a:lvl9pPr marL="2468880" indent="-182880" algn="l" rtl="0" eaLnBrk="1" latinLnBrk="0" hangingPunct="1">
         <a:spcBef>
           <a:spcPct val="20000"/>
         </a:spcBef>
-        <a:buFont typeface="Arial" pitchFamily="34" charset="0"/>
+        <a:buClr>
+          <a:schemeClr val="tx2"/>
+        </a:buClr>
+        <a:buFontTx/>
         <a:buChar char="•"/>
-        <a:defRPr sz="2000" kern="1200">
+        <a:defRPr kumimoji="0" sz="1400" kern="1200" baseline="0">
           <a:solidFill>
             <a:schemeClr val="tx1"/>
           </a:solidFill>
@@ -13300,11 +14289,8 @@
       </a:lvl9pPr>
     </p:bodyStyle>
     <p:otherStyle>
-      <a:defPPr>
-        <a:defRPr lang="en-US"/>
-      </a:defPPr>
-      <a:lvl1pPr marL="0" algn="l" defTabSz="914400" rtl="0" eaLnBrk="1" latinLnBrk="0" hangingPunct="1">
-        <a:defRPr sz="1800" kern="1200">
+      <a:lvl1pPr marL="0" algn="l" rtl="0" eaLnBrk="1" latinLnBrk="0" hangingPunct="1">
+        <a:defRPr kumimoji="0" kern="1200">
           <a:solidFill>
             <a:schemeClr val="tx1"/>
           </a:solidFill>
@@ -13313,8 +14299,8 @@
           <a:cs typeface="+mn-cs"/>
         </a:defRPr>
       </a:lvl1pPr>
-      <a:lvl2pPr marL="457200" algn="l" defTabSz="914400" rtl="0" eaLnBrk="1" latinLnBrk="0" hangingPunct="1">
-        <a:defRPr sz="1800" kern="1200">
+      <a:lvl2pPr marL="457200" algn="l" rtl="0" eaLnBrk="1" latinLnBrk="0" hangingPunct="1">
+        <a:defRPr kumimoji="0" kern="1200">
           <a:solidFill>
             <a:schemeClr val="tx1"/>
           </a:solidFill>
@@ -13323,8 +14309,8 @@
           <a:cs typeface="+mn-cs"/>
         </a:defRPr>
       </a:lvl2pPr>
-      <a:lvl3pPr marL="914400" algn="l" defTabSz="914400" rtl="0" eaLnBrk="1" latinLnBrk="0" hangingPunct="1">
-        <a:defRPr sz="1800" kern="1200">
+      <a:lvl3pPr marL="914400" algn="l" rtl="0" eaLnBrk="1" latinLnBrk="0" hangingPunct="1">
+        <a:defRPr kumimoji="0" kern="1200">
           <a:solidFill>
             <a:schemeClr val="tx1"/>
           </a:solidFill>
@@ -13333,8 +14319,8 @@
           <a:cs typeface="+mn-cs"/>
         </a:defRPr>
       </a:lvl3pPr>
-      <a:lvl4pPr marL="1371600" algn="l" defTabSz="914400" rtl="0" eaLnBrk="1" latinLnBrk="0" hangingPunct="1">
-        <a:defRPr sz="1800" kern="1200">
+      <a:lvl4pPr marL="1371600" algn="l" rtl="0" eaLnBrk="1" latinLnBrk="0" hangingPunct="1">
+        <a:defRPr kumimoji="0" kern="1200">
           <a:solidFill>
             <a:schemeClr val="tx1"/>
           </a:solidFill>
@@ -13343,8 +14329,8 @@
           <a:cs typeface="+mn-cs"/>
         </a:defRPr>
       </a:lvl4pPr>
-      <a:lvl5pPr marL="1828800" algn="l" defTabSz="914400" rtl="0" eaLnBrk="1" latinLnBrk="0" hangingPunct="1">
-        <a:defRPr sz="1800" kern="1200">
+      <a:lvl5pPr marL="1828800" algn="l" rtl="0" eaLnBrk="1" latinLnBrk="0" hangingPunct="1">
+        <a:defRPr kumimoji="0" kern="1200">
           <a:solidFill>
             <a:schemeClr val="tx1"/>
           </a:solidFill>
@@ -13353,8 +14339,8 @@
           <a:cs typeface="+mn-cs"/>
         </a:defRPr>
       </a:lvl5pPr>
-      <a:lvl6pPr marL="2286000" algn="l" defTabSz="914400" rtl="0" eaLnBrk="1" latinLnBrk="0" hangingPunct="1">
-        <a:defRPr sz="1800" kern="1200">
+      <a:lvl6pPr marL="2286000" algn="l" rtl="0" eaLnBrk="1" latinLnBrk="0" hangingPunct="1">
+        <a:defRPr kumimoji="0" kern="1200">
           <a:solidFill>
             <a:schemeClr val="tx1"/>
           </a:solidFill>
@@ -13363,8 +14349,8 @@
           <a:cs typeface="+mn-cs"/>
         </a:defRPr>
       </a:lvl6pPr>
-      <a:lvl7pPr marL="2743200" algn="l" defTabSz="914400" rtl="0" eaLnBrk="1" latinLnBrk="0" hangingPunct="1">
-        <a:defRPr sz="1800" kern="1200">
+      <a:lvl7pPr marL="2743200" algn="l" rtl="0" eaLnBrk="1" latinLnBrk="0" hangingPunct="1">
+        <a:defRPr kumimoji="0" kern="1200">
           <a:solidFill>
             <a:schemeClr val="tx1"/>
           </a:solidFill>
@@ -13373,8 +14359,8 @@
           <a:cs typeface="+mn-cs"/>
         </a:defRPr>
       </a:lvl7pPr>
-      <a:lvl8pPr marL="3200400" algn="l" defTabSz="914400" rtl="0" eaLnBrk="1" latinLnBrk="0" hangingPunct="1">
-        <a:defRPr sz="1800" kern="1200">
+      <a:lvl8pPr marL="3200400" algn="l" rtl="0" eaLnBrk="1" latinLnBrk="0" hangingPunct="1">
+        <a:defRPr kumimoji="0" kern="1200">
           <a:solidFill>
             <a:schemeClr val="tx1"/>
           </a:solidFill>
@@ -13383,8 +14369,8 @@
           <a:cs typeface="+mn-cs"/>
         </a:defRPr>
       </a:lvl8pPr>
-      <a:lvl9pPr marL="3657600" algn="l" defTabSz="914400" rtl="0" eaLnBrk="1" latinLnBrk="0" hangingPunct="1">
-        <a:defRPr sz="1800" kern="1200">
+      <a:lvl9pPr marL="3657600" algn="l" rtl="0" eaLnBrk="1" latinLnBrk="0" hangingPunct="1">
+        <a:defRPr kumimoji="0" kern="1200">
           <a:solidFill>
             <a:schemeClr val="tx1"/>
           </a:solidFill>
@@ -13428,16 +14414,47 @@
             </p:custDataLst>
           </p:nvPr>
         </p:nvSpPr>
-        <p:spPr/>
+        <p:spPr>
+          <a:xfrm>
+            <a:off x="533400" y="1143000"/>
+            <a:ext cx="8229600" cy="1143000"/>
+          </a:xfrm>
+        </p:spPr>
         <p:txBody>
-          <a:bodyPr/>
+          <a:bodyPr>
+            <a:noAutofit/>
+          </a:bodyPr>
           <a:lstStyle/>
           <a:p>
+            <a:pPr algn="ctr"/>
             <a:r>
-              <a:rPr lang="en-US" dirty="0" smtClean="0"/>
-              <a:t>Angry Prims Preliminary Proposal</a:t>
+              <a:rPr lang="en-US" sz="5500" b="1" i="1" dirty="0" smtClean="0"/>
+              <a:t>Angry </a:t>
             </a:r>
-            <a:endParaRPr lang="en-US" dirty="0"/>
+            <a:r>
+              <a:rPr lang="en-US" sz="5500" b="1" i="1" dirty="0" err="1" smtClean="0"/>
+              <a:t>Prims</a:t>
+            </a:r>
+            <a:r>
+              <a:rPr lang="en-US" sz="5500" b="1" i="1" dirty="0" smtClean="0"/>
+              <a:t> </a:t>
+            </a:r>
+            <a:r>
+              <a:rPr lang="en-US" sz="5500" b="1" i="1" dirty="0" smtClean="0"/>
+              <a:t/>
+            </a:r>
+            <a:br>
+              <a:rPr lang="en-US" sz="5500" b="1" i="1" dirty="0" smtClean="0"/>
+            </a:br>
+            <a:r>
+              <a:rPr lang="en-US" sz="5500" b="1" i="1" dirty="0" smtClean="0"/>
+              <a:t>Preliminary </a:t>
+            </a:r>
+            <a:r>
+              <a:rPr lang="en-US" sz="5500" b="1" i="1" dirty="0" smtClean="0"/>
+              <a:t>Proposal</a:t>
+            </a:r>
+            <a:endParaRPr lang="en-US" sz="5500" b="1" i="1" dirty="0"/>
           </a:p>
         </p:txBody>
       </p:sp>
@@ -13454,43 +14471,87 @@
             </p:custDataLst>
           </p:nvPr>
         </p:nvSpPr>
-        <p:spPr/>
+        <p:spPr>
+          <a:xfrm>
+            <a:off x="457200" y="2667000"/>
+            <a:ext cx="8229600" cy="3886200"/>
+          </a:xfrm>
+        </p:spPr>
         <p:txBody>
           <a:bodyPr>
             <a:normAutofit/>
           </a:bodyPr>
           <a:lstStyle/>
           <a:p>
+            <a:pPr algn="ctr"/>
+            <a:endParaRPr lang="en-US" dirty="0" smtClean="0"/>
+          </a:p>
+          <a:p>
+            <a:pPr algn="ctr"/>
             <a:r>
               <a:rPr lang="en-US" dirty="0" smtClean="0"/>
-              <a:t>Christian Williams</a:t>
+              <a:t>Christian </a:t>
             </a:r>
-          </a:p>
-          <a:p>
+            <a:r>
+              <a:rPr lang="en-US" dirty="0" smtClean="0"/>
+              <a:t>Williams</a:t>
+            </a:r>
+          </a:p>
+          <a:p>
+            <a:pPr algn="ctr"/>
             <a:r>
               <a:rPr lang="en-US" dirty="0" smtClean="0"/>
               <a:t>Francis </a:t>
             </a:r>
-          </a:p>
-          <a:p>
             <a:r>
               <a:rPr lang="en-US" dirty="0" smtClean="0"/>
-              <a:t>Aaron</a:t>
+              <a:t>Sabado</a:t>
             </a:r>
             <a:endParaRPr lang="en-US" dirty="0" smtClean="0"/>
           </a:p>
           <a:p>
+            <a:pPr algn="ctr"/>
             <a:r>
               <a:rPr lang="en-US" dirty="0" smtClean="0"/>
-              <a:t>25 Oct 2011</a:t>
+              <a:t>Aaron </a:t>
             </a:r>
-          </a:p>
-          <a:p>
+            <a:r>
+              <a:rPr lang="en-US" dirty="0" err="1" smtClean="0"/>
+              <a:t>M</a:t>
+            </a:r>
+            <a:r>
+              <a:rPr lang="en-US" dirty="0" err="1" smtClean="0"/>
+              <a:t>ahmoud</a:t>
+            </a:r>
+            <a:endParaRPr lang="en-US" dirty="0" smtClean="0"/>
+          </a:p>
+          <a:p>
+            <a:pPr algn="ctr"/>
+            <a:endParaRPr lang="en-US" dirty="0" smtClean="0"/>
+          </a:p>
+          <a:p>
+            <a:pPr algn="ctr"/>
             <a:r>
               <a:rPr lang="en-US" dirty="0" smtClean="0"/>
-              <a:t>University of Arkansas</a:t>
+              <a:t>University of </a:t>
             </a:r>
-            <a:endParaRPr lang="en-US" dirty="0"/>
+            <a:r>
+              <a:rPr lang="en-US" dirty="0" smtClean="0"/>
+              <a:t>Arkansas</a:t>
+            </a:r>
+            <a:endParaRPr lang="en-US" dirty="0" smtClean="0"/>
+          </a:p>
+          <a:p>
+            <a:pPr algn="ctr"/>
+            <a:r>
+              <a:rPr lang="en-US" dirty="0" smtClean="0"/>
+              <a:t>25 Oct </a:t>
+            </a:r>
+            <a:r>
+              <a:rPr lang="en-US" dirty="0" smtClean="0"/>
+              <a:t>2011</a:t>
+            </a:r>
+            <a:endParaRPr lang="en-US" dirty="0" smtClean="0"/>
           </a:p>
         </p:txBody>
       </p:sp>
@@ -13544,21 +14605,21 @@
         </p:nvSpPr>
         <p:spPr>
           <a:xfrm>
-            <a:off x="457200" y="457200"/>
+            <a:off x="457200" y="762000"/>
             <a:ext cx="4648200" cy="914400"/>
           </a:xfrm>
         </p:spPr>
         <p:txBody>
           <a:bodyPr>
-            <a:normAutofit/>
+            <a:noAutofit/>
           </a:bodyPr>
           <a:lstStyle/>
           <a:p>
             <a:r>
-              <a:rPr lang="en-US" dirty="0" smtClean="0"/>
+              <a:rPr lang="en-US" sz="5100" b="1" dirty="0" smtClean="0"/>
               <a:t>Project Overview</a:t>
             </a:r>
-            <a:endParaRPr lang="en-US" dirty="0"/>
+            <a:endParaRPr lang="en-US" sz="5100" b="1" dirty="0"/>
           </a:p>
         </p:txBody>
       </p:sp>
@@ -13574,7 +14635,7 @@
         </p:nvSpPr>
         <p:spPr>
           <a:xfrm>
-            <a:off x="457200" y="1371600"/>
+            <a:off x="457200" y="1828800"/>
             <a:ext cx="4648200" cy="4754563"/>
           </a:xfrm>
         </p:spPr>
@@ -13586,11 +14647,7 @@
           <a:p>
             <a:r>
               <a:rPr lang="en-US" sz="2800" dirty="0" smtClean="0"/>
-              <a:t>Kinect enabled games in a open world simulated environment</a:t>
-            </a:r>
-            <a:r>
-              <a:rPr lang="en-US" sz="2800" dirty="0" smtClean="0"/>
-              <a:t>.</a:t>
+              <a:t>Kinect enabled games in a open world simulated environment.</a:t>
             </a:r>
             <a:endParaRPr lang="en-US" sz="2800" dirty="0"/>
           </a:p>
@@ -13611,17 +14668,17 @@
       </p:sp>
       <p:pic>
         <p:nvPicPr>
-          <p:cNvPr id="1026" name="Picture 2" descr="http://siliconangle.com/files/2010/12/100622_Xbox360S_Kinect_web.grid6x2.jpg"/>
+          <p:cNvPr id="1027" name="Picture 3" descr="C:\Users\aDemoNnDisguisE\Desktop\Capture.PNG"/>
           <p:cNvPicPr>
             <a:picLocks noChangeAspect="1" noChangeArrowheads="1"/>
           </p:cNvPicPr>
           <p:nvPr/>
         </p:nvPicPr>
         <p:blipFill>
-          <a:blip r:embed="rId4" cstate="email">
+          <a:blip r:embed="rId4" cstate="print">
             <a:extLst>
               <a:ext uri="{28A0092B-C50C-407E-A947-70E740481C1C}">
-                <a14:useLocalDpi xmlns:a14="http://schemas.microsoft.com/office/drawing/2010/main" val="0"/>
+                <a14:useLocalDpi xmlns:a14="http://schemas.microsoft.com/office/drawing/2010/main" xmlns="" val="0"/>
               </a:ext>
             </a:extLst>
           </a:blip>
@@ -13632,8 +14689,8 @@
         </p:blipFill>
         <p:spPr bwMode="auto">
           <a:xfrm>
-            <a:off x="6019800" y="304800"/>
-            <a:ext cx="2286000" cy="2076450"/>
+            <a:off x="5791200" y="2971800"/>
+            <a:ext cx="2933700" cy="3276600"/>
           </a:xfrm>
           <a:prstGeom prst="rect">
             <a:avLst/>
@@ -13641,7 +14698,7 @@
           <a:noFill/>
           <a:extLst>
             <a:ext uri="{909E8E84-426E-40DD-AFC4-6F175D3DCCD1}">
-              <a14:hiddenFill xmlns:a14="http://schemas.microsoft.com/office/drawing/2010/main">
+              <a14:hiddenFill xmlns:a14="http://schemas.microsoft.com/office/drawing/2010/main" xmlns="">
                 <a:solidFill>
                   <a:srgbClr val="FFFFFF"/>
                 </a:solidFill>
@@ -13652,17 +14709,17 @@
       </p:pic>
       <p:pic>
         <p:nvPicPr>
-          <p:cNvPr id="1027" name="Picture 3" descr="C:\Users\aDemoNnDisguisE\Desktop\Capture.PNG"/>
+          <p:cNvPr id="1026" name="Picture 2" descr="http://siliconangle.com/files/2010/12/100622_Xbox360S_Kinect_web.grid6x2.jpg"/>
           <p:cNvPicPr>
             <a:picLocks noChangeAspect="1" noChangeArrowheads="1"/>
           </p:cNvPicPr>
           <p:nvPr/>
         </p:nvPicPr>
         <p:blipFill>
-          <a:blip r:embed="rId5">
+          <a:blip r:embed="rId5" cstate="email">
             <a:extLst>
               <a:ext uri="{28A0092B-C50C-407E-A947-70E740481C1C}">
-                <a14:useLocalDpi xmlns:a14="http://schemas.microsoft.com/office/drawing/2010/main" val="0"/>
+                <a14:useLocalDpi xmlns:a14="http://schemas.microsoft.com/office/drawing/2010/main" xmlns="" val="0"/>
               </a:ext>
             </a:extLst>
           </a:blip>
@@ -13673,8 +14730,8 @@
         </p:blipFill>
         <p:spPr bwMode="auto">
           <a:xfrm>
-            <a:off x="5695950" y="2667000"/>
-            <a:ext cx="2933700" cy="3276600"/>
+            <a:off x="6019800" y="838200"/>
+            <a:ext cx="2286000" cy="2076450"/>
           </a:xfrm>
           <a:prstGeom prst="rect">
             <a:avLst/>
@@ -13682,7 +14739,7 @@
           <a:noFill/>
           <a:extLst>
             <a:ext uri="{909E8E84-426E-40DD-AFC4-6F175D3DCCD1}">
-              <a14:hiddenFill xmlns:a14="http://schemas.microsoft.com/office/drawing/2010/main">
+              <a14:hiddenFill xmlns:a14="http://schemas.microsoft.com/office/drawing/2010/main" xmlns="">
                 <a:solidFill>
                   <a:srgbClr val="FFFFFF"/>
                 </a:solidFill>
@@ -13744,14 +14801,17 @@
         </p:nvSpPr>
         <p:spPr/>
         <p:txBody>
-          <a:bodyPr/>
+          <a:bodyPr>
+            <a:normAutofit/>
+          </a:bodyPr>
           <a:lstStyle/>
           <a:p>
+            <a:pPr algn="ctr"/>
             <a:r>
-              <a:rPr lang="en-US" dirty="0" smtClean="0"/>
+              <a:rPr lang="en-US" sz="6000" b="1" dirty="0" smtClean="0"/>
               <a:t>Current Status</a:t>
             </a:r>
-            <a:endParaRPr lang="en-US" dirty="0"/>
+            <a:endParaRPr lang="en-US" sz="6000" b="1" dirty="0"/>
           </a:p>
         </p:txBody>
       </p:sp>
@@ -13908,7 +14968,7 @@
           <p:nvPr>
             <p:extLst>
               <p:ext uri="{D42A27DB-BD31-4B8C-83A1-F6EECF244321}">
-                <p14:modId xmlns:p14="http://schemas.microsoft.com/office/powerpoint/2010/main" val="1070010873"/>
+                <p14:modId xmlns:p14="http://schemas.microsoft.com/office/powerpoint/2010/main" xmlns="" val="1070010873"/>
               </p:ext>
             </p:extLst>
           </p:nvPr>
@@ -13938,11 +14998,12 @@
           <a:bodyPr anchor="t"/>
           <a:lstStyle/>
           <a:p>
+            <a:pPr algn="ctr"/>
             <a:r>
-              <a:rPr lang="en-US" sz="2800" dirty="0" smtClean="0"/>
+              <a:rPr lang="en-US" sz="7200" b="1" dirty="0" smtClean="0"/>
               <a:t>Timeline</a:t>
             </a:r>
-            <a:endParaRPr lang="en-US" sz="2800" dirty="0"/>
+            <a:endParaRPr lang="en-US" sz="7200" b="1" dirty="0"/>
           </a:p>
         </p:txBody>
       </p:sp>
@@ -14540,14 +15601,17 @@
           </a:xfrm>
         </p:spPr>
         <p:txBody>
-          <a:bodyPr/>
+          <a:bodyPr>
+            <a:noAutofit/>
+          </a:bodyPr>
           <a:lstStyle/>
           <a:p>
+            <a:pPr algn="ctr"/>
             <a:r>
-              <a:rPr lang="en-US" dirty="0" smtClean="0"/>
+              <a:rPr lang="en-US" sz="6000" b="1" dirty="0" smtClean="0"/>
               <a:t>Looking Ahead</a:t>
             </a:r>
-            <a:endParaRPr lang="en-US" dirty="0"/>
+            <a:endParaRPr lang="en-US" sz="6000" b="1" dirty="0"/>
           </a:p>
         </p:txBody>
       </p:sp>
@@ -14572,7 +15636,7 @@
         </p:spPr>
         <p:txBody>
           <a:bodyPr>
-            <a:normAutofit fontScale="70000" lnSpcReduction="20000"/>
+            <a:normAutofit fontScale="85000" lnSpcReduction="10000"/>
           </a:bodyPr>
           <a:lstStyle/>
           <a:p>
@@ -14596,7 +15660,6 @@
               <a:rPr lang="en-US" dirty="0" smtClean="0"/>
               <a:t>Complex gestures and voice control</a:t>
             </a:r>
-            <a:endParaRPr lang="en-US" dirty="0" smtClean="0"/>
           </a:p>
           <a:p>
             <a:pPr>
@@ -14606,11 +15669,7 @@
             </a:pPr>
             <a:r>
               <a:rPr lang="en-US" dirty="0" smtClean="0"/>
-              <a:t>What are the expected deliverables</a:t>
-            </a:r>
-            <a:r>
-              <a:rPr lang="en-US" dirty="0" smtClean="0"/>
-              <a:t>?</a:t>
+              <a:t>What are the expected deliverables?</a:t>
             </a:r>
           </a:p>
           <a:p>
@@ -14623,7 +15682,6 @@
               <a:rPr lang="en-US" dirty="0" smtClean="0"/>
               <a:t>Full Modeling game and source code then Full remake game and source code </a:t>
             </a:r>
-            <a:endParaRPr lang="en-US" dirty="0" smtClean="0"/>
           </a:p>
           <a:p>
             <a:pPr>
@@ -14646,7 +15704,6 @@
               <a:rPr lang="en-US" dirty="0" smtClean="0"/>
               <a:t>Possible lag for some users</a:t>
             </a:r>
-            <a:endParaRPr lang="en-US" dirty="0" smtClean="0"/>
           </a:p>
           <a:p>
             <a:pPr>
@@ -14671,10 +15728,10 @@
           <p:nvPr/>
         </p:nvPicPr>
         <p:blipFill>
-          <a:blip r:embed="rId5">
+          <a:blip r:embed="rId5" cstate="print">
             <a:extLst>
               <a:ext uri="{28A0092B-C50C-407E-A947-70E740481C1C}">
-                <a14:useLocalDpi xmlns:a14="http://schemas.microsoft.com/office/drawing/2010/main" val="0"/>
+                <a14:useLocalDpi xmlns:a14="http://schemas.microsoft.com/office/drawing/2010/main" xmlns="" val="0"/>
               </a:ext>
             </a:extLst>
           </a:blip>
@@ -14694,7 +15751,7 @@
           <a:noFill/>
           <a:extLst>
             <a:ext uri="{909E8E84-426E-40DD-AFC4-6F175D3DCCD1}">
-              <a14:hiddenFill xmlns:a14="http://schemas.microsoft.com/office/drawing/2010/main">
+              <a14:hiddenFill xmlns:a14="http://schemas.microsoft.com/office/drawing/2010/main" xmlns="">
                 <a:solidFill>
                   <a:srgbClr val="FFFFFF"/>
                 </a:solidFill>
@@ -14754,7 +15811,12 @@
             </p:custDataLst>
           </p:nvPr>
         </p:nvSpPr>
-        <p:spPr/>
+        <p:spPr>
+          <a:xfrm>
+            <a:off x="457200" y="381000"/>
+            <a:ext cx="8229600" cy="1143000"/>
+          </a:xfrm>
+        </p:spPr>
         <p:txBody>
           <a:bodyPr>
             <a:normAutofit/>
@@ -14762,10 +15824,10 @@
           <a:lstStyle/>
           <a:p>
             <a:r>
-              <a:rPr lang="en-US" dirty="0" smtClean="0"/>
+              <a:rPr lang="en-US" b="1" dirty="0" smtClean="0"/>
               <a:t>Dependencies and Resources</a:t>
             </a:r>
-            <a:endParaRPr lang="en-US" dirty="0"/>
+            <a:endParaRPr lang="en-US" b="1" dirty="0"/>
           </a:p>
         </p:txBody>
       </p:sp>
@@ -14782,7 +15844,7 @@
             </p:custDataLst>
             <p:extLst>
               <p:ext uri="{D42A27DB-BD31-4B8C-83A1-F6EECF244321}">
-                <p14:modId xmlns:p14="http://schemas.microsoft.com/office/powerpoint/2010/main" val="885836537"/>
+                <p14:modId xmlns:p14="http://schemas.microsoft.com/office/powerpoint/2010/main" xmlns="" val="885836537"/>
               </p:ext>
             </p:extLst>
           </p:nvPr>
@@ -15013,18 +16075,19 @@
           </a:bodyPr>
           <a:lstStyle/>
           <a:p>
+            <a:pPr algn="ctr"/>
             <a:r>
-              <a:rPr lang="en-US" dirty="0" smtClean="0"/>
+              <a:rPr lang="en-US" sz="8000" b="1" dirty="0" smtClean="0"/>
               <a:t>Questions?</a:t>
             </a:r>
-            <a:endParaRPr lang="en-US" dirty="0"/>
+            <a:endParaRPr lang="en-US" sz="8000" b="1" dirty="0"/>
           </a:p>
         </p:txBody>
       </p:sp>
     </p:spTree>
     <p:extLst>
       <p:ext uri="{BB962C8B-B14F-4D97-AF65-F5344CB8AC3E}">
-        <p14:creationId xmlns:p14="http://schemas.microsoft.com/office/powerpoint/2010/main" val="1933149179"/>
+        <p14:creationId xmlns:p14="http://schemas.microsoft.com/office/powerpoint/2010/main" xmlns="" val="1933149179"/>
       </p:ext>
     </p:extLst>
   </p:cSld>
@@ -15123,9 +16186,9 @@
 </file>
 
 <file path=ppt/theme/theme1.xml><?xml version="1.0" encoding="utf-8"?>
-<a:theme xmlns:a="http://schemas.openxmlformats.org/drawingml/2006/main" name="Office Theme">
+<a:theme xmlns:a="http://schemas.openxmlformats.org/drawingml/2006/main" name="Flow">
   <a:themeElements>
-    <a:clrScheme name="Office">
+    <a:clrScheme name="Flow">
       <a:dk1>
         <a:sysClr val="windowText" lastClr="000000"/>
       </a:dk1>
@@ -15133,81 +16196,46 @@
         <a:sysClr val="window" lastClr="FFFFFF"/>
       </a:lt1>
       <a:dk2>
-        <a:srgbClr val="1F497D"/>
+        <a:srgbClr val="04617B"/>
       </a:dk2>
       <a:lt2>
-        <a:srgbClr val="EEECE1"/>
+        <a:srgbClr val="DBF5F9"/>
       </a:lt2>
       <a:accent1>
-        <a:srgbClr val="4F81BD"/>
+        <a:srgbClr val="0F6FC6"/>
       </a:accent1>
       <a:accent2>
-        <a:srgbClr val="C0504D"/>
+        <a:srgbClr val="009DD9"/>
       </a:accent2>
       <a:accent3>
-        <a:srgbClr val="9BBB59"/>
+        <a:srgbClr val="0BD0D9"/>
       </a:accent3>
       <a:accent4>
-        <a:srgbClr val="8064A2"/>
+        <a:srgbClr val="10CF9B"/>
       </a:accent4>
       <a:accent5>
-        <a:srgbClr val="4BACC6"/>
+        <a:srgbClr val="7CCA62"/>
       </a:accent5>
       <a:accent6>
-        <a:srgbClr val="F79646"/>
+        <a:srgbClr val="A5C249"/>
       </a:accent6>
       <a:hlink>
-        <a:srgbClr val="0000FF"/>
+        <a:srgbClr val="E2D700"/>
       </a:hlink>
       <a:folHlink>
-        <a:srgbClr val="800080"/>
+        <a:srgbClr val="85DFD0"/>
       </a:folHlink>
     </a:clrScheme>
-    <a:fontScheme name="Office">
+    <a:fontScheme name="Flow">
       <a:majorFont>
         <a:latin typeface="Calibri"/>
         <a:ea typeface=""/>
         <a:cs typeface=""/>
         <a:font script="Jpan" typeface="ＭＳ Ｐゴシック"/>
-        <a:font script="Hang" typeface="맑은 고딕"/>
-        <a:font script="Hans" typeface="宋体"/>
-        <a:font script="Hant" typeface="新細明體"/>
-        <a:font script="Arab" typeface="Times New Roman"/>
-        <a:font script="Hebr" typeface="Times New Roman"/>
-        <a:font script="Thai" typeface="Angsana New"/>
-        <a:font script="Ethi" typeface="Nyala"/>
-        <a:font script="Beng" typeface="Vrinda"/>
-        <a:font script="Gujr" typeface="Shruti"/>
-        <a:font script="Khmr" typeface="MoolBoran"/>
-        <a:font script="Knda" typeface="Tunga"/>
-        <a:font script="Guru" typeface="Raavi"/>
-        <a:font script="Cans" typeface="Euphemia"/>
-        <a:font script="Cher" typeface="Plantagenet Cherokee"/>
-        <a:font script="Yiii" typeface="Microsoft Yi Baiti"/>
-        <a:font script="Tibt" typeface="Microsoft Himalaya"/>
-        <a:font script="Thaa" typeface="MV Boli"/>
-        <a:font script="Deva" typeface="Mangal"/>
-        <a:font script="Telu" typeface="Gautami"/>
-        <a:font script="Taml" typeface="Latha"/>
-        <a:font script="Syrc" typeface="Estrangelo Edessa"/>
-        <a:font script="Orya" typeface="Kalinga"/>
-        <a:font script="Mlym" typeface="Kartika"/>
-        <a:font script="Laoo" typeface="DokChampa"/>
-        <a:font script="Sinh" typeface="Iskoola Pota"/>
-        <a:font script="Mong" typeface="Mongolian Baiti"/>
-        <a:font script="Viet" typeface="Times New Roman"/>
-        <a:font script="Uigh" typeface="Microsoft Uighur"/>
-        <a:font script="Geor" typeface="Sylfaen"/>
-      </a:majorFont>
-      <a:minorFont>
-        <a:latin typeface="Calibri"/>
-        <a:ea typeface=""/>
-        <a:cs typeface=""/>
-        <a:font script="Jpan" typeface="ＭＳ Ｐゴシック"/>
-        <a:font script="Hang" typeface="맑은 고딕"/>
-        <a:font script="Hans" typeface="宋体"/>
-        <a:font script="Hant" typeface="新細明體"/>
-        <a:font script="Arab" typeface="Arial"/>
+        <a:font script="Hang" typeface="HY중고딕"/>
+        <a:font script="Hans" typeface="隶书"/>
+        <a:font script="Hant" typeface="微軟正黑體"/>
+        <a:font script="Arab" typeface="Traditional Arabic"/>
         <a:font script="Hebr" typeface="Arial"/>
         <a:font script="Thai" typeface="Cordia New"/>
         <a:font script="Ethi" typeface="Nyala"/>
@@ -15232,10 +16260,43 @@
         <a:font script="Mong" typeface="Mongolian Baiti"/>
         <a:font script="Viet" typeface="Arial"/>
         <a:font script="Uigh" typeface="Microsoft Uighur"/>
-        <a:font script="Geor" typeface="Sylfaen"/>
+      </a:majorFont>
+      <a:minorFont>
+        <a:latin typeface="Constantia"/>
+        <a:ea typeface=""/>
+        <a:cs typeface=""/>
+        <a:font script="Jpan" typeface="HGP明朝E"/>
+        <a:font script="Hang" typeface="HY신명조"/>
+        <a:font script="Hans" typeface="宋体"/>
+        <a:font script="Hant" typeface="新細明體"/>
+        <a:font script="Arab" typeface="Majalla UI"/>
+        <a:font script="Hebr" typeface="David"/>
+        <a:font script="Thai" typeface="Browallia New"/>
+        <a:font script="Ethi" typeface="Nyala"/>
+        <a:font script="Beng" typeface="Vrinda"/>
+        <a:font script="Gujr" typeface="Shruti"/>
+        <a:font script="Khmr" typeface="MoolBoran"/>
+        <a:font script="Knda" typeface="Tunga"/>
+        <a:font script="Guru" typeface="Raavi"/>
+        <a:font script="Cans" typeface="Euphemia"/>
+        <a:font script="Cher" typeface="Plantagenet Cherokee"/>
+        <a:font script="Yiii" typeface="Microsoft Yi Baiti"/>
+        <a:font script="Tibt" typeface="Microsoft Himalaya"/>
+        <a:font script="Thaa" typeface="MV Boli"/>
+        <a:font script="Deva" typeface="Mangal"/>
+        <a:font script="Telu" typeface="Gautami"/>
+        <a:font script="Taml" typeface="Latha"/>
+        <a:font script="Syrc" typeface="Estrangelo Edessa"/>
+        <a:font script="Orya" typeface="Kalinga"/>
+        <a:font script="Mlym" typeface="Kartika"/>
+        <a:font script="Laoo" typeface="DokChampa"/>
+        <a:font script="Sinh" typeface="Iskoola Pota"/>
+        <a:font script="Mong" typeface="Mongolian Baiti"/>
+        <a:font script="Viet" typeface="Times New Roman"/>
+        <a:font script="Uigh" typeface="Microsoft Uighur"/>
       </a:minorFont>
     </a:fontScheme>
-    <a:fmtScheme name="Office">
+    <a:fmtScheme name="Flow">
       <a:fillStyleLst>
         <a:solidFill>
           <a:schemeClr val="phClr"/>
@@ -15244,55 +16305,66 @@
           <a:gsLst>
             <a:gs pos="0">
               <a:schemeClr val="phClr">
-                <a:tint val="50000"/>
-                <a:satMod val="300000"/>
+                <a:tint val="70000"/>
+                <a:satMod val="130000"/>
               </a:schemeClr>
             </a:gs>
-            <a:gs pos="35000">
+            <a:gs pos="43000">
               <a:schemeClr val="phClr">
-                <a:tint val="37000"/>
-                <a:satMod val="300000"/>
+                <a:tint val="44000"/>
+                <a:satMod val="165000"/>
+              </a:schemeClr>
+            </a:gs>
+            <a:gs pos="93000">
+              <a:schemeClr val="phClr">
+                <a:tint val="15000"/>
+                <a:satMod val="165000"/>
               </a:schemeClr>
             </a:gs>
             <a:gs pos="100000">
               <a:schemeClr val="phClr">
-                <a:tint val="15000"/>
-                <a:satMod val="350000"/>
+                <a:tint val="5000"/>
+                <a:satMod val="250000"/>
               </a:schemeClr>
             </a:gs>
           </a:gsLst>
-          <a:lin ang="16200000" scaled="1"/>
+          <a:path path="circle">
+            <a:fillToRect l="50000" t="130000" r="50000" b="-30000"/>
+          </a:path>
         </a:gradFill>
         <a:gradFill rotWithShape="1">
           <a:gsLst>
             <a:gs pos="0">
               <a:schemeClr val="phClr">
-                <a:shade val="51000"/>
-                <a:satMod val="130000"/>
+                <a:tint val="98000"/>
+                <a:shade val="25000"/>
+                <a:satMod val="250000"/>
               </a:schemeClr>
             </a:gs>
-            <a:gs pos="80000">
+            <a:gs pos="68000">
               <a:schemeClr val="phClr">
-                <a:shade val="93000"/>
-                <a:satMod val="130000"/>
+                <a:tint val="86000"/>
+                <a:satMod val="115000"/>
               </a:schemeClr>
             </a:gs>
             <a:gs pos="100000">
               <a:schemeClr val="phClr">
-                <a:shade val="94000"/>
-                <a:satMod val="135000"/>
+                <a:tint val="50000"/>
+                <a:satMod val="150000"/>
               </a:schemeClr>
             </a:gs>
           </a:gsLst>
-          <a:lin ang="16200000" scaled="0"/>
+          <a:path path="circle">
+            <a:fillToRect l="50000" t="130000" r="50000" b="-30000"/>
+          </a:path>
         </a:gradFill>
       </a:fillStyleLst>
       <a:lnStyleLst>
         <a:ln w="9525" cap="flat" cmpd="sng" algn="ctr">
           <a:solidFill>
             <a:schemeClr val="phClr">
-              <a:shade val="95000"/>
-              <a:satMod val="105000"/>
+              <a:shade val="50000"/>
+              <a:satMod val="103000"/>
             </a:schemeClr>
           </a:solidFill>
           <a:prstDash val="solid"/>
@@ -15313,40 +16385,46 @@
       <a:effectStyleLst>
         <a:effectStyle>
           <a:effectLst>
-            <a:outerShdw blurRad="40000" dist="20000" dir="5400000" rotWithShape="0">
-              <a:srgbClr val="000000">
-                <a:alpha val="38000"/>
-              </a:srgbClr>
+            <a:outerShdw blurRad="57150" dist="38100" dir="5400000" algn="ctr" rotWithShape="0">
+              <a:schemeClr val="phClr">
+                <a:shade val="9000"/>
+                <a:satMod val="105000"/>
+                <a:alpha val="48000"/>
+              </a:schemeClr>
             </a:outerShdw>
           </a:effectLst>
         </a:effectStyle>
         <a:effectStyle>
           <a:effectLst>
-            <a:outerShdw blurRad="40000" dist="23000" dir="5400000" rotWithShape="0">
-              <a:srgbClr val="000000">
-                <a:alpha val="35000"/>
-              </a:srgbClr>
+            <a:outerShdw blurRad="57150" dist="38100" dir="5400000" algn="ctr" rotWithShape="0">
+              <a:schemeClr val="phClr">
+                <a:shade val="9000"/>
+                <a:satMod val="105000"/>
+                <a:alpha val="48000"/>
+              </a:schemeClr>
             </a:outerShdw>
           </a:effectLst>
         </a:effectStyle>
         <a:effectStyle>
           <a:effectLst>
-            <a:outerShdw blurRad="40000" dist="23000" dir="5400000" rotWithShape="0">
-              <a:srgbClr val="000000">
-                <a:alpha val="35000"/>
-              </a:srgbClr>
+            <a:outerShdw blurRad="57150" dist="38100" dir="5400000" algn="ctr" rotWithShape="0">
+              <a:schemeClr val="phClr">
+                <a:shade val="9000"/>
+                <a:satMod val="105000"/>
+                <a:alpha val="48000"/>
+              </a:schemeClr>
             </a:outerShdw>
           </a:effectLst>
           <a:scene3d>
-            <a:camera prst="orthographicFront">
+            <a:camera prst="orthographicFront" fov="0">
               <a:rot lat="0" lon="0" rev="0"/>
             </a:camera>
-            <a:lightRig rig="threePt" dir="t">
-              <a:rot lat="0" lon="0" rev="1200000"/>
+            <a:lightRig rig="glow" dir="tl">
+              <a:rot lat="0" lon="0" rev="900000"/>
             </a:lightRig>
           </a:scene3d>
-          <a:sp3d>
-            <a:bevelT w="63500" h="25400"/>
+          <a:sp3d prstMaterial="powder">
+            <a:bevelT w="25400" h="38100"/>
           </a:sp3d>
         </a:effectStyle>
       </a:effectStyleLst>
@@ -15358,47 +16436,42 @@
           <a:gsLst>
             <a:gs pos="0">
               <a:schemeClr val="phClr">
-                <a:tint val="40000"/>
-                <a:satMod val="350000"/>
+                <a:tint val="80000"/>
+                <a:satMod val="400000"/>
               </a:schemeClr>
             </a:gs>
-            <a:gs pos="40000">
+            <a:gs pos="25000">
               <a:schemeClr val="phClr">
-                <a:tint val="45000"/>
-                <a:shade val="99000"/>
-                <a:satMod val="350000"/>
+                <a:tint val="83000"/>
+                <a:satMod val="320000"/>
               </a:schemeClr>
             </a:gs>
             <a:gs pos="100000">
               <a:schemeClr val="phClr">
-                <a:shade val="20000"/>
-                <a:satMod val="255000"/>
+                <a:shade val="15000"/>
+                <a:satMod val="320000"/>
               </a:schemeClr>
             </a:gs>
           </a:gsLst>
           <a:path path="circle">
-            <a:fillToRect l="50000" t="-80000" r="50000" b="180000"/>
+            <a:fillToRect l="10000" t="110000" r="10000" b="100000"/>
           </a:path>
         </a:gradFill>
-        <a:gradFill rotWithShape="1">
-          <a:gsLst>
-            <a:gs pos="0">
+        <a:blipFill>
+          <a:blip xmlns:r="http://schemas.openxmlformats.org/officeDocument/2006/relationships" r:embed="rId1">
+            <a:duotone>
               <a:schemeClr val="phClr">
-                <a:tint val="80000"/>
-                <a:satMod val="300000"/>
+                <a:shade val="90000"/>
+                <a:satMod val="150000"/>
               </a:schemeClr>
-            </a:gs>
-            <a:gs pos="100000">
               <a:schemeClr val="phClr">
-                <a:shade val="30000"/>
-                <a:satMod val="200000"/>
+                <a:tint val="88000"/>
+                <a:satMod val="150000"/>
               </a:schemeClr>
-            </a:gs>
-          </a:gsLst>
-          <a:path path="circle">
-            <a:fillToRect l="50000" t="50000" r="50000" b="50000"/>
-          </a:path>
-        </a:gradFill>
+            </a:duotone>
+          </a:blip>
+          <a:tile tx="0" ty="0" sx="65000" sy="65000" flip="none" algn="tl"/>
+        </a:blipFill>
       </a:bgFillStyleLst>
     </a:fmtScheme>
   </a:themeElements>

--- a/trunk/ kinect-virtual-world --username c.c.williams55@gmail.com/Report 1 Files/Angry Prims Preliminary Proposal.pptx
+++ b/trunk/ kinect-virtual-world --username c.c.williams55@gmail.com/Report 1 Files/Angry Prims Preliminary Proposal.pptx
@@ -115,7 +115,7 @@
   </p:defaultTextStyle>
   <p:extLst>
     <p:ext uri="{521415D9-36F7-43E2-AB2F-B90AF26B5E84}">
-      <p14:sectionLst xmlns:p14="http://schemas.microsoft.com/office/powerpoint/2010/main" xmlns="">
+      <p14:sectionLst xmlns="" xmlns:p14="http://schemas.microsoft.com/office/powerpoint/2010/main">
         <p14:section name="Default Section" id="{992832F5-EA01-48E5-B403-87E193F50680}">
           <p14:sldIdLst>
             <p14:sldId id="259"/>
@@ -2090,9 +2090,9 @@
   <dgm:cxnLst>
     <dgm:cxn modelId="{2583541F-F162-483D-B9B2-385C14B7D6E2}" type="presOf" srcId="{9898FE38-DE6C-46BA-8D32-D767674AD978}" destId="{5E71A06C-9747-4CAE-BA21-E9C2A4D6678D}" srcOrd="0" destOrd="1" presId="urn:microsoft.com/office/officeart/2005/8/layout/arrow2"/>
     <dgm:cxn modelId="{6686FD9E-DB1E-41A9-BB5F-188F3F8748F3}" type="presOf" srcId="{A39C9339-F7BC-4A9F-AF8A-3B9741B27413}" destId="{48F9B62B-8095-40B1-882D-7B164B0C8B69}" srcOrd="0" destOrd="1" presId="urn:microsoft.com/office/officeart/2005/8/layout/arrow2"/>
-    <dgm:cxn modelId="{39ECB7E7-30E3-4A3C-AAF0-553A3160CF23}" type="presOf" srcId="{455C831A-CCF5-4391-A2BE-9DF065D37587}" destId="{E220828C-C958-4FCF-B52F-02D7F5D17607}" srcOrd="0" destOrd="0" presId="urn:microsoft.com/office/officeart/2005/8/layout/arrow2"/>
     <dgm:cxn modelId="{277398F3-A9DD-4822-A4A0-9408AA94EB41}" srcId="{A75DE5EA-0E88-4A1C-B1EA-B4EE477D7AA1}" destId="{9898FE38-DE6C-46BA-8D32-D767674AD978}" srcOrd="0" destOrd="0" parTransId="{6500A968-9A0E-4ACA-91E4-A3C5FA03BCC8}" sibTransId="{15E99FBC-5B51-4114-8E0B-C26E50C78603}"/>
     <dgm:cxn modelId="{8C1AFE23-B091-4CE6-8284-0511812F213B}" srcId="{455C831A-CCF5-4391-A2BE-9DF065D37587}" destId="{1E3A074B-8EC3-4AC7-ADB8-C53A583CA2D1}" srcOrd="0" destOrd="0" parTransId="{C3E70DF8-D297-401F-A070-1295F4388B0B}" sibTransId="{13D421C7-F834-4141-85ED-0207D610A128}"/>
+    <dgm:cxn modelId="{39ECB7E7-30E3-4A3C-AAF0-553A3160CF23}" type="presOf" srcId="{455C831A-CCF5-4391-A2BE-9DF065D37587}" destId="{E220828C-C958-4FCF-B52F-02D7F5D17607}" srcOrd="0" destOrd="0" presId="urn:microsoft.com/office/officeart/2005/8/layout/arrow2"/>
     <dgm:cxn modelId="{FDF899A6-3BC3-4400-9E4F-5AFB1A844A3B}" type="presOf" srcId="{BAD6DE81-DE4F-40EF-8526-A8F127A4BE33}" destId="{DB2CD8C7-A5B3-49A1-81CC-0EEDDDF3DB4E}" srcOrd="0" destOrd="1" presId="urn:microsoft.com/office/officeart/2005/8/layout/arrow2"/>
     <dgm:cxn modelId="{BF777ED0-A485-405A-BFCD-E378EF965464}" srcId="{1E3A074B-8EC3-4AC7-ADB8-C53A583CA2D1}" destId="{A39C9339-F7BC-4A9F-AF8A-3B9741B27413}" srcOrd="0" destOrd="0" parTransId="{26699644-3B9B-4794-926C-D854282146D8}" sibTransId="{3E2FBE5E-2D29-4C39-97D1-424264F1308F}"/>
     <dgm:cxn modelId="{3C905DEF-E67D-4C40-B05D-4060669E3B98}" type="presOf" srcId="{A75DE5EA-0E88-4A1C-B1EA-B4EE477D7AA1}" destId="{5E71A06C-9747-4CAE-BA21-E9C2A4D6678D}" srcOrd="0" destOrd="0" presId="urn:microsoft.com/office/officeart/2005/8/layout/arrow2"/>
@@ -8922,7 +8922,7 @@
     </p:spTree>
     <p:extLst>
       <p:ext uri="{BB962C8B-B14F-4D97-AF65-F5344CB8AC3E}">
-        <p14:creationId xmlns:p14="http://schemas.microsoft.com/office/powerpoint/2010/main" xmlns="" val="650118158"/>
+        <p14:creationId xmlns="" xmlns:p14="http://schemas.microsoft.com/office/powerpoint/2010/main" val="650118158"/>
       </p:ext>
     </p:extLst>
   </p:cSld>
@@ -9945,7 +9945,7 @@
           <a:blip r:embed="rId2" cstate="email">
             <a:extLst>
               <a:ext uri="{28A0092B-C50C-407E-A947-70E740481C1C}">
-                <a14:useLocalDpi xmlns:a14="http://schemas.microsoft.com/office/drawing/2010/main" xmlns=""/>
+                <a14:useLocalDpi xmlns="" xmlns:a14="http://schemas.microsoft.com/office/drawing/2010/main"/>
               </a:ext>
             </a:extLst>
           </a:blip>
@@ -9975,7 +9975,7 @@
           <a:blip r:embed="rId3" cstate="email">
             <a:extLst>
               <a:ext uri="{28A0092B-C50C-407E-A947-70E740481C1C}">
-                <a14:useLocalDpi xmlns:a14="http://schemas.microsoft.com/office/drawing/2010/main" xmlns=""/>
+                <a14:useLocalDpi xmlns="" xmlns:a14="http://schemas.microsoft.com/office/drawing/2010/main"/>
               </a:ext>
             </a:extLst>
           </a:blip>
@@ -10014,7 +10014,7 @@
           <a:blip r:embed="rId4" cstate="email">
             <a:extLst>
               <a:ext uri="{28A0092B-C50C-407E-A947-70E740481C1C}">
-                <a14:useLocalDpi xmlns:a14="http://schemas.microsoft.com/office/drawing/2010/main" xmlns=""/>
+                <a14:useLocalDpi xmlns="" xmlns:a14="http://schemas.microsoft.com/office/drawing/2010/main"/>
               </a:ext>
             </a:extLst>
           </a:blip>
@@ -10053,7 +10053,7 @@
           <a:blip r:embed="rId5" cstate="email">
             <a:extLst>
               <a:ext uri="{28A0092B-C50C-407E-A947-70E740481C1C}">
-                <a14:useLocalDpi xmlns:a14="http://schemas.microsoft.com/office/drawing/2010/main" xmlns=""/>
+                <a14:useLocalDpi xmlns="" xmlns:a14="http://schemas.microsoft.com/office/drawing/2010/main"/>
               </a:ext>
             </a:extLst>
           </a:blip>
@@ -11316,7 +11316,7 @@
           <a:blip r:embed="rId3" cstate="email">
             <a:extLst>
               <a:ext uri="{28A0092B-C50C-407E-A947-70E740481C1C}">
-                <a14:useLocalDpi xmlns:a14="http://schemas.microsoft.com/office/drawing/2010/main" xmlns=""/>
+                <a14:useLocalDpi xmlns="" xmlns:a14="http://schemas.microsoft.com/office/drawing/2010/main"/>
               </a:ext>
             </a:extLst>
           </a:blip>
@@ -14439,20 +14439,12 @@
               <a:rPr lang="en-US" sz="5500" b="1" i="1" dirty="0" smtClean="0"/>
               <a:t> </a:t>
             </a:r>
-            <a:r>
-              <a:rPr lang="en-US" sz="5500" b="1" i="1" dirty="0" smtClean="0"/>
-              <a:t/>
-            </a:r>
             <a:br>
               <a:rPr lang="en-US" sz="5500" b="1" i="1" dirty="0" smtClean="0"/>
             </a:br>
             <a:r>
               <a:rPr lang="en-US" sz="5500" b="1" i="1" dirty="0" smtClean="0"/>
-              <a:t>Preliminary </a:t>
-            </a:r>
-            <a:r>
-              <a:rPr lang="en-US" sz="5500" b="1" i="1" dirty="0" smtClean="0"/>
-              <a:t>Proposal</a:t>
+              <a:t>Preliminary Proposal</a:t>
             </a:r>
             <a:endParaRPr lang="en-US" sz="5500" b="1" i="1" dirty="0"/>
           </a:p>
@@ -14490,24 +14482,15 @@
             <a:pPr algn="ctr"/>
             <a:r>
               <a:rPr lang="en-US" dirty="0" smtClean="0"/>
-              <a:t>Christian </a:t>
-            </a:r>
-            <a:r>
-              <a:rPr lang="en-US" dirty="0" smtClean="0"/>
-              <a:t>Williams</a:t>
+              <a:t>Christian Williams</a:t>
             </a:r>
           </a:p>
           <a:p>
             <a:pPr algn="ctr"/>
             <a:r>
               <a:rPr lang="en-US" dirty="0" smtClean="0"/>
-              <a:t>Francis </a:t>
+              <a:t>Francis Sabado</a:t>
             </a:r>
-            <a:r>
-              <a:rPr lang="en-US" dirty="0" smtClean="0"/>
-              <a:t>Sabado</a:t>
-            </a:r>
-            <a:endParaRPr lang="en-US" dirty="0" smtClean="0"/>
           </a:p>
           <a:p>
             <a:pPr algn="ctr"/>
@@ -14517,11 +14500,7 @@
             </a:r>
             <a:r>
               <a:rPr lang="en-US" dirty="0" err="1" smtClean="0"/>
-              <a:t>M</a:t>
-            </a:r>
-            <a:r>
-              <a:rPr lang="en-US" dirty="0" err="1" smtClean="0"/>
-              <a:t>ahmoud</a:t>
+              <a:t>Mahmoud</a:t>
             </a:r>
             <a:endParaRPr lang="en-US" dirty="0" smtClean="0"/>
           </a:p>
@@ -14533,25 +14512,15 @@
             <a:pPr algn="ctr"/>
             <a:r>
               <a:rPr lang="en-US" dirty="0" smtClean="0"/>
-              <a:t>University of </a:t>
+              <a:t>University of Arkansas</a:t>
             </a:r>
-            <a:r>
-              <a:rPr lang="en-US" dirty="0" smtClean="0"/>
-              <a:t>Arkansas</a:t>
-            </a:r>
-            <a:endParaRPr lang="en-US" dirty="0" smtClean="0"/>
           </a:p>
           <a:p>
             <a:pPr algn="ctr"/>
             <a:r>
               <a:rPr lang="en-US" dirty="0" smtClean="0"/>
-              <a:t>25 Oct </a:t>
+              <a:t>25 Oct 2011</a:t>
             </a:r>
-            <a:r>
-              <a:rPr lang="en-US" dirty="0" smtClean="0"/>
-              <a:t>2011</a:t>
-            </a:r>
-            <a:endParaRPr lang="en-US" dirty="0" smtClean="0"/>
           </a:p>
         </p:txBody>
       </p:sp>
@@ -14678,7 +14647,7 @@
           <a:blip r:embed="rId4" cstate="print">
             <a:extLst>
               <a:ext uri="{28A0092B-C50C-407E-A947-70E740481C1C}">
-                <a14:useLocalDpi xmlns:a14="http://schemas.microsoft.com/office/drawing/2010/main" xmlns="" val="0"/>
+                <a14:useLocalDpi xmlns="" xmlns:a14="http://schemas.microsoft.com/office/drawing/2010/main" val="0"/>
               </a:ext>
             </a:extLst>
           </a:blip>
@@ -14698,7 +14667,7 @@
           <a:noFill/>
           <a:extLst>
             <a:ext uri="{909E8E84-426E-40DD-AFC4-6F175D3DCCD1}">
-              <a14:hiddenFill xmlns:a14="http://schemas.microsoft.com/office/drawing/2010/main" xmlns="">
+              <a14:hiddenFill xmlns="" xmlns:a14="http://schemas.microsoft.com/office/drawing/2010/main">
                 <a:solidFill>
                   <a:srgbClr val="FFFFFF"/>
                 </a:solidFill>
@@ -14719,7 +14688,7 @@
           <a:blip r:embed="rId5" cstate="email">
             <a:extLst>
               <a:ext uri="{28A0092B-C50C-407E-A947-70E740481C1C}">
-                <a14:useLocalDpi xmlns:a14="http://schemas.microsoft.com/office/drawing/2010/main" xmlns="" val="0"/>
+                <a14:useLocalDpi xmlns="" xmlns:a14="http://schemas.microsoft.com/office/drawing/2010/main" val="0"/>
               </a:ext>
             </a:extLst>
           </a:blip>
@@ -14739,7 +14708,7 @@
           <a:noFill/>
           <a:extLst>
             <a:ext uri="{909E8E84-426E-40DD-AFC4-6F175D3DCCD1}">
-              <a14:hiddenFill xmlns:a14="http://schemas.microsoft.com/office/drawing/2010/main" xmlns="">
+              <a14:hiddenFill xmlns="" xmlns:a14="http://schemas.microsoft.com/office/drawing/2010/main">
                 <a:solidFill>
                   <a:srgbClr val="FFFFFF"/>
                 </a:solidFill>
@@ -14911,7 +14880,28 @@
             </a:pPr>
             <a:r>
               <a:rPr lang="en-US" dirty="0" smtClean="0"/>
-              <a:t>Need to develop the game sequence: Start, End, Restart</a:t>
+              <a:t>Need to develop the game sequence</a:t>
+            </a:r>
+            <a:r>
+              <a:rPr lang="en-US" smtClean="0"/>
+              <a:t>: </a:t>
+            </a:r>
+            <a:endParaRPr lang="en-US" smtClean="0"/>
+          </a:p>
+          <a:p>
+            <a:pPr lvl="2">
+              <a:lnSpc>
+                <a:spcPct val="150000"/>
+              </a:lnSpc>
+              <a:buNone/>
+            </a:pPr>
+            <a:r>
+              <a:rPr lang="en-US" dirty="0" smtClean="0"/>
+              <a:t>Start</a:t>
+            </a:r>
+            <a:r>
+              <a:rPr lang="en-US" dirty="0" smtClean="0"/>
+              <a:t>, End, Restart</a:t>
             </a:r>
             <a:endParaRPr lang="en-US" dirty="0"/>
           </a:p>
@@ -14968,7 +14958,7 @@
           <p:nvPr>
             <p:extLst>
               <p:ext uri="{D42A27DB-BD31-4B8C-83A1-F6EECF244321}">
-                <p14:modId xmlns:p14="http://schemas.microsoft.com/office/powerpoint/2010/main" xmlns="" val="1070010873"/>
+                <p14:modId xmlns="" xmlns:p14="http://schemas.microsoft.com/office/powerpoint/2010/main" val="1070010873"/>
               </p:ext>
             </p:extLst>
           </p:nvPr>
@@ -15631,7 +15621,7 @@
         <p:spPr>
           <a:xfrm>
             <a:off x="457200" y="1828800"/>
-            <a:ext cx="5562600" cy="4297363"/>
+            <a:ext cx="5257800" cy="4297363"/>
           </a:xfrm>
         </p:spPr>
         <p:txBody>
@@ -15680,7 +15670,28 @@
             </a:pPr>
             <a:r>
               <a:rPr lang="en-US" dirty="0" smtClean="0"/>
-              <a:t>Full Modeling game and source code then Full remake game and source code </a:t>
+              <a:t>Full Modeling game and source code </a:t>
+            </a:r>
+            <a:endParaRPr lang="en-US" dirty="0" smtClean="0"/>
+          </a:p>
+          <a:p>
+            <a:pPr>
+              <a:lnSpc>
+                <a:spcPct val="150000"/>
+              </a:lnSpc>
+              <a:buNone/>
+            </a:pPr>
+            <a:r>
+              <a:rPr lang="en-US" dirty="0" smtClean="0"/>
+              <a:t>	</a:t>
+            </a:r>
+            <a:r>
+              <a:rPr lang="en-US" dirty="0" smtClean="0"/>
+              <a:t>then </a:t>
+            </a:r>
+            <a:r>
+              <a:rPr lang="en-US" dirty="0" smtClean="0"/>
+              <a:t>Full remake game and source code </a:t>
             </a:r>
           </a:p>
           <a:p>
@@ -15731,7 +15742,7 @@
           <a:blip r:embed="rId5" cstate="print">
             <a:extLst>
               <a:ext uri="{28A0092B-C50C-407E-A947-70E740481C1C}">
-                <a14:useLocalDpi xmlns:a14="http://schemas.microsoft.com/office/drawing/2010/main" xmlns="" val="0"/>
+                <a14:useLocalDpi xmlns="" xmlns:a14="http://schemas.microsoft.com/office/drawing/2010/main" val="0"/>
               </a:ext>
             </a:extLst>
           </a:blip>
@@ -15751,7 +15762,7 @@
           <a:noFill/>
           <a:extLst>
             <a:ext uri="{909E8E84-426E-40DD-AFC4-6F175D3DCCD1}">
-              <a14:hiddenFill xmlns:a14="http://schemas.microsoft.com/office/drawing/2010/main" xmlns="">
+              <a14:hiddenFill xmlns="" xmlns:a14="http://schemas.microsoft.com/office/drawing/2010/main">
                 <a:solidFill>
                   <a:srgbClr val="FFFFFF"/>
                 </a:solidFill>
@@ -15844,7 +15855,7 @@
             </p:custDataLst>
             <p:extLst>
               <p:ext uri="{D42A27DB-BD31-4B8C-83A1-F6EECF244321}">
-                <p14:modId xmlns:p14="http://schemas.microsoft.com/office/powerpoint/2010/main" xmlns="" val="885836537"/>
+                <p14:modId xmlns="" xmlns:p14="http://schemas.microsoft.com/office/powerpoint/2010/main" val="885836537"/>
               </p:ext>
             </p:extLst>
           </p:nvPr>
@@ -16087,7 +16098,7 @@
     </p:spTree>
     <p:extLst>
       <p:ext uri="{BB962C8B-B14F-4D97-AF65-F5344CB8AC3E}">
-        <p14:creationId xmlns:p14="http://schemas.microsoft.com/office/powerpoint/2010/main" xmlns="" val="1933149179"/>
+        <p14:creationId xmlns="" xmlns:p14="http://schemas.microsoft.com/office/powerpoint/2010/main" val="1933149179"/>
       </p:ext>
     </p:extLst>
   </p:cSld>

--- a/trunk/ kinect-virtual-world --username c.c.williams55@gmail.com/Report 1 Files/Angry Prims Preliminary Proposal.pptx
+++ b/trunk/ kinect-virtual-world --username c.c.williams55@gmail.com/Report 1 Files/Angry Prims Preliminary Proposal.pptx
@@ -9,11 +9,11 @@
   </p:notesMasterIdLst>
   <p:sldIdLst>
     <p:sldId id="259" r:id="rId2"/>
-    <p:sldId id="261" r:id="rId3"/>
-    <p:sldId id="262" r:id="rId4"/>
-    <p:sldId id="264" r:id="rId5"/>
-    <p:sldId id="267" r:id="rId6"/>
-    <p:sldId id="268" r:id="rId7"/>
+    <p:sldId id="270" r:id="rId3"/>
+    <p:sldId id="261" r:id="rId4"/>
+    <p:sldId id="268" r:id="rId5"/>
+    <p:sldId id="262" r:id="rId6"/>
+    <p:sldId id="267" r:id="rId7"/>
     <p:sldId id="269" r:id="rId8"/>
   </p:sldIdLst>
   <p:sldSz cx="9144000" cy="6858000" type="screen4x3"/>
@@ -115,10 +115,11 @@
   </p:defaultTextStyle>
   <p:extLst>
     <p:ext uri="{521415D9-36F7-43E2-AB2F-B90AF26B5E84}">
-      <p14:sectionLst xmlns="" xmlns:p14="http://schemas.microsoft.com/office/powerpoint/2010/main">
+      <p14:sectionLst xmlns:p14="http://schemas.microsoft.com/office/powerpoint/2010/main">
         <p14:section name="Default Section" id="{992832F5-EA01-48E5-B403-87E193F50680}">
           <p14:sldIdLst>
             <p14:sldId id="259"/>
+            <p14:sldId id="270"/>
           </p14:sldIdLst>
         </p14:section>
         <p14:section name="Project Overview" id="{087866C3-7028-482C-8D34-6BF5363FBD75}">
@@ -128,18 +129,16 @@
         </p14:section>
         <p14:section name="Status Update" id="{521DEF98-8796-4632-831A-16252E9A6054}">
           <p14:sldIdLst>
+            <p14:sldId id="268"/>
             <p14:sldId id="262"/>
           </p14:sldIdLst>
         </p14:section>
         <p14:section name="Timeline" id="{CF24EBA6-C924-424D-AC31-A4B9992A87E0}">
-          <p14:sldIdLst>
-            <p14:sldId id="264"/>
-          </p14:sldIdLst>
+          <p14:sldIdLst/>
         </p14:section>
         <p14:section name="Next Steps and Action Items" id="{C24C98EC-938D-4034-8DB8-5E8DBF16E3CB}">
           <p14:sldIdLst>
             <p14:sldId id="267"/>
-            <p14:sldId id="268"/>
             <p14:sldId id="269"/>
           </p14:sldIdLst>
         </p14:section>
@@ -153,788 +152,6 @@
 </file>
 
 <file path=ppt/diagrams/colors1.xml><?xml version="1.0" encoding="utf-8"?>
-<dgm:colorsDef xmlns:dgm="http://schemas.openxmlformats.org/drawingml/2006/diagram" xmlns:a="http://schemas.openxmlformats.org/drawingml/2006/main" uniqueId="urn:microsoft.com/office/officeart/2005/8/colors/colorful3">
-  <dgm:title val=""/>
-  <dgm:desc val=""/>
-  <dgm:catLst>
-    <dgm:cat type="colorful" pri="10300"/>
-  </dgm:catLst>
-  <dgm:styleLbl name="node0">
-    <dgm:fillClrLst meth="repeat">
-      <a:schemeClr val="accent2"/>
-    </dgm:fillClrLst>
-    <dgm:linClrLst meth="repeat">
-      <a:schemeClr val="lt1"/>
-    </dgm:linClrLst>
-    <dgm:effectClrLst/>
-    <dgm:txLinClrLst/>
-    <dgm:txFillClrLst/>
-    <dgm:txEffectClrLst/>
-  </dgm:styleLbl>
-  <dgm:styleLbl name="node1">
-    <dgm:fillClrLst>
-      <a:schemeClr val="accent3"/>
-      <a:schemeClr val="accent4"/>
-    </dgm:fillClrLst>
-    <dgm:linClrLst meth="repeat">
-      <a:schemeClr val="lt1"/>
-    </dgm:linClrLst>
-    <dgm:effectClrLst/>
-    <dgm:txLinClrLst/>
-    <dgm:txFillClrLst/>
-    <dgm:txEffectClrLst/>
-  </dgm:styleLbl>
-  <dgm:styleLbl name="alignNode1">
-    <dgm:fillClrLst>
-      <a:schemeClr val="accent3"/>
-      <a:schemeClr val="accent4"/>
-    </dgm:fillClrLst>
-    <dgm:linClrLst>
-      <a:schemeClr val="accent3"/>
-      <a:schemeClr val="accent4"/>
-    </dgm:linClrLst>
-    <dgm:effectClrLst/>
-    <dgm:txLinClrLst/>
-    <dgm:txFillClrLst/>
-    <dgm:txEffectClrLst/>
-  </dgm:styleLbl>
-  <dgm:styleLbl name="lnNode1">
-    <dgm:fillClrLst>
-      <a:schemeClr val="accent3"/>
-      <a:schemeClr val="accent4"/>
-    </dgm:fillClrLst>
-    <dgm:linClrLst meth="repeat">
-      <a:schemeClr val="lt1"/>
-    </dgm:linClrLst>
-    <dgm:effectClrLst/>
-    <dgm:txLinClrLst/>
-    <dgm:txFillClrLst/>
-    <dgm:txEffectClrLst/>
-  </dgm:styleLbl>
-  <dgm:styleLbl name="vennNode1">
-    <dgm:fillClrLst>
-      <a:schemeClr val="accent3">
-        <a:alpha val="50000"/>
-      </a:schemeClr>
-      <a:schemeClr val="accent4">
-        <a:alpha val="50000"/>
-      </a:schemeClr>
-    </dgm:fillClrLst>
-    <dgm:linClrLst meth="repeat">
-      <a:schemeClr val="lt1"/>
-    </dgm:linClrLst>
-    <dgm:effectClrLst/>
-    <dgm:txLinClrLst/>
-    <dgm:txFillClrLst/>
-    <dgm:txEffectClrLst/>
-  </dgm:styleLbl>
-  <dgm:styleLbl name="node2">
-    <dgm:fillClrLst>
-      <a:schemeClr val="accent4"/>
-    </dgm:fillClrLst>
-    <dgm:linClrLst meth="repeat">
-      <a:schemeClr val="lt1"/>
-    </dgm:linClrLst>
-    <dgm:effectClrLst/>
-    <dgm:txLinClrLst/>
-    <dgm:txFillClrLst/>
-    <dgm:txEffectClrLst/>
-  </dgm:styleLbl>
-  <dgm:styleLbl name="node3">
-    <dgm:fillClrLst>
-      <a:schemeClr val="accent5"/>
-    </dgm:fillClrLst>
-    <dgm:linClrLst meth="repeat">
-      <a:schemeClr val="lt1"/>
-    </dgm:linClrLst>
-    <dgm:effectClrLst/>
-    <dgm:txLinClrLst/>
-    <dgm:txFillClrLst/>
-    <dgm:txEffectClrLst/>
-  </dgm:styleLbl>
-  <dgm:styleLbl name="node4">
-    <dgm:fillClrLst>
-      <a:schemeClr val="accent6"/>
-    </dgm:fillClrLst>
-    <dgm:linClrLst meth="repeat">
-      <a:schemeClr val="lt1"/>
-    </dgm:linClrLst>
-    <dgm:effectClrLst/>
-    <dgm:txLinClrLst/>
-    <dgm:txFillClrLst/>
-    <dgm:txEffectClrLst/>
-  </dgm:styleLbl>
-  <dgm:styleLbl name="fgImgPlace1">
-    <dgm:fillClrLst>
-      <a:schemeClr val="accent3">
-        <a:tint val="50000"/>
-      </a:schemeClr>
-      <a:schemeClr val="accent4">
-        <a:tint val="50000"/>
-      </a:schemeClr>
-    </dgm:fillClrLst>
-    <dgm:linClrLst meth="repeat">
-      <a:schemeClr val="lt1"/>
-    </dgm:linClrLst>
-    <dgm:effectClrLst/>
-    <dgm:txLinClrLst/>
-    <dgm:txFillClrLst meth="repeat">
-      <a:schemeClr val="lt1"/>
-    </dgm:txFillClrLst>
-    <dgm:txEffectClrLst/>
-  </dgm:styleLbl>
-  <dgm:styleLbl name="alignImgPlace1">
-    <dgm:fillClrLst>
-      <a:schemeClr val="accent3">
-        <a:tint val="50000"/>
-      </a:schemeClr>
-      <a:schemeClr val="accent4">
-        <a:tint val="20000"/>
-      </a:schemeClr>
-    </dgm:fillClrLst>
-    <dgm:linClrLst meth="repeat">
-      <a:schemeClr val="lt1"/>
-    </dgm:linClrLst>
-    <dgm:effectClrLst/>
-    <dgm:txLinClrLst/>
-    <dgm:txFillClrLst meth="repeat">
-      <a:schemeClr val="lt1"/>
-    </dgm:txFillClrLst>
-    <dgm:txEffectClrLst/>
-  </dgm:styleLbl>
-  <dgm:styleLbl name="bgImgPlace1">
-    <dgm:fillClrLst>
-      <a:schemeClr val="accent3">
-        <a:tint val="50000"/>
-      </a:schemeClr>
-      <a:schemeClr val="accent4">
-        <a:tint val="20000"/>
-      </a:schemeClr>
-    </dgm:fillClrLst>
-    <dgm:linClrLst meth="repeat">
-      <a:schemeClr val="lt1"/>
-    </dgm:linClrLst>
-    <dgm:effectClrLst/>
-    <dgm:txLinClrLst/>
-    <dgm:txFillClrLst meth="repeat">
-      <a:schemeClr val="lt1"/>
-    </dgm:txFillClrLst>
-    <dgm:txEffectClrLst/>
-  </dgm:styleLbl>
-  <dgm:styleLbl name="sibTrans2D1">
-    <dgm:fillClrLst>
-      <a:schemeClr val="accent3"/>
-      <a:schemeClr val="accent4"/>
-    </dgm:fillClrLst>
-    <dgm:linClrLst meth="repeat">
-      <a:schemeClr val="lt1"/>
-    </dgm:linClrLst>
-    <dgm:effectClrLst/>
-    <dgm:txLinClrLst/>
-    <dgm:txFillClrLst/>
-    <dgm:txEffectClrLst/>
-  </dgm:styleLbl>
-  <dgm:styleLbl name="fgSibTrans2D1">
-    <dgm:fillClrLst>
-      <a:schemeClr val="accent3"/>
-      <a:schemeClr val="accent4"/>
-    </dgm:fillClrLst>
-    <dgm:linClrLst meth="repeat">
-      <a:schemeClr val="lt1"/>
-    </dgm:linClrLst>
-    <dgm:effectClrLst/>
-    <dgm:txLinClrLst/>
-    <dgm:txFillClrLst meth="repeat">
-      <a:schemeClr val="lt1"/>
-    </dgm:txFillClrLst>
-    <dgm:txEffectClrLst/>
-  </dgm:styleLbl>
-  <dgm:styleLbl name="bgSibTrans2D1">
-    <dgm:fillClrLst>
-      <a:schemeClr val="accent3"/>
-      <a:schemeClr val="accent4"/>
-    </dgm:fillClrLst>
-    <dgm:linClrLst meth="repeat">
-      <a:schemeClr val="lt1"/>
-    </dgm:linClrLst>
-    <dgm:effectClrLst/>
-    <dgm:txLinClrLst/>
-    <dgm:txFillClrLst meth="repeat">
-      <a:schemeClr val="lt1"/>
-    </dgm:txFillClrLst>
-    <dgm:txEffectClrLst/>
-  </dgm:styleLbl>
-  <dgm:styleLbl name="sibTrans1D1">
-    <dgm:fillClrLst/>
-    <dgm:linClrLst>
-      <a:schemeClr val="accent3"/>
-      <a:schemeClr val="accent4"/>
-    </dgm:linClrLst>
-    <dgm:effectClrLst/>
-    <dgm:txLinClrLst/>
-    <dgm:txFillClrLst meth="repeat">
-      <a:schemeClr val="tx1"/>
-    </dgm:txFillClrLst>
-    <dgm:txEffectClrLst/>
-  </dgm:styleLbl>
-  <dgm:styleLbl name="callout">
-    <dgm:fillClrLst meth="repeat">
-      <a:schemeClr val="accent3"/>
-    </dgm:fillClrLst>
-    <dgm:linClrLst meth="repeat">
-      <a:schemeClr val="accent3">
-        <a:tint val="50000"/>
-      </a:schemeClr>
-    </dgm:linClrLst>
-    <dgm:effectClrLst/>
-    <dgm:txLinClrLst/>
-    <dgm:txFillClrLst meth="repeat">
-      <a:schemeClr val="tx1"/>
-    </dgm:txFillClrLst>
-    <dgm:txEffectClrLst/>
-  </dgm:styleLbl>
-  <dgm:styleLbl name="asst0">
-    <dgm:fillClrLst meth="repeat">
-      <a:schemeClr val="accent3"/>
-    </dgm:fillClrLst>
-    <dgm:linClrLst meth="repeat">
-      <a:schemeClr val="lt1">
-        <a:shade val="80000"/>
-      </a:schemeClr>
-    </dgm:linClrLst>
-    <dgm:effectClrLst/>
-    <dgm:txLinClrLst/>
-    <dgm:txFillClrLst/>
-    <dgm:txEffectClrLst/>
-  </dgm:styleLbl>
-  <dgm:styleLbl name="asst1">
-    <dgm:fillClrLst meth="repeat">
-      <a:schemeClr val="accent4"/>
-    </dgm:fillClrLst>
-    <dgm:linClrLst meth="repeat">
-      <a:schemeClr val="lt1">
-        <a:shade val="80000"/>
-      </a:schemeClr>
-    </dgm:linClrLst>
-    <dgm:effectClrLst/>
-    <dgm:txLinClrLst/>
-    <dgm:txFillClrLst/>
-    <dgm:txEffectClrLst/>
-  </dgm:styleLbl>
-  <dgm:styleLbl name="asst2">
-    <dgm:fillClrLst>
-      <a:schemeClr val="accent5"/>
-    </dgm:fillClrLst>
-    <dgm:linClrLst meth="repeat">
-      <a:schemeClr val="lt1"/>
-    </dgm:linClrLst>
-    <dgm:effectClrLst/>
-    <dgm:txLinClrLst/>
-    <dgm:txFillClrLst/>
-    <dgm:txEffectClrLst/>
-  </dgm:styleLbl>
-  <dgm:styleLbl name="asst3">
-    <dgm:fillClrLst>
-      <a:schemeClr val="accent6"/>
-    </dgm:fillClrLst>
-    <dgm:linClrLst meth="repeat">
-      <a:schemeClr val="lt1"/>
-    </dgm:linClrLst>
-    <dgm:effectClrLst/>
-    <dgm:txLinClrLst/>
-    <dgm:txFillClrLst/>
-    <dgm:txEffectClrLst/>
-  </dgm:styleLbl>
-  <dgm:styleLbl name="asst4">
-    <dgm:fillClrLst>
-      <a:schemeClr val="accent1"/>
-    </dgm:fillClrLst>
-    <dgm:linClrLst meth="repeat">
-      <a:schemeClr val="lt1"/>
-    </dgm:linClrLst>
-    <dgm:effectClrLst/>
-    <dgm:txLinClrLst/>
-    <dgm:txFillClrLst/>
-    <dgm:txEffectClrLst/>
-  </dgm:styleLbl>
-  <dgm:styleLbl name="parChTrans2D1">
-    <dgm:fillClrLst meth="repeat">
-      <a:schemeClr val="accent2"/>
-    </dgm:fillClrLst>
-    <dgm:linClrLst meth="repeat">
-      <a:schemeClr val="lt1"/>
-    </dgm:linClrLst>
-    <dgm:effectClrLst/>
-    <dgm:txLinClrLst/>
-    <dgm:txFillClrLst meth="repeat">
-      <a:schemeClr val="lt1"/>
-    </dgm:txFillClrLst>
-    <dgm:txEffectClrLst/>
-  </dgm:styleLbl>
-  <dgm:styleLbl name="parChTrans2D2">
-    <dgm:fillClrLst meth="repeat">
-      <a:schemeClr val="accent3"/>
-    </dgm:fillClrLst>
-    <dgm:linClrLst meth="repeat">
-      <a:schemeClr val="lt1"/>
-    </dgm:linClrLst>
-    <dgm:effectClrLst/>
-    <dgm:txLinClrLst/>
-    <dgm:txFillClrLst/>
-    <dgm:txEffectClrLst/>
-  </dgm:styleLbl>
-  <dgm:styleLbl name="parChTrans2D3">
-    <dgm:fillClrLst meth="repeat">
-      <a:schemeClr val="accent4"/>
-    </dgm:fillClrLst>
-    <dgm:linClrLst meth="repeat">
-      <a:schemeClr val="lt1"/>
-    </dgm:linClrLst>
-    <dgm:effectClrLst/>
-    <dgm:txLinClrLst/>
-    <dgm:txFillClrLst/>
-    <dgm:txEffectClrLst/>
-  </dgm:styleLbl>
-  <dgm:styleLbl name="parChTrans2D4">
-    <dgm:fillClrLst meth="repeat">
-      <a:schemeClr val="accent5"/>
-    </dgm:fillClrLst>
-    <dgm:linClrLst meth="repeat">
-      <a:schemeClr val="lt1"/>
-    </dgm:linClrLst>
-    <dgm:effectClrLst/>
-    <dgm:txLinClrLst/>
-    <dgm:txFillClrLst meth="repeat">
-      <a:schemeClr val="lt1"/>
-    </dgm:txFillClrLst>
-    <dgm:txEffectClrLst/>
-  </dgm:styleLbl>
-  <dgm:styleLbl name="parChTrans1D1">
-    <dgm:fillClrLst meth="repeat">
-      <a:schemeClr val="accent3"/>
-    </dgm:fillClrLst>
-    <dgm:linClrLst meth="repeat">
-      <a:schemeClr val="accent3"/>
-    </dgm:linClrLst>
-    <dgm:effectClrLst/>
-    <dgm:txLinClrLst/>
-    <dgm:txFillClrLst meth="repeat">
-      <a:schemeClr val="tx1"/>
-    </dgm:txFillClrLst>
-    <dgm:txEffectClrLst/>
-  </dgm:styleLbl>
-  <dgm:styleLbl name="parChTrans1D2">
-    <dgm:fillClrLst meth="repeat">
-      <a:schemeClr val="accent2">
-        <a:tint val="90000"/>
-      </a:schemeClr>
-    </dgm:fillClrLst>
-    <dgm:linClrLst meth="repeat">
-      <a:schemeClr val="accent4"/>
-    </dgm:linClrLst>
-    <dgm:effectClrLst/>
-    <dgm:txLinClrLst/>
-    <dgm:txFillClrLst meth="repeat">
-      <a:schemeClr val="tx1"/>
-    </dgm:txFillClrLst>
-    <dgm:txEffectClrLst/>
-  </dgm:styleLbl>
-  <dgm:styleLbl name="parChTrans1D3">
-    <dgm:fillClrLst meth="repeat">
-      <a:schemeClr val="accent2">
-        <a:tint val="70000"/>
-      </a:schemeClr>
-    </dgm:fillClrLst>
-    <dgm:linClrLst meth="repeat">
-      <a:schemeClr val="accent5"/>
-    </dgm:linClrLst>
-    <dgm:effectClrLst/>
-    <dgm:txLinClrLst/>
-    <dgm:txFillClrLst meth="repeat">
-      <a:schemeClr val="tx1"/>
-    </dgm:txFillClrLst>
-    <dgm:txEffectClrLst/>
-  </dgm:styleLbl>
-  <dgm:styleLbl name="parChTrans1D4">
-    <dgm:fillClrLst meth="repeat">
-      <a:schemeClr val="accent6">
-        <a:tint val="50000"/>
-      </a:schemeClr>
-    </dgm:fillClrLst>
-    <dgm:linClrLst meth="repeat">
-      <a:schemeClr val="accent6"/>
-    </dgm:linClrLst>
-    <dgm:effectClrLst/>
-    <dgm:txLinClrLst/>
-    <dgm:txFillClrLst meth="repeat">
-      <a:schemeClr val="tx1"/>
-    </dgm:txFillClrLst>
-    <dgm:txEffectClrLst/>
-  </dgm:styleLbl>
-  <dgm:styleLbl name="fgAcc1">
-    <dgm:fillClrLst meth="repeat">
-      <a:schemeClr val="lt1">
-        <a:alpha val="90000"/>
-      </a:schemeClr>
-    </dgm:fillClrLst>
-    <dgm:linClrLst>
-      <a:schemeClr val="accent3"/>
-      <a:schemeClr val="accent4"/>
-    </dgm:linClrLst>
-    <dgm:effectClrLst/>
-    <dgm:txLinClrLst/>
-    <dgm:txFillClrLst meth="repeat">
-      <a:schemeClr val="dk1"/>
-    </dgm:txFillClrLst>
-    <dgm:txEffectClrLst/>
-  </dgm:styleLbl>
-  <dgm:styleLbl name="conFgAcc1">
-    <dgm:fillClrLst meth="repeat">
-      <a:schemeClr val="lt1">
-        <a:alpha val="90000"/>
-      </a:schemeClr>
-    </dgm:fillClrLst>
-    <dgm:linClrLst>
-      <a:schemeClr val="accent3"/>
-      <a:schemeClr val="accent4"/>
-    </dgm:linClrLst>
-    <dgm:effectClrLst/>
-    <dgm:txLinClrLst/>
-    <dgm:txFillClrLst meth="repeat">
-      <a:schemeClr val="dk1"/>
-    </dgm:txFillClrLst>
-    <dgm:txEffectClrLst/>
-  </dgm:styleLbl>
-  <dgm:styleLbl name="alignAcc1">
-    <dgm:fillClrLst meth="repeat">
-      <a:schemeClr val="lt1">
-        <a:alpha val="90000"/>
-      </a:schemeClr>
-    </dgm:fillClrLst>
-    <dgm:linClrLst>
-      <a:schemeClr val="accent3"/>
-      <a:schemeClr val="accent4"/>
-    </dgm:linClrLst>
-    <dgm:effectClrLst/>
-    <dgm:txLinClrLst/>
-    <dgm:txFillClrLst meth="repeat">
-      <a:schemeClr val="dk1"/>
-    </dgm:txFillClrLst>
-    <dgm:txEffectClrLst/>
-  </dgm:styleLbl>
-  <dgm:styleLbl name="trAlignAcc1">
-    <dgm:fillClrLst meth="repeat">
-      <a:schemeClr val="lt1">
-        <a:alpha val="40000"/>
-      </a:schemeClr>
-    </dgm:fillClrLst>
-    <dgm:linClrLst meth="repeat">
-      <a:schemeClr val="accent2"/>
-    </dgm:linClrLst>
-    <dgm:effectClrLst/>
-    <dgm:txLinClrLst/>
-    <dgm:txFillClrLst meth="repeat">
-      <a:schemeClr val="dk1"/>
-    </dgm:txFillClrLst>
-    <dgm:txEffectClrLst/>
-  </dgm:styleLbl>
-  <dgm:styleLbl name="bgAcc1">
-    <dgm:fillClrLst meth="repeat">
-      <a:schemeClr val="lt1">
-        <a:alpha val="90000"/>
-      </a:schemeClr>
-    </dgm:fillClrLst>
-    <dgm:linClrLst>
-      <a:schemeClr val="accent3"/>
-      <a:schemeClr val="accent4"/>
-    </dgm:linClrLst>
-    <dgm:effectClrLst/>
-    <dgm:txLinClrLst/>
-    <dgm:txFillClrLst meth="repeat">
-      <a:schemeClr val="dk1"/>
-    </dgm:txFillClrLst>
-    <dgm:txEffectClrLst/>
-  </dgm:styleLbl>
-  <dgm:styleLbl name="solidFgAcc1">
-    <dgm:fillClrLst meth="repeat">
-      <a:schemeClr val="lt1"/>
-    </dgm:fillClrLst>
-    <dgm:linClrLst>
-      <a:schemeClr val="accent3"/>
-      <a:schemeClr val="accent4"/>
-    </dgm:linClrLst>
-    <dgm:effectClrLst/>
-    <dgm:txLinClrLst/>
-    <dgm:txFillClrLst meth="repeat">
-      <a:schemeClr val="dk1"/>
-    </dgm:txFillClrLst>
-    <dgm:txEffectClrLst/>
-  </dgm:styleLbl>
-  <dgm:styleLbl name="solidAlignAcc1">
-    <dgm:fillClrLst meth="repeat">
-      <a:schemeClr val="lt1"/>
-    </dgm:fillClrLst>
-    <dgm:linClrLst>
-      <a:schemeClr val="accent3"/>
-      <a:schemeClr val="accent4"/>
-    </dgm:linClrLst>
-    <dgm:effectClrLst/>
-    <dgm:txLinClrLst/>
-    <dgm:txFillClrLst meth="repeat">
-      <a:schemeClr val="dk1"/>
-    </dgm:txFillClrLst>
-    <dgm:txEffectClrLst/>
-  </dgm:styleLbl>
-  <dgm:styleLbl name="solidBgAcc1">
-    <dgm:fillClrLst meth="repeat">
-      <a:schemeClr val="lt1"/>
-    </dgm:fillClrLst>
-    <dgm:linClrLst>
-      <a:schemeClr val="accent3"/>
-      <a:schemeClr val="accent4"/>
-    </dgm:linClrLst>
-    <dgm:effectClrLst/>
-    <dgm:txLinClrLst/>
-    <dgm:txFillClrLst meth="repeat">
-      <a:schemeClr val="dk1"/>
-    </dgm:txFillClrLst>
-    <dgm:txEffectClrLst/>
-  </dgm:styleLbl>
-  <dgm:styleLbl name="fgAccFollowNode1">
-    <dgm:fillClrLst>
-      <a:schemeClr val="accent3">
-        <a:tint val="40000"/>
-        <a:alpha val="90000"/>
-      </a:schemeClr>
-      <a:schemeClr val="accent4">
-        <a:tint val="40000"/>
-        <a:alpha val="90000"/>
-      </a:schemeClr>
-    </dgm:fillClrLst>
-    <dgm:linClrLst>
-      <a:schemeClr val="accent3">
-        <a:tint val="40000"/>
-        <a:alpha val="90000"/>
-      </a:schemeClr>
-      <a:schemeClr val="accent4">
-        <a:tint val="40000"/>
-        <a:alpha val="90000"/>
-      </a:schemeClr>
-    </dgm:linClrLst>
-    <dgm:effectClrLst/>
-    <dgm:txLinClrLst/>
-    <dgm:txFillClrLst meth="repeat">
-      <a:schemeClr val="dk1"/>
-    </dgm:txFillClrLst>
-    <dgm:txEffectClrLst/>
-  </dgm:styleLbl>
-  <dgm:styleLbl name="alignAccFollowNode1">
-    <dgm:fillClrLst>
-      <a:schemeClr val="accent3">
-        <a:tint val="40000"/>
-        <a:alpha val="90000"/>
-      </a:schemeClr>
-      <a:schemeClr val="accent4">
-        <a:tint val="40000"/>
-        <a:alpha val="90000"/>
-      </a:schemeClr>
-    </dgm:fillClrLst>
-    <dgm:linClrLst>
-      <a:schemeClr val="accent3">
-        <a:tint val="40000"/>
-        <a:alpha val="90000"/>
-      </a:schemeClr>
-      <a:schemeClr val="accent4">
-        <a:tint val="40000"/>
-        <a:alpha val="90000"/>
-      </a:schemeClr>
-    </dgm:linClrLst>
-    <dgm:effectClrLst/>
-    <dgm:txLinClrLst/>
-    <dgm:txFillClrLst meth="repeat">
-      <a:schemeClr val="dk1"/>
-    </dgm:txFillClrLst>
-    <dgm:txEffectClrLst/>
-  </dgm:styleLbl>
-  <dgm:styleLbl name="bgAccFollowNode1">
-    <dgm:fillClrLst>
-      <a:schemeClr val="accent3">
-        <a:tint val="40000"/>
-        <a:alpha val="90000"/>
-      </a:schemeClr>
-      <a:schemeClr val="accent4">
-        <a:tint val="40000"/>
-        <a:alpha val="90000"/>
-      </a:schemeClr>
-    </dgm:fillClrLst>
-    <dgm:linClrLst>
-      <a:schemeClr val="accent3">
-        <a:tint val="40000"/>
-        <a:alpha val="90000"/>
-      </a:schemeClr>
-      <a:schemeClr val="accent4">
-        <a:tint val="40000"/>
-        <a:alpha val="90000"/>
-      </a:schemeClr>
-    </dgm:linClrLst>
-    <dgm:effectClrLst/>
-    <dgm:txLinClrLst/>
-    <dgm:txFillClrLst meth="repeat">
-      <a:schemeClr val="dk1"/>
-    </dgm:txFillClrLst>
-    <dgm:txEffectClrLst/>
-  </dgm:styleLbl>
-  <dgm:styleLbl name="fgAcc0">
-    <dgm:fillClrLst meth="repeat">
-      <a:schemeClr val="lt1">
-        <a:alpha val="90000"/>
-      </a:schemeClr>
-    </dgm:fillClrLst>
-    <dgm:linClrLst>
-      <a:schemeClr val="accent2"/>
-    </dgm:linClrLst>
-    <dgm:effectClrLst/>
-    <dgm:txLinClrLst/>
-    <dgm:txFillClrLst meth="repeat">
-      <a:schemeClr val="dk1"/>
-    </dgm:txFillClrLst>
-    <dgm:txEffectClrLst/>
-  </dgm:styleLbl>
-  <dgm:styleLbl name="fgAcc2">
-    <dgm:fillClrLst meth="repeat">
-      <a:schemeClr val="lt1">
-        <a:alpha val="90000"/>
-      </a:schemeClr>
-    </dgm:fillClrLst>
-    <dgm:linClrLst>
-      <a:schemeClr val="accent4"/>
-    </dgm:linClrLst>
-    <dgm:effectClrLst/>
-    <dgm:txLinClrLst/>
-    <dgm:txFillClrLst meth="repeat">
-      <a:schemeClr val="dk1"/>
-    </dgm:txFillClrLst>
-    <dgm:txEffectClrLst/>
-  </dgm:styleLbl>
-  <dgm:styleLbl name="fgAcc3">
-    <dgm:fillClrLst meth="repeat">
-      <a:schemeClr val="lt1">
-        <a:alpha val="90000"/>
-      </a:schemeClr>
-    </dgm:fillClrLst>
-    <dgm:linClrLst>
-      <a:schemeClr val="accent5"/>
-    </dgm:linClrLst>
-    <dgm:effectClrLst/>
-    <dgm:txLinClrLst/>
-    <dgm:txFillClrLst meth="repeat">
-      <a:schemeClr val="dk1"/>
-    </dgm:txFillClrLst>
-    <dgm:txEffectClrLst/>
-  </dgm:styleLbl>
-  <dgm:styleLbl name="fgAcc4">
-    <dgm:fillClrLst meth="repeat">
-      <a:schemeClr val="lt1">
-        <a:alpha val="90000"/>
-      </a:schemeClr>
-    </dgm:fillClrLst>
-    <dgm:linClrLst>
-      <a:schemeClr val="accent6"/>
-    </dgm:linClrLst>
-    <dgm:effectClrLst/>
-    <dgm:txLinClrLst/>
-    <dgm:txFillClrLst meth="repeat">
-      <a:schemeClr val="dk1"/>
-    </dgm:txFillClrLst>
-    <dgm:txEffectClrLst/>
-  </dgm:styleLbl>
-  <dgm:styleLbl name="bgShp">
-    <dgm:fillClrLst meth="repeat">
-      <a:schemeClr val="accent3">
-        <a:tint val="40000"/>
-      </a:schemeClr>
-    </dgm:fillClrLst>
-    <dgm:linClrLst meth="repeat">
-      <a:schemeClr val="dk1"/>
-    </dgm:linClrLst>
-    <dgm:effectClrLst/>
-    <dgm:txLinClrLst/>
-    <dgm:txFillClrLst meth="repeat">
-      <a:schemeClr val="dk1"/>
-    </dgm:txFillClrLst>
-    <dgm:txEffectClrLst/>
-  </dgm:styleLbl>
-  <dgm:styleLbl name="dkBgShp">
-    <dgm:fillClrLst meth="repeat">
-      <a:schemeClr val="accent3">
-        <a:shade val="90000"/>
-      </a:schemeClr>
-    </dgm:fillClrLst>
-    <dgm:linClrLst meth="repeat">
-      <a:schemeClr val="dk1"/>
-    </dgm:linClrLst>
-    <dgm:effectClrLst/>
-    <dgm:txLinClrLst/>
-    <dgm:txFillClrLst meth="repeat">
-      <a:schemeClr val="lt1"/>
-    </dgm:txFillClrLst>
-    <dgm:txEffectClrLst/>
-  </dgm:styleLbl>
-  <dgm:styleLbl name="trBgShp">
-    <dgm:fillClrLst meth="repeat">
-      <a:schemeClr val="accent2">
-        <a:tint val="50000"/>
-        <a:alpha val="40000"/>
-      </a:schemeClr>
-    </dgm:fillClrLst>
-    <dgm:linClrLst meth="repeat">
-      <a:schemeClr val="accent3"/>
-    </dgm:linClrLst>
-    <dgm:effectClrLst/>
-    <dgm:txLinClrLst/>
-    <dgm:txFillClrLst meth="repeat">
-      <a:schemeClr val="lt1"/>
-    </dgm:txFillClrLst>
-    <dgm:txEffectClrLst/>
-  </dgm:styleLbl>
-  <dgm:styleLbl name="fgShp">
-    <dgm:fillClrLst meth="repeat">
-      <a:schemeClr val="accent3">
-        <a:tint val="40000"/>
-      </a:schemeClr>
-    </dgm:fillClrLst>
-    <dgm:linClrLst meth="repeat">
-      <a:schemeClr val="lt1"/>
-    </dgm:linClrLst>
-    <dgm:effectClrLst/>
-    <dgm:txLinClrLst/>
-    <dgm:txFillClrLst meth="repeat">
-      <a:schemeClr val="dk1"/>
-    </dgm:txFillClrLst>
-    <dgm:txEffectClrLst/>
-  </dgm:styleLbl>
-  <dgm:styleLbl name="revTx">
-    <dgm:fillClrLst meth="repeat">
-      <a:schemeClr val="lt1">
-        <a:alpha val="0"/>
-      </a:schemeClr>
-    </dgm:fillClrLst>
-    <dgm:linClrLst meth="repeat">
-      <a:schemeClr val="dk1">
-        <a:alpha val="0"/>
-      </a:schemeClr>
-    </dgm:linClrLst>
-    <dgm:effectClrLst/>
-    <dgm:txLinClrLst/>
-    <dgm:txFillClrLst meth="repeat">
-      <a:schemeClr val="tx1"/>
-    </dgm:txFillClrLst>
-    <dgm:txEffectClrLst/>
-  </dgm:styleLbl>
-</dgm:colorsDef>
-</file>
-
-<file path=ppt/diagrams/colors2.xml><?xml version="1.0" encoding="utf-8"?>
 <dgm:colorsDef xmlns:dgm="http://schemas.openxmlformats.org/drawingml/2006/diagram" xmlns:a="http://schemas.openxmlformats.org/drawingml/2006/main" uniqueId="urn:microsoft.com/office/officeart/2005/8/colors/accent0_3">
   <dgm:title val=""/>
   <dgm:desc val=""/>
@@ -1688,447 +905,6 @@
 <file path=ppt/diagrams/data1.xml><?xml version="1.0" encoding="utf-8"?>
 <dgm:dataModel xmlns:dgm="http://schemas.openxmlformats.org/drawingml/2006/diagram" xmlns:a="http://schemas.openxmlformats.org/drawingml/2006/main">
   <dgm:ptLst>
-    <dgm:pt modelId="{455C831A-CCF5-4391-A2BE-9DF065D37587}" type="doc">
-      <dgm:prSet loTypeId="urn:microsoft.com/office/officeart/2005/8/layout/arrow2" loCatId="process" qsTypeId="urn:microsoft.com/office/officeart/2005/8/quickstyle/3d5" qsCatId="3D" csTypeId="urn:microsoft.com/office/officeart/2005/8/colors/colorful3" csCatId="colorful" phldr="1"/>
-      <dgm:spPr/>
-    </dgm:pt>
-    <dgm:pt modelId="{1E3A074B-8EC3-4AC7-ADB8-C53A583CA2D1}">
-      <dgm:prSet phldrT="[Text]" custT="1"/>
-      <dgm:spPr/>
-      <dgm:t>
-        <a:bodyPr/>
-        <a:lstStyle/>
-        <a:p>
-          <a:r>
-            <a:rPr lang="en-US" sz="2000" dirty="0" smtClean="0"/>
-            <a:t>Design for games and plan of attack</a:t>
-          </a:r>
-          <a:endParaRPr lang="en-US" sz="2000" dirty="0"/>
-        </a:p>
-      </dgm:t>
-    </dgm:pt>
-    <dgm:pt modelId="{C3E70DF8-D297-401F-A070-1295F4388B0B}" type="parTrans" cxnId="{8C1AFE23-B091-4CE6-8284-0511812F213B}">
-      <dgm:prSet/>
-      <dgm:spPr/>
-      <dgm:t>
-        <a:bodyPr/>
-        <a:lstStyle/>
-        <a:p>
-          <a:endParaRPr lang="en-US" sz="2400"/>
-        </a:p>
-      </dgm:t>
-    </dgm:pt>
-    <dgm:pt modelId="{13D421C7-F834-4141-85ED-0207D610A128}" type="sibTrans" cxnId="{8C1AFE23-B091-4CE6-8284-0511812F213B}">
-      <dgm:prSet/>
-      <dgm:spPr/>
-      <dgm:t>
-        <a:bodyPr/>
-        <a:lstStyle/>
-        <a:p>
-          <a:endParaRPr lang="en-US" sz="2400"/>
-        </a:p>
-      </dgm:t>
-    </dgm:pt>
-    <dgm:pt modelId="{C7CCB8C4-BA8F-435B-96D2-651E5BBEE204}">
-      <dgm:prSet phldrT="[Text]" custT="1"/>
-      <dgm:spPr/>
-      <dgm:t>
-        <a:bodyPr/>
-        <a:lstStyle/>
-        <a:p>
-          <a:r>
-            <a:rPr lang="en-US" sz="2000" dirty="0" smtClean="0"/>
-            <a:t>Kinect Model Game Complete</a:t>
-          </a:r>
-          <a:endParaRPr lang="en-US" sz="2000" dirty="0"/>
-        </a:p>
-      </dgm:t>
-    </dgm:pt>
-    <dgm:pt modelId="{AD18367E-C5DB-45A4-A27B-B15954C86D0F}" type="parTrans" cxnId="{679C1D1A-14EB-43D6-A6EB-15DB434BD9E3}">
-      <dgm:prSet/>
-      <dgm:spPr/>
-      <dgm:t>
-        <a:bodyPr/>
-        <a:lstStyle/>
-        <a:p>
-          <a:endParaRPr lang="en-US" sz="2400"/>
-        </a:p>
-      </dgm:t>
-    </dgm:pt>
-    <dgm:pt modelId="{7D6A4EA2-7BAB-433A-B969-4D95C96F0274}" type="sibTrans" cxnId="{679C1D1A-14EB-43D6-A6EB-15DB434BD9E3}">
-      <dgm:prSet/>
-      <dgm:spPr/>
-      <dgm:t>
-        <a:bodyPr/>
-        <a:lstStyle/>
-        <a:p>
-          <a:endParaRPr lang="en-US" sz="2400"/>
-        </a:p>
-      </dgm:t>
-    </dgm:pt>
-    <dgm:pt modelId="{A75DE5EA-0E88-4A1C-B1EA-B4EE477D7AA1}">
-      <dgm:prSet phldrT="[Text]" custT="1"/>
-      <dgm:spPr/>
-      <dgm:t>
-        <a:bodyPr/>
-        <a:lstStyle/>
-        <a:p>
-          <a:r>
-            <a:rPr lang="en-US" sz="2000" dirty="0" smtClean="0"/>
-            <a:t>Implantation of </a:t>
-          </a:r>
-          <a:r>
-            <a:rPr lang="en-US" sz="2000" dirty="0" err="1" smtClean="0"/>
-            <a:t>AngryPrims</a:t>
-          </a:r>
-          <a:endParaRPr lang="en-US" sz="2000" dirty="0"/>
-        </a:p>
-      </dgm:t>
-    </dgm:pt>
-    <dgm:pt modelId="{48157EE2-9BD9-48FE-A422-276C84F2470D}" type="parTrans" cxnId="{D09152C8-0058-4F02-AE9F-59A443534AE8}">
-      <dgm:prSet/>
-      <dgm:spPr/>
-      <dgm:t>
-        <a:bodyPr/>
-        <a:lstStyle/>
-        <a:p>
-          <a:endParaRPr lang="en-US" sz="2400"/>
-        </a:p>
-      </dgm:t>
-    </dgm:pt>
-    <dgm:pt modelId="{03226FF3-250B-4000-A0B5-00FF0F1D75A5}" type="sibTrans" cxnId="{D09152C8-0058-4F02-AE9F-59A443534AE8}">
-      <dgm:prSet/>
-      <dgm:spPr/>
-      <dgm:t>
-        <a:bodyPr/>
-        <a:lstStyle/>
-        <a:p>
-          <a:endParaRPr lang="en-US" sz="2400"/>
-        </a:p>
-      </dgm:t>
-    </dgm:pt>
-    <dgm:pt modelId="{A39C9339-F7BC-4A9F-AF8A-3B9741B27413}">
-      <dgm:prSet phldrT="[Text]" custT="1"/>
-      <dgm:spPr/>
-      <dgm:t>
-        <a:bodyPr/>
-        <a:lstStyle/>
-        <a:p>
-          <a:r>
-            <a:rPr lang="en-US" sz="2000" dirty="0" smtClean="0"/>
-            <a:t>Done</a:t>
-          </a:r>
-          <a:endParaRPr lang="en-US" sz="2000" dirty="0"/>
-        </a:p>
-      </dgm:t>
-    </dgm:pt>
-    <dgm:pt modelId="{26699644-3B9B-4794-926C-D854282146D8}" type="parTrans" cxnId="{BF777ED0-A485-405A-BFCD-E378EF965464}">
-      <dgm:prSet/>
-      <dgm:spPr/>
-      <dgm:t>
-        <a:bodyPr/>
-        <a:lstStyle/>
-        <a:p>
-          <a:endParaRPr lang="en-US" sz="2400"/>
-        </a:p>
-      </dgm:t>
-    </dgm:pt>
-    <dgm:pt modelId="{3E2FBE5E-2D29-4C39-97D1-424264F1308F}" type="sibTrans" cxnId="{BF777ED0-A485-405A-BFCD-E378EF965464}">
-      <dgm:prSet/>
-      <dgm:spPr/>
-      <dgm:t>
-        <a:bodyPr/>
-        <a:lstStyle/>
-        <a:p>
-          <a:endParaRPr lang="en-US" sz="2400"/>
-        </a:p>
-      </dgm:t>
-    </dgm:pt>
-    <dgm:pt modelId="{5175B6B0-3CA6-4535-A09B-108E0999A356}">
-      <dgm:prSet phldrT="[Text]" custT="1"/>
-      <dgm:spPr/>
-      <dgm:t>
-        <a:bodyPr/>
-        <a:lstStyle/>
-        <a:p>
-          <a:r>
-            <a:rPr lang="en-US" sz="2000" dirty="0" smtClean="0"/>
-            <a:t>Capstone I </a:t>
-          </a:r>
-          <a:endParaRPr lang="en-US" sz="2000" dirty="0"/>
-        </a:p>
-      </dgm:t>
-    </dgm:pt>
-    <dgm:pt modelId="{ECD96492-1092-4631-A208-D9A5DA08372E}" type="parTrans" cxnId="{345AD6EC-90F1-4BA3-A053-C21366541189}">
-      <dgm:prSet/>
-      <dgm:spPr/>
-      <dgm:t>
-        <a:bodyPr/>
-        <a:lstStyle/>
-        <a:p>
-          <a:endParaRPr lang="en-US" sz="2400"/>
-        </a:p>
-      </dgm:t>
-    </dgm:pt>
-    <dgm:pt modelId="{F900535F-E882-46D4-B632-4B8ACBE851E4}" type="sibTrans" cxnId="{345AD6EC-90F1-4BA3-A053-C21366541189}">
-      <dgm:prSet/>
-      <dgm:spPr/>
-      <dgm:t>
-        <a:bodyPr/>
-        <a:lstStyle/>
-        <a:p>
-          <a:endParaRPr lang="en-US" sz="2400"/>
-        </a:p>
-      </dgm:t>
-    </dgm:pt>
-    <dgm:pt modelId="{1982B446-3706-4711-A6F1-3DC4DFE59A3A}">
-      <dgm:prSet phldrT="[Text]" custT="1"/>
-      <dgm:spPr/>
-      <dgm:t>
-        <a:bodyPr/>
-        <a:lstStyle/>
-        <a:p>
-          <a:r>
-            <a:rPr lang="en-US" sz="2000" dirty="0" smtClean="0"/>
-            <a:t>Completion </a:t>
-          </a:r>
-          <a:endParaRPr lang="en-US" sz="2000" dirty="0"/>
-        </a:p>
-      </dgm:t>
-    </dgm:pt>
-    <dgm:pt modelId="{33D0F32B-ABD3-423A-818A-28D89377B172}" type="parTrans" cxnId="{7DD07C3D-EA79-49EE-93EE-865A49AB8425}">
-      <dgm:prSet/>
-      <dgm:spPr/>
-      <dgm:t>
-        <a:bodyPr/>
-        <a:lstStyle/>
-        <a:p>
-          <a:endParaRPr lang="en-US"/>
-        </a:p>
-      </dgm:t>
-    </dgm:pt>
-    <dgm:pt modelId="{6C0374E5-7FC4-4DEF-BC17-94C58A35DE3F}" type="sibTrans" cxnId="{7DD07C3D-EA79-49EE-93EE-865A49AB8425}">
-      <dgm:prSet/>
-      <dgm:spPr/>
-      <dgm:t>
-        <a:bodyPr/>
-        <a:lstStyle/>
-        <a:p>
-          <a:endParaRPr lang="en-US"/>
-        </a:p>
-      </dgm:t>
-    </dgm:pt>
-    <dgm:pt modelId="{BAD6DE81-DE4F-40EF-8526-A8F127A4BE33}">
-      <dgm:prSet phldrT="[Text]" custT="1"/>
-      <dgm:spPr/>
-      <dgm:t>
-        <a:bodyPr/>
-        <a:lstStyle/>
-        <a:p>
-          <a:r>
-            <a:rPr lang="en-US" sz="2000" dirty="0" smtClean="0"/>
-            <a:t>End    Capstone II</a:t>
-          </a:r>
-          <a:endParaRPr lang="en-US" sz="2000" dirty="0"/>
-        </a:p>
-      </dgm:t>
-    </dgm:pt>
-    <dgm:pt modelId="{3224C504-155F-4C9F-93C7-83D8D4CEC1B4}" type="parTrans" cxnId="{293E3154-15DE-4C13-93DE-664CEAB9F0AF}">
-      <dgm:prSet/>
-      <dgm:spPr/>
-      <dgm:t>
-        <a:bodyPr/>
-        <a:lstStyle/>
-        <a:p>
-          <a:endParaRPr lang="en-US"/>
-        </a:p>
-      </dgm:t>
-    </dgm:pt>
-    <dgm:pt modelId="{6252B9CC-7427-40BA-B706-E629F53D4B22}" type="sibTrans" cxnId="{293E3154-15DE-4C13-93DE-664CEAB9F0AF}">
-      <dgm:prSet/>
-      <dgm:spPr/>
-      <dgm:t>
-        <a:bodyPr/>
-        <a:lstStyle/>
-        <a:p>
-          <a:endParaRPr lang="en-US"/>
-        </a:p>
-      </dgm:t>
-    </dgm:pt>
-    <dgm:pt modelId="{9898FE38-DE6C-46BA-8D32-D767674AD978}">
-      <dgm:prSet phldrT="[Text]" custT="1"/>
-      <dgm:spPr/>
-      <dgm:t>
-        <a:bodyPr/>
-        <a:lstStyle/>
-        <a:p>
-          <a:r>
-            <a:rPr lang="en-US" sz="2000" dirty="0" smtClean="0"/>
-            <a:t>Capstone II</a:t>
-          </a:r>
-          <a:endParaRPr lang="en-US" sz="2000" dirty="0"/>
-        </a:p>
-      </dgm:t>
-    </dgm:pt>
-    <dgm:pt modelId="{6500A968-9A0E-4ACA-91E4-A3C5FA03BCC8}" type="parTrans" cxnId="{277398F3-A9DD-4822-A4A0-9408AA94EB41}">
-      <dgm:prSet/>
-      <dgm:spPr/>
-      <dgm:t>
-        <a:bodyPr/>
-        <a:lstStyle/>
-        <a:p>
-          <a:endParaRPr lang="en-US"/>
-        </a:p>
-      </dgm:t>
-    </dgm:pt>
-    <dgm:pt modelId="{15E99FBC-5B51-4114-8E0B-C26E50C78603}" type="sibTrans" cxnId="{277398F3-A9DD-4822-A4A0-9408AA94EB41}">
-      <dgm:prSet/>
-      <dgm:spPr/>
-      <dgm:t>
-        <a:bodyPr/>
-        <a:lstStyle/>
-        <a:p>
-          <a:endParaRPr lang="en-US"/>
-        </a:p>
-      </dgm:t>
-    </dgm:pt>
-    <dgm:pt modelId="{E220828C-C958-4FCF-B52F-02D7F5D17607}" type="pres">
-      <dgm:prSet presAssocID="{455C831A-CCF5-4391-A2BE-9DF065D37587}" presName="arrowDiagram" presStyleCnt="0">
-        <dgm:presLayoutVars>
-          <dgm:chMax val="5"/>
-          <dgm:dir/>
-          <dgm:resizeHandles val="exact"/>
-        </dgm:presLayoutVars>
-      </dgm:prSet>
-      <dgm:spPr/>
-    </dgm:pt>
-    <dgm:pt modelId="{82ED47FD-CD8E-4EC8-A7E3-BF3AC4BC5C1A}" type="pres">
-      <dgm:prSet presAssocID="{455C831A-CCF5-4391-A2BE-9DF065D37587}" presName="arrow" presStyleLbl="bgShp" presStyleIdx="0" presStyleCnt="1" custScaleX="86792" custScaleY="86038"/>
-      <dgm:spPr/>
-    </dgm:pt>
-    <dgm:pt modelId="{4566E19C-2577-409E-A34A-BB8B091D39D1}" type="pres">
-      <dgm:prSet presAssocID="{455C831A-CCF5-4391-A2BE-9DF065D37587}" presName="arrowDiagram4" presStyleCnt="0"/>
-      <dgm:spPr/>
-    </dgm:pt>
-    <dgm:pt modelId="{A94E7C76-C16F-47F1-B4F1-C2CF2270A7E9}" type="pres">
-      <dgm:prSet presAssocID="{1E3A074B-8EC3-4AC7-ADB8-C53A583CA2D1}" presName="bullet4a" presStyleLbl="node1" presStyleIdx="0" presStyleCnt="4" custLinFactX="129" custLinFactNeighborX="100000" custLinFactNeighborY="9679"/>
-      <dgm:spPr/>
-    </dgm:pt>
-    <dgm:pt modelId="{48F9B62B-8095-40B1-882D-7B164B0C8B69}" type="pres">
-      <dgm:prSet presAssocID="{1E3A074B-8EC3-4AC7-ADB8-C53A583CA2D1}" presName="textBox4a" presStyleLbl="revTx" presStyleIdx="0" presStyleCnt="4" custScaleX="120677" custLinFactNeighborX="14676" custLinFactNeighborY="29729">
-        <dgm:presLayoutVars>
-          <dgm:bulletEnabled val="1"/>
-        </dgm:presLayoutVars>
-      </dgm:prSet>
-      <dgm:spPr/>
-      <dgm:t>
-        <a:bodyPr/>
-        <a:lstStyle/>
-        <a:p>
-          <a:endParaRPr lang="en-US"/>
-        </a:p>
-      </dgm:t>
-    </dgm:pt>
-    <dgm:pt modelId="{0CFC4447-43F4-414D-A014-8F5BDE3BC5FF}" type="pres">
-      <dgm:prSet presAssocID="{C7CCB8C4-BA8F-435B-96D2-651E5BBEE204}" presName="bullet4b" presStyleLbl="node1" presStyleIdx="1" presStyleCnt="4" custLinFactNeighborX="-8158" custLinFactNeighborY="50683"/>
-      <dgm:spPr/>
-    </dgm:pt>
-    <dgm:pt modelId="{389CF004-91C6-4868-93F7-537D5C97980B}" type="pres">
-      <dgm:prSet presAssocID="{C7CCB8C4-BA8F-435B-96D2-651E5BBEE204}" presName="textBox4b" presStyleLbl="revTx" presStyleIdx="1" presStyleCnt="4" custScaleY="81565" custLinFactNeighborX="-9999" custLinFactNeighborY="18094">
-        <dgm:presLayoutVars>
-          <dgm:bulletEnabled val="1"/>
-        </dgm:presLayoutVars>
-      </dgm:prSet>
-      <dgm:spPr/>
-      <dgm:t>
-        <a:bodyPr/>
-        <a:lstStyle/>
-        <a:p>
-          <a:endParaRPr lang="en-US"/>
-        </a:p>
-      </dgm:t>
-    </dgm:pt>
-    <dgm:pt modelId="{8D49C94D-D2A4-4464-8383-D3C12F8B2538}" type="pres">
-      <dgm:prSet presAssocID="{A75DE5EA-0E88-4A1C-B1EA-B4EE477D7AA1}" presName="bullet4c" presStyleLbl="node1" presStyleIdx="2" presStyleCnt="4" custLinFactNeighborX="-59466" custLinFactNeighborY="50213"/>
-      <dgm:spPr/>
-    </dgm:pt>
-    <dgm:pt modelId="{5E71A06C-9747-4CAE-BA21-E9C2A4D6678D}" type="pres">
-      <dgm:prSet presAssocID="{A75DE5EA-0E88-4A1C-B1EA-B4EE477D7AA1}" presName="textBox4c" presStyleLbl="revTx" presStyleIdx="2" presStyleCnt="4" custScaleY="60921" custLinFactNeighborX="-27627" custLinFactNeighborY="4121">
-        <dgm:presLayoutVars>
-          <dgm:bulletEnabled val="1"/>
-        </dgm:presLayoutVars>
-      </dgm:prSet>
-      <dgm:spPr/>
-      <dgm:t>
-        <a:bodyPr/>
-        <a:lstStyle/>
-        <a:p>
-          <a:endParaRPr lang="en-US"/>
-        </a:p>
-      </dgm:t>
-    </dgm:pt>
-    <dgm:pt modelId="{A9227355-A6E4-4C01-AB6A-08B68C0ABB91}" type="pres">
-      <dgm:prSet presAssocID="{1982B446-3706-4711-A6F1-3DC4DFE59A3A}" presName="bullet4d" presStyleLbl="node1" presStyleIdx="3" presStyleCnt="4" custLinFactNeighborX="-57095" custLinFactNeighborY="36725"/>
-      <dgm:spPr/>
-    </dgm:pt>
-    <dgm:pt modelId="{DB2CD8C7-A5B3-49A1-81CC-0EEDDDF3DB4E}" type="pres">
-      <dgm:prSet presAssocID="{1982B446-3706-4711-A6F1-3DC4DFE59A3A}" presName="textBox4d" presStyleLbl="revTx" presStyleIdx="3" presStyleCnt="4" custScaleY="64549" custLinFactNeighborX="-31716" custLinFactNeighborY="3724">
-        <dgm:presLayoutVars>
-          <dgm:bulletEnabled val="1"/>
-        </dgm:presLayoutVars>
-      </dgm:prSet>
-      <dgm:spPr/>
-      <dgm:t>
-        <a:bodyPr/>
-        <a:lstStyle/>
-        <a:p>
-          <a:endParaRPr lang="en-US"/>
-        </a:p>
-      </dgm:t>
-    </dgm:pt>
-  </dgm:ptLst>
-  <dgm:cxnLst>
-    <dgm:cxn modelId="{2583541F-F162-483D-B9B2-385C14B7D6E2}" type="presOf" srcId="{9898FE38-DE6C-46BA-8D32-D767674AD978}" destId="{5E71A06C-9747-4CAE-BA21-E9C2A4D6678D}" srcOrd="0" destOrd="1" presId="urn:microsoft.com/office/officeart/2005/8/layout/arrow2"/>
-    <dgm:cxn modelId="{6686FD9E-DB1E-41A9-BB5F-188F3F8748F3}" type="presOf" srcId="{A39C9339-F7BC-4A9F-AF8A-3B9741B27413}" destId="{48F9B62B-8095-40B1-882D-7B164B0C8B69}" srcOrd="0" destOrd="1" presId="urn:microsoft.com/office/officeart/2005/8/layout/arrow2"/>
-    <dgm:cxn modelId="{277398F3-A9DD-4822-A4A0-9408AA94EB41}" srcId="{A75DE5EA-0E88-4A1C-B1EA-B4EE477D7AA1}" destId="{9898FE38-DE6C-46BA-8D32-D767674AD978}" srcOrd="0" destOrd="0" parTransId="{6500A968-9A0E-4ACA-91E4-A3C5FA03BCC8}" sibTransId="{15E99FBC-5B51-4114-8E0B-C26E50C78603}"/>
-    <dgm:cxn modelId="{8C1AFE23-B091-4CE6-8284-0511812F213B}" srcId="{455C831A-CCF5-4391-A2BE-9DF065D37587}" destId="{1E3A074B-8EC3-4AC7-ADB8-C53A583CA2D1}" srcOrd="0" destOrd="0" parTransId="{C3E70DF8-D297-401F-A070-1295F4388B0B}" sibTransId="{13D421C7-F834-4141-85ED-0207D610A128}"/>
-    <dgm:cxn modelId="{39ECB7E7-30E3-4A3C-AAF0-553A3160CF23}" type="presOf" srcId="{455C831A-CCF5-4391-A2BE-9DF065D37587}" destId="{E220828C-C958-4FCF-B52F-02D7F5D17607}" srcOrd="0" destOrd="0" presId="urn:microsoft.com/office/officeart/2005/8/layout/arrow2"/>
-    <dgm:cxn modelId="{FDF899A6-3BC3-4400-9E4F-5AFB1A844A3B}" type="presOf" srcId="{BAD6DE81-DE4F-40EF-8526-A8F127A4BE33}" destId="{DB2CD8C7-A5B3-49A1-81CC-0EEDDDF3DB4E}" srcOrd="0" destOrd="1" presId="urn:microsoft.com/office/officeart/2005/8/layout/arrow2"/>
-    <dgm:cxn modelId="{BF777ED0-A485-405A-BFCD-E378EF965464}" srcId="{1E3A074B-8EC3-4AC7-ADB8-C53A583CA2D1}" destId="{A39C9339-F7BC-4A9F-AF8A-3B9741B27413}" srcOrd="0" destOrd="0" parTransId="{26699644-3B9B-4794-926C-D854282146D8}" sibTransId="{3E2FBE5E-2D29-4C39-97D1-424264F1308F}"/>
-    <dgm:cxn modelId="{3C905DEF-E67D-4C40-B05D-4060669E3B98}" type="presOf" srcId="{A75DE5EA-0E88-4A1C-B1EA-B4EE477D7AA1}" destId="{5E71A06C-9747-4CAE-BA21-E9C2A4D6678D}" srcOrd="0" destOrd="0" presId="urn:microsoft.com/office/officeart/2005/8/layout/arrow2"/>
-    <dgm:cxn modelId="{D09152C8-0058-4F02-AE9F-59A443534AE8}" srcId="{455C831A-CCF5-4391-A2BE-9DF065D37587}" destId="{A75DE5EA-0E88-4A1C-B1EA-B4EE477D7AA1}" srcOrd="2" destOrd="0" parTransId="{48157EE2-9BD9-48FE-A422-276C84F2470D}" sibTransId="{03226FF3-250B-4000-A0B5-00FF0F1D75A5}"/>
-    <dgm:cxn modelId="{FC06516A-52A5-4D36-B302-CBA7ED53FA18}" type="presOf" srcId="{C7CCB8C4-BA8F-435B-96D2-651E5BBEE204}" destId="{389CF004-91C6-4868-93F7-537D5C97980B}" srcOrd="0" destOrd="0" presId="urn:microsoft.com/office/officeart/2005/8/layout/arrow2"/>
-    <dgm:cxn modelId="{293E3154-15DE-4C13-93DE-664CEAB9F0AF}" srcId="{1982B446-3706-4711-A6F1-3DC4DFE59A3A}" destId="{BAD6DE81-DE4F-40EF-8526-A8F127A4BE33}" srcOrd="0" destOrd="0" parTransId="{3224C504-155F-4C9F-93C7-83D8D4CEC1B4}" sibTransId="{6252B9CC-7427-40BA-B706-E629F53D4B22}"/>
-    <dgm:cxn modelId="{345AD6EC-90F1-4BA3-A053-C21366541189}" srcId="{C7CCB8C4-BA8F-435B-96D2-651E5BBEE204}" destId="{5175B6B0-3CA6-4535-A09B-108E0999A356}" srcOrd="0" destOrd="0" parTransId="{ECD96492-1092-4631-A208-D9A5DA08372E}" sibTransId="{F900535F-E882-46D4-B632-4B8ACBE851E4}"/>
-    <dgm:cxn modelId="{FE1744AC-C004-4578-94B6-93CA8D33C9E8}" type="presOf" srcId="{1982B446-3706-4711-A6F1-3DC4DFE59A3A}" destId="{DB2CD8C7-A5B3-49A1-81CC-0EEDDDF3DB4E}" srcOrd="0" destOrd="0" presId="urn:microsoft.com/office/officeart/2005/8/layout/arrow2"/>
-    <dgm:cxn modelId="{F0DD8F9B-E674-4A01-8891-20D1632F36B0}" type="presOf" srcId="{5175B6B0-3CA6-4535-A09B-108E0999A356}" destId="{389CF004-91C6-4868-93F7-537D5C97980B}" srcOrd="0" destOrd="1" presId="urn:microsoft.com/office/officeart/2005/8/layout/arrow2"/>
-    <dgm:cxn modelId="{FF43409D-6490-4DAC-9843-57BD11235D92}" type="presOf" srcId="{1E3A074B-8EC3-4AC7-ADB8-C53A583CA2D1}" destId="{48F9B62B-8095-40B1-882D-7B164B0C8B69}" srcOrd="0" destOrd="0" presId="urn:microsoft.com/office/officeart/2005/8/layout/arrow2"/>
-    <dgm:cxn modelId="{679C1D1A-14EB-43D6-A6EB-15DB434BD9E3}" srcId="{455C831A-CCF5-4391-A2BE-9DF065D37587}" destId="{C7CCB8C4-BA8F-435B-96D2-651E5BBEE204}" srcOrd="1" destOrd="0" parTransId="{AD18367E-C5DB-45A4-A27B-B15954C86D0F}" sibTransId="{7D6A4EA2-7BAB-433A-B969-4D95C96F0274}"/>
-    <dgm:cxn modelId="{7DD07C3D-EA79-49EE-93EE-865A49AB8425}" srcId="{455C831A-CCF5-4391-A2BE-9DF065D37587}" destId="{1982B446-3706-4711-A6F1-3DC4DFE59A3A}" srcOrd="3" destOrd="0" parTransId="{33D0F32B-ABD3-423A-818A-28D89377B172}" sibTransId="{6C0374E5-7FC4-4DEF-BC17-94C58A35DE3F}"/>
-    <dgm:cxn modelId="{CDB3CFA4-6064-4BD5-9F4C-2C85AFCC5E37}" type="presParOf" srcId="{E220828C-C958-4FCF-B52F-02D7F5D17607}" destId="{82ED47FD-CD8E-4EC8-A7E3-BF3AC4BC5C1A}" srcOrd="0" destOrd="0" presId="urn:microsoft.com/office/officeart/2005/8/layout/arrow2"/>
-    <dgm:cxn modelId="{019C372E-51B0-4A64-8D12-B92827204091}" type="presParOf" srcId="{E220828C-C958-4FCF-B52F-02D7F5D17607}" destId="{4566E19C-2577-409E-A34A-BB8B091D39D1}" srcOrd="1" destOrd="0" presId="urn:microsoft.com/office/officeart/2005/8/layout/arrow2"/>
-    <dgm:cxn modelId="{F63AFE94-9D44-4F29-B597-D95FB9299962}" type="presParOf" srcId="{4566E19C-2577-409E-A34A-BB8B091D39D1}" destId="{A94E7C76-C16F-47F1-B4F1-C2CF2270A7E9}" srcOrd="0" destOrd="0" presId="urn:microsoft.com/office/officeart/2005/8/layout/arrow2"/>
-    <dgm:cxn modelId="{BA13245D-CFE8-45D3-9491-2DAB17EF0D6E}" type="presParOf" srcId="{4566E19C-2577-409E-A34A-BB8B091D39D1}" destId="{48F9B62B-8095-40B1-882D-7B164B0C8B69}" srcOrd="1" destOrd="0" presId="urn:microsoft.com/office/officeart/2005/8/layout/arrow2"/>
-    <dgm:cxn modelId="{DB1146F8-D39D-414A-9CF9-6A190489E3D5}" type="presParOf" srcId="{4566E19C-2577-409E-A34A-BB8B091D39D1}" destId="{0CFC4447-43F4-414D-A014-8F5BDE3BC5FF}" srcOrd="2" destOrd="0" presId="urn:microsoft.com/office/officeart/2005/8/layout/arrow2"/>
-    <dgm:cxn modelId="{4EAE93DF-D1D8-439F-A7A4-04F4ADC77F35}" type="presParOf" srcId="{4566E19C-2577-409E-A34A-BB8B091D39D1}" destId="{389CF004-91C6-4868-93F7-537D5C97980B}" srcOrd="3" destOrd="0" presId="urn:microsoft.com/office/officeart/2005/8/layout/arrow2"/>
-    <dgm:cxn modelId="{DF36619F-1E30-48CA-99BE-7AE13179E737}" type="presParOf" srcId="{4566E19C-2577-409E-A34A-BB8B091D39D1}" destId="{8D49C94D-D2A4-4464-8383-D3C12F8B2538}" srcOrd="4" destOrd="0" presId="urn:microsoft.com/office/officeart/2005/8/layout/arrow2"/>
-    <dgm:cxn modelId="{2273E46E-B1C6-4185-AEA7-543C97CE2939}" type="presParOf" srcId="{4566E19C-2577-409E-A34A-BB8B091D39D1}" destId="{5E71A06C-9747-4CAE-BA21-E9C2A4D6678D}" srcOrd="5" destOrd="0" presId="urn:microsoft.com/office/officeart/2005/8/layout/arrow2"/>
-    <dgm:cxn modelId="{D524FB1C-816C-4B96-A0A1-480BF199AA9B}" type="presParOf" srcId="{4566E19C-2577-409E-A34A-BB8B091D39D1}" destId="{A9227355-A6E4-4C01-AB6A-08B68C0ABB91}" srcOrd="6" destOrd="0" presId="urn:microsoft.com/office/officeart/2005/8/layout/arrow2"/>
-    <dgm:cxn modelId="{FD2DA74F-B5FE-44FB-8CF1-2D7D93C839E9}" type="presParOf" srcId="{4566E19C-2577-409E-A34A-BB8B091D39D1}" destId="{DB2CD8C7-A5B3-49A1-81CC-0EEDDDF3DB4E}" srcOrd="7" destOrd="0" presId="urn:microsoft.com/office/officeart/2005/8/layout/arrow2"/>
-  </dgm:cxnLst>
-  <dgm:bg/>
-  <dgm:whole/>
-  <dgm:extLst>
-    <a:ext uri="http://schemas.microsoft.com/office/drawing/2008/diagram">
-      <dsp:dataModelExt xmlns:dsp="http://schemas.microsoft.com/office/drawing/2008/diagram" xmlns="" relId="rId8" minVer="http://schemas.openxmlformats.org/drawingml/2006/diagram"/>
-    </a:ext>
-  </dgm:extLst>
-</dgm:dataModel>
-</file>
-
-<file path=ppt/diagrams/data2.xml><?xml version="1.0" encoding="utf-8"?>
-<dgm:dataModel xmlns:dgm="http://schemas.openxmlformats.org/drawingml/2006/diagram" xmlns:a="http://schemas.openxmlformats.org/drawingml/2006/main">
-  <dgm:ptLst>
     <dgm:pt modelId="{19675BB5-4BE3-4E06-B2B3-AAA3D107C1A8}" type="doc">
       <dgm:prSet loTypeId="urn:microsoft.com/office/officeart/2005/8/layout/radial5" loCatId="relationship" qsTypeId="urn:microsoft.com/office/officeart/2005/8/quickstyle/simple3" qsCatId="simple" csTypeId="urn:microsoft.com/office/officeart/2005/8/colors/accent0_3" csCatId="mainScheme" phldr="1"/>
       <dgm:spPr/>
@@ -2222,8 +998,16 @@
         <a:lstStyle/>
         <a:p>
           <a:r>
+            <a:rPr lang="en-US" sz="1300" b="1" spc="-10" baseline="0" dirty="0" err="1" smtClean="0"/>
+            <a:t>Kinect</a:t>
+          </a:r>
+          <a:r>
             <a:rPr lang="en-US" sz="1300" b="1" spc="-10" baseline="0" dirty="0" smtClean="0"/>
-            <a:t>Kinect Client</a:t>
+            <a:t> </a:t>
+          </a:r>
+          <a:r>
+            <a:rPr lang="en-US" sz="1300" b="1" spc="-10" baseline="0" dirty="0" smtClean="0"/>
+            <a:t>Client and Gestures</a:t>
           </a:r>
           <a:endParaRPr lang="en-US" sz="1300" b="1" spc="-10" baseline="0" dirty="0"/>
         </a:p>
@@ -2334,7 +1118,13 @@
         <a:p>
           <a:r>
             <a:rPr lang="en-US" sz="1600" b="1" dirty="0" smtClean="0"/>
-            <a:t>Remote Teams</a:t>
+            <a:t>Game</a:t>
+          </a:r>
+        </a:p>
+        <a:p>
+          <a:r>
+            <a:rPr lang="en-US" sz="1600" b="1" dirty="0" smtClean="0"/>
+            <a:t>Engine</a:t>
           </a:r>
           <a:endParaRPr lang="en-US" sz="1200" b="1" dirty="0"/>
         </a:p>
@@ -2451,7 +1241,7 @@
       </dgm:t>
     </dgm:pt>
     <dgm:pt modelId="{8FE55D76-69B8-469D-BE4A-A0F9F69D5110}" type="pres">
-      <dgm:prSet presAssocID="{6461E40C-FAF1-4C11-9CA4-01B7756558A8}" presName="node" presStyleLbl="node1" presStyleIdx="1" presStyleCnt="5" custScaleX="117603" custScaleY="117603">
+      <dgm:prSet presAssocID="{6461E40C-FAF1-4C11-9CA4-01B7756558A8}" presName="node" presStyleLbl="node1" presStyleIdx="1" presStyleCnt="5" custScaleX="117603" custScaleY="117603" custRadScaleRad="99002" custRadScaleInc="-522">
         <dgm:presLayoutVars>
           <dgm:bulletEnabled val="1"/>
         </dgm:presLayoutVars>
@@ -2578,29 +1368,29 @@
     </dgm:pt>
   </dgm:ptLst>
   <dgm:cxnLst>
+    <dgm:cxn modelId="{5EBF790F-CC7C-4BBA-98A7-614FB5283795}" srcId="{D3864EA6-13E7-440F-948B-8118F5878A44}" destId="{6461E40C-FAF1-4C11-9CA4-01B7756558A8}" srcOrd="1" destOrd="0" parTransId="{5418FCE5-0AC2-479F-8F47-D35F7A60BD8D}" sibTransId="{3D67A8BA-4FB2-401F-A3C1-92132B645061}"/>
+    <dgm:cxn modelId="{F383A1C8-295E-4F6E-9C5D-67AA4DB4F7EB}" type="presOf" srcId="{ED3CCD02-8D75-4A08-AD85-C5F828B29313}" destId="{79A2186A-8429-4E95-A4D2-214813090081}" srcOrd="1" destOrd="0" presId="urn:microsoft.com/office/officeart/2005/8/layout/radial5"/>
     <dgm:cxn modelId="{54B2FED9-9F5A-482C-B7AD-CE780DBB4D7A}" type="presOf" srcId="{ED3CCD02-8D75-4A08-AD85-C5F828B29313}" destId="{E09D1B4B-09AE-4B1F-A409-CE344F8F9185}" srcOrd="0" destOrd="0" presId="urn:microsoft.com/office/officeart/2005/8/layout/radial5"/>
+    <dgm:cxn modelId="{7834DFDC-DD97-4D0F-B547-27AB53428B4B}" srcId="{19675BB5-4BE3-4E06-B2B3-AAA3D107C1A8}" destId="{D3864EA6-13E7-440F-948B-8118F5878A44}" srcOrd="0" destOrd="0" parTransId="{5F920266-1B6A-4D7D-8C8B-D20E2934BF67}" sibTransId="{F4FE127A-F33D-4F59-961D-A505D5A781EE}"/>
+    <dgm:cxn modelId="{33CA9426-6028-4F9E-ADDB-AA3042A81F7D}" type="presOf" srcId="{6461E40C-FAF1-4C11-9CA4-01B7756558A8}" destId="{8FE55D76-69B8-469D-BE4A-A0F9F69D5110}" srcOrd="0" destOrd="0" presId="urn:microsoft.com/office/officeart/2005/8/layout/radial5"/>
+    <dgm:cxn modelId="{29FA02FA-E640-4261-806B-AA21CEF811C3}" type="presOf" srcId="{E1D6882F-7F41-4B9B-8326-079D0B7775D3}" destId="{FB0FDE60-5A66-47CD-855C-10B0ABFAFF6D}" srcOrd="0" destOrd="0" presId="urn:microsoft.com/office/officeart/2005/8/layout/radial5"/>
+    <dgm:cxn modelId="{9D61B47E-7F41-4639-962A-9097B26F323C}" type="presOf" srcId="{5418FCE5-0AC2-479F-8F47-D35F7A60BD8D}" destId="{AF2E0478-D773-4966-9A95-8E70AD7139B7}" srcOrd="1" destOrd="0" presId="urn:microsoft.com/office/officeart/2005/8/layout/radial5"/>
+    <dgm:cxn modelId="{F20E6E35-2EF6-49E1-BCE2-AF737813AC7F}" srcId="{D3864EA6-13E7-440F-948B-8118F5878A44}" destId="{C2B16F5E-4FD9-4E6C-984C-5FB34252F788}" srcOrd="4" destOrd="0" parTransId="{8F21B166-5620-46A8-A5DD-72EAE361E61D}" sibTransId="{D972BA52-9B06-4D48-9819-200C1326EA4D}"/>
+    <dgm:cxn modelId="{7362BBE9-CE05-48ED-9B0F-19744BB7FA24}" type="presOf" srcId="{CFE62A0D-AFCB-42FF-A2F7-4127DE6E4A06}" destId="{5E3992B2-2FF9-4710-BC5D-D3CABAC0944B}" srcOrd="1" destOrd="0" presId="urn:microsoft.com/office/officeart/2005/8/layout/radial5"/>
+    <dgm:cxn modelId="{67029EA3-AC4E-48C5-87CF-57A4733799CA}" type="presOf" srcId="{E1D6882F-7F41-4B9B-8326-079D0B7775D3}" destId="{D9C29361-9907-4AA5-9D4C-465D8E4516DA}" srcOrd="1" destOrd="0" presId="urn:microsoft.com/office/officeart/2005/8/layout/radial5"/>
     <dgm:cxn modelId="{DF0DC324-3E24-4C19-A1FD-DD9570009774}" type="presOf" srcId="{9A038BAD-1DAA-4E08-AF5C-7A535C3A31A3}" destId="{492A8904-4F29-41B2-8DF6-9E5DB43B598E}" srcOrd="0" destOrd="0" presId="urn:microsoft.com/office/officeart/2005/8/layout/radial5"/>
-    <dgm:cxn modelId="{7362BBE9-CE05-48ED-9B0F-19744BB7FA24}" type="presOf" srcId="{CFE62A0D-AFCB-42FF-A2F7-4127DE6E4A06}" destId="{5E3992B2-2FF9-4710-BC5D-D3CABAC0944B}" srcOrd="1" destOrd="0" presId="urn:microsoft.com/office/officeart/2005/8/layout/radial5"/>
+    <dgm:cxn modelId="{459BE59C-8527-4040-AA6D-E00460E9E8BD}" type="presOf" srcId="{D3864EA6-13E7-440F-948B-8118F5878A44}" destId="{7ADCFBEC-172E-41BB-B545-FE2085E0B744}" srcOrd="0" destOrd="0" presId="urn:microsoft.com/office/officeart/2005/8/layout/radial5"/>
+    <dgm:cxn modelId="{26D1578F-8BE0-4DFF-B5B7-36D919C7DF48}" type="presOf" srcId="{19675BB5-4BE3-4E06-B2B3-AAA3D107C1A8}" destId="{EB09D521-9D02-4B4D-80CB-EB847731A63E}" srcOrd="0" destOrd="0" presId="urn:microsoft.com/office/officeart/2005/8/layout/radial5"/>
+    <dgm:cxn modelId="{41966F54-3C25-450E-8104-04B2B9165959}" srcId="{D3864EA6-13E7-440F-948B-8118F5878A44}" destId="{813DB034-1CFA-4CE1-8536-6BC256192226}" srcOrd="0" destOrd="0" parTransId="{ED3CCD02-8D75-4A08-AD85-C5F828B29313}" sibTransId="{F3516F2D-4619-4753-A81E-130803DFBFC7}"/>
+    <dgm:cxn modelId="{B78770BC-227B-404F-8185-2F70ECA32605}" srcId="{D3864EA6-13E7-440F-948B-8118F5878A44}" destId="{14E5A95F-9DC9-4E33-B709-14C57323ACAA}" srcOrd="2" destOrd="0" parTransId="{CFE62A0D-AFCB-42FF-A2F7-4127DE6E4A06}" sibTransId="{87455A86-154D-4572-BF6D-F5FEBED08194}"/>
+    <dgm:cxn modelId="{4D341991-5DB3-4739-89C1-0B6A24A114E8}" type="presOf" srcId="{5418FCE5-0AC2-479F-8F47-D35F7A60BD8D}" destId="{4873F644-A37B-4263-BDD3-7D4AECF93436}" srcOrd="0" destOrd="0" presId="urn:microsoft.com/office/officeart/2005/8/layout/radial5"/>
+    <dgm:cxn modelId="{7598B8A9-9332-4A2B-B5D9-CF010EBBDF46}" type="presOf" srcId="{8F21B166-5620-46A8-A5DD-72EAE361E61D}" destId="{8C992717-B056-4E89-850B-547F00D86B47}" srcOrd="1" destOrd="0" presId="urn:microsoft.com/office/officeart/2005/8/layout/radial5"/>
     <dgm:cxn modelId="{D455749F-4F4C-4295-A229-F1CAA9A84B33}" type="presOf" srcId="{C2B16F5E-4FD9-4E6C-984C-5FB34252F788}" destId="{A0AE6ABD-EFF8-41C2-907C-790C07DF522C}" srcOrd="0" destOrd="0" presId="urn:microsoft.com/office/officeart/2005/8/layout/radial5"/>
-    <dgm:cxn modelId="{26D1578F-8BE0-4DFF-B5B7-36D919C7DF48}" type="presOf" srcId="{19675BB5-4BE3-4E06-B2B3-AAA3D107C1A8}" destId="{EB09D521-9D02-4B4D-80CB-EB847731A63E}" srcOrd="0" destOrd="0" presId="urn:microsoft.com/office/officeart/2005/8/layout/radial5"/>
-    <dgm:cxn modelId="{29FA02FA-E640-4261-806B-AA21CEF811C3}" type="presOf" srcId="{E1D6882F-7F41-4B9B-8326-079D0B7775D3}" destId="{FB0FDE60-5A66-47CD-855C-10B0ABFAFF6D}" srcOrd="0" destOrd="0" presId="urn:microsoft.com/office/officeart/2005/8/layout/radial5"/>
+    <dgm:cxn modelId="{7EB75183-B20B-4EE8-AF71-83BA84E1BE0D}" type="presOf" srcId="{8F21B166-5620-46A8-A5DD-72EAE361E61D}" destId="{470BEB95-5498-4076-A7AD-52EA2D6058A0}" srcOrd="0" destOrd="0" presId="urn:microsoft.com/office/officeart/2005/8/layout/radial5"/>
+    <dgm:cxn modelId="{33010AF7-9670-4113-8A43-897FBCF42E9F}" type="presOf" srcId="{CFE62A0D-AFCB-42FF-A2F7-4127DE6E4A06}" destId="{8999D690-D432-4F1A-B2AE-D98A61E6F24A}" srcOrd="0" destOrd="0" presId="urn:microsoft.com/office/officeart/2005/8/layout/radial5"/>
     <dgm:cxn modelId="{F98C9256-0E52-4294-AA5B-17A525F41415}" type="presOf" srcId="{813DB034-1CFA-4CE1-8536-6BC256192226}" destId="{60779230-642B-46DB-B5CA-FC2220C38859}" srcOrd="0" destOrd="0" presId="urn:microsoft.com/office/officeart/2005/8/layout/radial5"/>
-    <dgm:cxn modelId="{41966F54-3C25-450E-8104-04B2B9165959}" srcId="{D3864EA6-13E7-440F-948B-8118F5878A44}" destId="{813DB034-1CFA-4CE1-8536-6BC256192226}" srcOrd="0" destOrd="0" parTransId="{ED3CCD02-8D75-4A08-AD85-C5F828B29313}" sibTransId="{F3516F2D-4619-4753-A81E-130803DFBFC7}"/>
-    <dgm:cxn modelId="{7598B8A9-9332-4A2B-B5D9-CF010EBBDF46}" type="presOf" srcId="{8F21B166-5620-46A8-A5DD-72EAE361E61D}" destId="{8C992717-B056-4E89-850B-547F00D86B47}" srcOrd="1" destOrd="0" presId="urn:microsoft.com/office/officeart/2005/8/layout/radial5"/>
+    <dgm:cxn modelId="{F67B8136-3A2B-408C-9570-C50B3786C6D1}" srcId="{D3864EA6-13E7-440F-948B-8118F5878A44}" destId="{9A038BAD-1DAA-4E08-AF5C-7A535C3A31A3}" srcOrd="3" destOrd="0" parTransId="{E1D6882F-7F41-4B9B-8326-079D0B7775D3}" sibTransId="{BF904E21-59DA-42DB-BE7C-359EAF11BFDB}"/>
     <dgm:cxn modelId="{D74F0E62-DE98-4010-8B2E-1EAAA9E56350}" type="presOf" srcId="{14E5A95F-9DC9-4E33-B709-14C57323ACAA}" destId="{0B5562C5-56E9-4F94-AD9A-09B6AA6E206F}" srcOrd="0" destOrd="0" presId="urn:microsoft.com/office/officeart/2005/8/layout/radial5"/>
-    <dgm:cxn modelId="{5EBF790F-CC7C-4BBA-98A7-614FB5283795}" srcId="{D3864EA6-13E7-440F-948B-8118F5878A44}" destId="{6461E40C-FAF1-4C11-9CA4-01B7756558A8}" srcOrd="1" destOrd="0" parTransId="{5418FCE5-0AC2-479F-8F47-D35F7A60BD8D}" sibTransId="{3D67A8BA-4FB2-401F-A3C1-92132B645061}"/>
-    <dgm:cxn modelId="{7834DFDC-DD97-4D0F-B547-27AB53428B4B}" srcId="{19675BB5-4BE3-4E06-B2B3-AAA3D107C1A8}" destId="{D3864EA6-13E7-440F-948B-8118F5878A44}" srcOrd="0" destOrd="0" parTransId="{5F920266-1B6A-4D7D-8C8B-D20E2934BF67}" sibTransId="{F4FE127A-F33D-4F59-961D-A505D5A781EE}"/>
-    <dgm:cxn modelId="{7EB75183-B20B-4EE8-AF71-83BA84E1BE0D}" type="presOf" srcId="{8F21B166-5620-46A8-A5DD-72EAE361E61D}" destId="{470BEB95-5498-4076-A7AD-52EA2D6058A0}" srcOrd="0" destOrd="0" presId="urn:microsoft.com/office/officeart/2005/8/layout/radial5"/>
-    <dgm:cxn modelId="{F383A1C8-295E-4F6E-9C5D-67AA4DB4F7EB}" type="presOf" srcId="{ED3CCD02-8D75-4A08-AD85-C5F828B29313}" destId="{79A2186A-8429-4E95-A4D2-214813090081}" srcOrd="1" destOrd="0" presId="urn:microsoft.com/office/officeart/2005/8/layout/radial5"/>
-    <dgm:cxn modelId="{4D341991-5DB3-4739-89C1-0B6A24A114E8}" type="presOf" srcId="{5418FCE5-0AC2-479F-8F47-D35F7A60BD8D}" destId="{4873F644-A37B-4263-BDD3-7D4AECF93436}" srcOrd="0" destOrd="0" presId="urn:microsoft.com/office/officeart/2005/8/layout/radial5"/>
-    <dgm:cxn modelId="{67029EA3-AC4E-48C5-87CF-57A4733799CA}" type="presOf" srcId="{E1D6882F-7F41-4B9B-8326-079D0B7775D3}" destId="{D9C29361-9907-4AA5-9D4C-465D8E4516DA}" srcOrd="1" destOrd="0" presId="urn:microsoft.com/office/officeart/2005/8/layout/radial5"/>
-    <dgm:cxn modelId="{B78770BC-227B-404F-8185-2F70ECA32605}" srcId="{D3864EA6-13E7-440F-948B-8118F5878A44}" destId="{14E5A95F-9DC9-4E33-B709-14C57323ACAA}" srcOrd="2" destOrd="0" parTransId="{CFE62A0D-AFCB-42FF-A2F7-4127DE6E4A06}" sibTransId="{87455A86-154D-4572-BF6D-F5FEBED08194}"/>
-    <dgm:cxn modelId="{33CA9426-6028-4F9E-ADDB-AA3042A81F7D}" type="presOf" srcId="{6461E40C-FAF1-4C11-9CA4-01B7756558A8}" destId="{8FE55D76-69B8-469D-BE4A-A0F9F69D5110}" srcOrd="0" destOrd="0" presId="urn:microsoft.com/office/officeart/2005/8/layout/radial5"/>
-    <dgm:cxn modelId="{459BE59C-8527-4040-AA6D-E00460E9E8BD}" type="presOf" srcId="{D3864EA6-13E7-440F-948B-8118F5878A44}" destId="{7ADCFBEC-172E-41BB-B545-FE2085E0B744}" srcOrd="0" destOrd="0" presId="urn:microsoft.com/office/officeart/2005/8/layout/radial5"/>
-    <dgm:cxn modelId="{F20E6E35-2EF6-49E1-BCE2-AF737813AC7F}" srcId="{D3864EA6-13E7-440F-948B-8118F5878A44}" destId="{C2B16F5E-4FD9-4E6C-984C-5FB34252F788}" srcOrd="4" destOrd="0" parTransId="{8F21B166-5620-46A8-A5DD-72EAE361E61D}" sibTransId="{D972BA52-9B06-4D48-9819-200C1326EA4D}"/>
-    <dgm:cxn modelId="{F67B8136-3A2B-408C-9570-C50B3786C6D1}" srcId="{D3864EA6-13E7-440F-948B-8118F5878A44}" destId="{9A038BAD-1DAA-4E08-AF5C-7A535C3A31A3}" srcOrd="3" destOrd="0" parTransId="{E1D6882F-7F41-4B9B-8326-079D0B7775D3}" sibTransId="{BF904E21-59DA-42DB-BE7C-359EAF11BFDB}"/>
-    <dgm:cxn modelId="{33010AF7-9670-4113-8A43-897FBCF42E9F}" type="presOf" srcId="{CFE62A0D-AFCB-42FF-A2F7-4127DE6E4A06}" destId="{8999D690-D432-4F1A-B2AE-D98A61E6F24A}" srcOrd="0" destOrd="0" presId="urn:microsoft.com/office/officeart/2005/8/layout/radial5"/>
-    <dgm:cxn modelId="{9D61B47E-7F41-4639-962A-9097B26F323C}" type="presOf" srcId="{5418FCE5-0AC2-479F-8F47-D35F7A60BD8D}" destId="{AF2E0478-D773-4966-9A95-8E70AD7139B7}" srcOrd="1" destOrd="0" presId="urn:microsoft.com/office/officeart/2005/8/layout/radial5"/>
     <dgm:cxn modelId="{7A2CDD09-A224-4181-B0A8-F745690C8BD3}" type="presParOf" srcId="{EB09D521-9D02-4B4D-80CB-EB847731A63E}" destId="{7ADCFBEC-172E-41BB-B545-FE2085E0B744}" srcOrd="0" destOrd="0" presId="urn:microsoft.com/office/officeart/2005/8/layout/radial5"/>
     <dgm:cxn modelId="{7BB1E9F2-577C-4EDD-9E82-599DABB04466}" type="presParOf" srcId="{EB09D521-9D02-4B4D-80CB-EB847731A63E}" destId="{E09D1B4B-09AE-4B1F-A409-CE344F8F9185}" srcOrd="1" destOrd="0" presId="urn:microsoft.com/office/officeart/2005/8/layout/radial5"/>
     <dgm:cxn modelId="{E09E266F-8E22-44BE-8978-A502F4303C38}" type="presParOf" srcId="{E09D1B4B-09AE-4B1F-A409-CE344F8F9185}" destId="{79A2186A-8429-4E95-A4D2-214813090081}" srcOrd="0" destOrd="0" presId="urn:microsoft.com/office/officeart/2005/8/layout/radial5"/>
@@ -2622,580 +1412,14 @@
   <dgm:whole/>
   <dgm:extLst>
     <a:ext uri="http://schemas.microsoft.com/office/drawing/2008/diagram">
-      <dsp:dataModelExt xmlns:dsp="http://schemas.microsoft.com/office/drawing/2008/diagram" xmlns="" relId="rId10" minVer="http://schemas.openxmlformats.org/drawingml/2006/diagram"/>
+      <dsp:dataModelExt xmlns:dsp="http://schemas.microsoft.com/office/drawing/2008/diagram" relId="rId10" minVer="http://schemas.openxmlformats.org/drawingml/2006/diagram"/>
     </a:ext>
   </dgm:extLst>
 </dgm:dataModel>
 </file>
 
 <file path=ppt/diagrams/drawing1.xml><?xml version="1.0" encoding="utf-8"?>
-<dsp:drawing xmlns:dgm="http://schemas.openxmlformats.org/drawingml/2006/diagram" xmlns:a="http://schemas.openxmlformats.org/drawingml/2006/main" xmlns:dsp="http://schemas.microsoft.com/office/drawing/2008/diagram">
-  <dsp:spTree>
-    <dsp:nvGrpSpPr>
-      <dsp:cNvPr id="0" name=""/>
-      <dsp:cNvGrpSpPr/>
-    </dsp:nvGrpSpPr>
-    <dsp:grpSpPr/>
-    <dsp:sp modelId="{82ED47FD-CD8E-4EC8-A7E3-BF3AC4BC5C1A}">
-      <dsp:nvSpPr>
-        <dsp:cNvPr id="0" name=""/>
-        <dsp:cNvSpPr/>
-      </dsp:nvSpPr>
-      <dsp:spPr>
-        <a:xfrm>
-          <a:off x="650026" y="358817"/>
-          <a:ext cx="8952255" cy="5546552"/>
-        </a:xfrm>
-        <a:prstGeom prst="swooshArrow">
-          <a:avLst>
-            <a:gd name="adj1" fmla="val 25000"/>
-            <a:gd name="adj2" fmla="val 25000"/>
-          </a:avLst>
-        </a:prstGeom>
-        <a:solidFill>
-          <a:schemeClr val="accent3">
-            <a:tint val="40000"/>
-            <a:hueOff val="0"/>
-            <a:satOff val="0"/>
-            <a:lumOff val="0"/>
-            <a:alphaOff val="0"/>
-          </a:schemeClr>
-        </a:solidFill>
-        <a:ln>
-          <a:noFill/>
-        </a:ln>
-        <a:effectLst/>
-        <a:sp3d z="-400500" extrusionH="63500" contourW="12700" prstMaterial="matte">
-          <a:contourClr>
-            <a:schemeClr val="lt1">
-              <a:tint val="50000"/>
-            </a:schemeClr>
-          </a:contourClr>
-        </a:sp3d>
-      </dsp:spPr>
-      <dsp:style>
-        <a:lnRef idx="0">
-          <a:scrgbClr r="0" g="0" b="0"/>
-        </a:lnRef>
-        <a:fillRef idx="1">
-          <a:scrgbClr r="0" g="0" b="0"/>
-        </a:fillRef>
-        <a:effectRef idx="0">
-          <a:scrgbClr r="0" g="0" b="0"/>
-        </a:effectRef>
-        <a:fontRef idx="minor"/>
-      </dsp:style>
-    </dsp:sp>
-    <dsp:sp modelId="{A94E7C76-C16F-47F1-B4F1-C2CF2270A7E9}">
-      <dsp:nvSpPr>
-        <dsp:cNvPr id="0" name=""/>
-        <dsp:cNvSpPr/>
-      </dsp:nvSpPr>
-      <dsp:spPr>
-        <a:xfrm>
-          <a:off x="1222380" y="4725454"/>
-          <a:ext cx="237236" cy="237236"/>
-        </a:xfrm>
-        <a:prstGeom prst="ellipse">
-          <a:avLst/>
-        </a:prstGeom>
-        <a:solidFill>
-          <a:schemeClr val="accent3">
-            <a:hueOff val="0"/>
-            <a:satOff val="0"/>
-            <a:lumOff val="0"/>
-            <a:alphaOff val="0"/>
-          </a:schemeClr>
-        </a:solidFill>
-        <a:ln>
-          <a:noFill/>
-        </a:ln>
-        <a:effectLst/>
-        <a:sp3d extrusionH="381000" contourW="38100" prstMaterial="matte">
-          <a:contourClr>
-            <a:schemeClr val="lt1"/>
-          </a:contourClr>
-        </a:sp3d>
-      </dsp:spPr>
-      <dsp:style>
-        <a:lnRef idx="0">
-          <a:scrgbClr r="0" g="0" b="0"/>
-        </a:lnRef>
-        <a:fillRef idx="1">
-          <a:scrgbClr r="0" g="0" b="0"/>
-        </a:fillRef>
-        <a:effectRef idx="0">
-          <a:scrgbClr r="0" g="0" b="0"/>
-        </a:effectRef>
-        <a:fontRef idx="minor">
-          <a:schemeClr val="lt1"/>
-        </a:fontRef>
-      </dsp:style>
-    </dsp:sp>
-    <dsp:sp modelId="{48F9B62B-8095-40B1-882D-7B164B0C8B69}">
-      <dsp:nvSpPr>
-        <dsp:cNvPr id="0" name=""/>
-        <dsp:cNvSpPr/>
-      </dsp:nvSpPr>
-      <dsp:spPr>
-        <a:xfrm>
-          <a:off x="1179961" y="5179927"/>
-          <a:ext cx="2128498" cy="1534298"/>
-        </a:xfrm>
-        <a:prstGeom prst="rect">
-          <a:avLst/>
-        </a:prstGeom>
-        <a:noFill/>
-        <a:ln>
-          <a:noFill/>
-        </a:ln>
-        <a:effectLst/>
-      </dsp:spPr>
-      <dsp:style>
-        <a:lnRef idx="0">
-          <a:scrgbClr r="0" g="0" b="0"/>
-        </a:lnRef>
-        <a:fillRef idx="0">
-          <a:scrgbClr r="0" g="0" b="0"/>
-        </a:fillRef>
-        <a:effectRef idx="0">
-          <a:scrgbClr r="0" g="0" b="0"/>
-        </a:effectRef>
-        <a:fontRef idx="minor"/>
-      </dsp:style>
-      <dsp:txBody>
-        <a:bodyPr spcFirstLastPara="0" vert="horz" wrap="square" lIns="125706" tIns="0" rIns="0" bIns="0" numCol="1" spcCol="1270" anchor="t" anchorCtr="0">
-          <a:noAutofit/>
-        </a:bodyPr>
-        <a:lstStyle/>
-        <a:p>
-          <a:pPr lvl="0" algn="l" defTabSz="889000">
-            <a:lnSpc>
-              <a:spcPct val="90000"/>
-            </a:lnSpc>
-            <a:spcBef>
-              <a:spcPct val="0"/>
-            </a:spcBef>
-            <a:spcAft>
-              <a:spcPct val="35000"/>
-            </a:spcAft>
-          </a:pPr>
-          <a:r>
-            <a:rPr lang="en-US" sz="2000" kern="1200" dirty="0" smtClean="0"/>
-            <a:t>Design for games and plan of attack</a:t>
-          </a:r>
-          <a:endParaRPr lang="en-US" sz="2000" kern="1200" dirty="0"/>
-        </a:p>
-        <a:p>
-          <a:pPr marL="228600" lvl="1" indent="-228600" algn="l" defTabSz="889000">
-            <a:lnSpc>
-              <a:spcPct val="90000"/>
-            </a:lnSpc>
-            <a:spcBef>
-              <a:spcPct val="0"/>
-            </a:spcBef>
-            <a:spcAft>
-              <a:spcPct val="15000"/>
-            </a:spcAft>
-            <a:buChar char="••"/>
-          </a:pPr>
-          <a:r>
-            <a:rPr lang="en-US" sz="2000" kern="1200" dirty="0" smtClean="0"/>
-            <a:t>Done</a:t>
-          </a:r>
-          <a:endParaRPr lang="en-US" sz="2000" kern="1200" dirty="0"/>
-        </a:p>
-      </dsp:txBody>
-      <dsp:txXfrm>
-        <a:off x="1179961" y="5179927"/>
-        <a:ext cx="2128498" cy="1534298"/>
-      </dsp:txXfrm>
-    </dsp:sp>
-    <dsp:sp modelId="{0CFC4447-43F4-414D-A014-8F5BDE3BC5FF}">
-      <dsp:nvSpPr>
-        <dsp:cNvPr id="0" name=""/>
-        <dsp:cNvSpPr/>
-      </dsp:nvSpPr>
-      <dsp:spPr>
-        <a:xfrm>
-          <a:off x="2627304" y="3412116"/>
-          <a:ext cx="412584" cy="412584"/>
-        </a:xfrm>
-        <a:prstGeom prst="ellipse">
-          <a:avLst/>
-        </a:prstGeom>
-        <a:solidFill>
-          <a:schemeClr val="accent3">
-            <a:hueOff val="-379119"/>
-            <a:satOff val="-1563"/>
-            <a:lumOff val="-328"/>
-            <a:alphaOff val="0"/>
-          </a:schemeClr>
-        </a:solidFill>
-        <a:ln>
-          <a:noFill/>
-        </a:ln>
-        <a:effectLst/>
-        <a:sp3d extrusionH="381000" contourW="38100" prstMaterial="matte">
-          <a:contourClr>
-            <a:schemeClr val="lt1"/>
-          </a:contourClr>
-        </a:sp3d>
-      </dsp:spPr>
-      <dsp:style>
-        <a:lnRef idx="0">
-          <a:scrgbClr r="0" g="0" b="0"/>
-        </a:lnRef>
-        <a:fillRef idx="1">
-          <a:scrgbClr r="0" g="0" b="0"/>
-        </a:fillRef>
-        <a:effectRef idx="0">
-          <a:scrgbClr r="0" g="0" b="0"/>
-        </a:effectRef>
-        <a:fontRef idx="minor">
-          <a:schemeClr val="lt1"/>
-        </a:fontRef>
-      </dsp:style>
-    </dsp:sp>
-    <dsp:sp modelId="{389CF004-91C6-4868-93F7-537D5C97980B}">
-      <dsp:nvSpPr>
-        <dsp:cNvPr id="0" name=""/>
-        <dsp:cNvSpPr/>
-      </dsp:nvSpPr>
-      <dsp:spPr>
-        <a:xfrm>
-          <a:off x="2650669" y="4213925"/>
-          <a:ext cx="2166067" cy="2402994"/>
-        </a:xfrm>
-        <a:prstGeom prst="rect">
-          <a:avLst/>
-        </a:prstGeom>
-        <a:noFill/>
-        <a:ln>
-          <a:noFill/>
-        </a:ln>
-        <a:effectLst/>
-      </dsp:spPr>
-      <dsp:style>
-        <a:lnRef idx="0">
-          <a:scrgbClr r="0" g="0" b="0"/>
-        </a:lnRef>
-        <a:fillRef idx="0">
-          <a:scrgbClr r="0" g="0" b="0"/>
-        </a:fillRef>
-        <a:effectRef idx="0">
-          <a:scrgbClr r="0" g="0" b="0"/>
-        </a:effectRef>
-        <a:fontRef idx="minor"/>
-      </dsp:style>
-      <dsp:txBody>
-        <a:bodyPr spcFirstLastPara="0" vert="horz" wrap="square" lIns="218620" tIns="0" rIns="0" bIns="0" numCol="1" spcCol="1270" anchor="t" anchorCtr="0">
-          <a:noAutofit/>
-        </a:bodyPr>
-        <a:lstStyle/>
-        <a:p>
-          <a:pPr lvl="0" algn="l" defTabSz="889000">
-            <a:lnSpc>
-              <a:spcPct val="90000"/>
-            </a:lnSpc>
-            <a:spcBef>
-              <a:spcPct val="0"/>
-            </a:spcBef>
-            <a:spcAft>
-              <a:spcPct val="35000"/>
-            </a:spcAft>
-          </a:pPr>
-          <a:r>
-            <a:rPr lang="en-US" sz="2000" kern="1200" dirty="0" smtClean="0"/>
-            <a:t>Kinect Model Game Complete</a:t>
-          </a:r>
-          <a:endParaRPr lang="en-US" sz="2000" kern="1200" dirty="0"/>
-        </a:p>
-        <a:p>
-          <a:pPr marL="228600" lvl="1" indent="-228600" algn="l" defTabSz="889000">
-            <a:lnSpc>
-              <a:spcPct val="90000"/>
-            </a:lnSpc>
-            <a:spcBef>
-              <a:spcPct val="0"/>
-            </a:spcBef>
-            <a:spcAft>
-              <a:spcPct val="15000"/>
-            </a:spcAft>
-            <a:buChar char="••"/>
-          </a:pPr>
-          <a:r>
-            <a:rPr lang="en-US" sz="2000" kern="1200" dirty="0" smtClean="0"/>
-            <a:t>Capstone I </a:t>
-          </a:r>
-          <a:endParaRPr lang="en-US" sz="2000" kern="1200" dirty="0"/>
-        </a:p>
-      </dsp:txBody>
-      <dsp:txXfrm>
-        <a:off x="2650669" y="4213925"/>
-        <a:ext cx="2166067" cy="2402994"/>
-      </dsp:txXfrm>
-    </dsp:sp>
-    <dsp:sp modelId="{8D49C94D-D2A4-4464-8383-D3C12F8B2538}">
-      <dsp:nvSpPr>
-        <dsp:cNvPr id="0" name=""/>
-        <dsp:cNvSpPr/>
-      </dsp:nvSpPr>
-      <dsp:spPr>
-        <a:xfrm>
-          <a:off x="4476158" y="2372555"/>
-          <a:ext cx="546674" cy="546674"/>
-        </a:xfrm>
-        <a:prstGeom prst="ellipse">
-          <a:avLst/>
-        </a:prstGeom>
-        <a:solidFill>
-          <a:schemeClr val="accent3">
-            <a:hueOff val="-758238"/>
-            <a:satOff val="-3126"/>
-            <a:lumOff val="-655"/>
-            <a:alphaOff val="0"/>
-          </a:schemeClr>
-        </a:solidFill>
-        <a:ln>
-          <a:noFill/>
-        </a:ln>
-        <a:effectLst/>
-        <a:sp3d extrusionH="381000" contourW="38100" prstMaterial="matte">
-          <a:contourClr>
-            <a:schemeClr val="lt1"/>
-          </a:contourClr>
-        </a:sp3d>
-      </dsp:spPr>
-      <dsp:style>
-        <a:lnRef idx="0">
-          <a:scrgbClr r="0" g="0" b="0"/>
-        </a:lnRef>
-        <a:fillRef idx="1">
-          <a:scrgbClr r="0" g="0" b="0"/>
-        </a:fillRef>
-        <a:effectRef idx="0">
-          <a:scrgbClr r="0" g="0" b="0"/>
-        </a:effectRef>
-        <a:fontRef idx="minor">
-          <a:schemeClr val="lt1"/>
-        </a:fontRef>
-      </dsp:style>
-    </dsp:sp>
-    <dsp:sp modelId="{5E71A06C-9747-4CAE-BA21-E9C2A4D6678D}">
-      <dsp:nvSpPr>
-        <dsp:cNvPr id="0" name=""/>
-        <dsp:cNvSpPr/>
-      </dsp:nvSpPr>
-      <dsp:spPr>
-        <a:xfrm>
-          <a:off x="4476161" y="3314029"/>
-          <a:ext cx="2166067" cy="2427103"/>
-        </a:xfrm>
-        <a:prstGeom prst="rect">
-          <a:avLst/>
-        </a:prstGeom>
-        <a:noFill/>
-        <a:ln>
-          <a:noFill/>
-        </a:ln>
-        <a:effectLst/>
-      </dsp:spPr>
-      <dsp:style>
-        <a:lnRef idx="0">
-          <a:scrgbClr r="0" g="0" b="0"/>
-        </a:lnRef>
-        <a:fillRef idx="0">
-          <a:scrgbClr r="0" g="0" b="0"/>
-        </a:fillRef>
-        <a:effectRef idx="0">
-          <a:scrgbClr r="0" g="0" b="0"/>
-        </a:effectRef>
-        <a:fontRef idx="minor"/>
-      </dsp:style>
-      <dsp:txBody>
-        <a:bodyPr spcFirstLastPara="0" vert="horz" wrap="square" lIns="289671" tIns="0" rIns="0" bIns="0" numCol="1" spcCol="1270" anchor="t" anchorCtr="0">
-          <a:noAutofit/>
-        </a:bodyPr>
-        <a:lstStyle/>
-        <a:p>
-          <a:pPr lvl="0" algn="l" defTabSz="889000">
-            <a:lnSpc>
-              <a:spcPct val="90000"/>
-            </a:lnSpc>
-            <a:spcBef>
-              <a:spcPct val="0"/>
-            </a:spcBef>
-            <a:spcAft>
-              <a:spcPct val="35000"/>
-            </a:spcAft>
-          </a:pPr>
-          <a:r>
-            <a:rPr lang="en-US" sz="2000" kern="1200" dirty="0" smtClean="0"/>
-            <a:t>Implantation of </a:t>
-          </a:r>
-          <a:r>
-            <a:rPr lang="en-US" sz="2000" kern="1200" dirty="0" err="1" smtClean="0"/>
-            <a:t>AngryPrims</a:t>
-          </a:r>
-          <a:endParaRPr lang="en-US" sz="2000" kern="1200" dirty="0"/>
-        </a:p>
-        <a:p>
-          <a:pPr marL="228600" lvl="1" indent="-228600" algn="l" defTabSz="889000">
-            <a:lnSpc>
-              <a:spcPct val="90000"/>
-            </a:lnSpc>
-            <a:spcBef>
-              <a:spcPct val="0"/>
-            </a:spcBef>
-            <a:spcAft>
-              <a:spcPct val="15000"/>
-            </a:spcAft>
-            <a:buChar char="••"/>
-          </a:pPr>
-          <a:r>
-            <a:rPr lang="en-US" sz="2000" kern="1200" dirty="0" smtClean="0"/>
-            <a:t>Capstone II</a:t>
-          </a:r>
-          <a:endParaRPr lang="en-US" sz="2000" kern="1200" dirty="0"/>
-        </a:p>
-      </dsp:txBody>
-      <dsp:txXfrm>
-        <a:off x="4476161" y="3314029"/>
-        <a:ext cx="2166067" cy="2427103"/>
-      </dsp:txXfrm>
-    </dsp:sp>
-    <dsp:sp modelId="{A9227355-A6E4-4C01-AB6A-08B68C0ABB91}">
-      <dsp:nvSpPr>
-        <dsp:cNvPr id="0" name=""/>
-        <dsp:cNvSpPr/>
-      </dsp:nvSpPr>
-      <dsp:spPr>
-        <a:xfrm>
-          <a:off x="6714217" y="1635956"/>
-          <a:ext cx="732337" cy="732337"/>
-        </a:xfrm>
-        <a:prstGeom prst="ellipse">
-          <a:avLst/>
-        </a:prstGeom>
-        <a:solidFill>
-          <a:schemeClr val="accent3">
-            <a:hueOff val="-1137357"/>
-            <a:satOff val="-4689"/>
-            <a:lumOff val="-983"/>
-            <a:alphaOff val="0"/>
-          </a:schemeClr>
-        </a:solidFill>
-        <a:ln>
-          <a:noFill/>
-        </a:ln>
-        <a:effectLst/>
-        <a:sp3d extrusionH="381000" contourW="38100" prstMaterial="matte">
-          <a:contourClr>
-            <a:schemeClr val="lt1"/>
-          </a:contourClr>
-        </a:sp3d>
-      </dsp:spPr>
-      <dsp:style>
-        <a:lnRef idx="0">
-          <a:scrgbClr r="0" g="0" b="0"/>
-        </a:lnRef>
-        <a:fillRef idx="1">
-          <a:scrgbClr r="0" g="0" b="0"/>
-        </a:fillRef>
-        <a:effectRef idx="0">
-          <a:scrgbClr r="0" g="0" b="0"/>
-        </a:effectRef>
-        <a:fontRef idx="minor">
-          <a:schemeClr val="lt1"/>
-        </a:fontRef>
-      </dsp:style>
-    </dsp:sp>
-    <dsp:sp modelId="{DB2CD8C7-A5B3-49A1-81CC-0EEDDDF3DB4E}">
-      <dsp:nvSpPr>
-        <dsp:cNvPr id="0" name=""/>
-        <dsp:cNvSpPr/>
-      </dsp:nvSpPr>
-      <dsp:spPr>
-        <a:xfrm>
-          <a:off x="6811524" y="2724620"/>
-          <a:ext cx="2166067" cy="2983605"/>
-        </a:xfrm>
-        <a:prstGeom prst="rect">
-          <a:avLst/>
-        </a:prstGeom>
-        <a:noFill/>
-        <a:ln>
-          <a:noFill/>
-        </a:ln>
-        <a:effectLst/>
-      </dsp:spPr>
-      <dsp:style>
-        <a:lnRef idx="0">
-          <a:scrgbClr r="0" g="0" b="0"/>
-        </a:lnRef>
-        <a:fillRef idx="0">
-          <a:scrgbClr r="0" g="0" b="0"/>
-        </a:fillRef>
-        <a:effectRef idx="0">
-          <a:scrgbClr r="0" g="0" b="0"/>
-        </a:effectRef>
-        <a:fontRef idx="minor"/>
-      </dsp:style>
-      <dsp:txBody>
-        <a:bodyPr spcFirstLastPara="0" vert="horz" wrap="square" lIns="388050" tIns="0" rIns="0" bIns="0" numCol="1" spcCol="1270" anchor="t" anchorCtr="0">
-          <a:noAutofit/>
-        </a:bodyPr>
-        <a:lstStyle/>
-        <a:p>
-          <a:pPr lvl="0" algn="l" defTabSz="889000">
-            <a:lnSpc>
-              <a:spcPct val="90000"/>
-            </a:lnSpc>
-            <a:spcBef>
-              <a:spcPct val="0"/>
-            </a:spcBef>
-            <a:spcAft>
-              <a:spcPct val="35000"/>
-            </a:spcAft>
-          </a:pPr>
-          <a:r>
-            <a:rPr lang="en-US" sz="2000" kern="1200" dirty="0" smtClean="0"/>
-            <a:t>Completion </a:t>
-          </a:r>
-          <a:endParaRPr lang="en-US" sz="2000" kern="1200" dirty="0"/>
-        </a:p>
-        <a:p>
-          <a:pPr marL="228600" lvl="1" indent="-228600" algn="l" defTabSz="889000">
-            <a:lnSpc>
-              <a:spcPct val="90000"/>
-            </a:lnSpc>
-            <a:spcBef>
-              <a:spcPct val="0"/>
-            </a:spcBef>
-            <a:spcAft>
-              <a:spcPct val="15000"/>
-            </a:spcAft>
-            <a:buChar char="••"/>
-          </a:pPr>
-          <a:r>
-            <a:rPr lang="en-US" sz="2000" kern="1200" dirty="0" smtClean="0"/>
-            <a:t>End    Capstone II</a:t>
-          </a:r>
-          <a:endParaRPr lang="en-US" sz="2000" kern="1200" dirty="0"/>
-        </a:p>
-      </dsp:txBody>
-      <dsp:txXfrm>
-        <a:off x="6811524" y="2724620"/>
-        <a:ext cx="2166067" cy="2983605"/>
-      </dsp:txXfrm>
-    </dsp:sp>
-  </dsp:spTree>
-</dsp:drawing>
-</file>
-
-<file path=ppt/diagrams/drawing2.xml><?xml version="1.0" encoding="utf-8"?>
-<dsp:drawing xmlns:dgm="http://schemas.openxmlformats.org/drawingml/2006/diagram" xmlns:a="http://schemas.openxmlformats.org/drawingml/2006/main" xmlns:dsp="http://schemas.microsoft.com/office/drawing/2008/diagram">
+<dsp:drawing xmlns:dgm="http://schemas.openxmlformats.org/drawingml/2006/diagram" xmlns:dsp="http://schemas.microsoft.com/office/drawing/2008/diagram" xmlns:a="http://schemas.openxmlformats.org/drawingml/2006/main">
   <dsp:spTree>
     <dsp:nvGrpSpPr>
       <dsp:cNvPr id="0" name=""/>
@@ -3325,8 +1549,8 @@
         </a:p>
       </dsp:txBody>
       <dsp:txXfrm>
-        <a:off x="3337689" y="1658658"/>
-        <a:ext cx="1668520" cy="1668520"/>
+        <a:off x="3582038" y="1903007"/>
+        <a:ext cx="1179822" cy="1179822"/>
       </dsp:txXfrm>
     </dsp:sp>
     <dsp:sp modelId="{E09D1B4B-09AE-4B1F-A409-CE344F8F9185}">
@@ -3448,9 +1672,9 @@
           <a:endParaRPr lang="en-US" sz="1900" kern="1200"/>
         </a:p>
       </dsp:txBody>
-      <dsp:txXfrm rot="16179437">
-        <a:off x="4111457" y="1335520"/>
-        <a:ext cx="109803" cy="445347"/>
+      <dsp:txXfrm rot="10800000">
+        <a:off x="4128026" y="1441059"/>
+        <a:ext cx="76862" cy="267209"/>
       </dsp:txXfrm>
     </dsp:sp>
     <dsp:sp modelId="{60779230-642B-46DB-B5CA-FC2220C38859}">
@@ -3576,8 +1800,8 @@
         </a:p>
       </dsp:txBody>
       <dsp:txXfrm>
-        <a:off x="3390904" y="-88903"/>
-        <a:ext cx="1540417" cy="1540417"/>
+        <a:off x="3616493" y="136686"/>
+        <a:ext cx="1089239" cy="1089239"/>
       </dsp:txXfrm>
     </dsp:sp>
     <dsp:sp modelId="{4873F644-A37B-4263-BDD3-7D4AECF93436}">
@@ -3586,9 +1810,9 @@
         <dsp:cNvSpPr/>
       </dsp:nvSpPr>
       <dsp:spPr>
-        <a:xfrm rot="20520000">
-          <a:off x="5010503" y="1977985"/>
-          <a:ext cx="121859" cy="445347"/>
+        <a:xfrm rot="20508725">
+          <a:off x="5005956" y="1977808"/>
+          <a:ext cx="112156" cy="445347"/>
         </a:xfrm>
         <a:prstGeom prst="rightArrow">
           <a:avLst>
@@ -3699,9 +1923,9 @@
           <a:endParaRPr lang="en-US" sz="1900" kern="1200"/>
         </a:p>
       </dsp:txBody>
-      <dsp:txXfrm rot="20520000">
-        <a:off x="5010503" y="1977985"/>
-        <a:ext cx="121859" cy="445347"/>
+      <dsp:txXfrm>
+        <a:off x="5006797" y="2072128"/>
+        <a:ext cx="78509" cy="267209"/>
       </dsp:txXfrm>
     </dsp:sp>
     <dsp:sp modelId="{8FE55D76-69B8-469D-BE4A-A0F9F69D5110}">
@@ -3711,7 +1935,7 @@
       </dsp:nvSpPr>
       <dsp:spPr>
         <a:xfrm>
-          <a:off x="5146351" y="1155851"/>
+          <a:off x="5127090" y="1155847"/>
           <a:ext cx="1540417" cy="1540417"/>
         </a:xfrm>
         <a:prstGeom prst="ellipse">
@@ -3820,15 +2044,23 @@
             </a:spcAft>
           </a:pPr>
           <a:r>
+            <a:rPr lang="en-US" sz="1300" b="1" kern="1200" spc="-10" baseline="0" dirty="0" err="1" smtClean="0"/>
+            <a:t>Kinect</a:t>
+          </a:r>
+          <a:r>
             <a:rPr lang="en-US" sz="1300" b="1" kern="1200" spc="-10" baseline="0" dirty="0" smtClean="0"/>
-            <a:t>Kinect Client</a:t>
+            <a:t> </a:t>
+          </a:r>
+          <a:r>
+            <a:rPr lang="en-US" sz="1300" b="1" kern="1200" spc="-10" baseline="0" dirty="0" smtClean="0"/>
+            <a:t>Client and Gestures</a:t>
           </a:r>
           <a:endParaRPr lang="en-US" sz="1300" b="1" kern="1200" spc="-10" baseline="0" dirty="0"/>
         </a:p>
       </dsp:txBody>
       <dsp:txXfrm>
-        <a:off x="5146351" y="1155851"/>
-        <a:ext cx="1540417" cy="1540417"/>
+        <a:off x="5352679" y="1381436"/>
+        <a:ext cx="1089239" cy="1089239"/>
       </dsp:txXfrm>
     </dsp:sp>
     <dsp:sp modelId="{8999D690-D432-4F1A-B2AE-D98A61E6F24A}">
@@ -3950,9 +2182,9 @@
           <a:endParaRPr lang="en-US" sz="1900" kern="1200"/>
         </a:p>
       </dsp:txBody>
-      <dsp:txXfrm rot="3240000">
-        <a:off x="4666931" y="3035391"/>
-        <a:ext cx="121859" cy="445347"/>
+      <dsp:txXfrm>
+        <a:off x="4674466" y="3109672"/>
+        <a:ext cx="85301" cy="267209"/>
       </dsp:txXfrm>
     </dsp:sp>
     <dsp:sp modelId="{0B5562C5-56E9-4F94-AD9A-09B6AA6E206F}">
@@ -4078,8 +2310,8 @@
         </a:p>
       </dsp:txBody>
       <dsp:txXfrm>
-        <a:off x="4479969" y="3206764"/>
-        <a:ext cx="1540417" cy="1540417"/>
+        <a:off x="4705558" y="3432353"/>
+        <a:ext cx="1089239" cy="1089239"/>
       </dsp:txXfrm>
     </dsp:sp>
     <dsp:sp modelId="{FB0FDE60-5A66-47CD-855C-10B0ABFAFF6D}">
@@ -4201,9 +2433,9 @@
           <a:endParaRPr lang="en-US" sz="1900" kern="1200"/>
         </a:p>
       </dsp:txBody>
-      <dsp:txXfrm rot="7560000">
-        <a:off x="3555109" y="3035391"/>
-        <a:ext cx="121859" cy="445347"/>
+      <dsp:txXfrm rot="10800000">
+        <a:off x="3584132" y="3109672"/>
+        <a:ext cx="85301" cy="267209"/>
       </dsp:txXfrm>
     </dsp:sp>
     <dsp:sp modelId="{492A8904-4F29-41B2-8DF6-9E5DB43B598E}">
@@ -4329,8 +2561,8 @@
         </a:p>
       </dsp:txBody>
       <dsp:txXfrm>
-        <a:off x="2323512" y="3206764"/>
-        <a:ext cx="1540417" cy="1540417"/>
+        <a:off x="2549101" y="3432353"/>
+        <a:ext cx="1089239" cy="1089239"/>
       </dsp:txXfrm>
     </dsp:sp>
     <dsp:sp modelId="{470BEB95-5498-4076-A7AD-52EA2D6058A0}">
@@ -4452,9 +2684,9 @@
           <a:endParaRPr lang="en-US" sz="1900" kern="1200"/>
         </a:p>
       </dsp:txBody>
-      <dsp:txXfrm rot="11880000">
-        <a:off x="3211536" y="1977985"/>
-        <a:ext cx="121859" cy="445347"/>
+      <dsp:txXfrm rot="10800000">
+        <a:off x="3247199" y="2072703"/>
+        <a:ext cx="85301" cy="267209"/>
       </dsp:txXfrm>
     </dsp:sp>
     <dsp:sp modelId="{A0AE6ABD-EFF8-41C2-907C-790C07DF522C}">
@@ -4574,14 +2806,31 @@
           </a:pPr>
           <a:r>
             <a:rPr lang="en-US" sz="1600" b="1" kern="1200" dirty="0" smtClean="0"/>
-            <a:t>Remote Teams</a:t>
+            <a:t>Game</a:t>
+          </a:r>
+        </a:p>
+        <a:p>
+          <a:pPr lvl="0" algn="ctr" defTabSz="711200">
+            <a:lnSpc>
+              <a:spcPct val="90000"/>
+            </a:lnSpc>
+            <a:spcBef>
+              <a:spcPct val="0"/>
+            </a:spcBef>
+            <a:spcAft>
+              <a:spcPct val="35000"/>
+            </a:spcAft>
+          </a:pPr>
+          <a:r>
+            <a:rPr lang="en-US" sz="1600" b="1" kern="1200" dirty="0" smtClean="0"/>
+            <a:t>Engine</a:t>
           </a:r>
           <a:endParaRPr lang="en-US" sz="1200" b="1" kern="1200" dirty="0"/>
         </a:p>
       </dsp:txBody>
       <dsp:txXfrm>
-        <a:off x="1657130" y="1155851"/>
-        <a:ext cx="1540417" cy="1540417"/>
+        <a:off x="1882719" y="1381440"/>
+        <a:ext cx="1089239" cy="1089239"/>
       </dsp:txXfrm>
     </dsp:sp>
   </dsp:spTree>
@@ -4589,1651 +2838,6 @@
 </file>
 
 <file path=ppt/diagrams/layout1.xml><?xml version="1.0" encoding="utf-8"?>
-<dgm:layoutDef xmlns:dgm="http://schemas.openxmlformats.org/drawingml/2006/diagram" xmlns:a="http://schemas.openxmlformats.org/drawingml/2006/main" uniqueId="urn:microsoft.com/office/officeart/2005/8/layout/arrow2">
-  <dgm:title val=""/>
-  <dgm:desc val=""/>
-  <dgm:catLst>
-    <dgm:cat type="process" pri="23000"/>
-  </dgm:catLst>
-  <dgm:sampData useDef="1">
-    <dgm:dataModel>
-      <dgm:ptLst/>
-      <dgm:bg/>
-      <dgm:whole/>
-    </dgm:dataModel>
-  </dgm:sampData>
-  <dgm:styleData>
-    <dgm:dataModel>
-      <dgm:ptLst>
-        <dgm:pt modelId="0" type="doc"/>
-        <dgm:pt modelId="1"/>
-        <dgm:pt modelId="2"/>
-      </dgm:ptLst>
-      <dgm:cxnLst>
-        <dgm:cxn modelId="3" srcId="0" destId="1" srcOrd="0" destOrd="0"/>
-        <dgm:cxn modelId="4" srcId="0" destId="2" srcOrd="1" destOrd="0"/>
-      </dgm:cxnLst>
-      <dgm:bg/>
-      <dgm:whole/>
-    </dgm:dataModel>
-  </dgm:styleData>
-  <dgm:clrData>
-    <dgm:dataModel>
-      <dgm:ptLst>
-        <dgm:pt modelId="0" type="doc"/>
-        <dgm:pt modelId="1"/>
-        <dgm:pt modelId="2"/>
-        <dgm:pt modelId="3"/>
-        <dgm:pt modelId="4"/>
-      </dgm:ptLst>
-      <dgm:cxnLst>
-        <dgm:cxn modelId="5" srcId="0" destId="1" srcOrd="0" destOrd="0"/>
-        <dgm:cxn modelId="6" srcId="0" destId="2" srcOrd="1" destOrd="0"/>
-        <dgm:cxn modelId="7" srcId="0" destId="3" srcOrd="2" destOrd="0"/>
-        <dgm:cxn modelId="8" srcId="0" destId="4" srcOrd="3" destOrd="0"/>
-      </dgm:cxnLst>
-      <dgm:bg/>
-      <dgm:whole/>
-    </dgm:dataModel>
-  </dgm:clrData>
-  <dgm:layoutNode name="arrowDiagram">
-    <dgm:varLst>
-      <dgm:chMax val="5"/>
-      <dgm:dir/>
-      <dgm:resizeHandles val="exact"/>
-    </dgm:varLst>
-    <dgm:alg type="composite">
-      <dgm:param type="ar" val="1.6"/>
-    </dgm:alg>
-    <dgm:shape xmlns:r="http://schemas.openxmlformats.org/officeDocument/2006/relationships" r:blip="">
-      <dgm:adjLst/>
-    </dgm:shape>
-    <dgm:presOf/>
-    <dgm:constrLst>
-      <dgm:constr type="l" for="ch" forName="arrow"/>
-      <dgm:constr type="t" for="ch" forName="arrow"/>
-      <dgm:constr type="w" for="ch" forName="arrow" refType="w"/>
-      <dgm:constr type="h" for="ch" forName="arrow" refType="h"/>
-      <dgm:constr type="ctrX" for="ch" forName="arrowDiagram1" refType="w" fact="0.5"/>
-      <dgm:constr type="ctrY" for="ch" forName="arrowDiagram1" refType="h" fact="0.5"/>
-      <dgm:constr type="w" for="ch" forName="arrowDiagram1" refType="w"/>
-      <dgm:constr type="h" for="ch" forName="arrowDiagram1" refType="h"/>
-      <dgm:constr type="ctrX" for="ch" forName="arrowDiagram2" refType="w" fact="0.5"/>
-      <dgm:constr type="ctrY" for="ch" forName="arrowDiagram2" refType="h" fact="0.5"/>
-      <dgm:constr type="w" for="ch" forName="arrowDiagram2" refType="w"/>
-      <dgm:constr type="h" for="ch" forName="arrowDiagram2" refType="h"/>
-      <dgm:constr type="ctrX" for="ch" forName="arrowDiagram3" refType="w" fact="0.5"/>
-      <dgm:constr type="ctrY" for="ch" forName="arrowDiagram3" refType="h" fact="0.5"/>
-      <dgm:constr type="w" for="ch" forName="arrowDiagram3" refType="w"/>
-      <dgm:constr type="h" for="ch" forName="arrowDiagram3" refType="h"/>
-      <dgm:constr type="ctrX" for="ch" forName="arrowDiagram4" refType="w" fact="0.5"/>
-      <dgm:constr type="ctrY" for="ch" forName="arrowDiagram4" refType="h" fact="0.5"/>
-      <dgm:constr type="w" for="ch" forName="arrowDiagram4" refType="w"/>
-      <dgm:constr type="h" for="ch" forName="arrowDiagram4" refType="h"/>
-      <dgm:constr type="ctrX" for="ch" forName="arrowDiagram5" refType="w" fact="0.5"/>
-      <dgm:constr type="ctrY" for="ch" forName="arrowDiagram5" refType="h" fact="0.5"/>
-      <dgm:constr type="w" for="ch" forName="arrowDiagram5" refType="w"/>
-      <dgm:constr type="h" for="ch" forName="arrowDiagram5" refType="h"/>
-    </dgm:constrLst>
-    <dgm:ruleLst/>
-    <dgm:choose name="Name0">
-      <dgm:if name="Name1" axis="ch" ptType="node" func="cnt" op="gte" val="1">
-        <dgm:layoutNode name="arrow" styleLbl="bgShp">
-          <dgm:alg type="sp"/>
-          <dgm:shape xmlns:r="http://schemas.openxmlformats.org/officeDocument/2006/relationships" type="swooshArrow" r:blip="">
-            <dgm:adjLst>
-              <dgm:adj idx="2" val="0.25"/>
-            </dgm:adjLst>
-          </dgm:shape>
-          <dgm:presOf/>
-          <dgm:constrLst/>
-          <dgm:ruleLst/>
-        </dgm:layoutNode>
-        <dgm:choose name="Name2">
-          <dgm:if name="Name3" axis="ch" ptType="node" func="cnt" op="lt" val="1"/>
-          <dgm:if name="Name4" axis="ch" ptType="node" func="cnt" op="equ" val="1">
-            <dgm:layoutNode name="arrowDiagram1">
-              <dgm:varLst>
-                <dgm:bulletEnabled val="1"/>
-              </dgm:varLst>
-              <dgm:alg type="composite">
-                <dgm:param type="vertAlign" val="none"/>
-                <dgm:param type="horzAlign" val="none"/>
-              </dgm:alg>
-              <dgm:shape xmlns:r="http://schemas.openxmlformats.org/officeDocument/2006/relationships" r:blip="">
-                <dgm:adjLst/>
-              </dgm:shape>
-              <dgm:presOf/>
-              <dgm:constrLst>
-                <dgm:constr type="ctrX" for="ch" forName="bullet1" refType="w" fact="0.8"/>
-                <dgm:constr type="ctrY" for="ch" forName="bullet1" refType="h" fact="0.262"/>
-                <dgm:constr type="w" for="ch" forName="bullet1" refType="w" fact="0.074"/>
-                <dgm:constr type="h" for="ch" forName="bullet1" refType="w" refFor="ch" refForName="bullet1"/>
-                <dgm:constr type="r" for="ch" forName="textBox1" refType="ctrX" refFor="ch" refForName="bullet1"/>
-                <dgm:constr type="t" for="ch" forName="textBox1" refType="ctrY" refFor="ch" refForName="bullet1"/>
-                <dgm:constr type="w" for="ch" forName="textBox1" refType="w" fact="0.4"/>
-                <dgm:constr type="h" for="ch" forName="textBox1" refType="h" fact="0.738"/>
-                <dgm:constr type="userA" refType="h" refFor="ch" refForName="bullet1" fact="0.53"/>
-                <dgm:constr type="rMarg" for="ch" forName="textBox1" refType="userA" fact="2.834"/>
-                <dgm:constr type="primFontSz" for="ch" ptType="node" op="equ" val="65"/>
-              </dgm:constrLst>
-              <dgm:ruleLst/>
-              <dgm:forEach name="Name5" axis="ch" ptType="node" cnt="1">
-                <dgm:layoutNode name="bullet1" styleLbl="node1">
-                  <dgm:alg type="sp"/>
-                  <dgm:shape xmlns:r="http://schemas.openxmlformats.org/officeDocument/2006/relationships" type="ellipse" r:blip="">
-                    <dgm:adjLst/>
-                  </dgm:shape>
-                  <dgm:presOf/>
-                  <dgm:constrLst/>
-                  <dgm:ruleLst/>
-                </dgm:layoutNode>
-                <dgm:layoutNode name="textBox1" styleLbl="revTx">
-                  <dgm:varLst>
-                    <dgm:bulletEnabled val="1"/>
-                  </dgm:varLst>
-                  <dgm:alg type="tx">
-                    <dgm:param type="txAnchorVert" val="t"/>
-                    <dgm:param type="parTxLTRAlign" val="r"/>
-                    <dgm:param type="parTxRTLAlign" val="r"/>
-                  </dgm:alg>
-                  <dgm:shape xmlns:r="http://schemas.openxmlformats.org/officeDocument/2006/relationships" type="round2DiagRect" r:blip="">
-                    <dgm:adjLst/>
-                  </dgm:shape>
-                  <dgm:presOf axis="desOrSelf" ptType="node"/>
-                  <dgm:constrLst>
-                    <dgm:constr type="lMarg"/>
-                    <dgm:constr type="tMarg"/>
-                    <dgm:constr type="bMarg"/>
-                  </dgm:constrLst>
-                  <dgm:ruleLst>
-                    <dgm:rule type="primFontSz" val="5" fact="NaN" max="NaN"/>
-                  </dgm:ruleLst>
-                </dgm:layoutNode>
-              </dgm:forEach>
-            </dgm:layoutNode>
-          </dgm:if>
-          <dgm:if name="Name6" axis="ch" ptType="node" func="cnt" op="equ" val="2">
-            <dgm:layoutNode name="arrowDiagram2">
-              <dgm:alg type="composite">
-                <dgm:param type="vertAlign" val="none"/>
-                <dgm:param type="horzAlign" val="none"/>
-              </dgm:alg>
-              <dgm:shape xmlns:r="http://schemas.openxmlformats.org/officeDocument/2006/relationships" r:blip="">
-                <dgm:adjLst/>
-              </dgm:shape>
-              <dgm:presOf/>
-              <dgm:choose name="Name7">
-                <dgm:if name="Name8" func="var" arg="dir" op="equ" val="norm">
-                  <dgm:constrLst>
-                    <dgm:constr type="ctrX" for="ch" forName="bullet2a" refType="w" fact="0.25"/>
-                    <dgm:constr type="ctrY" for="ch" forName="bullet2a" refType="h" fact="0.573"/>
-                    <dgm:constr type="w" for="ch" forName="bullet2a" refType="w" fact="0.035"/>
-                    <dgm:constr type="h" for="ch" forName="bullet2a" refType="w" refFor="ch" refForName="bullet2a"/>
-                    <dgm:constr type="l" for="ch" forName="textBox2a" refType="ctrX" refFor="ch" refForName="bullet2a"/>
-                    <dgm:constr type="t" for="ch" forName="textBox2a" refType="ctrY" refFor="ch" refForName="bullet2a"/>
-                    <dgm:constr type="w" for="ch" forName="textBox2a" refType="w" fact="0.325"/>
-                    <dgm:constr type="h" for="ch" forName="textBox2a" refType="h" fact="0.427"/>
-                    <dgm:constr type="userA" refType="h" refFor="ch" refForName="bullet2a" fact="0.53"/>
-                    <dgm:constr type="lMarg" for="ch" forName="textBox2a" refType="userA" fact="2.834"/>
-                    <dgm:constr type="ctrX" for="ch" forName="bullet2b" refType="w" fact="0.585"/>
-                    <dgm:constr type="ctrY" for="ch" forName="bullet2b" refType="h" fact="0.338"/>
-                    <dgm:constr type="w" for="ch" forName="bullet2b" refType="w" fact="0.06"/>
-                    <dgm:constr type="h" for="ch" forName="bullet2b" refType="w" refFor="ch" refForName="bullet2b"/>
-                    <dgm:constr type="l" for="ch" forName="textBox2b" refType="ctrX" refFor="ch" refForName="bullet2b"/>
-                    <dgm:constr type="t" for="ch" forName="textBox2b" refType="ctrY" refFor="ch" refForName="bullet2b"/>
-                    <dgm:constr type="w" for="ch" forName="textBox2b" refType="w" fact="0.325"/>
-                    <dgm:constr type="h" for="ch" forName="textBox2b" refType="h" fact="0.662"/>
-                    <dgm:constr type="userB" refType="h" refFor="ch" refForName="bullet2b" fact="0.53"/>
-                    <dgm:constr type="lMarg" for="ch" forName="textBox2b" refType="userB" fact="2.834"/>
-                    <dgm:constr type="primFontSz" for="ch" ptType="node" op="equ" val="65"/>
-                  </dgm:constrLst>
-                </dgm:if>
-                <dgm:else name="Name9">
-                  <dgm:constrLst>
-                    <dgm:constr type="ctrX" for="ch" forName="bullet2a" refType="w" fact="0.25"/>
-                    <dgm:constr type="ctrY" for="ch" forName="bullet2a" refType="h" fact="0.573"/>
-                    <dgm:constr type="w" for="ch" forName="bullet2a" refType="w" fact="0.035"/>
-                    <dgm:constr type="h" for="ch" forName="bullet2a" refType="w" refFor="ch" refForName="bullet2a"/>
-                    <dgm:constr type="r" for="ch" forName="textBox2a" refType="ctrX" refFor="ch" refForName="bullet2a"/>
-                    <dgm:constr type="b" for="ch" forName="textBox2a" refType="ctrY" refFor="ch" refForName="bullet2a"/>
-                    <dgm:constr type="w" for="ch" forName="textBox2a" refType="w" fact="0.25"/>
-                    <dgm:constr type="h" for="ch" forName="textBox2a" refType="h" fact="0.573"/>
-                    <dgm:constr type="userA" refType="h" refFor="ch" refForName="bullet2a" fact="0.53"/>
-                    <dgm:constr type="rMarg" for="ch" forName="textBox2a" refType="userA" fact="2.834"/>
-                    <dgm:constr type="ctrX" for="ch" forName="bullet2b" refType="w" fact="0.585"/>
-                    <dgm:constr type="ctrY" for="ch" forName="bullet2b" refType="h" fact="0.338"/>
-                    <dgm:constr type="w" for="ch" forName="bullet2b" refType="w" fact="0.06"/>
-                    <dgm:constr type="h" for="ch" forName="bullet2b" refType="w" refFor="ch" refForName="bullet2b"/>
-                    <dgm:constr type="r" for="ch" forName="textBox2b" refType="ctrX" refFor="ch" refForName="bullet2b"/>
-                    <dgm:constr type="b" for="ch" forName="textBox2b" refType="ctrY" refFor="ch" refForName="bullet2b"/>
-                    <dgm:constr type="w" for="ch" forName="textBox2b" refType="w" fact="0.28"/>
-                    <dgm:constr type="h" for="ch" forName="textBox2b" refType="h" fact="0.338"/>
-                    <dgm:constr type="userB" refType="h" refFor="ch" refForName="bullet2b" fact="0.53"/>
-                    <dgm:constr type="rMarg" for="ch" forName="textBox2b" refType="userB" fact="2.834"/>
-                    <dgm:constr type="primFontSz" for="ch" ptType="node" op="equ" val="65"/>
-                  </dgm:constrLst>
-                </dgm:else>
-              </dgm:choose>
-              <dgm:ruleLst/>
-              <dgm:forEach name="Name10" axis="ch" ptType="node" cnt="1">
-                <dgm:layoutNode name="bullet2a" styleLbl="node1">
-                  <dgm:alg type="sp"/>
-                  <dgm:shape xmlns:r="http://schemas.openxmlformats.org/officeDocument/2006/relationships" type="ellipse" r:blip="">
-                    <dgm:adjLst/>
-                  </dgm:shape>
-                  <dgm:presOf/>
-                  <dgm:constrLst/>
-                  <dgm:ruleLst/>
-                </dgm:layoutNode>
-                <dgm:layoutNode name="textBox2a" styleLbl="revTx">
-                  <dgm:varLst>
-                    <dgm:bulletEnabled val="1"/>
-                  </dgm:varLst>
-                  <dgm:choose name="Name11">
-                    <dgm:if name="Name12" func="var" arg="dir" op="equ" val="norm">
-                      <dgm:choose name="Name13">
-                        <dgm:if name="Name14" axis="root des" ptType="all node" func="maxDepth" op="gt" val="1">
-                          <dgm:alg type="tx">
-                            <dgm:param type="txAnchorVert" val="t"/>
-                            <dgm:param type="parTxLTRAlign" val="l"/>
-                            <dgm:param type="parTxRTLAlign" val="r"/>
-                          </dgm:alg>
-                        </dgm:if>
-                        <dgm:else name="Name15">
-                          <dgm:alg type="tx">
-                            <dgm:param type="txAnchorVert" val="t"/>
-                            <dgm:param type="parTxLTRAlign" val="l"/>
-                            <dgm:param type="parTxRTLAlign" val="l"/>
-                          </dgm:alg>
-                        </dgm:else>
-                      </dgm:choose>
-                    </dgm:if>
-                    <dgm:else name="Name16">
-                      <dgm:choose name="Name17">
-                        <dgm:if name="Name18" axis="root des" ptType="all node" func="maxDepth" op="gt" val="1">
-                          <dgm:alg type="tx">
-                            <dgm:param type="txAnchorVert" val="b"/>
-                            <dgm:param type="txAnchorVertCh" val="b"/>
-                            <dgm:param type="parTxLTRAlign" val="l"/>
-                            <dgm:param type="parTxRTLAlign" val="r"/>
-                          </dgm:alg>
-                        </dgm:if>
-                        <dgm:else name="Name19">
-                          <dgm:alg type="tx">
-                            <dgm:param type="txAnchorVert" val="b"/>
-                            <dgm:param type="parTxLTRAlign" val="r"/>
-                            <dgm:param type="parTxRTLAlign" val="r"/>
-                          </dgm:alg>
-                        </dgm:else>
-                      </dgm:choose>
-                    </dgm:else>
-                  </dgm:choose>
-                  <dgm:shape xmlns:r="http://schemas.openxmlformats.org/officeDocument/2006/relationships" type="rect" r:blip="">
-                    <dgm:adjLst/>
-                  </dgm:shape>
-                  <dgm:presOf axis="desOrSelf" ptType="node"/>
-                  <dgm:choose name="Name20">
-                    <dgm:if name="Name21" func="var" arg="dir" op="equ" val="norm">
-                      <dgm:constrLst>
-                        <dgm:constr type="rMarg"/>
-                        <dgm:constr type="tMarg"/>
-                        <dgm:constr type="bMarg"/>
-                      </dgm:constrLst>
-                    </dgm:if>
-                    <dgm:else name="Name22">
-                      <dgm:constrLst>
-                        <dgm:constr type="lMarg"/>
-                        <dgm:constr type="tMarg"/>
-                        <dgm:constr type="bMarg"/>
-                      </dgm:constrLst>
-                    </dgm:else>
-                  </dgm:choose>
-                  <dgm:ruleLst>
-                    <dgm:rule type="primFontSz" val="5" fact="NaN" max="NaN"/>
-                  </dgm:ruleLst>
-                </dgm:layoutNode>
-              </dgm:forEach>
-              <dgm:forEach name="Name23" axis="ch" ptType="node" st="2" cnt="1">
-                <dgm:layoutNode name="bullet2b" styleLbl="node1">
-                  <dgm:alg type="sp"/>
-                  <dgm:shape xmlns:r="http://schemas.openxmlformats.org/officeDocument/2006/relationships" type="ellipse" r:blip="">
-                    <dgm:adjLst/>
-                  </dgm:shape>
-                  <dgm:presOf/>
-                  <dgm:constrLst/>
-                  <dgm:ruleLst/>
-                </dgm:layoutNode>
-                <dgm:layoutNode name="textBox2b" styleLbl="revTx">
-                  <dgm:varLst>
-                    <dgm:bulletEnabled val="1"/>
-                  </dgm:varLst>
-                  <dgm:choose name="Name24">
-                    <dgm:if name="Name25" func="var" arg="dir" op="equ" val="norm">
-                      <dgm:choose name="Name26">
-                        <dgm:if name="Name27" axis="root des" ptType="all node" func="maxDepth" op="gt" val="1">
-                          <dgm:alg type="tx">
-                            <dgm:param type="txAnchorVert" val="t"/>
-                            <dgm:param type="parTxLTRAlign" val="l"/>
-                            <dgm:param type="parTxRTLAlign" val="r"/>
-                          </dgm:alg>
-                        </dgm:if>
-                        <dgm:else name="Name28">
-                          <dgm:alg type="tx">
-                            <dgm:param type="txAnchorVert" val="t"/>
-                            <dgm:param type="parTxLTRAlign" val="l"/>
-                            <dgm:param type="parTxRTLAlign" val="l"/>
-                          </dgm:alg>
-                        </dgm:else>
-                      </dgm:choose>
-                    </dgm:if>
-                    <dgm:else name="Name29">
-                      <dgm:choose name="Name30">
-                        <dgm:if name="Name31" axis="root des" ptType="all node" func="maxDepth" op="gt" val="1">
-                          <dgm:alg type="tx">
-                            <dgm:param type="txAnchorVert" val="b"/>
-                            <dgm:param type="txAnchorVertCh" val="b"/>
-                            <dgm:param type="parTxLTRAlign" val="l"/>
-                            <dgm:param type="parTxRTLAlign" val="r"/>
-                          </dgm:alg>
-                        </dgm:if>
-                        <dgm:else name="Name32">
-                          <dgm:alg type="tx">
-                            <dgm:param type="txAnchorVert" val="b"/>
-                            <dgm:param type="parTxLTRAlign" val="r"/>
-                            <dgm:param type="parTxRTLAlign" val="r"/>
-                          </dgm:alg>
-                        </dgm:else>
-                      </dgm:choose>
-                    </dgm:else>
-                  </dgm:choose>
-                  <dgm:shape xmlns:r="http://schemas.openxmlformats.org/officeDocument/2006/relationships" type="rect" r:blip="">
-                    <dgm:adjLst/>
-                  </dgm:shape>
-                  <dgm:presOf axis="desOrSelf" ptType="node"/>
-                  <dgm:choose name="Name33">
-                    <dgm:if name="Name34" func="var" arg="dir" op="equ" val="norm">
-                      <dgm:constrLst>
-                        <dgm:constr type="rMarg"/>
-                        <dgm:constr type="tMarg"/>
-                        <dgm:constr type="bMarg"/>
-                      </dgm:constrLst>
-                    </dgm:if>
-                    <dgm:else name="Name35">
-                      <dgm:constrLst>
-                        <dgm:constr type="lMarg"/>
-                        <dgm:constr type="tMarg"/>
-                        <dgm:constr type="bMarg"/>
-                      </dgm:constrLst>
-                    </dgm:else>
-                  </dgm:choose>
-                  <dgm:ruleLst>
-                    <dgm:rule type="primFontSz" val="5" fact="NaN" max="NaN"/>
-                  </dgm:ruleLst>
-                </dgm:layoutNode>
-              </dgm:forEach>
-            </dgm:layoutNode>
-          </dgm:if>
-          <dgm:if name="Name36" axis="ch" ptType="node" func="cnt" op="equ" val="3">
-            <dgm:layoutNode name="arrowDiagram3">
-              <dgm:alg type="composite">
-                <dgm:param type="vertAlign" val="none"/>
-                <dgm:param type="horzAlign" val="none"/>
-              </dgm:alg>
-              <dgm:shape xmlns:r="http://schemas.openxmlformats.org/officeDocument/2006/relationships" r:blip="">
-                <dgm:adjLst/>
-              </dgm:shape>
-              <dgm:presOf/>
-              <dgm:choose name="Name37">
-                <dgm:if name="Name38" func="var" arg="dir" op="equ" val="norm">
-                  <dgm:constrLst>
-                    <dgm:constr type="ctrX" for="ch" forName="bullet3a" refType="w" fact="0.14"/>
-                    <dgm:constr type="ctrY" for="ch" forName="bullet3a" refType="h" fact="0.711"/>
-                    <dgm:constr type="w" for="ch" forName="bullet3a" refType="w" fact="0.026"/>
-                    <dgm:constr type="h" for="ch" forName="bullet3a" refType="w" refFor="ch" refForName="bullet3a"/>
-                    <dgm:constr type="l" for="ch" forName="textBox3a" refType="ctrX" refFor="ch" refForName="bullet3a"/>
-                    <dgm:constr type="t" for="ch" forName="textBox3a" refType="ctrY" refFor="ch" refForName="bullet3a"/>
-                    <dgm:constr type="w" for="ch" forName="textBox3a" refType="w" fact="0.233"/>
-                    <dgm:constr type="h" for="ch" forName="textBox3a" refType="h" fact="0.289"/>
-                    <dgm:constr type="userA" refType="h" refFor="ch" refForName="bullet3a" fact="0.53"/>
-                    <dgm:constr type="lMarg" for="ch" forName="textBox3a" refType="userA" fact="2.834"/>
-                    <dgm:constr type="ctrX" for="ch" forName="bullet3b" refType="w" fact="0.38"/>
-                    <dgm:constr type="ctrY" for="ch" forName="bullet3b" refType="h" fact="0.456"/>
-                    <dgm:constr type="w" for="ch" forName="bullet3b" refType="w" fact="0.047"/>
-                    <dgm:constr type="h" for="ch" forName="bullet3b" refType="w" refFor="ch" refForName="bullet3b"/>
-                    <dgm:constr type="l" for="ch" forName="textBox3b" refType="ctrX" refFor="ch" refForName="bullet3b"/>
-                    <dgm:constr type="t" for="ch" forName="textBox3b" refType="ctrY" refFor="ch" refForName="bullet3b"/>
-                    <dgm:constr type="w" for="ch" forName="textBox3b" refType="w" fact="0.24"/>
-                    <dgm:constr type="h" for="ch" forName="textBox3b" refType="h" fact="0.544"/>
-                    <dgm:constr type="userB" refType="h" refFor="ch" refForName="bullet3b" fact="0.53"/>
-                    <dgm:constr type="lMarg" for="ch" forName="textBox3b" refType="userB" fact="2.834"/>
-                    <dgm:constr type="ctrX" for="ch" forName="bullet3c" refType="w" fact="0.665"/>
-                    <dgm:constr type="ctrY" for="ch" forName="bullet3c" refType="h" fact="0.305"/>
-                    <dgm:constr type="w" for="ch" forName="bullet3c" refType="w" fact="0.065"/>
-                    <dgm:constr type="h" for="ch" forName="bullet3c" refType="w" refFor="ch" refForName="bullet3c"/>
-                    <dgm:constr type="l" for="ch" forName="textBox3c" refType="ctrX" refFor="ch" refForName="bullet3c"/>
-                    <dgm:constr type="t" for="ch" forName="textBox3c" refType="ctrY" refFor="ch" refForName="bullet3c"/>
-                    <dgm:constr type="w" for="ch" forName="textBox3c" refType="w" fact="0.24"/>
-                    <dgm:constr type="h" for="ch" forName="textBox3c" refType="h" fact="0.695"/>
-                    <dgm:constr type="userC" refType="h" refFor="ch" refForName="bullet3c" fact="0.53"/>
-                    <dgm:constr type="lMarg" for="ch" forName="textBox3c" refType="userC" fact="2.834"/>
-                    <dgm:constr type="primFontSz" for="ch" ptType="node" op="equ" val="65"/>
-                  </dgm:constrLst>
-                </dgm:if>
-                <dgm:else name="Name39">
-                  <dgm:constrLst>
-                    <dgm:constr type="ctrX" for="ch" forName="bullet3a" refType="w" fact="0.14"/>
-                    <dgm:constr type="ctrY" for="ch" forName="bullet3a" refType="h" fact="0.711"/>
-                    <dgm:constr type="w" for="ch" forName="bullet3a" refType="w" fact="0.026"/>
-                    <dgm:constr type="h" for="ch" forName="bullet3a" refType="w" refFor="ch" refForName="bullet3a"/>
-                    <dgm:constr type="r" for="ch" forName="textBox3a" refType="ctrX" refFor="ch" refForName="bullet3a"/>
-                    <dgm:constr type="b" for="ch" forName="textBox3a" refType="ctrY" refFor="ch" refForName="bullet3a"/>
-                    <dgm:constr type="w" for="ch" forName="textBox3a" refType="w" fact="0.14"/>
-                    <dgm:constr type="h" for="ch" forName="textBox3a" refType="h" fact="0.711"/>
-                    <dgm:constr type="userA" refType="h" refFor="ch" refForName="bullet3a" fact="0.53"/>
-                    <dgm:constr type="rMarg" for="ch" forName="textBox3a" refType="userA" fact="2.834"/>
-                    <dgm:constr type="ctrX" for="ch" forName="bullet3b" refType="w" fact="0.38"/>
-                    <dgm:constr type="ctrY" for="ch" forName="bullet3b" refType="h" fact="0.456"/>
-                    <dgm:constr type="w" for="ch" forName="bullet3b" refType="w" fact="0.047"/>
-                    <dgm:constr type="h" for="ch" forName="bullet3b" refType="w" refFor="ch" refForName="bullet3b"/>
-                    <dgm:constr type="r" for="ch" forName="textBox3b" refType="ctrX" refFor="ch" refForName="bullet3b"/>
-                    <dgm:constr type="b" for="ch" forName="textBox3b" refType="ctrY" refFor="ch" refForName="bullet3b"/>
-                    <dgm:constr type="w" for="ch" forName="textBox3b" refType="w" fact="0.24"/>
-                    <dgm:constr type="h" for="ch" forName="textBox3b" refType="h" fact="0.456"/>
-                    <dgm:constr type="userB" refType="h" refFor="ch" refForName="bullet3b" fact="0.53"/>
-                    <dgm:constr type="rMarg" for="ch" forName="textBox3b" refType="userB" fact="2.834"/>
-                    <dgm:constr type="ctrX" for="ch" forName="bullet3c" refType="w" fact="0.665"/>
-                    <dgm:constr type="ctrY" for="ch" forName="bullet3c" refType="h" fact="0.305"/>
-                    <dgm:constr type="w" for="ch" forName="bullet3c" refType="w" fact="0.065"/>
-                    <dgm:constr type="h" for="ch" forName="bullet3c" refType="w" refFor="ch" refForName="bullet3c"/>
-                    <dgm:constr type="r" for="ch" forName="textBox3c" refType="ctrX" refFor="ch" refForName="bullet3c"/>
-                    <dgm:constr type="b" for="ch" forName="textBox3c" refType="ctrY" refFor="ch" refForName="bullet3c"/>
-                    <dgm:constr type="w" for="ch" forName="textBox3c" refType="w" fact="0.24"/>
-                    <dgm:constr type="h" for="ch" forName="textBox3c" refType="h" fact="0.305"/>
-                    <dgm:constr type="userC" refType="h" refFor="ch" refForName="bullet3c" fact="0.53"/>
-                    <dgm:constr type="rMarg" for="ch" forName="textBox3c" refType="userC" fact="2.834"/>
-                    <dgm:constr type="primFontSz" for="ch" ptType="node" op="equ" val="65"/>
-                  </dgm:constrLst>
-                </dgm:else>
-              </dgm:choose>
-              <dgm:ruleLst/>
-              <dgm:forEach name="Name40" axis="ch" ptType="node" cnt="1">
-                <dgm:layoutNode name="bullet3a" styleLbl="node1">
-                  <dgm:alg type="sp"/>
-                  <dgm:shape xmlns:r="http://schemas.openxmlformats.org/officeDocument/2006/relationships" type="ellipse" r:blip="">
-                    <dgm:adjLst/>
-                  </dgm:shape>
-                  <dgm:presOf/>
-                  <dgm:constrLst/>
-                  <dgm:ruleLst/>
-                </dgm:layoutNode>
-                <dgm:layoutNode name="textBox3a" styleLbl="revTx">
-                  <dgm:varLst>
-                    <dgm:bulletEnabled val="1"/>
-                  </dgm:varLst>
-                  <dgm:choose name="Name41">
-                    <dgm:if name="Name42" func="var" arg="dir" op="equ" val="norm">
-                      <dgm:choose name="Name43">
-                        <dgm:if name="Name44" axis="root des" ptType="all node" func="maxDepth" op="gt" val="1">
-                          <dgm:alg type="tx">
-                            <dgm:param type="txAnchorVert" val="t"/>
-                            <dgm:param type="parTxLTRAlign" val="l"/>
-                            <dgm:param type="parTxRTLAlign" val="r"/>
-                          </dgm:alg>
-                        </dgm:if>
-                        <dgm:else name="Name45">
-                          <dgm:alg type="tx">
-                            <dgm:param type="txAnchorVert" val="t"/>
-                            <dgm:param type="parTxLTRAlign" val="l"/>
-                            <dgm:param type="parTxRTLAlign" val="l"/>
-                          </dgm:alg>
-                        </dgm:else>
-                      </dgm:choose>
-                    </dgm:if>
-                    <dgm:else name="Name46">
-                      <dgm:choose name="Name47">
-                        <dgm:if name="Name48" axis="root des" ptType="all node" func="maxDepth" op="gt" val="1">
-                          <dgm:alg type="tx">
-                            <dgm:param type="txAnchorVert" val="b"/>
-                            <dgm:param type="txAnchorVertCh" val="b"/>
-                            <dgm:param type="parTxLTRAlign" val="l"/>
-                            <dgm:param type="parTxRTLAlign" val="r"/>
-                          </dgm:alg>
-                        </dgm:if>
-                        <dgm:else name="Name49">
-                          <dgm:alg type="tx">
-                            <dgm:param type="txAnchorVert" val="b"/>
-                            <dgm:param type="parTxLTRAlign" val="r"/>
-                            <dgm:param type="parTxRTLAlign" val="r"/>
-                          </dgm:alg>
-                        </dgm:else>
-                      </dgm:choose>
-                    </dgm:else>
-                  </dgm:choose>
-                  <dgm:shape xmlns:r="http://schemas.openxmlformats.org/officeDocument/2006/relationships" type="rect" r:blip="">
-                    <dgm:adjLst/>
-                  </dgm:shape>
-                  <dgm:presOf axis="desOrSelf" ptType="node"/>
-                  <dgm:choose name="Name50">
-                    <dgm:if name="Name51" func="var" arg="dir" op="equ" val="norm">
-                      <dgm:constrLst>
-                        <dgm:constr type="rMarg"/>
-                        <dgm:constr type="tMarg"/>
-                        <dgm:constr type="bMarg"/>
-                      </dgm:constrLst>
-                    </dgm:if>
-                    <dgm:else name="Name52">
-                      <dgm:constrLst>
-                        <dgm:constr type="lMarg"/>
-                        <dgm:constr type="tMarg"/>
-                        <dgm:constr type="bMarg"/>
-                      </dgm:constrLst>
-                    </dgm:else>
-                  </dgm:choose>
-                  <dgm:ruleLst>
-                    <dgm:rule type="primFontSz" val="5" fact="NaN" max="NaN"/>
-                  </dgm:ruleLst>
-                </dgm:layoutNode>
-              </dgm:forEach>
-              <dgm:forEach name="Name53" axis="ch" ptType="node" st="2" cnt="1">
-                <dgm:layoutNode name="bullet3b" styleLbl="node1">
-                  <dgm:alg type="sp"/>
-                  <dgm:shape xmlns:r="http://schemas.openxmlformats.org/officeDocument/2006/relationships" type="ellipse" r:blip="">
-                    <dgm:adjLst/>
-                  </dgm:shape>
-                  <dgm:presOf/>
-                  <dgm:constrLst/>
-                  <dgm:ruleLst/>
-                </dgm:layoutNode>
-                <dgm:layoutNode name="textBox3b" styleLbl="revTx">
-                  <dgm:varLst>
-                    <dgm:bulletEnabled val="1"/>
-                  </dgm:varLst>
-                  <dgm:choose name="Name54">
-                    <dgm:if name="Name55" func="var" arg="dir" op="equ" val="norm">
-                      <dgm:choose name="Name56">
-                        <dgm:if name="Name57" axis="root des" ptType="all node" func="maxDepth" op="gt" val="1">
-                          <dgm:alg type="tx">
-                            <dgm:param type="txAnchorVert" val="t"/>
-                            <dgm:param type="parTxLTRAlign" val="l"/>
-                            <dgm:param type="parTxRTLAlign" val="r"/>
-                          </dgm:alg>
-                        </dgm:if>
-                        <dgm:else name="Name58">
-                          <dgm:alg type="tx">
-                            <dgm:param type="txAnchorVert" val="t"/>
-                            <dgm:param type="parTxLTRAlign" val="l"/>
-                            <dgm:param type="parTxRTLAlign" val="l"/>
-                          </dgm:alg>
-                        </dgm:else>
-                      </dgm:choose>
-                    </dgm:if>
-                    <dgm:else name="Name59">
-                      <dgm:choose name="Name60">
-                        <dgm:if name="Name61" axis="root des" ptType="all node" func="maxDepth" op="gt" val="1">
-                          <dgm:alg type="tx">
-                            <dgm:param type="txAnchorVert" val="b"/>
-                            <dgm:param type="txAnchorVertCh" val="b"/>
-                            <dgm:param type="parTxLTRAlign" val="l"/>
-                            <dgm:param type="parTxRTLAlign" val="r"/>
-                          </dgm:alg>
-                        </dgm:if>
-                        <dgm:else name="Name62">
-                          <dgm:alg type="tx">
-                            <dgm:param type="txAnchorVert" val="b"/>
-                            <dgm:param type="parTxLTRAlign" val="r"/>
-                            <dgm:param type="parTxRTLAlign" val="r"/>
-                          </dgm:alg>
-                        </dgm:else>
-                      </dgm:choose>
-                    </dgm:else>
-                  </dgm:choose>
-                  <dgm:shape xmlns:r="http://schemas.openxmlformats.org/officeDocument/2006/relationships" type="rect" r:blip="">
-                    <dgm:adjLst/>
-                  </dgm:shape>
-                  <dgm:presOf axis="desOrSelf" ptType="node"/>
-                  <dgm:choose name="Name63">
-                    <dgm:if name="Name64" func="var" arg="dir" op="equ" val="norm">
-                      <dgm:constrLst>
-                        <dgm:constr type="rMarg"/>
-                        <dgm:constr type="tMarg"/>
-                        <dgm:constr type="bMarg"/>
-                      </dgm:constrLst>
-                    </dgm:if>
-                    <dgm:else name="Name65">
-                      <dgm:constrLst>
-                        <dgm:constr type="lMarg"/>
-                        <dgm:constr type="tMarg"/>
-                        <dgm:constr type="bMarg"/>
-                      </dgm:constrLst>
-                    </dgm:else>
-                  </dgm:choose>
-                  <dgm:ruleLst>
-                    <dgm:rule type="primFontSz" val="5" fact="NaN" max="NaN"/>
-                  </dgm:ruleLst>
-                </dgm:layoutNode>
-              </dgm:forEach>
-              <dgm:forEach name="Name66" axis="ch" ptType="node" st="3" cnt="1">
-                <dgm:layoutNode name="bullet3c" styleLbl="node1">
-                  <dgm:alg type="sp"/>
-                  <dgm:shape xmlns:r="http://schemas.openxmlformats.org/officeDocument/2006/relationships" type="ellipse" r:blip="">
-                    <dgm:adjLst/>
-                  </dgm:shape>
-                  <dgm:presOf/>
-                  <dgm:constrLst/>
-                  <dgm:ruleLst/>
-                </dgm:layoutNode>
-                <dgm:layoutNode name="textBox3c" styleLbl="revTx">
-                  <dgm:varLst>
-                    <dgm:bulletEnabled val="1"/>
-                  </dgm:varLst>
-                  <dgm:choose name="Name67">
-                    <dgm:if name="Name68" func="var" arg="dir" op="equ" val="norm">
-                      <dgm:choose name="Name69">
-                        <dgm:if name="Name70" axis="root des" ptType="all node" func="maxDepth" op="gt" val="1">
-                          <dgm:alg type="tx">
-                            <dgm:param type="txAnchorVert" val="t"/>
-                            <dgm:param type="parTxLTRAlign" val="l"/>
-                            <dgm:param type="parTxRTLAlign" val="r"/>
-                          </dgm:alg>
-                        </dgm:if>
-                        <dgm:else name="Name71">
-                          <dgm:alg type="tx">
-                            <dgm:param type="txAnchorVert" val="t"/>
-                            <dgm:param type="parTxLTRAlign" val="l"/>
-                            <dgm:param type="parTxRTLAlign" val="l"/>
-                          </dgm:alg>
-                        </dgm:else>
-                      </dgm:choose>
-                    </dgm:if>
-                    <dgm:else name="Name72">
-                      <dgm:choose name="Name73">
-                        <dgm:if name="Name74" axis="root des" ptType="all node" func="maxDepth" op="gt" val="1">
-                          <dgm:alg type="tx">
-                            <dgm:param type="txAnchorVert" val="b"/>
-                            <dgm:param type="txAnchorVertCh" val="b"/>
-                            <dgm:param type="parTxLTRAlign" val="l"/>
-                            <dgm:param type="parTxRTLAlign" val="r"/>
-                          </dgm:alg>
-                        </dgm:if>
-                        <dgm:else name="Name75">
-                          <dgm:alg type="tx">
-                            <dgm:param type="txAnchorVert" val="b"/>
-                            <dgm:param type="parTxLTRAlign" val="r"/>
-                            <dgm:param type="parTxRTLAlign" val="r"/>
-                          </dgm:alg>
-                        </dgm:else>
-                      </dgm:choose>
-                    </dgm:else>
-                  </dgm:choose>
-                  <dgm:shape xmlns:r="http://schemas.openxmlformats.org/officeDocument/2006/relationships" type="rect" r:blip="">
-                    <dgm:adjLst/>
-                  </dgm:shape>
-                  <dgm:presOf axis="desOrSelf" ptType="node"/>
-                  <dgm:choose name="Name76">
-                    <dgm:if name="Name77" func="var" arg="dir" op="equ" val="norm">
-                      <dgm:constrLst>
-                        <dgm:constr type="rMarg"/>
-                        <dgm:constr type="tMarg"/>
-                        <dgm:constr type="bMarg"/>
-                      </dgm:constrLst>
-                    </dgm:if>
-                    <dgm:else name="Name78">
-                      <dgm:constrLst>
-                        <dgm:constr type="lMarg"/>
-                        <dgm:constr type="tMarg"/>
-                        <dgm:constr type="bMarg"/>
-                      </dgm:constrLst>
-                    </dgm:else>
-                  </dgm:choose>
-                  <dgm:ruleLst>
-                    <dgm:rule type="primFontSz" val="5" fact="NaN" max="NaN"/>
-                  </dgm:ruleLst>
-                </dgm:layoutNode>
-              </dgm:forEach>
-            </dgm:layoutNode>
-          </dgm:if>
-          <dgm:if name="Name79" axis="ch" ptType="node" func="cnt" op="equ" val="4">
-            <dgm:layoutNode name="arrowDiagram4">
-              <dgm:alg type="composite">
-                <dgm:param type="vertAlign" val="none"/>
-                <dgm:param type="horzAlign" val="none"/>
-              </dgm:alg>
-              <dgm:shape xmlns:r="http://schemas.openxmlformats.org/officeDocument/2006/relationships" r:blip="">
-                <dgm:adjLst/>
-              </dgm:shape>
-              <dgm:presOf/>
-              <dgm:choose name="Name80">
-                <dgm:if name="Name81" func="var" arg="dir" op="equ" val="norm">
-                  <dgm:constrLst>
-                    <dgm:constr type="ctrX" for="ch" forName="bullet4a" refType="w" fact="0.11"/>
-                    <dgm:constr type="ctrY" for="ch" forName="bullet4a" refType="h" fact="0.762"/>
-                    <dgm:constr type="w" for="ch" forName="bullet4a" refType="w" fact="0.023"/>
-                    <dgm:constr type="h" for="ch" forName="bullet4a" refType="w" refFor="ch" refForName="bullet4a"/>
-                    <dgm:constr type="l" for="ch" forName="textBox4a" refType="ctrX" refFor="ch" refForName="bullet4a"/>
-                    <dgm:constr type="t" for="ch" forName="textBox4a" refType="ctrY" refFor="ch" refForName="bullet4a"/>
-                    <dgm:constr type="w" for="ch" forName="textBox4a" refType="w" fact="0.171"/>
-                    <dgm:constr type="h" for="ch" forName="textBox4a" refType="h" fact="0.238"/>
-                    <dgm:constr type="userA" refType="h" refFor="ch" refForName="bullet4a" fact="0.53"/>
-                    <dgm:constr type="lMarg" for="ch" forName="textBox4a" refType="userA" fact="2.834"/>
-                    <dgm:constr type="ctrX" for="ch" forName="bullet4b" refType="w" fact="0.281"/>
-                    <dgm:constr type="ctrY" for="ch" forName="bullet4b" refType="h" fact="0.543"/>
-                    <dgm:constr type="w" for="ch" forName="bullet4b" refType="w" fact="0.04"/>
-                    <dgm:constr type="h" for="ch" forName="bullet4b" refType="w" refFor="ch" refForName="bullet4b"/>
-                    <dgm:constr type="l" for="ch" forName="textBox4b" refType="ctrX" refFor="ch" refForName="bullet4b"/>
-                    <dgm:constr type="t" for="ch" forName="textBox4b" refType="ctrY" refFor="ch" refForName="bullet4b"/>
-                    <dgm:constr type="w" for="ch" forName="textBox4b" refType="w" fact="0.21"/>
-                    <dgm:constr type="h" for="ch" forName="textBox4b" refType="h" fact="0.457"/>
-                    <dgm:constr type="userB" refType="h" refFor="ch" refForName="bullet4b" fact="0.53"/>
-                    <dgm:constr type="lMarg" for="ch" forName="textBox4b" refType="userB" fact="2.834"/>
-                    <dgm:constr type="ctrX" for="ch" forName="bullet4c" refType="w" fact="0.495"/>
-                    <dgm:constr type="ctrY" for="ch" forName="bullet4c" refType="h" fact="0.382"/>
-                    <dgm:constr type="w" for="ch" forName="bullet4c" refType="w" fact="0.053"/>
-                    <dgm:constr type="h" for="ch" forName="bullet4c" refType="w" refFor="ch" refForName="bullet4c"/>
-                    <dgm:constr type="l" for="ch" forName="textBox4c" refType="ctrX" refFor="ch" refForName="bullet4c"/>
-                    <dgm:constr type="t" for="ch" forName="textBox4c" refType="ctrY" refFor="ch" refForName="bullet4c"/>
-                    <dgm:constr type="w" for="ch" forName="textBox4c" refType="w" fact="0.21"/>
-                    <dgm:constr type="h" for="ch" forName="textBox4c" refType="h" fact="0.618"/>
-                    <dgm:constr type="userC" refType="h" refFor="ch" refForName="bullet4c" fact="0.53"/>
-                    <dgm:constr type="lMarg" for="ch" forName="textBox4c" refType="userC" fact="2.834"/>
-                    <dgm:constr type="ctrX" for="ch" forName="bullet4d" refType="w" fact="0.73"/>
-                    <dgm:constr type="ctrY" for="ch" forName="bullet4d" refType="h" fact="0.283"/>
-                    <dgm:constr type="w" for="ch" forName="bullet4d" refType="w" fact="0.071"/>
-                    <dgm:constr type="h" for="ch" forName="bullet4d" refType="w" refFor="ch" refForName="bullet4d"/>
-                    <dgm:constr type="l" for="ch" forName="textBox4d" refType="ctrX" refFor="ch" refForName="bullet4d"/>
-                    <dgm:constr type="t" for="ch" forName="textBox4d" refType="ctrY" refFor="ch" refForName="bullet4d"/>
-                    <dgm:constr type="w" for="ch" forName="textBox4d" refType="w" fact="0.21"/>
-                    <dgm:constr type="h" for="ch" forName="textBox4d" refType="h" fact="0.717"/>
-                    <dgm:constr type="userD" refType="h" refFor="ch" refForName="bullet4d" fact="0.53"/>
-                    <dgm:constr type="lMarg" for="ch" forName="textBox4d" refType="userD" fact="2.834"/>
-                    <dgm:constr type="primFontSz" for="ch" ptType="node" op="equ" val="65"/>
-                  </dgm:constrLst>
-                </dgm:if>
-                <dgm:else name="Name82">
-                  <dgm:constrLst>
-                    <dgm:constr type="ctrX" for="ch" forName="bullet4a" refType="w" fact="0.11"/>
-                    <dgm:constr type="ctrY" for="ch" forName="bullet4a" refType="h" fact="0.762"/>
-                    <dgm:constr type="w" for="ch" forName="bullet4a" refType="w" fact="0.023"/>
-                    <dgm:constr type="h" for="ch" forName="bullet4a" refType="w" refFor="ch" refForName="bullet4a"/>
-                    <dgm:constr type="r" for="ch" forName="textBox4a" refType="ctrX" refFor="ch" refForName="bullet4a"/>
-                    <dgm:constr type="b" for="ch" forName="textBox4a" refType="ctrY" refFor="ch" refForName="bullet4a"/>
-                    <dgm:constr type="w" for="ch" forName="textBox4a" refType="w" fact="0.11"/>
-                    <dgm:constr type="h" for="ch" forName="textBox4a" refType="h" fact="0.762"/>
-                    <dgm:constr type="userA" refType="h" refFor="ch" refForName="bullet4a" fact="0.53"/>
-                    <dgm:constr type="rMarg" for="ch" forName="textBox4a" refType="userA" fact="2.834"/>
-                    <dgm:constr type="ctrX" for="ch" forName="bullet4b" refType="w" fact="0.281"/>
-                    <dgm:constr type="ctrY" for="ch" forName="bullet4b" refType="h" fact="0.543"/>
-                    <dgm:constr type="w" for="ch" forName="bullet4b" refType="w" fact="0.04"/>
-                    <dgm:constr type="h" for="ch" forName="bullet4b" refType="w" refFor="ch" refForName="bullet4b"/>
-                    <dgm:constr type="r" for="ch" forName="textBox4b" refType="ctrX" refFor="ch" refForName="bullet4b"/>
-                    <dgm:constr type="b" for="ch" forName="textBox4b" refType="ctrY" refFor="ch" refForName="bullet4b"/>
-                    <dgm:constr type="w" for="ch" forName="textBox4b" refType="w" fact="0.171"/>
-                    <dgm:constr type="h" for="ch" forName="textBox4b" refType="h" fact="0.543"/>
-                    <dgm:constr type="userB" refType="h" refFor="ch" refForName="bullet4b" fact="0.53"/>
-                    <dgm:constr type="rMarg" for="ch" forName="textBox4b" refType="userB" fact="2.834"/>
-                    <dgm:constr type="ctrX" for="ch" forName="bullet4c" refType="w" fact="0.495"/>
-                    <dgm:constr type="ctrY" for="ch" forName="bullet4c" refType="h" fact="0.382"/>
-                    <dgm:constr type="w" for="ch" forName="bullet4c" refType="w" fact="0.053"/>
-                    <dgm:constr type="h" for="ch" forName="bullet4c" refType="w" refFor="ch" refForName="bullet4c"/>
-                    <dgm:constr type="r" for="ch" forName="textBox4c" refType="ctrX" refFor="ch" refForName="bullet4c"/>
-                    <dgm:constr type="b" for="ch" forName="textBox4c" refType="ctrY" refFor="ch" refForName="bullet4c"/>
-                    <dgm:constr type="w" for="ch" forName="textBox4c" refType="w" fact="0.21"/>
-                    <dgm:constr type="h" for="ch" forName="textBox4c" refType="h" fact="0.382"/>
-                    <dgm:constr type="userC" refType="h" refFor="ch" refForName="bullet4c" fact="0.53"/>
-                    <dgm:constr type="rMarg" for="ch" forName="textBox4c" refType="userC" fact="2.834"/>
-                    <dgm:constr type="ctrX" for="ch" forName="bullet4d" refType="w" fact="0.73"/>
-                    <dgm:constr type="ctrY" for="ch" forName="bullet4d" refType="h" fact="0.283"/>
-                    <dgm:constr type="w" for="ch" forName="bullet4d" refType="w" fact="0.071"/>
-                    <dgm:constr type="h" for="ch" forName="bullet4d" refType="w" refFor="ch" refForName="bullet4d"/>
-                    <dgm:constr type="r" for="ch" forName="textBox4d" refType="ctrX" refFor="ch" refForName="bullet4d"/>
-                    <dgm:constr type="b" for="ch" forName="textBox4d" refType="ctrY" refFor="ch" refForName="bullet4d"/>
-                    <dgm:constr type="w" for="ch" forName="textBox4d" refType="w" fact="0.21"/>
-                    <dgm:constr type="h" for="ch" forName="textBox4d" refType="h" fact="0.283"/>
-                    <dgm:constr type="userD" refType="h" refFor="ch" refForName="bullet4d" fact="0.53"/>
-                    <dgm:constr type="rMarg" for="ch" forName="textBox4d" refType="userD" fact="2.834"/>
-                    <dgm:constr type="primFontSz" for="ch" ptType="node" op="equ" val="65"/>
-                  </dgm:constrLst>
-                </dgm:else>
-              </dgm:choose>
-              <dgm:ruleLst/>
-              <dgm:forEach name="Name83" axis="ch" ptType="node" cnt="1">
-                <dgm:layoutNode name="bullet4a" styleLbl="node1">
-                  <dgm:alg type="sp"/>
-                  <dgm:shape xmlns:r="http://schemas.openxmlformats.org/officeDocument/2006/relationships" type="ellipse" r:blip="">
-                    <dgm:adjLst/>
-                  </dgm:shape>
-                  <dgm:presOf/>
-                  <dgm:constrLst/>
-                  <dgm:ruleLst/>
-                </dgm:layoutNode>
-                <dgm:layoutNode name="textBox4a" styleLbl="revTx">
-                  <dgm:varLst>
-                    <dgm:bulletEnabled val="1"/>
-                  </dgm:varLst>
-                  <dgm:choose name="Name84">
-                    <dgm:if name="Name85" func="var" arg="dir" op="equ" val="norm">
-                      <dgm:choose name="Name86">
-                        <dgm:if name="Name87" axis="root des" ptType="all node" func="maxDepth" op="gt" val="1">
-                          <dgm:alg type="tx">
-                            <dgm:param type="txAnchorVert" val="t"/>
-                            <dgm:param type="parTxLTRAlign" val="l"/>
-                            <dgm:param type="parTxRTLAlign" val="r"/>
-                          </dgm:alg>
-                        </dgm:if>
-                        <dgm:else name="Name88">
-                          <dgm:alg type="tx">
-                            <dgm:param type="txAnchorVert" val="t"/>
-                            <dgm:param type="parTxLTRAlign" val="l"/>
-                            <dgm:param type="parTxRTLAlign" val="l"/>
-                          </dgm:alg>
-                        </dgm:else>
-                      </dgm:choose>
-                    </dgm:if>
-                    <dgm:else name="Name89">
-                      <dgm:choose name="Name90">
-                        <dgm:if name="Name91" axis="root des" ptType="all node" func="maxDepth" op="gt" val="1">
-                          <dgm:alg type="tx">
-                            <dgm:param type="txAnchorVert" val="b"/>
-                            <dgm:param type="txAnchorVertCh" val="b"/>
-                            <dgm:param type="parTxLTRAlign" val="l"/>
-                            <dgm:param type="parTxRTLAlign" val="r"/>
-                          </dgm:alg>
-                        </dgm:if>
-                        <dgm:else name="Name92">
-                          <dgm:alg type="tx">
-                            <dgm:param type="txAnchorVert" val="b"/>
-                            <dgm:param type="parTxLTRAlign" val="r"/>
-                            <dgm:param type="parTxRTLAlign" val="r"/>
-                          </dgm:alg>
-                        </dgm:else>
-                      </dgm:choose>
-                    </dgm:else>
-                  </dgm:choose>
-                  <dgm:shape xmlns:r="http://schemas.openxmlformats.org/officeDocument/2006/relationships" type="rect" r:blip="">
-                    <dgm:adjLst/>
-                  </dgm:shape>
-                  <dgm:presOf axis="desOrSelf" ptType="node"/>
-                  <dgm:choose name="Name93">
-                    <dgm:if name="Name94" func="var" arg="dir" op="equ" val="norm">
-                      <dgm:constrLst>
-                        <dgm:constr type="rMarg"/>
-                        <dgm:constr type="tMarg"/>
-                        <dgm:constr type="bMarg"/>
-                      </dgm:constrLst>
-                    </dgm:if>
-                    <dgm:else name="Name95">
-                      <dgm:constrLst>
-                        <dgm:constr type="lMarg"/>
-                        <dgm:constr type="tMarg"/>
-                        <dgm:constr type="bMarg"/>
-                      </dgm:constrLst>
-                    </dgm:else>
-                  </dgm:choose>
-                  <dgm:ruleLst>
-                    <dgm:rule type="primFontSz" val="5" fact="NaN" max="NaN"/>
-                  </dgm:ruleLst>
-                </dgm:layoutNode>
-              </dgm:forEach>
-              <dgm:forEach name="Name96" axis="ch" ptType="node" st="2" cnt="1">
-                <dgm:layoutNode name="bullet4b" styleLbl="node1">
-                  <dgm:alg type="sp"/>
-                  <dgm:shape xmlns:r="http://schemas.openxmlformats.org/officeDocument/2006/relationships" type="ellipse" r:blip="">
-                    <dgm:adjLst/>
-                  </dgm:shape>
-                  <dgm:presOf/>
-                  <dgm:constrLst/>
-                  <dgm:ruleLst/>
-                </dgm:layoutNode>
-                <dgm:layoutNode name="textBox4b" styleLbl="revTx">
-                  <dgm:varLst>
-                    <dgm:bulletEnabled val="1"/>
-                  </dgm:varLst>
-                  <dgm:choose name="Name97">
-                    <dgm:if name="Name98" func="var" arg="dir" op="equ" val="norm">
-                      <dgm:choose name="Name99">
-                        <dgm:if name="Name100" axis="root des" ptType="all node" func="maxDepth" op="gt" val="1">
-                          <dgm:alg type="tx">
-                            <dgm:param type="txAnchorVert" val="t"/>
-                            <dgm:param type="parTxLTRAlign" val="l"/>
-                            <dgm:param type="parTxRTLAlign" val="r"/>
-                          </dgm:alg>
-                        </dgm:if>
-                        <dgm:else name="Name101">
-                          <dgm:alg type="tx">
-                            <dgm:param type="txAnchorVert" val="t"/>
-                            <dgm:param type="parTxLTRAlign" val="l"/>
-                            <dgm:param type="parTxRTLAlign" val="l"/>
-                          </dgm:alg>
-                        </dgm:else>
-                      </dgm:choose>
-                    </dgm:if>
-                    <dgm:else name="Name102">
-                      <dgm:choose name="Name103">
-                        <dgm:if name="Name104" axis="root des" ptType="all node" func="maxDepth" op="gt" val="1">
-                          <dgm:alg type="tx">
-                            <dgm:param type="txAnchorVert" val="b"/>
-                            <dgm:param type="txAnchorVertCh" val="b"/>
-                            <dgm:param type="parTxLTRAlign" val="l"/>
-                            <dgm:param type="parTxRTLAlign" val="r"/>
-                          </dgm:alg>
-                        </dgm:if>
-                        <dgm:else name="Name105">
-                          <dgm:alg type="tx">
-                            <dgm:param type="txAnchorVert" val="b"/>
-                            <dgm:param type="parTxLTRAlign" val="r"/>
-                            <dgm:param type="parTxRTLAlign" val="r"/>
-                          </dgm:alg>
-                        </dgm:else>
-                      </dgm:choose>
-                    </dgm:else>
-                  </dgm:choose>
-                  <dgm:shape xmlns:r="http://schemas.openxmlformats.org/officeDocument/2006/relationships" type="rect" r:blip="">
-                    <dgm:adjLst/>
-                  </dgm:shape>
-                  <dgm:presOf axis="desOrSelf" ptType="node"/>
-                  <dgm:choose name="Name106">
-                    <dgm:if name="Name107" func="var" arg="dir" op="equ" val="norm">
-                      <dgm:constrLst>
-                        <dgm:constr type="rMarg"/>
-                        <dgm:constr type="tMarg"/>
-                        <dgm:constr type="bMarg"/>
-                      </dgm:constrLst>
-                    </dgm:if>
-                    <dgm:else name="Name108">
-                      <dgm:constrLst>
-                        <dgm:constr type="lMarg"/>
-                        <dgm:constr type="tMarg"/>
-                        <dgm:constr type="bMarg"/>
-                      </dgm:constrLst>
-                    </dgm:else>
-                  </dgm:choose>
-                  <dgm:ruleLst>
-                    <dgm:rule type="primFontSz" val="5" fact="NaN" max="NaN"/>
-                  </dgm:ruleLst>
-                </dgm:layoutNode>
-              </dgm:forEach>
-              <dgm:forEach name="Name109" axis="ch" ptType="node" st="3" cnt="1">
-                <dgm:layoutNode name="bullet4c" styleLbl="node1">
-                  <dgm:alg type="sp"/>
-                  <dgm:shape xmlns:r="http://schemas.openxmlformats.org/officeDocument/2006/relationships" type="ellipse" r:blip="">
-                    <dgm:adjLst/>
-                  </dgm:shape>
-                  <dgm:presOf/>
-                  <dgm:constrLst/>
-                  <dgm:ruleLst/>
-                </dgm:layoutNode>
-                <dgm:layoutNode name="textBox4c" styleLbl="revTx">
-                  <dgm:varLst>
-                    <dgm:bulletEnabled val="1"/>
-                  </dgm:varLst>
-                  <dgm:choose name="Name110">
-                    <dgm:if name="Name111" func="var" arg="dir" op="equ" val="norm">
-                      <dgm:choose name="Name112">
-                        <dgm:if name="Name113" axis="root des" ptType="all node" func="maxDepth" op="gt" val="1">
-                          <dgm:alg type="tx">
-                            <dgm:param type="txAnchorVert" val="t"/>
-                            <dgm:param type="parTxLTRAlign" val="l"/>
-                            <dgm:param type="parTxRTLAlign" val="r"/>
-                          </dgm:alg>
-                        </dgm:if>
-                        <dgm:else name="Name114">
-                          <dgm:alg type="tx">
-                            <dgm:param type="txAnchorVert" val="t"/>
-                            <dgm:param type="parTxLTRAlign" val="l"/>
-                            <dgm:param type="parTxRTLAlign" val="l"/>
-                          </dgm:alg>
-                        </dgm:else>
-                      </dgm:choose>
-                    </dgm:if>
-                    <dgm:else name="Name115">
-                      <dgm:choose name="Name116">
-                        <dgm:if name="Name117" axis="root des" ptType="all node" func="maxDepth" op="gt" val="1">
-                          <dgm:alg type="tx">
-                            <dgm:param type="txAnchorVert" val="b"/>
-                            <dgm:param type="txAnchorVertCh" val="b"/>
-                            <dgm:param type="parTxLTRAlign" val="l"/>
-                            <dgm:param type="parTxRTLAlign" val="r"/>
-                          </dgm:alg>
-                        </dgm:if>
-                        <dgm:else name="Name118">
-                          <dgm:alg type="tx">
-                            <dgm:param type="txAnchorVert" val="b"/>
-                            <dgm:param type="parTxLTRAlign" val="r"/>
-                            <dgm:param type="parTxRTLAlign" val="r"/>
-                          </dgm:alg>
-                        </dgm:else>
-                      </dgm:choose>
-                    </dgm:else>
-                  </dgm:choose>
-                  <dgm:shape xmlns:r="http://schemas.openxmlformats.org/officeDocument/2006/relationships" type="rect" r:blip="">
-                    <dgm:adjLst/>
-                  </dgm:shape>
-                  <dgm:presOf axis="desOrSelf" ptType="node"/>
-                  <dgm:choose name="Name119">
-                    <dgm:if name="Name120" func="var" arg="dir" op="equ" val="norm">
-                      <dgm:constrLst>
-                        <dgm:constr type="rMarg"/>
-                        <dgm:constr type="tMarg"/>
-                        <dgm:constr type="bMarg"/>
-                      </dgm:constrLst>
-                    </dgm:if>
-                    <dgm:else name="Name121">
-                      <dgm:constrLst>
-                        <dgm:constr type="lMarg"/>
-                        <dgm:constr type="tMarg"/>
-                        <dgm:constr type="bMarg"/>
-                      </dgm:constrLst>
-                    </dgm:else>
-                  </dgm:choose>
-                  <dgm:ruleLst>
-                    <dgm:rule type="primFontSz" val="5" fact="NaN" max="NaN"/>
-                  </dgm:ruleLst>
-                </dgm:layoutNode>
-              </dgm:forEach>
-              <dgm:forEach name="Name122" axis="ch" ptType="node" st="4" cnt="1">
-                <dgm:layoutNode name="bullet4d" styleLbl="node1">
-                  <dgm:alg type="sp"/>
-                  <dgm:shape xmlns:r="http://schemas.openxmlformats.org/officeDocument/2006/relationships" type="ellipse" r:blip="">
-                    <dgm:adjLst/>
-                  </dgm:shape>
-                  <dgm:presOf/>
-                  <dgm:constrLst/>
-                  <dgm:ruleLst/>
-                </dgm:layoutNode>
-                <dgm:layoutNode name="textBox4d" styleLbl="revTx">
-                  <dgm:varLst>
-                    <dgm:bulletEnabled val="1"/>
-                  </dgm:varLst>
-                  <dgm:choose name="Name123">
-                    <dgm:if name="Name124" func="var" arg="dir" op="equ" val="norm">
-                      <dgm:choose name="Name125">
-                        <dgm:if name="Name126" axis="root des" ptType="all node" func="maxDepth" op="gt" val="1">
-                          <dgm:alg type="tx">
-                            <dgm:param type="txAnchorVert" val="t"/>
-                            <dgm:param type="parTxLTRAlign" val="l"/>
-                            <dgm:param type="parTxRTLAlign" val="r"/>
-                          </dgm:alg>
-                        </dgm:if>
-                        <dgm:else name="Name127">
-                          <dgm:alg type="tx">
-                            <dgm:param type="txAnchorVert" val="t"/>
-                            <dgm:param type="parTxLTRAlign" val="l"/>
-                            <dgm:param type="parTxRTLAlign" val="l"/>
-                          </dgm:alg>
-                        </dgm:else>
-                      </dgm:choose>
-                    </dgm:if>
-                    <dgm:else name="Name128">
-                      <dgm:choose name="Name129">
-                        <dgm:if name="Name130" axis="root des" ptType="all node" func="maxDepth" op="gt" val="1">
-                          <dgm:alg type="tx">
-                            <dgm:param type="txAnchorVert" val="b"/>
-                            <dgm:param type="txAnchorVertCh" val="b"/>
-                            <dgm:param type="parTxLTRAlign" val="l"/>
-                            <dgm:param type="parTxRTLAlign" val="r"/>
-                          </dgm:alg>
-                        </dgm:if>
-                        <dgm:else name="Name131">
-                          <dgm:alg type="tx">
-                            <dgm:param type="txAnchorVert" val="b"/>
-                            <dgm:param type="parTxLTRAlign" val="r"/>
-                            <dgm:param type="parTxRTLAlign" val="r"/>
-                          </dgm:alg>
-                        </dgm:else>
-                      </dgm:choose>
-                    </dgm:else>
-                  </dgm:choose>
-                  <dgm:shape xmlns:r="http://schemas.openxmlformats.org/officeDocument/2006/relationships" type="rect" r:blip="">
-                    <dgm:adjLst/>
-                  </dgm:shape>
-                  <dgm:presOf axis="desOrSelf" ptType="node"/>
-                  <dgm:choose name="Name132">
-                    <dgm:if name="Name133" func="var" arg="dir" op="equ" val="norm">
-                      <dgm:constrLst>
-                        <dgm:constr type="rMarg"/>
-                        <dgm:constr type="tMarg"/>
-                        <dgm:constr type="bMarg"/>
-                      </dgm:constrLst>
-                    </dgm:if>
-                    <dgm:else name="Name134">
-                      <dgm:constrLst>
-                        <dgm:constr type="lMarg"/>
-                        <dgm:constr type="tMarg"/>
-                        <dgm:constr type="bMarg"/>
-                      </dgm:constrLst>
-                    </dgm:else>
-                  </dgm:choose>
-                  <dgm:ruleLst>
-                    <dgm:rule type="primFontSz" val="5" fact="NaN" max="NaN"/>
-                  </dgm:ruleLst>
-                </dgm:layoutNode>
-              </dgm:forEach>
-            </dgm:layoutNode>
-          </dgm:if>
-          <dgm:else name="Name135">
-            <dgm:layoutNode name="arrowDiagram5">
-              <dgm:alg type="composite">
-                <dgm:param type="vertAlign" val="none"/>
-                <dgm:param type="horzAlign" val="none"/>
-              </dgm:alg>
-              <dgm:shape xmlns:r="http://schemas.openxmlformats.org/officeDocument/2006/relationships" r:blip="">
-                <dgm:adjLst/>
-              </dgm:shape>
-              <dgm:presOf/>
-              <dgm:choose name="Name136">
-                <dgm:if name="Name137" func="var" arg="dir" op="equ" val="norm">
-                  <dgm:constrLst>
-                    <dgm:constr type="ctrX" for="ch" forName="bullet5a" refType="w" fact="0.11"/>
-                    <dgm:constr type="ctrY" for="ch" forName="bullet5a" refType="h" fact="0.762"/>
-                    <dgm:constr type="w" for="ch" forName="bullet5a" refType="w" fact="0.023"/>
-                    <dgm:constr type="h" for="ch" forName="bullet5a" refType="w" refFor="ch" refForName="bullet5a"/>
-                    <dgm:constr type="l" for="ch" forName="textBox5a" refType="ctrX" refFor="ch" refForName="bullet5a"/>
-                    <dgm:constr type="t" for="ch" forName="textBox5a" refType="ctrY" refFor="ch" refForName="bullet5a"/>
-                    <dgm:constr type="w" for="ch" forName="textBox5a" refType="w" fact="0.131"/>
-                    <dgm:constr type="h" for="ch" forName="textBox5a" refType="h" fact="0.238"/>
-                    <dgm:constr type="userA" refType="h" refFor="ch" refForName="bullet5a" fact="0.53"/>
-                    <dgm:constr type="lMarg" for="ch" forName="textBox5a" refType="userA" fact="2.834"/>
-                    <dgm:constr type="ctrX" for="ch" forName="bullet5b" refType="w" fact="0.241"/>
-                    <dgm:constr type="ctrY" for="ch" forName="bullet5b" refType="h" fact="0.581"/>
-                    <dgm:constr type="w" for="ch" forName="bullet5b" refType="w" fact="0.036"/>
-                    <dgm:constr type="h" for="ch" forName="bullet5b" refType="w" refFor="ch" refForName="bullet5b"/>
-                    <dgm:constr type="l" for="ch" forName="textBox5b" refType="ctrX" refFor="ch" refForName="bullet5b"/>
-                    <dgm:constr type="t" for="ch" forName="textBox5b" refType="ctrY" refFor="ch" refForName="bullet5b"/>
-                    <dgm:constr type="w" for="ch" forName="textBox5b" refType="w" fact="0.166"/>
-                    <dgm:constr type="h" for="ch" forName="textBox5b" refType="h" fact="0.419"/>
-                    <dgm:constr type="userB" refType="h" refFor="ch" refForName="bullet5b" fact="0.53"/>
-                    <dgm:constr type="lMarg" for="ch" forName="textBox5b" refType="userB" fact="2.834"/>
-                    <dgm:constr type="ctrX" for="ch" forName="bullet5c" refType="w" fact="0.407"/>
-                    <dgm:constr type="ctrY" for="ch" forName="bullet5c" refType="h" fact="0.438"/>
-                    <dgm:constr type="w" for="ch" forName="bullet5c" refType="w" fact="0.048"/>
-                    <dgm:constr type="h" for="ch" forName="bullet5c" refType="w" refFor="ch" refForName="bullet5c"/>
-                    <dgm:constr type="l" for="ch" forName="textBox5c" refType="ctrX" refFor="ch" refForName="bullet5c"/>
-                    <dgm:constr type="t" for="ch" forName="textBox5c" refType="ctrY" refFor="ch" refForName="bullet5c"/>
-                    <dgm:constr type="w" for="ch" forName="textBox5c" refType="w" fact="0.193"/>
-                    <dgm:constr type="h" for="ch" forName="textBox5c" refType="h" fact="0.562"/>
-                    <dgm:constr type="userC" refType="h" refFor="ch" refForName="bullet5c" fact="0.53"/>
-                    <dgm:constr type="lMarg" for="ch" forName="textBox5c" refType="userC" fact="2.834"/>
-                    <dgm:constr type="ctrX" for="ch" forName="bullet5d" refType="w" fact="0.6"/>
-                    <dgm:constr type="ctrY" for="ch" forName="bullet5d" refType="h" fact="0.33"/>
-                    <dgm:constr type="w" for="ch" forName="bullet5d" refType="w" fact="0.062"/>
-                    <dgm:constr type="h" for="ch" forName="bullet5d" refType="w" refFor="ch" refForName="bullet5d"/>
-                    <dgm:constr type="l" for="ch" forName="textBox5d" refType="ctrX" refFor="ch" refForName="bullet5d"/>
-                    <dgm:constr type="t" for="ch" forName="textBox5d" refType="ctrY" refFor="ch" refForName="bullet5d"/>
-                    <dgm:constr type="w" for="ch" forName="textBox5d" refType="w" fact="0.2"/>
-                    <dgm:constr type="h" for="ch" forName="textBox5d" refType="h" fact="0.67"/>
-                    <dgm:constr type="userD" refType="h" refFor="ch" refForName="bullet5d" fact="0.53"/>
-                    <dgm:constr type="lMarg" for="ch" forName="textBox5d" refType="userD" fact="2.834"/>
-                    <dgm:constr type="ctrX" for="ch" forName="bullet5e" refType="w" fact="0.8"/>
-                    <dgm:constr type="ctrY" for="ch" forName="bullet5e" refType="h" fact="0.264"/>
-                    <dgm:constr type="w" for="ch" forName="bullet5e" refType="w" fact="0.079"/>
-                    <dgm:constr type="h" for="ch" forName="bullet5e" refType="w" refFor="ch" refForName="bullet5e"/>
-                    <dgm:constr type="l" for="ch" forName="textBox5e" refType="ctrX" refFor="ch" refForName="bullet5e"/>
-                    <dgm:constr type="t" for="ch" forName="textBox5e" refType="ctrY" refFor="ch" refForName="bullet5e"/>
-                    <dgm:constr type="w" for="ch" forName="textBox5e" refType="w" fact="0.2"/>
-                    <dgm:constr type="h" for="ch" forName="textBox5e" refType="h" fact="0.736"/>
-                    <dgm:constr type="userE" refType="h" refFor="ch" refForName="bullet5e" fact="0.53"/>
-                    <dgm:constr type="lMarg" for="ch" forName="textBox5e" refType="userE" fact="2.834"/>
-                    <dgm:constr type="primFontSz" for="ch" ptType="node" op="equ" val="65"/>
-                  </dgm:constrLst>
-                </dgm:if>
-                <dgm:else name="Name138">
-                  <dgm:constrLst>
-                    <dgm:constr type="ctrX" for="ch" forName="bullet5a" refType="w" fact="0.11"/>
-                    <dgm:constr type="ctrY" for="ch" forName="bullet5a" refType="h" fact="0.762"/>
-                    <dgm:constr type="w" for="ch" forName="bullet5a" refType="w" fact="0.023"/>
-                    <dgm:constr type="h" for="ch" forName="bullet5a" refType="w" refFor="ch" refForName="bullet5a"/>
-                    <dgm:constr type="r" for="ch" forName="textBox5a" refType="ctrX" refFor="ch" refForName="bullet5a"/>
-                    <dgm:constr type="b" for="ch" forName="textBox5a" refType="ctrY" refFor="ch" refForName="bullet5a"/>
-                    <dgm:constr type="w" for="ch" forName="textBox5a" refType="w" fact="0.11"/>
-                    <dgm:constr type="h" for="ch" forName="textBox5a" refType="h" fact="0.762"/>
-                    <dgm:constr type="userA" refType="h" refFor="ch" refForName="bullet5a" fact="0.53"/>
-                    <dgm:constr type="rMarg" for="ch" forName="textBox5a" refType="userA" fact="2.834"/>
-                    <dgm:constr type="ctrX" for="ch" forName="bullet5b" refType="w" fact="0.241"/>
-                    <dgm:constr type="ctrY" for="ch" forName="bullet5b" refType="h" fact="0.581"/>
-                    <dgm:constr type="w" for="ch" forName="bullet5b" refType="w" fact="0.036"/>
-                    <dgm:constr type="h" for="ch" forName="bullet5b" refType="w" refFor="ch" refForName="bullet5b"/>
-                    <dgm:constr type="r" for="ch" forName="textBox5b" refType="ctrX" refFor="ch" refForName="bullet5b"/>
-                    <dgm:constr type="b" for="ch" forName="textBox5b" refType="ctrY" refFor="ch" refForName="bullet5b"/>
-                    <dgm:constr type="w" for="ch" forName="textBox5b" refType="w" fact="0.131"/>
-                    <dgm:constr type="h" for="ch" forName="textBox5b" refType="h" fact="0.581"/>
-                    <dgm:constr type="userB" refType="h" refFor="ch" refForName="bullet5b" fact="0.53"/>
-                    <dgm:constr type="rMarg" for="ch" forName="textBox5b" refType="userB" fact="2.834"/>
-                    <dgm:constr type="ctrX" for="ch" forName="bullet5c" refType="w" fact="0.407"/>
-                    <dgm:constr type="ctrY" for="ch" forName="bullet5c" refType="h" fact="0.438"/>
-                    <dgm:constr type="w" for="ch" forName="bullet5c" refType="w" fact="0.048"/>
-                    <dgm:constr type="h" for="ch" forName="bullet5c" refType="w" refFor="ch" refForName="bullet5c"/>
-                    <dgm:constr type="r" for="ch" forName="textBox5c" refType="ctrX" refFor="ch" refForName="bullet5c"/>
-                    <dgm:constr type="b" for="ch" forName="textBox5c" refType="ctrY" refFor="ch" refForName="bullet5c"/>
-                    <dgm:constr type="w" for="ch" forName="textBox5c" refType="w" fact="0.166"/>
-                    <dgm:constr type="h" for="ch" forName="textBox5c" refType="h" fact="0.438"/>
-                    <dgm:constr type="userC" refType="h" refFor="ch" refForName="bullet5c" fact="0.53"/>
-                    <dgm:constr type="rMarg" for="ch" forName="textBox5c" refType="userC" fact="2.834"/>
-                    <dgm:constr type="ctrX" for="ch" forName="bullet5d" refType="w" fact="0.6"/>
-                    <dgm:constr type="ctrY" for="ch" forName="bullet5d" refType="h" fact="0.33"/>
-                    <dgm:constr type="w" for="ch" forName="bullet5d" refType="w" fact="0.062"/>
-                    <dgm:constr type="h" for="ch" forName="bullet5d" refType="w" refFor="ch" refForName="bullet5d"/>
-                    <dgm:constr type="r" for="ch" forName="textBox5d" refType="ctrX" refFor="ch" refForName="bullet5d"/>
-                    <dgm:constr type="b" for="ch" forName="textBox5d" refType="ctrY" refFor="ch" refForName="bullet5d"/>
-                    <dgm:constr type="w" for="ch" forName="textBox5d" refType="w" fact="0.193"/>
-                    <dgm:constr type="h" for="ch" forName="textBox5d" refType="h" fact="0.33"/>
-                    <dgm:constr type="userD" refType="h" refFor="ch" refForName="bullet5d" fact="0.53"/>
-                    <dgm:constr type="rMarg" for="ch" forName="textBox5d" refType="userD" fact="2.834"/>
-                    <dgm:constr type="ctrX" for="ch" forName="bullet5e" refType="w" fact="0.8"/>
-                    <dgm:constr type="ctrY" for="ch" forName="bullet5e" refType="h" fact="0.264"/>
-                    <dgm:constr type="w" for="ch" forName="bullet5e" refType="w" fact="0.079"/>
-                    <dgm:constr type="h" for="ch" forName="bullet5e" refType="w" refFor="ch" refForName="bullet5e"/>
-                    <dgm:constr type="r" for="ch" forName="textBox5e" refType="ctrX" refFor="ch" refForName="bullet5e"/>
-                    <dgm:constr type="b" for="ch" forName="textBox5e" refType="ctrY" refFor="ch" refForName="bullet5e"/>
-                    <dgm:constr type="w" for="ch" forName="textBox5e" refType="w" fact="0.2"/>
-                    <dgm:constr type="h" for="ch" forName="textBox5e" refType="h" fact="0.264"/>
-                    <dgm:constr type="userE" refType="h" refFor="ch" refForName="bullet5e" fact="0.53"/>
-                    <dgm:constr type="rMarg" for="ch" forName="textBox5e" refType="userE" fact="2.834"/>
-                    <dgm:constr type="primFontSz" for="ch" ptType="node" op="equ" val="65"/>
-                  </dgm:constrLst>
-                </dgm:else>
-              </dgm:choose>
-              <dgm:ruleLst/>
-              <dgm:forEach name="Name139" axis="ch" ptType="node" cnt="1">
-                <dgm:layoutNode name="bullet5a" styleLbl="node1">
-                  <dgm:alg type="sp"/>
-                  <dgm:shape xmlns:r="http://schemas.openxmlformats.org/officeDocument/2006/relationships" type="ellipse" r:blip="">
-                    <dgm:adjLst/>
-                  </dgm:shape>
-                  <dgm:presOf/>
-                  <dgm:constrLst/>
-                  <dgm:ruleLst/>
-                </dgm:layoutNode>
-                <dgm:layoutNode name="textBox5a" styleLbl="revTx">
-                  <dgm:varLst>
-                    <dgm:bulletEnabled val="1"/>
-                  </dgm:varLst>
-                  <dgm:choose name="Name140">
-                    <dgm:if name="Name141" func="var" arg="dir" op="equ" val="norm">
-                      <dgm:choose name="Name142">
-                        <dgm:if name="Name143" axis="root des" ptType="all node" func="maxDepth" op="gt" val="1">
-                          <dgm:alg type="tx">
-                            <dgm:param type="txAnchorVert" val="t"/>
-                            <dgm:param type="parTxLTRAlign" val="l"/>
-                            <dgm:param type="parTxRTLAlign" val="r"/>
-                          </dgm:alg>
-                        </dgm:if>
-                        <dgm:else name="Name144">
-                          <dgm:alg type="tx">
-                            <dgm:param type="txAnchorVert" val="t"/>
-                            <dgm:param type="parTxLTRAlign" val="l"/>
-                            <dgm:param type="parTxRTLAlign" val="l"/>
-                          </dgm:alg>
-                        </dgm:else>
-                      </dgm:choose>
-                    </dgm:if>
-                    <dgm:else name="Name145">
-                      <dgm:choose name="Name146">
-                        <dgm:if name="Name147" axis="root des" ptType="all node" func="maxDepth" op="gt" val="1">
-                          <dgm:alg type="tx">
-                            <dgm:param type="txAnchorVert" val="b"/>
-                            <dgm:param type="txAnchorVertCh" val="b"/>
-                            <dgm:param type="parTxLTRAlign" val="l"/>
-                            <dgm:param type="parTxRTLAlign" val="r"/>
-                          </dgm:alg>
-                        </dgm:if>
-                        <dgm:else name="Name148">
-                          <dgm:alg type="tx">
-                            <dgm:param type="txAnchorVert" val="b"/>
-                            <dgm:param type="parTxLTRAlign" val="r"/>
-                            <dgm:param type="parTxRTLAlign" val="r"/>
-                          </dgm:alg>
-                        </dgm:else>
-                      </dgm:choose>
-                    </dgm:else>
-                  </dgm:choose>
-                  <dgm:shape xmlns:r="http://schemas.openxmlformats.org/officeDocument/2006/relationships" type="rect" r:blip="">
-                    <dgm:adjLst/>
-                  </dgm:shape>
-                  <dgm:presOf axis="desOrSelf" ptType="node"/>
-                  <dgm:choose name="Name149">
-                    <dgm:if name="Name150" func="var" arg="dir" op="equ" val="norm">
-                      <dgm:constrLst>
-                        <dgm:constr type="rMarg"/>
-                        <dgm:constr type="tMarg"/>
-                        <dgm:constr type="bMarg"/>
-                      </dgm:constrLst>
-                    </dgm:if>
-                    <dgm:else name="Name151">
-                      <dgm:constrLst>
-                        <dgm:constr type="lMarg"/>
-                        <dgm:constr type="tMarg"/>
-                        <dgm:constr type="bMarg"/>
-                      </dgm:constrLst>
-                    </dgm:else>
-                  </dgm:choose>
-                  <dgm:ruleLst>
-                    <dgm:rule type="primFontSz" val="5" fact="NaN" max="NaN"/>
-                  </dgm:ruleLst>
-                </dgm:layoutNode>
-              </dgm:forEach>
-              <dgm:forEach name="Name152" axis="ch" ptType="node" st="2" cnt="1">
-                <dgm:layoutNode name="bullet5b" styleLbl="node1">
-                  <dgm:alg type="sp"/>
-                  <dgm:shape xmlns:r="http://schemas.openxmlformats.org/officeDocument/2006/relationships" type="ellipse" r:blip="">
-                    <dgm:adjLst/>
-                  </dgm:shape>
-                  <dgm:presOf/>
-                  <dgm:constrLst/>
-                  <dgm:ruleLst/>
-                </dgm:layoutNode>
-                <dgm:layoutNode name="textBox5b" styleLbl="revTx">
-                  <dgm:varLst>
-                    <dgm:bulletEnabled val="1"/>
-                  </dgm:varLst>
-                  <dgm:choose name="Name153">
-                    <dgm:if name="Name154" func="var" arg="dir" op="equ" val="norm">
-                      <dgm:choose name="Name155">
-                        <dgm:if name="Name156" axis="root des" ptType="all node" func="maxDepth" op="gt" val="1">
-                          <dgm:alg type="tx">
-                            <dgm:param type="txAnchorVert" val="t"/>
-                            <dgm:param type="parTxLTRAlign" val="l"/>
-                            <dgm:param type="parTxRTLAlign" val="r"/>
-                          </dgm:alg>
-                        </dgm:if>
-                        <dgm:else name="Name157">
-                          <dgm:alg type="tx">
-                            <dgm:param type="txAnchorVert" val="t"/>
-                            <dgm:param type="parTxLTRAlign" val="l"/>
-                            <dgm:param type="parTxRTLAlign" val="l"/>
-                          </dgm:alg>
-                        </dgm:else>
-                      </dgm:choose>
-                    </dgm:if>
-                    <dgm:else name="Name158">
-                      <dgm:choose name="Name159">
-                        <dgm:if name="Name160" axis="root des" ptType="all node" func="maxDepth" op="gt" val="1">
-                          <dgm:alg type="tx">
-                            <dgm:param type="txAnchorVert" val="b"/>
-                            <dgm:param type="txAnchorVertCh" val="b"/>
-                            <dgm:param type="parTxLTRAlign" val="l"/>
-                            <dgm:param type="parTxRTLAlign" val="r"/>
-                          </dgm:alg>
-                        </dgm:if>
-                        <dgm:else name="Name161">
-                          <dgm:alg type="tx">
-                            <dgm:param type="txAnchorVert" val="b"/>
-                            <dgm:param type="parTxLTRAlign" val="r"/>
-                            <dgm:param type="parTxRTLAlign" val="r"/>
-                          </dgm:alg>
-                        </dgm:else>
-                      </dgm:choose>
-                    </dgm:else>
-                  </dgm:choose>
-                  <dgm:shape xmlns:r="http://schemas.openxmlformats.org/officeDocument/2006/relationships" type="rect" r:blip="">
-                    <dgm:adjLst/>
-                  </dgm:shape>
-                  <dgm:presOf axis="desOrSelf" ptType="node"/>
-                  <dgm:choose name="Name162">
-                    <dgm:if name="Name163" func="var" arg="dir" op="equ" val="norm">
-                      <dgm:constrLst>
-                        <dgm:constr type="rMarg"/>
-                        <dgm:constr type="tMarg"/>
-                        <dgm:constr type="bMarg"/>
-                      </dgm:constrLst>
-                    </dgm:if>
-                    <dgm:else name="Name164">
-                      <dgm:constrLst>
-                        <dgm:constr type="lMarg"/>
-                        <dgm:constr type="tMarg"/>
-                        <dgm:constr type="bMarg"/>
-                      </dgm:constrLst>
-                    </dgm:else>
-                  </dgm:choose>
-                  <dgm:ruleLst>
-                    <dgm:rule type="primFontSz" val="5" fact="NaN" max="NaN"/>
-                  </dgm:ruleLst>
-                </dgm:layoutNode>
-              </dgm:forEach>
-              <dgm:forEach name="Name165" axis="ch" ptType="node" st="3" cnt="1">
-                <dgm:layoutNode name="bullet5c" styleLbl="node1">
-                  <dgm:alg type="sp"/>
-                  <dgm:shape xmlns:r="http://schemas.openxmlformats.org/officeDocument/2006/relationships" type="ellipse" r:blip="">
-                    <dgm:adjLst/>
-                  </dgm:shape>
-                  <dgm:presOf/>
-                  <dgm:constrLst/>
-                  <dgm:ruleLst/>
-                </dgm:layoutNode>
-                <dgm:layoutNode name="textBox5c" styleLbl="revTx">
-                  <dgm:varLst>
-                    <dgm:bulletEnabled val="1"/>
-                  </dgm:varLst>
-                  <dgm:choose name="Name166">
-                    <dgm:if name="Name167" func="var" arg="dir" op="equ" val="norm">
-                      <dgm:choose name="Name168">
-                        <dgm:if name="Name169" axis="root des" ptType="all node" func="maxDepth" op="gt" val="1">
-                          <dgm:alg type="tx">
-                            <dgm:param type="txAnchorVert" val="t"/>
-                            <dgm:param type="parTxLTRAlign" val="l"/>
-                            <dgm:param type="parTxRTLAlign" val="r"/>
-                          </dgm:alg>
-                        </dgm:if>
-                        <dgm:else name="Name170">
-                          <dgm:alg type="tx">
-                            <dgm:param type="txAnchorVert" val="t"/>
-                            <dgm:param type="parTxLTRAlign" val="l"/>
-                            <dgm:param type="parTxRTLAlign" val="l"/>
-                          </dgm:alg>
-                        </dgm:else>
-                      </dgm:choose>
-                    </dgm:if>
-                    <dgm:else name="Name171">
-                      <dgm:choose name="Name172">
-                        <dgm:if name="Name173" axis="root des" ptType="all node" func="maxDepth" op="gt" val="1">
-                          <dgm:alg type="tx">
-                            <dgm:param type="txAnchorVert" val="b"/>
-                            <dgm:param type="txAnchorVertCh" val="b"/>
-                            <dgm:param type="parTxLTRAlign" val="l"/>
-                            <dgm:param type="parTxRTLAlign" val="r"/>
-                          </dgm:alg>
-                        </dgm:if>
-                        <dgm:else name="Name174">
-                          <dgm:alg type="tx">
-                            <dgm:param type="txAnchorVert" val="b"/>
-                            <dgm:param type="parTxLTRAlign" val="r"/>
-                            <dgm:param type="parTxRTLAlign" val="r"/>
-                          </dgm:alg>
-                        </dgm:else>
-                      </dgm:choose>
-                    </dgm:else>
-                  </dgm:choose>
-                  <dgm:shape xmlns:r="http://schemas.openxmlformats.org/officeDocument/2006/relationships" type="rect" r:blip="">
-                    <dgm:adjLst/>
-                  </dgm:shape>
-                  <dgm:presOf axis="desOrSelf" ptType="node"/>
-                  <dgm:choose name="Name175">
-                    <dgm:if name="Name176" func="var" arg="dir" op="equ" val="norm">
-                      <dgm:constrLst>
-                        <dgm:constr type="rMarg"/>
-                        <dgm:constr type="tMarg"/>
-                        <dgm:constr type="bMarg"/>
-                      </dgm:constrLst>
-                    </dgm:if>
-                    <dgm:else name="Name177">
-                      <dgm:constrLst>
-                        <dgm:constr type="lMarg"/>
-                        <dgm:constr type="tMarg"/>
-                        <dgm:constr type="bMarg"/>
-                      </dgm:constrLst>
-                    </dgm:else>
-                  </dgm:choose>
-                  <dgm:ruleLst>
-                    <dgm:rule type="primFontSz" val="5" fact="NaN" max="NaN"/>
-                  </dgm:ruleLst>
-                </dgm:layoutNode>
-              </dgm:forEach>
-              <dgm:forEach name="Name178" axis="ch" ptType="node" st="4" cnt="1">
-                <dgm:layoutNode name="bullet5d" styleLbl="node1">
-                  <dgm:alg type="sp"/>
-                  <dgm:shape xmlns:r="http://schemas.openxmlformats.org/officeDocument/2006/relationships" type="ellipse" r:blip="">
-                    <dgm:adjLst/>
-                  </dgm:shape>
-                  <dgm:presOf/>
-                  <dgm:constrLst/>
-                  <dgm:ruleLst/>
-                </dgm:layoutNode>
-                <dgm:layoutNode name="textBox5d" styleLbl="revTx">
-                  <dgm:varLst>
-                    <dgm:bulletEnabled val="1"/>
-                  </dgm:varLst>
-                  <dgm:choose name="Name179">
-                    <dgm:if name="Name180" func="var" arg="dir" op="equ" val="norm">
-                      <dgm:choose name="Name181">
-                        <dgm:if name="Name182" axis="root des" ptType="all node" func="maxDepth" op="gt" val="1">
-                          <dgm:alg type="tx">
-                            <dgm:param type="txAnchorVert" val="t"/>
-                            <dgm:param type="parTxLTRAlign" val="l"/>
-                            <dgm:param type="parTxRTLAlign" val="r"/>
-                          </dgm:alg>
-                        </dgm:if>
-                        <dgm:else name="Name183">
-                          <dgm:alg type="tx">
-                            <dgm:param type="txAnchorVert" val="t"/>
-                            <dgm:param type="parTxLTRAlign" val="l"/>
-                            <dgm:param type="parTxRTLAlign" val="l"/>
-                          </dgm:alg>
-                        </dgm:else>
-                      </dgm:choose>
-                    </dgm:if>
-                    <dgm:else name="Name184">
-                      <dgm:choose name="Name185">
-                        <dgm:if name="Name186" axis="root des" ptType="all node" func="maxDepth" op="gt" val="1">
-                          <dgm:alg type="tx">
-                            <dgm:param type="txAnchorVert" val="b"/>
-                            <dgm:param type="txAnchorVertCh" val="b"/>
-                            <dgm:param type="parTxLTRAlign" val="l"/>
-                            <dgm:param type="parTxRTLAlign" val="r"/>
-                          </dgm:alg>
-                        </dgm:if>
-                        <dgm:else name="Name187">
-                          <dgm:alg type="tx">
-                            <dgm:param type="txAnchorVert" val="b"/>
-                            <dgm:param type="parTxLTRAlign" val="r"/>
-                            <dgm:param type="parTxRTLAlign" val="r"/>
-                          </dgm:alg>
-                        </dgm:else>
-                      </dgm:choose>
-                    </dgm:else>
-                  </dgm:choose>
-                  <dgm:shape xmlns:r="http://schemas.openxmlformats.org/officeDocument/2006/relationships" type="rect" r:blip="">
-                    <dgm:adjLst/>
-                  </dgm:shape>
-                  <dgm:presOf axis="desOrSelf" ptType="node"/>
-                  <dgm:choose name="Name188">
-                    <dgm:if name="Name189" func="var" arg="dir" op="equ" val="norm">
-                      <dgm:constrLst>
-                        <dgm:constr type="rMarg"/>
-                        <dgm:constr type="tMarg"/>
-                        <dgm:constr type="bMarg"/>
-                      </dgm:constrLst>
-                    </dgm:if>
-                    <dgm:else name="Name190">
-                      <dgm:constrLst>
-                        <dgm:constr type="lMarg"/>
-                        <dgm:constr type="tMarg"/>
-                        <dgm:constr type="bMarg"/>
-                      </dgm:constrLst>
-                    </dgm:else>
-                  </dgm:choose>
-                  <dgm:ruleLst>
-                    <dgm:rule type="primFontSz" val="5" fact="NaN" max="NaN"/>
-                  </dgm:ruleLst>
-                </dgm:layoutNode>
-              </dgm:forEach>
-              <dgm:forEach name="Name191" axis="ch" ptType="node" st="5" cnt="1">
-                <dgm:layoutNode name="bullet5e" styleLbl="node1">
-                  <dgm:alg type="sp"/>
-                  <dgm:shape xmlns:r="http://schemas.openxmlformats.org/officeDocument/2006/relationships" type="ellipse" r:blip="">
-                    <dgm:adjLst/>
-                  </dgm:shape>
-                  <dgm:presOf/>
-                  <dgm:constrLst/>
-                  <dgm:ruleLst/>
-                </dgm:layoutNode>
-                <dgm:layoutNode name="textBox5e" styleLbl="revTx">
-                  <dgm:varLst>
-                    <dgm:bulletEnabled val="1"/>
-                  </dgm:varLst>
-                  <dgm:choose name="Name192">
-                    <dgm:if name="Name193" func="var" arg="dir" op="equ" val="norm">
-                      <dgm:choose name="Name194">
-                        <dgm:if name="Name195" axis="root des" ptType="all node" func="maxDepth" op="gt" val="1">
-                          <dgm:alg type="tx">
-                            <dgm:param type="txAnchorVert" val="t"/>
-                            <dgm:param type="parTxLTRAlign" val="l"/>
-                            <dgm:param type="parTxRTLAlign" val="r"/>
-                          </dgm:alg>
-                        </dgm:if>
-                        <dgm:else name="Name196">
-                          <dgm:alg type="tx">
-                            <dgm:param type="txAnchorVert" val="t"/>
-                            <dgm:param type="parTxLTRAlign" val="l"/>
-                            <dgm:param type="parTxRTLAlign" val="l"/>
-                          </dgm:alg>
-                        </dgm:else>
-                      </dgm:choose>
-                    </dgm:if>
-                    <dgm:else name="Name197">
-                      <dgm:choose name="Name198">
-                        <dgm:if name="Name199" axis="root des" ptType="all node" func="maxDepth" op="gt" val="1">
-                          <dgm:alg type="tx">
-                            <dgm:param type="txAnchorVert" val="b"/>
-                            <dgm:param type="txAnchorVertCh" val="b"/>
-                            <dgm:param type="parTxLTRAlign" val="l"/>
-                            <dgm:param type="parTxRTLAlign" val="r"/>
-                          </dgm:alg>
-                        </dgm:if>
-                        <dgm:else name="Name200">
-                          <dgm:alg type="tx">
-                            <dgm:param type="txAnchorVert" val="b"/>
-                            <dgm:param type="parTxLTRAlign" val="r"/>
-                            <dgm:param type="parTxRTLAlign" val="r"/>
-                          </dgm:alg>
-                        </dgm:else>
-                      </dgm:choose>
-                    </dgm:else>
-                  </dgm:choose>
-                  <dgm:shape xmlns:r="http://schemas.openxmlformats.org/officeDocument/2006/relationships" type="rect" r:blip="">
-                    <dgm:adjLst/>
-                  </dgm:shape>
-                  <dgm:presOf axis="desOrSelf" ptType="node"/>
-                  <dgm:choose name="Name201">
-                    <dgm:if name="Name202" func="var" arg="dir" op="equ" val="norm">
-                      <dgm:constrLst>
-                        <dgm:constr type="rMarg"/>
-                        <dgm:constr type="tMarg"/>
-                        <dgm:constr type="bMarg"/>
-                      </dgm:constrLst>
-                    </dgm:if>
-                    <dgm:else name="Name203">
-                      <dgm:constrLst>
-                        <dgm:constr type="lMarg"/>
-                        <dgm:constr type="tMarg"/>
-                        <dgm:constr type="bMarg"/>
-                      </dgm:constrLst>
-                    </dgm:else>
-                  </dgm:choose>
-                  <dgm:ruleLst>
-                    <dgm:rule type="primFontSz" val="5" fact="NaN" max="NaN"/>
-                  </dgm:ruleLst>
-                </dgm:layoutNode>
-              </dgm:forEach>
-            </dgm:layoutNode>
-          </dgm:else>
-        </dgm:choose>
-      </dgm:if>
-      <dgm:else name="Name204"/>
-    </dgm:choose>
-  </dgm:layoutNode>
-</dgm:layoutDef>
-</file>
-
-<file path=ppt/diagrams/layout2.xml><?xml version="1.0" encoding="utf-8"?>
 <dgm:layoutDef xmlns:dgm="http://schemas.openxmlformats.org/drawingml/2006/diagram" xmlns:a="http://schemas.openxmlformats.org/drawingml/2006/main" uniqueId="urn:microsoft.com/office/officeart/2005/8/layout/radial5">
   <dgm:title val=""/>
   <dgm:desc val=""/>
@@ -6473,1144 +3077,6 @@
 </file>
 
 <file path=ppt/diagrams/quickStyle1.xml><?xml version="1.0" encoding="utf-8"?>
-<dgm:styleDef xmlns:dgm="http://schemas.openxmlformats.org/drawingml/2006/diagram" xmlns:a="http://schemas.openxmlformats.org/drawingml/2006/main" uniqueId="urn:microsoft.com/office/officeart/2005/8/quickstyle/3d5">
-  <dgm:title val=""/>
-  <dgm:desc val=""/>
-  <dgm:catLst>
-    <dgm:cat type="3D" pri="11500"/>
-  </dgm:catLst>
-  <dgm:scene3d>
-    <a:camera prst="isometricOffAxis2Left" zoom="95000"/>
-    <a:lightRig rig="flat" dir="t"/>
-  </dgm:scene3d>
-  <dgm:styleLbl name="node0">
-    <dgm:scene3d>
-      <a:camera prst="orthographicFront"/>
-      <a:lightRig rig="threePt" dir="t"/>
-    </dgm:scene3d>
-    <dgm:sp3d extrusionH="381000" contourW="38100" prstMaterial="matte">
-      <a:contourClr>
-        <a:schemeClr val="lt1"/>
-      </a:contourClr>
-    </dgm:sp3d>
-    <dgm:txPr/>
-    <dgm:style>
-      <a:lnRef idx="0">
-        <a:scrgbClr r="0" g="0" b="0"/>
-      </a:lnRef>
-      <a:fillRef idx="1">
-        <a:scrgbClr r="0" g="0" b="0"/>
-      </a:fillRef>
-      <a:effectRef idx="0">
-        <a:scrgbClr r="0" g="0" b="0"/>
-      </a:effectRef>
-      <a:fontRef idx="minor">
-        <a:schemeClr val="lt1"/>
-      </a:fontRef>
-    </dgm:style>
-  </dgm:styleLbl>
-  <dgm:styleLbl name="lnNode1">
-    <dgm:scene3d>
-      <a:camera prst="orthographicFront"/>
-      <a:lightRig rig="threePt" dir="t"/>
-    </dgm:scene3d>
-    <dgm:sp3d extrusionH="381000" contourW="38100" prstMaterial="matte">
-      <a:contourClr>
-        <a:schemeClr val="lt1"/>
-      </a:contourClr>
-    </dgm:sp3d>
-    <dgm:txPr/>
-    <dgm:style>
-      <a:lnRef idx="0">
-        <a:scrgbClr r="0" g="0" b="0"/>
-      </a:lnRef>
-      <a:fillRef idx="1">
-        <a:scrgbClr r="0" g="0" b="0"/>
-      </a:fillRef>
-      <a:effectRef idx="0">
-        <a:scrgbClr r="0" g="0" b="0"/>
-      </a:effectRef>
-      <a:fontRef idx="minor">
-        <a:schemeClr val="lt1"/>
-      </a:fontRef>
-    </dgm:style>
-  </dgm:styleLbl>
-  <dgm:styleLbl name="vennNode1">
-    <dgm:scene3d>
-      <a:camera prst="orthographicFront"/>
-      <a:lightRig rig="threePt" dir="t"/>
-    </dgm:scene3d>
-    <dgm:sp3d extrusionH="381000" contourW="38100" prstMaterial="matte">
-      <a:contourClr>
-        <a:schemeClr val="lt1"/>
-      </a:contourClr>
-    </dgm:sp3d>
-    <dgm:txPr/>
-    <dgm:style>
-      <a:lnRef idx="0">
-        <a:scrgbClr r="0" g="0" b="0"/>
-      </a:lnRef>
-      <a:fillRef idx="1">
-        <a:scrgbClr r="0" g="0" b="0"/>
-      </a:fillRef>
-      <a:effectRef idx="0">
-        <a:scrgbClr r="0" g="0" b="0"/>
-      </a:effectRef>
-      <a:fontRef idx="minor">
-        <a:schemeClr val="tx1"/>
-      </a:fontRef>
-    </dgm:style>
-  </dgm:styleLbl>
-  <dgm:styleLbl name="alignNode1">
-    <dgm:scene3d>
-      <a:camera prst="orthographicFront"/>
-      <a:lightRig rig="threePt" dir="t"/>
-    </dgm:scene3d>
-    <dgm:sp3d extrusionH="381000" contourW="38100" prstMaterial="matte">
-      <a:contourClr>
-        <a:schemeClr val="lt1"/>
-      </a:contourClr>
-    </dgm:sp3d>
-    <dgm:txPr/>
-    <dgm:style>
-      <a:lnRef idx="1">
-        <a:scrgbClr r="0" g="0" b="0"/>
-      </a:lnRef>
-      <a:fillRef idx="1">
-        <a:scrgbClr r="0" g="0" b="0"/>
-      </a:fillRef>
-      <a:effectRef idx="0">
-        <a:scrgbClr r="0" g="0" b="0"/>
-      </a:effectRef>
-      <a:fontRef idx="minor">
-        <a:schemeClr val="lt1"/>
-      </a:fontRef>
-    </dgm:style>
-  </dgm:styleLbl>
-  <dgm:styleLbl name="node1">
-    <dgm:scene3d>
-      <a:camera prst="orthographicFront"/>
-      <a:lightRig rig="threePt" dir="t"/>
-    </dgm:scene3d>
-    <dgm:sp3d extrusionH="381000" contourW="38100" prstMaterial="matte">
-      <a:contourClr>
-        <a:schemeClr val="lt1"/>
-      </a:contourClr>
-    </dgm:sp3d>
-    <dgm:txPr/>
-    <dgm:style>
-      <a:lnRef idx="0">
-        <a:scrgbClr r="0" g="0" b="0"/>
-      </a:lnRef>
-      <a:fillRef idx="1">
-        <a:scrgbClr r="0" g="0" b="0"/>
-      </a:fillRef>
-      <a:effectRef idx="0">
-        <a:scrgbClr r="0" g="0" b="0"/>
-      </a:effectRef>
-      <a:fontRef idx="minor">
-        <a:schemeClr val="lt1"/>
-      </a:fontRef>
-    </dgm:style>
-  </dgm:styleLbl>
-  <dgm:styleLbl name="node2">
-    <dgm:scene3d>
-      <a:camera prst="orthographicFront"/>
-      <a:lightRig rig="threePt" dir="t"/>
-    </dgm:scene3d>
-    <dgm:sp3d extrusionH="381000" contourW="38100" prstMaterial="matte">
-      <a:contourClr>
-        <a:schemeClr val="lt1"/>
-      </a:contourClr>
-    </dgm:sp3d>
-    <dgm:txPr/>
-    <dgm:style>
-      <a:lnRef idx="0">
-        <a:scrgbClr r="0" g="0" b="0"/>
-      </a:lnRef>
-      <a:fillRef idx="1">
-        <a:scrgbClr r="0" g="0" b="0"/>
-      </a:fillRef>
-      <a:effectRef idx="0">
-        <a:scrgbClr r="0" g="0" b="0"/>
-      </a:effectRef>
-      <a:fontRef idx="minor">
-        <a:schemeClr val="lt1"/>
-      </a:fontRef>
-    </dgm:style>
-  </dgm:styleLbl>
-  <dgm:styleLbl name="node3">
-    <dgm:scene3d>
-      <a:camera prst="orthographicFront"/>
-      <a:lightRig rig="threePt" dir="t"/>
-    </dgm:scene3d>
-    <dgm:sp3d extrusionH="381000" contourW="38100" prstMaterial="matte">
-      <a:contourClr>
-        <a:schemeClr val="lt1"/>
-      </a:contourClr>
-    </dgm:sp3d>
-    <dgm:txPr/>
-    <dgm:style>
-      <a:lnRef idx="0">
-        <a:scrgbClr r="0" g="0" b="0"/>
-      </a:lnRef>
-      <a:fillRef idx="1">
-        <a:scrgbClr r="0" g="0" b="0"/>
-      </a:fillRef>
-      <a:effectRef idx="0">
-        <a:scrgbClr r="0" g="0" b="0"/>
-      </a:effectRef>
-      <a:fontRef idx="minor">
-        <a:schemeClr val="lt1"/>
-      </a:fontRef>
-    </dgm:style>
-  </dgm:styleLbl>
-  <dgm:styleLbl name="node4">
-    <dgm:scene3d>
-      <a:camera prst="orthographicFront"/>
-      <a:lightRig rig="threePt" dir="t"/>
-    </dgm:scene3d>
-    <dgm:sp3d extrusionH="381000" contourW="38100" prstMaterial="matte">
-      <a:contourClr>
-        <a:schemeClr val="lt1"/>
-      </a:contourClr>
-    </dgm:sp3d>
-    <dgm:txPr/>
-    <dgm:style>
-      <a:lnRef idx="0">
-        <a:scrgbClr r="0" g="0" b="0"/>
-      </a:lnRef>
-      <a:fillRef idx="1">
-        <a:scrgbClr r="0" g="0" b="0"/>
-      </a:fillRef>
-      <a:effectRef idx="0">
-        <a:scrgbClr r="0" g="0" b="0"/>
-      </a:effectRef>
-      <a:fontRef idx="minor">
-        <a:schemeClr val="lt1"/>
-      </a:fontRef>
-    </dgm:style>
-  </dgm:styleLbl>
-  <dgm:styleLbl name="fgImgPlace1">
-    <dgm:scene3d>
-      <a:camera prst="orthographicFront"/>
-      <a:lightRig rig="threePt" dir="t"/>
-    </dgm:scene3d>
-    <dgm:sp3d z="57150" extrusionH="63500" contourW="12700" prstMaterial="matte">
-      <a:contourClr>
-        <a:schemeClr val="lt1"/>
-      </a:contourClr>
-    </dgm:sp3d>
-    <dgm:txPr/>
-    <dgm:style>
-      <a:lnRef idx="0">
-        <a:scrgbClr r="0" g="0" b="0"/>
-      </a:lnRef>
-      <a:fillRef idx="1">
-        <a:scrgbClr r="0" g="0" b="0"/>
-      </a:fillRef>
-      <a:effectRef idx="0">
-        <a:scrgbClr r="0" g="0" b="0"/>
-      </a:effectRef>
-      <a:fontRef idx="minor"/>
-    </dgm:style>
-  </dgm:styleLbl>
-  <dgm:styleLbl name="alignImgPlace1">
-    <dgm:scene3d>
-      <a:camera prst="orthographicFront"/>
-      <a:lightRig rig="threePt" dir="t"/>
-    </dgm:scene3d>
-    <dgm:sp3d extrusionH="63500" contourW="12700" prstMaterial="matte">
-      <a:contourClr>
-        <a:schemeClr val="lt1"/>
-      </a:contourClr>
-    </dgm:sp3d>
-    <dgm:txPr/>
-    <dgm:style>
-      <a:lnRef idx="0">
-        <a:scrgbClr r="0" g="0" b="0"/>
-      </a:lnRef>
-      <a:fillRef idx="1">
-        <a:scrgbClr r="0" g="0" b="0"/>
-      </a:fillRef>
-      <a:effectRef idx="0">
-        <a:scrgbClr r="0" g="0" b="0"/>
-      </a:effectRef>
-      <a:fontRef idx="minor"/>
-    </dgm:style>
-  </dgm:styleLbl>
-  <dgm:styleLbl name="bgImgPlace1">
-    <dgm:scene3d>
-      <a:camera prst="orthographicFront"/>
-      <a:lightRig rig="threePt" dir="t"/>
-    </dgm:scene3d>
-    <dgm:sp3d z="-381000" extrusionH="63500" contourW="12700" prstMaterial="matte">
-      <a:contourClr>
-        <a:schemeClr val="lt1"/>
-      </a:contourClr>
-    </dgm:sp3d>
-    <dgm:txPr/>
-    <dgm:style>
-      <a:lnRef idx="0">
-        <a:scrgbClr r="0" g="0" b="0"/>
-      </a:lnRef>
-      <a:fillRef idx="1">
-        <a:scrgbClr r="0" g="0" b="0"/>
-      </a:fillRef>
-      <a:effectRef idx="0">
-        <a:scrgbClr r="0" g="0" b="0"/>
-      </a:effectRef>
-      <a:fontRef idx="minor"/>
-    </dgm:style>
-  </dgm:styleLbl>
-  <dgm:styleLbl name="sibTrans2D1">
-    <dgm:scene3d>
-      <a:camera prst="orthographicFront"/>
-      <a:lightRig rig="threePt" dir="t"/>
-    </dgm:scene3d>
-    <dgm:sp3d z="-52400" extrusionH="181000" contourW="38100" prstMaterial="matte">
-      <a:contourClr>
-        <a:schemeClr val="lt1"/>
-      </a:contourClr>
-    </dgm:sp3d>
-    <dgm:txPr/>
-    <dgm:style>
-      <a:lnRef idx="0">
-        <a:scrgbClr r="0" g="0" b="0"/>
-      </a:lnRef>
-      <a:fillRef idx="1">
-        <a:scrgbClr r="0" g="0" b="0"/>
-      </a:fillRef>
-      <a:effectRef idx="0">
-        <a:scrgbClr r="0" g="0" b="0"/>
-      </a:effectRef>
-      <a:fontRef idx="minor">
-        <a:schemeClr val="lt1"/>
-      </a:fontRef>
-    </dgm:style>
-  </dgm:styleLbl>
-  <dgm:styleLbl name="fgSibTrans2D1">
-    <dgm:scene3d>
-      <a:camera prst="orthographicFront"/>
-      <a:lightRig rig="threePt" dir="t"/>
-    </dgm:scene3d>
-    <dgm:sp3d z="57150" extrusionH="63500" contourW="12700" prstMaterial="matte">
-      <a:contourClr>
-        <a:schemeClr val="dk1">
-          <a:tint val="20000"/>
-        </a:schemeClr>
-      </a:contourClr>
-    </dgm:sp3d>
-    <dgm:txPr/>
-    <dgm:style>
-      <a:lnRef idx="0">
-        <a:scrgbClr r="0" g="0" b="0"/>
-      </a:lnRef>
-      <a:fillRef idx="1">
-        <a:scrgbClr r="0" g="0" b="0"/>
-      </a:fillRef>
-      <a:effectRef idx="0">
-        <a:scrgbClr r="0" g="0" b="0"/>
-      </a:effectRef>
-      <a:fontRef idx="minor">
-        <a:schemeClr val="lt1"/>
-      </a:fontRef>
-    </dgm:style>
-  </dgm:styleLbl>
-  <dgm:styleLbl name="bgSibTrans2D1">
-    <dgm:scene3d>
-      <a:camera prst="orthographicFront"/>
-      <a:lightRig rig="threePt" dir="t"/>
-    </dgm:scene3d>
-    <dgm:sp3d z="-381000" extrusionH="63500" contourW="12700" prstMaterial="matte">
-      <a:contourClr>
-        <a:schemeClr val="dk1">
-          <a:tint val="20000"/>
-        </a:schemeClr>
-      </a:contourClr>
-    </dgm:sp3d>
-    <dgm:txPr/>
-    <dgm:style>
-      <a:lnRef idx="0">
-        <a:scrgbClr r="0" g="0" b="0"/>
-      </a:lnRef>
-      <a:fillRef idx="1">
-        <a:scrgbClr r="0" g="0" b="0"/>
-      </a:fillRef>
-      <a:effectRef idx="0">
-        <a:scrgbClr r="0" g="0" b="0"/>
-      </a:effectRef>
-      <a:fontRef idx="minor">
-        <a:schemeClr val="lt1"/>
-      </a:fontRef>
-    </dgm:style>
-  </dgm:styleLbl>
-  <dgm:styleLbl name="sibTrans1D1">
-    <dgm:scene3d>
-      <a:camera prst="orthographicFront"/>
-      <a:lightRig rig="threePt" dir="t"/>
-    </dgm:scene3d>
-    <dgm:sp3d z="-40000" prstMaterial="matte"/>
-    <dgm:txPr/>
-    <dgm:style>
-      <a:lnRef idx="1">
-        <a:scrgbClr r="0" g="0" b="0"/>
-      </a:lnRef>
-      <a:fillRef idx="0">
-        <a:scrgbClr r="0" g="0" b="0"/>
-      </a:fillRef>
-      <a:effectRef idx="0">
-        <a:scrgbClr r="0" g="0" b="0"/>
-      </a:effectRef>
-      <a:fontRef idx="minor"/>
-    </dgm:style>
-  </dgm:styleLbl>
-  <dgm:styleLbl name="callout">
-    <dgm:scene3d>
-      <a:camera prst="orthographicFront"/>
-      <a:lightRig rig="threePt" dir="t"/>
-    </dgm:scene3d>
-    <dgm:sp3d z="127000" prstMaterial="matte"/>
-    <dgm:txPr/>
-    <dgm:style>
-      <a:lnRef idx="2">
-        <a:scrgbClr r="0" g="0" b="0"/>
-      </a:lnRef>
-      <a:fillRef idx="1">
-        <a:scrgbClr r="0" g="0" b="0"/>
-      </a:fillRef>
-      <a:effectRef idx="0">
-        <a:scrgbClr r="0" g="0" b="0"/>
-      </a:effectRef>
-      <a:fontRef idx="minor"/>
-    </dgm:style>
-  </dgm:styleLbl>
-  <dgm:styleLbl name="asst0">
-    <dgm:scene3d>
-      <a:camera prst="orthographicFront"/>
-      <a:lightRig rig="threePt" dir="t"/>
-    </dgm:scene3d>
-    <dgm:sp3d extrusionH="381000" contourW="38100" prstMaterial="matte">
-      <a:contourClr>
-        <a:schemeClr val="lt1"/>
-      </a:contourClr>
-    </dgm:sp3d>
-    <dgm:txPr/>
-    <dgm:style>
-      <a:lnRef idx="0">
-        <a:scrgbClr r="0" g="0" b="0"/>
-      </a:lnRef>
-      <a:fillRef idx="1">
-        <a:scrgbClr r="0" g="0" b="0"/>
-      </a:fillRef>
-      <a:effectRef idx="0">
-        <a:scrgbClr r="0" g="0" b="0"/>
-      </a:effectRef>
-      <a:fontRef idx="minor">
-        <a:schemeClr val="lt1"/>
-      </a:fontRef>
-    </dgm:style>
-  </dgm:styleLbl>
-  <dgm:styleLbl name="asst1">
-    <dgm:scene3d>
-      <a:camera prst="orthographicFront"/>
-      <a:lightRig rig="threePt" dir="t"/>
-    </dgm:scene3d>
-    <dgm:sp3d extrusionH="381000" contourW="38100" prstMaterial="matte">
-      <a:contourClr>
-        <a:schemeClr val="lt1"/>
-      </a:contourClr>
-    </dgm:sp3d>
-    <dgm:txPr/>
-    <dgm:style>
-      <a:lnRef idx="0">
-        <a:scrgbClr r="0" g="0" b="0"/>
-      </a:lnRef>
-      <a:fillRef idx="1">
-        <a:scrgbClr r="0" g="0" b="0"/>
-      </a:fillRef>
-      <a:effectRef idx="0">
-        <a:scrgbClr r="0" g="0" b="0"/>
-      </a:effectRef>
-      <a:fontRef idx="minor">
-        <a:schemeClr val="lt1"/>
-      </a:fontRef>
-    </dgm:style>
-  </dgm:styleLbl>
-  <dgm:styleLbl name="asst2">
-    <dgm:scene3d>
-      <a:camera prst="orthographicFront"/>
-      <a:lightRig rig="threePt" dir="t"/>
-    </dgm:scene3d>
-    <dgm:sp3d extrusionH="381000" contourW="38100" prstMaterial="matte">
-      <a:contourClr>
-        <a:schemeClr val="lt1"/>
-      </a:contourClr>
-    </dgm:sp3d>
-    <dgm:txPr/>
-    <dgm:style>
-      <a:lnRef idx="0">
-        <a:scrgbClr r="0" g="0" b="0"/>
-      </a:lnRef>
-      <a:fillRef idx="1">
-        <a:scrgbClr r="0" g="0" b="0"/>
-      </a:fillRef>
-      <a:effectRef idx="0">
-        <a:scrgbClr r="0" g="0" b="0"/>
-      </a:effectRef>
-      <a:fontRef idx="minor">
-        <a:schemeClr val="lt1"/>
-      </a:fontRef>
-    </dgm:style>
-  </dgm:styleLbl>
-  <dgm:styleLbl name="asst3">
-    <dgm:scene3d>
-      <a:camera prst="orthographicFront"/>
-      <a:lightRig rig="threePt" dir="t"/>
-    </dgm:scene3d>
-    <dgm:sp3d extrusionH="381000" contourW="38100" prstMaterial="matte">
-      <a:contourClr>
-        <a:schemeClr val="lt1"/>
-      </a:contourClr>
-    </dgm:sp3d>
-    <dgm:txPr/>
-    <dgm:style>
-      <a:lnRef idx="0">
-        <a:scrgbClr r="0" g="0" b="0"/>
-      </a:lnRef>
-      <a:fillRef idx="1">
-        <a:scrgbClr r="0" g="0" b="0"/>
-      </a:fillRef>
-      <a:effectRef idx="0">
-        <a:scrgbClr r="0" g="0" b="0"/>
-      </a:effectRef>
-      <a:fontRef idx="minor">
-        <a:schemeClr val="lt1"/>
-      </a:fontRef>
-    </dgm:style>
-  </dgm:styleLbl>
-  <dgm:styleLbl name="parChTrans2D1">
-    <dgm:scene3d>
-      <a:camera prst="orthographicFront"/>
-      <a:lightRig rig="threePt" dir="t"/>
-    </dgm:scene3d>
-    <dgm:sp3d z="52400" extrusionH="381000" contourW="38100" prstMaterial="matte">
-      <a:contourClr>
-        <a:schemeClr val="lt1"/>
-      </a:contourClr>
-    </dgm:sp3d>
-    <dgm:txPr/>
-    <dgm:style>
-      <a:lnRef idx="0">
-        <a:scrgbClr r="0" g="0" b="0"/>
-      </a:lnRef>
-      <a:fillRef idx="1">
-        <a:scrgbClr r="0" g="0" b="0"/>
-      </a:fillRef>
-      <a:effectRef idx="0">
-        <a:scrgbClr r="0" g="0" b="0"/>
-      </a:effectRef>
-      <a:fontRef idx="minor">
-        <a:schemeClr val="lt1"/>
-      </a:fontRef>
-    </dgm:style>
-  </dgm:styleLbl>
-  <dgm:styleLbl name="parChTrans2D2">
-    <dgm:scene3d>
-      <a:camera prst="orthographicFront"/>
-      <a:lightRig rig="threePt" dir="t"/>
-    </dgm:scene3d>
-    <dgm:sp3d z="52400" extrusionH="381000" contourW="38100" prstMaterial="matte">
-      <a:contourClr>
-        <a:schemeClr val="lt1"/>
-      </a:contourClr>
-    </dgm:sp3d>
-    <dgm:txPr/>
-    <dgm:style>
-      <a:lnRef idx="0">
-        <a:scrgbClr r="0" g="0" b="0"/>
-      </a:lnRef>
-      <a:fillRef idx="1">
-        <a:scrgbClr r="0" g="0" b="0"/>
-      </a:fillRef>
-      <a:effectRef idx="0">
-        <a:scrgbClr r="0" g="0" b="0"/>
-      </a:effectRef>
-      <a:fontRef idx="minor">
-        <a:schemeClr val="lt1"/>
-      </a:fontRef>
-    </dgm:style>
-  </dgm:styleLbl>
-  <dgm:styleLbl name="parChTrans2D3">
-    <dgm:scene3d>
-      <a:camera prst="orthographicFront"/>
-      <a:lightRig rig="threePt" dir="t"/>
-    </dgm:scene3d>
-    <dgm:sp3d z="60000" prstMaterial="flat">
-      <a:bevelT w="120900" h="88900"/>
-      <a:bevelB w="88900" h="31750" prst="angle"/>
-    </dgm:sp3d>
-    <dgm:txPr/>
-    <dgm:style>
-      <a:lnRef idx="0">
-        <a:scrgbClr r="0" g="0" b="0"/>
-      </a:lnRef>
-      <a:fillRef idx="3">
-        <a:scrgbClr r="0" g="0" b="0"/>
-      </a:fillRef>
-      <a:effectRef idx="1">
-        <a:scrgbClr r="0" g="0" b="0"/>
-      </a:effectRef>
-      <a:fontRef idx="minor">
-        <a:schemeClr val="lt1"/>
-      </a:fontRef>
-    </dgm:style>
-  </dgm:styleLbl>
-  <dgm:styleLbl name="parChTrans2D4">
-    <dgm:scene3d>
-      <a:camera prst="orthographicFront"/>
-      <a:lightRig rig="threePt" dir="t"/>
-    </dgm:scene3d>
-    <dgm:sp3d z="60000" prstMaterial="flat">
-      <a:bevelT w="120900" h="88900"/>
-      <a:bevelB w="88900" h="31750" prst="angle"/>
-    </dgm:sp3d>
-    <dgm:txPr/>
-    <dgm:style>
-      <a:lnRef idx="0">
-        <a:scrgbClr r="0" g="0" b="0"/>
-      </a:lnRef>
-      <a:fillRef idx="3">
-        <a:scrgbClr r="0" g="0" b="0"/>
-      </a:fillRef>
-      <a:effectRef idx="1">
-        <a:scrgbClr r="0" g="0" b="0"/>
-      </a:effectRef>
-      <a:fontRef idx="minor">
-        <a:schemeClr val="lt1"/>
-      </a:fontRef>
-    </dgm:style>
-  </dgm:styleLbl>
-  <dgm:styleLbl name="parChTrans1D1">
-    <dgm:scene3d>
-      <a:camera prst="orthographicFront"/>
-      <a:lightRig rig="threePt" dir="t"/>
-    </dgm:scene3d>
-    <dgm:sp3d z="-40000" prstMaterial="matte"/>
-    <dgm:txPr/>
-    <dgm:style>
-      <a:lnRef idx="2">
-        <a:scrgbClr r="0" g="0" b="0"/>
-      </a:lnRef>
-      <a:fillRef idx="0">
-        <a:scrgbClr r="0" g="0" b="0"/>
-      </a:fillRef>
-      <a:effectRef idx="0">
-        <a:scrgbClr r="0" g="0" b="0"/>
-      </a:effectRef>
-      <a:fontRef idx="minor"/>
-    </dgm:style>
-  </dgm:styleLbl>
-  <dgm:styleLbl name="parChTrans1D2">
-    <dgm:scene3d>
-      <a:camera prst="orthographicFront"/>
-      <a:lightRig rig="threePt" dir="t"/>
-    </dgm:scene3d>
-    <dgm:sp3d z="-40000" prstMaterial="matte"/>
-    <dgm:txPr/>
-    <dgm:style>
-      <a:lnRef idx="2">
-        <a:scrgbClr r="0" g="0" b="0"/>
-      </a:lnRef>
-      <a:fillRef idx="0">
-        <a:scrgbClr r="0" g="0" b="0"/>
-      </a:fillRef>
-      <a:effectRef idx="0">
-        <a:scrgbClr r="0" g="0" b="0"/>
-      </a:effectRef>
-      <a:fontRef idx="minor"/>
-    </dgm:style>
-  </dgm:styleLbl>
-  <dgm:styleLbl name="parChTrans1D3">
-    <dgm:scene3d>
-      <a:camera prst="orthographicFront"/>
-      <a:lightRig rig="threePt" dir="t"/>
-    </dgm:scene3d>
-    <dgm:sp3d z="-40000" prstMaterial="matte"/>
-    <dgm:txPr/>
-    <dgm:style>
-      <a:lnRef idx="2">
-        <a:scrgbClr r="0" g="0" b="0"/>
-      </a:lnRef>
-      <a:fillRef idx="0">
-        <a:scrgbClr r="0" g="0" b="0"/>
-      </a:fillRef>
-      <a:effectRef idx="0">
-        <a:scrgbClr r="0" g="0" b="0"/>
-      </a:effectRef>
-      <a:fontRef idx="minor"/>
-    </dgm:style>
-  </dgm:styleLbl>
-  <dgm:styleLbl name="parChTrans1D4">
-    <dgm:scene3d>
-      <a:camera prst="orthographicFront"/>
-      <a:lightRig rig="threePt" dir="t"/>
-    </dgm:scene3d>
-    <dgm:sp3d z="-40000" prstMaterial="matte"/>
-    <dgm:txPr/>
-    <dgm:style>
-      <a:lnRef idx="2">
-        <a:scrgbClr r="0" g="0" b="0"/>
-      </a:lnRef>
-      <a:fillRef idx="0">
-        <a:scrgbClr r="0" g="0" b="0"/>
-      </a:fillRef>
-      <a:effectRef idx="0">
-        <a:scrgbClr r="0" g="0" b="0"/>
-      </a:effectRef>
-      <a:fontRef idx="minor"/>
-    </dgm:style>
-  </dgm:styleLbl>
-  <dgm:styleLbl name="fgAcc1">
-    <dgm:scene3d>
-      <a:camera prst="orthographicFront"/>
-      <a:lightRig rig="threePt" dir="t"/>
-    </dgm:scene3d>
-    <dgm:sp3d z="57150" extrusionH="63500" prstMaterial="matte"/>
-    <dgm:txPr/>
-    <dgm:style>
-      <a:lnRef idx="1">
-        <a:scrgbClr r="0" g="0" b="0"/>
-      </a:lnRef>
-      <a:fillRef idx="1">
-        <a:scrgbClr r="0" g="0" b="0"/>
-      </a:fillRef>
-      <a:effectRef idx="0">
-        <a:scrgbClr r="0" g="0" b="0"/>
-      </a:effectRef>
-      <a:fontRef idx="minor"/>
-    </dgm:style>
-  </dgm:styleLbl>
-  <dgm:styleLbl name="conFgAcc1">
-    <dgm:scene3d>
-      <a:camera prst="orthographicFront"/>
-      <a:lightRig rig="threePt" dir="t"/>
-    </dgm:scene3d>
-    <dgm:sp3d z="-60000" extrusionH="63500" prstMaterial="matte"/>
-    <dgm:txPr/>
-    <dgm:style>
-      <a:lnRef idx="1">
-        <a:scrgbClr r="0" g="0" b="0"/>
-      </a:lnRef>
-      <a:fillRef idx="1">
-        <a:scrgbClr r="0" g="0" b="0"/>
-      </a:fillRef>
-      <a:effectRef idx="0">
-        <a:scrgbClr r="0" g="0" b="0"/>
-      </a:effectRef>
-      <a:fontRef idx="minor"/>
-    </dgm:style>
-  </dgm:styleLbl>
-  <dgm:styleLbl name="alignAcc1">
-    <dgm:scene3d>
-      <a:camera prst="orthographicFront"/>
-      <a:lightRig rig="threePt" dir="t"/>
-    </dgm:scene3d>
-    <dgm:sp3d z="-60000" extrusionH="63500" prstMaterial="matte"/>
-    <dgm:txPr/>
-    <dgm:style>
-      <a:lnRef idx="1">
-        <a:scrgbClr r="0" g="0" b="0"/>
-      </a:lnRef>
-      <a:fillRef idx="1">
-        <a:scrgbClr r="0" g="0" b="0"/>
-      </a:fillRef>
-      <a:effectRef idx="0">
-        <a:scrgbClr r="0" g="0" b="0"/>
-      </a:effectRef>
-      <a:fontRef idx="minor"/>
-    </dgm:style>
-  </dgm:styleLbl>
-  <dgm:styleLbl name="trAlignAcc1">
-    <dgm:scene3d>
-      <a:camera prst="orthographicFront"/>
-      <a:lightRig rig="threePt" dir="t"/>
-    </dgm:scene3d>
-    <dgm:sp3d extrusionH="381000" prstMaterial="matte"/>
-    <dgm:txPr/>
-    <dgm:style>
-      <a:lnRef idx="1">
-        <a:scrgbClr r="0" g="0" b="0"/>
-      </a:lnRef>
-      <a:fillRef idx="1">
-        <a:scrgbClr r="0" g="0" b="0"/>
-      </a:fillRef>
-      <a:effectRef idx="0">
-        <a:scrgbClr r="0" g="0" b="0"/>
-      </a:effectRef>
-      <a:fontRef idx="minor"/>
-    </dgm:style>
-  </dgm:styleLbl>
-  <dgm:styleLbl name="bgAcc1">
-    <dgm:scene3d>
-      <a:camera prst="orthographicFront"/>
-      <a:lightRig rig="threePt" dir="t"/>
-    </dgm:scene3d>
-    <dgm:sp3d z="-400500" extrusionH="63500" prstMaterial="matte"/>
-    <dgm:txPr/>
-    <dgm:style>
-      <a:lnRef idx="1">
-        <a:scrgbClr r="0" g="0" b="0"/>
-      </a:lnRef>
-      <a:fillRef idx="1">
-        <a:scrgbClr r="0" g="0" b="0"/>
-      </a:fillRef>
-      <a:effectRef idx="0">
-        <a:scrgbClr r="0" g="0" b="0"/>
-      </a:effectRef>
-      <a:fontRef idx="minor"/>
-    </dgm:style>
-  </dgm:styleLbl>
-  <dgm:styleLbl name="solidFgAcc1">
-    <dgm:scene3d>
-      <a:camera prst="orthographicFront"/>
-      <a:lightRig rig="threePt" dir="t"/>
-    </dgm:scene3d>
-    <dgm:sp3d z="57150" extrusionH="12700" prstMaterial="flat">
-      <a:bevelT w="50800" h="50800"/>
-    </dgm:sp3d>
-    <dgm:txPr/>
-    <dgm:style>
-      <a:lnRef idx="1">
-        <a:scrgbClr r="0" g="0" b="0"/>
-      </a:lnRef>
-      <a:fillRef idx="1">
-        <a:scrgbClr r="0" g="0" b="0"/>
-      </a:fillRef>
-      <a:effectRef idx="2">
-        <a:scrgbClr r="0" g="0" b="0"/>
-      </a:effectRef>
-      <a:fontRef idx="minor"/>
-    </dgm:style>
-  </dgm:styleLbl>
-  <dgm:styleLbl name="solidAlignAcc1">
-    <dgm:scene3d>
-      <a:camera prst="orthographicFront"/>
-      <a:lightRig rig="threePt" dir="t"/>
-    </dgm:scene3d>
-    <dgm:sp3d extrusionH="12700" prstMaterial="flat">
-      <a:bevelT w="50800" h="50800"/>
-    </dgm:sp3d>
-    <dgm:txPr/>
-    <dgm:style>
-      <a:lnRef idx="1">
-        <a:scrgbClr r="0" g="0" b="0"/>
-      </a:lnRef>
-      <a:fillRef idx="1">
-        <a:scrgbClr r="0" g="0" b="0"/>
-      </a:fillRef>
-      <a:effectRef idx="2">
-        <a:scrgbClr r="0" g="0" b="0"/>
-      </a:effectRef>
-      <a:fontRef idx="minor"/>
-    </dgm:style>
-  </dgm:styleLbl>
-  <dgm:styleLbl name="solidBgAcc1">
-    <dgm:scene3d>
-      <a:camera prst="orthographicFront"/>
-      <a:lightRig rig="threePt" dir="t"/>
-    </dgm:scene3d>
-    <dgm:sp3d z="-63500" extrusionH="63500" prstMaterial="matte"/>
-    <dgm:txPr/>
-    <dgm:style>
-      <a:lnRef idx="1">
-        <a:scrgbClr r="0" g="0" b="0"/>
-      </a:lnRef>
-      <a:fillRef idx="1">
-        <a:scrgbClr r="0" g="0" b="0"/>
-      </a:fillRef>
-      <a:effectRef idx="0">
-        <a:scrgbClr r="0" g="0" b="0"/>
-      </a:effectRef>
-      <a:fontRef idx="minor"/>
-    </dgm:style>
-  </dgm:styleLbl>
-  <dgm:styleLbl name="fgAccFollowNode1">
-    <dgm:scene3d>
-      <a:camera prst="orthographicFront"/>
-      <a:lightRig rig="threePt" dir="t"/>
-    </dgm:scene3d>
-    <dgm:sp3d z="57150" extrusionH="63500" contourW="12700" prstMaterial="matte">
-      <a:contourClr>
-        <a:schemeClr val="dk1">
-          <a:tint val="20000"/>
-        </a:schemeClr>
-      </a:contourClr>
-    </dgm:sp3d>
-    <dgm:txPr/>
-    <dgm:style>
-      <a:lnRef idx="0">
-        <a:scrgbClr r="0" g="0" b="0"/>
-      </a:lnRef>
-      <a:fillRef idx="1">
-        <a:scrgbClr r="0" g="0" b="0"/>
-      </a:fillRef>
-      <a:effectRef idx="0">
-        <a:scrgbClr r="0" g="0" b="0"/>
-      </a:effectRef>
-      <a:fontRef idx="minor"/>
-    </dgm:style>
-  </dgm:styleLbl>
-  <dgm:styleLbl name="alignAccFollowNode1">
-    <dgm:scene3d>
-      <a:camera prst="orthographicFront"/>
-      <a:lightRig rig="threePt" dir="t"/>
-    </dgm:scene3d>
-    <dgm:sp3d extrusionH="381000" contourW="38100" prstMaterial="matte">
-      <a:contourClr>
-        <a:schemeClr val="lt1"/>
-      </a:contourClr>
-    </dgm:sp3d>
-    <dgm:txPr/>
-    <dgm:style>
-      <a:lnRef idx="0">
-        <a:scrgbClr r="0" g="0" b="0"/>
-      </a:lnRef>
-      <a:fillRef idx="1">
-        <a:scrgbClr r="0" g="0" b="0"/>
-      </a:fillRef>
-      <a:effectRef idx="0">
-        <a:scrgbClr r="0" g="0" b="0"/>
-      </a:effectRef>
-      <a:fontRef idx="minor"/>
-    </dgm:style>
-  </dgm:styleLbl>
-  <dgm:styleLbl name="bgAccFollowNode1">
-    <dgm:scene3d>
-      <a:camera prst="orthographicFront"/>
-      <a:lightRig rig="threePt" dir="t"/>
-    </dgm:scene3d>
-    <dgm:sp3d z="-400500" extrusionH="63500" contourW="12700" prstMaterial="matte">
-      <a:contourClr>
-        <a:schemeClr val="lt1"/>
-      </a:contourClr>
-    </dgm:sp3d>
-    <dgm:txPr/>
-    <dgm:style>
-      <a:lnRef idx="0">
-        <a:scrgbClr r="0" g="0" b="0"/>
-      </a:lnRef>
-      <a:fillRef idx="1">
-        <a:scrgbClr r="0" g="0" b="0"/>
-      </a:fillRef>
-      <a:effectRef idx="2">
-        <a:scrgbClr r="0" g="0" b="0"/>
-      </a:effectRef>
-      <a:fontRef idx="minor"/>
-    </dgm:style>
-  </dgm:styleLbl>
-  <dgm:styleLbl name="fgAcc0">
-    <dgm:scene3d>
-      <a:camera prst="orthographicFront"/>
-      <a:lightRig rig="threePt" dir="t"/>
-    </dgm:scene3d>
-    <dgm:sp3d z="57150" extrusionH="63500" prstMaterial="matte"/>
-    <dgm:txPr/>
-    <dgm:style>
-      <a:lnRef idx="1">
-        <a:scrgbClr r="0" g="0" b="0"/>
-      </a:lnRef>
-      <a:fillRef idx="1">
-        <a:scrgbClr r="0" g="0" b="0"/>
-      </a:fillRef>
-      <a:effectRef idx="0">
-        <a:scrgbClr r="0" g="0" b="0"/>
-      </a:effectRef>
-      <a:fontRef idx="minor"/>
-    </dgm:style>
-  </dgm:styleLbl>
-  <dgm:styleLbl name="fgAcc2">
-    <dgm:scene3d>
-      <a:camera prst="orthographicFront"/>
-      <a:lightRig rig="threePt" dir="t"/>
-    </dgm:scene3d>
-    <dgm:sp3d z="57150" extrusionH="63500" prstMaterial="matte"/>
-    <dgm:txPr/>
-    <dgm:style>
-      <a:lnRef idx="1">
-        <a:scrgbClr r="0" g="0" b="0"/>
-      </a:lnRef>
-      <a:fillRef idx="1">
-        <a:scrgbClr r="0" g="0" b="0"/>
-      </a:fillRef>
-      <a:effectRef idx="0">
-        <a:scrgbClr r="0" g="0" b="0"/>
-      </a:effectRef>
-      <a:fontRef idx="minor"/>
-    </dgm:style>
-  </dgm:styleLbl>
-  <dgm:styleLbl name="fgAcc3">
-    <dgm:scene3d>
-      <a:camera prst="orthographicFront"/>
-      <a:lightRig rig="threePt" dir="t"/>
-    </dgm:scene3d>
-    <dgm:sp3d z="57150" extrusionH="63500" prstMaterial="matte"/>
-    <dgm:txPr/>
-    <dgm:style>
-      <a:lnRef idx="1">
-        <a:scrgbClr r="0" g="0" b="0"/>
-      </a:lnRef>
-      <a:fillRef idx="1">
-        <a:scrgbClr r="0" g="0" b="0"/>
-      </a:fillRef>
-      <a:effectRef idx="0">
-        <a:scrgbClr r="0" g="0" b="0"/>
-      </a:effectRef>
-      <a:fontRef idx="minor"/>
-    </dgm:style>
-  </dgm:styleLbl>
-  <dgm:styleLbl name="fgAcc4">
-    <dgm:scene3d>
-      <a:camera prst="orthographicFront"/>
-      <a:lightRig rig="threePt" dir="t"/>
-    </dgm:scene3d>
-    <dgm:sp3d z="57150" extrusionH="63500" prstMaterial="matte"/>
-    <dgm:txPr/>
-    <dgm:style>
-      <a:lnRef idx="1">
-        <a:scrgbClr r="0" g="0" b="0"/>
-      </a:lnRef>
-      <a:fillRef idx="1">
-        <a:scrgbClr r="0" g="0" b="0"/>
-      </a:fillRef>
-      <a:effectRef idx="0">
-        <a:scrgbClr r="0" g="0" b="0"/>
-      </a:effectRef>
-      <a:fontRef idx="minor"/>
-    </dgm:style>
-  </dgm:styleLbl>
-  <dgm:styleLbl name="bgShp">
-    <dgm:scene3d>
-      <a:camera prst="orthographicFront"/>
-      <a:lightRig rig="threePt" dir="t"/>
-    </dgm:scene3d>
-    <dgm:sp3d z="-400500" extrusionH="63500" contourW="12700" prstMaterial="matte">
-      <a:contourClr>
-        <a:schemeClr val="lt1">
-          <a:tint val="50000"/>
-        </a:schemeClr>
-      </a:contourClr>
-    </dgm:sp3d>
-    <dgm:txPr/>
-    <dgm:style>
-      <a:lnRef idx="0">
-        <a:scrgbClr r="0" g="0" b="0"/>
-      </a:lnRef>
-      <a:fillRef idx="1">
-        <a:scrgbClr r="0" g="0" b="0"/>
-      </a:fillRef>
-      <a:effectRef idx="0">
-        <a:scrgbClr r="0" g="0" b="0"/>
-      </a:effectRef>
-      <a:fontRef idx="minor"/>
-    </dgm:style>
-  </dgm:styleLbl>
-  <dgm:styleLbl name="dkBgShp">
-    <dgm:scene3d>
-      <a:camera prst="orthographicFront"/>
-      <a:lightRig rig="threePt" dir="t"/>
-    </dgm:scene3d>
-    <dgm:sp3d extrusionH="381000" contourW="38100" prstMaterial="matte">
-      <a:contourClr>
-        <a:schemeClr val="lt1"/>
-      </a:contourClr>
-    </dgm:sp3d>
-    <dgm:txPr/>
-    <dgm:style>
-      <a:lnRef idx="0">
-        <a:scrgbClr r="0" g="0" b="0"/>
-      </a:lnRef>
-      <a:fillRef idx="1">
-        <a:scrgbClr r="0" g="0" b="0"/>
-      </a:fillRef>
-      <a:effectRef idx="0">
-        <a:scrgbClr r="0" g="0" b="0"/>
-      </a:effectRef>
-      <a:fontRef idx="minor">
-        <a:schemeClr val="lt1"/>
-      </a:fontRef>
-    </dgm:style>
-  </dgm:styleLbl>
-  <dgm:styleLbl name="trBgShp">
-    <dgm:scene3d>
-      <a:camera prst="orthographicFront"/>
-      <a:lightRig rig="threePt" dir="t"/>
-    </dgm:scene3d>
-    <dgm:sp3d z="-400500" prstMaterial="matte"/>
-    <dgm:txPr/>
-    <dgm:style>
-      <a:lnRef idx="0">
-        <a:scrgbClr r="0" g="0" b="0"/>
-      </a:lnRef>
-      <a:fillRef idx="1">
-        <a:scrgbClr r="0" g="0" b="0"/>
-      </a:fillRef>
-      <a:effectRef idx="0">
-        <a:scrgbClr r="0" g="0" b="0"/>
-      </a:effectRef>
-      <a:fontRef idx="minor"/>
-    </dgm:style>
-  </dgm:styleLbl>
-  <dgm:styleLbl name="fgShp">
-    <dgm:scene3d>
-      <a:camera prst="orthographicFront"/>
-      <a:lightRig rig="threePt" dir="t"/>
-    </dgm:scene3d>
-    <dgm:sp3d z="57150" extrusionH="63500" contourW="12700" prstMaterial="matte">
-      <a:contourClr>
-        <a:schemeClr val="lt1">
-          <a:tint val="50000"/>
-        </a:schemeClr>
-      </a:contourClr>
-    </dgm:sp3d>
-    <dgm:txPr/>
-    <dgm:style>
-      <a:lnRef idx="0">
-        <a:scrgbClr r="0" g="0" b="0"/>
-      </a:lnRef>
-      <a:fillRef idx="1">
-        <a:scrgbClr r="0" g="0" b="0"/>
-      </a:fillRef>
-      <a:effectRef idx="0">
-        <a:scrgbClr r="0" g="0" b="0"/>
-      </a:effectRef>
-      <a:fontRef idx="minor"/>
-    </dgm:style>
-  </dgm:styleLbl>
-  <dgm:styleLbl name="revTx">
-    <dgm:scene3d>
-      <a:camera prst="orthographicFront"/>
-      <a:lightRig rig="threePt" dir="t"/>
-    </dgm:scene3d>
-    <dgm:sp3d/>
-    <dgm:txPr/>
-    <dgm:style>
-      <a:lnRef idx="0">
-        <a:scrgbClr r="0" g="0" b="0"/>
-      </a:lnRef>
-      <a:fillRef idx="0">
-        <a:scrgbClr r="0" g="0" b="0"/>
-      </a:fillRef>
-      <a:effectRef idx="0">
-        <a:scrgbClr r="0" g="0" b="0"/>
-      </a:effectRef>
-      <a:fontRef idx="minor"/>
-    </dgm:style>
-  </dgm:styleLbl>
-</dgm:styleDef>
-</file>
-
-<file path=ppt/diagrams/quickStyle2.xml><?xml version="1.0" encoding="utf-8"?>
 <dgm:styleDef xmlns:dgm="http://schemas.openxmlformats.org/drawingml/2006/diagram" xmlns:a="http://schemas.openxmlformats.org/drawingml/2006/main" uniqueId="urn:microsoft.com/office/officeart/2005/8/quickstyle/simple3">
   <dgm:title val=""/>
   <dgm:desc val=""/>
@@ -8922,7 +4388,7 @@
     </p:spTree>
     <p:extLst>
       <p:ext uri="{BB962C8B-B14F-4D97-AF65-F5344CB8AC3E}">
-        <p14:creationId xmlns="" xmlns:p14="http://schemas.microsoft.com/office/powerpoint/2010/main" val="650118158"/>
+        <p14:creationId xmlns:p14="http://schemas.microsoft.com/office/powerpoint/2010/main" val="650118158"/>
       </p:ext>
     </p:extLst>
   </p:cSld>
@@ -9391,7 +4857,7 @@
             <a:fld id="{5E0C3846-8D4C-4326-8BC7-9B455A036298}" type="slidenum">
               <a:rPr lang="en-US" smtClean="0"/>
               <a:pPr/>
-              <a:t>2</a:t>
+              <a:t>3</a:t>
             </a:fld>
             <a:endParaRPr lang="en-US"/>
           </a:p>
@@ -9451,25 +4917,20 @@
           </a:bodyPr>
           <a:lstStyle/>
           <a:p>
-            <a:pPr>
-              <a:buFont typeface="Arial" charset="0"/>
-              <a:buNone/>
-            </a:pPr>
+            <a:pPr lvl="0"/>
             <a:r>
               <a:rPr lang="en-US" dirty="0" smtClean="0"/>
-              <a:t>* If any of</a:t>
+              <a:t>What are the dependencies</a:t>
             </a:r>
             <a:r>
               <a:rPr lang="en-US" baseline="0" dirty="0" smtClean="0"/>
-              <a:t> these issues caused a schedule delay or need to be discussed further, include details in next slide.</a:t>
-            </a:r>
-          </a:p>
-          <a:p>
-            <a:pPr>
-              <a:buFont typeface="Arial" charset="0"/>
-              <a:buNone/>
-            </a:pPr>
-            <a:endParaRPr lang="en-US" baseline="0" dirty="0" smtClean="0"/>
+              <a:t> that affect the timeline, cost, and output of this </a:t>
+            </a:r>
+            <a:r>
+              <a:rPr lang="en-US" baseline="0" smtClean="0"/>
+              <a:t>project?</a:t>
+            </a:r>
+            <a:endParaRPr lang="en-US" dirty="0" smtClean="0"/>
           </a:p>
         </p:txBody>
       </p:sp>
@@ -9491,7 +4952,7 @@
             <a:fld id="{5E0C3846-8D4C-4326-8BC7-9B455A036298}" type="slidenum">
               <a:rPr lang="en-US" smtClean="0"/>
               <a:pPr/>
-              <a:t>3</a:t>
+              <a:t>4</a:t>
             </a:fld>
             <a:endParaRPr lang="en-US"/>
           </a:p>
@@ -9551,35 +5012,25 @@
           </a:bodyPr>
           <a:lstStyle/>
           <a:p>
+            <a:pPr>
+              <a:buFont typeface="Arial" charset="0"/>
+              <a:buNone/>
+            </a:pPr>
             <a:r>
               <a:rPr lang="en-US" dirty="0" smtClean="0"/>
-              <a:t>The following slides</a:t>
+              <a:t>* If any of</a:t>
             </a:r>
             <a:r>
               <a:rPr lang="en-US" baseline="0" dirty="0" smtClean="0"/>
-              <a:t> show several examples of timelines using SmartArt graphics.</a:t>
-            </a:r>
-            <a:endParaRPr lang="en-US" dirty="0" smtClean="0"/>
-          </a:p>
-          <a:p>
-            <a:r>
-              <a:rPr lang="en-US" dirty="0" smtClean="0"/>
-              <a:t>Include a timeline for the project, clearly marking milestones,</a:t>
-            </a:r>
-            <a:r>
-              <a:rPr lang="en-US" baseline="0" dirty="0" smtClean="0"/>
-              <a:t> important dates, </a:t>
-            </a:r>
-            <a:r>
-              <a:rPr lang="en-US" dirty="0" smtClean="0"/>
-              <a:t>and highlight where the project is now.</a:t>
-            </a:r>
-          </a:p>
-          <a:p>
-            <a:endParaRPr lang="en-US" dirty="0" smtClean="0"/>
-          </a:p>
-          <a:p>
-            <a:endParaRPr lang="en-US" dirty="0" smtClean="0"/>
+              <a:t> these issues caused a schedule delay or need to be discussed further, include details in next slide.</a:t>
+            </a:r>
+          </a:p>
+          <a:p>
+            <a:pPr>
+              <a:buFont typeface="Arial" charset="0"/>
+              <a:buNone/>
+            </a:pPr>
+            <a:endParaRPr lang="en-US" baseline="0" dirty="0" smtClean="0"/>
           </a:p>
         </p:txBody>
       </p:sp>
@@ -9601,102 +5052,7 @@
             <a:fld id="{5E0C3846-8D4C-4326-8BC7-9B455A036298}" type="slidenum">
               <a:rPr lang="en-US" smtClean="0"/>
               <a:pPr/>
-              <a:t>4</a:t>
-            </a:fld>
-            <a:endParaRPr lang="en-US"/>
-          </a:p>
-        </p:txBody>
-      </p:sp>
-    </p:spTree>
-  </p:cSld>
-  <p:clrMapOvr>
-    <a:masterClrMapping/>
-  </p:clrMapOvr>
-</p:notes>
-</file>
-
-<file path=ppt/notesSlides/notesSlide5.xml><?xml version="1.0" encoding="utf-8"?>
-<p:notes xmlns:a="http://schemas.openxmlformats.org/drawingml/2006/main" xmlns:r="http://schemas.openxmlformats.org/officeDocument/2006/relationships" xmlns:p="http://schemas.openxmlformats.org/presentationml/2006/main">
-  <p:cSld>
-    <p:spTree>
-      <p:nvGrpSpPr>
-        <p:cNvPr id="1" name=""/>
-        <p:cNvGrpSpPr/>
-        <p:nvPr/>
-      </p:nvGrpSpPr>
-      <p:grpSpPr>
-        <a:xfrm>
-          <a:off x="0" y="0"/>
-          <a:ext cx="0" cy="0"/>
-          <a:chOff x="0" y="0"/>
-          <a:chExt cx="0" cy="0"/>
-        </a:xfrm>
-      </p:grpSpPr>
-      <p:sp>
-        <p:nvSpPr>
-          <p:cNvPr id="2" name="Slide Image Placeholder 1"/>
-          <p:cNvSpPr>
-            <a:spLocks noGrp="1" noRot="1" noChangeAspect="1"/>
-          </p:cNvSpPr>
-          <p:nvPr>
-            <p:ph type="sldImg"/>
-          </p:nvPr>
-        </p:nvSpPr>
-        <p:spPr/>
-      </p:sp>
-      <p:sp>
-        <p:nvSpPr>
-          <p:cNvPr id="3" name="Notes Placeholder 2"/>
-          <p:cNvSpPr>
-            <a:spLocks noGrp="1"/>
-          </p:cNvSpPr>
-          <p:nvPr>
-            <p:ph type="body" idx="1"/>
-          </p:nvPr>
-        </p:nvSpPr>
-        <p:spPr/>
-        <p:txBody>
-          <a:bodyPr>
-            <a:normAutofit/>
-          </a:bodyPr>
-          <a:lstStyle/>
-          <a:p>
-            <a:pPr lvl="0"/>
-            <a:r>
-              <a:rPr lang="en-US" dirty="0" smtClean="0"/>
-              <a:t>What are the dependencies</a:t>
-            </a:r>
-            <a:r>
-              <a:rPr lang="en-US" baseline="0" dirty="0" smtClean="0"/>
-              <a:t> that affect the timeline, cost, and output of this </a:t>
-            </a:r>
-            <a:r>
-              <a:rPr lang="en-US" baseline="0" smtClean="0"/>
-              <a:t>project?</a:t>
-            </a:r>
-            <a:endParaRPr lang="en-US" dirty="0" smtClean="0"/>
-          </a:p>
-        </p:txBody>
-      </p:sp>
-      <p:sp>
-        <p:nvSpPr>
-          <p:cNvPr id="4" name="Slide Number Placeholder 3"/>
-          <p:cNvSpPr>
-            <a:spLocks noGrp="1"/>
-          </p:cNvSpPr>
-          <p:nvPr>
-            <p:ph type="sldNum" sz="quarter" idx="10"/>
-          </p:nvPr>
-        </p:nvSpPr>
-        <p:spPr/>
-        <p:txBody>
-          <a:bodyPr/>
-          <a:lstStyle/>
-          <a:p>
-            <a:fld id="{5E0C3846-8D4C-4326-8BC7-9B455A036298}" type="slidenum">
-              <a:rPr lang="en-US" smtClean="0"/>
-              <a:pPr/>
-              <a:t>6</a:t>
+              <a:t>5</a:t>
             </a:fld>
             <a:endParaRPr lang="en-US"/>
           </a:p>
@@ -9945,7 +5301,7 @@
           <a:blip r:embed="rId2" cstate="email">
             <a:extLst>
               <a:ext uri="{28A0092B-C50C-407E-A947-70E740481C1C}">
-                <a14:useLocalDpi xmlns="" xmlns:a14="http://schemas.microsoft.com/office/drawing/2010/main"/>
+                <a14:useLocalDpi xmlns:a14="http://schemas.microsoft.com/office/drawing/2010/main"/>
               </a:ext>
             </a:extLst>
           </a:blip>
@@ -9975,7 +5331,7 @@
           <a:blip r:embed="rId3" cstate="email">
             <a:extLst>
               <a:ext uri="{28A0092B-C50C-407E-A947-70E740481C1C}">
-                <a14:useLocalDpi xmlns="" xmlns:a14="http://schemas.microsoft.com/office/drawing/2010/main"/>
+                <a14:useLocalDpi xmlns:a14="http://schemas.microsoft.com/office/drawing/2010/main"/>
               </a:ext>
             </a:extLst>
           </a:blip>
@@ -10014,7 +5370,7 @@
           <a:blip r:embed="rId4" cstate="email">
             <a:extLst>
               <a:ext uri="{28A0092B-C50C-407E-A947-70E740481C1C}">
-                <a14:useLocalDpi xmlns="" xmlns:a14="http://schemas.microsoft.com/office/drawing/2010/main"/>
+                <a14:useLocalDpi xmlns:a14="http://schemas.microsoft.com/office/drawing/2010/main"/>
               </a:ext>
             </a:extLst>
           </a:blip>
@@ -10053,7 +5409,7 @@
           <a:blip r:embed="rId5" cstate="email">
             <a:extLst>
               <a:ext uri="{28A0092B-C50C-407E-A947-70E740481C1C}">
-                <a14:useLocalDpi xmlns="" xmlns:a14="http://schemas.microsoft.com/office/drawing/2010/main"/>
+                <a14:useLocalDpi xmlns:a14="http://schemas.microsoft.com/office/drawing/2010/main"/>
               </a:ext>
             </a:extLst>
           </a:blip>
@@ -11316,7 +6672,7 @@
           <a:blip r:embed="rId3" cstate="email">
             <a:extLst>
               <a:ext uri="{28A0092B-C50C-407E-A947-70E740481C1C}">
-                <a14:useLocalDpi xmlns="" xmlns:a14="http://schemas.microsoft.com/office/drawing/2010/main"/>
+                <a14:useLocalDpi xmlns:a14="http://schemas.microsoft.com/office/drawing/2010/main"/>
               </a:ext>
             </a:extLst>
           </a:blip>
@@ -14482,8 +9838,13 @@
             <a:pPr algn="ctr"/>
             <a:r>
               <a:rPr lang="en-US" dirty="0" smtClean="0"/>
-              <a:t>Christian Williams</a:t>
-            </a:r>
+              <a:t>Christian </a:t>
+            </a:r>
+            <a:r>
+              <a:rPr lang="en-US" dirty="0" smtClean="0"/>
+              <a:t>William</a:t>
+            </a:r>
+            <a:endParaRPr lang="en-US" dirty="0" smtClean="0"/>
           </a:p>
           <a:p>
             <a:pPr algn="ctr"/>
@@ -14572,6 +9933,161 @@
             <p:ph type="title"/>
           </p:nvPr>
         </p:nvSpPr>
+        <p:spPr/>
+        <p:txBody>
+          <a:bodyPr/>
+          <a:lstStyle/>
+          <a:p>
+            <a:r>
+              <a:rPr lang="en-US" dirty="0" smtClean="0"/>
+              <a:t>Problem</a:t>
+            </a:r>
+            <a:endParaRPr lang="en-US" dirty="0"/>
+          </a:p>
+        </p:txBody>
+      </p:sp>
+      <p:sp>
+        <p:nvSpPr>
+          <p:cNvPr id="3" name="Content Placeholder 2"/>
+          <p:cNvSpPr>
+            <a:spLocks noGrp="1"/>
+          </p:cNvSpPr>
+          <p:nvPr>
+            <p:ph idx="1"/>
+          </p:nvPr>
+        </p:nvSpPr>
+        <p:spPr/>
+        <p:txBody>
+          <a:bodyPr/>
+          <a:lstStyle/>
+          <a:p>
+            <a:r>
+              <a:rPr lang="en-US" dirty="0" smtClean="0"/>
+              <a:t>Limited audience for current </a:t>
+            </a:r>
+            <a:r>
+              <a:rPr lang="en-US" dirty="0" err="1" smtClean="0"/>
+              <a:t>Kinect</a:t>
+            </a:r>
+            <a:r>
+              <a:rPr lang="en-US" dirty="0" smtClean="0"/>
+              <a:t> titles</a:t>
+            </a:r>
+          </a:p>
+          <a:p>
+            <a:pPr marL="514350" indent="-514350">
+              <a:buFont typeface="+mj-lt"/>
+              <a:buAutoNum type="arabicPeriod"/>
+            </a:pPr>
+            <a:r>
+              <a:rPr lang="en-US" dirty="0" smtClean="0"/>
+              <a:t>Bridge games between full body motion and traditional controller or keyboard mouse </a:t>
+            </a:r>
+          </a:p>
+          <a:p>
+            <a:pPr marL="514350" indent="-514350">
+              <a:buFont typeface="+mj-lt"/>
+              <a:buAutoNum type="arabicPeriod"/>
+            </a:pPr>
+            <a:r>
+              <a:rPr lang="en-US" dirty="0" err="1" smtClean="0"/>
+              <a:t>Kinect</a:t>
+            </a:r>
+            <a:r>
+              <a:rPr lang="en-US" dirty="0" smtClean="0"/>
+              <a:t> outside of the Xbox environment</a:t>
+            </a:r>
+          </a:p>
+          <a:p>
+            <a:r>
+              <a:rPr lang="en-US" dirty="0" smtClean="0"/>
+              <a:t>Limited games for virtual world environment</a:t>
+            </a:r>
+          </a:p>
+          <a:p>
+            <a:pPr marL="514350" indent="-514350">
+              <a:buFont typeface="+mj-lt"/>
+              <a:buAutoNum type="arabicPeriod"/>
+            </a:pPr>
+            <a:r>
+              <a:rPr lang="en-US" dirty="0" smtClean="0"/>
+              <a:t>Limitations of the </a:t>
+            </a:r>
+            <a:r>
+              <a:rPr lang="en-US" dirty="0" err="1" smtClean="0"/>
+              <a:t>SecondLife</a:t>
+            </a:r>
+            <a:r>
+              <a:rPr lang="en-US" dirty="0" smtClean="0"/>
+              <a:t> as a game engine driven environment</a:t>
+            </a:r>
+          </a:p>
+          <a:p>
+            <a:pPr marL="514350" indent="-514350">
+              <a:buFont typeface="+mj-lt"/>
+              <a:buAutoNum type="arabicPeriod"/>
+            </a:pPr>
+            <a:r>
+              <a:rPr lang="en-US" dirty="0" smtClean="0"/>
+              <a:t>Games playing to the strengths of </a:t>
+            </a:r>
+            <a:r>
+              <a:rPr lang="en-US" dirty="0" err="1" smtClean="0"/>
+              <a:t>SecondLife</a:t>
+            </a:r>
+            <a:endParaRPr lang="en-US" dirty="0" smtClean="0"/>
+          </a:p>
+          <a:p>
+            <a:pPr marL="0" indent="0">
+              <a:buNone/>
+            </a:pPr>
+            <a:endParaRPr lang="en-US" dirty="0" smtClean="0"/>
+          </a:p>
+        </p:txBody>
+      </p:sp>
+    </p:spTree>
+    <p:extLst>
+      <p:ext uri="{BB962C8B-B14F-4D97-AF65-F5344CB8AC3E}">
+        <p14:creationId xmlns:p14="http://schemas.microsoft.com/office/powerpoint/2010/main" val="3818610722"/>
+      </p:ext>
+    </p:extLst>
+  </p:cSld>
+  <p:clrMapOvr>
+    <a:masterClrMapping/>
+  </p:clrMapOvr>
+  <p:transition spd="slow">
+    <p:fade/>
+  </p:transition>
+</p:sld>
+</file>
+
+<file path=ppt/slides/slide3.xml><?xml version="1.0" encoding="utf-8"?>
+<p:sld xmlns:a="http://schemas.openxmlformats.org/drawingml/2006/main" xmlns:r="http://schemas.openxmlformats.org/officeDocument/2006/relationships" xmlns:p="http://schemas.openxmlformats.org/presentationml/2006/main">
+  <p:cSld>
+    <p:spTree>
+      <p:nvGrpSpPr>
+        <p:cNvPr id="1" name=""/>
+        <p:cNvGrpSpPr/>
+        <p:nvPr/>
+      </p:nvGrpSpPr>
+      <p:grpSpPr>
+        <a:xfrm>
+          <a:off x="0" y="0"/>
+          <a:ext cx="0" cy="0"/>
+          <a:chOff x="0" y="0"/>
+          <a:chExt cx="0" cy="0"/>
+        </a:xfrm>
+      </p:grpSpPr>
+      <p:sp>
+        <p:nvSpPr>
+          <p:cNvPr id="2" name="Title 1"/>
+          <p:cNvSpPr>
+            <a:spLocks noGrp="1"/>
+          </p:cNvSpPr>
+          <p:nvPr>
+            <p:ph type="title"/>
+          </p:nvPr>
+        </p:nvSpPr>
         <p:spPr>
           <a:xfrm>
             <a:off x="457200" y="762000"/>
@@ -14586,7 +10102,11 @@
           <a:p>
             <a:r>
               <a:rPr lang="en-US" sz="5100" b="1" dirty="0" smtClean="0"/>
-              <a:t>Project Overview</a:t>
+              <a:t>Project </a:t>
+            </a:r>
+            <a:r>
+              <a:rPr lang="en-US" sz="5100" b="1" dirty="0" smtClean="0"/>
+              <a:t>Objective</a:t>
             </a:r>
             <a:endParaRPr lang="en-US" sz="5100" b="1" dirty="0"/>
           </a:p>
@@ -14647,7 +10167,7 @@
           <a:blip r:embed="rId4" cstate="print">
             <a:extLst>
               <a:ext uri="{28A0092B-C50C-407E-A947-70E740481C1C}">
-                <a14:useLocalDpi xmlns="" xmlns:a14="http://schemas.microsoft.com/office/drawing/2010/main" val="0"/>
+                <a14:useLocalDpi xmlns:a14="http://schemas.microsoft.com/office/drawing/2010/main" val="0"/>
               </a:ext>
             </a:extLst>
           </a:blip>
@@ -14667,7 +10187,7 @@
           <a:noFill/>
           <a:extLst>
             <a:ext uri="{909E8E84-426E-40DD-AFC4-6F175D3DCCD1}">
-              <a14:hiddenFill xmlns="" xmlns:a14="http://schemas.microsoft.com/office/drawing/2010/main">
+              <a14:hiddenFill xmlns:a14="http://schemas.microsoft.com/office/drawing/2010/main">
                 <a:solidFill>
                   <a:srgbClr val="FFFFFF"/>
                 </a:solidFill>
@@ -14688,7 +10208,7 @@
           <a:blip r:embed="rId5" cstate="email">
             <a:extLst>
               <a:ext uri="{28A0092B-C50C-407E-A947-70E740481C1C}">
-                <a14:useLocalDpi xmlns="" xmlns:a14="http://schemas.microsoft.com/office/drawing/2010/main" val="0"/>
+                <a14:useLocalDpi xmlns:a14="http://schemas.microsoft.com/office/drawing/2010/main" val="0"/>
               </a:ext>
             </a:extLst>
           </a:blip>
@@ -14708,7 +10228,7 @@
           <a:noFill/>
           <a:extLst>
             <a:ext uri="{909E8E84-426E-40DD-AFC4-6F175D3DCCD1}">
-              <a14:hiddenFill xmlns="" xmlns:a14="http://schemas.microsoft.com/office/drawing/2010/main">
+              <a14:hiddenFill xmlns:a14="http://schemas.microsoft.com/office/drawing/2010/main">
                 <a:solidFill>
                   <a:srgbClr val="FFFFFF"/>
                 </a:solidFill>
@@ -14738,1061 +10258,7 @@
 </p:sld>
 </file>
 
-<file path=ppt/slides/slide3.xml><?xml version="1.0" encoding="utf-8"?>
-<p:sld xmlns:a="http://schemas.openxmlformats.org/drawingml/2006/main" xmlns:r="http://schemas.openxmlformats.org/officeDocument/2006/relationships" xmlns:p="http://schemas.openxmlformats.org/presentationml/2006/main">
-  <p:cSld>
-    <p:spTree>
-      <p:nvGrpSpPr>
-        <p:cNvPr id="1" name=""/>
-        <p:cNvGrpSpPr/>
-        <p:nvPr/>
-      </p:nvGrpSpPr>
-      <p:grpSpPr>
-        <a:xfrm>
-          <a:off x="0" y="0"/>
-          <a:ext cx="0" cy="0"/>
-          <a:chOff x="0" y="0"/>
-          <a:chExt cx="0" cy="0"/>
-        </a:xfrm>
-      </p:grpSpPr>
-      <p:sp>
-        <p:nvSpPr>
-          <p:cNvPr id="2" name="Title 1"/>
-          <p:cNvSpPr>
-            <a:spLocks noGrp="1"/>
-          </p:cNvSpPr>
-          <p:nvPr>
-            <p:ph type="title"/>
-            <p:custDataLst>
-              <p:tags r:id="rId2"/>
-            </p:custDataLst>
-          </p:nvPr>
-        </p:nvSpPr>
-        <p:spPr/>
-        <p:txBody>
-          <a:bodyPr>
-            <a:normAutofit/>
-          </a:bodyPr>
-          <a:lstStyle/>
-          <a:p>
-            <a:pPr algn="ctr"/>
-            <a:r>
-              <a:rPr lang="en-US" sz="6000" b="1" dirty="0" smtClean="0"/>
-              <a:t>Current Status</a:t>
-            </a:r>
-            <a:endParaRPr lang="en-US" sz="6000" b="1" dirty="0"/>
-          </a:p>
-        </p:txBody>
-      </p:sp>
-      <p:sp>
-        <p:nvSpPr>
-          <p:cNvPr id="4" name="Content Placeholder 3"/>
-          <p:cNvSpPr>
-            <a:spLocks noGrp="1"/>
-          </p:cNvSpPr>
-          <p:nvPr>
-            <p:ph idx="1"/>
-          </p:nvPr>
-        </p:nvSpPr>
-        <p:spPr/>
-        <p:txBody>
-          <a:bodyPr>
-            <a:normAutofit/>
-          </a:bodyPr>
-          <a:lstStyle/>
-          <a:p>
-            <a:pPr>
-              <a:lnSpc>
-                <a:spcPct val="150000"/>
-              </a:lnSpc>
-            </a:pPr>
-            <a:r>
-              <a:rPr lang="en-US" dirty="0" smtClean="0"/>
-              <a:t>Progress that </a:t>
-            </a:r>
-            <a:r>
-              <a:rPr lang="en-US" dirty="0"/>
-              <a:t>has been </a:t>
-            </a:r>
-            <a:r>
-              <a:rPr lang="en-US" dirty="0" smtClean="0"/>
-              <a:t>made:</a:t>
-            </a:r>
-            <a:endParaRPr lang="en-US" dirty="0"/>
-          </a:p>
-          <a:p>
-            <a:pPr lvl="1">
-              <a:lnSpc>
-                <a:spcPct val="150000"/>
-              </a:lnSpc>
-            </a:pPr>
-            <a:r>
-              <a:rPr lang="en-US" dirty="0" smtClean="0"/>
-              <a:t>Communication between Kinect and </a:t>
-            </a:r>
-            <a:r>
-              <a:rPr lang="en-US" dirty="0" err="1" smtClean="0"/>
-              <a:t>SecondLife</a:t>
-            </a:r>
-            <a:endParaRPr lang="en-US" dirty="0"/>
-          </a:p>
-          <a:p>
-            <a:pPr lvl="1">
-              <a:lnSpc>
-                <a:spcPct val="150000"/>
-              </a:lnSpc>
-            </a:pPr>
-            <a:r>
-              <a:rPr lang="en-US" dirty="0" smtClean="0"/>
-              <a:t>Rudimentary gesture events written</a:t>
-            </a:r>
-            <a:endParaRPr lang="en-US" dirty="0"/>
-          </a:p>
-          <a:p>
-            <a:pPr>
-              <a:lnSpc>
-                <a:spcPct val="150000"/>
-              </a:lnSpc>
-            </a:pPr>
-            <a:r>
-              <a:rPr lang="en-US" dirty="0"/>
-              <a:t>T</a:t>
-            </a:r>
-            <a:r>
-              <a:rPr lang="en-US" dirty="0" smtClean="0"/>
-              <a:t>he </a:t>
-            </a:r>
-            <a:r>
-              <a:rPr lang="en-US" dirty="0"/>
-              <a:t>project currently ahead of </a:t>
-            </a:r>
-            <a:r>
-              <a:rPr lang="en-US" dirty="0" smtClean="0"/>
-              <a:t>schedule:</a:t>
-            </a:r>
-            <a:endParaRPr lang="en-US" dirty="0"/>
-          </a:p>
-          <a:p>
-            <a:pPr lvl="1">
-              <a:lnSpc>
-                <a:spcPct val="150000"/>
-              </a:lnSpc>
-            </a:pPr>
-            <a:r>
-              <a:rPr lang="en-US" dirty="0" smtClean="0"/>
-              <a:t>Need to develop the game sequence</a:t>
-            </a:r>
-            <a:r>
-              <a:rPr lang="en-US" smtClean="0"/>
-              <a:t>: </a:t>
-            </a:r>
-            <a:endParaRPr lang="en-US" smtClean="0"/>
-          </a:p>
-          <a:p>
-            <a:pPr lvl="2">
-              <a:lnSpc>
-                <a:spcPct val="150000"/>
-              </a:lnSpc>
-              <a:buNone/>
-            </a:pPr>
-            <a:r>
-              <a:rPr lang="en-US" dirty="0" smtClean="0"/>
-              <a:t>Start</a:t>
-            </a:r>
-            <a:r>
-              <a:rPr lang="en-US" dirty="0" smtClean="0"/>
-              <a:t>, End, Restart</a:t>
-            </a:r>
-            <a:endParaRPr lang="en-US" dirty="0"/>
-          </a:p>
-          <a:p>
-            <a:pPr marL="0" indent="0">
-              <a:buNone/>
-            </a:pPr>
-            <a:endParaRPr lang="en-US" dirty="0"/>
-          </a:p>
-        </p:txBody>
-      </p:sp>
-    </p:spTree>
-    <p:custDataLst>
-      <p:tags r:id="rId1"/>
-    </p:custDataLst>
-  </p:cSld>
-  <p:clrMapOvr>
-    <a:masterClrMapping/>
-  </p:clrMapOvr>
-  <p:transition spd="slow">
-    <p:fade/>
-  </p:transition>
-  <p:timing>
-    <p:tnLst>
-      <p:par>
-        <p:cTn id="1" dur="indefinite" restart="never" nodeType="tmRoot"/>
-      </p:par>
-    </p:tnLst>
-  </p:timing>
-</p:sld>
-</file>
-
 <file path=ppt/slides/slide4.xml><?xml version="1.0" encoding="utf-8"?>
-<p:sld xmlns:a="http://schemas.openxmlformats.org/drawingml/2006/main" xmlns:r="http://schemas.openxmlformats.org/officeDocument/2006/relationships" xmlns:p="http://schemas.openxmlformats.org/presentationml/2006/main">
-  <p:cSld>
-    <p:spTree>
-      <p:nvGrpSpPr>
-        <p:cNvPr id="1" name=""/>
-        <p:cNvGrpSpPr/>
-        <p:nvPr/>
-      </p:nvGrpSpPr>
-      <p:grpSpPr>
-        <a:xfrm>
-          <a:off x="0" y="0"/>
-          <a:ext cx="0" cy="0"/>
-          <a:chOff x="0" y="0"/>
-          <a:chExt cx="0" cy="0"/>
-        </a:xfrm>
-      </p:grpSpPr>
-      <p:graphicFrame>
-        <p:nvGraphicFramePr>
-          <p:cNvPr id="6" name="Diagram 5"/>
-          <p:cNvGraphicFramePr/>
-          <p:nvPr>
-            <p:extLst>
-              <p:ext uri="{D42A27DB-BD31-4B8C-83A1-F6EECF244321}">
-                <p14:modId xmlns="" xmlns:p14="http://schemas.microsoft.com/office/powerpoint/2010/main" val="1070010873"/>
-              </p:ext>
-            </p:extLst>
-          </p:nvPr>
-        </p:nvGraphicFramePr>
-        <p:xfrm>
-          <a:off x="-637209" y="448574"/>
-          <a:ext cx="10314609" cy="6714226"/>
-        </p:xfrm>
-        <a:graphic>
-          <a:graphicData uri="http://schemas.openxmlformats.org/drawingml/2006/diagram">
-            <dgm:relIds xmlns:dgm="http://schemas.openxmlformats.org/drawingml/2006/diagram" xmlns:r="http://schemas.openxmlformats.org/officeDocument/2006/relationships" r:dm="rId4" r:lo="rId5" r:qs="rId6" r:cs="rId7"/>
-          </a:graphicData>
-        </a:graphic>
-      </p:graphicFrame>
-      <p:sp>
-        <p:nvSpPr>
-          <p:cNvPr id="2" name="Title 1"/>
-          <p:cNvSpPr>
-            <a:spLocks noGrp="1"/>
-          </p:cNvSpPr>
-          <p:nvPr>
-            <p:ph type="title"/>
-          </p:nvPr>
-        </p:nvSpPr>
-        <p:spPr/>
-        <p:txBody>
-          <a:bodyPr anchor="t"/>
-          <a:lstStyle/>
-          <a:p>
-            <a:pPr algn="ctr"/>
-            <a:r>
-              <a:rPr lang="en-US" sz="7200" b="1" dirty="0" smtClean="0"/>
-              <a:t>Timeline</a:t>
-            </a:r>
-            <a:endParaRPr lang="en-US" sz="7200" b="1" dirty="0"/>
-          </a:p>
-        </p:txBody>
-      </p:sp>
-      <p:sp>
-        <p:nvSpPr>
-          <p:cNvPr id="4" name="TextBox 3"/>
-          <p:cNvSpPr txBox="1"/>
-          <p:nvPr/>
-        </p:nvSpPr>
-        <p:spPr>
-          <a:xfrm>
-            <a:off x="8686800" y="3276600"/>
-            <a:ext cx="76200" cy="369332"/>
-          </a:xfrm>
-          <a:prstGeom prst="rect">
-            <a:avLst/>
-          </a:prstGeom>
-          <a:noFill/>
-        </p:spPr>
-        <p:txBody>
-          <a:bodyPr wrap="square" rtlCol="0">
-            <a:spAutoFit/>
-          </a:bodyPr>
-          <a:lstStyle/>
-          <a:p>
-            <a:endParaRPr lang="en-US" dirty="0"/>
-          </a:p>
-        </p:txBody>
-      </p:sp>
-    </p:spTree>
-    <p:custDataLst>
-      <p:tags r:id="rId1"/>
-    </p:custDataLst>
-  </p:cSld>
-  <p:clrMapOvr>
-    <a:masterClrMapping/>
-  </p:clrMapOvr>
-  <p:transition spd="slow">
-    <p:fade/>
-  </p:transition>
-  <p:timing>
-    <p:tnLst>
-      <p:par>
-        <p:cTn id="1" dur="indefinite" restart="never" nodeType="tmRoot">
-          <p:childTnLst>
-            <p:seq concurrent="1" nextAc="seek">
-              <p:cTn id="2" dur="indefinite" nodeType="mainSeq">
-                <p:childTnLst>
-                  <p:par>
-                    <p:cTn id="3" fill="hold">
-                      <p:stCondLst>
-                        <p:cond delay="indefinite"/>
-                        <p:cond evt="onBegin" delay="0">
-                          <p:tn val="2"/>
-                        </p:cond>
-                      </p:stCondLst>
-                      <p:childTnLst>
-                        <p:par>
-                          <p:cTn id="4" fill="hold">
-                            <p:stCondLst>
-                              <p:cond delay="0"/>
-                            </p:stCondLst>
-                            <p:childTnLst>
-                              <p:par>
-                                <p:cTn id="5" presetID="22" presetClass="entr" presetSubtype="8" fill="hold" grpId="0" nodeType="afterEffect">
-                                  <p:stCondLst>
-                                    <p:cond delay="0"/>
-                                  </p:stCondLst>
-                                  <p:childTnLst>
-                                    <p:set>
-                                      <p:cBhvr>
-                                        <p:cTn id="6" dur="1" fill="hold">
-                                          <p:stCondLst>
-                                            <p:cond delay="0"/>
-                                          </p:stCondLst>
-                                        </p:cTn>
-                                        <p:tgtEl>
-                                          <p:spTgt spid="6">
-                                            <p:graphicEl>
-                                              <a:dgm id="{82ED47FD-CD8E-4EC8-A7E3-BF3AC4BC5C1A}"/>
-                                            </p:graphicEl>
-                                          </p:spTgt>
-                                        </p:tgtEl>
-                                        <p:attrNameLst>
-                                          <p:attrName>style.visibility</p:attrName>
-                                        </p:attrNameLst>
-                                      </p:cBhvr>
-                                      <p:to>
-                                        <p:strVal val="visible"/>
-                                      </p:to>
-                                    </p:set>
-                                    <p:animEffect transition="in" filter="wipe(left)">
-                                      <p:cBhvr>
-                                        <p:cTn id="7" dur="1000"/>
-                                        <p:tgtEl>
-                                          <p:spTgt spid="6">
-                                            <p:graphicEl>
-                                              <a:dgm id="{82ED47FD-CD8E-4EC8-A7E3-BF3AC4BC5C1A}"/>
-                                            </p:graphicEl>
-                                          </p:spTgt>
-                                        </p:tgtEl>
-                                      </p:cBhvr>
-                                    </p:animEffect>
-                                  </p:childTnLst>
-                                </p:cTn>
-                              </p:par>
-                            </p:childTnLst>
-                          </p:cTn>
-                        </p:par>
-                        <p:par>
-                          <p:cTn id="8" fill="hold">
-                            <p:stCondLst>
-                              <p:cond delay="1000"/>
-                            </p:stCondLst>
-                            <p:childTnLst>
-                              <p:par>
-                                <p:cTn id="9" presetID="22" presetClass="entr" presetSubtype="8" fill="hold" grpId="0" nodeType="afterEffect">
-                                  <p:stCondLst>
-                                    <p:cond delay="0"/>
-                                  </p:stCondLst>
-                                  <p:childTnLst>
-                                    <p:set>
-                                      <p:cBhvr>
-                                        <p:cTn id="10" dur="1" fill="hold">
-                                          <p:stCondLst>
-                                            <p:cond delay="0"/>
-                                          </p:stCondLst>
-                                        </p:cTn>
-                                        <p:tgtEl>
-                                          <p:spTgt spid="6">
-                                            <p:graphicEl>
-                                              <a:dgm id="{A94E7C76-C16F-47F1-B4F1-C2CF2270A7E9}"/>
-                                            </p:graphicEl>
-                                          </p:spTgt>
-                                        </p:tgtEl>
-                                        <p:attrNameLst>
-                                          <p:attrName>style.visibility</p:attrName>
-                                        </p:attrNameLst>
-                                      </p:cBhvr>
-                                      <p:to>
-                                        <p:strVal val="visible"/>
-                                      </p:to>
-                                    </p:set>
-                                    <p:animEffect transition="in" filter="wipe(left)">
-                                      <p:cBhvr>
-                                        <p:cTn id="11" dur="1000"/>
-                                        <p:tgtEl>
-                                          <p:spTgt spid="6">
-                                            <p:graphicEl>
-                                              <a:dgm id="{A94E7C76-C16F-47F1-B4F1-C2CF2270A7E9}"/>
-                                            </p:graphicEl>
-                                          </p:spTgt>
-                                        </p:tgtEl>
-                                      </p:cBhvr>
-                                    </p:animEffect>
-                                  </p:childTnLst>
-                                </p:cTn>
-                              </p:par>
-                            </p:childTnLst>
-                          </p:cTn>
-                        </p:par>
-                        <p:par>
-                          <p:cTn id="12" fill="hold">
-                            <p:stCondLst>
-                              <p:cond delay="2000"/>
-                            </p:stCondLst>
-                            <p:childTnLst>
-                              <p:par>
-                                <p:cTn id="13" presetID="22" presetClass="entr" presetSubtype="8" fill="hold" grpId="0" nodeType="afterEffect">
-                                  <p:stCondLst>
-                                    <p:cond delay="0"/>
-                                  </p:stCondLst>
-                                  <p:childTnLst>
-                                    <p:set>
-                                      <p:cBhvr>
-                                        <p:cTn id="14" dur="1" fill="hold">
-                                          <p:stCondLst>
-                                            <p:cond delay="0"/>
-                                          </p:stCondLst>
-                                        </p:cTn>
-                                        <p:tgtEl>
-                                          <p:spTgt spid="6">
-                                            <p:graphicEl>
-                                              <a:dgm id="{48F9B62B-8095-40B1-882D-7B164B0C8B69}"/>
-                                            </p:graphicEl>
-                                          </p:spTgt>
-                                        </p:tgtEl>
-                                        <p:attrNameLst>
-                                          <p:attrName>style.visibility</p:attrName>
-                                        </p:attrNameLst>
-                                      </p:cBhvr>
-                                      <p:to>
-                                        <p:strVal val="visible"/>
-                                      </p:to>
-                                    </p:set>
-                                    <p:animEffect transition="in" filter="wipe(left)">
-                                      <p:cBhvr>
-                                        <p:cTn id="15" dur="1000"/>
-                                        <p:tgtEl>
-                                          <p:spTgt spid="6">
-                                            <p:graphicEl>
-                                              <a:dgm id="{48F9B62B-8095-40B1-882D-7B164B0C8B69}"/>
-                                            </p:graphicEl>
-                                          </p:spTgt>
-                                        </p:tgtEl>
-                                      </p:cBhvr>
-                                    </p:animEffect>
-                                  </p:childTnLst>
-                                </p:cTn>
-                              </p:par>
-                            </p:childTnLst>
-                          </p:cTn>
-                        </p:par>
-                        <p:par>
-                          <p:cTn id="16" fill="hold">
-                            <p:stCondLst>
-                              <p:cond delay="3000"/>
-                            </p:stCondLst>
-                            <p:childTnLst>
-                              <p:par>
-                                <p:cTn id="17" presetID="22" presetClass="entr" presetSubtype="8" fill="hold" grpId="0" nodeType="afterEffect">
-                                  <p:stCondLst>
-                                    <p:cond delay="0"/>
-                                  </p:stCondLst>
-                                  <p:childTnLst>
-                                    <p:set>
-                                      <p:cBhvr>
-                                        <p:cTn id="18" dur="1" fill="hold">
-                                          <p:stCondLst>
-                                            <p:cond delay="0"/>
-                                          </p:stCondLst>
-                                        </p:cTn>
-                                        <p:tgtEl>
-                                          <p:spTgt spid="6">
-                                            <p:graphicEl>
-                                              <a:dgm id="{0CFC4447-43F4-414D-A014-8F5BDE3BC5FF}"/>
-                                            </p:graphicEl>
-                                          </p:spTgt>
-                                        </p:tgtEl>
-                                        <p:attrNameLst>
-                                          <p:attrName>style.visibility</p:attrName>
-                                        </p:attrNameLst>
-                                      </p:cBhvr>
-                                      <p:to>
-                                        <p:strVal val="visible"/>
-                                      </p:to>
-                                    </p:set>
-                                    <p:animEffect transition="in" filter="wipe(left)">
-                                      <p:cBhvr>
-                                        <p:cTn id="19" dur="1000"/>
-                                        <p:tgtEl>
-                                          <p:spTgt spid="6">
-                                            <p:graphicEl>
-                                              <a:dgm id="{0CFC4447-43F4-414D-A014-8F5BDE3BC5FF}"/>
-                                            </p:graphicEl>
-                                          </p:spTgt>
-                                        </p:tgtEl>
-                                      </p:cBhvr>
-                                    </p:animEffect>
-                                  </p:childTnLst>
-                                </p:cTn>
-                              </p:par>
-                            </p:childTnLst>
-                          </p:cTn>
-                        </p:par>
-                        <p:par>
-                          <p:cTn id="20" fill="hold">
-                            <p:stCondLst>
-                              <p:cond delay="4000"/>
-                            </p:stCondLst>
-                            <p:childTnLst>
-                              <p:par>
-                                <p:cTn id="21" presetID="22" presetClass="entr" presetSubtype="8" fill="hold" grpId="0" nodeType="afterEffect">
-                                  <p:stCondLst>
-                                    <p:cond delay="0"/>
-                                  </p:stCondLst>
-                                  <p:childTnLst>
-                                    <p:set>
-                                      <p:cBhvr>
-                                        <p:cTn id="22" dur="1" fill="hold">
-                                          <p:stCondLst>
-                                            <p:cond delay="0"/>
-                                          </p:stCondLst>
-                                        </p:cTn>
-                                        <p:tgtEl>
-                                          <p:spTgt spid="6">
-                                            <p:graphicEl>
-                                              <a:dgm id="{389CF004-91C6-4868-93F7-537D5C97980B}"/>
-                                            </p:graphicEl>
-                                          </p:spTgt>
-                                        </p:tgtEl>
-                                        <p:attrNameLst>
-                                          <p:attrName>style.visibility</p:attrName>
-                                        </p:attrNameLst>
-                                      </p:cBhvr>
-                                      <p:to>
-                                        <p:strVal val="visible"/>
-                                      </p:to>
-                                    </p:set>
-                                    <p:animEffect transition="in" filter="wipe(left)">
-                                      <p:cBhvr>
-                                        <p:cTn id="23" dur="1000"/>
-                                        <p:tgtEl>
-                                          <p:spTgt spid="6">
-                                            <p:graphicEl>
-                                              <a:dgm id="{389CF004-91C6-4868-93F7-537D5C97980B}"/>
-                                            </p:graphicEl>
-                                          </p:spTgt>
-                                        </p:tgtEl>
-                                      </p:cBhvr>
-                                    </p:animEffect>
-                                  </p:childTnLst>
-                                </p:cTn>
-                              </p:par>
-                            </p:childTnLst>
-                          </p:cTn>
-                        </p:par>
-                        <p:par>
-                          <p:cTn id="24" fill="hold">
-                            <p:stCondLst>
-                              <p:cond delay="5000"/>
-                            </p:stCondLst>
-                            <p:childTnLst>
-                              <p:par>
-                                <p:cTn id="25" presetID="22" presetClass="entr" presetSubtype="8" fill="hold" grpId="0" nodeType="afterEffect">
-                                  <p:stCondLst>
-                                    <p:cond delay="0"/>
-                                  </p:stCondLst>
-                                  <p:childTnLst>
-                                    <p:set>
-                                      <p:cBhvr>
-                                        <p:cTn id="26" dur="1" fill="hold">
-                                          <p:stCondLst>
-                                            <p:cond delay="0"/>
-                                          </p:stCondLst>
-                                        </p:cTn>
-                                        <p:tgtEl>
-                                          <p:spTgt spid="6">
-                                            <p:graphicEl>
-                                              <a:dgm id="{8D49C94D-D2A4-4464-8383-D3C12F8B2538}"/>
-                                            </p:graphicEl>
-                                          </p:spTgt>
-                                        </p:tgtEl>
-                                        <p:attrNameLst>
-                                          <p:attrName>style.visibility</p:attrName>
-                                        </p:attrNameLst>
-                                      </p:cBhvr>
-                                      <p:to>
-                                        <p:strVal val="visible"/>
-                                      </p:to>
-                                    </p:set>
-                                    <p:animEffect transition="in" filter="wipe(left)">
-                                      <p:cBhvr>
-                                        <p:cTn id="27" dur="1000"/>
-                                        <p:tgtEl>
-                                          <p:spTgt spid="6">
-                                            <p:graphicEl>
-                                              <a:dgm id="{8D49C94D-D2A4-4464-8383-D3C12F8B2538}"/>
-                                            </p:graphicEl>
-                                          </p:spTgt>
-                                        </p:tgtEl>
-                                      </p:cBhvr>
-                                    </p:animEffect>
-                                  </p:childTnLst>
-                                </p:cTn>
-                              </p:par>
-                            </p:childTnLst>
-                          </p:cTn>
-                        </p:par>
-                        <p:par>
-                          <p:cTn id="28" fill="hold">
-                            <p:stCondLst>
-                              <p:cond delay="6000"/>
-                            </p:stCondLst>
-                            <p:childTnLst>
-                              <p:par>
-                                <p:cTn id="29" presetID="22" presetClass="entr" presetSubtype="8" fill="hold" grpId="0" nodeType="afterEffect">
-                                  <p:stCondLst>
-                                    <p:cond delay="0"/>
-                                  </p:stCondLst>
-                                  <p:childTnLst>
-                                    <p:set>
-                                      <p:cBhvr>
-                                        <p:cTn id="30" dur="1" fill="hold">
-                                          <p:stCondLst>
-                                            <p:cond delay="0"/>
-                                          </p:stCondLst>
-                                        </p:cTn>
-                                        <p:tgtEl>
-                                          <p:spTgt spid="6">
-                                            <p:graphicEl>
-                                              <a:dgm id="{5E71A06C-9747-4CAE-BA21-E9C2A4D6678D}"/>
-                                            </p:graphicEl>
-                                          </p:spTgt>
-                                        </p:tgtEl>
-                                        <p:attrNameLst>
-                                          <p:attrName>style.visibility</p:attrName>
-                                        </p:attrNameLst>
-                                      </p:cBhvr>
-                                      <p:to>
-                                        <p:strVal val="visible"/>
-                                      </p:to>
-                                    </p:set>
-                                    <p:animEffect transition="in" filter="wipe(left)">
-                                      <p:cBhvr>
-                                        <p:cTn id="31" dur="1000"/>
-                                        <p:tgtEl>
-                                          <p:spTgt spid="6">
-                                            <p:graphicEl>
-                                              <a:dgm id="{5E71A06C-9747-4CAE-BA21-E9C2A4D6678D}"/>
-                                            </p:graphicEl>
-                                          </p:spTgt>
-                                        </p:tgtEl>
-                                      </p:cBhvr>
-                                    </p:animEffect>
-                                  </p:childTnLst>
-                                </p:cTn>
-                              </p:par>
-                            </p:childTnLst>
-                          </p:cTn>
-                        </p:par>
-                        <p:par>
-                          <p:cTn id="32" fill="hold">
-                            <p:stCondLst>
-                              <p:cond delay="7000"/>
-                            </p:stCondLst>
-                            <p:childTnLst>
-                              <p:par>
-                                <p:cTn id="33" presetID="22" presetClass="entr" presetSubtype="8" fill="hold" grpId="0" nodeType="afterEffect">
-                                  <p:stCondLst>
-                                    <p:cond delay="0"/>
-                                  </p:stCondLst>
-                                  <p:childTnLst>
-                                    <p:set>
-                                      <p:cBhvr>
-                                        <p:cTn id="34" dur="1" fill="hold">
-                                          <p:stCondLst>
-                                            <p:cond delay="0"/>
-                                          </p:stCondLst>
-                                        </p:cTn>
-                                        <p:tgtEl>
-                                          <p:spTgt spid="6">
-                                            <p:graphicEl>
-                                              <a:dgm id="{A9227355-A6E4-4C01-AB6A-08B68C0ABB91}"/>
-                                            </p:graphicEl>
-                                          </p:spTgt>
-                                        </p:tgtEl>
-                                        <p:attrNameLst>
-                                          <p:attrName>style.visibility</p:attrName>
-                                        </p:attrNameLst>
-                                      </p:cBhvr>
-                                      <p:to>
-                                        <p:strVal val="visible"/>
-                                      </p:to>
-                                    </p:set>
-                                    <p:animEffect transition="in" filter="wipe(left)">
-                                      <p:cBhvr>
-                                        <p:cTn id="35" dur="1000"/>
-                                        <p:tgtEl>
-                                          <p:spTgt spid="6">
-                                            <p:graphicEl>
-                                              <a:dgm id="{A9227355-A6E4-4C01-AB6A-08B68C0ABB91}"/>
-                                            </p:graphicEl>
-                                          </p:spTgt>
-                                        </p:tgtEl>
-                                      </p:cBhvr>
-                                    </p:animEffect>
-                                  </p:childTnLst>
-                                </p:cTn>
-                              </p:par>
-                            </p:childTnLst>
-                          </p:cTn>
-                        </p:par>
-                        <p:par>
-                          <p:cTn id="36" fill="hold">
-                            <p:stCondLst>
-                              <p:cond delay="8000"/>
-                            </p:stCondLst>
-                            <p:childTnLst>
-                              <p:par>
-                                <p:cTn id="37" presetID="22" presetClass="entr" presetSubtype="8" fill="hold" grpId="0" nodeType="afterEffect">
-                                  <p:stCondLst>
-                                    <p:cond delay="0"/>
-                                  </p:stCondLst>
-                                  <p:childTnLst>
-                                    <p:set>
-                                      <p:cBhvr>
-                                        <p:cTn id="38" dur="1" fill="hold">
-                                          <p:stCondLst>
-                                            <p:cond delay="0"/>
-                                          </p:stCondLst>
-                                        </p:cTn>
-                                        <p:tgtEl>
-                                          <p:spTgt spid="6">
-                                            <p:graphicEl>
-                                              <a:dgm id="{DB2CD8C7-A5B3-49A1-81CC-0EEDDDF3DB4E}"/>
-                                            </p:graphicEl>
-                                          </p:spTgt>
-                                        </p:tgtEl>
-                                        <p:attrNameLst>
-                                          <p:attrName>style.visibility</p:attrName>
-                                        </p:attrNameLst>
-                                      </p:cBhvr>
-                                      <p:to>
-                                        <p:strVal val="visible"/>
-                                      </p:to>
-                                    </p:set>
-                                    <p:animEffect transition="in" filter="wipe(left)">
-                                      <p:cBhvr>
-                                        <p:cTn id="39" dur="1000"/>
-                                        <p:tgtEl>
-                                          <p:spTgt spid="6">
-                                            <p:graphicEl>
-                                              <a:dgm id="{DB2CD8C7-A5B3-49A1-81CC-0EEDDDF3DB4E}"/>
-                                            </p:graphicEl>
-                                          </p:spTgt>
-                                        </p:tgtEl>
-                                      </p:cBhvr>
-                                    </p:animEffect>
-                                  </p:childTnLst>
-                                </p:cTn>
-                              </p:par>
-                            </p:childTnLst>
-                          </p:cTn>
-                        </p:par>
-                      </p:childTnLst>
-                    </p:cTn>
-                  </p:par>
-                </p:childTnLst>
-              </p:cTn>
-              <p:prevCondLst>
-                <p:cond evt="onPrev" delay="0">
-                  <p:tgtEl>
-                    <p:sldTgt/>
-                  </p:tgtEl>
-                </p:cond>
-              </p:prevCondLst>
-              <p:nextCondLst>
-                <p:cond evt="onNext" delay="0">
-                  <p:tgtEl>
-                    <p:sldTgt/>
-                  </p:tgtEl>
-                </p:cond>
-              </p:nextCondLst>
-            </p:seq>
-          </p:childTnLst>
-        </p:cTn>
-      </p:par>
-    </p:tnLst>
-    <p:bldLst>
-      <p:bldGraphic spid="6" grpId="0">
-        <p:bldSub>
-          <a:bldDgm bld="one"/>
-        </p:bldSub>
-      </p:bldGraphic>
-    </p:bldLst>
-  </p:timing>
-</p:sld>
-</file>
-
-<file path=ppt/slides/slide5.xml><?xml version="1.0" encoding="utf-8"?>
-<p:sld xmlns:a="http://schemas.openxmlformats.org/drawingml/2006/main" xmlns:r="http://schemas.openxmlformats.org/officeDocument/2006/relationships" xmlns:p="http://schemas.openxmlformats.org/presentationml/2006/main">
-  <p:cSld>
-    <p:spTree>
-      <p:nvGrpSpPr>
-        <p:cNvPr id="1" name=""/>
-        <p:cNvGrpSpPr/>
-        <p:nvPr/>
-      </p:nvGrpSpPr>
-      <p:grpSpPr>
-        <a:xfrm>
-          <a:off x="0" y="0"/>
-          <a:ext cx="0" cy="0"/>
-          <a:chOff x="0" y="0"/>
-          <a:chExt cx="0" cy="0"/>
-        </a:xfrm>
-      </p:grpSpPr>
-      <p:sp>
-        <p:nvSpPr>
-          <p:cNvPr id="2" name="Title 1"/>
-          <p:cNvSpPr>
-            <a:spLocks noGrp="1"/>
-          </p:cNvSpPr>
-          <p:nvPr>
-            <p:ph type="title"/>
-            <p:custDataLst>
-              <p:tags r:id="rId2"/>
-            </p:custDataLst>
-          </p:nvPr>
-        </p:nvSpPr>
-        <p:spPr>
-          <a:xfrm>
-            <a:off x="457200" y="914400"/>
-            <a:ext cx="5410200" cy="914400"/>
-          </a:xfrm>
-        </p:spPr>
-        <p:txBody>
-          <a:bodyPr>
-            <a:noAutofit/>
-          </a:bodyPr>
-          <a:lstStyle/>
-          <a:p>
-            <a:pPr algn="ctr"/>
-            <a:r>
-              <a:rPr lang="en-US" sz="6000" b="1" dirty="0" smtClean="0"/>
-              <a:t>Looking Ahead</a:t>
-            </a:r>
-            <a:endParaRPr lang="en-US" sz="6000" b="1" dirty="0"/>
-          </a:p>
-        </p:txBody>
-      </p:sp>
-      <p:sp>
-        <p:nvSpPr>
-          <p:cNvPr id="3" name="Content Placeholder 2"/>
-          <p:cNvSpPr>
-            <a:spLocks noGrp="1"/>
-          </p:cNvSpPr>
-          <p:nvPr>
-            <p:ph idx="1"/>
-            <p:custDataLst>
-              <p:tags r:id="rId3"/>
-            </p:custDataLst>
-          </p:nvPr>
-        </p:nvSpPr>
-        <p:spPr>
-          <a:xfrm>
-            <a:off x="457200" y="1828800"/>
-            <a:ext cx="5257800" cy="4297363"/>
-          </a:xfrm>
-        </p:spPr>
-        <p:txBody>
-          <a:bodyPr>
-            <a:normAutofit fontScale="85000" lnSpcReduction="10000"/>
-          </a:bodyPr>
-          <a:lstStyle/>
-          <a:p>
-            <a:pPr>
-              <a:lnSpc>
-                <a:spcPct val="150000"/>
-              </a:lnSpc>
-            </a:pPr>
-            <a:r>
-              <a:rPr lang="en-US" dirty="0" smtClean="0"/>
-              <a:t>Game Engine Implementation</a:t>
-            </a:r>
-          </a:p>
-          <a:p>
-            <a:pPr>
-              <a:lnSpc>
-                <a:spcPct val="150000"/>
-              </a:lnSpc>
-            </a:pPr>
-            <a:r>
-              <a:rPr lang="en-US" dirty="0" smtClean="0"/>
-              <a:t>Complex gestures and voice control</a:t>
-            </a:r>
-          </a:p>
-          <a:p>
-            <a:pPr>
-              <a:lnSpc>
-                <a:spcPct val="150000"/>
-              </a:lnSpc>
-            </a:pPr>
-            <a:r>
-              <a:rPr lang="en-US" dirty="0" smtClean="0"/>
-              <a:t>What are the expected deliverables?</a:t>
-            </a:r>
-          </a:p>
-          <a:p>
-            <a:pPr>
-              <a:lnSpc>
-                <a:spcPct val="150000"/>
-              </a:lnSpc>
-            </a:pPr>
-            <a:r>
-              <a:rPr lang="en-US" dirty="0" smtClean="0"/>
-              <a:t>Full Modeling game and source code </a:t>
-            </a:r>
-            <a:endParaRPr lang="en-US" dirty="0" smtClean="0"/>
-          </a:p>
-          <a:p>
-            <a:pPr>
-              <a:lnSpc>
-                <a:spcPct val="150000"/>
-              </a:lnSpc>
-              <a:buNone/>
-            </a:pPr>
-            <a:r>
-              <a:rPr lang="en-US" dirty="0" smtClean="0"/>
-              <a:t>	</a:t>
-            </a:r>
-            <a:r>
-              <a:rPr lang="en-US" dirty="0" smtClean="0"/>
-              <a:t>then </a:t>
-            </a:r>
-            <a:r>
-              <a:rPr lang="en-US" dirty="0" smtClean="0"/>
-              <a:t>Full remake game and source code </a:t>
-            </a:r>
-          </a:p>
-          <a:p>
-            <a:pPr>
-              <a:lnSpc>
-                <a:spcPct val="150000"/>
-              </a:lnSpc>
-            </a:pPr>
-            <a:r>
-              <a:rPr lang="en-US" dirty="0" smtClean="0"/>
-              <a:t>Known risks and issues</a:t>
-            </a:r>
-          </a:p>
-          <a:p>
-            <a:pPr lvl="1">
-              <a:lnSpc>
-                <a:spcPct val="150000"/>
-              </a:lnSpc>
-            </a:pPr>
-            <a:r>
-              <a:rPr lang="en-US" dirty="0" smtClean="0"/>
-              <a:t>Possible lag for some users</a:t>
-            </a:r>
-          </a:p>
-          <a:p>
-            <a:pPr>
-              <a:lnSpc>
-                <a:spcPct val="150000"/>
-              </a:lnSpc>
-            </a:pPr>
-            <a:r>
-              <a:rPr lang="en-US" dirty="0" smtClean="0"/>
-              <a:t>What are the immediate next steps?</a:t>
-            </a:r>
-            <a:endParaRPr lang="en-US" dirty="0"/>
-          </a:p>
-        </p:txBody>
-      </p:sp>
-      <p:pic>
-        <p:nvPicPr>
-          <p:cNvPr id="2050" name="Picture 2" descr="C:\Users\aDemoNnDisguisE\Desktop\r-2854-5321.jpg"/>
-          <p:cNvPicPr>
-            <a:picLocks noChangeAspect="1" noChangeArrowheads="1"/>
-          </p:cNvPicPr>
-          <p:nvPr/>
-        </p:nvPicPr>
-        <p:blipFill>
-          <a:blip r:embed="rId5" cstate="print">
-            <a:extLst>
-              <a:ext uri="{28A0092B-C50C-407E-A947-70E740481C1C}">
-                <a14:useLocalDpi xmlns="" xmlns:a14="http://schemas.microsoft.com/office/drawing/2010/main" val="0"/>
-              </a:ext>
-            </a:extLst>
-          </a:blip>
-          <a:srcRect/>
-          <a:stretch>
-            <a:fillRect/>
-          </a:stretch>
-        </p:blipFill>
-        <p:spPr bwMode="auto">
-          <a:xfrm>
-            <a:off x="5715000" y="990600"/>
-            <a:ext cx="3048000" cy="5410200"/>
-          </a:xfrm>
-          <a:prstGeom prst="rect">
-            <a:avLst/>
-          </a:prstGeom>
-          <a:noFill/>
-          <a:extLst>
-            <a:ext uri="{909E8E84-426E-40DD-AFC4-6F175D3DCCD1}">
-              <a14:hiddenFill xmlns="" xmlns:a14="http://schemas.microsoft.com/office/drawing/2010/main">
-                <a:solidFill>
-                  <a:srgbClr val="FFFFFF"/>
-                </a:solidFill>
-              </a14:hiddenFill>
-            </a:ext>
-          </a:extLst>
-        </p:spPr>
-      </p:pic>
-    </p:spTree>
-    <p:custDataLst>
-      <p:tags r:id="rId1"/>
-    </p:custDataLst>
-  </p:cSld>
-  <p:clrMapOvr>
-    <a:masterClrMapping/>
-  </p:clrMapOvr>
-  <p:transition spd="slow">
-    <p:fade/>
-  </p:transition>
-  <p:timing>
-    <p:tnLst>
-      <p:par>
-        <p:cTn id="1" dur="indefinite" restart="never" nodeType="tmRoot"/>
-      </p:par>
-    </p:tnLst>
-  </p:timing>
-</p:sld>
-</file>
-
-<file path=ppt/slides/slide6.xml><?xml version="1.0" encoding="utf-8"?>
 <p:sld xmlns:a="http://schemas.openxmlformats.org/drawingml/2006/main" xmlns:r="http://schemas.openxmlformats.org/officeDocument/2006/relationships" xmlns:p="http://schemas.openxmlformats.org/presentationml/2006/main">
   <p:cSld>
     <p:spTree>
@@ -15836,7 +10302,7 @@
           <a:p>
             <a:r>
               <a:rPr lang="en-US" b="1" dirty="0" smtClean="0"/>
-              <a:t>Dependencies and Resources</a:t>
+              <a:t>Approach</a:t>
             </a:r>
             <a:endParaRPr lang="en-US" b="1" dirty="0"/>
           </a:p>
@@ -15855,7 +10321,7 @@
             </p:custDataLst>
             <p:extLst>
               <p:ext uri="{D42A27DB-BD31-4B8C-83A1-F6EECF244321}">
-                <p14:modId xmlns="" xmlns:p14="http://schemas.microsoft.com/office/powerpoint/2010/main" val="885836537"/>
+                <p14:modId xmlns:p14="http://schemas.microsoft.com/office/powerpoint/2010/main" val="69745022"/>
               </p:ext>
             </p:extLst>
           </p:nvPr>
@@ -16047,6 +10513,439 @@
 </p:sld>
 </file>
 
+<file path=ppt/slides/slide5.xml><?xml version="1.0" encoding="utf-8"?>
+<p:sld xmlns:a="http://schemas.openxmlformats.org/drawingml/2006/main" xmlns:r="http://schemas.openxmlformats.org/officeDocument/2006/relationships" xmlns:p="http://schemas.openxmlformats.org/presentationml/2006/main">
+  <p:cSld>
+    <p:spTree>
+      <p:nvGrpSpPr>
+        <p:cNvPr id="1" name=""/>
+        <p:cNvGrpSpPr/>
+        <p:nvPr/>
+      </p:nvGrpSpPr>
+      <p:grpSpPr>
+        <a:xfrm>
+          <a:off x="0" y="0"/>
+          <a:ext cx="0" cy="0"/>
+          <a:chOff x="0" y="0"/>
+          <a:chExt cx="0" cy="0"/>
+        </a:xfrm>
+      </p:grpSpPr>
+      <p:sp>
+        <p:nvSpPr>
+          <p:cNvPr id="2" name="Title 1"/>
+          <p:cNvSpPr>
+            <a:spLocks noGrp="1"/>
+          </p:cNvSpPr>
+          <p:nvPr>
+            <p:ph type="title"/>
+            <p:custDataLst>
+              <p:tags r:id="rId2"/>
+            </p:custDataLst>
+          </p:nvPr>
+        </p:nvSpPr>
+        <p:spPr/>
+        <p:txBody>
+          <a:bodyPr>
+            <a:normAutofit/>
+          </a:bodyPr>
+          <a:lstStyle/>
+          <a:p>
+            <a:pPr algn="ctr"/>
+            <a:r>
+              <a:rPr lang="en-US" sz="6000" b="1" dirty="0" smtClean="0"/>
+              <a:t>Current Status</a:t>
+            </a:r>
+            <a:endParaRPr lang="en-US" sz="6000" b="1" dirty="0"/>
+          </a:p>
+        </p:txBody>
+      </p:sp>
+      <p:sp>
+        <p:nvSpPr>
+          <p:cNvPr id="4" name="Content Placeholder 3"/>
+          <p:cNvSpPr>
+            <a:spLocks noGrp="1"/>
+          </p:cNvSpPr>
+          <p:nvPr>
+            <p:ph idx="1"/>
+          </p:nvPr>
+        </p:nvSpPr>
+        <p:spPr/>
+        <p:txBody>
+          <a:bodyPr>
+            <a:normAutofit lnSpcReduction="10000"/>
+          </a:bodyPr>
+          <a:lstStyle/>
+          <a:p>
+            <a:pPr>
+              <a:lnSpc>
+                <a:spcPct val="150000"/>
+              </a:lnSpc>
+            </a:pPr>
+            <a:r>
+              <a:rPr lang="en-US" dirty="0" smtClean="0"/>
+              <a:t>Progress that </a:t>
+            </a:r>
+            <a:r>
+              <a:rPr lang="en-US" dirty="0"/>
+              <a:t>has been </a:t>
+            </a:r>
+            <a:r>
+              <a:rPr lang="en-US" dirty="0" smtClean="0"/>
+              <a:t>made:</a:t>
+            </a:r>
+            <a:endParaRPr lang="en-US" dirty="0"/>
+          </a:p>
+          <a:p>
+            <a:pPr lvl="1">
+              <a:lnSpc>
+                <a:spcPct val="150000"/>
+              </a:lnSpc>
+            </a:pPr>
+            <a:r>
+              <a:rPr lang="en-US" dirty="0" smtClean="0"/>
+              <a:t>Communication between Kinect and </a:t>
+            </a:r>
+            <a:r>
+              <a:rPr lang="en-US" dirty="0" err="1" smtClean="0"/>
+              <a:t>SecondLife</a:t>
+            </a:r>
+            <a:endParaRPr lang="en-US" dirty="0"/>
+          </a:p>
+          <a:p>
+            <a:pPr lvl="1">
+              <a:lnSpc>
+                <a:spcPct val="150000"/>
+              </a:lnSpc>
+            </a:pPr>
+            <a:r>
+              <a:rPr lang="en-US" dirty="0" smtClean="0"/>
+              <a:t>Rudimentary gesture events </a:t>
+            </a:r>
+            <a:r>
+              <a:rPr lang="en-US" dirty="0" smtClean="0"/>
+              <a:t>written with corresponding actions in </a:t>
+            </a:r>
+            <a:r>
+              <a:rPr lang="en-US" dirty="0" err="1" smtClean="0"/>
+              <a:t>SecondLife</a:t>
+            </a:r>
+            <a:endParaRPr lang="en-US" dirty="0"/>
+          </a:p>
+          <a:p>
+            <a:pPr>
+              <a:lnSpc>
+                <a:spcPct val="150000"/>
+              </a:lnSpc>
+            </a:pPr>
+            <a:r>
+              <a:rPr lang="en-US" dirty="0" smtClean="0"/>
+              <a:t>Next Steps:</a:t>
+            </a:r>
+            <a:endParaRPr lang="en-US" dirty="0"/>
+          </a:p>
+          <a:p>
+            <a:pPr lvl="1">
+              <a:lnSpc>
+                <a:spcPct val="150000"/>
+              </a:lnSpc>
+            </a:pPr>
+            <a:r>
+              <a:rPr lang="en-US" dirty="0" smtClean="0"/>
+              <a:t>Need to develop the game </a:t>
+            </a:r>
+            <a:r>
+              <a:rPr lang="en-US" dirty="0" smtClean="0"/>
+              <a:t>engine</a:t>
+            </a:r>
+          </a:p>
+          <a:p>
+            <a:pPr lvl="1">
+              <a:lnSpc>
+                <a:spcPct val="150000"/>
+              </a:lnSpc>
+            </a:pPr>
+            <a:r>
+              <a:rPr lang="en-US" dirty="0" smtClean="0"/>
+              <a:t>Need to develop complex gestures and voice recognition</a:t>
+            </a:r>
+            <a:endParaRPr lang="en-US" dirty="0"/>
+          </a:p>
+          <a:p>
+            <a:pPr marL="0" indent="0">
+              <a:buNone/>
+            </a:pPr>
+            <a:endParaRPr lang="en-US" dirty="0"/>
+          </a:p>
+        </p:txBody>
+      </p:sp>
+    </p:spTree>
+    <p:custDataLst>
+      <p:tags r:id="rId1"/>
+    </p:custDataLst>
+  </p:cSld>
+  <p:clrMapOvr>
+    <a:masterClrMapping/>
+  </p:clrMapOvr>
+  <p:transition spd="slow">
+    <p:fade/>
+  </p:transition>
+  <p:timing>
+    <p:tnLst>
+      <p:par>
+        <p:cTn id="1" dur="indefinite" restart="never" nodeType="tmRoot"/>
+      </p:par>
+    </p:tnLst>
+  </p:timing>
+</p:sld>
+</file>
+
+<file path=ppt/slides/slide6.xml><?xml version="1.0" encoding="utf-8"?>
+<p:sld xmlns:a="http://schemas.openxmlformats.org/drawingml/2006/main" xmlns:r="http://schemas.openxmlformats.org/officeDocument/2006/relationships" xmlns:p="http://schemas.openxmlformats.org/presentationml/2006/main">
+  <p:cSld>
+    <p:spTree>
+      <p:nvGrpSpPr>
+        <p:cNvPr id="1" name=""/>
+        <p:cNvGrpSpPr/>
+        <p:nvPr/>
+      </p:nvGrpSpPr>
+      <p:grpSpPr>
+        <a:xfrm>
+          <a:off x="0" y="0"/>
+          <a:ext cx="0" cy="0"/>
+          <a:chOff x="0" y="0"/>
+          <a:chExt cx="0" cy="0"/>
+        </a:xfrm>
+      </p:grpSpPr>
+      <p:sp>
+        <p:nvSpPr>
+          <p:cNvPr id="2" name="Title 1"/>
+          <p:cNvSpPr>
+            <a:spLocks noGrp="1"/>
+          </p:cNvSpPr>
+          <p:nvPr>
+            <p:ph type="title"/>
+            <p:custDataLst>
+              <p:tags r:id="rId2"/>
+            </p:custDataLst>
+          </p:nvPr>
+        </p:nvSpPr>
+        <p:spPr>
+          <a:xfrm>
+            <a:off x="457200" y="914400"/>
+            <a:ext cx="5410200" cy="914400"/>
+          </a:xfrm>
+        </p:spPr>
+        <p:txBody>
+          <a:bodyPr>
+            <a:noAutofit/>
+          </a:bodyPr>
+          <a:lstStyle/>
+          <a:p>
+            <a:pPr algn="ctr"/>
+            <a:r>
+              <a:rPr lang="en-US" sz="6000" b="1" dirty="0" smtClean="0"/>
+              <a:t>Assignments</a:t>
+            </a:r>
+            <a:endParaRPr lang="en-US" sz="6000" b="1" dirty="0"/>
+          </a:p>
+        </p:txBody>
+      </p:sp>
+      <p:sp>
+        <p:nvSpPr>
+          <p:cNvPr id="3" name="Content Placeholder 2"/>
+          <p:cNvSpPr>
+            <a:spLocks noGrp="1"/>
+          </p:cNvSpPr>
+          <p:nvPr>
+            <p:ph idx="1"/>
+            <p:custDataLst>
+              <p:tags r:id="rId3"/>
+            </p:custDataLst>
+          </p:nvPr>
+        </p:nvSpPr>
+        <p:spPr>
+          <a:xfrm>
+            <a:off x="457200" y="1828800"/>
+            <a:ext cx="5257800" cy="4297363"/>
+          </a:xfrm>
+        </p:spPr>
+        <p:txBody>
+          <a:bodyPr>
+            <a:normAutofit/>
+          </a:bodyPr>
+          <a:lstStyle/>
+          <a:p>
+            <a:pPr>
+              <a:lnSpc>
+                <a:spcPct val="150000"/>
+              </a:lnSpc>
+            </a:pPr>
+            <a:r>
+              <a:rPr lang="en-US" dirty="0" smtClean="0"/>
+              <a:t>Christian Williams</a:t>
+            </a:r>
+          </a:p>
+          <a:p>
+            <a:pPr marL="514350" indent="-514350">
+              <a:lnSpc>
+                <a:spcPct val="150000"/>
+              </a:lnSpc>
+              <a:buFont typeface="+mj-lt"/>
+              <a:buAutoNum type="arabicPeriod"/>
+            </a:pPr>
+            <a:r>
+              <a:rPr lang="en-US" dirty="0" smtClean="0"/>
+              <a:t>Design and Network </a:t>
+            </a:r>
+            <a:r>
+              <a:rPr lang="en-US" dirty="0" err="1" smtClean="0"/>
+              <a:t>Comms</a:t>
+            </a:r>
+            <a:r>
+              <a:rPr lang="en-US" dirty="0" smtClean="0"/>
+              <a:t>. </a:t>
+            </a:r>
+            <a:endParaRPr lang="en-US" dirty="0" smtClean="0"/>
+          </a:p>
+          <a:p>
+            <a:pPr>
+              <a:lnSpc>
+                <a:spcPct val="150000"/>
+              </a:lnSpc>
+            </a:pPr>
+            <a:r>
+              <a:rPr lang="en-US" dirty="0" smtClean="0"/>
+              <a:t>Francis </a:t>
+            </a:r>
+            <a:r>
+              <a:rPr lang="en-US" dirty="0" err="1" smtClean="0"/>
+              <a:t>Sabado</a:t>
+            </a:r>
+            <a:endParaRPr lang="en-US" dirty="0" smtClean="0"/>
+          </a:p>
+          <a:p>
+            <a:pPr marL="514350" indent="-514350">
+              <a:lnSpc>
+                <a:spcPct val="150000"/>
+              </a:lnSpc>
+              <a:buFont typeface="+mj-lt"/>
+              <a:buAutoNum type="arabicPeriod"/>
+            </a:pPr>
+            <a:r>
+              <a:rPr lang="en-US" dirty="0"/>
+              <a:t>Game Engine </a:t>
+            </a:r>
+            <a:r>
+              <a:rPr lang="en-US" dirty="0" smtClean="0"/>
+              <a:t>Implementation</a:t>
+            </a:r>
+          </a:p>
+          <a:p>
+            <a:pPr>
+              <a:lnSpc>
+                <a:spcPct val="150000"/>
+              </a:lnSpc>
+            </a:pPr>
+            <a:r>
+              <a:rPr lang="en-US" dirty="0" smtClean="0"/>
+              <a:t>Aaron Mahmoud</a:t>
+            </a:r>
+          </a:p>
+          <a:p>
+            <a:pPr marL="514350" indent="-514350">
+              <a:lnSpc>
+                <a:spcPct val="150000"/>
+              </a:lnSpc>
+              <a:buFont typeface="+mj-lt"/>
+              <a:buAutoNum type="arabicPeriod"/>
+            </a:pPr>
+            <a:r>
+              <a:rPr lang="en-US" dirty="0"/>
+              <a:t>G</a:t>
+            </a:r>
+            <a:r>
+              <a:rPr lang="en-US" dirty="0" smtClean="0"/>
+              <a:t>estures </a:t>
+            </a:r>
+            <a:r>
+              <a:rPr lang="en-US" dirty="0"/>
+              <a:t>and voice control</a:t>
+            </a:r>
+          </a:p>
+          <a:p>
+            <a:pPr marL="514350" indent="-514350">
+              <a:lnSpc>
+                <a:spcPct val="150000"/>
+              </a:lnSpc>
+              <a:buFont typeface="+mj-lt"/>
+              <a:buAutoNum type="arabicPeriod"/>
+            </a:pPr>
+            <a:endParaRPr lang="en-US" dirty="0" smtClean="0"/>
+          </a:p>
+        </p:txBody>
+      </p:sp>
+      <p:pic>
+        <p:nvPicPr>
+          <p:cNvPr id="2050" name="Picture 2" descr="C:\Users\aDemoNnDisguisE\Desktop\r-2854-5321.jpg"/>
+          <p:cNvPicPr>
+            <a:picLocks noChangeAspect="1" noChangeArrowheads="1"/>
+          </p:cNvPicPr>
+          <p:nvPr/>
+        </p:nvPicPr>
+        <p:blipFill>
+          <a:blip r:embed="rId5" cstate="print">
+            <a:extLst>
+              <a:ext uri="{28A0092B-C50C-407E-A947-70E740481C1C}">
+                <a14:useLocalDpi xmlns:a14="http://schemas.microsoft.com/office/drawing/2010/main" val="0"/>
+              </a:ext>
+            </a:extLst>
+          </a:blip>
+          <a:srcRect/>
+          <a:stretch>
+            <a:fillRect/>
+          </a:stretch>
+        </p:blipFill>
+        <p:spPr bwMode="auto">
+          <a:xfrm>
+            <a:off x="5715000" y="990600"/>
+            <a:ext cx="3048000" cy="5410200"/>
+          </a:xfrm>
+          <a:prstGeom prst="rect">
+            <a:avLst/>
+          </a:prstGeom>
+          <a:noFill/>
+          <a:extLst>
+            <a:ext uri="{909E8E84-426E-40DD-AFC4-6F175D3DCCD1}">
+              <a14:hiddenFill xmlns:a14="http://schemas.microsoft.com/office/drawing/2010/main">
+                <a:solidFill>
+                  <a:srgbClr val="FFFFFF"/>
+                </a:solidFill>
+              </a14:hiddenFill>
+            </a:ext>
+          </a:extLst>
+        </p:spPr>
+      </p:pic>
+    </p:spTree>
+    <p:custDataLst>
+      <p:tags r:id="rId1"/>
+    </p:custDataLst>
+  </p:cSld>
+  <p:clrMapOvr>
+    <a:masterClrMapping/>
+  </p:clrMapOvr>
+  <p:transition spd="slow">
+    <p:fade/>
+  </p:transition>
+  <p:timing>
+    <p:tnLst>
+      <p:par>
+        <p:cTn id="1" dur="indefinite" restart="never" nodeType="tmRoot"/>
+      </p:par>
+    </p:tnLst>
+  </p:timing>
+</p:sld>
+</file>
+
 <file path=ppt/slides/slide7.xml><?xml version="1.0" encoding="utf-8"?>
 <p:sld xmlns:a="http://schemas.openxmlformats.org/drawingml/2006/main" xmlns:r="http://schemas.openxmlformats.org/officeDocument/2006/relationships" xmlns:p="http://schemas.openxmlformats.org/presentationml/2006/main">
   <p:cSld>
@@ -16098,7 +10997,7 @@
     </p:spTree>
     <p:extLst>
       <p:ext uri="{BB962C8B-B14F-4D97-AF65-F5344CB8AC3E}">
-        <p14:creationId xmlns="" xmlns:p14="http://schemas.microsoft.com/office/powerpoint/2010/main" val="1933149179"/>
+        <p14:creationId xmlns:p14="http://schemas.microsoft.com/office/powerpoint/2010/main" val="1933149179"/>
       </p:ext>
     </p:extLst>
   </p:cSld>
@@ -16126,25 +11025,19 @@
 
 <file path=ppt/tags/tag10.xml><?xml version="1.0" encoding="utf-8"?>
 <p:tagLst xmlns:a="http://schemas.openxmlformats.org/drawingml/2006/main" xmlns:r="http://schemas.openxmlformats.org/officeDocument/2006/relationships" xmlns:p="http://schemas.openxmlformats.org/presentationml/2006/main">
-  <p:tag name="DVSHAPEID" val="IaLJDTdCySrUB2DNXQJ7PB"/>
+  <p:tag name="DVSECTIONID" val="2oXR3Z3jBsekg7NRQLn8qd"/>
 </p:tagLst>
 </file>
 
 <file path=ppt/tags/tag11.xml><?xml version="1.0" encoding="utf-8"?>
 <p:tagLst xmlns:a="http://schemas.openxmlformats.org/drawingml/2006/main" xmlns:r="http://schemas.openxmlformats.org/officeDocument/2006/relationships" xmlns:p="http://schemas.openxmlformats.org/presentationml/2006/main">
-  <p:tag name="DVSECTIONID" val="mQNEFOha65AcJnopmApIDZ"/>
+  <p:tag name="DVSHAPEID" val="tMKFWXxGAyYfCtF4ddJkuV"/>
 </p:tagLst>
 </file>
 
 <file path=ppt/tags/tag12.xml><?xml version="1.0" encoding="utf-8"?>
 <p:tagLst xmlns:a="http://schemas.openxmlformats.org/drawingml/2006/main" xmlns:r="http://schemas.openxmlformats.org/officeDocument/2006/relationships" xmlns:p="http://schemas.openxmlformats.org/presentationml/2006/main">
-  <p:tag name="DVSHAPEID" val="M4Uz8NaUn7hy4zTckDsXZ6"/>
-</p:tagLst>
-</file>
-
-<file path=ppt/tags/tag13.xml><?xml version="1.0" encoding="utf-8"?>
-<p:tagLst xmlns:a="http://schemas.openxmlformats.org/drawingml/2006/main" xmlns:r="http://schemas.openxmlformats.org/officeDocument/2006/relationships" xmlns:p="http://schemas.openxmlformats.org/presentationml/2006/main">
-  <p:tag name="DVSHAPEID" val="NHRDqqfSBn57oHO3LqrDuk"/>
+  <p:tag name="DVSHAPEID" val="IaLJDTdCySrUB2DNXQJ7PB"/>
 </p:tagLst>
 </file>
 
@@ -16168,31 +11061,31 @@
 
 <file path=ppt/tags/tag5.xml><?xml version="1.0" encoding="utf-8"?>
 <p:tagLst xmlns:a="http://schemas.openxmlformats.org/drawingml/2006/main" xmlns:r="http://schemas.openxmlformats.org/officeDocument/2006/relationships" xmlns:p="http://schemas.openxmlformats.org/presentationml/2006/main">
-  <p:tag name="DVSECTIONID" val="FWTzd7aXBssOmYs9yuGiml"/>
+  <p:tag name="DVSECTIONID" val="mQNEFOha65AcJnopmApIDZ"/>
 </p:tagLst>
 </file>
 
 <file path=ppt/tags/tag6.xml><?xml version="1.0" encoding="utf-8"?>
 <p:tagLst xmlns:a="http://schemas.openxmlformats.org/drawingml/2006/main" xmlns:r="http://schemas.openxmlformats.org/officeDocument/2006/relationships" xmlns:p="http://schemas.openxmlformats.org/presentationml/2006/main">
-  <p:tag name="DVSHAPEID" val="fEx7i1o5WFYMUt4c6svz0o"/>
+  <p:tag name="DVSHAPEID" val="M4Uz8NaUn7hy4zTckDsXZ6"/>
 </p:tagLst>
 </file>
 
 <file path=ppt/tags/tag7.xml><?xml version="1.0" encoding="utf-8"?>
 <p:tagLst xmlns:a="http://schemas.openxmlformats.org/drawingml/2006/main" xmlns:r="http://schemas.openxmlformats.org/officeDocument/2006/relationships" xmlns:p="http://schemas.openxmlformats.org/presentationml/2006/main">
-  <p:tag name="DVSECTIONID" val="pbN8jrcRkzLTOV54VyMEqh"/>
+  <p:tag name="DVSHAPEID" val="NHRDqqfSBn57oHO3LqrDuk"/>
 </p:tagLst>
 </file>
 
 <file path=ppt/tags/tag8.xml><?xml version="1.0" encoding="utf-8"?>
 <p:tagLst xmlns:a="http://schemas.openxmlformats.org/drawingml/2006/main" xmlns:r="http://schemas.openxmlformats.org/officeDocument/2006/relationships" xmlns:p="http://schemas.openxmlformats.org/presentationml/2006/main">
-  <p:tag name="DVSECTIONID" val="2oXR3Z3jBsekg7NRQLn8qd"/>
+  <p:tag name="DVSECTIONID" val="FWTzd7aXBssOmYs9yuGiml"/>
 </p:tagLst>
 </file>
 
 <file path=ppt/tags/tag9.xml><?xml version="1.0" encoding="utf-8"?>
 <p:tagLst xmlns:a="http://schemas.openxmlformats.org/drawingml/2006/main" xmlns:r="http://schemas.openxmlformats.org/officeDocument/2006/relationships" xmlns:p="http://schemas.openxmlformats.org/presentationml/2006/main">
-  <p:tag name="DVSHAPEID" val="tMKFWXxGAyYfCtF4ddJkuV"/>
+  <p:tag name="DVSHAPEID" val="fEx7i1o5WFYMUt4c6svz0o"/>
 </p:tagLst>
 </file>
 

--- a/trunk/ kinect-virtual-world --username c.c.williams55@gmail.com/Report 1 Files/Angry Prims Preliminary Proposal.pptx
+++ b/trunk/ kinect-virtual-world --username c.c.williams55@gmail.com/Report 1 Files/Angry Prims Preliminary Proposal.pptx
@@ -115,7 +115,7 @@
   </p:defaultTextStyle>
   <p:extLst>
     <p:ext uri="{521415D9-36F7-43E2-AB2F-B90AF26B5E84}">
-      <p14:sectionLst xmlns:p14="http://schemas.microsoft.com/office/powerpoint/2010/main">
+      <p14:sectionLst xmlns:p14="http://schemas.microsoft.com/office/powerpoint/2010/main" xmlns="">
         <p14:section name="Default Section" id="{992832F5-EA01-48E5-B403-87E193F50680}">
           <p14:sldIdLst>
             <p14:sldId id="259"/>
@@ -1003,11 +1003,7 @@
           </a:r>
           <a:r>
             <a:rPr lang="en-US" sz="1300" b="1" spc="-10" baseline="0" dirty="0" smtClean="0"/>
-            <a:t> </a:t>
-          </a:r>
-          <a:r>
-            <a:rPr lang="en-US" sz="1300" b="1" spc="-10" baseline="0" dirty="0" smtClean="0"/>
-            <a:t>Client and Gestures</a:t>
+            <a:t> Client and Gestures</a:t>
           </a:r>
           <a:endParaRPr lang="en-US" sz="1300" b="1" spc="-10" baseline="0" dirty="0"/>
         </a:p>
@@ -1368,29 +1364,29 @@
     </dgm:pt>
   </dgm:ptLst>
   <dgm:cxnLst>
+    <dgm:cxn modelId="{54B2FED9-9F5A-482C-B7AD-CE780DBB4D7A}" type="presOf" srcId="{ED3CCD02-8D75-4A08-AD85-C5F828B29313}" destId="{E09D1B4B-09AE-4B1F-A409-CE344F8F9185}" srcOrd="0" destOrd="0" presId="urn:microsoft.com/office/officeart/2005/8/layout/radial5"/>
+    <dgm:cxn modelId="{DF0DC324-3E24-4C19-A1FD-DD9570009774}" type="presOf" srcId="{9A038BAD-1DAA-4E08-AF5C-7A535C3A31A3}" destId="{492A8904-4F29-41B2-8DF6-9E5DB43B598E}" srcOrd="0" destOrd="0" presId="urn:microsoft.com/office/officeart/2005/8/layout/radial5"/>
+    <dgm:cxn modelId="{7362BBE9-CE05-48ED-9B0F-19744BB7FA24}" type="presOf" srcId="{CFE62A0D-AFCB-42FF-A2F7-4127DE6E4A06}" destId="{5E3992B2-2FF9-4710-BC5D-D3CABAC0944B}" srcOrd="1" destOrd="0" presId="urn:microsoft.com/office/officeart/2005/8/layout/radial5"/>
+    <dgm:cxn modelId="{D455749F-4F4C-4295-A229-F1CAA9A84B33}" type="presOf" srcId="{C2B16F5E-4FD9-4E6C-984C-5FB34252F788}" destId="{A0AE6ABD-EFF8-41C2-907C-790C07DF522C}" srcOrd="0" destOrd="0" presId="urn:microsoft.com/office/officeart/2005/8/layout/radial5"/>
+    <dgm:cxn modelId="{26D1578F-8BE0-4DFF-B5B7-36D919C7DF48}" type="presOf" srcId="{19675BB5-4BE3-4E06-B2B3-AAA3D107C1A8}" destId="{EB09D521-9D02-4B4D-80CB-EB847731A63E}" srcOrd="0" destOrd="0" presId="urn:microsoft.com/office/officeart/2005/8/layout/radial5"/>
+    <dgm:cxn modelId="{29FA02FA-E640-4261-806B-AA21CEF811C3}" type="presOf" srcId="{E1D6882F-7F41-4B9B-8326-079D0B7775D3}" destId="{FB0FDE60-5A66-47CD-855C-10B0ABFAFF6D}" srcOrd="0" destOrd="0" presId="urn:microsoft.com/office/officeart/2005/8/layout/radial5"/>
+    <dgm:cxn modelId="{F98C9256-0E52-4294-AA5B-17A525F41415}" type="presOf" srcId="{813DB034-1CFA-4CE1-8536-6BC256192226}" destId="{60779230-642B-46DB-B5CA-FC2220C38859}" srcOrd="0" destOrd="0" presId="urn:microsoft.com/office/officeart/2005/8/layout/radial5"/>
+    <dgm:cxn modelId="{41966F54-3C25-450E-8104-04B2B9165959}" srcId="{D3864EA6-13E7-440F-948B-8118F5878A44}" destId="{813DB034-1CFA-4CE1-8536-6BC256192226}" srcOrd="0" destOrd="0" parTransId="{ED3CCD02-8D75-4A08-AD85-C5F828B29313}" sibTransId="{F3516F2D-4619-4753-A81E-130803DFBFC7}"/>
+    <dgm:cxn modelId="{7598B8A9-9332-4A2B-B5D9-CF010EBBDF46}" type="presOf" srcId="{8F21B166-5620-46A8-A5DD-72EAE361E61D}" destId="{8C992717-B056-4E89-850B-547F00D86B47}" srcOrd="1" destOrd="0" presId="urn:microsoft.com/office/officeart/2005/8/layout/radial5"/>
+    <dgm:cxn modelId="{D74F0E62-DE98-4010-8B2E-1EAAA9E56350}" type="presOf" srcId="{14E5A95F-9DC9-4E33-B709-14C57323ACAA}" destId="{0B5562C5-56E9-4F94-AD9A-09B6AA6E206F}" srcOrd="0" destOrd="0" presId="urn:microsoft.com/office/officeart/2005/8/layout/radial5"/>
     <dgm:cxn modelId="{5EBF790F-CC7C-4BBA-98A7-614FB5283795}" srcId="{D3864EA6-13E7-440F-948B-8118F5878A44}" destId="{6461E40C-FAF1-4C11-9CA4-01B7756558A8}" srcOrd="1" destOrd="0" parTransId="{5418FCE5-0AC2-479F-8F47-D35F7A60BD8D}" sibTransId="{3D67A8BA-4FB2-401F-A3C1-92132B645061}"/>
+    <dgm:cxn modelId="{7834DFDC-DD97-4D0F-B547-27AB53428B4B}" srcId="{19675BB5-4BE3-4E06-B2B3-AAA3D107C1A8}" destId="{D3864EA6-13E7-440F-948B-8118F5878A44}" srcOrd="0" destOrd="0" parTransId="{5F920266-1B6A-4D7D-8C8B-D20E2934BF67}" sibTransId="{F4FE127A-F33D-4F59-961D-A505D5A781EE}"/>
+    <dgm:cxn modelId="{7EB75183-B20B-4EE8-AF71-83BA84E1BE0D}" type="presOf" srcId="{8F21B166-5620-46A8-A5DD-72EAE361E61D}" destId="{470BEB95-5498-4076-A7AD-52EA2D6058A0}" srcOrd="0" destOrd="0" presId="urn:microsoft.com/office/officeart/2005/8/layout/radial5"/>
     <dgm:cxn modelId="{F383A1C8-295E-4F6E-9C5D-67AA4DB4F7EB}" type="presOf" srcId="{ED3CCD02-8D75-4A08-AD85-C5F828B29313}" destId="{79A2186A-8429-4E95-A4D2-214813090081}" srcOrd="1" destOrd="0" presId="urn:microsoft.com/office/officeart/2005/8/layout/radial5"/>
-    <dgm:cxn modelId="{54B2FED9-9F5A-482C-B7AD-CE780DBB4D7A}" type="presOf" srcId="{ED3CCD02-8D75-4A08-AD85-C5F828B29313}" destId="{E09D1B4B-09AE-4B1F-A409-CE344F8F9185}" srcOrd="0" destOrd="0" presId="urn:microsoft.com/office/officeart/2005/8/layout/radial5"/>
-    <dgm:cxn modelId="{7834DFDC-DD97-4D0F-B547-27AB53428B4B}" srcId="{19675BB5-4BE3-4E06-B2B3-AAA3D107C1A8}" destId="{D3864EA6-13E7-440F-948B-8118F5878A44}" srcOrd="0" destOrd="0" parTransId="{5F920266-1B6A-4D7D-8C8B-D20E2934BF67}" sibTransId="{F4FE127A-F33D-4F59-961D-A505D5A781EE}"/>
+    <dgm:cxn modelId="{4D341991-5DB3-4739-89C1-0B6A24A114E8}" type="presOf" srcId="{5418FCE5-0AC2-479F-8F47-D35F7A60BD8D}" destId="{4873F644-A37B-4263-BDD3-7D4AECF93436}" srcOrd="0" destOrd="0" presId="urn:microsoft.com/office/officeart/2005/8/layout/radial5"/>
+    <dgm:cxn modelId="{67029EA3-AC4E-48C5-87CF-57A4733799CA}" type="presOf" srcId="{E1D6882F-7F41-4B9B-8326-079D0B7775D3}" destId="{D9C29361-9907-4AA5-9D4C-465D8E4516DA}" srcOrd="1" destOrd="0" presId="urn:microsoft.com/office/officeart/2005/8/layout/radial5"/>
+    <dgm:cxn modelId="{B78770BC-227B-404F-8185-2F70ECA32605}" srcId="{D3864EA6-13E7-440F-948B-8118F5878A44}" destId="{14E5A95F-9DC9-4E33-B709-14C57323ACAA}" srcOrd="2" destOrd="0" parTransId="{CFE62A0D-AFCB-42FF-A2F7-4127DE6E4A06}" sibTransId="{87455A86-154D-4572-BF6D-F5FEBED08194}"/>
     <dgm:cxn modelId="{33CA9426-6028-4F9E-ADDB-AA3042A81F7D}" type="presOf" srcId="{6461E40C-FAF1-4C11-9CA4-01B7756558A8}" destId="{8FE55D76-69B8-469D-BE4A-A0F9F69D5110}" srcOrd="0" destOrd="0" presId="urn:microsoft.com/office/officeart/2005/8/layout/radial5"/>
-    <dgm:cxn modelId="{29FA02FA-E640-4261-806B-AA21CEF811C3}" type="presOf" srcId="{E1D6882F-7F41-4B9B-8326-079D0B7775D3}" destId="{FB0FDE60-5A66-47CD-855C-10B0ABFAFF6D}" srcOrd="0" destOrd="0" presId="urn:microsoft.com/office/officeart/2005/8/layout/radial5"/>
+    <dgm:cxn modelId="{459BE59C-8527-4040-AA6D-E00460E9E8BD}" type="presOf" srcId="{D3864EA6-13E7-440F-948B-8118F5878A44}" destId="{7ADCFBEC-172E-41BB-B545-FE2085E0B744}" srcOrd="0" destOrd="0" presId="urn:microsoft.com/office/officeart/2005/8/layout/radial5"/>
+    <dgm:cxn modelId="{F20E6E35-2EF6-49E1-BCE2-AF737813AC7F}" srcId="{D3864EA6-13E7-440F-948B-8118F5878A44}" destId="{C2B16F5E-4FD9-4E6C-984C-5FB34252F788}" srcOrd="4" destOrd="0" parTransId="{8F21B166-5620-46A8-A5DD-72EAE361E61D}" sibTransId="{D972BA52-9B06-4D48-9819-200C1326EA4D}"/>
+    <dgm:cxn modelId="{F67B8136-3A2B-408C-9570-C50B3786C6D1}" srcId="{D3864EA6-13E7-440F-948B-8118F5878A44}" destId="{9A038BAD-1DAA-4E08-AF5C-7A535C3A31A3}" srcOrd="3" destOrd="0" parTransId="{E1D6882F-7F41-4B9B-8326-079D0B7775D3}" sibTransId="{BF904E21-59DA-42DB-BE7C-359EAF11BFDB}"/>
+    <dgm:cxn modelId="{33010AF7-9670-4113-8A43-897FBCF42E9F}" type="presOf" srcId="{CFE62A0D-AFCB-42FF-A2F7-4127DE6E4A06}" destId="{8999D690-D432-4F1A-B2AE-D98A61E6F24A}" srcOrd="0" destOrd="0" presId="urn:microsoft.com/office/officeart/2005/8/layout/radial5"/>
     <dgm:cxn modelId="{9D61B47E-7F41-4639-962A-9097B26F323C}" type="presOf" srcId="{5418FCE5-0AC2-479F-8F47-D35F7A60BD8D}" destId="{AF2E0478-D773-4966-9A95-8E70AD7139B7}" srcOrd="1" destOrd="0" presId="urn:microsoft.com/office/officeart/2005/8/layout/radial5"/>
-    <dgm:cxn modelId="{F20E6E35-2EF6-49E1-BCE2-AF737813AC7F}" srcId="{D3864EA6-13E7-440F-948B-8118F5878A44}" destId="{C2B16F5E-4FD9-4E6C-984C-5FB34252F788}" srcOrd="4" destOrd="0" parTransId="{8F21B166-5620-46A8-A5DD-72EAE361E61D}" sibTransId="{D972BA52-9B06-4D48-9819-200C1326EA4D}"/>
-    <dgm:cxn modelId="{7362BBE9-CE05-48ED-9B0F-19744BB7FA24}" type="presOf" srcId="{CFE62A0D-AFCB-42FF-A2F7-4127DE6E4A06}" destId="{5E3992B2-2FF9-4710-BC5D-D3CABAC0944B}" srcOrd="1" destOrd="0" presId="urn:microsoft.com/office/officeart/2005/8/layout/radial5"/>
-    <dgm:cxn modelId="{67029EA3-AC4E-48C5-87CF-57A4733799CA}" type="presOf" srcId="{E1D6882F-7F41-4B9B-8326-079D0B7775D3}" destId="{D9C29361-9907-4AA5-9D4C-465D8E4516DA}" srcOrd="1" destOrd="0" presId="urn:microsoft.com/office/officeart/2005/8/layout/radial5"/>
-    <dgm:cxn modelId="{DF0DC324-3E24-4C19-A1FD-DD9570009774}" type="presOf" srcId="{9A038BAD-1DAA-4E08-AF5C-7A535C3A31A3}" destId="{492A8904-4F29-41B2-8DF6-9E5DB43B598E}" srcOrd="0" destOrd="0" presId="urn:microsoft.com/office/officeart/2005/8/layout/radial5"/>
-    <dgm:cxn modelId="{459BE59C-8527-4040-AA6D-E00460E9E8BD}" type="presOf" srcId="{D3864EA6-13E7-440F-948B-8118F5878A44}" destId="{7ADCFBEC-172E-41BB-B545-FE2085E0B744}" srcOrd="0" destOrd="0" presId="urn:microsoft.com/office/officeart/2005/8/layout/radial5"/>
-    <dgm:cxn modelId="{26D1578F-8BE0-4DFF-B5B7-36D919C7DF48}" type="presOf" srcId="{19675BB5-4BE3-4E06-B2B3-AAA3D107C1A8}" destId="{EB09D521-9D02-4B4D-80CB-EB847731A63E}" srcOrd="0" destOrd="0" presId="urn:microsoft.com/office/officeart/2005/8/layout/radial5"/>
-    <dgm:cxn modelId="{41966F54-3C25-450E-8104-04B2B9165959}" srcId="{D3864EA6-13E7-440F-948B-8118F5878A44}" destId="{813DB034-1CFA-4CE1-8536-6BC256192226}" srcOrd="0" destOrd="0" parTransId="{ED3CCD02-8D75-4A08-AD85-C5F828B29313}" sibTransId="{F3516F2D-4619-4753-A81E-130803DFBFC7}"/>
-    <dgm:cxn modelId="{B78770BC-227B-404F-8185-2F70ECA32605}" srcId="{D3864EA6-13E7-440F-948B-8118F5878A44}" destId="{14E5A95F-9DC9-4E33-B709-14C57323ACAA}" srcOrd="2" destOrd="0" parTransId="{CFE62A0D-AFCB-42FF-A2F7-4127DE6E4A06}" sibTransId="{87455A86-154D-4572-BF6D-F5FEBED08194}"/>
-    <dgm:cxn modelId="{4D341991-5DB3-4739-89C1-0B6A24A114E8}" type="presOf" srcId="{5418FCE5-0AC2-479F-8F47-D35F7A60BD8D}" destId="{4873F644-A37B-4263-BDD3-7D4AECF93436}" srcOrd="0" destOrd="0" presId="urn:microsoft.com/office/officeart/2005/8/layout/radial5"/>
-    <dgm:cxn modelId="{7598B8A9-9332-4A2B-B5D9-CF010EBBDF46}" type="presOf" srcId="{8F21B166-5620-46A8-A5DD-72EAE361E61D}" destId="{8C992717-B056-4E89-850B-547F00D86B47}" srcOrd="1" destOrd="0" presId="urn:microsoft.com/office/officeart/2005/8/layout/radial5"/>
-    <dgm:cxn modelId="{D455749F-4F4C-4295-A229-F1CAA9A84B33}" type="presOf" srcId="{C2B16F5E-4FD9-4E6C-984C-5FB34252F788}" destId="{A0AE6ABD-EFF8-41C2-907C-790C07DF522C}" srcOrd="0" destOrd="0" presId="urn:microsoft.com/office/officeart/2005/8/layout/radial5"/>
-    <dgm:cxn modelId="{7EB75183-B20B-4EE8-AF71-83BA84E1BE0D}" type="presOf" srcId="{8F21B166-5620-46A8-A5DD-72EAE361E61D}" destId="{470BEB95-5498-4076-A7AD-52EA2D6058A0}" srcOrd="0" destOrd="0" presId="urn:microsoft.com/office/officeart/2005/8/layout/radial5"/>
-    <dgm:cxn modelId="{33010AF7-9670-4113-8A43-897FBCF42E9F}" type="presOf" srcId="{CFE62A0D-AFCB-42FF-A2F7-4127DE6E4A06}" destId="{8999D690-D432-4F1A-B2AE-D98A61E6F24A}" srcOrd="0" destOrd="0" presId="urn:microsoft.com/office/officeart/2005/8/layout/radial5"/>
-    <dgm:cxn modelId="{F98C9256-0E52-4294-AA5B-17A525F41415}" type="presOf" srcId="{813DB034-1CFA-4CE1-8536-6BC256192226}" destId="{60779230-642B-46DB-B5CA-FC2220C38859}" srcOrd="0" destOrd="0" presId="urn:microsoft.com/office/officeart/2005/8/layout/radial5"/>
-    <dgm:cxn modelId="{F67B8136-3A2B-408C-9570-C50B3786C6D1}" srcId="{D3864EA6-13E7-440F-948B-8118F5878A44}" destId="{9A038BAD-1DAA-4E08-AF5C-7A535C3A31A3}" srcOrd="3" destOrd="0" parTransId="{E1D6882F-7F41-4B9B-8326-079D0B7775D3}" sibTransId="{BF904E21-59DA-42DB-BE7C-359EAF11BFDB}"/>
-    <dgm:cxn modelId="{D74F0E62-DE98-4010-8B2E-1EAAA9E56350}" type="presOf" srcId="{14E5A95F-9DC9-4E33-B709-14C57323ACAA}" destId="{0B5562C5-56E9-4F94-AD9A-09B6AA6E206F}" srcOrd="0" destOrd="0" presId="urn:microsoft.com/office/officeart/2005/8/layout/radial5"/>
     <dgm:cxn modelId="{7A2CDD09-A224-4181-B0A8-F745690C8BD3}" type="presParOf" srcId="{EB09D521-9D02-4B4D-80CB-EB847731A63E}" destId="{7ADCFBEC-172E-41BB-B545-FE2085E0B744}" srcOrd="0" destOrd="0" presId="urn:microsoft.com/office/officeart/2005/8/layout/radial5"/>
     <dgm:cxn modelId="{7BB1E9F2-577C-4EDD-9E82-599DABB04466}" type="presParOf" srcId="{EB09D521-9D02-4B4D-80CB-EB847731A63E}" destId="{E09D1B4B-09AE-4B1F-A409-CE344F8F9185}" srcOrd="1" destOrd="0" presId="urn:microsoft.com/office/officeart/2005/8/layout/radial5"/>
     <dgm:cxn modelId="{E09E266F-8E22-44BE-8978-A502F4303C38}" type="presParOf" srcId="{E09D1B4B-09AE-4B1F-A409-CE344F8F9185}" destId="{79A2186A-8429-4E95-A4D2-214813090081}" srcOrd="0" destOrd="0" presId="urn:microsoft.com/office/officeart/2005/8/layout/radial5"/>
@@ -1412,14 +1408,14 @@
   <dgm:whole/>
   <dgm:extLst>
     <a:ext uri="http://schemas.microsoft.com/office/drawing/2008/diagram">
-      <dsp:dataModelExt xmlns:dsp="http://schemas.microsoft.com/office/drawing/2008/diagram" relId="rId10" minVer="http://schemas.openxmlformats.org/drawingml/2006/diagram"/>
+      <dsp:dataModelExt xmlns:dsp="http://schemas.microsoft.com/office/drawing/2008/diagram" xmlns="" relId="rId10" minVer="http://schemas.openxmlformats.org/drawingml/2006/diagram"/>
     </a:ext>
   </dgm:extLst>
 </dgm:dataModel>
 </file>
 
 <file path=ppt/diagrams/drawing1.xml><?xml version="1.0" encoding="utf-8"?>
-<dsp:drawing xmlns:dgm="http://schemas.openxmlformats.org/drawingml/2006/diagram" xmlns:dsp="http://schemas.microsoft.com/office/drawing/2008/diagram" xmlns:a="http://schemas.openxmlformats.org/drawingml/2006/main">
+<dsp:drawing xmlns:dgm="http://schemas.openxmlformats.org/drawingml/2006/diagram" xmlns:a="http://schemas.openxmlformats.org/drawingml/2006/main" xmlns:dsp="http://schemas.microsoft.com/office/drawing/2008/diagram">
   <dsp:spTree>
     <dsp:nvGrpSpPr>
       <dsp:cNvPr id="0" name=""/>
@@ -1549,8 +1545,8 @@
         </a:p>
       </dsp:txBody>
       <dsp:txXfrm>
-        <a:off x="3582038" y="1903007"/>
-        <a:ext cx="1179822" cy="1179822"/>
+        <a:off x="3337689" y="1658658"/>
+        <a:ext cx="1668520" cy="1668520"/>
       </dsp:txXfrm>
     </dsp:sp>
     <dsp:sp modelId="{E09D1B4B-09AE-4B1F-A409-CE344F8F9185}">
@@ -1672,9 +1668,9 @@
           <a:endParaRPr lang="en-US" sz="1900" kern="1200"/>
         </a:p>
       </dsp:txBody>
-      <dsp:txXfrm rot="10800000">
-        <a:off x="4128026" y="1441059"/>
-        <a:ext cx="76862" cy="267209"/>
+      <dsp:txXfrm rot="16179437">
+        <a:off x="4111457" y="1335520"/>
+        <a:ext cx="109803" cy="445347"/>
       </dsp:txXfrm>
     </dsp:sp>
     <dsp:sp modelId="{60779230-642B-46DB-B5CA-FC2220C38859}">
@@ -1800,8 +1796,8 @@
         </a:p>
       </dsp:txBody>
       <dsp:txXfrm>
-        <a:off x="3616493" y="136686"/>
-        <a:ext cx="1089239" cy="1089239"/>
+        <a:off x="3390904" y="-88903"/>
+        <a:ext cx="1540417" cy="1540417"/>
       </dsp:txXfrm>
     </dsp:sp>
     <dsp:sp modelId="{4873F644-A37B-4263-BDD3-7D4AECF93436}">
@@ -1923,9 +1919,9 @@
           <a:endParaRPr lang="en-US" sz="1900" kern="1200"/>
         </a:p>
       </dsp:txBody>
-      <dsp:txXfrm>
-        <a:off x="5006797" y="2072128"/>
-        <a:ext cx="78509" cy="267209"/>
+      <dsp:txXfrm rot="20508725">
+        <a:off x="5005956" y="1977808"/>
+        <a:ext cx="112156" cy="445347"/>
       </dsp:txXfrm>
     </dsp:sp>
     <dsp:sp modelId="{8FE55D76-69B8-469D-BE4A-A0F9F69D5110}">
@@ -2049,18 +2045,14 @@
           </a:r>
           <a:r>
             <a:rPr lang="en-US" sz="1300" b="1" kern="1200" spc="-10" baseline="0" dirty="0" smtClean="0"/>
-            <a:t> </a:t>
-          </a:r>
-          <a:r>
-            <a:rPr lang="en-US" sz="1300" b="1" kern="1200" spc="-10" baseline="0" dirty="0" smtClean="0"/>
-            <a:t>Client and Gestures</a:t>
+            <a:t> Client and Gestures</a:t>
           </a:r>
           <a:endParaRPr lang="en-US" sz="1300" b="1" kern="1200" spc="-10" baseline="0" dirty="0"/>
         </a:p>
       </dsp:txBody>
       <dsp:txXfrm>
-        <a:off x="5352679" y="1381436"/>
-        <a:ext cx="1089239" cy="1089239"/>
+        <a:off x="5127090" y="1155847"/>
+        <a:ext cx="1540417" cy="1540417"/>
       </dsp:txXfrm>
     </dsp:sp>
     <dsp:sp modelId="{8999D690-D432-4F1A-B2AE-D98A61E6F24A}">
@@ -2182,9 +2174,9 @@
           <a:endParaRPr lang="en-US" sz="1900" kern="1200"/>
         </a:p>
       </dsp:txBody>
-      <dsp:txXfrm>
-        <a:off x="4674466" y="3109672"/>
-        <a:ext cx="85301" cy="267209"/>
+      <dsp:txXfrm rot="3240000">
+        <a:off x="4666931" y="3035391"/>
+        <a:ext cx="121859" cy="445347"/>
       </dsp:txXfrm>
     </dsp:sp>
     <dsp:sp modelId="{0B5562C5-56E9-4F94-AD9A-09B6AA6E206F}">
@@ -2310,8 +2302,8 @@
         </a:p>
       </dsp:txBody>
       <dsp:txXfrm>
-        <a:off x="4705558" y="3432353"/>
-        <a:ext cx="1089239" cy="1089239"/>
+        <a:off x="4479969" y="3206764"/>
+        <a:ext cx="1540417" cy="1540417"/>
       </dsp:txXfrm>
     </dsp:sp>
     <dsp:sp modelId="{FB0FDE60-5A66-47CD-855C-10B0ABFAFF6D}">
@@ -2433,9 +2425,9 @@
           <a:endParaRPr lang="en-US" sz="1900" kern="1200"/>
         </a:p>
       </dsp:txBody>
-      <dsp:txXfrm rot="10800000">
-        <a:off x="3584132" y="3109672"/>
-        <a:ext cx="85301" cy="267209"/>
+      <dsp:txXfrm rot="7560000">
+        <a:off x="3555109" y="3035391"/>
+        <a:ext cx="121859" cy="445347"/>
       </dsp:txXfrm>
     </dsp:sp>
     <dsp:sp modelId="{492A8904-4F29-41B2-8DF6-9E5DB43B598E}">
@@ -2561,8 +2553,8 @@
         </a:p>
       </dsp:txBody>
       <dsp:txXfrm>
-        <a:off x="2549101" y="3432353"/>
-        <a:ext cx="1089239" cy="1089239"/>
+        <a:off x="2323512" y="3206764"/>
+        <a:ext cx="1540417" cy="1540417"/>
       </dsp:txXfrm>
     </dsp:sp>
     <dsp:sp modelId="{470BEB95-5498-4076-A7AD-52EA2D6058A0}">
@@ -2684,9 +2676,9 @@
           <a:endParaRPr lang="en-US" sz="1900" kern="1200"/>
         </a:p>
       </dsp:txBody>
-      <dsp:txXfrm rot="10800000">
-        <a:off x="3247199" y="2072703"/>
-        <a:ext cx="85301" cy="267209"/>
+      <dsp:txXfrm rot="11880000">
+        <a:off x="3211536" y="1977985"/>
+        <a:ext cx="121859" cy="445347"/>
       </dsp:txXfrm>
     </dsp:sp>
     <dsp:sp modelId="{A0AE6ABD-EFF8-41C2-907C-790C07DF522C}">
@@ -2829,8 +2821,8 @@
         </a:p>
       </dsp:txBody>
       <dsp:txXfrm>
-        <a:off x="1882719" y="1381440"/>
-        <a:ext cx="1089239" cy="1089239"/>
+        <a:off x="1657130" y="1155851"/>
+        <a:ext cx="1540417" cy="1540417"/>
       </dsp:txXfrm>
     </dsp:sp>
   </dsp:spTree>
@@ -4219,7 +4211,7 @@
             <a:fld id="{724506C0-3FFE-45A5-803D-9F4FC5464A70}" type="datetimeFigureOut">
               <a:rPr lang="en-US" smtClean="0"/>
               <a:pPr/>
-              <a:t>10/23/2011</a:t>
+              <a:t>10/24/2011</a:t>
             </a:fld>
             <a:endParaRPr lang="en-US"/>
           </a:p>
@@ -4388,7 +4380,7 @@
     </p:spTree>
     <p:extLst>
       <p:ext uri="{BB962C8B-B14F-4D97-AF65-F5344CB8AC3E}">
-        <p14:creationId xmlns:p14="http://schemas.microsoft.com/office/powerpoint/2010/main" val="650118158"/>
+        <p14:creationId xmlns:p14="http://schemas.microsoft.com/office/powerpoint/2010/main" xmlns="" val="650118158"/>
       </p:ext>
     </p:extLst>
   </p:cSld>
@@ -5240,7 +5232,7 @@
             <a:fld id="{F922158D-428B-4987-8B28-745A2AFA1252}" type="datetimeFigureOut">
               <a:rPr lang="en-US" smtClean="0"/>
               <a:pPr/>
-              <a:t>10/23/2011</a:t>
+              <a:t>10/24/2011</a:t>
             </a:fld>
             <a:endParaRPr lang="en-US"/>
           </a:p>
@@ -5301,7 +5293,7 @@
           <a:blip r:embed="rId2" cstate="email">
             <a:extLst>
               <a:ext uri="{28A0092B-C50C-407E-A947-70E740481C1C}">
-                <a14:useLocalDpi xmlns:a14="http://schemas.microsoft.com/office/drawing/2010/main"/>
+                <a14:useLocalDpi xmlns:a14="http://schemas.microsoft.com/office/drawing/2010/main" xmlns=""/>
               </a:ext>
             </a:extLst>
           </a:blip>
@@ -5331,7 +5323,7 @@
           <a:blip r:embed="rId3" cstate="email">
             <a:extLst>
               <a:ext uri="{28A0092B-C50C-407E-A947-70E740481C1C}">
-                <a14:useLocalDpi xmlns:a14="http://schemas.microsoft.com/office/drawing/2010/main"/>
+                <a14:useLocalDpi xmlns:a14="http://schemas.microsoft.com/office/drawing/2010/main" xmlns=""/>
               </a:ext>
             </a:extLst>
           </a:blip>
@@ -5370,7 +5362,7 @@
           <a:blip r:embed="rId4" cstate="email">
             <a:extLst>
               <a:ext uri="{28A0092B-C50C-407E-A947-70E740481C1C}">
-                <a14:useLocalDpi xmlns:a14="http://schemas.microsoft.com/office/drawing/2010/main"/>
+                <a14:useLocalDpi xmlns:a14="http://schemas.microsoft.com/office/drawing/2010/main" xmlns=""/>
               </a:ext>
             </a:extLst>
           </a:blip>
@@ -5409,7 +5401,7 @@
           <a:blip r:embed="rId5" cstate="email">
             <a:extLst>
               <a:ext uri="{28A0092B-C50C-407E-A947-70E740481C1C}">
-                <a14:useLocalDpi xmlns:a14="http://schemas.microsoft.com/office/drawing/2010/main"/>
+                <a14:useLocalDpi xmlns:a14="http://schemas.microsoft.com/office/drawing/2010/main" xmlns=""/>
               </a:ext>
             </a:extLst>
           </a:blip>
@@ -5970,7 +5962,7 @@
             <a:fld id="{F922158D-428B-4987-8B28-745A2AFA1252}" type="datetimeFigureOut">
               <a:rPr lang="en-US" smtClean="0"/>
               <a:pPr/>
-              <a:t>10/23/2011</a:t>
+              <a:t>10/24/2011</a:t>
             </a:fld>
             <a:endParaRPr lang="en-US"/>
           </a:p>
@@ -6157,7 +6149,7 @@
             <a:fld id="{F922158D-428B-4987-8B28-745A2AFA1252}" type="datetimeFigureOut">
               <a:rPr lang="en-US" smtClean="0"/>
               <a:pPr/>
-              <a:t>10/23/2011</a:t>
+              <a:t>10/24/2011</a:t>
             </a:fld>
             <a:endParaRPr lang="en-US"/>
           </a:p>
@@ -6334,7 +6326,7 @@
             <a:fld id="{F922158D-428B-4987-8B28-745A2AFA1252}" type="datetimeFigureOut">
               <a:rPr lang="en-US" smtClean="0"/>
               <a:pPr/>
-              <a:t>10/23/2011</a:t>
+              <a:t>10/24/2011</a:t>
             </a:fld>
             <a:endParaRPr lang="en-US"/>
           </a:p>
@@ -6588,7 +6580,7 @@
             <a:fld id="{F922158D-428B-4987-8B28-745A2AFA1252}" type="datetimeFigureOut">
               <a:rPr lang="en-US" smtClean="0"/>
               <a:pPr/>
-              <a:t>10/23/2011</a:t>
+              <a:t>10/24/2011</a:t>
             </a:fld>
             <a:endParaRPr lang="en-US"/>
           </a:p>
@@ -6672,7 +6664,7 @@
           <a:blip r:embed="rId3" cstate="email">
             <a:extLst>
               <a:ext uri="{28A0092B-C50C-407E-A947-70E740481C1C}">
-                <a14:useLocalDpi xmlns:a14="http://schemas.microsoft.com/office/drawing/2010/main"/>
+                <a14:useLocalDpi xmlns:a14="http://schemas.microsoft.com/office/drawing/2010/main" xmlns=""/>
               </a:ext>
             </a:extLst>
           </a:blip>
@@ -7118,7 +7110,7 @@
             <a:fld id="{F922158D-428B-4987-8B28-745A2AFA1252}" type="datetimeFigureOut">
               <a:rPr lang="en-US" smtClean="0"/>
               <a:pPr/>
-              <a:t>10/23/2011</a:t>
+              <a:t>10/24/2011</a:t>
             </a:fld>
             <a:endParaRPr lang="en-US"/>
           </a:p>
@@ -7508,7 +7500,7 @@
             <a:fld id="{F922158D-428B-4987-8B28-745A2AFA1252}" type="datetimeFigureOut">
               <a:rPr lang="en-US" smtClean="0"/>
               <a:pPr/>
-              <a:t>10/23/2011</a:t>
+              <a:t>10/24/2011</a:t>
             </a:fld>
             <a:endParaRPr lang="en-US"/>
           </a:p>
@@ -7670,7 +7662,7 @@
             <a:fld id="{F922158D-428B-4987-8B28-745A2AFA1252}" type="datetimeFigureOut">
               <a:rPr lang="en-US" smtClean="0"/>
               <a:pPr/>
-              <a:t>10/23/2011</a:t>
+              <a:t>10/24/2011</a:t>
             </a:fld>
             <a:endParaRPr lang="en-US"/>
           </a:p>
@@ -7772,7 +7764,7 @@
             <a:fld id="{F922158D-428B-4987-8B28-745A2AFA1252}" type="datetimeFigureOut">
               <a:rPr lang="en-US" smtClean="0"/>
               <a:pPr/>
-              <a:t>10/23/2011</a:t>
+              <a:t>10/24/2011</a:t>
             </a:fld>
             <a:endParaRPr lang="en-US"/>
           </a:p>
@@ -8045,7 +8037,7 @@
             <a:fld id="{F922158D-428B-4987-8B28-745A2AFA1252}" type="datetimeFigureOut">
               <a:rPr lang="en-US" smtClean="0"/>
               <a:pPr/>
-              <a:t>10/23/2011</a:t>
+              <a:t>10/24/2011</a:t>
             </a:fld>
             <a:endParaRPr lang="en-US"/>
           </a:p>
@@ -8345,7 +8337,7 @@
             <a:fld id="{F922158D-428B-4987-8B28-745A2AFA1252}" type="datetimeFigureOut">
               <a:rPr lang="en-US" smtClean="0"/>
               <a:pPr/>
-              <a:t>10/23/2011</a:t>
+              <a:t>10/24/2011</a:t>
             </a:fld>
             <a:endParaRPr lang="en-US"/>
           </a:p>
@@ -9128,7 +9120,7 @@
             <a:fld id="{F922158D-428B-4987-8B28-745A2AFA1252}" type="datetimeFigureOut">
               <a:rPr lang="en-US" smtClean="0"/>
               <a:pPr/>
-              <a:t>10/23/2011</a:t>
+              <a:t>10/24/2011</a:t>
             </a:fld>
             <a:endParaRPr lang="en-US"/>
           </a:p>
@@ -9838,13 +9830,8 @@
             <a:pPr algn="ctr"/>
             <a:r>
               <a:rPr lang="en-US" dirty="0" smtClean="0"/>
-              <a:t>Christian </a:t>
-            </a:r>
-            <a:r>
-              <a:rPr lang="en-US" dirty="0" smtClean="0"/>
-              <a:t>William</a:t>
-            </a:r>
-            <a:endParaRPr lang="en-US" dirty="0" smtClean="0"/>
+              <a:t>Christian William</a:t>
+            </a:r>
           </a:p>
           <a:p>
             <a:pPr algn="ctr"/>
@@ -9935,14 +9922,16 @@
         </p:nvSpPr>
         <p:spPr/>
         <p:txBody>
-          <a:bodyPr/>
+          <a:bodyPr>
+            <a:normAutofit/>
+          </a:bodyPr>
           <a:lstStyle/>
           <a:p>
             <a:r>
-              <a:rPr lang="en-US" dirty="0" smtClean="0"/>
+              <a:rPr lang="en-US" sz="6000" b="1" dirty="0" smtClean="0"/>
               <a:t>Problem</a:t>
             </a:r>
-            <a:endParaRPr lang="en-US" dirty="0"/>
+            <a:endParaRPr lang="en-US" sz="6000" b="1" dirty="0"/>
           </a:p>
         </p:txBody>
       </p:sp>
@@ -10014,12 +10003,12 @@
               <a:t>Limitations of the </a:t>
             </a:r>
             <a:r>
-              <a:rPr lang="en-US" dirty="0" err="1" smtClean="0"/>
-              <a:t>SecondLife</a:t>
-            </a:r>
-            <a:r>
               <a:rPr lang="en-US" dirty="0" smtClean="0"/>
-              <a:t> as a game engine driven environment</a:t>
+              <a:t>Second Life </a:t>
+            </a:r>
+            <a:r>
+              <a:rPr lang="en-US" dirty="0" smtClean="0"/>
+              <a:t>as a game engine driven environment</a:t>
             </a:r>
           </a:p>
           <a:p>
@@ -10032,8 +10021,8 @@
               <a:t>Games playing to the strengths of </a:t>
             </a:r>
             <a:r>
-              <a:rPr lang="en-US" dirty="0" err="1" smtClean="0"/>
-              <a:t>SecondLife</a:t>
+              <a:rPr lang="en-US" dirty="0" smtClean="0"/>
+              <a:t>Second Life</a:t>
             </a:r>
             <a:endParaRPr lang="en-US" dirty="0" smtClean="0"/>
           </a:p>
@@ -10048,7 +10037,7 @@
     </p:spTree>
     <p:extLst>
       <p:ext uri="{BB962C8B-B14F-4D97-AF65-F5344CB8AC3E}">
-        <p14:creationId xmlns:p14="http://schemas.microsoft.com/office/powerpoint/2010/main" val="3818610722"/>
+        <p14:creationId xmlns:p14="http://schemas.microsoft.com/office/powerpoint/2010/main" xmlns="" val="3818610722"/>
       </p:ext>
     </p:extLst>
   </p:cSld>
@@ -10091,7 +10080,7 @@
         <p:spPr>
           <a:xfrm>
             <a:off x="457200" y="762000"/>
-            <a:ext cx="4648200" cy="914400"/>
+            <a:ext cx="6096000" cy="914400"/>
           </a:xfrm>
         </p:spPr>
         <p:txBody>
@@ -10101,14 +10090,10 @@
           <a:lstStyle/>
           <a:p>
             <a:r>
-              <a:rPr lang="en-US" sz="5100" b="1" dirty="0" smtClean="0"/>
-              <a:t>Project </a:t>
-            </a:r>
-            <a:r>
-              <a:rPr lang="en-US" sz="5100" b="1" dirty="0" smtClean="0"/>
-              <a:t>Objective</a:t>
-            </a:r>
-            <a:endParaRPr lang="en-US" sz="5100" b="1" dirty="0"/>
+              <a:rPr lang="en-US" sz="6000" b="1" dirty="0" smtClean="0"/>
+              <a:t>Project Objective</a:t>
+            </a:r>
+            <a:endParaRPr lang="en-US" sz="6000" b="1" dirty="0"/>
           </a:p>
         </p:txBody>
       </p:sp>
@@ -10167,7 +10152,7 @@
           <a:blip r:embed="rId4" cstate="print">
             <a:extLst>
               <a:ext uri="{28A0092B-C50C-407E-A947-70E740481C1C}">
-                <a14:useLocalDpi xmlns:a14="http://schemas.microsoft.com/office/drawing/2010/main" val="0"/>
+                <a14:useLocalDpi xmlns:a14="http://schemas.microsoft.com/office/drawing/2010/main" xmlns="" val="0"/>
               </a:ext>
             </a:extLst>
           </a:blip>
@@ -10187,7 +10172,7 @@
           <a:noFill/>
           <a:extLst>
             <a:ext uri="{909E8E84-426E-40DD-AFC4-6F175D3DCCD1}">
-              <a14:hiddenFill xmlns:a14="http://schemas.microsoft.com/office/drawing/2010/main">
+              <a14:hiddenFill xmlns:a14="http://schemas.microsoft.com/office/drawing/2010/main" xmlns="">
                 <a:solidFill>
                   <a:srgbClr val="FFFFFF"/>
                 </a:solidFill>
@@ -10208,7 +10193,7 @@
           <a:blip r:embed="rId5" cstate="email">
             <a:extLst>
               <a:ext uri="{28A0092B-C50C-407E-A947-70E740481C1C}">
-                <a14:useLocalDpi xmlns:a14="http://schemas.microsoft.com/office/drawing/2010/main" val="0"/>
+                <a14:useLocalDpi xmlns:a14="http://schemas.microsoft.com/office/drawing/2010/main" xmlns="" val="0"/>
               </a:ext>
             </a:extLst>
           </a:blip>
@@ -10228,7 +10213,7 @@
           <a:noFill/>
           <a:extLst>
             <a:ext uri="{909E8E84-426E-40DD-AFC4-6F175D3DCCD1}">
-              <a14:hiddenFill xmlns:a14="http://schemas.microsoft.com/office/drawing/2010/main">
+              <a14:hiddenFill xmlns:a14="http://schemas.microsoft.com/office/drawing/2010/main" xmlns="">
                 <a:solidFill>
                   <a:srgbClr val="FFFFFF"/>
                 </a:solidFill>
@@ -10290,8 +10275,8 @@
         </p:nvSpPr>
         <p:spPr>
           <a:xfrm>
-            <a:off x="457200" y="381000"/>
-            <a:ext cx="8229600" cy="1143000"/>
+            <a:off x="685800" y="457200"/>
+            <a:ext cx="7696200" cy="1143000"/>
           </a:xfrm>
         </p:spPr>
         <p:txBody>
@@ -10301,10 +10286,10 @@
           <a:lstStyle/>
           <a:p>
             <a:r>
-              <a:rPr lang="en-US" b="1" dirty="0" smtClean="0"/>
+              <a:rPr lang="en-US" sz="6000" b="1" dirty="0" smtClean="0"/>
               <a:t>Approach</a:t>
             </a:r>
-            <a:endParaRPr lang="en-US" b="1" dirty="0"/>
+            <a:endParaRPr lang="en-US" sz="6000" b="1" dirty="0"/>
           </a:p>
         </p:txBody>
       </p:sp>
@@ -10321,7 +10306,7 @@
             </p:custDataLst>
             <p:extLst>
               <p:ext uri="{D42A27DB-BD31-4B8C-83A1-F6EECF244321}">
-                <p14:modId xmlns:p14="http://schemas.microsoft.com/office/powerpoint/2010/main" val="69745022"/>
+                <p14:modId xmlns:p14="http://schemas.microsoft.com/office/powerpoint/2010/main" xmlns="" val="69745022"/>
               </p:ext>
             </p:extLst>
           </p:nvPr>
@@ -10550,7 +10535,6 @@
           </a:bodyPr>
           <a:lstStyle/>
           <a:p>
-            <a:pPr algn="ctr"/>
             <a:r>
               <a:rPr lang="en-US" sz="6000" b="1" dirty="0" smtClean="0"/>
               <a:t>Current Status</a:t>
@@ -10606,8 +10590,8 @@
               <a:t>Communication between Kinect and </a:t>
             </a:r>
             <a:r>
-              <a:rPr lang="en-US" dirty="0" err="1" smtClean="0"/>
-              <a:t>SecondLife</a:t>
+              <a:rPr lang="en-US" dirty="0" smtClean="0"/>
+              <a:t>Second Life</a:t>
             </a:r>
             <a:endParaRPr lang="en-US" dirty="0"/>
           </a:p>
@@ -10619,15 +10603,11 @@
             </a:pPr>
             <a:r>
               <a:rPr lang="en-US" dirty="0" smtClean="0"/>
-              <a:t>Rudimentary gesture events </a:t>
+              <a:t>Rudimentary gesture events written with corresponding actions in </a:t>
             </a:r>
             <a:r>
               <a:rPr lang="en-US" dirty="0" smtClean="0"/>
-              <a:t>written with corresponding actions in </a:t>
-            </a:r>
-            <a:r>
-              <a:rPr lang="en-US" dirty="0" err="1" smtClean="0"/>
-              <a:t>SecondLife</a:t>
+              <a:t>Second Life</a:t>
             </a:r>
             <a:endParaRPr lang="en-US" dirty="0"/>
           </a:p>
@@ -10651,11 +10631,7 @@
             </a:pPr>
             <a:r>
               <a:rPr lang="en-US" dirty="0" smtClean="0"/>
-              <a:t>Need to develop the game </a:t>
-            </a:r>
-            <a:r>
-              <a:rPr lang="en-US" dirty="0" smtClean="0"/>
-              <a:t>engine</a:t>
+              <a:t>Need to develop the game engine</a:t>
             </a:r>
           </a:p>
           <a:p>
@@ -10741,7 +10717,6 @@
           </a:bodyPr>
           <a:lstStyle/>
           <a:p>
-            <a:pPr algn="ctr"/>
             <a:r>
               <a:rPr lang="en-US" sz="6000" b="1" dirty="0" smtClean="0"/>
               <a:t>Assignments</a:t>
@@ -10805,7 +10780,6 @@
               <a:rPr lang="en-US" dirty="0" smtClean="0"/>
               <a:t>. </a:t>
             </a:r>
-            <a:endParaRPr lang="en-US" dirty="0" smtClean="0"/>
           </a:p>
           <a:p>
             <a:pPr>
@@ -10896,7 +10870,7 @@
           <a:blip r:embed="rId5" cstate="print">
             <a:extLst>
               <a:ext uri="{28A0092B-C50C-407E-A947-70E740481C1C}">
-                <a14:useLocalDpi xmlns:a14="http://schemas.microsoft.com/office/drawing/2010/main" val="0"/>
+                <a14:useLocalDpi xmlns:a14="http://schemas.microsoft.com/office/drawing/2010/main" xmlns="" val="0"/>
               </a:ext>
             </a:extLst>
           </a:blip>
@@ -10916,7 +10890,7 @@
           <a:noFill/>
           <a:extLst>
             <a:ext uri="{909E8E84-426E-40DD-AFC4-6F175D3DCCD1}">
-              <a14:hiddenFill xmlns:a14="http://schemas.microsoft.com/office/drawing/2010/main">
+              <a14:hiddenFill xmlns:a14="http://schemas.microsoft.com/office/drawing/2010/main" xmlns="">
                 <a:solidFill>
                   <a:srgbClr val="FFFFFF"/>
                 </a:solidFill>
@@ -10997,7 +10971,7 @@
     </p:spTree>
     <p:extLst>
       <p:ext uri="{BB962C8B-B14F-4D97-AF65-F5344CB8AC3E}">
-        <p14:creationId xmlns:p14="http://schemas.microsoft.com/office/powerpoint/2010/main" val="1933149179"/>
+        <p14:creationId xmlns:p14="http://schemas.microsoft.com/office/powerpoint/2010/main" xmlns="" val="1933149179"/>
       </p:ext>
     </p:extLst>
   </p:cSld>

--- a/trunk/ kinect-virtual-world --username c.c.williams55@gmail.com/Report 1 Files/Angry Prims Preliminary Proposal.pptx
+++ b/trunk/ kinect-virtual-world --username c.c.williams55@gmail.com/Report 1 Files/Angry Prims Preliminary Proposal.pptx
@@ -115,7 +115,7 @@
   </p:defaultTextStyle>
   <p:extLst>
     <p:ext uri="{521415D9-36F7-43E2-AB2F-B90AF26B5E84}">
-      <p14:sectionLst xmlns:p14="http://schemas.microsoft.com/office/powerpoint/2010/main" xmlns="">
+      <p14:sectionLst xmlns:p14="http://schemas.microsoft.com/office/powerpoint/2010/main">
         <p14:section name="Default Section" id="{992832F5-EA01-48E5-B403-87E193F50680}">
           <p14:sldIdLst>
             <p14:sldId id="259"/>
@@ -1364,29 +1364,29 @@
     </dgm:pt>
   </dgm:ptLst>
   <dgm:cxnLst>
+    <dgm:cxn modelId="{5EBF790F-CC7C-4BBA-98A7-614FB5283795}" srcId="{D3864EA6-13E7-440F-948B-8118F5878A44}" destId="{6461E40C-FAF1-4C11-9CA4-01B7756558A8}" srcOrd="1" destOrd="0" parTransId="{5418FCE5-0AC2-479F-8F47-D35F7A60BD8D}" sibTransId="{3D67A8BA-4FB2-401F-A3C1-92132B645061}"/>
+    <dgm:cxn modelId="{F383A1C8-295E-4F6E-9C5D-67AA4DB4F7EB}" type="presOf" srcId="{ED3CCD02-8D75-4A08-AD85-C5F828B29313}" destId="{79A2186A-8429-4E95-A4D2-214813090081}" srcOrd="1" destOrd="0" presId="urn:microsoft.com/office/officeart/2005/8/layout/radial5"/>
     <dgm:cxn modelId="{54B2FED9-9F5A-482C-B7AD-CE780DBB4D7A}" type="presOf" srcId="{ED3CCD02-8D75-4A08-AD85-C5F828B29313}" destId="{E09D1B4B-09AE-4B1F-A409-CE344F8F9185}" srcOrd="0" destOrd="0" presId="urn:microsoft.com/office/officeart/2005/8/layout/radial5"/>
+    <dgm:cxn modelId="{7834DFDC-DD97-4D0F-B547-27AB53428B4B}" srcId="{19675BB5-4BE3-4E06-B2B3-AAA3D107C1A8}" destId="{D3864EA6-13E7-440F-948B-8118F5878A44}" srcOrd="0" destOrd="0" parTransId="{5F920266-1B6A-4D7D-8C8B-D20E2934BF67}" sibTransId="{F4FE127A-F33D-4F59-961D-A505D5A781EE}"/>
+    <dgm:cxn modelId="{33CA9426-6028-4F9E-ADDB-AA3042A81F7D}" type="presOf" srcId="{6461E40C-FAF1-4C11-9CA4-01B7756558A8}" destId="{8FE55D76-69B8-469D-BE4A-A0F9F69D5110}" srcOrd="0" destOrd="0" presId="urn:microsoft.com/office/officeart/2005/8/layout/radial5"/>
+    <dgm:cxn modelId="{29FA02FA-E640-4261-806B-AA21CEF811C3}" type="presOf" srcId="{E1D6882F-7F41-4B9B-8326-079D0B7775D3}" destId="{FB0FDE60-5A66-47CD-855C-10B0ABFAFF6D}" srcOrd="0" destOrd="0" presId="urn:microsoft.com/office/officeart/2005/8/layout/radial5"/>
+    <dgm:cxn modelId="{9D61B47E-7F41-4639-962A-9097B26F323C}" type="presOf" srcId="{5418FCE5-0AC2-479F-8F47-D35F7A60BD8D}" destId="{AF2E0478-D773-4966-9A95-8E70AD7139B7}" srcOrd="1" destOrd="0" presId="urn:microsoft.com/office/officeart/2005/8/layout/radial5"/>
+    <dgm:cxn modelId="{F20E6E35-2EF6-49E1-BCE2-AF737813AC7F}" srcId="{D3864EA6-13E7-440F-948B-8118F5878A44}" destId="{C2B16F5E-4FD9-4E6C-984C-5FB34252F788}" srcOrd="4" destOrd="0" parTransId="{8F21B166-5620-46A8-A5DD-72EAE361E61D}" sibTransId="{D972BA52-9B06-4D48-9819-200C1326EA4D}"/>
+    <dgm:cxn modelId="{7362BBE9-CE05-48ED-9B0F-19744BB7FA24}" type="presOf" srcId="{CFE62A0D-AFCB-42FF-A2F7-4127DE6E4A06}" destId="{5E3992B2-2FF9-4710-BC5D-D3CABAC0944B}" srcOrd="1" destOrd="0" presId="urn:microsoft.com/office/officeart/2005/8/layout/radial5"/>
+    <dgm:cxn modelId="{67029EA3-AC4E-48C5-87CF-57A4733799CA}" type="presOf" srcId="{E1D6882F-7F41-4B9B-8326-079D0B7775D3}" destId="{D9C29361-9907-4AA5-9D4C-465D8E4516DA}" srcOrd="1" destOrd="0" presId="urn:microsoft.com/office/officeart/2005/8/layout/radial5"/>
     <dgm:cxn modelId="{DF0DC324-3E24-4C19-A1FD-DD9570009774}" type="presOf" srcId="{9A038BAD-1DAA-4E08-AF5C-7A535C3A31A3}" destId="{492A8904-4F29-41B2-8DF6-9E5DB43B598E}" srcOrd="0" destOrd="0" presId="urn:microsoft.com/office/officeart/2005/8/layout/radial5"/>
-    <dgm:cxn modelId="{7362BBE9-CE05-48ED-9B0F-19744BB7FA24}" type="presOf" srcId="{CFE62A0D-AFCB-42FF-A2F7-4127DE6E4A06}" destId="{5E3992B2-2FF9-4710-BC5D-D3CABAC0944B}" srcOrd="1" destOrd="0" presId="urn:microsoft.com/office/officeart/2005/8/layout/radial5"/>
+    <dgm:cxn modelId="{459BE59C-8527-4040-AA6D-E00460E9E8BD}" type="presOf" srcId="{D3864EA6-13E7-440F-948B-8118F5878A44}" destId="{7ADCFBEC-172E-41BB-B545-FE2085E0B744}" srcOrd="0" destOrd="0" presId="urn:microsoft.com/office/officeart/2005/8/layout/radial5"/>
+    <dgm:cxn modelId="{26D1578F-8BE0-4DFF-B5B7-36D919C7DF48}" type="presOf" srcId="{19675BB5-4BE3-4E06-B2B3-AAA3D107C1A8}" destId="{EB09D521-9D02-4B4D-80CB-EB847731A63E}" srcOrd="0" destOrd="0" presId="urn:microsoft.com/office/officeart/2005/8/layout/radial5"/>
+    <dgm:cxn modelId="{41966F54-3C25-450E-8104-04B2B9165959}" srcId="{D3864EA6-13E7-440F-948B-8118F5878A44}" destId="{813DB034-1CFA-4CE1-8536-6BC256192226}" srcOrd="0" destOrd="0" parTransId="{ED3CCD02-8D75-4A08-AD85-C5F828B29313}" sibTransId="{F3516F2D-4619-4753-A81E-130803DFBFC7}"/>
+    <dgm:cxn modelId="{B78770BC-227B-404F-8185-2F70ECA32605}" srcId="{D3864EA6-13E7-440F-948B-8118F5878A44}" destId="{14E5A95F-9DC9-4E33-B709-14C57323ACAA}" srcOrd="2" destOrd="0" parTransId="{CFE62A0D-AFCB-42FF-A2F7-4127DE6E4A06}" sibTransId="{87455A86-154D-4572-BF6D-F5FEBED08194}"/>
+    <dgm:cxn modelId="{4D341991-5DB3-4739-89C1-0B6A24A114E8}" type="presOf" srcId="{5418FCE5-0AC2-479F-8F47-D35F7A60BD8D}" destId="{4873F644-A37B-4263-BDD3-7D4AECF93436}" srcOrd="0" destOrd="0" presId="urn:microsoft.com/office/officeart/2005/8/layout/radial5"/>
+    <dgm:cxn modelId="{7598B8A9-9332-4A2B-B5D9-CF010EBBDF46}" type="presOf" srcId="{8F21B166-5620-46A8-A5DD-72EAE361E61D}" destId="{8C992717-B056-4E89-850B-547F00D86B47}" srcOrd="1" destOrd="0" presId="urn:microsoft.com/office/officeart/2005/8/layout/radial5"/>
     <dgm:cxn modelId="{D455749F-4F4C-4295-A229-F1CAA9A84B33}" type="presOf" srcId="{C2B16F5E-4FD9-4E6C-984C-5FB34252F788}" destId="{A0AE6ABD-EFF8-41C2-907C-790C07DF522C}" srcOrd="0" destOrd="0" presId="urn:microsoft.com/office/officeart/2005/8/layout/radial5"/>
-    <dgm:cxn modelId="{26D1578F-8BE0-4DFF-B5B7-36D919C7DF48}" type="presOf" srcId="{19675BB5-4BE3-4E06-B2B3-AAA3D107C1A8}" destId="{EB09D521-9D02-4B4D-80CB-EB847731A63E}" srcOrd="0" destOrd="0" presId="urn:microsoft.com/office/officeart/2005/8/layout/radial5"/>
-    <dgm:cxn modelId="{29FA02FA-E640-4261-806B-AA21CEF811C3}" type="presOf" srcId="{E1D6882F-7F41-4B9B-8326-079D0B7775D3}" destId="{FB0FDE60-5A66-47CD-855C-10B0ABFAFF6D}" srcOrd="0" destOrd="0" presId="urn:microsoft.com/office/officeart/2005/8/layout/radial5"/>
+    <dgm:cxn modelId="{7EB75183-B20B-4EE8-AF71-83BA84E1BE0D}" type="presOf" srcId="{8F21B166-5620-46A8-A5DD-72EAE361E61D}" destId="{470BEB95-5498-4076-A7AD-52EA2D6058A0}" srcOrd="0" destOrd="0" presId="urn:microsoft.com/office/officeart/2005/8/layout/radial5"/>
+    <dgm:cxn modelId="{33010AF7-9670-4113-8A43-897FBCF42E9F}" type="presOf" srcId="{CFE62A0D-AFCB-42FF-A2F7-4127DE6E4A06}" destId="{8999D690-D432-4F1A-B2AE-D98A61E6F24A}" srcOrd="0" destOrd="0" presId="urn:microsoft.com/office/officeart/2005/8/layout/radial5"/>
     <dgm:cxn modelId="{F98C9256-0E52-4294-AA5B-17A525F41415}" type="presOf" srcId="{813DB034-1CFA-4CE1-8536-6BC256192226}" destId="{60779230-642B-46DB-B5CA-FC2220C38859}" srcOrd="0" destOrd="0" presId="urn:microsoft.com/office/officeart/2005/8/layout/radial5"/>
-    <dgm:cxn modelId="{41966F54-3C25-450E-8104-04B2B9165959}" srcId="{D3864EA6-13E7-440F-948B-8118F5878A44}" destId="{813DB034-1CFA-4CE1-8536-6BC256192226}" srcOrd="0" destOrd="0" parTransId="{ED3CCD02-8D75-4A08-AD85-C5F828B29313}" sibTransId="{F3516F2D-4619-4753-A81E-130803DFBFC7}"/>
-    <dgm:cxn modelId="{7598B8A9-9332-4A2B-B5D9-CF010EBBDF46}" type="presOf" srcId="{8F21B166-5620-46A8-A5DD-72EAE361E61D}" destId="{8C992717-B056-4E89-850B-547F00D86B47}" srcOrd="1" destOrd="0" presId="urn:microsoft.com/office/officeart/2005/8/layout/radial5"/>
+    <dgm:cxn modelId="{F67B8136-3A2B-408C-9570-C50B3786C6D1}" srcId="{D3864EA6-13E7-440F-948B-8118F5878A44}" destId="{9A038BAD-1DAA-4E08-AF5C-7A535C3A31A3}" srcOrd="3" destOrd="0" parTransId="{E1D6882F-7F41-4B9B-8326-079D0B7775D3}" sibTransId="{BF904E21-59DA-42DB-BE7C-359EAF11BFDB}"/>
     <dgm:cxn modelId="{D74F0E62-DE98-4010-8B2E-1EAAA9E56350}" type="presOf" srcId="{14E5A95F-9DC9-4E33-B709-14C57323ACAA}" destId="{0B5562C5-56E9-4F94-AD9A-09B6AA6E206F}" srcOrd="0" destOrd="0" presId="urn:microsoft.com/office/officeart/2005/8/layout/radial5"/>
-    <dgm:cxn modelId="{5EBF790F-CC7C-4BBA-98A7-614FB5283795}" srcId="{D3864EA6-13E7-440F-948B-8118F5878A44}" destId="{6461E40C-FAF1-4C11-9CA4-01B7756558A8}" srcOrd="1" destOrd="0" parTransId="{5418FCE5-0AC2-479F-8F47-D35F7A60BD8D}" sibTransId="{3D67A8BA-4FB2-401F-A3C1-92132B645061}"/>
-    <dgm:cxn modelId="{7834DFDC-DD97-4D0F-B547-27AB53428B4B}" srcId="{19675BB5-4BE3-4E06-B2B3-AAA3D107C1A8}" destId="{D3864EA6-13E7-440F-948B-8118F5878A44}" srcOrd="0" destOrd="0" parTransId="{5F920266-1B6A-4D7D-8C8B-D20E2934BF67}" sibTransId="{F4FE127A-F33D-4F59-961D-A505D5A781EE}"/>
-    <dgm:cxn modelId="{7EB75183-B20B-4EE8-AF71-83BA84E1BE0D}" type="presOf" srcId="{8F21B166-5620-46A8-A5DD-72EAE361E61D}" destId="{470BEB95-5498-4076-A7AD-52EA2D6058A0}" srcOrd="0" destOrd="0" presId="urn:microsoft.com/office/officeart/2005/8/layout/radial5"/>
-    <dgm:cxn modelId="{F383A1C8-295E-4F6E-9C5D-67AA4DB4F7EB}" type="presOf" srcId="{ED3CCD02-8D75-4A08-AD85-C5F828B29313}" destId="{79A2186A-8429-4E95-A4D2-214813090081}" srcOrd="1" destOrd="0" presId="urn:microsoft.com/office/officeart/2005/8/layout/radial5"/>
-    <dgm:cxn modelId="{4D341991-5DB3-4739-89C1-0B6A24A114E8}" type="presOf" srcId="{5418FCE5-0AC2-479F-8F47-D35F7A60BD8D}" destId="{4873F644-A37B-4263-BDD3-7D4AECF93436}" srcOrd="0" destOrd="0" presId="urn:microsoft.com/office/officeart/2005/8/layout/radial5"/>
-    <dgm:cxn modelId="{67029EA3-AC4E-48C5-87CF-57A4733799CA}" type="presOf" srcId="{E1D6882F-7F41-4B9B-8326-079D0B7775D3}" destId="{D9C29361-9907-4AA5-9D4C-465D8E4516DA}" srcOrd="1" destOrd="0" presId="urn:microsoft.com/office/officeart/2005/8/layout/radial5"/>
-    <dgm:cxn modelId="{B78770BC-227B-404F-8185-2F70ECA32605}" srcId="{D3864EA6-13E7-440F-948B-8118F5878A44}" destId="{14E5A95F-9DC9-4E33-B709-14C57323ACAA}" srcOrd="2" destOrd="0" parTransId="{CFE62A0D-AFCB-42FF-A2F7-4127DE6E4A06}" sibTransId="{87455A86-154D-4572-BF6D-F5FEBED08194}"/>
-    <dgm:cxn modelId="{33CA9426-6028-4F9E-ADDB-AA3042A81F7D}" type="presOf" srcId="{6461E40C-FAF1-4C11-9CA4-01B7756558A8}" destId="{8FE55D76-69B8-469D-BE4A-A0F9F69D5110}" srcOrd="0" destOrd="0" presId="urn:microsoft.com/office/officeart/2005/8/layout/radial5"/>
-    <dgm:cxn modelId="{459BE59C-8527-4040-AA6D-E00460E9E8BD}" type="presOf" srcId="{D3864EA6-13E7-440F-948B-8118F5878A44}" destId="{7ADCFBEC-172E-41BB-B545-FE2085E0B744}" srcOrd="0" destOrd="0" presId="urn:microsoft.com/office/officeart/2005/8/layout/radial5"/>
-    <dgm:cxn modelId="{F20E6E35-2EF6-49E1-BCE2-AF737813AC7F}" srcId="{D3864EA6-13E7-440F-948B-8118F5878A44}" destId="{C2B16F5E-4FD9-4E6C-984C-5FB34252F788}" srcOrd="4" destOrd="0" parTransId="{8F21B166-5620-46A8-A5DD-72EAE361E61D}" sibTransId="{D972BA52-9B06-4D48-9819-200C1326EA4D}"/>
-    <dgm:cxn modelId="{F67B8136-3A2B-408C-9570-C50B3786C6D1}" srcId="{D3864EA6-13E7-440F-948B-8118F5878A44}" destId="{9A038BAD-1DAA-4E08-AF5C-7A535C3A31A3}" srcOrd="3" destOrd="0" parTransId="{E1D6882F-7F41-4B9B-8326-079D0B7775D3}" sibTransId="{BF904E21-59DA-42DB-BE7C-359EAF11BFDB}"/>
-    <dgm:cxn modelId="{33010AF7-9670-4113-8A43-897FBCF42E9F}" type="presOf" srcId="{CFE62A0D-AFCB-42FF-A2F7-4127DE6E4A06}" destId="{8999D690-D432-4F1A-B2AE-D98A61E6F24A}" srcOrd="0" destOrd="0" presId="urn:microsoft.com/office/officeart/2005/8/layout/radial5"/>
-    <dgm:cxn modelId="{9D61B47E-7F41-4639-962A-9097B26F323C}" type="presOf" srcId="{5418FCE5-0AC2-479F-8F47-D35F7A60BD8D}" destId="{AF2E0478-D773-4966-9A95-8E70AD7139B7}" srcOrd="1" destOrd="0" presId="urn:microsoft.com/office/officeart/2005/8/layout/radial5"/>
     <dgm:cxn modelId="{7A2CDD09-A224-4181-B0A8-F745690C8BD3}" type="presParOf" srcId="{EB09D521-9D02-4B4D-80CB-EB847731A63E}" destId="{7ADCFBEC-172E-41BB-B545-FE2085E0B744}" srcOrd="0" destOrd="0" presId="urn:microsoft.com/office/officeart/2005/8/layout/radial5"/>
     <dgm:cxn modelId="{7BB1E9F2-577C-4EDD-9E82-599DABB04466}" type="presParOf" srcId="{EB09D521-9D02-4B4D-80CB-EB847731A63E}" destId="{E09D1B4B-09AE-4B1F-A409-CE344F8F9185}" srcOrd="1" destOrd="0" presId="urn:microsoft.com/office/officeart/2005/8/layout/radial5"/>
     <dgm:cxn modelId="{E09E266F-8E22-44BE-8978-A502F4303C38}" type="presParOf" srcId="{E09D1B4B-09AE-4B1F-A409-CE344F8F9185}" destId="{79A2186A-8429-4E95-A4D2-214813090081}" srcOrd="0" destOrd="0" presId="urn:microsoft.com/office/officeart/2005/8/layout/radial5"/>
@@ -1408,14 +1408,14 @@
   <dgm:whole/>
   <dgm:extLst>
     <a:ext uri="http://schemas.microsoft.com/office/drawing/2008/diagram">
-      <dsp:dataModelExt xmlns:dsp="http://schemas.microsoft.com/office/drawing/2008/diagram" xmlns="" relId="rId10" minVer="http://schemas.openxmlformats.org/drawingml/2006/diagram"/>
+      <dsp:dataModelExt xmlns:dsp="http://schemas.microsoft.com/office/drawing/2008/diagram" relId="rId10" minVer="http://schemas.openxmlformats.org/drawingml/2006/diagram"/>
     </a:ext>
   </dgm:extLst>
 </dgm:dataModel>
 </file>
 
 <file path=ppt/diagrams/drawing1.xml><?xml version="1.0" encoding="utf-8"?>
-<dsp:drawing xmlns:dgm="http://schemas.openxmlformats.org/drawingml/2006/diagram" xmlns:a="http://schemas.openxmlformats.org/drawingml/2006/main" xmlns:dsp="http://schemas.microsoft.com/office/drawing/2008/diagram">
+<dsp:drawing xmlns:dgm="http://schemas.openxmlformats.org/drawingml/2006/diagram" xmlns:dsp="http://schemas.microsoft.com/office/drawing/2008/diagram" xmlns:a="http://schemas.openxmlformats.org/drawingml/2006/main">
   <dsp:spTree>
     <dsp:nvGrpSpPr>
       <dsp:cNvPr id="0" name=""/>
@@ -1545,8 +1545,8 @@
         </a:p>
       </dsp:txBody>
       <dsp:txXfrm>
-        <a:off x="3337689" y="1658658"/>
-        <a:ext cx="1668520" cy="1668520"/>
+        <a:off x="3582038" y="1903007"/>
+        <a:ext cx="1179822" cy="1179822"/>
       </dsp:txXfrm>
     </dsp:sp>
     <dsp:sp modelId="{E09D1B4B-09AE-4B1F-A409-CE344F8F9185}">
@@ -1668,9 +1668,9 @@
           <a:endParaRPr lang="en-US" sz="1900" kern="1200"/>
         </a:p>
       </dsp:txBody>
-      <dsp:txXfrm rot="16179437">
-        <a:off x="4111457" y="1335520"/>
-        <a:ext cx="109803" cy="445347"/>
+      <dsp:txXfrm rot="10800000">
+        <a:off x="4128026" y="1441059"/>
+        <a:ext cx="76862" cy="267209"/>
       </dsp:txXfrm>
     </dsp:sp>
     <dsp:sp modelId="{60779230-642B-46DB-B5CA-FC2220C38859}">
@@ -1796,8 +1796,8 @@
         </a:p>
       </dsp:txBody>
       <dsp:txXfrm>
-        <a:off x="3390904" y="-88903"/>
-        <a:ext cx="1540417" cy="1540417"/>
+        <a:off x="3616493" y="136686"/>
+        <a:ext cx="1089239" cy="1089239"/>
       </dsp:txXfrm>
     </dsp:sp>
     <dsp:sp modelId="{4873F644-A37B-4263-BDD3-7D4AECF93436}">
@@ -1919,9 +1919,9 @@
           <a:endParaRPr lang="en-US" sz="1900" kern="1200"/>
         </a:p>
       </dsp:txBody>
-      <dsp:txXfrm rot="20508725">
-        <a:off x="5005956" y="1977808"/>
-        <a:ext cx="112156" cy="445347"/>
+      <dsp:txXfrm>
+        <a:off x="5006797" y="2072128"/>
+        <a:ext cx="78509" cy="267209"/>
       </dsp:txXfrm>
     </dsp:sp>
     <dsp:sp modelId="{8FE55D76-69B8-469D-BE4A-A0F9F69D5110}">
@@ -2051,8 +2051,8 @@
         </a:p>
       </dsp:txBody>
       <dsp:txXfrm>
-        <a:off x="5127090" y="1155847"/>
-        <a:ext cx="1540417" cy="1540417"/>
+        <a:off x="5352679" y="1381436"/>
+        <a:ext cx="1089239" cy="1089239"/>
       </dsp:txXfrm>
     </dsp:sp>
     <dsp:sp modelId="{8999D690-D432-4F1A-B2AE-D98A61E6F24A}">
@@ -2174,9 +2174,9 @@
           <a:endParaRPr lang="en-US" sz="1900" kern="1200"/>
         </a:p>
       </dsp:txBody>
-      <dsp:txXfrm rot="3240000">
-        <a:off x="4666931" y="3035391"/>
-        <a:ext cx="121859" cy="445347"/>
+      <dsp:txXfrm>
+        <a:off x="4674466" y="3109672"/>
+        <a:ext cx="85301" cy="267209"/>
       </dsp:txXfrm>
     </dsp:sp>
     <dsp:sp modelId="{0B5562C5-56E9-4F94-AD9A-09B6AA6E206F}">
@@ -2302,8 +2302,8 @@
         </a:p>
       </dsp:txBody>
       <dsp:txXfrm>
-        <a:off x="4479969" y="3206764"/>
-        <a:ext cx="1540417" cy="1540417"/>
+        <a:off x="4705558" y="3432353"/>
+        <a:ext cx="1089239" cy="1089239"/>
       </dsp:txXfrm>
     </dsp:sp>
     <dsp:sp modelId="{FB0FDE60-5A66-47CD-855C-10B0ABFAFF6D}">
@@ -2425,9 +2425,9 @@
           <a:endParaRPr lang="en-US" sz="1900" kern="1200"/>
         </a:p>
       </dsp:txBody>
-      <dsp:txXfrm rot="7560000">
-        <a:off x="3555109" y="3035391"/>
-        <a:ext cx="121859" cy="445347"/>
+      <dsp:txXfrm rot="10800000">
+        <a:off x="3584132" y="3109672"/>
+        <a:ext cx="85301" cy="267209"/>
       </dsp:txXfrm>
     </dsp:sp>
     <dsp:sp modelId="{492A8904-4F29-41B2-8DF6-9E5DB43B598E}">
@@ -2553,8 +2553,8 @@
         </a:p>
       </dsp:txBody>
       <dsp:txXfrm>
-        <a:off x="2323512" y="3206764"/>
-        <a:ext cx="1540417" cy="1540417"/>
+        <a:off x="2549101" y="3432353"/>
+        <a:ext cx="1089239" cy="1089239"/>
       </dsp:txXfrm>
     </dsp:sp>
     <dsp:sp modelId="{470BEB95-5498-4076-A7AD-52EA2D6058A0}">
@@ -2676,9 +2676,9 @@
           <a:endParaRPr lang="en-US" sz="1900" kern="1200"/>
         </a:p>
       </dsp:txBody>
-      <dsp:txXfrm rot="11880000">
-        <a:off x="3211536" y="1977985"/>
-        <a:ext cx="121859" cy="445347"/>
+      <dsp:txXfrm rot="10800000">
+        <a:off x="3247199" y="2072703"/>
+        <a:ext cx="85301" cy="267209"/>
       </dsp:txXfrm>
     </dsp:sp>
     <dsp:sp modelId="{A0AE6ABD-EFF8-41C2-907C-790C07DF522C}">
@@ -2821,8 +2821,8 @@
         </a:p>
       </dsp:txBody>
       <dsp:txXfrm>
-        <a:off x="1657130" y="1155851"/>
-        <a:ext cx="1540417" cy="1540417"/>
+        <a:off x="1882719" y="1381440"/>
+        <a:ext cx="1089239" cy="1089239"/>
       </dsp:txXfrm>
     </dsp:sp>
   </dsp:spTree>
@@ -4380,7 +4380,7 @@
     </p:spTree>
     <p:extLst>
       <p:ext uri="{BB962C8B-B14F-4D97-AF65-F5344CB8AC3E}">
-        <p14:creationId xmlns:p14="http://schemas.microsoft.com/office/powerpoint/2010/main" xmlns="" val="650118158"/>
+        <p14:creationId xmlns:p14="http://schemas.microsoft.com/office/powerpoint/2010/main" val="650118158"/>
       </p:ext>
     </p:extLst>
   </p:cSld>
@@ -5293,7 +5293,7 @@
           <a:blip r:embed="rId2" cstate="email">
             <a:extLst>
               <a:ext uri="{28A0092B-C50C-407E-A947-70E740481C1C}">
-                <a14:useLocalDpi xmlns:a14="http://schemas.microsoft.com/office/drawing/2010/main" xmlns=""/>
+                <a14:useLocalDpi xmlns:a14="http://schemas.microsoft.com/office/drawing/2010/main"/>
               </a:ext>
             </a:extLst>
           </a:blip>
@@ -5323,7 +5323,7 @@
           <a:blip r:embed="rId3" cstate="email">
             <a:extLst>
               <a:ext uri="{28A0092B-C50C-407E-A947-70E740481C1C}">
-                <a14:useLocalDpi xmlns:a14="http://schemas.microsoft.com/office/drawing/2010/main" xmlns=""/>
+                <a14:useLocalDpi xmlns:a14="http://schemas.microsoft.com/office/drawing/2010/main"/>
               </a:ext>
             </a:extLst>
           </a:blip>
@@ -5362,7 +5362,7 @@
           <a:blip r:embed="rId4" cstate="email">
             <a:extLst>
               <a:ext uri="{28A0092B-C50C-407E-A947-70E740481C1C}">
-                <a14:useLocalDpi xmlns:a14="http://schemas.microsoft.com/office/drawing/2010/main" xmlns=""/>
+                <a14:useLocalDpi xmlns:a14="http://schemas.microsoft.com/office/drawing/2010/main"/>
               </a:ext>
             </a:extLst>
           </a:blip>
@@ -5401,7 +5401,7 @@
           <a:blip r:embed="rId5" cstate="email">
             <a:extLst>
               <a:ext uri="{28A0092B-C50C-407E-A947-70E740481C1C}">
-                <a14:useLocalDpi xmlns:a14="http://schemas.microsoft.com/office/drawing/2010/main" xmlns=""/>
+                <a14:useLocalDpi xmlns:a14="http://schemas.microsoft.com/office/drawing/2010/main"/>
               </a:ext>
             </a:extLst>
           </a:blip>
@@ -6664,7 +6664,7 @@
           <a:blip r:embed="rId3" cstate="email">
             <a:extLst>
               <a:ext uri="{28A0092B-C50C-407E-A947-70E740481C1C}">
-                <a14:useLocalDpi xmlns:a14="http://schemas.microsoft.com/office/drawing/2010/main" xmlns=""/>
+                <a14:useLocalDpi xmlns:a14="http://schemas.microsoft.com/office/drawing/2010/main"/>
               </a:ext>
             </a:extLst>
           </a:blip>
@@ -10000,15 +10000,7 @@
             </a:pPr>
             <a:r>
               <a:rPr lang="en-US" dirty="0" smtClean="0"/>
-              <a:t>Limitations of the </a:t>
-            </a:r>
-            <a:r>
-              <a:rPr lang="en-US" dirty="0" smtClean="0"/>
-              <a:t>Second Life </a:t>
-            </a:r>
-            <a:r>
-              <a:rPr lang="en-US" dirty="0" smtClean="0"/>
-              <a:t>as a game engine driven environment</a:t>
+              <a:t>Limitations of the Second Life as a game engine driven environment</a:t>
             </a:r>
           </a:p>
           <a:p>
@@ -10018,13 +10010,8 @@
             </a:pPr>
             <a:r>
               <a:rPr lang="en-US" dirty="0" smtClean="0"/>
-              <a:t>Games playing to the strengths of </a:t>
-            </a:r>
-            <a:r>
-              <a:rPr lang="en-US" dirty="0" smtClean="0"/>
-              <a:t>Second Life</a:t>
-            </a:r>
-            <a:endParaRPr lang="en-US" dirty="0" smtClean="0"/>
+              <a:t>Games playing to the strengths of Second Life</a:t>
+            </a:r>
           </a:p>
           <a:p>
             <a:pPr marL="0" indent="0">
@@ -10037,7 +10024,7 @@
     </p:spTree>
     <p:extLst>
       <p:ext uri="{BB962C8B-B14F-4D97-AF65-F5344CB8AC3E}">
-        <p14:creationId xmlns:p14="http://schemas.microsoft.com/office/powerpoint/2010/main" xmlns="" val="3818610722"/>
+        <p14:creationId xmlns:p14="http://schemas.microsoft.com/office/powerpoint/2010/main" val="3818610722"/>
       </p:ext>
     </p:extLst>
   </p:cSld>
@@ -10047,6 +10034,13 @@
   <p:transition spd="slow">
     <p:fade/>
   </p:transition>
+  <p:timing>
+    <p:tnLst>
+      <p:par>
+        <p:cTn id="1" dur="indefinite" restart="never" nodeType="tmRoot"/>
+      </p:par>
+    </p:tnLst>
+  </p:timing>
 </p:sld>
 </file>
 
@@ -10152,7 +10146,7 @@
           <a:blip r:embed="rId4" cstate="print">
             <a:extLst>
               <a:ext uri="{28A0092B-C50C-407E-A947-70E740481C1C}">
-                <a14:useLocalDpi xmlns:a14="http://schemas.microsoft.com/office/drawing/2010/main" xmlns="" val="0"/>
+                <a14:useLocalDpi xmlns:a14="http://schemas.microsoft.com/office/drawing/2010/main" val="0"/>
               </a:ext>
             </a:extLst>
           </a:blip>
@@ -10172,7 +10166,7 @@
           <a:noFill/>
           <a:extLst>
             <a:ext uri="{909E8E84-426E-40DD-AFC4-6F175D3DCCD1}">
-              <a14:hiddenFill xmlns:a14="http://schemas.microsoft.com/office/drawing/2010/main" xmlns="">
+              <a14:hiddenFill xmlns:a14="http://schemas.microsoft.com/office/drawing/2010/main">
                 <a:solidFill>
                   <a:srgbClr val="FFFFFF"/>
                 </a:solidFill>
@@ -10193,7 +10187,7 @@
           <a:blip r:embed="rId5" cstate="email">
             <a:extLst>
               <a:ext uri="{28A0092B-C50C-407E-A947-70E740481C1C}">
-                <a14:useLocalDpi xmlns:a14="http://schemas.microsoft.com/office/drawing/2010/main" xmlns="" val="0"/>
+                <a14:useLocalDpi xmlns:a14="http://schemas.microsoft.com/office/drawing/2010/main" val="0"/>
               </a:ext>
             </a:extLst>
           </a:blip>
@@ -10213,7 +10207,7 @@
           <a:noFill/>
           <a:extLst>
             <a:ext uri="{909E8E84-426E-40DD-AFC4-6F175D3DCCD1}">
-              <a14:hiddenFill xmlns:a14="http://schemas.microsoft.com/office/drawing/2010/main" xmlns="">
+              <a14:hiddenFill xmlns:a14="http://schemas.microsoft.com/office/drawing/2010/main">
                 <a:solidFill>
                   <a:srgbClr val="FFFFFF"/>
                 </a:solidFill>
@@ -10306,7 +10300,7 @@
             </p:custDataLst>
             <p:extLst>
               <p:ext uri="{D42A27DB-BD31-4B8C-83A1-F6EECF244321}">
-                <p14:modId xmlns:p14="http://schemas.microsoft.com/office/powerpoint/2010/main" xmlns="" val="69745022"/>
+                <p14:modId xmlns:p14="http://schemas.microsoft.com/office/powerpoint/2010/main" val="69745022"/>
               </p:ext>
             </p:extLst>
           </p:nvPr>
@@ -10587,11 +10581,7 @@
             </a:pPr>
             <a:r>
               <a:rPr lang="en-US" dirty="0" smtClean="0"/>
-              <a:t>Communication between Kinect and </a:t>
-            </a:r>
-            <a:r>
-              <a:rPr lang="en-US" dirty="0" smtClean="0"/>
-              <a:t>Second Life</a:t>
+              <a:t>Communication between Kinect and Second Life</a:t>
             </a:r>
             <a:endParaRPr lang="en-US" dirty="0"/>
           </a:p>
@@ -10603,11 +10593,7 @@
             </a:pPr>
             <a:r>
               <a:rPr lang="en-US" dirty="0" smtClean="0"/>
-              <a:t>Rudimentary gesture events written with corresponding actions in </a:t>
-            </a:r>
-            <a:r>
-              <a:rPr lang="en-US" dirty="0" smtClean="0"/>
-              <a:t>Second Life</a:t>
+              <a:t>Rudimentary gesture events written with corresponding actions in Second Life</a:t>
             </a:r>
             <a:endParaRPr lang="en-US" dirty="0"/>
           </a:p>
@@ -10870,7 +10856,7 @@
           <a:blip r:embed="rId5" cstate="print">
             <a:extLst>
               <a:ext uri="{28A0092B-C50C-407E-A947-70E740481C1C}">
-                <a14:useLocalDpi xmlns:a14="http://schemas.microsoft.com/office/drawing/2010/main" xmlns="" val="0"/>
+                <a14:useLocalDpi xmlns:a14="http://schemas.microsoft.com/office/drawing/2010/main" val="0"/>
               </a:ext>
             </a:extLst>
           </a:blip>
@@ -10890,7 +10876,7 @@
           <a:noFill/>
           <a:extLst>
             <a:ext uri="{909E8E84-426E-40DD-AFC4-6F175D3DCCD1}">
-              <a14:hiddenFill xmlns:a14="http://schemas.microsoft.com/office/drawing/2010/main" xmlns="">
+              <a14:hiddenFill xmlns:a14="http://schemas.microsoft.com/office/drawing/2010/main">
                 <a:solidFill>
                   <a:srgbClr val="FFFFFF"/>
                 </a:solidFill>
@@ -10971,7 +10957,7 @@
     </p:spTree>
     <p:extLst>
       <p:ext uri="{BB962C8B-B14F-4D97-AF65-F5344CB8AC3E}">
-        <p14:creationId xmlns:p14="http://schemas.microsoft.com/office/powerpoint/2010/main" xmlns="" val="1933149179"/>
+        <p14:creationId xmlns:p14="http://schemas.microsoft.com/office/powerpoint/2010/main" val="1933149179"/>
       </p:ext>
     </p:extLst>
   </p:cSld>

--- a/trunk/ kinect-virtual-world --username c.c.williams55@gmail.com/Report 1 Files/Angry Prims Preliminary Proposal.pptx
+++ b/trunk/ kinect-virtual-world --username c.c.williams55@gmail.com/Report 1 Files/Angry Prims Preliminary Proposal.pptx
@@ -5,16 +5,19 @@
     <p:sldMasterId id="2147483948" r:id="rId1"/>
   </p:sldMasterIdLst>
   <p:notesMasterIdLst>
-    <p:notesMasterId r:id="rId9"/>
+    <p:notesMasterId r:id="rId12"/>
   </p:notesMasterIdLst>
   <p:sldIdLst>
     <p:sldId id="259" r:id="rId2"/>
     <p:sldId id="270" r:id="rId3"/>
     <p:sldId id="261" r:id="rId4"/>
     <p:sldId id="268" r:id="rId5"/>
-    <p:sldId id="262" r:id="rId6"/>
-    <p:sldId id="267" r:id="rId7"/>
-    <p:sldId id="269" r:id="rId8"/>
+    <p:sldId id="267" r:id="rId6"/>
+    <p:sldId id="271" r:id="rId7"/>
+    <p:sldId id="272" r:id="rId8"/>
+    <p:sldId id="274" r:id="rId9"/>
+    <p:sldId id="273" r:id="rId10"/>
+    <p:sldId id="269" r:id="rId11"/>
   </p:sldIdLst>
   <p:sldSz cx="9144000" cy="6858000" type="screen4x3"/>
   <p:notesSz cx="6858000" cy="9144000"/>
@@ -115,7 +118,7 @@
   </p:defaultTextStyle>
   <p:extLst>
     <p:ext uri="{521415D9-36F7-43E2-AB2F-B90AF26B5E84}">
-      <p14:sectionLst xmlns:p14="http://schemas.microsoft.com/office/powerpoint/2010/main">
+      <p14:sectionLst xmlns:p14="http://schemas.microsoft.com/office/powerpoint/2010/main" xmlns="">
         <p14:section name="Default Section" id="{992832F5-EA01-48E5-B403-87E193F50680}">
           <p14:sldIdLst>
             <p14:sldId id="259"/>
@@ -1364,29 +1367,29 @@
     </dgm:pt>
   </dgm:ptLst>
   <dgm:cxnLst>
+    <dgm:cxn modelId="{54B2FED9-9F5A-482C-B7AD-CE780DBB4D7A}" type="presOf" srcId="{ED3CCD02-8D75-4A08-AD85-C5F828B29313}" destId="{E09D1B4B-09AE-4B1F-A409-CE344F8F9185}" srcOrd="0" destOrd="0" presId="urn:microsoft.com/office/officeart/2005/8/layout/radial5"/>
+    <dgm:cxn modelId="{DF0DC324-3E24-4C19-A1FD-DD9570009774}" type="presOf" srcId="{9A038BAD-1DAA-4E08-AF5C-7A535C3A31A3}" destId="{492A8904-4F29-41B2-8DF6-9E5DB43B598E}" srcOrd="0" destOrd="0" presId="urn:microsoft.com/office/officeart/2005/8/layout/radial5"/>
+    <dgm:cxn modelId="{7362BBE9-CE05-48ED-9B0F-19744BB7FA24}" type="presOf" srcId="{CFE62A0D-AFCB-42FF-A2F7-4127DE6E4A06}" destId="{5E3992B2-2FF9-4710-BC5D-D3CABAC0944B}" srcOrd="1" destOrd="0" presId="urn:microsoft.com/office/officeart/2005/8/layout/radial5"/>
+    <dgm:cxn modelId="{D455749F-4F4C-4295-A229-F1CAA9A84B33}" type="presOf" srcId="{C2B16F5E-4FD9-4E6C-984C-5FB34252F788}" destId="{A0AE6ABD-EFF8-41C2-907C-790C07DF522C}" srcOrd="0" destOrd="0" presId="urn:microsoft.com/office/officeart/2005/8/layout/radial5"/>
+    <dgm:cxn modelId="{26D1578F-8BE0-4DFF-B5B7-36D919C7DF48}" type="presOf" srcId="{19675BB5-4BE3-4E06-B2B3-AAA3D107C1A8}" destId="{EB09D521-9D02-4B4D-80CB-EB847731A63E}" srcOrd="0" destOrd="0" presId="urn:microsoft.com/office/officeart/2005/8/layout/radial5"/>
+    <dgm:cxn modelId="{29FA02FA-E640-4261-806B-AA21CEF811C3}" type="presOf" srcId="{E1D6882F-7F41-4B9B-8326-079D0B7775D3}" destId="{FB0FDE60-5A66-47CD-855C-10B0ABFAFF6D}" srcOrd="0" destOrd="0" presId="urn:microsoft.com/office/officeart/2005/8/layout/radial5"/>
+    <dgm:cxn modelId="{F98C9256-0E52-4294-AA5B-17A525F41415}" type="presOf" srcId="{813DB034-1CFA-4CE1-8536-6BC256192226}" destId="{60779230-642B-46DB-B5CA-FC2220C38859}" srcOrd="0" destOrd="0" presId="urn:microsoft.com/office/officeart/2005/8/layout/radial5"/>
+    <dgm:cxn modelId="{41966F54-3C25-450E-8104-04B2B9165959}" srcId="{D3864EA6-13E7-440F-948B-8118F5878A44}" destId="{813DB034-1CFA-4CE1-8536-6BC256192226}" srcOrd="0" destOrd="0" parTransId="{ED3CCD02-8D75-4A08-AD85-C5F828B29313}" sibTransId="{F3516F2D-4619-4753-A81E-130803DFBFC7}"/>
+    <dgm:cxn modelId="{7598B8A9-9332-4A2B-B5D9-CF010EBBDF46}" type="presOf" srcId="{8F21B166-5620-46A8-A5DD-72EAE361E61D}" destId="{8C992717-B056-4E89-850B-547F00D86B47}" srcOrd="1" destOrd="0" presId="urn:microsoft.com/office/officeart/2005/8/layout/radial5"/>
+    <dgm:cxn modelId="{D74F0E62-DE98-4010-8B2E-1EAAA9E56350}" type="presOf" srcId="{14E5A95F-9DC9-4E33-B709-14C57323ACAA}" destId="{0B5562C5-56E9-4F94-AD9A-09B6AA6E206F}" srcOrd="0" destOrd="0" presId="urn:microsoft.com/office/officeart/2005/8/layout/radial5"/>
     <dgm:cxn modelId="{5EBF790F-CC7C-4BBA-98A7-614FB5283795}" srcId="{D3864EA6-13E7-440F-948B-8118F5878A44}" destId="{6461E40C-FAF1-4C11-9CA4-01B7756558A8}" srcOrd="1" destOrd="0" parTransId="{5418FCE5-0AC2-479F-8F47-D35F7A60BD8D}" sibTransId="{3D67A8BA-4FB2-401F-A3C1-92132B645061}"/>
+    <dgm:cxn modelId="{7834DFDC-DD97-4D0F-B547-27AB53428B4B}" srcId="{19675BB5-4BE3-4E06-B2B3-AAA3D107C1A8}" destId="{D3864EA6-13E7-440F-948B-8118F5878A44}" srcOrd="0" destOrd="0" parTransId="{5F920266-1B6A-4D7D-8C8B-D20E2934BF67}" sibTransId="{F4FE127A-F33D-4F59-961D-A505D5A781EE}"/>
+    <dgm:cxn modelId="{7EB75183-B20B-4EE8-AF71-83BA84E1BE0D}" type="presOf" srcId="{8F21B166-5620-46A8-A5DD-72EAE361E61D}" destId="{470BEB95-5498-4076-A7AD-52EA2D6058A0}" srcOrd="0" destOrd="0" presId="urn:microsoft.com/office/officeart/2005/8/layout/radial5"/>
     <dgm:cxn modelId="{F383A1C8-295E-4F6E-9C5D-67AA4DB4F7EB}" type="presOf" srcId="{ED3CCD02-8D75-4A08-AD85-C5F828B29313}" destId="{79A2186A-8429-4E95-A4D2-214813090081}" srcOrd="1" destOrd="0" presId="urn:microsoft.com/office/officeart/2005/8/layout/radial5"/>
-    <dgm:cxn modelId="{54B2FED9-9F5A-482C-B7AD-CE780DBB4D7A}" type="presOf" srcId="{ED3CCD02-8D75-4A08-AD85-C5F828B29313}" destId="{E09D1B4B-09AE-4B1F-A409-CE344F8F9185}" srcOrd="0" destOrd="0" presId="urn:microsoft.com/office/officeart/2005/8/layout/radial5"/>
-    <dgm:cxn modelId="{7834DFDC-DD97-4D0F-B547-27AB53428B4B}" srcId="{19675BB5-4BE3-4E06-B2B3-AAA3D107C1A8}" destId="{D3864EA6-13E7-440F-948B-8118F5878A44}" srcOrd="0" destOrd="0" parTransId="{5F920266-1B6A-4D7D-8C8B-D20E2934BF67}" sibTransId="{F4FE127A-F33D-4F59-961D-A505D5A781EE}"/>
+    <dgm:cxn modelId="{4D341991-5DB3-4739-89C1-0B6A24A114E8}" type="presOf" srcId="{5418FCE5-0AC2-479F-8F47-D35F7A60BD8D}" destId="{4873F644-A37B-4263-BDD3-7D4AECF93436}" srcOrd="0" destOrd="0" presId="urn:microsoft.com/office/officeart/2005/8/layout/radial5"/>
+    <dgm:cxn modelId="{67029EA3-AC4E-48C5-87CF-57A4733799CA}" type="presOf" srcId="{E1D6882F-7F41-4B9B-8326-079D0B7775D3}" destId="{D9C29361-9907-4AA5-9D4C-465D8E4516DA}" srcOrd="1" destOrd="0" presId="urn:microsoft.com/office/officeart/2005/8/layout/radial5"/>
+    <dgm:cxn modelId="{B78770BC-227B-404F-8185-2F70ECA32605}" srcId="{D3864EA6-13E7-440F-948B-8118F5878A44}" destId="{14E5A95F-9DC9-4E33-B709-14C57323ACAA}" srcOrd="2" destOrd="0" parTransId="{CFE62A0D-AFCB-42FF-A2F7-4127DE6E4A06}" sibTransId="{87455A86-154D-4572-BF6D-F5FEBED08194}"/>
     <dgm:cxn modelId="{33CA9426-6028-4F9E-ADDB-AA3042A81F7D}" type="presOf" srcId="{6461E40C-FAF1-4C11-9CA4-01B7756558A8}" destId="{8FE55D76-69B8-469D-BE4A-A0F9F69D5110}" srcOrd="0" destOrd="0" presId="urn:microsoft.com/office/officeart/2005/8/layout/radial5"/>
-    <dgm:cxn modelId="{29FA02FA-E640-4261-806B-AA21CEF811C3}" type="presOf" srcId="{E1D6882F-7F41-4B9B-8326-079D0B7775D3}" destId="{FB0FDE60-5A66-47CD-855C-10B0ABFAFF6D}" srcOrd="0" destOrd="0" presId="urn:microsoft.com/office/officeart/2005/8/layout/radial5"/>
+    <dgm:cxn modelId="{459BE59C-8527-4040-AA6D-E00460E9E8BD}" type="presOf" srcId="{D3864EA6-13E7-440F-948B-8118F5878A44}" destId="{7ADCFBEC-172E-41BB-B545-FE2085E0B744}" srcOrd="0" destOrd="0" presId="urn:microsoft.com/office/officeart/2005/8/layout/radial5"/>
+    <dgm:cxn modelId="{F20E6E35-2EF6-49E1-BCE2-AF737813AC7F}" srcId="{D3864EA6-13E7-440F-948B-8118F5878A44}" destId="{C2B16F5E-4FD9-4E6C-984C-5FB34252F788}" srcOrd="4" destOrd="0" parTransId="{8F21B166-5620-46A8-A5DD-72EAE361E61D}" sibTransId="{D972BA52-9B06-4D48-9819-200C1326EA4D}"/>
+    <dgm:cxn modelId="{F67B8136-3A2B-408C-9570-C50B3786C6D1}" srcId="{D3864EA6-13E7-440F-948B-8118F5878A44}" destId="{9A038BAD-1DAA-4E08-AF5C-7A535C3A31A3}" srcOrd="3" destOrd="0" parTransId="{E1D6882F-7F41-4B9B-8326-079D0B7775D3}" sibTransId="{BF904E21-59DA-42DB-BE7C-359EAF11BFDB}"/>
+    <dgm:cxn modelId="{33010AF7-9670-4113-8A43-897FBCF42E9F}" type="presOf" srcId="{CFE62A0D-AFCB-42FF-A2F7-4127DE6E4A06}" destId="{8999D690-D432-4F1A-B2AE-D98A61E6F24A}" srcOrd="0" destOrd="0" presId="urn:microsoft.com/office/officeart/2005/8/layout/radial5"/>
     <dgm:cxn modelId="{9D61B47E-7F41-4639-962A-9097B26F323C}" type="presOf" srcId="{5418FCE5-0AC2-479F-8F47-D35F7A60BD8D}" destId="{AF2E0478-D773-4966-9A95-8E70AD7139B7}" srcOrd="1" destOrd="0" presId="urn:microsoft.com/office/officeart/2005/8/layout/radial5"/>
-    <dgm:cxn modelId="{F20E6E35-2EF6-49E1-BCE2-AF737813AC7F}" srcId="{D3864EA6-13E7-440F-948B-8118F5878A44}" destId="{C2B16F5E-4FD9-4E6C-984C-5FB34252F788}" srcOrd="4" destOrd="0" parTransId="{8F21B166-5620-46A8-A5DD-72EAE361E61D}" sibTransId="{D972BA52-9B06-4D48-9819-200C1326EA4D}"/>
-    <dgm:cxn modelId="{7362BBE9-CE05-48ED-9B0F-19744BB7FA24}" type="presOf" srcId="{CFE62A0D-AFCB-42FF-A2F7-4127DE6E4A06}" destId="{5E3992B2-2FF9-4710-BC5D-D3CABAC0944B}" srcOrd="1" destOrd="0" presId="urn:microsoft.com/office/officeart/2005/8/layout/radial5"/>
-    <dgm:cxn modelId="{67029EA3-AC4E-48C5-87CF-57A4733799CA}" type="presOf" srcId="{E1D6882F-7F41-4B9B-8326-079D0B7775D3}" destId="{D9C29361-9907-4AA5-9D4C-465D8E4516DA}" srcOrd="1" destOrd="0" presId="urn:microsoft.com/office/officeart/2005/8/layout/radial5"/>
-    <dgm:cxn modelId="{DF0DC324-3E24-4C19-A1FD-DD9570009774}" type="presOf" srcId="{9A038BAD-1DAA-4E08-AF5C-7A535C3A31A3}" destId="{492A8904-4F29-41B2-8DF6-9E5DB43B598E}" srcOrd="0" destOrd="0" presId="urn:microsoft.com/office/officeart/2005/8/layout/radial5"/>
-    <dgm:cxn modelId="{459BE59C-8527-4040-AA6D-E00460E9E8BD}" type="presOf" srcId="{D3864EA6-13E7-440F-948B-8118F5878A44}" destId="{7ADCFBEC-172E-41BB-B545-FE2085E0B744}" srcOrd="0" destOrd="0" presId="urn:microsoft.com/office/officeart/2005/8/layout/radial5"/>
-    <dgm:cxn modelId="{26D1578F-8BE0-4DFF-B5B7-36D919C7DF48}" type="presOf" srcId="{19675BB5-4BE3-4E06-B2B3-AAA3D107C1A8}" destId="{EB09D521-9D02-4B4D-80CB-EB847731A63E}" srcOrd="0" destOrd="0" presId="urn:microsoft.com/office/officeart/2005/8/layout/radial5"/>
-    <dgm:cxn modelId="{41966F54-3C25-450E-8104-04B2B9165959}" srcId="{D3864EA6-13E7-440F-948B-8118F5878A44}" destId="{813DB034-1CFA-4CE1-8536-6BC256192226}" srcOrd="0" destOrd="0" parTransId="{ED3CCD02-8D75-4A08-AD85-C5F828B29313}" sibTransId="{F3516F2D-4619-4753-A81E-130803DFBFC7}"/>
-    <dgm:cxn modelId="{B78770BC-227B-404F-8185-2F70ECA32605}" srcId="{D3864EA6-13E7-440F-948B-8118F5878A44}" destId="{14E5A95F-9DC9-4E33-B709-14C57323ACAA}" srcOrd="2" destOrd="0" parTransId="{CFE62A0D-AFCB-42FF-A2F7-4127DE6E4A06}" sibTransId="{87455A86-154D-4572-BF6D-F5FEBED08194}"/>
-    <dgm:cxn modelId="{4D341991-5DB3-4739-89C1-0B6A24A114E8}" type="presOf" srcId="{5418FCE5-0AC2-479F-8F47-D35F7A60BD8D}" destId="{4873F644-A37B-4263-BDD3-7D4AECF93436}" srcOrd="0" destOrd="0" presId="urn:microsoft.com/office/officeart/2005/8/layout/radial5"/>
-    <dgm:cxn modelId="{7598B8A9-9332-4A2B-B5D9-CF010EBBDF46}" type="presOf" srcId="{8F21B166-5620-46A8-A5DD-72EAE361E61D}" destId="{8C992717-B056-4E89-850B-547F00D86B47}" srcOrd="1" destOrd="0" presId="urn:microsoft.com/office/officeart/2005/8/layout/radial5"/>
-    <dgm:cxn modelId="{D455749F-4F4C-4295-A229-F1CAA9A84B33}" type="presOf" srcId="{C2B16F5E-4FD9-4E6C-984C-5FB34252F788}" destId="{A0AE6ABD-EFF8-41C2-907C-790C07DF522C}" srcOrd="0" destOrd="0" presId="urn:microsoft.com/office/officeart/2005/8/layout/radial5"/>
-    <dgm:cxn modelId="{7EB75183-B20B-4EE8-AF71-83BA84E1BE0D}" type="presOf" srcId="{8F21B166-5620-46A8-A5DD-72EAE361E61D}" destId="{470BEB95-5498-4076-A7AD-52EA2D6058A0}" srcOrd="0" destOrd="0" presId="urn:microsoft.com/office/officeart/2005/8/layout/radial5"/>
-    <dgm:cxn modelId="{33010AF7-9670-4113-8A43-897FBCF42E9F}" type="presOf" srcId="{CFE62A0D-AFCB-42FF-A2F7-4127DE6E4A06}" destId="{8999D690-D432-4F1A-B2AE-D98A61E6F24A}" srcOrd="0" destOrd="0" presId="urn:microsoft.com/office/officeart/2005/8/layout/radial5"/>
-    <dgm:cxn modelId="{F98C9256-0E52-4294-AA5B-17A525F41415}" type="presOf" srcId="{813DB034-1CFA-4CE1-8536-6BC256192226}" destId="{60779230-642B-46DB-B5CA-FC2220C38859}" srcOrd="0" destOrd="0" presId="urn:microsoft.com/office/officeart/2005/8/layout/radial5"/>
-    <dgm:cxn modelId="{F67B8136-3A2B-408C-9570-C50B3786C6D1}" srcId="{D3864EA6-13E7-440F-948B-8118F5878A44}" destId="{9A038BAD-1DAA-4E08-AF5C-7A535C3A31A3}" srcOrd="3" destOrd="0" parTransId="{E1D6882F-7F41-4B9B-8326-079D0B7775D3}" sibTransId="{BF904E21-59DA-42DB-BE7C-359EAF11BFDB}"/>
-    <dgm:cxn modelId="{D74F0E62-DE98-4010-8B2E-1EAAA9E56350}" type="presOf" srcId="{14E5A95F-9DC9-4E33-B709-14C57323ACAA}" destId="{0B5562C5-56E9-4F94-AD9A-09B6AA6E206F}" srcOrd="0" destOrd="0" presId="urn:microsoft.com/office/officeart/2005/8/layout/radial5"/>
     <dgm:cxn modelId="{7A2CDD09-A224-4181-B0A8-F745690C8BD3}" type="presParOf" srcId="{EB09D521-9D02-4B4D-80CB-EB847731A63E}" destId="{7ADCFBEC-172E-41BB-B545-FE2085E0B744}" srcOrd="0" destOrd="0" presId="urn:microsoft.com/office/officeart/2005/8/layout/radial5"/>
     <dgm:cxn modelId="{7BB1E9F2-577C-4EDD-9E82-599DABB04466}" type="presParOf" srcId="{EB09D521-9D02-4B4D-80CB-EB847731A63E}" destId="{E09D1B4B-09AE-4B1F-A409-CE344F8F9185}" srcOrd="1" destOrd="0" presId="urn:microsoft.com/office/officeart/2005/8/layout/radial5"/>
     <dgm:cxn modelId="{E09E266F-8E22-44BE-8978-A502F4303C38}" type="presParOf" srcId="{E09D1B4B-09AE-4B1F-A409-CE344F8F9185}" destId="{79A2186A-8429-4E95-A4D2-214813090081}" srcOrd="0" destOrd="0" presId="urn:microsoft.com/office/officeart/2005/8/layout/radial5"/>
@@ -1408,14 +1411,14 @@
   <dgm:whole/>
   <dgm:extLst>
     <a:ext uri="http://schemas.microsoft.com/office/drawing/2008/diagram">
-      <dsp:dataModelExt xmlns:dsp="http://schemas.microsoft.com/office/drawing/2008/diagram" relId="rId10" minVer="http://schemas.openxmlformats.org/drawingml/2006/diagram"/>
+      <dsp:dataModelExt xmlns:dsp="http://schemas.microsoft.com/office/drawing/2008/diagram" xmlns="" relId="rId10" minVer="http://schemas.openxmlformats.org/drawingml/2006/diagram"/>
     </a:ext>
   </dgm:extLst>
 </dgm:dataModel>
 </file>
 
 <file path=ppt/diagrams/drawing1.xml><?xml version="1.0" encoding="utf-8"?>
-<dsp:drawing xmlns:dgm="http://schemas.openxmlformats.org/drawingml/2006/diagram" xmlns:dsp="http://schemas.microsoft.com/office/drawing/2008/diagram" xmlns:a="http://schemas.openxmlformats.org/drawingml/2006/main">
+<dsp:drawing xmlns:dgm="http://schemas.openxmlformats.org/drawingml/2006/diagram" xmlns:a="http://schemas.openxmlformats.org/drawingml/2006/main" xmlns:dsp="http://schemas.microsoft.com/office/drawing/2008/diagram">
   <dsp:spTree>
     <dsp:nvGrpSpPr>
       <dsp:cNvPr id="0" name=""/>
@@ -1545,8 +1548,8 @@
         </a:p>
       </dsp:txBody>
       <dsp:txXfrm>
-        <a:off x="3582038" y="1903007"/>
-        <a:ext cx="1179822" cy="1179822"/>
+        <a:off x="3337689" y="1658658"/>
+        <a:ext cx="1668520" cy="1668520"/>
       </dsp:txXfrm>
     </dsp:sp>
     <dsp:sp modelId="{E09D1B4B-09AE-4B1F-A409-CE344F8F9185}">
@@ -1668,9 +1671,9 @@
           <a:endParaRPr lang="en-US" sz="1900" kern="1200"/>
         </a:p>
       </dsp:txBody>
-      <dsp:txXfrm rot="10800000">
-        <a:off x="4128026" y="1441059"/>
-        <a:ext cx="76862" cy="267209"/>
+      <dsp:txXfrm rot="16179437">
+        <a:off x="4111457" y="1335520"/>
+        <a:ext cx="109803" cy="445347"/>
       </dsp:txXfrm>
     </dsp:sp>
     <dsp:sp modelId="{60779230-642B-46DB-B5CA-FC2220C38859}">
@@ -1796,8 +1799,8 @@
         </a:p>
       </dsp:txBody>
       <dsp:txXfrm>
-        <a:off x="3616493" y="136686"/>
-        <a:ext cx="1089239" cy="1089239"/>
+        <a:off x="3390904" y="-88903"/>
+        <a:ext cx="1540417" cy="1540417"/>
       </dsp:txXfrm>
     </dsp:sp>
     <dsp:sp modelId="{4873F644-A37B-4263-BDD3-7D4AECF93436}">
@@ -1919,9 +1922,9 @@
           <a:endParaRPr lang="en-US" sz="1900" kern="1200"/>
         </a:p>
       </dsp:txBody>
-      <dsp:txXfrm>
-        <a:off x="5006797" y="2072128"/>
-        <a:ext cx="78509" cy="267209"/>
+      <dsp:txXfrm rot="20508725">
+        <a:off x="5005956" y="1977808"/>
+        <a:ext cx="112156" cy="445347"/>
       </dsp:txXfrm>
     </dsp:sp>
     <dsp:sp modelId="{8FE55D76-69B8-469D-BE4A-A0F9F69D5110}">
@@ -2051,8 +2054,8 @@
         </a:p>
       </dsp:txBody>
       <dsp:txXfrm>
-        <a:off x="5352679" y="1381436"/>
-        <a:ext cx="1089239" cy="1089239"/>
+        <a:off x="5127090" y="1155847"/>
+        <a:ext cx="1540417" cy="1540417"/>
       </dsp:txXfrm>
     </dsp:sp>
     <dsp:sp modelId="{8999D690-D432-4F1A-B2AE-D98A61E6F24A}">
@@ -2174,9 +2177,9 @@
           <a:endParaRPr lang="en-US" sz="1900" kern="1200"/>
         </a:p>
       </dsp:txBody>
-      <dsp:txXfrm>
-        <a:off x="4674466" y="3109672"/>
-        <a:ext cx="85301" cy="267209"/>
+      <dsp:txXfrm rot="3240000">
+        <a:off x="4666931" y="3035391"/>
+        <a:ext cx="121859" cy="445347"/>
       </dsp:txXfrm>
     </dsp:sp>
     <dsp:sp modelId="{0B5562C5-56E9-4F94-AD9A-09B6AA6E206F}">
@@ -2302,8 +2305,8 @@
         </a:p>
       </dsp:txBody>
       <dsp:txXfrm>
-        <a:off x="4705558" y="3432353"/>
-        <a:ext cx="1089239" cy="1089239"/>
+        <a:off x="4479969" y="3206764"/>
+        <a:ext cx="1540417" cy="1540417"/>
       </dsp:txXfrm>
     </dsp:sp>
     <dsp:sp modelId="{FB0FDE60-5A66-47CD-855C-10B0ABFAFF6D}">
@@ -2425,9 +2428,9 @@
           <a:endParaRPr lang="en-US" sz="1900" kern="1200"/>
         </a:p>
       </dsp:txBody>
-      <dsp:txXfrm rot="10800000">
-        <a:off x="3584132" y="3109672"/>
-        <a:ext cx="85301" cy="267209"/>
+      <dsp:txXfrm rot="7560000">
+        <a:off x="3555109" y="3035391"/>
+        <a:ext cx="121859" cy="445347"/>
       </dsp:txXfrm>
     </dsp:sp>
     <dsp:sp modelId="{492A8904-4F29-41B2-8DF6-9E5DB43B598E}">
@@ -2553,8 +2556,8 @@
         </a:p>
       </dsp:txBody>
       <dsp:txXfrm>
-        <a:off x="2549101" y="3432353"/>
-        <a:ext cx="1089239" cy="1089239"/>
+        <a:off x="2323512" y="3206764"/>
+        <a:ext cx="1540417" cy="1540417"/>
       </dsp:txXfrm>
     </dsp:sp>
     <dsp:sp modelId="{470BEB95-5498-4076-A7AD-52EA2D6058A0}">
@@ -2676,9 +2679,9 @@
           <a:endParaRPr lang="en-US" sz="1900" kern="1200"/>
         </a:p>
       </dsp:txBody>
-      <dsp:txXfrm rot="10800000">
-        <a:off x="3247199" y="2072703"/>
-        <a:ext cx="85301" cy="267209"/>
+      <dsp:txXfrm rot="11880000">
+        <a:off x="3211536" y="1977985"/>
+        <a:ext cx="121859" cy="445347"/>
       </dsp:txXfrm>
     </dsp:sp>
     <dsp:sp modelId="{A0AE6ABD-EFF8-41C2-907C-790C07DF522C}">
@@ -2821,8 +2824,8 @@
         </a:p>
       </dsp:txBody>
       <dsp:txXfrm>
-        <a:off x="1882719" y="1381440"/>
-        <a:ext cx="1089239" cy="1089239"/>
+        <a:off x="1657130" y="1155851"/>
+        <a:ext cx="1540417" cy="1540417"/>
       </dsp:txXfrm>
     </dsp:sp>
   </dsp:spTree>
@@ -4211,7 +4214,7 @@
             <a:fld id="{724506C0-3FFE-45A5-803D-9F4FC5464A70}" type="datetimeFigureOut">
               <a:rPr lang="en-US" smtClean="0"/>
               <a:pPr/>
-              <a:t>10/24/2011</a:t>
+              <a:t>11/28/2011</a:t>
             </a:fld>
             <a:endParaRPr lang="en-US"/>
           </a:p>
@@ -4380,7 +4383,7 @@
     </p:spTree>
     <p:extLst>
       <p:ext uri="{BB962C8B-B14F-4D97-AF65-F5344CB8AC3E}">
-        <p14:creationId xmlns:p14="http://schemas.microsoft.com/office/powerpoint/2010/main" val="650118158"/>
+        <p14:creationId xmlns:p14="http://schemas.microsoft.com/office/powerpoint/2010/main" xmlns="" val="650118158"/>
       </p:ext>
     </p:extLst>
   </p:cSld>
@@ -5044,7 +5047,7 @@
             <a:fld id="{5E0C3846-8D4C-4326-8BC7-9B455A036298}" type="slidenum">
               <a:rPr lang="en-US" smtClean="0"/>
               <a:pPr/>
-              <a:t>5</a:t>
+              <a:t>9</a:t>
             </a:fld>
             <a:endParaRPr lang="en-US"/>
           </a:p>
@@ -5232,7 +5235,7 @@
             <a:fld id="{F922158D-428B-4987-8B28-745A2AFA1252}" type="datetimeFigureOut">
               <a:rPr lang="en-US" smtClean="0"/>
               <a:pPr/>
-              <a:t>10/24/2011</a:t>
+              <a:t>11/28/2011</a:t>
             </a:fld>
             <a:endParaRPr lang="en-US"/>
           </a:p>
@@ -5293,7 +5296,7 @@
           <a:blip r:embed="rId2" cstate="email">
             <a:extLst>
               <a:ext uri="{28A0092B-C50C-407E-A947-70E740481C1C}">
-                <a14:useLocalDpi xmlns:a14="http://schemas.microsoft.com/office/drawing/2010/main"/>
+                <a14:useLocalDpi xmlns:a14="http://schemas.microsoft.com/office/drawing/2010/main" xmlns=""/>
               </a:ext>
             </a:extLst>
           </a:blip>
@@ -5323,7 +5326,7 @@
           <a:blip r:embed="rId3" cstate="email">
             <a:extLst>
               <a:ext uri="{28A0092B-C50C-407E-A947-70E740481C1C}">
-                <a14:useLocalDpi xmlns:a14="http://schemas.microsoft.com/office/drawing/2010/main"/>
+                <a14:useLocalDpi xmlns:a14="http://schemas.microsoft.com/office/drawing/2010/main" xmlns=""/>
               </a:ext>
             </a:extLst>
           </a:blip>
@@ -5362,7 +5365,7 @@
           <a:blip r:embed="rId4" cstate="email">
             <a:extLst>
               <a:ext uri="{28A0092B-C50C-407E-A947-70E740481C1C}">
-                <a14:useLocalDpi xmlns:a14="http://schemas.microsoft.com/office/drawing/2010/main"/>
+                <a14:useLocalDpi xmlns:a14="http://schemas.microsoft.com/office/drawing/2010/main" xmlns=""/>
               </a:ext>
             </a:extLst>
           </a:blip>
@@ -5401,7 +5404,7 @@
           <a:blip r:embed="rId5" cstate="email">
             <a:extLst>
               <a:ext uri="{28A0092B-C50C-407E-A947-70E740481C1C}">
-                <a14:useLocalDpi xmlns:a14="http://schemas.microsoft.com/office/drawing/2010/main"/>
+                <a14:useLocalDpi xmlns:a14="http://schemas.microsoft.com/office/drawing/2010/main" xmlns=""/>
               </a:ext>
             </a:extLst>
           </a:blip>
@@ -5962,7 +5965,7 @@
             <a:fld id="{F922158D-428B-4987-8B28-745A2AFA1252}" type="datetimeFigureOut">
               <a:rPr lang="en-US" smtClean="0"/>
               <a:pPr/>
-              <a:t>10/24/2011</a:t>
+              <a:t>11/28/2011</a:t>
             </a:fld>
             <a:endParaRPr lang="en-US"/>
           </a:p>
@@ -6149,7 +6152,7 @@
             <a:fld id="{F922158D-428B-4987-8B28-745A2AFA1252}" type="datetimeFigureOut">
               <a:rPr lang="en-US" smtClean="0"/>
               <a:pPr/>
-              <a:t>10/24/2011</a:t>
+              <a:t>11/28/2011</a:t>
             </a:fld>
             <a:endParaRPr lang="en-US"/>
           </a:p>
@@ -6326,7 +6329,7 @@
             <a:fld id="{F922158D-428B-4987-8B28-745A2AFA1252}" type="datetimeFigureOut">
               <a:rPr lang="en-US" smtClean="0"/>
               <a:pPr/>
-              <a:t>10/24/2011</a:t>
+              <a:t>11/28/2011</a:t>
             </a:fld>
             <a:endParaRPr lang="en-US"/>
           </a:p>
@@ -6580,7 +6583,7 @@
             <a:fld id="{F922158D-428B-4987-8B28-745A2AFA1252}" type="datetimeFigureOut">
               <a:rPr lang="en-US" smtClean="0"/>
               <a:pPr/>
-              <a:t>10/24/2011</a:t>
+              <a:t>11/28/2011</a:t>
             </a:fld>
             <a:endParaRPr lang="en-US"/>
           </a:p>
@@ -6664,7 +6667,7 @@
           <a:blip r:embed="rId3" cstate="email">
             <a:extLst>
               <a:ext uri="{28A0092B-C50C-407E-A947-70E740481C1C}">
-                <a14:useLocalDpi xmlns:a14="http://schemas.microsoft.com/office/drawing/2010/main"/>
+                <a14:useLocalDpi xmlns:a14="http://schemas.microsoft.com/office/drawing/2010/main" xmlns=""/>
               </a:ext>
             </a:extLst>
           </a:blip>
@@ -7110,7 +7113,7 @@
             <a:fld id="{F922158D-428B-4987-8B28-745A2AFA1252}" type="datetimeFigureOut">
               <a:rPr lang="en-US" smtClean="0"/>
               <a:pPr/>
-              <a:t>10/24/2011</a:t>
+              <a:t>11/28/2011</a:t>
             </a:fld>
             <a:endParaRPr lang="en-US"/>
           </a:p>
@@ -7500,7 +7503,7 @@
             <a:fld id="{F922158D-428B-4987-8B28-745A2AFA1252}" type="datetimeFigureOut">
               <a:rPr lang="en-US" smtClean="0"/>
               <a:pPr/>
-              <a:t>10/24/2011</a:t>
+              <a:t>11/28/2011</a:t>
             </a:fld>
             <a:endParaRPr lang="en-US"/>
           </a:p>
@@ -7662,7 +7665,7 @@
             <a:fld id="{F922158D-428B-4987-8B28-745A2AFA1252}" type="datetimeFigureOut">
               <a:rPr lang="en-US" smtClean="0"/>
               <a:pPr/>
-              <a:t>10/24/2011</a:t>
+              <a:t>11/28/2011</a:t>
             </a:fld>
             <a:endParaRPr lang="en-US"/>
           </a:p>
@@ -7764,7 +7767,7 @@
             <a:fld id="{F922158D-428B-4987-8B28-745A2AFA1252}" type="datetimeFigureOut">
               <a:rPr lang="en-US" smtClean="0"/>
               <a:pPr/>
-              <a:t>10/24/2011</a:t>
+              <a:t>11/28/2011</a:t>
             </a:fld>
             <a:endParaRPr lang="en-US"/>
           </a:p>
@@ -8037,7 +8040,7 @@
             <a:fld id="{F922158D-428B-4987-8B28-745A2AFA1252}" type="datetimeFigureOut">
               <a:rPr lang="en-US" smtClean="0"/>
               <a:pPr/>
-              <a:t>10/24/2011</a:t>
+              <a:t>11/28/2011</a:t>
             </a:fld>
             <a:endParaRPr lang="en-US"/>
           </a:p>
@@ -8337,7 +8340,7 @@
             <a:fld id="{F922158D-428B-4987-8B28-745A2AFA1252}" type="datetimeFigureOut">
               <a:rPr lang="en-US" smtClean="0"/>
               <a:pPr/>
-              <a:t>10/24/2011</a:t>
+              <a:t>11/28/2011</a:t>
             </a:fld>
             <a:endParaRPr lang="en-US"/>
           </a:p>
@@ -9120,7 +9123,7 @@
             <a:fld id="{F922158D-428B-4987-8B28-745A2AFA1252}" type="datetimeFigureOut">
               <a:rPr lang="en-US" smtClean="0"/>
               <a:pPr/>
-              <a:t>10/24/2011</a:t>
+              <a:t>11/28/2011</a:t>
             </a:fld>
             <a:endParaRPr lang="en-US"/>
           </a:p>
@@ -9867,7 +9870,11 @@
             <a:pPr algn="ctr"/>
             <a:r>
               <a:rPr lang="en-US" dirty="0" smtClean="0"/>
-              <a:t>25 Oct 2011</a:t>
+              <a:t>29 Nov </a:t>
+            </a:r>
+            <a:r>
+              <a:rPr lang="en-US" dirty="0" smtClean="0"/>
+              <a:t>2011</a:t>
             </a:r>
           </a:p>
         </p:txBody>
@@ -9876,6 +9883,77 @@
     <p:custDataLst>
       <p:tags r:id="rId1"/>
     </p:custDataLst>
+  </p:cSld>
+  <p:clrMapOvr>
+    <a:masterClrMapping/>
+  </p:clrMapOvr>
+  <p:transition spd="slow">
+    <p:fade/>
+  </p:transition>
+  <p:timing>
+    <p:tnLst>
+      <p:par>
+        <p:cTn id="1" dur="indefinite" restart="never" nodeType="tmRoot"/>
+      </p:par>
+    </p:tnLst>
+  </p:timing>
+</p:sld>
+</file>
+
+<file path=ppt/slides/slide10.xml><?xml version="1.0" encoding="utf-8"?>
+<p:sld xmlns:a="http://schemas.openxmlformats.org/drawingml/2006/main" xmlns:r="http://schemas.openxmlformats.org/officeDocument/2006/relationships" xmlns:p="http://schemas.openxmlformats.org/presentationml/2006/main">
+  <p:cSld>
+    <p:spTree>
+      <p:nvGrpSpPr>
+        <p:cNvPr id="1" name=""/>
+        <p:cNvGrpSpPr/>
+        <p:nvPr/>
+      </p:nvGrpSpPr>
+      <p:grpSpPr>
+        <a:xfrm>
+          <a:off x="0" y="0"/>
+          <a:ext cx="0" cy="0"/>
+          <a:chOff x="0" y="0"/>
+          <a:chExt cx="0" cy="0"/>
+        </a:xfrm>
+      </p:grpSpPr>
+      <p:sp>
+        <p:nvSpPr>
+          <p:cNvPr id="2" name="Title 1"/>
+          <p:cNvSpPr>
+            <a:spLocks noGrp="1"/>
+          </p:cNvSpPr>
+          <p:nvPr>
+            <p:ph type="title"/>
+          </p:nvPr>
+        </p:nvSpPr>
+        <p:spPr>
+          <a:xfrm>
+            <a:off x="381000" y="1752600"/>
+            <a:ext cx="8229600" cy="2133600"/>
+          </a:xfrm>
+        </p:spPr>
+        <p:txBody>
+          <a:bodyPr>
+            <a:normAutofit/>
+          </a:bodyPr>
+          <a:lstStyle/>
+          <a:p>
+            <a:pPr algn="ctr"/>
+            <a:r>
+              <a:rPr lang="en-US" sz="8000" b="1" dirty="0" smtClean="0"/>
+              <a:t>Questions?</a:t>
+            </a:r>
+            <a:endParaRPr lang="en-US" sz="8000" b="1" dirty="0"/>
+          </a:p>
+        </p:txBody>
+      </p:sp>
+    </p:spTree>
+    <p:extLst>
+      <p:ext uri="{BB962C8B-B14F-4D97-AF65-F5344CB8AC3E}">
+        <p14:creationId xmlns:p14="http://schemas.microsoft.com/office/powerpoint/2010/main" xmlns="" val="1933149179"/>
+      </p:ext>
+    </p:extLst>
   </p:cSld>
   <p:clrMapOvr>
     <a:masterClrMapping/>
@@ -10024,7 +10102,7 @@
     </p:spTree>
     <p:extLst>
       <p:ext uri="{BB962C8B-B14F-4D97-AF65-F5344CB8AC3E}">
-        <p14:creationId xmlns:p14="http://schemas.microsoft.com/office/powerpoint/2010/main" val="3818610722"/>
+        <p14:creationId xmlns:p14="http://schemas.microsoft.com/office/powerpoint/2010/main" xmlns="" val="3818610722"/>
       </p:ext>
     </p:extLst>
   </p:cSld>
@@ -10146,7 +10224,7 @@
           <a:blip r:embed="rId4" cstate="print">
             <a:extLst>
               <a:ext uri="{28A0092B-C50C-407E-A947-70E740481C1C}">
-                <a14:useLocalDpi xmlns:a14="http://schemas.microsoft.com/office/drawing/2010/main" val="0"/>
+                <a14:useLocalDpi xmlns:a14="http://schemas.microsoft.com/office/drawing/2010/main" xmlns="" val="0"/>
               </a:ext>
             </a:extLst>
           </a:blip>
@@ -10166,7 +10244,7 @@
           <a:noFill/>
           <a:extLst>
             <a:ext uri="{909E8E84-426E-40DD-AFC4-6F175D3DCCD1}">
-              <a14:hiddenFill xmlns:a14="http://schemas.microsoft.com/office/drawing/2010/main">
+              <a14:hiddenFill xmlns:a14="http://schemas.microsoft.com/office/drawing/2010/main" xmlns="">
                 <a:solidFill>
                   <a:srgbClr val="FFFFFF"/>
                 </a:solidFill>
@@ -10187,7 +10265,7 @@
           <a:blip r:embed="rId5" cstate="email">
             <a:extLst>
               <a:ext uri="{28A0092B-C50C-407E-A947-70E740481C1C}">
-                <a14:useLocalDpi xmlns:a14="http://schemas.microsoft.com/office/drawing/2010/main" val="0"/>
+                <a14:useLocalDpi xmlns:a14="http://schemas.microsoft.com/office/drawing/2010/main" xmlns="" val="0"/>
               </a:ext>
             </a:extLst>
           </a:blip>
@@ -10207,7 +10285,7 @@
           <a:noFill/>
           <a:extLst>
             <a:ext uri="{909E8E84-426E-40DD-AFC4-6F175D3DCCD1}">
-              <a14:hiddenFill xmlns:a14="http://schemas.microsoft.com/office/drawing/2010/main">
+              <a14:hiddenFill xmlns:a14="http://schemas.microsoft.com/office/drawing/2010/main" xmlns="">
                 <a:solidFill>
                   <a:srgbClr val="FFFFFF"/>
                 </a:solidFill>
@@ -10300,7 +10378,7 @@
             </p:custDataLst>
             <p:extLst>
               <p:ext uri="{D42A27DB-BD31-4B8C-83A1-F6EECF244321}">
-                <p14:modId xmlns:p14="http://schemas.microsoft.com/office/powerpoint/2010/main" val="69745022"/>
+                <p14:modId xmlns:p14="http://schemas.microsoft.com/office/powerpoint/2010/main" xmlns="" val="69745022"/>
               </p:ext>
             </p:extLst>
           </p:nvPr>
@@ -10522,38 +10600,51 @@
             </p:custDataLst>
           </p:nvPr>
         </p:nvSpPr>
-        <p:spPr/>
+        <p:spPr>
+          <a:xfrm>
+            <a:off x="457200" y="914400"/>
+            <a:ext cx="5410200" cy="914400"/>
+          </a:xfrm>
+        </p:spPr>
+        <p:txBody>
+          <a:bodyPr>
+            <a:noAutofit/>
+          </a:bodyPr>
+          <a:lstStyle/>
+          <a:p>
+            <a:r>
+              <a:rPr lang="en-US" sz="6000" b="1" dirty="0" smtClean="0"/>
+              <a:t>Assignments</a:t>
+            </a:r>
+            <a:endParaRPr lang="en-US" sz="6000" b="1" dirty="0"/>
+          </a:p>
+        </p:txBody>
+      </p:sp>
+      <p:sp>
+        <p:nvSpPr>
+          <p:cNvPr id="3" name="Content Placeholder 2"/>
+          <p:cNvSpPr>
+            <a:spLocks noGrp="1"/>
+          </p:cNvSpPr>
+          <p:nvPr>
+            <p:ph idx="1"/>
+            <p:custDataLst>
+              <p:tags r:id="rId3"/>
+            </p:custDataLst>
+          </p:nvPr>
+        </p:nvSpPr>
+        <p:spPr>
+          <a:xfrm>
+            <a:off x="457200" y="1828800"/>
+            <a:ext cx="5257800" cy="4297363"/>
+          </a:xfrm>
+        </p:spPr>
         <p:txBody>
           <a:bodyPr>
             <a:normAutofit/>
           </a:bodyPr>
           <a:lstStyle/>
           <a:p>
-            <a:r>
-              <a:rPr lang="en-US" sz="6000" b="1" dirty="0" smtClean="0"/>
-              <a:t>Current Status</a:t>
-            </a:r>
-            <a:endParaRPr lang="en-US" sz="6000" b="1" dirty="0"/>
-          </a:p>
-        </p:txBody>
-      </p:sp>
-      <p:sp>
-        <p:nvSpPr>
-          <p:cNvPr id="4" name="Content Placeholder 3"/>
-          <p:cNvSpPr>
-            <a:spLocks noGrp="1"/>
-          </p:cNvSpPr>
-          <p:nvPr>
-            <p:ph idx="1"/>
-          </p:nvPr>
-        </p:nvSpPr>
-        <p:spPr/>
-        <p:txBody>
-          <a:bodyPr>
-            <a:normAutofit lnSpcReduction="10000"/>
-          </a:bodyPr>
-          <a:lstStyle/>
-          <a:p>
             <a:pPr>
               <a:lnSpc>
                 <a:spcPct val="150000"/>
@@ -10561,41 +10652,29 @@
             </a:pPr>
             <a:r>
               <a:rPr lang="en-US" dirty="0" smtClean="0"/>
-              <a:t>Progress that </a:t>
-            </a:r>
-            <a:r>
-              <a:rPr lang="en-US" dirty="0"/>
-              <a:t>has been </a:t>
-            </a:r>
-            <a:r>
-              <a:rPr lang="en-US" dirty="0" smtClean="0"/>
-              <a:t>made:</a:t>
-            </a:r>
-            <a:endParaRPr lang="en-US" dirty="0"/>
-          </a:p>
-          <a:p>
-            <a:pPr lvl="1">
+              <a:t>Christian Williams</a:t>
+            </a:r>
+          </a:p>
+          <a:p>
+            <a:pPr marL="514350" indent="-514350">
               <a:lnSpc>
                 <a:spcPct val="150000"/>
               </a:lnSpc>
+              <a:buFont typeface="+mj-lt"/>
+              <a:buAutoNum type="arabicPeriod"/>
             </a:pPr>
             <a:r>
               <a:rPr lang="en-US" dirty="0" smtClean="0"/>
-              <a:t>Communication between Kinect and Second Life</a:t>
-            </a:r>
-            <a:endParaRPr lang="en-US" dirty="0"/>
-          </a:p>
-          <a:p>
-            <a:pPr lvl="1">
-              <a:lnSpc>
-                <a:spcPct val="150000"/>
-              </a:lnSpc>
-            </a:pPr>
+              <a:t>Design and Network </a:t>
+            </a:r>
+            <a:r>
+              <a:rPr lang="en-US" dirty="0" err="1" smtClean="0"/>
+              <a:t>Comms</a:t>
+            </a:r>
             <a:r>
               <a:rPr lang="en-US" dirty="0" smtClean="0"/>
-              <a:t>Rudimentary gesture events written with corresponding actions in Second Life</a:t>
-            </a:r>
-            <a:endParaRPr lang="en-US" dirty="0"/>
+              <a:t>. </a:t>
+            </a:r>
           </a:p>
           <a:p>
             <a:pPr>
@@ -10605,41 +10684,113 @@
             </a:pPr>
             <a:r>
               <a:rPr lang="en-US" dirty="0" smtClean="0"/>
-              <a:t>Next Steps:</a:t>
-            </a:r>
-            <a:endParaRPr lang="en-US" dirty="0"/>
-          </a:p>
-          <a:p>
-            <a:pPr lvl="1">
+              <a:t>Francis </a:t>
+            </a:r>
+            <a:r>
+              <a:rPr lang="en-US" dirty="0" err="1" smtClean="0"/>
+              <a:t>Sabado</a:t>
+            </a:r>
+            <a:endParaRPr lang="en-US" dirty="0" smtClean="0"/>
+          </a:p>
+          <a:p>
+            <a:pPr marL="514350" indent="-514350">
+              <a:lnSpc>
+                <a:spcPct val="150000"/>
+              </a:lnSpc>
+              <a:buFont typeface="+mj-lt"/>
+              <a:buAutoNum type="arabicPeriod"/>
+            </a:pPr>
+            <a:r>
+              <a:rPr lang="en-US" dirty="0" smtClean="0"/>
+              <a:t>Game Implementation</a:t>
+            </a:r>
+            <a:endParaRPr lang="en-US" dirty="0" smtClean="0"/>
+          </a:p>
+          <a:p>
+            <a:pPr>
               <a:lnSpc>
                 <a:spcPct val="150000"/>
               </a:lnSpc>
             </a:pPr>
             <a:r>
               <a:rPr lang="en-US" dirty="0" smtClean="0"/>
-              <a:t>Need to develop the game engine</a:t>
-            </a:r>
-          </a:p>
-          <a:p>
-            <a:pPr lvl="1">
+              <a:t>Aaron Mahmoud</a:t>
+            </a:r>
+          </a:p>
+          <a:p>
+            <a:pPr marL="514350" indent="-514350">
               <a:lnSpc>
                 <a:spcPct val="150000"/>
               </a:lnSpc>
+              <a:buFont typeface="+mj-lt"/>
+              <a:buAutoNum type="arabicPeriod"/>
             </a:pPr>
             <a:r>
+              <a:rPr lang="en-US" dirty="0"/>
+              <a:t>G</a:t>
+            </a:r>
+            <a:r>
               <a:rPr lang="en-US" dirty="0" smtClean="0"/>
-              <a:t>Need to develop complex gestures and voice recognition</a:t>
-            </a:r>
-            <a:endParaRPr lang="en-US" dirty="0"/>
-          </a:p>
-          <a:p>
-            <a:pPr marL="0" indent="0">
-              <a:buNone/>
+              <a:t>estures </a:t>
+            </a:r>
+            <a:r>
+              <a:rPr lang="en-US" dirty="0"/>
+              <a:t>and voice control</a:t>
+            </a:r>
+          </a:p>
+          <a:p>
+            <a:pPr marL="514350" indent="-514350">
+              <a:lnSpc>
+                <a:spcPct val="150000"/>
+              </a:lnSpc>
+              <a:buFont typeface="+mj-lt"/>
+              <a:buAutoNum type="arabicPeriod"/>
             </a:pPr>
-            <a:endParaRPr lang="en-US" dirty="0"/>
+            <a:endParaRPr lang="en-US" dirty="0" smtClean="0"/>
           </a:p>
         </p:txBody>
       </p:sp>
+      <p:pic>
+        <p:nvPicPr>
+          <p:cNvPr id="2050" name="Picture 2" descr="C:\Users\aDemoNnDisguisE\Desktop\r-2854-5321.jpg"/>
+          <p:cNvPicPr>
+            <a:picLocks noChangeAspect="1" noChangeArrowheads="1"/>
+          </p:cNvPicPr>
+          <p:nvPr/>
+        </p:nvPicPr>
+        <p:blipFill>
+          <a:blip r:embed="rId5" cstate="print">
+            <a:extLst>
+              <a:ext uri="{28A0092B-C50C-407E-A947-70E740481C1C}">
+                <a14:useLocalDpi xmlns:a14="http://schemas.microsoft.com/office/drawing/2010/main" xmlns="" val="0"/>
+              </a:ext>
+            </a:extLst>
+          </a:blip>
+          <a:srcRect/>
+          <a:stretch>
+            <a:fillRect/>
+          </a:stretch>
+        </p:blipFill>
+        <p:spPr bwMode="auto">
+          <a:xfrm>
+            <a:off x="5715000" y="990600"/>
+            <a:ext cx="3048000" cy="5410200"/>
+          </a:xfrm>
+          <a:prstGeom prst="rect">
+            <a:avLst/>
+          </a:prstGeom>
+          <a:noFill/>
+          <a:extLst>
+            <a:ext uri="{909E8E84-426E-40DD-AFC4-6F175D3DCCD1}">
+              <a14:hiddenFill xmlns:a14="http://schemas.microsoft.com/office/drawing/2010/main" xmlns="">
+                <a:solidFill>
+                  <a:srgbClr val="FFFFFF"/>
+                </a:solidFill>
+              </a14:hiddenFill>
+            </a:ext>
+          </a:extLst>
+        </p:spPr>
+      </p:pic>
     </p:spTree>
     <p:custDataLst>
       <p:tags r:id="rId1"/>
@@ -10686,180 +10837,33 @@
           </p:cNvSpPr>
           <p:nvPr>
             <p:ph type="title"/>
-            <p:custDataLst>
-              <p:tags r:id="rId2"/>
-            </p:custDataLst>
           </p:nvPr>
         </p:nvSpPr>
-        <p:spPr>
-          <a:xfrm>
-            <a:off x="457200" y="914400"/>
-            <a:ext cx="5410200" cy="914400"/>
-          </a:xfrm>
-        </p:spPr>
+        <p:spPr/>
         <p:txBody>
-          <a:bodyPr>
-            <a:noAutofit/>
-          </a:bodyPr>
+          <a:bodyPr/>
           <a:lstStyle/>
           <a:p>
             <a:r>
-              <a:rPr lang="en-US" sz="6000" b="1" dirty="0" smtClean="0"/>
-              <a:t>Assignments</a:t>
-            </a:r>
-            <a:endParaRPr lang="en-US" sz="6000" b="1" dirty="0"/>
-          </a:p>
-        </p:txBody>
-      </p:sp>
-      <p:sp>
-        <p:nvSpPr>
-          <p:cNvPr id="3" name="Content Placeholder 2"/>
-          <p:cNvSpPr>
-            <a:spLocks noGrp="1"/>
-          </p:cNvSpPr>
-          <p:nvPr>
-            <p:ph idx="1"/>
-            <p:custDataLst>
-              <p:tags r:id="rId3"/>
-            </p:custDataLst>
-          </p:nvPr>
-        </p:nvSpPr>
-        <p:spPr>
-          <a:xfrm>
-            <a:off x="457200" y="1828800"/>
-            <a:ext cx="5257800" cy="4297363"/>
-          </a:xfrm>
-        </p:spPr>
-        <p:txBody>
-          <a:bodyPr>
-            <a:normAutofit/>
-          </a:bodyPr>
-          <a:lstStyle/>
-          <a:p>
-            <a:pPr>
-              <a:lnSpc>
-                <a:spcPct val="150000"/>
-              </a:lnSpc>
-            </a:pPr>
-            <a:r>
               <a:rPr lang="en-US" dirty="0" smtClean="0"/>
-              <a:t>Christian Williams</a:t>
-            </a:r>
-          </a:p>
-          <a:p>
-            <a:pPr marL="514350" indent="-514350">
-              <a:lnSpc>
-                <a:spcPct val="150000"/>
-              </a:lnSpc>
-              <a:buFont typeface="+mj-lt"/>
-              <a:buAutoNum type="arabicPeriod"/>
-            </a:pPr>
-            <a:r>
-              <a:rPr lang="en-US" dirty="0" smtClean="0"/>
-              <a:t>Design and Network </a:t>
-            </a:r>
-            <a:r>
-              <a:rPr lang="en-US" dirty="0" err="1" smtClean="0"/>
-              <a:t>Comms</a:t>
-            </a:r>
-            <a:r>
-              <a:rPr lang="en-US" dirty="0" smtClean="0"/>
-              <a:t>. </a:t>
-            </a:r>
-          </a:p>
-          <a:p>
-            <a:pPr>
-              <a:lnSpc>
-                <a:spcPct val="150000"/>
-              </a:lnSpc>
-            </a:pPr>
-            <a:r>
-              <a:rPr lang="en-US" dirty="0" smtClean="0"/>
-              <a:t>Francis </a:t>
-            </a:r>
-            <a:r>
-              <a:rPr lang="en-US" dirty="0" err="1" smtClean="0"/>
-              <a:t>Sabado</a:t>
-            </a:r>
-            <a:endParaRPr lang="en-US" dirty="0" smtClean="0"/>
-          </a:p>
-          <a:p>
-            <a:pPr marL="514350" indent="-514350">
-              <a:lnSpc>
-                <a:spcPct val="150000"/>
-              </a:lnSpc>
-              <a:buFont typeface="+mj-lt"/>
-              <a:buAutoNum type="arabicPeriod"/>
-            </a:pPr>
-            <a:r>
-              <a:rPr lang="en-US" dirty="0"/>
-              <a:t>Game Engine </a:t>
-            </a:r>
-            <a:r>
-              <a:rPr lang="en-US" dirty="0" smtClean="0"/>
-              <a:t>Implementation</a:t>
-            </a:r>
-          </a:p>
-          <a:p>
-            <a:pPr>
-              <a:lnSpc>
-                <a:spcPct val="150000"/>
-              </a:lnSpc>
-            </a:pPr>
-            <a:r>
-              <a:rPr lang="en-US" dirty="0" smtClean="0"/>
-              <a:t>Aaron Mahmoud</a:t>
-            </a:r>
-          </a:p>
-          <a:p>
-            <a:pPr marL="514350" indent="-514350">
-              <a:lnSpc>
-                <a:spcPct val="150000"/>
-              </a:lnSpc>
-              <a:buFont typeface="+mj-lt"/>
-              <a:buAutoNum type="arabicPeriod"/>
-            </a:pPr>
-            <a:r>
-              <a:rPr lang="en-US" dirty="0"/>
-              <a:t>G</a:t>
-            </a:r>
-            <a:r>
-              <a:rPr lang="en-US" dirty="0" smtClean="0"/>
-              <a:t>estures </a:t>
-            </a:r>
-            <a:r>
-              <a:rPr lang="en-US" dirty="0"/>
-              <a:t>and voice control</a:t>
-            </a:r>
-          </a:p>
-          <a:p>
-            <a:pPr marL="514350" indent="-514350">
-              <a:lnSpc>
-                <a:spcPct val="150000"/>
-              </a:lnSpc>
-              <a:buFont typeface="+mj-lt"/>
-              <a:buAutoNum type="arabicPeriod"/>
-            </a:pPr>
-            <a:endParaRPr lang="en-US" dirty="0" smtClean="0"/>
+              <a:t>Angry Prim Game</a:t>
+            </a:r>
+            <a:endParaRPr lang="en-US" dirty="0"/>
           </a:p>
         </p:txBody>
       </p:sp>
       <p:pic>
         <p:nvPicPr>
-          <p:cNvPr id="2050" name="Picture 2" descr="C:\Users\aDemoNnDisguisE\Desktop\r-2854-5321.jpg"/>
+          <p:cNvPr id="1026" name="Picture 2"/>
           <p:cNvPicPr>
-            <a:picLocks noChangeAspect="1" noChangeArrowheads="1"/>
+            <a:picLocks noGrp="1" noChangeAspect="1" noChangeArrowheads="1"/>
           </p:cNvPicPr>
-          <p:nvPr/>
+          <p:nvPr>
+            <p:ph idx="1"/>
+          </p:nvPr>
         </p:nvPicPr>
         <p:blipFill>
-          <a:blip r:embed="rId5" cstate="print">
-            <a:extLst>
-              <a:ext uri="{28A0092B-C50C-407E-A947-70E740481C1C}">
-                <a14:useLocalDpi xmlns:a14="http://schemas.microsoft.com/office/drawing/2010/main" val="0"/>
-              </a:ext>
-            </a:extLst>
-          </a:blip>
+          <a:blip r:embed="rId2" cstate="print"/>
           <a:srcRect/>
           <a:stretch>
             <a:fillRect/>
@@ -10867,28 +10871,156 @@
         </p:blipFill>
         <p:spPr bwMode="auto">
           <a:xfrm>
-            <a:off x="5715000" y="990600"/>
-            <a:ext cx="3048000" cy="5410200"/>
+            <a:off x="3124200" y="2133600"/>
+            <a:ext cx="5867400" cy="4107180"/>
           </a:xfrm>
           <a:prstGeom prst="rect">
             <a:avLst/>
           </a:prstGeom>
           <a:noFill/>
-          <a:extLst>
-            <a:ext uri="{909E8E84-426E-40DD-AFC4-6F175D3DCCD1}">
-              <a14:hiddenFill xmlns:a14="http://schemas.microsoft.com/office/drawing/2010/main">
-                <a:solidFill>
-                  <a:srgbClr val="FFFFFF"/>
-                </a:solidFill>
-              </a14:hiddenFill>
-            </a:ext>
-          </a:extLst>
+          <a:ln w="9525">
+            <a:noFill/>
+            <a:miter lim="800000"/>
+            <a:headEnd/>
+            <a:tailEnd/>
+          </a:ln>
         </p:spPr>
       </p:pic>
+      <p:sp>
+        <p:nvSpPr>
+          <p:cNvPr id="8" name="TextBox 7"/>
+          <p:cNvSpPr txBox="1"/>
+          <p:nvPr/>
+        </p:nvSpPr>
+        <p:spPr>
+          <a:xfrm>
+            <a:off x="304800" y="2438400"/>
+            <a:ext cx="2667000" cy="3385542"/>
+          </a:xfrm>
+          <a:prstGeom prst="rect">
+            <a:avLst/>
+          </a:prstGeom>
+          <a:noFill/>
+        </p:spPr>
+        <p:txBody>
+          <a:bodyPr wrap="square" rtlCol="0">
+            <a:spAutoFit/>
+          </a:bodyPr>
+          <a:lstStyle/>
+          <a:p>
+            <a:pPr marL="274320" indent="-274320">
+              <a:spcBef>
+                <a:spcPct val="20000"/>
+              </a:spcBef>
+              <a:buClr>
+                <a:schemeClr val="accent3"/>
+              </a:buClr>
+              <a:buSzPct val="95000"/>
+              <a:buFont typeface="Wingdings 2"/>
+              <a:buChar char=""/>
+            </a:pPr>
+            <a:r>
+              <a:rPr lang="en-US" sz="2800" dirty="0" smtClean="0"/>
+              <a:t>Projectile:</a:t>
+            </a:r>
+          </a:p>
+          <a:p>
+            <a:pPr marL="274320" indent="-274320">
+              <a:spcBef>
+                <a:spcPct val="20000"/>
+              </a:spcBef>
+              <a:buClr>
+                <a:schemeClr val="accent3"/>
+              </a:buClr>
+              <a:buSzPct val="95000"/>
+            </a:pPr>
+            <a:r>
+              <a:rPr lang="en-US" sz="2800" dirty="0" smtClean="0"/>
+              <a:t> Angry </a:t>
+            </a:r>
+            <a:r>
+              <a:rPr lang="en-US" sz="2800" dirty="0" smtClean="0"/>
+              <a:t>Birds</a:t>
+            </a:r>
+          </a:p>
+          <a:p>
+            <a:pPr marL="274320" indent="-274320">
+              <a:spcBef>
+                <a:spcPct val="20000"/>
+              </a:spcBef>
+              <a:buClr>
+                <a:schemeClr val="accent3"/>
+              </a:buClr>
+              <a:buSzPct val="95000"/>
+              <a:buFont typeface="Wingdings 2"/>
+              <a:buChar char=""/>
+            </a:pPr>
+            <a:r>
+              <a:rPr lang="en-US" sz="2800" dirty="0" smtClean="0"/>
+              <a:t>Slingshot</a:t>
+            </a:r>
+            <a:endParaRPr lang="en-US" sz="2800" dirty="0" smtClean="0"/>
+          </a:p>
+          <a:p>
+            <a:pPr marL="274320" indent="-274320">
+              <a:spcBef>
+                <a:spcPct val="20000"/>
+              </a:spcBef>
+              <a:buClr>
+                <a:schemeClr val="accent3"/>
+              </a:buClr>
+              <a:buSzPct val="95000"/>
+              <a:buFont typeface="Wingdings 2"/>
+              <a:buChar char=""/>
+            </a:pPr>
+            <a:r>
+              <a:rPr lang="en-US" sz="2800" dirty="0" smtClean="0"/>
+              <a:t>Obstacles</a:t>
+            </a:r>
+          </a:p>
+          <a:p>
+            <a:pPr marL="274320" indent="-274320">
+              <a:spcBef>
+                <a:spcPct val="20000"/>
+              </a:spcBef>
+              <a:buClr>
+                <a:schemeClr val="accent3"/>
+              </a:buClr>
+              <a:buSzPct val="95000"/>
+              <a:buFont typeface="Wingdings 2"/>
+              <a:buChar char=""/>
+            </a:pPr>
+            <a:r>
+              <a:rPr lang="en-US" sz="2800" dirty="0" smtClean="0"/>
+              <a:t>Targets: </a:t>
+            </a:r>
+          </a:p>
+          <a:p>
+            <a:pPr marL="274320" indent="-274320">
+              <a:spcBef>
+                <a:spcPct val="20000"/>
+              </a:spcBef>
+              <a:buClr>
+                <a:schemeClr val="accent3"/>
+              </a:buClr>
+              <a:buSzPct val="95000"/>
+            </a:pPr>
+            <a:r>
+              <a:rPr lang="en-US" sz="2800" dirty="0" smtClean="0"/>
+              <a:t> </a:t>
+            </a:r>
+            <a:r>
+              <a:rPr lang="en-US" sz="2800" dirty="0" smtClean="0"/>
+              <a:t>Pigs</a:t>
+            </a:r>
+            <a:endParaRPr lang="en-US" sz="2800" dirty="0" smtClean="0"/>
+          </a:p>
+          <a:p>
+            <a:endParaRPr lang="en-US" dirty="0"/>
+          </a:p>
+        </p:txBody>
+      </p:sp>
     </p:spTree>
-    <p:custDataLst>
-      <p:tags r:id="rId1"/>
-    </p:custDataLst>
   </p:cSld>
   <p:clrMapOvr>
     <a:masterClrMapping/>
@@ -10923,6 +11055,40 @@
           <a:chExt cx="0" cy="0"/>
         </a:xfrm>
       </p:grpSpPr>
+      <p:pic>
+        <p:nvPicPr>
+          <p:cNvPr id="2050" name="Picture 2"/>
+          <p:cNvPicPr>
+            <a:picLocks noGrp="1" noChangeAspect="1" noChangeArrowheads="1"/>
+          </p:cNvPicPr>
+          <p:nvPr>
+            <p:ph idx="1"/>
+          </p:nvPr>
+        </p:nvPicPr>
+        <p:blipFill>
+          <a:blip r:embed="rId2" cstate="print"/>
+          <a:srcRect/>
+          <a:stretch>
+            <a:fillRect/>
+          </a:stretch>
+        </p:blipFill>
+        <p:spPr bwMode="auto">
+          <a:xfrm>
+            <a:off x="838200" y="2057400"/>
+            <a:ext cx="6743700" cy="4495800"/>
+          </a:xfrm>
+          <a:prstGeom prst="rect">
+            <a:avLst/>
+          </a:prstGeom>
+          <a:noFill/>
+          <a:ln w="9525">
+            <a:noFill/>
+            <a:miter lim="800000"/>
+            <a:headEnd/>
+            <a:tailEnd/>
+          </a:ln>
+        </p:spPr>
+      </p:pic>
       <p:sp>
         <p:nvSpPr>
           <p:cNvPr id="2" name="Title 1"/>
@@ -10933,33 +11099,457 @@
             <p:ph type="title"/>
           </p:nvPr>
         </p:nvSpPr>
+        <p:spPr/>
+        <p:txBody>
+          <a:bodyPr>
+            <a:normAutofit fontScale="90000"/>
+          </a:bodyPr>
+          <a:lstStyle/>
+          <a:p>
+            <a:r>
+              <a:rPr lang="en-US" dirty="0" smtClean="0"/>
+              <a:t>Trajectory, Physics, </a:t>
+            </a:r>
+            <a:br>
+              <a:rPr lang="en-US" dirty="0" smtClean="0"/>
+            </a:br>
+            <a:r>
+              <a:rPr lang="en-US" dirty="0" smtClean="0"/>
+              <a:t>Collision and Animation</a:t>
+            </a:r>
+            <a:endParaRPr lang="en-US" dirty="0"/>
+          </a:p>
+        </p:txBody>
+      </p:sp>
+      <p:sp>
+        <p:nvSpPr>
+          <p:cNvPr id="5" name="TextBox 4"/>
+          <p:cNvSpPr txBox="1"/>
+          <p:nvPr/>
+        </p:nvSpPr>
         <p:spPr>
           <a:xfrm>
-            <a:off x="381000" y="1752600"/>
-            <a:ext cx="8229600" cy="2133600"/>
+            <a:off x="838200" y="3505200"/>
+            <a:ext cx="1447800" cy="369332"/>
           </a:xfrm>
+          <a:prstGeom prst="rect">
+            <a:avLst/>
+          </a:prstGeom>
+          <a:noFill/>
         </p:spPr>
+        <p:txBody>
+          <a:bodyPr wrap="square" rtlCol="0">
+            <a:spAutoFit/>
+          </a:bodyPr>
+          <a:lstStyle/>
+          <a:p>
+            <a:r>
+              <a:rPr lang="en-US" b="1" dirty="0" smtClean="0">
+                <a:solidFill>
+                  <a:srgbClr val="FF0000"/>
+                </a:solidFill>
+              </a:rPr>
+              <a:t>Trajectory</a:t>
+            </a:r>
+            <a:endParaRPr lang="en-US" b="1" dirty="0">
+              <a:solidFill>
+                <a:srgbClr val="FF0000"/>
+              </a:solidFill>
+            </a:endParaRPr>
+          </a:p>
+        </p:txBody>
+      </p:sp>
+      <p:sp>
+        <p:nvSpPr>
+          <p:cNvPr id="6" name="TextBox 5"/>
+          <p:cNvSpPr txBox="1"/>
+          <p:nvPr/>
+        </p:nvSpPr>
+        <p:spPr>
+          <a:xfrm>
+            <a:off x="6248400" y="5257800"/>
+            <a:ext cx="1295400" cy="646331"/>
+          </a:xfrm>
+          <a:prstGeom prst="rect">
+            <a:avLst/>
+          </a:prstGeom>
+          <a:noFill/>
+        </p:spPr>
+        <p:txBody>
+          <a:bodyPr wrap="square" rtlCol="0">
+            <a:spAutoFit/>
+          </a:bodyPr>
+          <a:lstStyle/>
+          <a:p>
+            <a:r>
+              <a:rPr lang="en-US" b="1" dirty="0" smtClean="0">
+                <a:solidFill>
+                  <a:srgbClr val="FF0000"/>
+                </a:solidFill>
+              </a:rPr>
+              <a:t>Collision Detection</a:t>
+            </a:r>
+            <a:endParaRPr lang="en-US" b="1" dirty="0">
+              <a:solidFill>
+                <a:srgbClr val="FF0000"/>
+              </a:solidFill>
+            </a:endParaRPr>
+          </a:p>
+        </p:txBody>
+      </p:sp>
+      <p:sp>
+        <p:nvSpPr>
+          <p:cNvPr id="9" name="TextBox 8"/>
+          <p:cNvSpPr txBox="1"/>
+          <p:nvPr/>
+        </p:nvSpPr>
+        <p:spPr>
+          <a:xfrm>
+            <a:off x="2057400" y="2133600"/>
+            <a:ext cx="1295400" cy="369332"/>
+          </a:xfrm>
+          <a:prstGeom prst="rect">
+            <a:avLst/>
+          </a:prstGeom>
+          <a:noFill/>
+        </p:spPr>
+        <p:txBody>
+          <a:bodyPr wrap="square" rtlCol="0">
+            <a:spAutoFit/>
+          </a:bodyPr>
+          <a:lstStyle/>
+          <a:p>
+            <a:r>
+              <a:rPr lang="en-US" b="1" dirty="0" smtClean="0">
+                <a:solidFill>
+                  <a:srgbClr val="FF0000"/>
+                </a:solidFill>
+              </a:rPr>
+              <a:t>Physics</a:t>
+            </a:r>
+            <a:endParaRPr lang="en-US" b="1" dirty="0">
+              <a:solidFill>
+                <a:srgbClr val="FF0000"/>
+              </a:solidFill>
+            </a:endParaRPr>
+          </a:p>
+        </p:txBody>
+      </p:sp>
+      <p:sp>
+        <p:nvSpPr>
+          <p:cNvPr id="10" name="TextBox 9"/>
+          <p:cNvSpPr txBox="1"/>
+          <p:nvPr/>
+        </p:nvSpPr>
+        <p:spPr>
+          <a:xfrm>
+            <a:off x="2438400" y="3733800"/>
+            <a:ext cx="1371600" cy="369332"/>
+          </a:xfrm>
+          <a:prstGeom prst="rect">
+            <a:avLst/>
+          </a:prstGeom>
+          <a:noFill/>
+        </p:spPr>
+        <p:txBody>
+          <a:bodyPr wrap="square" rtlCol="0">
+            <a:spAutoFit/>
+          </a:bodyPr>
+          <a:lstStyle/>
+          <a:p>
+            <a:r>
+              <a:rPr lang="en-US" b="1" dirty="0" smtClean="0">
+                <a:solidFill>
+                  <a:srgbClr val="FF0000"/>
+                </a:solidFill>
+              </a:rPr>
+              <a:t>Animation</a:t>
+            </a:r>
+            <a:endParaRPr lang="en-US" b="1" dirty="0">
+              <a:solidFill>
+                <a:srgbClr val="FF0000"/>
+              </a:solidFill>
+            </a:endParaRPr>
+          </a:p>
+        </p:txBody>
+      </p:sp>
+    </p:spTree>
+  </p:cSld>
+  <p:clrMapOvr>
+    <a:masterClrMapping/>
+  </p:clrMapOvr>
+  <p:transition spd="slow">
+    <p:fade/>
+  </p:transition>
+  <p:timing>
+    <p:tnLst>
+      <p:par>
+        <p:cTn id="1" dur="indefinite" restart="never" nodeType="tmRoot"/>
+      </p:par>
+    </p:tnLst>
+  </p:timing>
+</p:sld>
+</file>
+
+<file path=ppt/slides/slide8.xml><?xml version="1.0" encoding="utf-8"?>
+<p:sld xmlns:a="http://schemas.openxmlformats.org/drawingml/2006/main" xmlns:r="http://schemas.openxmlformats.org/officeDocument/2006/relationships" xmlns:p="http://schemas.openxmlformats.org/presentationml/2006/main">
+  <p:cSld>
+    <p:spTree>
+      <p:nvGrpSpPr>
+        <p:cNvPr id="1" name=""/>
+        <p:cNvGrpSpPr/>
+        <p:nvPr/>
+      </p:nvGrpSpPr>
+      <p:grpSpPr>
+        <a:xfrm>
+          <a:off x="0" y="0"/>
+          <a:ext cx="0" cy="0"/>
+          <a:chOff x="0" y="0"/>
+          <a:chExt cx="0" cy="0"/>
+        </a:xfrm>
+      </p:grpSpPr>
+      <p:sp>
+        <p:nvSpPr>
+          <p:cNvPr id="2" name="Title 1"/>
+          <p:cNvSpPr>
+            <a:spLocks noGrp="1"/>
+          </p:cNvSpPr>
+          <p:nvPr>
+            <p:ph type="title"/>
+          </p:nvPr>
+        </p:nvSpPr>
+        <p:spPr/>
+        <p:txBody>
+          <a:bodyPr/>
+          <a:lstStyle/>
+          <a:p>
+            <a:r>
+              <a:rPr lang="en-US" dirty="0" smtClean="0"/>
+              <a:t>Game Limitations</a:t>
+            </a:r>
+            <a:endParaRPr lang="en-US" dirty="0"/>
+          </a:p>
+        </p:txBody>
+      </p:sp>
+      <p:sp>
+        <p:nvSpPr>
+          <p:cNvPr id="3" name="Content Placeholder 2"/>
+          <p:cNvSpPr>
+            <a:spLocks noGrp="1"/>
+          </p:cNvSpPr>
+          <p:nvPr>
+            <p:ph idx="1"/>
+          </p:nvPr>
+        </p:nvSpPr>
+        <p:spPr/>
+        <p:txBody>
+          <a:bodyPr>
+            <a:normAutofit fontScale="92500" lnSpcReduction="20000"/>
+          </a:bodyPr>
+          <a:lstStyle/>
+          <a:p>
+            <a:r>
+              <a:rPr lang="en-US" dirty="0" smtClean="0"/>
+              <a:t>Obstacle and target locations will be a fixed point.</a:t>
+            </a:r>
+          </a:p>
+          <a:p>
+            <a:endParaRPr lang="en-US" dirty="0" smtClean="0"/>
+          </a:p>
+          <a:p>
+            <a:r>
+              <a:rPr lang="en-US" dirty="0" smtClean="0"/>
+              <a:t>Game reset will require all objects to return to their previous states, therefore there must be a way to remember previous locations.</a:t>
+            </a:r>
+          </a:p>
+          <a:p>
+            <a:endParaRPr lang="en-US" dirty="0" smtClean="0"/>
+          </a:p>
+          <a:p>
+            <a:r>
+              <a:rPr lang="en-US" dirty="0" smtClean="0"/>
+              <a:t>The game stages will be limited unless it is possible to generate objects randomly.</a:t>
+            </a:r>
+          </a:p>
+          <a:p>
+            <a:endParaRPr lang="en-US" dirty="0" smtClean="0"/>
+          </a:p>
+          <a:p>
+            <a:r>
+              <a:rPr lang="en-US" dirty="0" smtClean="0"/>
+              <a:t>Game must be in a state such that game conditions are known or could receive messages from the server about </a:t>
+            </a:r>
+            <a:r>
+              <a:rPr lang="en-US" smtClean="0"/>
+              <a:t>game conditions.</a:t>
+            </a:r>
+            <a:endParaRPr lang="en-US" smtClean="0"/>
+          </a:p>
+        </p:txBody>
+      </p:sp>
+    </p:spTree>
+  </p:cSld>
+  <p:clrMapOvr>
+    <a:masterClrMapping/>
+  </p:clrMapOvr>
+  <p:transition spd="slow">
+    <p:fade/>
+  </p:transition>
+</p:sld>
+</file>
+
+<file path=ppt/slides/slide9.xml><?xml version="1.0" encoding="utf-8"?>
+<p:sld xmlns:a="http://schemas.openxmlformats.org/drawingml/2006/main" xmlns:r="http://schemas.openxmlformats.org/officeDocument/2006/relationships" xmlns:p="http://schemas.openxmlformats.org/presentationml/2006/main">
+  <p:cSld>
+    <p:spTree>
+      <p:nvGrpSpPr>
+        <p:cNvPr id="1" name=""/>
+        <p:cNvGrpSpPr/>
+        <p:nvPr/>
+      </p:nvGrpSpPr>
+      <p:grpSpPr>
+        <a:xfrm>
+          <a:off x="0" y="0"/>
+          <a:ext cx="0" cy="0"/>
+          <a:chOff x="0" y="0"/>
+          <a:chExt cx="0" cy="0"/>
+        </a:xfrm>
+      </p:grpSpPr>
+      <p:sp>
+        <p:nvSpPr>
+          <p:cNvPr id="2" name="Title 1"/>
+          <p:cNvSpPr>
+            <a:spLocks noGrp="1"/>
+          </p:cNvSpPr>
+          <p:nvPr>
+            <p:ph type="title"/>
+            <p:custDataLst>
+              <p:tags r:id="rId2"/>
+            </p:custDataLst>
+          </p:nvPr>
+        </p:nvSpPr>
+        <p:spPr/>
         <p:txBody>
           <a:bodyPr>
             <a:normAutofit/>
           </a:bodyPr>
           <a:lstStyle/>
           <a:p>
-            <a:pPr algn="ctr"/>
-            <a:r>
-              <a:rPr lang="en-US" sz="8000" b="1" dirty="0" smtClean="0"/>
-              <a:t>Questions?</a:t>
-            </a:r>
-            <a:endParaRPr lang="en-US" sz="8000" b="1" dirty="0"/>
+            <a:r>
+              <a:rPr lang="en-US" sz="6000" b="1" dirty="0" smtClean="0"/>
+              <a:t>Current Status</a:t>
+            </a:r>
+            <a:endParaRPr lang="en-US" sz="6000" b="1" dirty="0"/>
+          </a:p>
+        </p:txBody>
+      </p:sp>
+      <p:sp>
+        <p:nvSpPr>
+          <p:cNvPr id="4" name="Content Placeholder 3"/>
+          <p:cNvSpPr>
+            <a:spLocks noGrp="1"/>
+          </p:cNvSpPr>
+          <p:nvPr>
+            <p:ph idx="1"/>
+          </p:nvPr>
+        </p:nvSpPr>
+        <p:spPr/>
+        <p:txBody>
+          <a:bodyPr>
+            <a:normAutofit lnSpcReduction="10000"/>
+          </a:bodyPr>
+          <a:lstStyle/>
+          <a:p>
+            <a:pPr>
+              <a:lnSpc>
+                <a:spcPct val="150000"/>
+              </a:lnSpc>
+            </a:pPr>
+            <a:r>
+              <a:rPr lang="en-US" dirty="0" smtClean="0"/>
+              <a:t>Progress that </a:t>
+            </a:r>
+            <a:r>
+              <a:rPr lang="en-US" dirty="0"/>
+              <a:t>has been </a:t>
+            </a:r>
+            <a:r>
+              <a:rPr lang="en-US" dirty="0" smtClean="0"/>
+              <a:t>made:</a:t>
+            </a:r>
+            <a:endParaRPr lang="en-US" dirty="0"/>
+          </a:p>
+          <a:p>
+            <a:pPr lvl="1">
+              <a:lnSpc>
+                <a:spcPct val="150000"/>
+              </a:lnSpc>
+            </a:pPr>
+            <a:r>
+              <a:rPr lang="en-US" dirty="0" smtClean="0"/>
+              <a:t>Communication between Kinect and Second Life</a:t>
+            </a:r>
+            <a:endParaRPr lang="en-US" dirty="0"/>
+          </a:p>
+          <a:p>
+            <a:pPr lvl="1">
+              <a:lnSpc>
+                <a:spcPct val="150000"/>
+              </a:lnSpc>
+            </a:pPr>
+            <a:r>
+              <a:rPr lang="en-US" dirty="0" smtClean="0"/>
+              <a:t>Rudimentary gesture events written with corresponding actions in Second Life</a:t>
+            </a:r>
+            <a:endParaRPr lang="en-US" dirty="0"/>
+          </a:p>
+          <a:p>
+            <a:pPr>
+              <a:lnSpc>
+                <a:spcPct val="150000"/>
+              </a:lnSpc>
+            </a:pPr>
+            <a:r>
+              <a:rPr lang="en-US" dirty="0" smtClean="0"/>
+              <a:t>Next Steps:</a:t>
+            </a:r>
+            <a:endParaRPr lang="en-US" dirty="0"/>
+          </a:p>
+          <a:p>
+            <a:pPr lvl="1">
+              <a:lnSpc>
+                <a:spcPct val="150000"/>
+              </a:lnSpc>
+            </a:pPr>
+            <a:r>
+              <a:rPr lang="en-US" dirty="0" smtClean="0"/>
+              <a:t>Need to develop the game engine</a:t>
+            </a:r>
+          </a:p>
+          <a:p>
+            <a:pPr lvl="1">
+              <a:lnSpc>
+                <a:spcPct val="150000"/>
+              </a:lnSpc>
+            </a:pPr>
+            <a:r>
+              <a:rPr lang="en-US" dirty="0" smtClean="0"/>
+              <a:t>Need to develop complex gestures and voice recognition</a:t>
+            </a:r>
+            <a:endParaRPr lang="en-US" dirty="0"/>
+          </a:p>
+          <a:p>
+            <a:pPr marL="0" indent="0">
+              <a:buNone/>
+            </a:pPr>
+            <a:endParaRPr lang="en-US" dirty="0"/>
           </a:p>
         </p:txBody>
       </p:sp>
     </p:spTree>
-    <p:extLst>
-      <p:ext uri="{BB962C8B-B14F-4D97-AF65-F5344CB8AC3E}">
-        <p14:creationId xmlns:p14="http://schemas.microsoft.com/office/powerpoint/2010/main" val="1933149179"/>
-      </p:ext>
-    </p:extLst>
+    <p:custDataLst>
+      <p:tags r:id="rId1"/>
+    </p:custDataLst>
   </p:cSld>
   <p:clrMapOvr>
     <a:masterClrMapping/>
@@ -10985,19 +11575,19 @@
 
 <file path=ppt/tags/tag10.xml><?xml version="1.0" encoding="utf-8"?>
 <p:tagLst xmlns:a="http://schemas.openxmlformats.org/drawingml/2006/main" xmlns:r="http://schemas.openxmlformats.org/officeDocument/2006/relationships" xmlns:p="http://schemas.openxmlformats.org/presentationml/2006/main">
-  <p:tag name="DVSECTIONID" val="2oXR3Z3jBsekg7NRQLn8qd"/>
+  <p:tag name="DVSHAPEID" val="IaLJDTdCySrUB2DNXQJ7PB"/>
 </p:tagLst>
 </file>
 
 <file path=ppt/tags/tag11.xml><?xml version="1.0" encoding="utf-8"?>
 <p:tagLst xmlns:a="http://schemas.openxmlformats.org/drawingml/2006/main" xmlns:r="http://schemas.openxmlformats.org/officeDocument/2006/relationships" xmlns:p="http://schemas.openxmlformats.org/presentationml/2006/main">
-  <p:tag name="DVSHAPEID" val="tMKFWXxGAyYfCtF4ddJkuV"/>
+  <p:tag name="DVSECTIONID" val="FWTzd7aXBssOmYs9yuGiml"/>
 </p:tagLst>
 </file>
 
 <file path=ppt/tags/tag12.xml><?xml version="1.0" encoding="utf-8"?>
 <p:tagLst xmlns:a="http://schemas.openxmlformats.org/drawingml/2006/main" xmlns:r="http://schemas.openxmlformats.org/officeDocument/2006/relationships" xmlns:p="http://schemas.openxmlformats.org/presentationml/2006/main">
-  <p:tag name="DVSHAPEID" val="IaLJDTdCySrUB2DNXQJ7PB"/>
+  <p:tag name="DVSHAPEID" val="fEx7i1o5WFYMUt4c6svz0o"/>
 </p:tagLst>
 </file>
 
@@ -11039,13 +11629,13 @@
 
 <file path=ppt/tags/tag8.xml><?xml version="1.0" encoding="utf-8"?>
 <p:tagLst xmlns:a="http://schemas.openxmlformats.org/drawingml/2006/main" xmlns:r="http://schemas.openxmlformats.org/officeDocument/2006/relationships" xmlns:p="http://schemas.openxmlformats.org/presentationml/2006/main">
-  <p:tag name="DVSECTIONID" val="FWTzd7aXBssOmYs9yuGiml"/>
+  <p:tag name="DVSECTIONID" val="2oXR3Z3jBsekg7NRQLn8qd"/>
 </p:tagLst>
 </file>
 
 <file path=ppt/tags/tag9.xml><?xml version="1.0" encoding="utf-8"?>
 <p:tagLst xmlns:a="http://schemas.openxmlformats.org/drawingml/2006/main" xmlns:r="http://schemas.openxmlformats.org/officeDocument/2006/relationships" xmlns:p="http://schemas.openxmlformats.org/presentationml/2006/main">
-  <p:tag name="DVSHAPEID" val="fEx7i1o5WFYMUt4c6svz0o"/>
+  <p:tag name="DVSHAPEID" val="tMKFWXxGAyYfCtF4ddJkuV"/>
 </p:tagLst>
 </file>
 

--- a/trunk/ kinect-virtual-world --username c.c.williams55@gmail.com/Report 1 Files/Angry Prims Preliminary Proposal.pptx
+++ b/trunk/ kinect-virtual-world --username c.c.williams55@gmail.com/Report 1 Files/Angry Prims Preliminary Proposal.pptx
@@ -10846,7 +10846,15 @@
           <a:p>
             <a:r>
               <a:rPr lang="en-US" dirty="0" smtClean="0"/>
-              <a:t>Angry Prim Game</a:t>
+              <a:t>Angry </a:t>
+            </a:r>
+            <a:r>
+              <a:rPr lang="en-US" dirty="0" err="1" smtClean="0"/>
+              <a:t>Prims</a:t>
+            </a:r>
+            <a:r>
+              <a:rPr lang="en-US" dirty="0" smtClean="0"/>
+              <a:t> Game</a:t>
             </a:r>
             <a:endParaRPr lang="en-US" dirty="0"/>
           </a:p>
@@ -10871,8 +10879,8 @@
         </p:blipFill>
         <p:spPr bwMode="auto">
           <a:xfrm>
-            <a:off x="3124200" y="2133600"/>
-            <a:ext cx="5867400" cy="4107180"/>
+            <a:off x="3733800" y="2133600"/>
+            <a:ext cx="5257800" cy="4107180"/>
           </a:xfrm>
           <a:prstGeom prst="rect">
             <a:avLst/>
@@ -10894,8 +10902,8 @@
         </p:nvSpPr>
         <p:spPr>
           <a:xfrm>
-            <a:off x="304800" y="2438400"/>
-            <a:ext cx="2667000" cy="3385542"/>
+            <a:off x="152400" y="2133600"/>
+            <a:ext cx="3276600" cy="4293483"/>
           </a:xfrm>
           <a:prstGeom prst="rect">
             <a:avLst/>
@@ -10920,7 +10928,7 @@
               <a:buChar char=""/>
             </a:pPr>
             <a:r>
-              <a:rPr lang="en-US" sz="2800" dirty="0" smtClean="0"/>
+              <a:rPr lang="en-US" sz="2500" dirty="0" smtClean="0"/>
               <a:t>Projectile:</a:t>
             </a:r>
           </a:p>
@@ -10935,11 +10943,11 @@
               <a:buSzPct val="95000"/>
             </a:pPr>
             <a:r>
-              <a:rPr lang="en-US" sz="2800" dirty="0" smtClean="0"/>
+              <a:rPr lang="en-US" sz="2500" dirty="0" smtClean="0"/>
               <a:t> Angry </a:t>
             </a:r>
             <a:r>
-              <a:rPr lang="en-US" sz="2800" dirty="0" smtClean="0"/>
+              <a:rPr lang="en-US" sz="2500" dirty="0" smtClean="0"/>
               <a:t>Birds</a:t>
             </a:r>
           </a:p>
@@ -10956,10 +10964,33 @@
               <a:buChar char=""/>
             </a:pPr>
             <a:r>
-              <a:rPr lang="en-US" sz="2800" dirty="0" smtClean="0"/>
-              <a:t>Slingshot</a:t>
-            </a:r>
-            <a:endParaRPr lang="en-US" sz="2800" dirty="0" smtClean="0"/>
+              <a:rPr lang="en-US" sz="2500" dirty="0" smtClean="0"/>
+              <a:t>Slingshot:</a:t>
+            </a:r>
+          </a:p>
+          <a:p>
+            <a:pPr marL="274320" indent="-274320">
+              <a:spcBef>
+                <a:spcPct val="20000"/>
+              </a:spcBef>
+              <a:buClr>
+                <a:schemeClr val="accent3"/>
+              </a:buClr>
+              <a:buSzPct val="95000"/>
+            </a:pPr>
+            <a:r>
+              <a:rPr lang="en-US" sz="2500" dirty="0" smtClean="0"/>
+              <a:t>Smart </a:t>
+            </a:r>
+            <a:r>
+              <a:rPr lang="en-US" sz="2500" dirty="0" smtClean="0"/>
+              <a:t>o</a:t>
+            </a:r>
+            <a:r>
+              <a:rPr lang="en-US" sz="2500" dirty="0" smtClean="0"/>
+              <a:t>bject that receives messages from the server.</a:t>
+            </a:r>
+            <a:endParaRPr lang="en-US" sz="2500" dirty="0" smtClean="0"/>
           </a:p>
           <a:p>
             <a:pPr marL="274320" indent="-274320">
@@ -10974,9 +11005,10 @@
               <a:buChar char=""/>
             </a:pPr>
             <a:r>
-              <a:rPr lang="en-US" sz="2800" dirty="0" smtClean="0"/>
+              <a:rPr lang="en-US" sz="2500" dirty="0" smtClean="0"/>
               <a:t>Obstacles</a:t>
             </a:r>
+            <a:endParaRPr lang="en-US" sz="2500" dirty="0" smtClean="0"/>
           </a:p>
           <a:p>
             <a:pPr marL="274320" indent="-274320">
@@ -10991,7 +11023,7 @@
               <a:buChar char=""/>
             </a:pPr>
             <a:r>
-              <a:rPr lang="en-US" sz="2800" dirty="0" smtClean="0"/>
+              <a:rPr lang="en-US" sz="2500" dirty="0" smtClean="0"/>
               <a:t>Targets: </a:t>
             </a:r>
           </a:p>
@@ -11006,14 +11038,14 @@
               <a:buSzPct val="95000"/>
             </a:pPr>
             <a:r>
-              <a:rPr lang="en-US" sz="2800" dirty="0" smtClean="0"/>
+              <a:rPr lang="en-US" sz="2500" dirty="0" smtClean="0"/>
               <a:t> </a:t>
             </a:r>
             <a:r>
-              <a:rPr lang="en-US" sz="2800" dirty="0" smtClean="0"/>
+              <a:rPr lang="en-US" sz="2500" dirty="0" smtClean="0"/>
               <a:t>Pigs</a:t>
             </a:r>
-            <a:endParaRPr lang="en-US" sz="2800" dirty="0" smtClean="0"/>
+            <a:endParaRPr lang="en-US" sz="2500" dirty="0" smtClean="0"/>
           </a:p>
           <a:p>
             <a:endParaRPr lang="en-US" dirty="0"/>
@@ -11074,7 +11106,7 @@
         </p:blipFill>
         <p:spPr bwMode="auto">
           <a:xfrm>
-            <a:off x="838200" y="2057400"/>
+            <a:off x="1295400" y="2057400"/>
             <a:ext cx="6743700" cy="4495800"/>
           </a:xfrm>
           <a:prstGeom prst="rect">
@@ -11099,7 +11131,12 @@
             <p:ph type="title"/>
           </p:nvPr>
         </p:nvSpPr>
-        <p:spPr/>
+        <p:spPr>
+          <a:xfrm>
+            <a:off x="990600" y="838200"/>
+            <a:ext cx="7239000" cy="1143000"/>
+          </a:xfrm>
+        </p:spPr>
         <p:txBody>
           <a:bodyPr>
             <a:normAutofit fontScale="90000"/>
@@ -11115,7 +11152,7 @@
             </a:br>
             <a:r>
               <a:rPr lang="en-US" dirty="0" smtClean="0"/>
-              <a:t>Collision and Animation</a:t>
+              <a:t>Collision, and Animation</a:t>
             </a:r>
             <a:endParaRPr lang="en-US" dirty="0"/>
           </a:p>
@@ -11129,7 +11166,7 @@
         </p:nvSpPr>
         <p:spPr>
           <a:xfrm>
-            <a:off x="838200" y="3505200"/>
+            <a:off x="838200" y="3581400"/>
             <a:ext cx="1447800" cy="369332"/>
           </a:xfrm>
           <a:prstGeom prst="rect">
@@ -11167,7 +11204,7 @@
         </p:nvSpPr>
         <p:spPr>
           <a:xfrm>
-            <a:off x="6248400" y="5257800"/>
+            <a:off x="6172200" y="3200400"/>
             <a:ext cx="1295400" cy="646331"/>
           </a:xfrm>
           <a:prstGeom prst="rect">
@@ -11205,8 +11242,8 @@
         </p:nvSpPr>
         <p:spPr>
           <a:xfrm>
-            <a:off x="2057400" y="2133600"/>
-            <a:ext cx="1295400" cy="369332"/>
+            <a:off x="2667000" y="2133600"/>
+            <a:ext cx="1066800" cy="369332"/>
           </a:xfrm>
           <a:prstGeom prst="rect">
             <a:avLst/>
@@ -11359,6 +11396,19 @@
           <a:p>
             <a:r>
               <a:rPr lang="en-US" dirty="0" smtClean="0"/>
+              <a:t>The </a:t>
+            </a:r>
+            <a:r>
+              <a:rPr lang="en-US" dirty="0" smtClean="0"/>
+              <a:t>game stages will be limited unless it is possible to generate objects randomly.</a:t>
+            </a:r>
+          </a:p>
+          <a:p>
+            <a:endParaRPr lang="en-US" dirty="0" smtClean="0"/>
+          </a:p>
+          <a:p>
+            <a:r>
+              <a:rPr lang="en-US" dirty="0" smtClean="0"/>
               <a:t>Game reset will require all objects to return to their previous states, therefore there must be a way to remember previous locations.</a:t>
             </a:r>
           </a:p>
@@ -11368,22 +11418,9 @@
           <a:p>
             <a:r>
               <a:rPr lang="en-US" dirty="0" smtClean="0"/>
-              <a:t>The game stages will be limited unless it is possible to generate objects randomly.</a:t>
-            </a:r>
-          </a:p>
-          <a:p>
+              <a:t>The game must be in a state such that game conditions are known or could receive messages from the server about game conditions.</a:t>
+            </a:r>
             <a:endParaRPr lang="en-US" dirty="0" smtClean="0"/>
-          </a:p>
-          <a:p>
-            <a:r>
-              <a:rPr lang="en-US" dirty="0" smtClean="0"/>
-              <a:t>Game must be in a state such that game conditions are known or could receive messages from the server about </a:t>
-            </a:r>
-            <a:r>
-              <a:rPr lang="en-US" smtClean="0"/>
-              <a:t>game conditions.</a:t>
-            </a:r>
-            <a:endParaRPr lang="en-US" smtClean="0"/>
           </a:p>
         </p:txBody>
       </p:sp>
@@ -11395,6 +11432,13 @@
   <p:transition spd="slow">
     <p:fade/>
   </p:transition>
+  <p:timing>
+    <p:tnLst>
+      <p:par>
+        <p:cTn id="1" dur="indefinite" restart="never" nodeType="tmRoot"/>
+      </p:par>
+    </p:tnLst>
+  </p:timing>
 </p:sld>
 </file>
 

--- a/trunk/ kinect-virtual-world --username c.c.williams55@gmail.com/Report 1 Files/Angry Prims Preliminary Proposal.pptx
+++ b/trunk/ kinect-virtual-world --username c.c.williams55@gmail.com/Report 1 Files/Angry Prims Preliminary Proposal.pptx
@@ -5,7 +5,7 @@
     <p:sldMasterId id="2147483948" r:id="rId1"/>
   </p:sldMasterIdLst>
   <p:notesMasterIdLst>
-    <p:notesMasterId r:id="rId12"/>
+    <p:notesMasterId r:id="rId14"/>
   </p:notesMasterIdLst>
   <p:sldIdLst>
     <p:sldId id="259" r:id="rId2"/>
@@ -15,9 +15,11 @@
     <p:sldId id="267" r:id="rId6"/>
     <p:sldId id="271" r:id="rId7"/>
     <p:sldId id="272" r:id="rId8"/>
-    <p:sldId id="274" r:id="rId9"/>
-    <p:sldId id="273" r:id="rId10"/>
-    <p:sldId id="269" r:id="rId11"/>
+    <p:sldId id="275" r:id="rId9"/>
+    <p:sldId id="276" r:id="rId10"/>
+    <p:sldId id="274" r:id="rId11"/>
+    <p:sldId id="273" r:id="rId12"/>
+    <p:sldId id="269" r:id="rId13"/>
   </p:sldIdLst>
   <p:sldSz cx="9144000" cy="6858000" type="screen4x3"/>
   <p:notesSz cx="6858000" cy="9144000"/>
@@ -118,7 +120,7 @@
   </p:defaultTextStyle>
   <p:extLst>
     <p:ext uri="{521415D9-36F7-43E2-AB2F-B90AF26B5E84}">
-      <p14:sectionLst xmlns:p14="http://schemas.microsoft.com/office/powerpoint/2010/main" xmlns="">
+      <p14:sectionLst xmlns:p14="http://schemas.microsoft.com/office/powerpoint/2010/main">
         <p14:section name="Default Section" id="{992832F5-EA01-48E5-B403-87E193F50680}">
           <p14:sldIdLst>
             <p14:sldId id="259"/>
@@ -133,7 +135,6 @@
         <p14:section name="Status Update" id="{521DEF98-8796-4632-831A-16252E9A6054}">
           <p14:sldIdLst>
             <p14:sldId id="268"/>
-            <p14:sldId id="262"/>
           </p14:sldIdLst>
         </p14:section>
         <p14:section name="Timeline" id="{CF24EBA6-C924-424D-AC31-A4B9992A87E0}">
@@ -142,6 +143,12 @@
         <p14:section name="Next Steps and Action Items" id="{C24C98EC-938D-4034-8DB8-5E8DBF16E3CB}">
           <p14:sldIdLst>
             <p14:sldId id="267"/>
+            <p14:sldId id="271"/>
+            <p14:sldId id="272"/>
+            <p14:sldId id="275"/>
+            <p14:sldId id="276"/>
+            <p14:sldId id="274"/>
+            <p14:sldId id="273"/>
             <p14:sldId id="269"/>
           </p14:sldIdLst>
         </p14:section>
@@ -1367,29 +1374,29 @@
     </dgm:pt>
   </dgm:ptLst>
   <dgm:cxnLst>
+    <dgm:cxn modelId="{5EBF790F-CC7C-4BBA-98A7-614FB5283795}" srcId="{D3864EA6-13E7-440F-948B-8118F5878A44}" destId="{6461E40C-FAF1-4C11-9CA4-01B7756558A8}" srcOrd="1" destOrd="0" parTransId="{5418FCE5-0AC2-479F-8F47-D35F7A60BD8D}" sibTransId="{3D67A8BA-4FB2-401F-A3C1-92132B645061}"/>
+    <dgm:cxn modelId="{F383A1C8-295E-4F6E-9C5D-67AA4DB4F7EB}" type="presOf" srcId="{ED3CCD02-8D75-4A08-AD85-C5F828B29313}" destId="{79A2186A-8429-4E95-A4D2-214813090081}" srcOrd="1" destOrd="0" presId="urn:microsoft.com/office/officeart/2005/8/layout/radial5"/>
     <dgm:cxn modelId="{54B2FED9-9F5A-482C-B7AD-CE780DBB4D7A}" type="presOf" srcId="{ED3CCD02-8D75-4A08-AD85-C5F828B29313}" destId="{E09D1B4B-09AE-4B1F-A409-CE344F8F9185}" srcOrd="0" destOrd="0" presId="urn:microsoft.com/office/officeart/2005/8/layout/radial5"/>
+    <dgm:cxn modelId="{7834DFDC-DD97-4D0F-B547-27AB53428B4B}" srcId="{19675BB5-4BE3-4E06-B2B3-AAA3D107C1A8}" destId="{D3864EA6-13E7-440F-948B-8118F5878A44}" srcOrd="0" destOrd="0" parTransId="{5F920266-1B6A-4D7D-8C8B-D20E2934BF67}" sibTransId="{F4FE127A-F33D-4F59-961D-A505D5A781EE}"/>
+    <dgm:cxn modelId="{33CA9426-6028-4F9E-ADDB-AA3042A81F7D}" type="presOf" srcId="{6461E40C-FAF1-4C11-9CA4-01B7756558A8}" destId="{8FE55D76-69B8-469D-BE4A-A0F9F69D5110}" srcOrd="0" destOrd="0" presId="urn:microsoft.com/office/officeart/2005/8/layout/radial5"/>
+    <dgm:cxn modelId="{29FA02FA-E640-4261-806B-AA21CEF811C3}" type="presOf" srcId="{E1D6882F-7F41-4B9B-8326-079D0B7775D3}" destId="{FB0FDE60-5A66-47CD-855C-10B0ABFAFF6D}" srcOrd="0" destOrd="0" presId="urn:microsoft.com/office/officeart/2005/8/layout/radial5"/>
+    <dgm:cxn modelId="{9D61B47E-7F41-4639-962A-9097B26F323C}" type="presOf" srcId="{5418FCE5-0AC2-479F-8F47-D35F7A60BD8D}" destId="{AF2E0478-D773-4966-9A95-8E70AD7139B7}" srcOrd="1" destOrd="0" presId="urn:microsoft.com/office/officeart/2005/8/layout/radial5"/>
+    <dgm:cxn modelId="{F20E6E35-2EF6-49E1-BCE2-AF737813AC7F}" srcId="{D3864EA6-13E7-440F-948B-8118F5878A44}" destId="{C2B16F5E-4FD9-4E6C-984C-5FB34252F788}" srcOrd="4" destOrd="0" parTransId="{8F21B166-5620-46A8-A5DD-72EAE361E61D}" sibTransId="{D972BA52-9B06-4D48-9819-200C1326EA4D}"/>
+    <dgm:cxn modelId="{7362BBE9-CE05-48ED-9B0F-19744BB7FA24}" type="presOf" srcId="{CFE62A0D-AFCB-42FF-A2F7-4127DE6E4A06}" destId="{5E3992B2-2FF9-4710-BC5D-D3CABAC0944B}" srcOrd="1" destOrd="0" presId="urn:microsoft.com/office/officeart/2005/8/layout/radial5"/>
+    <dgm:cxn modelId="{67029EA3-AC4E-48C5-87CF-57A4733799CA}" type="presOf" srcId="{E1D6882F-7F41-4B9B-8326-079D0B7775D3}" destId="{D9C29361-9907-4AA5-9D4C-465D8E4516DA}" srcOrd="1" destOrd="0" presId="urn:microsoft.com/office/officeart/2005/8/layout/radial5"/>
     <dgm:cxn modelId="{DF0DC324-3E24-4C19-A1FD-DD9570009774}" type="presOf" srcId="{9A038BAD-1DAA-4E08-AF5C-7A535C3A31A3}" destId="{492A8904-4F29-41B2-8DF6-9E5DB43B598E}" srcOrd="0" destOrd="0" presId="urn:microsoft.com/office/officeart/2005/8/layout/radial5"/>
-    <dgm:cxn modelId="{7362BBE9-CE05-48ED-9B0F-19744BB7FA24}" type="presOf" srcId="{CFE62A0D-AFCB-42FF-A2F7-4127DE6E4A06}" destId="{5E3992B2-2FF9-4710-BC5D-D3CABAC0944B}" srcOrd="1" destOrd="0" presId="urn:microsoft.com/office/officeart/2005/8/layout/radial5"/>
+    <dgm:cxn modelId="{459BE59C-8527-4040-AA6D-E00460E9E8BD}" type="presOf" srcId="{D3864EA6-13E7-440F-948B-8118F5878A44}" destId="{7ADCFBEC-172E-41BB-B545-FE2085E0B744}" srcOrd="0" destOrd="0" presId="urn:microsoft.com/office/officeart/2005/8/layout/radial5"/>
+    <dgm:cxn modelId="{26D1578F-8BE0-4DFF-B5B7-36D919C7DF48}" type="presOf" srcId="{19675BB5-4BE3-4E06-B2B3-AAA3D107C1A8}" destId="{EB09D521-9D02-4B4D-80CB-EB847731A63E}" srcOrd="0" destOrd="0" presId="urn:microsoft.com/office/officeart/2005/8/layout/radial5"/>
+    <dgm:cxn modelId="{41966F54-3C25-450E-8104-04B2B9165959}" srcId="{D3864EA6-13E7-440F-948B-8118F5878A44}" destId="{813DB034-1CFA-4CE1-8536-6BC256192226}" srcOrd="0" destOrd="0" parTransId="{ED3CCD02-8D75-4A08-AD85-C5F828B29313}" sibTransId="{F3516F2D-4619-4753-A81E-130803DFBFC7}"/>
+    <dgm:cxn modelId="{B78770BC-227B-404F-8185-2F70ECA32605}" srcId="{D3864EA6-13E7-440F-948B-8118F5878A44}" destId="{14E5A95F-9DC9-4E33-B709-14C57323ACAA}" srcOrd="2" destOrd="0" parTransId="{CFE62A0D-AFCB-42FF-A2F7-4127DE6E4A06}" sibTransId="{87455A86-154D-4572-BF6D-F5FEBED08194}"/>
+    <dgm:cxn modelId="{4D341991-5DB3-4739-89C1-0B6A24A114E8}" type="presOf" srcId="{5418FCE5-0AC2-479F-8F47-D35F7A60BD8D}" destId="{4873F644-A37B-4263-BDD3-7D4AECF93436}" srcOrd="0" destOrd="0" presId="urn:microsoft.com/office/officeart/2005/8/layout/radial5"/>
+    <dgm:cxn modelId="{7598B8A9-9332-4A2B-B5D9-CF010EBBDF46}" type="presOf" srcId="{8F21B166-5620-46A8-A5DD-72EAE361E61D}" destId="{8C992717-B056-4E89-850B-547F00D86B47}" srcOrd="1" destOrd="0" presId="urn:microsoft.com/office/officeart/2005/8/layout/radial5"/>
     <dgm:cxn modelId="{D455749F-4F4C-4295-A229-F1CAA9A84B33}" type="presOf" srcId="{C2B16F5E-4FD9-4E6C-984C-5FB34252F788}" destId="{A0AE6ABD-EFF8-41C2-907C-790C07DF522C}" srcOrd="0" destOrd="0" presId="urn:microsoft.com/office/officeart/2005/8/layout/radial5"/>
-    <dgm:cxn modelId="{26D1578F-8BE0-4DFF-B5B7-36D919C7DF48}" type="presOf" srcId="{19675BB5-4BE3-4E06-B2B3-AAA3D107C1A8}" destId="{EB09D521-9D02-4B4D-80CB-EB847731A63E}" srcOrd="0" destOrd="0" presId="urn:microsoft.com/office/officeart/2005/8/layout/radial5"/>
-    <dgm:cxn modelId="{29FA02FA-E640-4261-806B-AA21CEF811C3}" type="presOf" srcId="{E1D6882F-7F41-4B9B-8326-079D0B7775D3}" destId="{FB0FDE60-5A66-47CD-855C-10B0ABFAFF6D}" srcOrd="0" destOrd="0" presId="urn:microsoft.com/office/officeart/2005/8/layout/radial5"/>
+    <dgm:cxn modelId="{7EB75183-B20B-4EE8-AF71-83BA84E1BE0D}" type="presOf" srcId="{8F21B166-5620-46A8-A5DD-72EAE361E61D}" destId="{470BEB95-5498-4076-A7AD-52EA2D6058A0}" srcOrd="0" destOrd="0" presId="urn:microsoft.com/office/officeart/2005/8/layout/radial5"/>
+    <dgm:cxn modelId="{33010AF7-9670-4113-8A43-897FBCF42E9F}" type="presOf" srcId="{CFE62A0D-AFCB-42FF-A2F7-4127DE6E4A06}" destId="{8999D690-D432-4F1A-B2AE-D98A61E6F24A}" srcOrd="0" destOrd="0" presId="urn:microsoft.com/office/officeart/2005/8/layout/radial5"/>
     <dgm:cxn modelId="{F98C9256-0E52-4294-AA5B-17A525F41415}" type="presOf" srcId="{813DB034-1CFA-4CE1-8536-6BC256192226}" destId="{60779230-642B-46DB-B5CA-FC2220C38859}" srcOrd="0" destOrd="0" presId="urn:microsoft.com/office/officeart/2005/8/layout/radial5"/>
-    <dgm:cxn modelId="{41966F54-3C25-450E-8104-04B2B9165959}" srcId="{D3864EA6-13E7-440F-948B-8118F5878A44}" destId="{813DB034-1CFA-4CE1-8536-6BC256192226}" srcOrd="0" destOrd="0" parTransId="{ED3CCD02-8D75-4A08-AD85-C5F828B29313}" sibTransId="{F3516F2D-4619-4753-A81E-130803DFBFC7}"/>
-    <dgm:cxn modelId="{7598B8A9-9332-4A2B-B5D9-CF010EBBDF46}" type="presOf" srcId="{8F21B166-5620-46A8-A5DD-72EAE361E61D}" destId="{8C992717-B056-4E89-850B-547F00D86B47}" srcOrd="1" destOrd="0" presId="urn:microsoft.com/office/officeart/2005/8/layout/radial5"/>
+    <dgm:cxn modelId="{F67B8136-3A2B-408C-9570-C50B3786C6D1}" srcId="{D3864EA6-13E7-440F-948B-8118F5878A44}" destId="{9A038BAD-1DAA-4E08-AF5C-7A535C3A31A3}" srcOrd="3" destOrd="0" parTransId="{E1D6882F-7F41-4B9B-8326-079D0B7775D3}" sibTransId="{BF904E21-59DA-42DB-BE7C-359EAF11BFDB}"/>
     <dgm:cxn modelId="{D74F0E62-DE98-4010-8B2E-1EAAA9E56350}" type="presOf" srcId="{14E5A95F-9DC9-4E33-B709-14C57323ACAA}" destId="{0B5562C5-56E9-4F94-AD9A-09B6AA6E206F}" srcOrd="0" destOrd="0" presId="urn:microsoft.com/office/officeart/2005/8/layout/radial5"/>
-    <dgm:cxn modelId="{5EBF790F-CC7C-4BBA-98A7-614FB5283795}" srcId="{D3864EA6-13E7-440F-948B-8118F5878A44}" destId="{6461E40C-FAF1-4C11-9CA4-01B7756558A8}" srcOrd="1" destOrd="0" parTransId="{5418FCE5-0AC2-479F-8F47-D35F7A60BD8D}" sibTransId="{3D67A8BA-4FB2-401F-A3C1-92132B645061}"/>
-    <dgm:cxn modelId="{7834DFDC-DD97-4D0F-B547-27AB53428B4B}" srcId="{19675BB5-4BE3-4E06-B2B3-AAA3D107C1A8}" destId="{D3864EA6-13E7-440F-948B-8118F5878A44}" srcOrd="0" destOrd="0" parTransId="{5F920266-1B6A-4D7D-8C8B-D20E2934BF67}" sibTransId="{F4FE127A-F33D-4F59-961D-A505D5A781EE}"/>
-    <dgm:cxn modelId="{7EB75183-B20B-4EE8-AF71-83BA84E1BE0D}" type="presOf" srcId="{8F21B166-5620-46A8-A5DD-72EAE361E61D}" destId="{470BEB95-5498-4076-A7AD-52EA2D6058A0}" srcOrd="0" destOrd="0" presId="urn:microsoft.com/office/officeart/2005/8/layout/radial5"/>
-    <dgm:cxn modelId="{F383A1C8-295E-4F6E-9C5D-67AA4DB4F7EB}" type="presOf" srcId="{ED3CCD02-8D75-4A08-AD85-C5F828B29313}" destId="{79A2186A-8429-4E95-A4D2-214813090081}" srcOrd="1" destOrd="0" presId="urn:microsoft.com/office/officeart/2005/8/layout/radial5"/>
-    <dgm:cxn modelId="{4D341991-5DB3-4739-89C1-0B6A24A114E8}" type="presOf" srcId="{5418FCE5-0AC2-479F-8F47-D35F7A60BD8D}" destId="{4873F644-A37B-4263-BDD3-7D4AECF93436}" srcOrd="0" destOrd="0" presId="urn:microsoft.com/office/officeart/2005/8/layout/radial5"/>
-    <dgm:cxn modelId="{67029EA3-AC4E-48C5-87CF-57A4733799CA}" type="presOf" srcId="{E1D6882F-7F41-4B9B-8326-079D0B7775D3}" destId="{D9C29361-9907-4AA5-9D4C-465D8E4516DA}" srcOrd="1" destOrd="0" presId="urn:microsoft.com/office/officeart/2005/8/layout/radial5"/>
-    <dgm:cxn modelId="{B78770BC-227B-404F-8185-2F70ECA32605}" srcId="{D3864EA6-13E7-440F-948B-8118F5878A44}" destId="{14E5A95F-9DC9-4E33-B709-14C57323ACAA}" srcOrd="2" destOrd="0" parTransId="{CFE62A0D-AFCB-42FF-A2F7-4127DE6E4A06}" sibTransId="{87455A86-154D-4572-BF6D-F5FEBED08194}"/>
-    <dgm:cxn modelId="{33CA9426-6028-4F9E-ADDB-AA3042A81F7D}" type="presOf" srcId="{6461E40C-FAF1-4C11-9CA4-01B7756558A8}" destId="{8FE55D76-69B8-469D-BE4A-A0F9F69D5110}" srcOrd="0" destOrd="0" presId="urn:microsoft.com/office/officeart/2005/8/layout/radial5"/>
-    <dgm:cxn modelId="{459BE59C-8527-4040-AA6D-E00460E9E8BD}" type="presOf" srcId="{D3864EA6-13E7-440F-948B-8118F5878A44}" destId="{7ADCFBEC-172E-41BB-B545-FE2085E0B744}" srcOrd="0" destOrd="0" presId="urn:microsoft.com/office/officeart/2005/8/layout/radial5"/>
-    <dgm:cxn modelId="{F20E6E35-2EF6-49E1-BCE2-AF737813AC7F}" srcId="{D3864EA6-13E7-440F-948B-8118F5878A44}" destId="{C2B16F5E-4FD9-4E6C-984C-5FB34252F788}" srcOrd="4" destOrd="0" parTransId="{8F21B166-5620-46A8-A5DD-72EAE361E61D}" sibTransId="{D972BA52-9B06-4D48-9819-200C1326EA4D}"/>
-    <dgm:cxn modelId="{F67B8136-3A2B-408C-9570-C50B3786C6D1}" srcId="{D3864EA6-13E7-440F-948B-8118F5878A44}" destId="{9A038BAD-1DAA-4E08-AF5C-7A535C3A31A3}" srcOrd="3" destOrd="0" parTransId="{E1D6882F-7F41-4B9B-8326-079D0B7775D3}" sibTransId="{BF904E21-59DA-42DB-BE7C-359EAF11BFDB}"/>
-    <dgm:cxn modelId="{33010AF7-9670-4113-8A43-897FBCF42E9F}" type="presOf" srcId="{CFE62A0D-AFCB-42FF-A2F7-4127DE6E4A06}" destId="{8999D690-D432-4F1A-B2AE-D98A61E6F24A}" srcOrd="0" destOrd="0" presId="urn:microsoft.com/office/officeart/2005/8/layout/radial5"/>
-    <dgm:cxn modelId="{9D61B47E-7F41-4639-962A-9097B26F323C}" type="presOf" srcId="{5418FCE5-0AC2-479F-8F47-D35F7A60BD8D}" destId="{AF2E0478-D773-4966-9A95-8E70AD7139B7}" srcOrd="1" destOrd="0" presId="urn:microsoft.com/office/officeart/2005/8/layout/radial5"/>
     <dgm:cxn modelId="{7A2CDD09-A224-4181-B0A8-F745690C8BD3}" type="presParOf" srcId="{EB09D521-9D02-4B4D-80CB-EB847731A63E}" destId="{7ADCFBEC-172E-41BB-B545-FE2085E0B744}" srcOrd="0" destOrd="0" presId="urn:microsoft.com/office/officeart/2005/8/layout/radial5"/>
     <dgm:cxn modelId="{7BB1E9F2-577C-4EDD-9E82-599DABB04466}" type="presParOf" srcId="{EB09D521-9D02-4B4D-80CB-EB847731A63E}" destId="{E09D1B4B-09AE-4B1F-A409-CE344F8F9185}" srcOrd="1" destOrd="0" presId="urn:microsoft.com/office/officeart/2005/8/layout/radial5"/>
     <dgm:cxn modelId="{E09E266F-8E22-44BE-8978-A502F4303C38}" type="presParOf" srcId="{E09D1B4B-09AE-4B1F-A409-CE344F8F9185}" destId="{79A2186A-8429-4E95-A4D2-214813090081}" srcOrd="0" destOrd="0" presId="urn:microsoft.com/office/officeart/2005/8/layout/radial5"/>
@@ -1411,14 +1418,14 @@
   <dgm:whole/>
   <dgm:extLst>
     <a:ext uri="http://schemas.microsoft.com/office/drawing/2008/diagram">
-      <dsp:dataModelExt xmlns:dsp="http://schemas.microsoft.com/office/drawing/2008/diagram" xmlns="" relId="rId10" minVer="http://schemas.openxmlformats.org/drawingml/2006/diagram"/>
+      <dsp:dataModelExt xmlns:dsp="http://schemas.microsoft.com/office/drawing/2008/diagram" relId="rId10" minVer="http://schemas.openxmlformats.org/drawingml/2006/diagram"/>
     </a:ext>
   </dgm:extLst>
 </dgm:dataModel>
 </file>
 
 <file path=ppt/diagrams/drawing1.xml><?xml version="1.0" encoding="utf-8"?>
-<dsp:drawing xmlns:dgm="http://schemas.openxmlformats.org/drawingml/2006/diagram" xmlns:a="http://schemas.openxmlformats.org/drawingml/2006/main" xmlns:dsp="http://schemas.microsoft.com/office/drawing/2008/diagram">
+<dsp:drawing xmlns:dgm="http://schemas.openxmlformats.org/drawingml/2006/diagram" xmlns:dsp="http://schemas.microsoft.com/office/drawing/2008/diagram" xmlns:a="http://schemas.openxmlformats.org/drawingml/2006/main">
   <dsp:spTree>
     <dsp:nvGrpSpPr>
       <dsp:cNvPr id="0" name=""/>
@@ -1548,8 +1555,8 @@
         </a:p>
       </dsp:txBody>
       <dsp:txXfrm>
-        <a:off x="3337689" y="1658658"/>
-        <a:ext cx="1668520" cy="1668520"/>
+        <a:off x="3582038" y="1903007"/>
+        <a:ext cx="1179822" cy="1179822"/>
       </dsp:txXfrm>
     </dsp:sp>
     <dsp:sp modelId="{E09D1B4B-09AE-4B1F-A409-CE344F8F9185}">
@@ -1671,9 +1678,9 @@
           <a:endParaRPr lang="en-US" sz="1900" kern="1200"/>
         </a:p>
       </dsp:txBody>
-      <dsp:txXfrm rot="16179437">
-        <a:off x="4111457" y="1335520"/>
-        <a:ext cx="109803" cy="445347"/>
+      <dsp:txXfrm rot="10800000">
+        <a:off x="4128026" y="1441059"/>
+        <a:ext cx="76862" cy="267209"/>
       </dsp:txXfrm>
     </dsp:sp>
     <dsp:sp modelId="{60779230-642B-46DB-B5CA-FC2220C38859}">
@@ -1799,8 +1806,8 @@
         </a:p>
       </dsp:txBody>
       <dsp:txXfrm>
-        <a:off x="3390904" y="-88903"/>
-        <a:ext cx="1540417" cy="1540417"/>
+        <a:off x="3616493" y="136686"/>
+        <a:ext cx="1089239" cy="1089239"/>
       </dsp:txXfrm>
     </dsp:sp>
     <dsp:sp modelId="{4873F644-A37B-4263-BDD3-7D4AECF93436}">
@@ -1922,9 +1929,9 @@
           <a:endParaRPr lang="en-US" sz="1900" kern="1200"/>
         </a:p>
       </dsp:txBody>
-      <dsp:txXfrm rot="20508725">
-        <a:off x="5005956" y="1977808"/>
-        <a:ext cx="112156" cy="445347"/>
+      <dsp:txXfrm>
+        <a:off x="5006797" y="2072128"/>
+        <a:ext cx="78509" cy="267209"/>
       </dsp:txXfrm>
     </dsp:sp>
     <dsp:sp modelId="{8FE55D76-69B8-469D-BE4A-A0F9F69D5110}">
@@ -2054,8 +2061,8 @@
         </a:p>
       </dsp:txBody>
       <dsp:txXfrm>
-        <a:off x="5127090" y="1155847"/>
-        <a:ext cx="1540417" cy="1540417"/>
+        <a:off x="5352679" y="1381436"/>
+        <a:ext cx="1089239" cy="1089239"/>
       </dsp:txXfrm>
     </dsp:sp>
     <dsp:sp modelId="{8999D690-D432-4F1A-B2AE-D98A61E6F24A}">
@@ -2177,9 +2184,9 @@
           <a:endParaRPr lang="en-US" sz="1900" kern="1200"/>
         </a:p>
       </dsp:txBody>
-      <dsp:txXfrm rot="3240000">
-        <a:off x="4666931" y="3035391"/>
-        <a:ext cx="121859" cy="445347"/>
+      <dsp:txXfrm>
+        <a:off x="4674466" y="3109672"/>
+        <a:ext cx="85301" cy="267209"/>
       </dsp:txXfrm>
     </dsp:sp>
     <dsp:sp modelId="{0B5562C5-56E9-4F94-AD9A-09B6AA6E206F}">
@@ -2305,8 +2312,8 @@
         </a:p>
       </dsp:txBody>
       <dsp:txXfrm>
-        <a:off x="4479969" y="3206764"/>
-        <a:ext cx="1540417" cy="1540417"/>
+        <a:off x="4705558" y="3432353"/>
+        <a:ext cx="1089239" cy="1089239"/>
       </dsp:txXfrm>
     </dsp:sp>
     <dsp:sp modelId="{FB0FDE60-5A66-47CD-855C-10B0ABFAFF6D}">
@@ -2428,9 +2435,9 @@
           <a:endParaRPr lang="en-US" sz="1900" kern="1200"/>
         </a:p>
       </dsp:txBody>
-      <dsp:txXfrm rot="7560000">
-        <a:off x="3555109" y="3035391"/>
-        <a:ext cx="121859" cy="445347"/>
+      <dsp:txXfrm rot="10800000">
+        <a:off x="3584132" y="3109672"/>
+        <a:ext cx="85301" cy="267209"/>
       </dsp:txXfrm>
     </dsp:sp>
     <dsp:sp modelId="{492A8904-4F29-41B2-8DF6-9E5DB43B598E}">
@@ -2556,8 +2563,8 @@
         </a:p>
       </dsp:txBody>
       <dsp:txXfrm>
-        <a:off x="2323512" y="3206764"/>
-        <a:ext cx="1540417" cy="1540417"/>
+        <a:off x="2549101" y="3432353"/>
+        <a:ext cx="1089239" cy="1089239"/>
       </dsp:txXfrm>
     </dsp:sp>
     <dsp:sp modelId="{470BEB95-5498-4076-A7AD-52EA2D6058A0}">
@@ -2679,9 +2686,9 @@
           <a:endParaRPr lang="en-US" sz="1900" kern="1200"/>
         </a:p>
       </dsp:txBody>
-      <dsp:txXfrm rot="11880000">
-        <a:off x="3211536" y="1977985"/>
-        <a:ext cx="121859" cy="445347"/>
+      <dsp:txXfrm rot="10800000">
+        <a:off x="3247199" y="2072703"/>
+        <a:ext cx="85301" cy="267209"/>
       </dsp:txXfrm>
     </dsp:sp>
     <dsp:sp modelId="{A0AE6ABD-EFF8-41C2-907C-790C07DF522C}">
@@ -2824,8 +2831,8 @@
         </a:p>
       </dsp:txBody>
       <dsp:txXfrm>
-        <a:off x="1657130" y="1155851"/>
-        <a:ext cx="1540417" cy="1540417"/>
+        <a:off x="1882719" y="1381440"/>
+        <a:ext cx="1089239" cy="1089239"/>
       </dsp:txXfrm>
     </dsp:sp>
   </dsp:spTree>
@@ -4214,7 +4221,7 @@
             <a:fld id="{724506C0-3FFE-45A5-803D-9F4FC5464A70}" type="datetimeFigureOut">
               <a:rPr lang="en-US" smtClean="0"/>
               <a:pPr/>
-              <a:t>11/28/2011</a:t>
+              <a:t>11/29/2011</a:t>
             </a:fld>
             <a:endParaRPr lang="en-US"/>
           </a:p>
@@ -4383,7 +4390,7 @@
     </p:spTree>
     <p:extLst>
       <p:ext uri="{BB962C8B-B14F-4D97-AF65-F5344CB8AC3E}">
-        <p14:creationId xmlns:p14="http://schemas.microsoft.com/office/powerpoint/2010/main" xmlns="" val="650118158"/>
+        <p14:creationId xmlns:p14="http://schemas.microsoft.com/office/powerpoint/2010/main" val="650118158"/>
       </p:ext>
     </p:extLst>
   </p:cSld>
@@ -5047,7 +5054,7 @@
             <a:fld id="{5E0C3846-8D4C-4326-8BC7-9B455A036298}" type="slidenum">
               <a:rPr lang="en-US" smtClean="0"/>
               <a:pPr/>
-              <a:t>9</a:t>
+              <a:t>11</a:t>
             </a:fld>
             <a:endParaRPr lang="en-US"/>
           </a:p>
@@ -5235,7 +5242,7 @@
             <a:fld id="{F922158D-428B-4987-8B28-745A2AFA1252}" type="datetimeFigureOut">
               <a:rPr lang="en-US" smtClean="0"/>
               <a:pPr/>
-              <a:t>11/28/2011</a:t>
+              <a:t>11/29/2011</a:t>
             </a:fld>
             <a:endParaRPr lang="en-US"/>
           </a:p>
@@ -5296,7 +5303,7 @@
           <a:blip r:embed="rId2" cstate="email">
             <a:extLst>
               <a:ext uri="{28A0092B-C50C-407E-A947-70E740481C1C}">
-                <a14:useLocalDpi xmlns:a14="http://schemas.microsoft.com/office/drawing/2010/main" xmlns=""/>
+                <a14:useLocalDpi xmlns:a14="http://schemas.microsoft.com/office/drawing/2010/main"/>
               </a:ext>
             </a:extLst>
           </a:blip>
@@ -5326,7 +5333,7 @@
           <a:blip r:embed="rId3" cstate="email">
             <a:extLst>
               <a:ext uri="{28A0092B-C50C-407E-A947-70E740481C1C}">
-                <a14:useLocalDpi xmlns:a14="http://schemas.microsoft.com/office/drawing/2010/main" xmlns=""/>
+                <a14:useLocalDpi xmlns:a14="http://schemas.microsoft.com/office/drawing/2010/main"/>
               </a:ext>
             </a:extLst>
           </a:blip>
@@ -5365,7 +5372,7 @@
           <a:blip r:embed="rId4" cstate="email">
             <a:extLst>
               <a:ext uri="{28A0092B-C50C-407E-A947-70E740481C1C}">
-                <a14:useLocalDpi xmlns:a14="http://schemas.microsoft.com/office/drawing/2010/main" xmlns=""/>
+                <a14:useLocalDpi xmlns:a14="http://schemas.microsoft.com/office/drawing/2010/main"/>
               </a:ext>
             </a:extLst>
           </a:blip>
@@ -5404,7 +5411,7 @@
           <a:blip r:embed="rId5" cstate="email">
             <a:extLst>
               <a:ext uri="{28A0092B-C50C-407E-A947-70E740481C1C}">
-                <a14:useLocalDpi xmlns:a14="http://schemas.microsoft.com/office/drawing/2010/main" xmlns=""/>
+                <a14:useLocalDpi xmlns:a14="http://schemas.microsoft.com/office/drawing/2010/main"/>
               </a:ext>
             </a:extLst>
           </a:blip>
@@ -5965,7 +5972,7 @@
             <a:fld id="{F922158D-428B-4987-8B28-745A2AFA1252}" type="datetimeFigureOut">
               <a:rPr lang="en-US" smtClean="0"/>
               <a:pPr/>
-              <a:t>11/28/2011</a:t>
+              <a:t>11/29/2011</a:t>
             </a:fld>
             <a:endParaRPr lang="en-US"/>
           </a:p>
@@ -6152,7 +6159,7 @@
             <a:fld id="{F922158D-428B-4987-8B28-745A2AFA1252}" type="datetimeFigureOut">
               <a:rPr lang="en-US" smtClean="0"/>
               <a:pPr/>
-              <a:t>11/28/2011</a:t>
+              <a:t>11/29/2011</a:t>
             </a:fld>
             <a:endParaRPr lang="en-US"/>
           </a:p>
@@ -6329,7 +6336,7 @@
             <a:fld id="{F922158D-428B-4987-8B28-745A2AFA1252}" type="datetimeFigureOut">
               <a:rPr lang="en-US" smtClean="0"/>
               <a:pPr/>
-              <a:t>11/28/2011</a:t>
+              <a:t>11/29/2011</a:t>
             </a:fld>
             <a:endParaRPr lang="en-US"/>
           </a:p>
@@ -6583,7 +6590,7 @@
             <a:fld id="{F922158D-428B-4987-8B28-745A2AFA1252}" type="datetimeFigureOut">
               <a:rPr lang="en-US" smtClean="0"/>
               <a:pPr/>
-              <a:t>11/28/2011</a:t>
+              <a:t>11/29/2011</a:t>
             </a:fld>
             <a:endParaRPr lang="en-US"/>
           </a:p>
@@ -6667,7 +6674,7 @@
           <a:blip r:embed="rId3" cstate="email">
             <a:extLst>
               <a:ext uri="{28A0092B-C50C-407E-A947-70E740481C1C}">
-                <a14:useLocalDpi xmlns:a14="http://schemas.microsoft.com/office/drawing/2010/main" xmlns=""/>
+                <a14:useLocalDpi xmlns:a14="http://schemas.microsoft.com/office/drawing/2010/main"/>
               </a:ext>
             </a:extLst>
           </a:blip>
@@ -7113,7 +7120,7 @@
             <a:fld id="{F922158D-428B-4987-8B28-745A2AFA1252}" type="datetimeFigureOut">
               <a:rPr lang="en-US" smtClean="0"/>
               <a:pPr/>
-              <a:t>11/28/2011</a:t>
+              <a:t>11/29/2011</a:t>
             </a:fld>
             <a:endParaRPr lang="en-US"/>
           </a:p>
@@ -7503,7 +7510,7 @@
             <a:fld id="{F922158D-428B-4987-8B28-745A2AFA1252}" type="datetimeFigureOut">
               <a:rPr lang="en-US" smtClean="0"/>
               <a:pPr/>
-              <a:t>11/28/2011</a:t>
+              <a:t>11/29/2011</a:t>
             </a:fld>
             <a:endParaRPr lang="en-US"/>
           </a:p>
@@ -7665,7 +7672,7 @@
             <a:fld id="{F922158D-428B-4987-8B28-745A2AFA1252}" type="datetimeFigureOut">
               <a:rPr lang="en-US" smtClean="0"/>
               <a:pPr/>
-              <a:t>11/28/2011</a:t>
+              <a:t>11/29/2011</a:t>
             </a:fld>
             <a:endParaRPr lang="en-US"/>
           </a:p>
@@ -7767,7 +7774,7 @@
             <a:fld id="{F922158D-428B-4987-8B28-745A2AFA1252}" type="datetimeFigureOut">
               <a:rPr lang="en-US" smtClean="0"/>
               <a:pPr/>
-              <a:t>11/28/2011</a:t>
+              <a:t>11/29/2011</a:t>
             </a:fld>
             <a:endParaRPr lang="en-US"/>
           </a:p>
@@ -8040,7 +8047,7 @@
             <a:fld id="{F922158D-428B-4987-8B28-745A2AFA1252}" type="datetimeFigureOut">
               <a:rPr lang="en-US" smtClean="0"/>
               <a:pPr/>
-              <a:t>11/28/2011</a:t>
+              <a:t>11/29/2011</a:t>
             </a:fld>
             <a:endParaRPr lang="en-US"/>
           </a:p>
@@ -8340,7 +8347,7 @@
             <a:fld id="{F922158D-428B-4987-8B28-745A2AFA1252}" type="datetimeFigureOut">
               <a:rPr lang="en-US" smtClean="0"/>
               <a:pPr/>
-              <a:t>11/28/2011</a:t>
+              <a:t>11/29/2011</a:t>
             </a:fld>
             <a:endParaRPr lang="en-US"/>
           </a:p>
@@ -9123,7 +9130,7 @@
             <a:fld id="{F922158D-428B-4987-8B28-745A2AFA1252}" type="datetimeFigureOut">
               <a:rPr lang="en-US" smtClean="0"/>
               <a:pPr/>
-              <a:t>11/28/2011</a:t>
+              <a:t>11/29/2011</a:t>
             </a:fld>
             <a:endParaRPr lang="en-US"/>
           </a:p>
@@ -9870,11 +9877,7 @@
             <a:pPr algn="ctr"/>
             <a:r>
               <a:rPr lang="en-US" dirty="0" smtClean="0"/>
-              <a:t>29 Nov </a:t>
-            </a:r>
-            <a:r>
-              <a:rPr lang="en-US" dirty="0" smtClean="0"/>
-              <a:t>2011</a:t>
+              <a:t>29 Nov 2011</a:t>
             </a:r>
           </a:p>
         </p:txBody>
@@ -9927,6 +9930,284 @@
             <p:ph type="title"/>
           </p:nvPr>
         </p:nvSpPr>
+        <p:spPr/>
+        <p:txBody>
+          <a:bodyPr/>
+          <a:lstStyle/>
+          <a:p>
+            <a:r>
+              <a:rPr lang="en-US" dirty="0" smtClean="0"/>
+              <a:t>Game Limitations</a:t>
+            </a:r>
+            <a:endParaRPr lang="en-US" dirty="0"/>
+          </a:p>
+        </p:txBody>
+      </p:sp>
+      <p:sp>
+        <p:nvSpPr>
+          <p:cNvPr id="3" name="Content Placeholder 2"/>
+          <p:cNvSpPr>
+            <a:spLocks noGrp="1"/>
+          </p:cNvSpPr>
+          <p:nvPr>
+            <p:ph idx="1"/>
+          </p:nvPr>
+        </p:nvSpPr>
+        <p:spPr/>
+        <p:txBody>
+          <a:bodyPr>
+            <a:normAutofit fontScale="92500" lnSpcReduction="20000"/>
+          </a:bodyPr>
+          <a:lstStyle/>
+          <a:p>
+            <a:r>
+              <a:rPr lang="en-US" dirty="0" smtClean="0"/>
+              <a:t>Obstacle and target locations will be a fixed point.</a:t>
+            </a:r>
+          </a:p>
+          <a:p>
+            <a:endParaRPr lang="en-US" dirty="0" smtClean="0"/>
+          </a:p>
+          <a:p>
+            <a:r>
+              <a:rPr lang="en-US" dirty="0" smtClean="0"/>
+              <a:t>The game stages will be limited unless it is possible to generate objects randomly.</a:t>
+            </a:r>
+          </a:p>
+          <a:p>
+            <a:endParaRPr lang="en-US" dirty="0" smtClean="0"/>
+          </a:p>
+          <a:p>
+            <a:r>
+              <a:rPr lang="en-US" dirty="0" smtClean="0"/>
+              <a:t>Game reset will require all objects to return to their previous states, therefore there must be a way to remember previous locations.</a:t>
+            </a:r>
+          </a:p>
+          <a:p>
+            <a:endParaRPr lang="en-US" dirty="0" smtClean="0"/>
+          </a:p>
+          <a:p>
+            <a:r>
+              <a:rPr lang="en-US" dirty="0" smtClean="0"/>
+              <a:t>The game must be in a state such that game conditions are known or could receive messages from the server about game conditions.</a:t>
+            </a:r>
+          </a:p>
+        </p:txBody>
+      </p:sp>
+    </p:spTree>
+  </p:cSld>
+  <p:clrMapOvr>
+    <a:masterClrMapping/>
+  </p:clrMapOvr>
+  <p:transition spd="slow">
+    <p:fade/>
+  </p:transition>
+  <p:timing>
+    <p:tnLst>
+      <p:par>
+        <p:cTn id="1" dur="indefinite" restart="never" nodeType="tmRoot"/>
+      </p:par>
+    </p:tnLst>
+  </p:timing>
+</p:sld>
+</file>
+
+<file path=ppt/slides/slide11.xml><?xml version="1.0" encoding="utf-8"?>
+<p:sld xmlns:a="http://schemas.openxmlformats.org/drawingml/2006/main" xmlns:r="http://schemas.openxmlformats.org/officeDocument/2006/relationships" xmlns:p="http://schemas.openxmlformats.org/presentationml/2006/main">
+  <p:cSld>
+    <p:spTree>
+      <p:nvGrpSpPr>
+        <p:cNvPr id="1" name=""/>
+        <p:cNvGrpSpPr/>
+        <p:nvPr/>
+      </p:nvGrpSpPr>
+      <p:grpSpPr>
+        <a:xfrm>
+          <a:off x="0" y="0"/>
+          <a:ext cx="0" cy="0"/>
+          <a:chOff x="0" y="0"/>
+          <a:chExt cx="0" cy="0"/>
+        </a:xfrm>
+      </p:grpSpPr>
+      <p:sp>
+        <p:nvSpPr>
+          <p:cNvPr id="2" name="Title 1"/>
+          <p:cNvSpPr>
+            <a:spLocks noGrp="1"/>
+          </p:cNvSpPr>
+          <p:nvPr>
+            <p:ph type="title"/>
+            <p:custDataLst>
+              <p:tags r:id="rId2"/>
+            </p:custDataLst>
+          </p:nvPr>
+        </p:nvSpPr>
+        <p:spPr/>
+        <p:txBody>
+          <a:bodyPr>
+            <a:normAutofit/>
+          </a:bodyPr>
+          <a:lstStyle/>
+          <a:p>
+            <a:r>
+              <a:rPr lang="en-US" sz="6000" b="1" dirty="0" smtClean="0"/>
+              <a:t>Current Status</a:t>
+            </a:r>
+            <a:endParaRPr lang="en-US" sz="6000" b="1" dirty="0"/>
+          </a:p>
+        </p:txBody>
+      </p:sp>
+      <p:sp>
+        <p:nvSpPr>
+          <p:cNvPr id="4" name="Content Placeholder 3"/>
+          <p:cNvSpPr>
+            <a:spLocks noGrp="1"/>
+          </p:cNvSpPr>
+          <p:nvPr>
+            <p:ph idx="1"/>
+          </p:nvPr>
+        </p:nvSpPr>
+        <p:spPr/>
+        <p:txBody>
+          <a:bodyPr>
+            <a:normAutofit lnSpcReduction="10000"/>
+          </a:bodyPr>
+          <a:lstStyle/>
+          <a:p>
+            <a:pPr>
+              <a:lnSpc>
+                <a:spcPct val="150000"/>
+              </a:lnSpc>
+            </a:pPr>
+            <a:r>
+              <a:rPr lang="en-US" dirty="0" smtClean="0"/>
+              <a:t>Progress that </a:t>
+            </a:r>
+            <a:r>
+              <a:rPr lang="en-US" dirty="0"/>
+              <a:t>has been </a:t>
+            </a:r>
+            <a:r>
+              <a:rPr lang="en-US" dirty="0" smtClean="0"/>
+              <a:t>made:</a:t>
+            </a:r>
+            <a:endParaRPr lang="en-US" dirty="0"/>
+          </a:p>
+          <a:p>
+            <a:pPr lvl="1">
+              <a:lnSpc>
+                <a:spcPct val="150000"/>
+              </a:lnSpc>
+            </a:pPr>
+            <a:r>
+              <a:rPr lang="en-US" dirty="0" smtClean="0"/>
+              <a:t>Communication between Kinect and Second Life</a:t>
+            </a:r>
+            <a:endParaRPr lang="en-US" dirty="0"/>
+          </a:p>
+          <a:p>
+            <a:pPr lvl="1">
+              <a:lnSpc>
+                <a:spcPct val="150000"/>
+              </a:lnSpc>
+            </a:pPr>
+            <a:r>
+              <a:rPr lang="en-US" dirty="0" smtClean="0"/>
+              <a:t>Rudimentary gesture events written with corresponding actions in Second Life</a:t>
+            </a:r>
+            <a:endParaRPr lang="en-US" dirty="0"/>
+          </a:p>
+          <a:p>
+            <a:pPr>
+              <a:lnSpc>
+                <a:spcPct val="150000"/>
+              </a:lnSpc>
+            </a:pPr>
+            <a:r>
+              <a:rPr lang="en-US" dirty="0" smtClean="0"/>
+              <a:t>Next Steps:</a:t>
+            </a:r>
+            <a:endParaRPr lang="en-US" dirty="0"/>
+          </a:p>
+          <a:p>
+            <a:pPr lvl="1">
+              <a:lnSpc>
+                <a:spcPct val="150000"/>
+              </a:lnSpc>
+            </a:pPr>
+            <a:r>
+              <a:rPr lang="en-US" dirty="0" smtClean="0"/>
+              <a:t>Need to develop the game engine</a:t>
+            </a:r>
+          </a:p>
+          <a:p>
+            <a:pPr lvl="1">
+              <a:lnSpc>
+                <a:spcPct val="150000"/>
+              </a:lnSpc>
+            </a:pPr>
+            <a:r>
+              <a:rPr lang="en-US" dirty="0" smtClean="0"/>
+              <a:t>Need to develop complex gestures and voice recognition</a:t>
+            </a:r>
+            <a:endParaRPr lang="en-US" dirty="0"/>
+          </a:p>
+          <a:p>
+            <a:pPr marL="0" indent="0">
+              <a:buNone/>
+            </a:pPr>
+            <a:endParaRPr lang="en-US" dirty="0"/>
+          </a:p>
+        </p:txBody>
+      </p:sp>
+    </p:spTree>
+    <p:custDataLst>
+      <p:tags r:id="rId1"/>
+    </p:custDataLst>
+  </p:cSld>
+  <p:clrMapOvr>
+    <a:masterClrMapping/>
+  </p:clrMapOvr>
+  <p:transition spd="slow">
+    <p:fade/>
+  </p:transition>
+  <p:timing>
+    <p:tnLst>
+      <p:par>
+        <p:cTn id="1" dur="indefinite" restart="never" nodeType="tmRoot"/>
+      </p:par>
+    </p:tnLst>
+  </p:timing>
+</p:sld>
+</file>
+
+<file path=ppt/slides/slide12.xml><?xml version="1.0" encoding="utf-8"?>
+<p:sld xmlns:a="http://schemas.openxmlformats.org/drawingml/2006/main" xmlns:r="http://schemas.openxmlformats.org/officeDocument/2006/relationships" xmlns:p="http://schemas.openxmlformats.org/presentationml/2006/main">
+  <p:cSld>
+    <p:spTree>
+      <p:nvGrpSpPr>
+        <p:cNvPr id="1" name=""/>
+        <p:cNvGrpSpPr/>
+        <p:nvPr/>
+      </p:nvGrpSpPr>
+      <p:grpSpPr>
+        <a:xfrm>
+          <a:off x="0" y="0"/>
+          <a:ext cx="0" cy="0"/>
+          <a:chOff x="0" y="0"/>
+          <a:chExt cx="0" cy="0"/>
+        </a:xfrm>
+      </p:grpSpPr>
+      <p:sp>
+        <p:nvSpPr>
+          <p:cNvPr id="2" name="Title 1"/>
+          <p:cNvSpPr>
+            <a:spLocks noGrp="1"/>
+          </p:cNvSpPr>
+          <p:nvPr>
+            <p:ph type="title"/>
+          </p:nvPr>
+        </p:nvSpPr>
         <p:spPr>
           <a:xfrm>
             <a:off x="381000" y="1752600"/>
@@ -9951,7 +10232,7 @@
     </p:spTree>
     <p:extLst>
       <p:ext uri="{BB962C8B-B14F-4D97-AF65-F5344CB8AC3E}">
-        <p14:creationId xmlns:p14="http://schemas.microsoft.com/office/powerpoint/2010/main" xmlns="" val="1933149179"/>
+        <p14:creationId xmlns:p14="http://schemas.microsoft.com/office/powerpoint/2010/main" val="1933149179"/>
       </p:ext>
     </p:extLst>
   </p:cSld>
@@ -10102,7 +10383,7 @@
     </p:spTree>
     <p:extLst>
       <p:ext uri="{BB962C8B-B14F-4D97-AF65-F5344CB8AC3E}">
-        <p14:creationId xmlns:p14="http://schemas.microsoft.com/office/powerpoint/2010/main" xmlns="" val="3818610722"/>
+        <p14:creationId xmlns:p14="http://schemas.microsoft.com/office/powerpoint/2010/main" val="3818610722"/>
       </p:ext>
     </p:extLst>
   </p:cSld>
@@ -10224,7 +10505,7 @@
           <a:blip r:embed="rId4" cstate="print">
             <a:extLst>
               <a:ext uri="{28A0092B-C50C-407E-A947-70E740481C1C}">
-                <a14:useLocalDpi xmlns:a14="http://schemas.microsoft.com/office/drawing/2010/main" xmlns="" val="0"/>
+                <a14:useLocalDpi xmlns:a14="http://schemas.microsoft.com/office/drawing/2010/main" val="0"/>
               </a:ext>
             </a:extLst>
           </a:blip>
@@ -10244,7 +10525,7 @@
           <a:noFill/>
           <a:extLst>
             <a:ext uri="{909E8E84-426E-40DD-AFC4-6F175D3DCCD1}">
-              <a14:hiddenFill xmlns:a14="http://schemas.microsoft.com/office/drawing/2010/main" xmlns="">
+              <a14:hiddenFill xmlns:a14="http://schemas.microsoft.com/office/drawing/2010/main">
                 <a:solidFill>
                   <a:srgbClr val="FFFFFF"/>
                 </a:solidFill>
@@ -10265,7 +10546,7 @@
           <a:blip r:embed="rId5" cstate="email">
             <a:extLst>
               <a:ext uri="{28A0092B-C50C-407E-A947-70E740481C1C}">
-                <a14:useLocalDpi xmlns:a14="http://schemas.microsoft.com/office/drawing/2010/main" xmlns="" val="0"/>
+                <a14:useLocalDpi xmlns:a14="http://schemas.microsoft.com/office/drawing/2010/main" val="0"/>
               </a:ext>
             </a:extLst>
           </a:blip>
@@ -10285,7 +10566,7 @@
           <a:noFill/>
           <a:extLst>
             <a:ext uri="{909E8E84-426E-40DD-AFC4-6F175D3DCCD1}">
-              <a14:hiddenFill xmlns:a14="http://schemas.microsoft.com/office/drawing/2010/main" xmlns="">
+              <a14:hiddenFill xmlns:a14="http://schemas.microsoft.com/office/drawing/2010/main">
                 <a:solidFill>
                   <a:srgbClr val="FFFFFF"/>
                 </a:solidFill>
@@ -10378,7 +10659,7 @@
             </p:custDataLst>
             <p:extLst>
               <p:ext uri="{D42A27DB-BD31-4B8C-83A1-F6EECF244321}">
-                <p14:modId xmlns:p14="http://schemas.microsoft.com/office/powerpoint/2010/main" xmlns="" val="69745022"/>
+                <p14:modId xmlns:p14="http://schemas.microsoft.com/office/powerpoint/2010/main" val="69745022"/>
               </p:ext>
             </p:extLst>
           </p:nvPr>
@@ -10704,7 +10985,6 @@
               <a:rPr lang="en-US" dirty="0" smtClean="0"/>
               <a:t>Game Implementation</a:t>
             </a:r>
-            <a:endParaRPr lang="en-US" dirty="0" smtClean="0"/>
           </a:p>
           <a:p>
             <a:pPr>
@@ -10762,7 +11042,7 @@
           <a:blip r:embed="rId5" cstate="print">
             <a:extLst>
               <a:ext uri="{28A0092B-C50C-407E-A947-70E740481C1C}">
-                <a14:useLocalDpi xmlns:a14="http://schemas.microsoft.com/office/drawing/2010/main" xmlns="" val="0"/>
+                <a14:useLocalDpi xmlns:a14="http://schemas.microsoft.com/office/drawing/2010/main" val="0"/>
               </a:ext>
             </a:extLst>
           </a:blip>
@@ -10782,7 +11062,7 @@
           <a:noFill/>
           <a:extLst>
             <a:ext uri="{909E8E84-426E-40DD-AFC4-6F175D3DCCD1}">
-              <a14:hiddenFill xmlns:a14="http://schemas.microsoft.com/office/drawing/2010/main" xmlns="">
+              <a14:hiddenFill xmlns:a14="http://schemas.microsoft.com/office/drawing/2010/main">
                 <a:solidFill>
                   <a:srgbClr val="FFFFFF"/>
                 </a:solidFill>
@@ -10944,11 +11224,7 @@
             </a:pPr>
             <a:r>
               <a:rPr lang="en-US" sz="2500" dirty="0" smtClean="0"/>
-              <a:t> Angry </a:t>
-            </a:r>
-            <a:r>
-              <a:rPr lang="en-US" sz="2500" dirty="0" smtClean="0"/>
-              <a:t>Birds</a:t>
+              <a:t> Angry Birds</a:t>
             </a:r>
           </a:p>
           <a:p>
@@ -10980,17 +11256,8 @@
             </a:pPr>
             <a:r>
               <a:rPr lang="en-US" sz="2500" dirty="0" smtClean="0"/>
-              <a:t>Smart </a:t>
-            </a:r>
-            <a:r>
-              <a:rPr lang="en-US" sz="2500" dirty="0" smtClean="0"/>
-              <a:t>o</a:t>
-            </a:r>
-            <a:r>
-              <a:rPr lang="en-US" sz="2500" dirty="0" smtClean="0"/>
-              <a:t>bject that receives messages from the server.</a:t>
-            </a:r>
-            <a:endParaRPr lang="en-US" sz="2500" dirty="0" smtClean="0"/>
+              <a:t>Smart object that receives messages from the server.</a:t>
+            </a:r>
           </a:p>
           <a:p>
             <a:pPr marL="274320" indent="-274320">
@@ -11008,7 +11275,6 @@
               <a:rPr lang="en-US" sz="2500" dirty="0" smtClean="0"/>
               <a:t>Obstacles</a:t>
             </a:r>
-            <a:endParaRPr lang="en-US" sz="2500" dirty="0" smtClean="0"/>
           </a:p>
           <a:p>
             <a:pPr marL="274320" indent="-274320">
@@ -11039,13 +11305,8 @@
             </a:pPr>
             <a:r>
               <a:rPr lang="en-US" sz="2500" dirty="0" smtClean="0"/>
-              <a:t> </a:t>
-            </a:r>
-            <a:r>
-              <a:rPr lang="en-US" sz="2500" dirty="0" smtClean="0"/>
-              <a:t>Pigs</a:t>
-            </a:r>
-            <a:endParaRPr lang="en-US" sz="2500" dirty="0" smtClean="0"/>
+              <a:t> Pigs</a:t>
+            </a:r>
           </a:p>
           <a:p>
             <a:endParaRPr lang="en-US" dirty="0"/>
@@ -11347,7 +11608,7 @@
       </p:grpSpPr>
       <p:sp>
         <p:nvSpPr>
-          <p:cNvPr id="2" name="Title 1"/>
+          <p:cNvPr id="4" name="Title 3"/>
           <p:cNvSpPr>
             <a:spLocks noGrp="1"/>
           </p:cNvSpPr>
@@ -11361,8 +11622,12 @@
           <a:lstStyle/>
           <a:p>
             <a:r>
-              <a:rPr lang="en-US" dirty="0" smtClean="0"/>
-              <a:t>Game Limitations</a:t>
+              <a:rPr lang="en-US" sz="4400" dirty="0">
+                <a:solidFill>
+                  <a:srgbClr val="04617B"/>
+                </a:solidFill>
+              </a:rPr>
+              <a:t>Gesture Tracking</a:t>
             </a:r>
             <a:endParaRPr lang="en-US" dirty="0"/>
           </a:p>
@@ -11370,61 +11635,190 @@
       </p:sp>
       <p:sp>
         <p:nvSpPr>
-          <p:cNvPr id="3" name="Content Placeholder 2"/>
+          <p:cNvPr id="6" name="Text Placeholder 5"/>
           <p:cNvSpPr>
             <a:spLocks noGrp="1"/>
           </p:cNvSpPr>
           <p:nvPr>
-            <p:ph idx="1"/>
+            <p:ph type="body" idx="2"/>
           </p:nvPr>
         </p:nvSpPr>
         <p:spPr/>
         <p:txBody>
-          <a:bodyPr>
-            <a:normAutofit fontScale="92500" lnSpcReduction="20000"/>
-          </a:bodyPr>
+          <a:bodyPr/>
           <a:lstStyle/>
           <a:p>
-            <a:r>
-              <a:rPr lang="en-US" dirty="0" smtClean="0"/>
-              <a:t>Obstacle and target locations will be a fixed point.</a:t>
-            </a:r>
-          </a:p>
-          <a:p>
-            <a:endParaRPr lang="en-US" dirty="0" smtClean="0"/>
-          </a:p>
-          <a:p>
-            <a:r>
-              <a:rPr lang="en-US" dirty="0" smtClean="0"/>
-              <a:t>The </a:t>
-            </a:r>
-            <a:r>
-              <a:rPr lang="en-US" dirty="0" smtClean="0"/>
-              <a:t>game stages will be limited unless it is possible to generate objects randomly.</a:t>
-            </a:r>
-          </a:p>
-          <a:p>
-            <a:endParaRPr lang="en-US" dirty="0" smtClean="0"/>
-          </a:p>
-          <a:p>
-            <a:r>
-              <a:rPr lang="en-US" dirty="0" smtClean="0"/>
-              <a:t>Game reset will require all objects to return to their previous states, therefore there must be a way to remember previous locations.</a:t>
-            </a:r>
-          </a:p>
-          <a:p>
-            <a:endParaRPr lang="en-US" dirty="0" smtClean="0"/>
-          </a:p>
-          <a:p>
-            <a:r>
-              <a:rPr lang="en-US" dirty="0" smtClean="0"/>
-              <a:t>The game must be in a state such that game conditions are known or could receive messages from the server about game conditions.</a:t>
-            </a:r>
-            <a:endParaRPr lang="en-US" dirty="0" smtClean="0"/>
+            <a:pPr marL="285750" lvl="0" indent="-285750">
+              <a:buClr>
+                <a:srgbClr val="0BD0D9"/>
+              </a:buClr>
+              <a:buFont typeface="Arial" pitchFamily="34" charset="0"/>
+              <a:buChar char="•"/>
+            </a:pPr>
+            <a:r>
+              <a:rPr lang="en-US" sz="2000" dirty="0">
+                <a:solidFill>
+                  <a:prstClr val="black"/>
+                </a:solidFill>
+              </a:rPr>
+              <a:t>Capturing specific gestures.</a:t>
+            </a:r>
+          </a:p>
+          <a:p>
+            <a:pPr marL="285750" lvl="0" indent="-285750">
+              <a:buClr>
+                <a:srgbClr val="0BD0D9"/>
+              </a:buClr>
+              <a:buFont typeface="Arial" pitchFamily="34" charset="0"/>
+              <a:buChar char="•"/>
+            </a:pPr>
+            <a:r>
+              <a:rPr lang="en-US" sz="2000" dirty="0">
+                <a:solidFill>
+                  <a:prstClr val="black"/>
+                </a:solidFill>
+              </a:rPr>
+              <a:t>Capturing hand and finger movement .</a:t>
+            </a:r>
+          </a:p>
+          <a:p>
+            <a:pPr marL="285750" lvl="0" indent="-285750">
+              <a:buClr>
+                <a:srgbClr val="0BD0D9"/>
+              </a:buClr>
+              <a:buFont typeface="Arial" pitchFamily="34" charset="0"/>
+              <a:buChar char="•"/>
+            </a:pPr>
+            <a:r>
+              <a:rPr lang="en-US" sz="2000" dirty="0">
+                <a:solidFill>
+                  <a:prstClr val="black"/>
+                </a:solidFill>
+              </a:rPr>
+              <a:t>Making fluid movement transition from the Kinect to Second Life</a:t>
+            </a:r>
+          </a:p>
+          <a:p>
+            <a:pPr marL="285750" lvl="0" indent="-285750">
+              <a:buClr>
+                <a:srgbClr val="0BD0D9"/>
+              </a:buClr>
+              <a:buFont typeface="Arial" pitchFamily="34" charset="0"/>
+              <a:buChar char="•"/>
+            </a:pPr>
+            <a:r>
+              <a:rPr lang="en-US" sz="2000" dirty="0">
+                <a:solidFill>
+                  <a:prstClr val="black"/>
+                </a:solidFill>
+              </a:rPr>
+              <a:t>Using the gestures from Kinect with the Objects in Second Life</a:t>
+            </a:r>
+          </a:p>
+          <a:p>
+            <a:endParaRPr lang="en-US" dirty="0"/>
           </a:p>
         </p:txBody>
       </p:sp>
+      <p:pic>
+        <p:nvPicPr>
+          <p:cNvPr id="7" name="Content Placeholder 5"/>
+          <p:cNvPicPr>
+            <a:picLocks noGrp="1" noChangeAspect="1"/>
+          </p:cNvPicPr>
+          <p:nvPr>
+            <p:ph sz="half" idx="1"/>
+          </p:nvPr>
+        </p:nvPicPr>
+        <p:blipFill>
+          <a:blip r:embed="rId2" cstate="email">
+            <a:extLst>
+              <a:ext uri="{28A0092B-C50C-407E-A947-70E740481C1C}">
+                <a14:useLocalDpi xmlns:a14="http://schemas.microsoft.com/office/drawing/2010/main" val="0"/>
+              </a:ext>
+            </a:extLst>
+          </a:blip>
+          <a:stretch>
+            <a:fillRect/>
+          </a:stretch>
+        </p:blipFill>
+        <p:spPr>
+          <a:xfrm>
+            <a:off x="3575050" y="2971800"/>
+            <a:ext cx="5111750" cy="2354032"/>
+          </a:xfrm>
+        </p:spPr>
+      </p:pic>
+      <p:pic>
+        <p:nvPicPr>
+          <p:cNvPr id="8" name="Picture 3"/>
+          <p:cNvPicPr>
+            <a:picLocks noChangeAspect="1" noChangeArrowheads="1"/>
+          </p:cNvPicPr>
+          <p:nvPr/>
+        </p:nvPicPr>
+        <p:blipFill>
+          <a:blip r:embed="rId3" cstate="email">
+            <a:extLst>
+              <a:ext uri="{28A0092B-C50C-407E-A947-70E740481C1C}">
+                <a14:useLocalDpi xmlns:a14="http://schemas.microsoft.com/office/drawing/2010/main" val="0"/>
+              </a:ext>
+            </a:extLst>
+          </a:blip>
+          <a:srcRect/>
+          <a:stretch>
+            <a:fillRect/>
+          </a:stretch>
+        </p:blipFill>
+        <p:spPr bwMode="auto">
+          <a:xfrm>
+            <a:off x="3581400" y="685800"/>
+            <a:ext cx="5105401" cy="2286000"/>
+          </a:xfrm>
+          <a:prstGeom prst="rect">
+            <a:avLst/>
+          </a:prstGeom>
+          <a:noFill/>
+          <a:ln>
+            <a:noFill/>
+          </a:ln>
+          <a:effectLst/>
+          <a:extLst>
+            <a:ext uri="{909E8E84-426E-40DD-AFC4-6F175D3DCCD1}">
+              <a14:hiddenFill xmlns:a14="http://schemas.microsoft.com/office/drawing/2010/main">
+                <a:solidFill>
+                  <a:schemeClr val="accent1"/>
+                </a:solidFill>
+              </a14:hiddenFill>
+            </a:ext>
+            <a:ext uri="{91240B29-F687-4F45-9708-019B960494DF}">
+              <a14:hiddenLine xmlns:a14="http://schemas.microsoft.com/office/drawing/2010/main" w="9525">
+                <a:solidFill>
+                  <a:schemeClr val="tx1"/>
+                </a:solidFill>
+                <a:miter lim="800000"/>
+                <a:headEnd/>
+                <a:tailEnd/>
+              </a14:hiddenLine>
+            </a:ext>
+            <a:ext uri="{AF507438-7753-43E0-B8FC-AC1667EBCBE1}">
+              <a14:hiddenEffects xmlns:a14="http://schemas.microsoft.com/office/drawing/2010/main">
+                <a:effectLst>
+                  <a:outerShdw dist="35921" dir="2700000" algn="ctr" rotWithShape="0">
+                    <a:schemeClr val="bg2"/>
+                  </a:outerShdw>
+                </a:effectLst>
+              </a14:hiddenEffects>
+            </a:ext>
+          </a:extLst>
+        </p:spPr>
+      </p:pic>
     </p:spTree>
+    <p:extLst>
+      <p:ext uri="{BB962C8B-B14F-4D97-AF65-F5344CB8AC3E}">
+        <p14:creationId xmlns:p14="http://schemas.microsoft.com/office/powerpoint/2010/main" val="75961762"/>
+      </p:ext>
+    </p:extLst>
   </p:cSld>
   <p:clrMapOvr>
     <a:masterClrMapping/>
@@ -11432,13 +11826,6 @@
   <p:transition spd="slow">
     <p:fade/>
   </p:transition>
-  <p:timing>
-    <p:tnLst>
-      <p:par>
-        <p:cTn id="1" dur="indefinite" restart="never" nodeType="tmRoot"/>
-      </p:par>
-    </p:tnLst>
-  </p:timing>
 </p:sld>
 </file>
 
@@ -11461,35 +11848,30 @@
       </p:grpSpPr>
       <p:sp>
         <p:nvSpPr>
-          <p:cNvPr id="2" name="Title 1"/>
+          <p:cNvPr id="5" name="Title 4"/>
           <p:cNvSpPr>
             <a:spLocks noGrp="1"/>
           </p:cNvSpPr>
           <p:nvPr>
             <p:ph type="title"/>
-            <p:custDataLst>
-              <p:tags r:id="rId2"/>
-            </p:custDataLst>
           </p:nvPr>
         </p:nvSpPr>
         <p:spPr/>
         <p:txBody>
-          <a:bodyPr>
-            <a:normAutofit/>
-          </a:bodyPr>
+          <a:bodyPr/>
           <a:lstStyle/>
           <a:p>
-            <a:r>
-              <a:rPr lang="en-US" sz="6000" b="1" dirty="0" smtClean="0"/>
-              <a:t>Current Status</a:t>
-            </a:r>
-            <a:endParaRPr lang="en-US" sz="6000" b="1" dirty="0"/>
+            <a:pPr algn="ctr"/>
+            <a:r>
+              <a:rPr lang="en-US" dirty="0"/>
+              <a:t>Speech Recognition</a:t>
+            </a:r>
           </a:p>
         </p:txBody>
       </p:sp>
       <p:sp>
         <p:nvSpPr>
-          <p:cNvPr id="4" name="Content Placeholder 3"/>
+          <p:cNvPr id="6" name="Content Placeholder 5"/>
           <p:cNvSpPr>
             <a:spLocks noGrp="1"/>
           </p:cNvSpPr>
@@ -11499,101 +11881,64 @@
         </p:nvSpPr>
         <p:spPr/>
         <p:txBody>
-          <a:bodyPr>
-            <a:normAutofit lnSpcReduction="10000"/>
-          </a:bodyPr>
+          <a:bodyPr/>
           <a:lstStyle/>
           <a:p>
-            <a:pPr>
-              <a:lnSpc>
-                <a:spcPct val="150000"/>
-              </a:lnSpc>
+            <a:pPr lvl="0">
+              <a:buClr>
+                <a:srgbClr val="0BD0D9"/>
+              </a:buClr>
             </a:pPr>
             <a:r>
-              <a:rPr lang="en-US" dirty="0" smtClean="0"/>
-              <a:t>Progress that </a:t>
-            </a:r>
-            <a:r>
-              <a:rPr lang="en-US" dirty="0"/>
-              <a:t>has been </a:t>
-            </a:r>
-            <a:r>
-              <a:rPr lang="en-US" dirty="0" smtClean="0"/>
-              <a:t>made:</a:t>
-            </a:r>
-            <a:endParaRPr lang="en-US" dirty="0"/>
-          </a:p>
-          <a:p>
-            <a:pPr lvl="1">
-              <a:lnSpc>
-                <a:spcPct val="150000"/>
-              </a:lnSpc>
+              <a:rPr lang="en-US" sz="3600" dirty="0">
+                <a:solidFill>
+                  <a:prstClr val="black"/>
+                </a:solidFill>
+              </a:rPr>
+              <a:t>Microsoft Speech Platform (SDK)</a:t>
+            </a:r>
+          </a:p>
+          <a:p>
+            <a:pPr lvl="0">
+              <a:buClr>
+                <a:srgbClr val="0BD0D9"/>
+              </a:buClr>
             </a:pPr>
             <a:r>
-              <a:rPr lang="en-US" dirty="0" smtClean="0"/>
-              <a:t>Communication between Kinect and Second Life</a:t>
-            </a:r>
-            <a:endParaRPr lang="en-US" dirty="0"/>
-          </a:p>
-          <a:p>
-            <a:pPr lvl="1">
-              <a:lnSpc>
-                <a:spcPct val="150000"/>
-              </a:lnSpc>
+              <a:rPr lang="en-US" sz="3600" dirty="0">
+                <a:solidFill>
+                  <a:prstClr val="black"/>
+                </a:solidFill>
+              </a:rPr>
+              <a:t>Event Handlers track speech and test against given library</a:t>
+            </a:r>
+          </a:p>
+          <a:p>
+            <a:pPr lvl="0">
+              <a:buClr>
+                <a:srgbClr val="0BD0D9"/>
+              </a:buClr>
             </a:pPr>
             <a:r>
-              <a:rPr lang="en-US" dirty="0" smtClean="0"/>
-              <a:t>Rudimentary gesture events written with corresponding actions in Second Life</a:t>
-            </a:r>
-            <a:endParaRPr lang="en-US" dirty="0"/>
-          </a:p>
-          <a:p>
-            <a:pPr>
-              <a:lnSpc>
-                <a:spcPct val="150000"/>
-              </a:lnSpc>
-            </a:pPr>
-            <a:r>
-              <a:rPr lang="en-US" dirty="0" smtClean="0"/>
-              <a:t>Next Steps:</a:t>
-            </a:r>
-            <a:endParaRPr lang="en-US" dirty="0"/>
-          </a:p>
-          <a:p>
-            <a:pPr lvl="1">
-              <a:lnSpc>
-                <a:spcPct val="150000"/>
-              </a:lnSpc>
-            </a:pPr>
-            <a:r>
-              <a:rPr lang="en-US" dirty="0" smtClean="0"/>
-              <a:t>Need to develop the game engine</a:t>
-            </a:r>
-          </a:p>
-          <a:p>
-            <a:pPr lvl="1">
-              <a:lnSpc>
-                <a:spcPct val="150000"/>
-              </a:lnSpc>
-            </a:pPr>
-            <a:r>
-              <a:rPr lang="en-US" dirty="0" smtClean="0"/>
-              <a:t>Need to develop complex gestures and voice recognition</a:t>
-            </a:r>
-            <a:endParaRPr lang="en-US" dirty="0"/>
-          </a:p>
-          <a:p>
-            <a:pPr marL="0" indent="0">
-              <a:buNone/>
-            </a:pPr>
+              <a:rPr lang="en-US" sz="3600" dirty="0">
+                <a:solidFill>
+                  <a:prstClr val="black"/>
+                </a:solidFill>
+              </a:rPr>
+              <a:t>Make the given command transition into Second Life.</a:t>
+            </a:r>
+          </a:p>
+          <a:p>
             <a:endParaRPr lang="en-US" dirty="0"/>
           </a:p>
         </p:txBody>
       </p:sp>
     </p:spTree>
-    <p:custDataLst>
-      <p:tags r:id="rId1"/>
-    </p:custDataLst>
+    <p:extLst>
+      <p:ext uri="{BB962C8B-B14F-4D97-AF65-F5344CB8AC3E}">
+        <p14:creationId xmlns:p14="http://schemas.microsoft.com/office/powerpoint/2010/main" val="1919569377"/>
+      </p:ext>
+    </p:extLst>
   </p:cSld>
   <p:clrMapOvr>
     <a:masterClrMapping/>
@@ -11601,13 +11946,6 @@
   <p:transition spd="slow">
     <p:fade/>
   </p:transition>
-  <p:timing>
-    <p:tnLst>
-      <p:par>
-        <p:cTn id="1" dur="indefinite" restart="never" nodeType="tmRoot"/>
-      </p:par>
-    </p:tnLst>
-  </p:timing>
 </p:sld>
 </file>
 
